--- a/ppt/12.抽象类和接口.pptx
+++ b/ppt/12.抽象类和接口.pptx
@@ -5,40 +5,46 @@
     <p:sldMasterId id="2147483648" r:id="rId1"/>
   </p:sldMasterIdLst>
   <p:notesMasterIdLst>
-    <p:notesMasterId r:id="rId33"/>
+    <p:notesMasterId r:id="rId39"/>
   </p:notesMasterIdLst>
   <p:sldIdLst>
     <p:sldId id="258" r:id="rId2"/>
     <p:sldId id="349" r:id="rId3"/>
     <p:sldId id="304" r:id="rId4"/>
     <p:sldId id="376" r:id="rId5"/>
-    <p:sldId id="377" r:id="rId6"/>
-    <p:sldId id="378" r:id="rId7"/>
-    <p:sldId id="352" r:id="rId8"/>
-    <p:sldId id="353" r:id="rId9"/>
-    <p:sldId id="374" r:id="rId10"/>
-    <p:sldId id="356" r:id="rId11"/>
-    <p:sldId id="369" r:id="rId12"/>
-    <p:sldId id="355" r:id="rId13"/>
-    <p:sldId id="359" r:id="rId14"/>
-    <p:sldId id="363" r:id="rId15"/>
-    <p:sldId id="362" r:id="rId16"/>
-    <p:sldId id="364" r:id="rId17"/>
-    <p:sldId id="331" r:id="rId18"/>
-    <p:sldId id="365" r:id="rId19"/>
-    <p:sldId id="357" r:id="rId20"/>
-    <p:sldId id="366" r:id="rId21"/>
-    <p:sldId id="368" r:id="rId22"/>
-    <p:sldId id="360" r:id="rId23"/>
-    <p:sldId id="367" r:id="rId24"/>
-    <p:sldId id="354" r:id="rId25"/>
-    <p:sldId id="361" r:id="rId26"/>
-    <p:sldId id="371" r:id="rId27"/>
-    <p:sldId id="372" r:id="rId28"/>
-    <p:sldId id="373" r:id="rId29"/>
-    <p:sldId id="351" r:id="rId30"/>
-    <p:sldId id="279" r:id="rId31"/>
-    <p:sldId id="375" r:id="rId32"/>
+    <p:sldId id="382" r:id="rId6"/>
+    <p:sldId id="377" r:id="rId7"/>
+    <p:sldId id="383" r:id="rId8"/>
+    <p:sldId id="378" r:id="rId9"/>
+    <p:sldId id="379" r:id="rId10"/>
+    <p:sldId id="353" r:id="rId11"/>
+    <p:sldId id="380" r:id="rId12"/>
+    <p:sldId id="381" r:id="rId13"/>
+    <p:sldId id="384" r:id="rId14"/>
+    <p:sldId id="385" r:id="rId15"/>
+    <p:sldId id="374" r:id="rId16"/>
+    <p:sldId id="356" r:id="rId17"/>
+    <p:sldId id="369" r:id="rId18"/>
+    <p:sldId id="355" r:id="rId19"/>
+    <p:sldId id="359" r:id="rId20"/>
+    <p:sldId id="363" r:id="rId21"/>
+    <p:sldId id="362" r:id="rId22"/>
+    <p:sldId id="364" r:id="rId23"/>
+    <p:sldId id="331" r:id="rId24"/>
+    <p:sldId id="365" r:id="rId25"/>
+    <p:sldId id="357" r:id="rId26"/>
+    <p:sldId id="366" r:id="rId27"/>
+    <p:sldId id="368" r:id="rId28"/>
+    <p:sldId id="360" r:id="rId29"/>
+    <p:sldId id="367" r:id="rId30"/>
+    <p:sldId id="354" r:id="rId31"/>
+    <p:sldId id="361" r:id="rId32"/>
+    <p:sldId id="371" r:id="rId33"/>
+    <p:sldId id="372" r:id="rId34"/>
+    <p:sldId id="373" r:id="rId35"/>
+    <p:sldId id="351" r:id="rId36"/>
+    <p:sldId id="279" r:id="rId37"/>
+    <p:sldId id="375" r:id="rId38"/>
   </p:sldIdLst>
   <p:sldSz cx="12192000" cy="6858000"/>
   <p:notesSz cx="6858000" cy="9144000"/>
@@ -150,10 +156,16 @@
             <p14:sldId id="349"/>
             <p14:sldId id="304"/>
             <p14:sldId id="376"/>
+            <p14:sldId id="382"/>
             <p14:sldId id="377"/>
+            <p14:sldId id="383"/>
             <p14:sldId id="378"/>
-            <p14:sldId id="352"/>
+            <p14:sldId id="379"/>
             <p14:sldId id="353"/>
+            <p14:sldId id="380"/>
+            <p14:sldId id="381"/>
+            <p14:sldId id="384"/>
+            <p14:sldId id="385"/>
             <p14:sldId id="374"/>
             <p14:sldId id="356"/>
             <p14:sldId id="369"/>
@@ -667,15 +679,7 @@
           <a:p>
             <a:r>
               <a:rPr kumimoji="1" lang="zh-CN" altLang="en-US" dirty="0"/>
-              <a:t>要注意学习</a:t>
-            </a:r>
-            <a:r>
-              <a:rPr kumimoji="1" lang="en-US" altLang="zh-CN" dirty="0"/>
-              <a:t>Object</a:t>
-            </a:r>
-            <a:r>
-              <a:rPr kumimoji="1" lang="zh-CN" altLang="en-US" dirty="0"/>
-              <a:t>类中的方法</a:t>
+              <a:t>切换到代码演示</a:t>
             </a:r>
           </a:p>
         </p:txBody>
@@ -706,7 +710,7 @@
     </p:spTree>
     <p:extLst>
       <p:ext uri="{BB962C8B-B14F-4D97-AF65-F5344CB8AC3E}">
-        <p14:creationId xmlns:p14="http://schemas.microsoft.com/office/powerpoint/2010/main" val="2101975829"/>
+        <p14:creationId xmlns:p14="http://schemas.microsoft.com/office/powerpoint/2010/main" val="2113995585"/>
       </p:ext>
     </p:extLst>
   </p:cSld>
@@ -760,10 +764,7 @@
           <a:bodyPr/>
           <a:lstStyle/>
           <a:p>
-            <a:r>
-              <a:rPr kumimoji="1" lang="zh-CN" altLang="en-US" dirty="0"/>
-              <a:t>切换到代码演示</a:t>
-            </a:r>
+            <a:endParaRPr kumimoji="1" lang="zh-CN" altLang="en-US" dirty="0"/>
           </a:p>
         </p:txBody>
       </p:sp>
@@ -793,7 +794,7 @@
     </p:spTree>
     <p:extLst>
       <p:ext uri="{BB962C8B-B14F-4D97-AF65-F5344CB8AC3E}">
-        <p14:creationId xmlns:p14="http://schemas.microsoft.com/office/powerpoint/2010/main" val="3079829010"/>
+        <p14:creationId xmlns:p14="http://schemas.microsoft.com/office/powerpoint/2010/main" val="3558431947"/>
       </p:ext>
     </p:extLst>
   </p:cSld>
@@ -847,10 +848,7 @@
           <a:bodyPr/>
           <a:lstStyle/>
           <a:p>
-            <a:r>
-              <a:rPr kumimoji="1" lang="zh-CN" altLang="en-US" dirty="0"/>
-              <a:t>切换到代码演示</a:t>
-            </a:r>
+            <a:endParaRPr kumimoji="1" lang="zh-CN" altLang="en-US" dirty="0"/>
           </a:p>
         </p:txBody>
       </p:sp>
@@ -880,7 +878,7 @@
     </p:spTree>
     <p:extLst>
       <p:ext uri="{BB962C8B-B14F-4D97-AF65-F5344CB8AC3E}">
-        <p14:creationId xmlns:p14="http://schemas.microsoft.com/office/powerpoint/2010/main" val="3415707210"/>
+        <p14:creationId xmlns:p14="http://schemas.microsoft.com/office/powerpoint/2010/main" val="1647178987"/>
       </p:ext>
     </p:extLst>
   </p:cSld>
@@ -934,78 +932,6 @@
           <a:bodyPr/>
           <a:lstStyle/>
           <a:p>
-            <a:pPr marL="0" marR="0" lvl="0" indent="0" algn="l" defTabSz="914400" rtl="0" eaLnBrk="1" fontAlgn="auto" latinLnBrk="0" hangingPunct="1">
-              <a:lnSpc>
-                <a:spcPct val="100000"/>
-              </a:lnSpc>
-              <a:spcBef>
-                <a:spcPts val="0"/>
-              </a:spcBef>
-              <a:spcAft>
-                <a:spcPts val="0"/>
-              </a:spcAft>
-              <a:buClrTx/>
-              <a:buSzTx/>
-              <a:buFontTx/>
-              <a:buNone/>
-              <a:tabLst/>
-              <a:defRPr/>
-            </a:pPr>
-            <a:r>
-              <a:rPr kumimoji="1" lang="zh-CN" altLang="en-US" dirty="0"/>
-              <a:t>切换到代码演示</a:t>
-            </a:r>
-            <a:r>
-              <a:rPr kumimoji="1" lang="zh-CN" altLang="en-US" sz="1200" dirty="0">
-                <a:latin typeface="Microsoft YaHei" panose="020B0503020204020204" pitchFamily="34" charset="-122"/>
-                <a:ea typeface="Microsoft YaHei" panose="020B0503020204020204" pitchFamily="34" charset="-122"/>
-              </a:rPr>
-              <a:t>判断两个对象在逻辑上是否相等，如根据类的成员变量来判断两个类的实例是否相等，而继承</a:t>
-            </a:r>
-            <a:r>
-              <a:rPr kumimoji="1" lang="en-US" altLang="zh-CN" sz="1200" dirty="0">
-                <a:latin typeface="Microsoft YaHei" panose="020B0503020204020204" pitchFamily="34" charset="-122"/>
-                <a:ea typeface="Microsoft YaHei" panose="020B0503020204020204" pitchFamily="34" charset="-122"/>
-              </a:rPr>
-              <a:t>Object</a:t>
-            </a:r>
-            <a:r>
-              <a:rPr kumimoji="1" lang="zh-CN" altLang="en-US" sz="1200" dirty="0">
-                <a:latin typeface="Microsoft YaHei" panose="020B0503020204020204" pitchFamily="34" charset="-122"/>
-                <a:ea typeface="Microsoft YaHei" panose="020B0503020204020204" pitchFamily="34" charset="-122"/>
-              </a:rPr>
-              <a:t>中的</a:t>
-            </a:r>
-            <a:r>
-              <a:rPr kumimoji="1" lang="en-US" altLang="zh-CN" sz="1200" dirty="0">
-                <a:latin typeface="Microsoft YaHei" panose="020B0503020204020204" pitchFamily="34" charset="-122"/>
-                <a:ea typeface="Microsoft YaHei" panose="020B0503020204020204" pitchFamily="34" charset="-122"/>
-              </a:rPr>
-              <a:t>equals</a:t>
-            </a:r>
-            <a:r>
-              <a:rPr kumimoji="1" lang="zh-CN" altLang="en-US" sz="1200" dirty="0">
-                <a:latin typeface="Microsoft YaHei" panose="020B0503020204020204" pitchFamily="34" charset="-122"/>
-                <a:ea typeface="Microsoft YaHei" panose="020B0503020204020204" pitchFamily="34" charset="-122"/>
-              </a:rPr>
-              <a:t>方法只能判断两个引用变量是否是同一个对象。这样我们往往需要重写</a:t>
-            </a:r>
-            <a:r>
-              <a:rPr kumimoji="1" lang="en-US" altLang="zh-CN" sz="1200" dirty="0">
-                <a:latin typeface="Microsoft YaHei" panose="020B0503020204020204" pitchFamily="34" charset="-122"/>
-                <a:ea typeface="Microsoft YaHei" panose="020B0503020204020204" pitchFamily="34" charset="-122"/>
-              </a:rPr>
-              <a:t>equals()</a:t>
-            </a:r>
-            <a:r>
-              <a:rPr kumimoji="1" lang="zh-CN" altLang="en-US" sz="1200" dirty="0">
-                <a:latin typeface="Microsoft YaHei" panose="020B0503020204020204" pitchFamily="34" charset="-122"/>
-                <a:ea typeface="Microsoft YaHei" panose="020B0503020204020204" pitchFamily="34" charset="-122"/>
-              </a:rPr>
-              <a:t>方法。</a:t>
-            </a:r>
-          </a:p>
-          <a:p>
             <a:endParaRPr kumimoji="1" lang="zh-CN" altLang="en-US" dirty="0"/>
           </a:p>
         </p:txBody>
@@ -1036,7 +962,7 @@
     </p:spTree>
     <p:extLst>
       <p:ext uri="{BB962C8B-B14F-4D97-AF65-F5344CB8AC3E}">
-        <p14:creationId xmlns:p14="http://schemas.microsoft.com/office/powerpoint/2010/main" val="1751631080"/>
+        <p14:creationId xmlns:p14="http://schemas.microsoft.com/office/powerpoint/2010/main" val="1609934446"/>
       </p:ext>
     </p:extLst>
   </p:cSld>
@@ -1091,357 +1017,9 @@
           <a:lstStyle/>
           <a:p>
             <a:r>
-              <a:rPr kumimoji="1" lang="en-US" altLang="zh-CN" dirty="0"/>
-              <a:t>1.hashcode</a:t>
-            </a:r>
-            <a:r>
               <a:rPr kumimoji="1" lang="zh-CN" altLang="en-US" dirty="0"/>
-              <a:t>是用来查找的，如果你学过数据结构就应该知道，在查找和排序这一章有</a:t>
-            </a:r>
-          </a:p>
-          <a:p>
-            <a:r>
-              <a:rPr kumimoji="1" lang="zh-CN" altLang="en-US" dirty="0"/>
-              <a:t>例如内存中有这样的位置</a:t>
-            </a:r>
-          </a:p>
-          <a:p>
-            <a:r>
-              <a:rPr kumimoji="1" lang="en-US" altLang="zh-CN" dirty="0"/>
-              <a:t>0  1  2  3  4  5  6  7  </a:t>
-            </a:r>
-          </a:p>
-          <a:p>
-            <a:r>
-              <a:rPr kumimoji="1" lang="zh-CN" altLang="en-US" dirty="0"/>
-              <a:t>而我有个类，这个类有个字段叫</a:t>
-            </a:r>
-            <a:r>
-              <a:rPr kumimoji="1" lang="en-US" altLang="zh-CN" dirty="0"/>
-              <a:t>ID,</a:t>
-            </a:r>
-            <a:r>
-              <a:rPr kumimoji="1" lang="zh-CN" altLang="en-US" dirty="0"/>
-              <a:t>我要把这个类存放在以上</a:t>
-            </a:r>
-            <a:r>
-              <a:rPr kumimoji="1" lang="en-US" altLang="zh-CN" dirty="0"/>
-              <a:t>8</a:t>
-            </a:r>
-            <a:r>
-              <a:rPr kumimoji="1" lang="zh-CN" altLang="en-US" dirty="0"/>
-              <a:t>个位置之一，如果不用</a:t>
-            </a:r>
-            <a:r>
-              <a:rPr kumimoji="1" lang="en-US" altLang="zh-CN" dirty="0" err="1"/>
-              <a:t>hashcode</a:t>
-            </a:r>
-            <a:r>
-              <a:rPr kumimoji="1" lang="zh-CN" altLang="en-US" dirty="0"/>
-              <a:t>而任意存放，那么当查找时就需要到这八个位置里挨个去找，或者用二分法一类的算法。</a:t>
-            </a:r>
-          </a:p>
-          <a:p>
-            <a:r>
-              <a:rPr kumimoji="1" lang="zh-CN" altLang="en-US" dirty="0"/>
-              <a:t>但如果用</a:t>
-            </a:r>
-            <a:r>
-              <a:rPr kumimoji="1" lang="en-US" altLang="zh-CN" dirty="0" err="1"/>
-              <a:t>hashcode</a:t>
-            </a:r>
-            <a:r>
-              <a:rPr kumimoji="1" lang="zh-CN" altLang="en-US" dirty="0"/>
-              <a:t>那就会使效率提高很多。</a:t>
-            </a:r>
-          </a:p>
-          <a:p>
-            <a:r>
-              <a:rPr kumimoji="1" lang="zh-CN" altLang="en-US" dirty="0"/>
-              <a:t>我们这个类中有个字段叫</a:t>
-            </a:r>
-            <a:r>
-              <a:rPr kumimoji="1" lang="en-US" altLang="zh-CN" dirty="0"/>
-              <a:t>ID,</a:t>
-            </a:r>
-            <a:r>
-              <a:rPr kumimoji="1" lang="zh-CN" altLang="en-US" dirty="0"/>
-              <a:t>那么我们就定义我们的</a:t>
-            </a:r>
-            <a:r>
-              <a:rPr kumimoji="1" lang="en-US" altLang="zh-CN" dirty="0" err="1"/>
-              <a:t>hashcode</a:t>
-            </a:r>
-            <a:r>
-              <a:rPr kumimoji="1" lang="zh-CN" altLang="en-US" dirty="0"/>
-              <a:t>为</a:t>
-            </a:r>
-            <a:r>
-              <a:rPr kumimoji="1" lang="en-US" altLang="zh-CN" dirty="0"/>
-              <a:t>ID</a:t>
-            </a:r>
-            <a:r>
-              <a:rPr kumimoji="1" lang="zh-CN" altLang="en-US" dirty="0"/>
-              <a:t>％</a:t>
-            </a:r>
-            <a:r>
-              <a:rPr kumimoji="1" lang="en-US" altLang="zh-CN" dirty="0"/>
-              <a:t>8</a:t>
-            </a:r>
-            <a:r>
-              <a:rPr kumimoji="1" lang="zh-CN" altLang="en-US" dirty="0"/>
-              <a:t>，然后把我们的类存放在取得得余数那个位置。比如我们的</a:t>
-            </a:r>
-            <a:r>
-              <a:rPr kumimoji="1" lang="en-US" altLang="zh-CN" dirty="0"/>
-              <a:t>ID</a:t>
-            </a:r>
-            <a:r>
-              <a:rPr kumimoji="1" lang="zh-CN" altLang="en-US" dirty="0"/>
-              <a:t>为</a:t>
-            </a:r>
-            <a:r>
-              <a:rPr kumimoji="1" lang="en-US" altLang="zh-CN" dirty="0"/>
-              <a:t>9</a:t>
-            </a:r>
-            <a:r>
-              <a:rPr kumimoji="1" lang="zh-CN" altLang="en-US" dirty="0"/>
-              <a:t>，</a:t>
-            </a:r>
-            <a:r>
-              <a:rPr kumimoji="1" lang="en-US" altLang="zh-CN" dirty="0"/>
-              <a:t>9</a:t>
-            </a:r>
-            <a:r>
-              <a:rPr kumimoji="1" lang="zh-CN" altLang="en-US" dirty="0"/>
-              <a:t>除</a:t>
-            </a:r>
-            <a:r>
-              <a:rPr kumimoji="1" lang="en-US" altLang="zh-CN" dirty="0"/>
-              <a:t>8</a:t>
-            </a:r>
-            <a:r>
-              <a:rPr kumimoji="1" lang="zh-CN" altLang="en-US" dirty="0"/>
-              <a:t>的余数为</a:t>
-            </a:r>
-            <a:r>
-              <a:rPr kumimoji="1" lang="en-US" altLang="zh-CN" dirty="0"/>
-              <a:t>1</a:t>
-            </a:r>
-            <a:r>
-              <a:rPr kumimoji="1" lang="zh-CN" altLang="en-US" dirty="0"/>
-              <a:t>，那么我们就把该类存在</a:t>
-            </a:r>
-            <a:r>
-              <a:rPr kumimoji="1" lang="en-US" altLang="zh-CN" dirty="0"/>
-              <a:t>1</a:t>
-            </a:r>
-            <a:r>
-              <a:rPr kumimoji="1" lang="zh-CN" altLang="en-US" dirty="0"/>
-              <a:t>这个位置，如果</a:t>
-            </a:r>
-            <a:r>
-              <a:rPr kumimoji="1" lang="en-US" altLang="zh-CN" dirty="0"/>
-              <a:t>ID</a:t>
-            </a:r>
-            <a:r>
-              <a:rPr kumimoji="1" lang="zh-CN" altLang="en-US" dirty="0"/>
-              <a:t>是</a:t>
-            </a:r>
-            <a:r>
-              <a:rPr kumimoji="1" lang="en-US" altLang="zh-CN" dirty="0"/>
-              <a:t>13</a:t>
-            </a:r>
-            <a:r>
-              <a:rPr kumimoji="1" lang="zh-CN" altLang="en-US" dirty="0"/>
-              <a:t>，求得的余数是</a:t>
-            </a:r>
-            <a:r>
-              <a:rPr kumimoji="1" lang="en-US" altLang="zh-CN" dirty="0"/>
-              <a:t>5</a:t>
-            </a:r>
-            <a:r>
-              <a:rPr kumimoji="1" lang="zh-CN" altLang="en-US" dirty="0"/>
-              <a:t>，那么我们就把该类放在</a:t>
-            </a:r>
-            <a:r>
-              <a:rPr kumimoji="1" lang="en-US" altLang="zh-CN" dirty="0"/>
-              <a:t>5</a:t>
-            </a:r>
-            <a:r>
-              <a:rPr kumimoji="1" lang="zh-CN" altLang="en-US" dirty="0"/>
-              <a:t>这个位置。这样，以后在查找该类时就可以通过</a:t>
-            </a:r>
-            <a:r>
-              <a:rPr kumimoji="1" lang="en-US" altLang="zh-CN" dirty="0"/>
-              <a:t>ID</a:t>
-            </a:r>
-            <a:r>
-              <a:rPr kumimoji="1" lang="zh-CN" altLang="en-US" dirty="0"/>
-              <a:t>除 </a:t>
-            </a:r>
-            <a:r>
-              <a:rPr kumimoji="1" lang="en-US" altLang="zh-CN" dirty="0"/>
-              <a:t>8</a:t>
-            </a:r>
-            <a:r>
-              <a:rPr kumimoji="1" lang="zh-CN" altLang="en-US" dirty="0"/>
-              <a:t>求余数直接找到存放的位置了。</a:t>
-            </a:r>
-          </a:p>
-          <a:p>
-            <a:endParaRPr kumimoji="1" lang="zh-CN" altLang="en-US" dirty="0"/>
-          </a:p>
-          <a:p>
-            <a:r>
-              <a:rPr kumimoji="1" lang="en-US" altLang="zh-CN" dirty="0"/>
-              <a:t>2.</a:t>
-            </a:r>
-            <a:r>
-              <a:rPr kumimoji="1" lang="zh-CN" altLang="en-US" dirty="0"/>
-              <a:t>但是如果两个类有相同的</a:t>
-            </a:r>
-            <a:r>
-              <a:rPr kumimoji="1" lang="en-US" altLang="zh-CN" dirty="0" err="1"/>
-              <a:t>hashcode</a:t>
-            </a:r>
-            <a:r>
-              <a:rPr kumimoji="1" lang="zh-CN" altLang="en-US" dirty="0"/>
-              <a:t>怎么办那（我们假设上面的类的</a:t>
-            </a:r>
-            <a:r>
-              <a:rPr kumimoji="1" lang="en-US" altLang="zh-CN" dirty="0"/>
-              <a:t>ID</a:t>
-            </a:r>
-            <a:r>
-              <a:rPr kumimoji="1" lang="zh-CN" altLang="en-US" dirty="0"/>
-              <a:t>不是唯一的），例如</a:t>
-            </a:r>
-            <a:r>
-              <a:rPr kumimoji="1" lang="en-US" altLang="zh-CN" dirty="0"/>
-              <a:t>9</a:t>
-            </a:r>
-            <a:r>
-              <a:rPr kumimoji="1" lang="zh-CN" altLang="en-US" dirty="0"/>
-              <a:t>除以</a:t>
-            </a:r>
-            <a:r>
-              <a:rPr kumimoji="1" lang="en-US" altLang="zh-CN" dirty="0"/>
-              <a:t>8</a:t>
-            </a:r>
-            <a:r>
-              <a:rPr kumimoji="1" lang="zh-CN" altLang="en-US" dirty="0"/>
-              <a:t>和</a:t>
-            </a:r>
-            <a:r>
-              <a:rPr kumimoji="1" lang="en-US" altLang="zh-CN" dirty="0"/>
-              <a:t>17</a:t>
-            </a:r>
-            <a:r>
-              <a:rPr kumimoji="1" lang="zh-CN" altLang="en-US" dirty="0"/>
-              <a:t>除以</a:t>
-            </a:r>
-            <a:r>
-              <a:rPr kumimoji="1" lang="en-US" altLang="zh-CN" dirty="0"/>
-              <a:t>8</a:t>
-            </a:r>
-            <a:r>
-              <a:rPr kumimoji="1" lang="zh-CN" altLang="en-US" dirty="0"/>
-              <a:t>的余数都是</a:t>
-            </a:r>
-            <a:r>
-              <a:rPr kumimoji="1" lang="en-US" altLang="zh-CN" dirty="0"/>
-              <a:t>1</a:t>
-            </a:r>
-            <a:r>
-              <a:rPr kumimoji="1" lang="zh-CN" altLang="en-US" dirty="0"/>
-              <a:t>，那么这是不是合法的，回答是：可以这样。那么如何判断呢？在这个时候就需要定义 </a:t>
-            </a:r>
-            <a:r>
-              <a:rPr kumimoji="1" lang="en-US" altLang="zh-CN" dirty="0"/>
-              <a:t>equals</a:t>
-            </a:r>
-            <a:r>
-              <a:rPr kumimoji="1" lang="zh-CN" altLang="en-US" dirty="0"/>
-              <a:t>了。</a:t>
-            </a:r>
-          </a:p>
-          <a:p>
-            <a:r>
-              <a:rPr kumimoji="1" lang="zh-CN" altLang="en-US" dirty="0"/>
-              <a:t>也就是说，我们先通过 </a:t>
-            </a:r>
-            <a:r>
-              <a:rPr kumimoji="1" lang="en-US" altLang="zh-CN" dirty="0" err="1"/>
-              <a:t>hashcode</a:t>
-            </a:r>
-            <a:r>
-              <a:rPr kumimoji="1" lang="zh-CN" altLang="en-US" dirty="0"/>
-              <a:t>来判断两个类是否存放某个桶里，但这个桶里可能有很多类，那么我们就需要再通过 </a:t>
-            </a:r>
-            <a:r>
-              <a:rPr kumimoji="1" lang="en-US" altLang="zh-CN" dirty="0"/>
-              <a:t>equals </a:t>
-            </a:r>
-            <a:r>
-              <a:rPr kumimoji="1" lang="zh-CN" altLang="en-US" dirty="0"/>
-              <a:t>来在这个桶里找到我们要的类。</a:t>
-            </a:r>
-          </a:p>
-          <a:p>
-            <a:r>
-              <a:rPr kumimoji="1" lang="zh-CN" altLang="en-US" dirty="0"/>
-              <a:t>那么。重写了</a:t>
-            </a:r>
-            <a:r>
-              <a:rPr kumimoji="1" lang="en-US" altLang="zh-CN" dirty="0"/>
-              <a:t>equals()</a:t>
-            </a:r>
-            <a:r>
-              <a:rPr kumimoji="1" lang="zh-CN" altLang="en-US" dirty="0"/>
-              <a:t>，为什么还要重写</a:t>
-            </a:r>
-            <a:r>
-              <a:rPr kumimoji="1" lang="en-US" altLang="zh-CN" dirty="0" err="1"/>
-              <a:t>hashCode</a:t>
-            </a:r>
-            <a:r>
-              <a:rPr kumimoji="1" lang="en-US" altLang="zh-CN" dirty="0"/>
-              <a:t>()</a:t>
-            </a:r>
-            <a:r>
-              <a:rPr kumimoji="1" lang="zh-CN" altLang="en-US" dirty="0"/>
-              <a:t>呢？</a:t>
-            </a:r>
-          </a:p>
-          <a:p>
-            <a:r>
-              <a:rPr kumimoji="1" lang="zh-CN" altLang="en-US" dirty="0"/>
-              <a:t>想想，你要在一个桶里找东西，你必须先要找到这个桶啊，你不通过重写</a:t>
-            </a:r>
-            <a:r>
-              <a:rPr kumimoji="1" lang="en-US" altLang="zh-CN" dirty="0" err="1"/>
-              <a:t>hashcode</a:t>
-            </a:r>
-            <a:r>
-              <a:rPr kumimoji="1" lang="en-US" altLang="zh-CN" dirty="0"/>
-              <a:t>()</a:t>
-            </a:r>
-            <a:r>
-              <a:rPr kumimoji="1" lang="zh-CN" altLang="en-US" dirty="0"/>
-              <a:t>来找到桶，光重写</a:t>
-            </a:r>
-            <a:r>
-              <a:rPr kumimoji="1" lang="en-US" altLang="zh-CN" dirty="0"/>
-              <a:t>equals()</a:t>
-            </a:r>
-            <a:r>
-              <a:rPr kumimoji="1" lang="zh-CN" altLang="en-US" dirty="0"/>
-              <a:t>有什么用啊</a:t>
-            </a:r>
-          </a:p>
-          <a:p>
-            <a:endParaRPr kumimoji="1" lang="zh-CN" altLang="en-US" dirty="0"/>
+              <a:t>切换到代码演示</a:t>
+            </a:r>
           </a:p>
         </p:txBody>
       </p:sp>
@@ -1471,7 +1049,7 @@
     </p:spTree>
     <p:extLst>
       <p:ext uri="{BB962C8B-B14F-4D97-AF65-F5344CB8AC3E}">
-        <p14:creationId xmlns:p14="http://schemas.microsoft.com/office/powerpoint/2010/main" val="227411470"/>
+        <p14:creationId xmlns:p14="http://schemas.microsoft.com/office/powerpoint/2010/main" val="3893479894"/>
       </p:ext>
     </p:extLst>
   </p:cSld>
@@ -1526,357 +1104,17 @@
           <a:lstStyle/>
           <a:p>
             <a:r>
+              <a:rPr kumimoji="1" lang="zh-CN" altLang="en-US" dirty="0"/>
+              <a:t>要注意学习</a:t>
+            </a:r>
+            <a:r>
               <a:rPr kumimoji="1" lang="en-US" altLang="zh-CN" dirty="0"/>
-              <a:t>1.hashcode</a:t>
+              <a:t>Object</a:t>
             </a:r>
             <a:r>
               <a:rPr kumimoji="1" lang="zh-CN" altLang="en-US" dirty="0"/>
-              <a:t>是用来查找的，如果你学过数据结构就应该知道，在查找和排序这一章有</a:t>
-            </a:r>
-          </a:p>
-          <a:p>
-            <a:r>
-              <a:rPr kumimoji="1" lang="zh-CN" altLang="en-US" dirty="0"/>
-              <a:t>例如内存中有这样的位置</a:t>
-            </a:r>
-          </a:p>
-          <a:p>
-            <a:r>
-              <a:rPr kumimoji="1" lang="en-US" altLang="zh-CN" dirty="0"/>
-              <a:t>0  1  2  3  4  5  6  7  </a:t>
-            </a:r>
-          </a:p>
-          <a:p>
-            <a:r>
-              <a:rPr kumimoji="1" lang="zh-CN" altLang="en-US" dirty="0"/>
-              <a:t>而我有个类，这个类有个字段叫</a:t>
-            </a:r>
-            <a:r>
-              <a:rPr kumimoji="1" lang="en-US" altLang="zh-CN" dirty="0"/>
-              <a:t>ID,</a:t>
-            </a:r>
-            <a:r>
-              <a:rPr kumimoji="1" lang="zh-CN" altLang="en-US" dirty="0"/>
-              <a:t>我要把这个类存放在以上</a:t>
-            </a:r>
-            <a:r>
-              <a:rPr kumimoji="1" lang="en-US" altLang="zh-CN" dirty="0"/>
-              <a:t>8</a:t>
-            </a:r>
-            <a:r>
-              <a:rPr kumimoji="1" lang="zh-CN" altLang="en-US" dirty="0"/>
-              <a:t>个位置之一，如果不用</a:t>
-            </a:r>
-            <a:r>
-              <a:rPr kumimoji="1" lang="en-US" altLang="zh-CN" dirty="0" err="1"/>
-              <a:t>hashcode</a:t>
-            </a:r>
-            <a:r>
-              <a:rPr kumimoji="1" lang="zh-CN" altLang="en-US" dirty="0"/>
-              <a:t>而任意存放，那么当查找时就需要到这八个位置里挨个去找，或者用二分法一类的算法。</a:t>
-            </a:r>
-          </a:p>
-          <a:p>
-            <a:r>
-              <a:rPr kumimoji="1" lang="zh-CN" altLang="en-US" dirty="0"/>
-              <a:t>但如果用</a:t>
-            </a:r>
-            <a:r>
-              <a:rPr kumimoji="1" lang="en-US" altLang="zh-CN" dirty="0" err="1"/>
-              <a:t>hashcode</a:t>
-            </a:r>
-            <a:r>
-              <a:rPr kumimoji="1" lang="zh-CN" altLang="en-US" dirty="0"/>
-              <a:t>那就会使效率提高很多。</a:t>
-            </a:r>
-          </a:p>
-          <a:p>
-            <a:r>
-              <a:rPr kumimoji="1" lang="zh-CN" altLang="en-US" dirty="0"/>
-              <a:t>我们这个类中有个字段叫</a:t>
-            </a:r>
-            <a:r>
-              <a:rPr kumimoji="1" lang="en-US" altLang="zh-CN" dirty="0"/>
-              <a:t>ID,</a:t>
-            </a:r>
-            <a:r>
-              <a:rPr kumimoji="1" lang="zh-CN" altLang="en-US" dirty="0"/>
-              <a:t>那么我们就定义我们的</a:t>
-            </a:r>
-            <a:r>
-              <a:rPr kumimoji="1" lang="en-US" altLang="zh-CN" dirty="0" err="1"/>
-              <a:t>hashcode</a:t>
-            </a:r>
-            <a:r>
-              <a:rPr kumimoji="1" lang="zh-CN" altLang="en-US" dirty="0"/>
-              <a:t>为</a:t>
-            </a:r>
-            <a:r>
-              <a:rPr kumimoji="1" lang="en-US" altLang="zh-CN" dirty="0"/>
-              <a:t>ID</a:t>
-            </a:r>
-            <a:r>
-              <a:rPr kumimoji="1" lang="zh-CN" altLang="en-US" dirty="0"/>
-              <a:t>％</a:t>
-            </a:r>
-            <a:r>
-              <a:rPr kumimoji="1" lang="en-US" altLang="zh-CN" dirty="0"/>
-              <a:t>8</a:t>
-            </a:r>
-            <a:r>
-              <a:rPr kumimoji="1" lang="zh-CN" altLang="en-US" dirty="0"/>
-              <a:t>，然后把我们的类存放在取得得余数那个位置。比如我们的</a:t>
-            </a:r>
-            <a:r>
-              <a:rPr kumimoji="1" lang="en-US" altLang="zh-CN" dirty="0"/>
-              <a:t>ID</a:t>
-            </a:r>
-            <a:r>
-              <a:rPr kumimoji="1" lang="zh-CN" altLang="en-US" dirty="0"/>
-              <a:t>为</a:t>
-            </a:r>
-            <a:r>
-              <a:rPr kumimoji="1" lang="en-US" altLang="zh-CN" dirty="0"/>
-              <a:t>9</a:t>
-            </a:r>
-            <a:r>
-              <a:rPr kumimoji="1" lang="zh-CN" altLang="en-US" dirty="0"/>
-              <a:t>，</a:t>
-            </a:r>
-            <a:r>
-              <a:rPr kumimoji="1" lang="en-US" altLang="zh-CN" dirty="0"/>
-              <a:t>9</a:t>
-            </a:r>
-            <a:r>
-              <a:rPr kumimoji="1" lang="zh-CN" altLang="en-US" dirty="0"/>
-              <a:t>除</a:t>
-            </a:r>
-            <a:r>
-              <a:rPr kumimoji="1" lang="en-US" altLang="zh-CN" dirty="0"/>
-              <a:t>8</a:t>
-            </a:r>
-            <a:r>
-              <a:rPr kumimoji="1" lang="zh-CN" altLang="en-US" dirty="0"/>
-              <a:t>的余数为</a:t>
-            </a:r>
-            <a:r>
-              <a:rPr kumimoji="1" lang="en-US" altLang="zh-CN" dirty="0"/>
-              <a:t>1</a:t>
-            </a:r>
-            <a:r>
-              <a:rPr kumimoji="1" lang="zh-CN" altLang="en-US" dirty="0"/>
-              <a:t>，那么我们就把该类存在</a:t>
-            </a:r>
-            <a:r>
-              <a:rPr kumimoji="1" lang="en-US" altLang="zh-CN" dirty="0"/>
-              <a:t>1</a:t>
-            </a:r>
-            <a:r>
-              <a:rPr kumimoji="1" lang="zh-CN" altLang="en-US" dirty="0"/>
-              <a:t>这个位置，如果</a:t>
-            </a:r>
-            <a:r>
-              <a:rPr kumimoji="1" lang="en-US" altLang="zh-CN" dirty="0"/>
-              <a:t>ID</a:t>
-            </a:r>
-            <a:r>
-              <a:rPr kumimoji="1" lang="zh-CN" altLang="en-US" dirty="0"/>
-              <a:t>是</a:t>
-            </a:r>
-            <a:r>
-              <a:rPr kumimoji="1" lang="en-US" altLang="zh-CN" dirty="0"/>
-              <a:t>13</a:t>
-            </a:r>
-            <a:r>
-              <a:rPr kumimoji="1" lang="zh-CN" altLang="en-US" dirty="0"/>
-              <a:t>，求得的余数是</a:t>
-            </a:r>
-            <a:r>
-              <a:rPr kumimoji="1" lang="en-US" altLang="zh-CN" dirty="0"/>
-              <a:t>5</a:t>
-            </a:r>
-            <a:r>
-              <a:rPr kumimoji="1" lang="zh-CN" altLang="en-US" dirty="0"/>
-              <a:t>，那么我们就把该类放在</a:t>
-            </a:r>
-            <a:r>
-              <a:rPr kumimoji="1" lang="en-US" altLang="zh-CN" dirty="0"/>
-              <a:t>5</a:t>
-            </a:r>
-            <a:r>
-              <a:rPr kumimoji="1" lang="zh-CN" altLang="en-US" dirty="0"/>
-              <a:t>这个位置。这样，以后在查找该类时就可以通过</a:t>
-            </a:r>
-            <a:r>
-              <a:rPr kumimoji="1" lang="en-US" altLang="zh-CN" dirty="0"/>
-              <a:t>ID</a:t>
-            </a:r>
-            <a:r>
-              <a:rPr kumimoji="1" lang="zh-CN" altLang="en-US" dirty="0"/>
-              <a:t>除 </a:t>
-            </a:r>
-            <a:r>
-              <a:rPr kumimoji="1" lang="en-US" altLang="zh-CN" dirty="0"/>
-              <a:t>8</a:t>
-            </a:r>
-            <a:r>
-              <a:rPr kumimoji="1" lang="zh-CN" altLang="en-US" dirty="0"/>
-              <a:t>求余数直接找到存放的位置了。</a:t>
-            </a:r>
-          </a:p>
-          <a:p>
-            <a:endParaRPr kumimoji="1" lang="zh-CN" altLang="en-US" dirty="0"/>
-          </a:p>
-          <a:p>
-            <a:r>
-              <a:rPr kumimoji="1" lang="en-US" altLang="zh-CN" dirty="0"/>
-              <a:t>2.</a:t>
-            </a:r>
-            <a:r>
-              <a:rPr kumimoji="1" lang="zh-CN" altLang="en-US" dirty="0"/>
-              <a:t>但是如果两个类有相同的</a:t>
-            </a:r>
-            <a:r>
-              <a:rPr kumimoji="1" lang="en-US" altLang="zh-CN" dirty="0" err="1"/>
-              <a:t>hashcode</a:t>
-            </a:r>
-            <a:r>
-              <a:rPr kumimoji="1" lang="zh-CN" altLang="en-US" dirty="0"/>
-              <a:t>怎么办那（我们假设上面的类的</a:t>
-            </a:r>
-            <a:r>
-              <a:rPr kumimoji="1" lang="en-US" altLang="zh-CN" dirty="0"/>
-              <a:t>ID</a:t>
-            </a:r>
-            <a:r>
-              <a:rPr kumimoji="1" lang="zh-CN" altLang="en-US" dirty="0"/>
-              <a:t>不是唯一的），例如</a:t>
-            </a:r>
-            <a:r>
-              <a:rPr kumimoji="1" lang="en-US" altLang="zh-CN" dirty="0"/>
-              <a:t>9</a:t>
-            </a:r>
-            <a:r>
-              <a:rPr kumimoji="1" lang="zh-CN" altLang="en-US" dirty="0"/>
-              <a:t>除以</a:t>
-            </a:r>
-            <a:r>
-              <a:rPr kumimoji="1" lang="en-US" altLang="zh-CN" dirty="0"/>
-              <a:t>8</a:t>
-            </a:r>
-            <a:r>
-              <a:rPr kumimoji="1" lang="zh-CN" altLang="en-US" dirty="0"/>
-              <a:t>和</a:t>
-            </a:r>
-            <a:r>
-              <a:rPr kumimoji="1" lang="en-US" altLang="zh-CN" dirty="0"/>
-              <a:t>17</a:t>
-            </a:r>
-            <a:r>
-              <a:rPr kumimoji="1" lang="zh-CN" altLang="en-US" dirty="0"/>
-              <a:t>除以</a:t>
-            </a:r>
-            <a:r>
-              <a:rPr kumimoji="1" lang="en-US" altLang="zh-CN" dirty="0"/>
-              <a:t>8</a:t>
-            </a:r>
-            <a:r>
-              <a:rPr kumimoji="1" lang="zh-CN" altLang="en-US" dirty="0"/>
-              <a:t>的余数都是</a:t>
-            </a:r>
-            <a:r>
-              <a:rPr kumimoji="1" lang="en-US" altLang="zh-CN" dirty="0"/>
-              <a:t>1</a:t>
-            </a:r>
-            <a:r>
-              <a:rPr kumimoji="1" lang="zh-CN" altLang="en-US" dirty="0"/>
-              <a:t>，那么这是不是合法的，回答是：可以这样。那么如何判断呢？在这个时候就需要定义 </a:t>
-            </a:r>
-            <a:r>
-              <a:rPr kumimoji="1" lang="en-US" altLang="zh-CN" dirty="0"/>
-              <a:t>equals</a:t>
-            </a:r>
-            <a:r>
-              <a:rPr kumimoji="1" lang="zh-CN" altLang="en-US" dirty="0"/>
-              <a:t>了。</a:t>
-            </a:r>
-          </a:p>
-          <a:p>
-            <a:r>
-              <a:rPr kumimoji="1" lang="zh-CN" altLang="en-US" dirty="0"/>
-              <a:t>也就是说，我们先通过 </a:t>
-            </a:r>
-            <a:r>
-              <a:rPr kumimoji="1" lang="en-US" altLang="zh-CN" dirty="0" err="1"/>
-              <a:t>hashcode</a:t>
-            </a:r>
-            <a:r>
-              <a:rPr kumimoji="1" lang="zh-CN" altLang="en-US" dirty="0"/>
-              <a:t>来判断两个类是否存放某个桶里，但这个桶里可能有很多类，那么我们就需要再通过 </a:t>
-            </a:r>
-            <a:r>
-              <a:rPr kumimoji="1" lang="en-US" altLang="zh-CN" dirty="0"/>
-              <a:t>equals </a:t>
-            </a:r>
-            <a:r>
-              <a:rPr kumimoji="1" lang="zh-CN" altLang="en-US" dirty="0"/>
-              <a:t>来在这个桶里找到我们要的类。</a:t>
-            </a:r>
-          </a:p>
-          <a:p>
-            <a:r>
-              <a:rPr kumimoji="1" lang="zh-CN" altLang="en-US" dirty="0"/>
-              <a:t>那么。重写了</a:t>
-            </a:r>
-            <a:r>
-              <a:rPr kumimoji="1" lang="en-US" altLang="zh-CN" dirty="0"/>
-              <a:t>equals()</a:t>
-            </a:r>
-            <a:r>
-              <a:rPr kumimoji="1" lang="zh-CN" altLang="en-US" dirty="0"/>
-              <a:t>，为什么还要重写</a:t>
-            </a:r>
-            <a:r>
-              <a:rPr kumimoji="1" lang="en-US" altLang="zh-CN" dirty="0" err="1"/>
-              <a:t>hashCode</a:t>
-            </a:r>
-            <a:r>
-              <a:rPr kumimoji="1" lang="en-US" altLang="zh-CN" dirty="0"/>
-              <a:t>()</a:t>
-            </a:r>
-            <a:r>
-              <a:rPr kumimoji="1" lang="zh-CN" altLang="en-US" dirty="0"/>
-              <a:t>呢？</a:t>
-            </a:r>
-          </a:p>
-          <a:p>
-            <a:r>
-              <a:rPr kumimoji="1" lang="zh-CN" altLang="en-US" dirty="0"/>
-              <a:t>想想，你要在一个桶里找东西，你必须先要找到这个桶啊，你不通过重写</a:t>
-            </a:r>
-            <a:r>
-              <a:rPr kumimoji="1" lang="en-US" altLang="zh-CN" dirty="0" err="1"/>
-              <a:t>hashcode</a:t>
-            </a:r>
-            <a:r>
-              <a:rPr kumimoji="1" lang="en-US" altLang="zh-CN" dirty="0"/>
-              <a:t>()</a:t>
-            </a:r>
-            <a:r>
-              <a:rPr kumimoji="1" lang="zh-CN" altLang="en-US" dirty="0"/>
-              <a:t>来找到桶，光重写</a:t>
-            </a:r>
-            <a:r>
-              <a:rPr kumimoji="1" lang="en-US" altLang="zh-CN" dirty="0"/>
-              <a:t>equals()</a:t>
-            </a:r>
-            <a:r>
-              <a:rPr kumimoji="1" lang="zh-CN" altLang="en-US" dirty="0"/>
-              <a:t>有什么用啊</a:t>
-            </a:r>
-          </a:p>
-          <a:p>
-            <a:endParaRPr kumimoji="1" lang="zh-CN" altLang="en-US" dirty="0"/>
+              <a:t>类中的方法</a:t>
+            </a:r>
           </a:p>
         </p:txBody>
       </p:sp>
@@ -1906,7 +1144,7 @@
     </p:spTree>
     <p:extLst>
       <p:ext uri="{BB962C8B-B14F-4D97-AF65-F5344CB8AC3E}">
-        <p14:creationId xmlns:p14="http://schemas.microsoft.com/office/powerpoint/2010/main" val="342508656"/>
+        <p14:creationId xmlns:p14="http://schemas.microsoft.com/office/powerpoint/2010/main" val="4136779501"/>
       </p:ext>
     </p:extLst>
   </p:cSld>
@@ -1962,7 +1200,15 @@
           <a:p>
             <a:r>
               <a:rPr kumimoji="1" lang="zh-CN" altLang="en-US" dirty="0"/>
-              <a:t>切换到代码演示</a:t>
+              <a:t>要注意学习</a:t>
+            </a:r>
+            <a:r>
+              <a:rPr kumimoji="1" lang="en-US" altLang="zh-CN" dirty="0"/>
+              <a:t>Object</a:t>
+            </a:r>
+            <a:r>
+              <a:rPr kumimoji="1" lang="zh-CN" altLang="en-US" dirty="0"/>
+              <a:t>类中的方法</a:t>
             </a:r>
           </a:p>
         </p:txBody>
@@ -1993,7 +1239,7 @@
     </p:spTree>
     <p:extLst>
       <p:ext uri="{BB962C8B-B14F-4D97-AF65-F5344CB8AC3E}">
-        <p14:creationId xmlns:p14="http://schemas.microsoft.com/office/powerpoint/2010/main" val="171515314"/>
+        <p14:creationId xmlns:p14="http://schemas.microsoft.com/office/powerpoint/2010/main" val="2101975829"/>
       </p:ext>
     </p:extLst>
   </p:cSld>
@@ -2080,7 +1326,7 @@
     </p:spTree>
     <p:extLst>
       <p:ext uri="{BB962C8B-B14F-4D97-AF65-F5344CB8AC3E}">
-        <p14:creationId xmlns:p14="http://schemas.microsoft.com/office/powerpoint/2010/main" val="1739551378"/>
+        <p14:creationId xmlns:p14="http://schemas.microsoft.com/office/powerpoint/2010/main" val="3079829010"/>
       </p:ext>
     </p:extLst>
   </p:cSld>
@@ -2136,7 +1382,7 @@
           <a:p>
             <a:r>
               <a:rPr kumimoji="1" lang="zh-CN" altLang="en-US" dirty="0"/>
-              <a:t>社会要包容多样性，这样才有活力和生机</a:t>
+              <a:t>切换到代码演示</a:t>
             </a:r>
           </a:p>
         </p:txBody>
@@ -2167,7 +1413,7 @@
     </p:spTree>
     <p:extLst>
       <p:ext uri="{BB962C8B-B14F-4D97-AF65-F5344CB8AC3E}">
-        <p14:creationId xmlns:p14="http://schemas.microsoft.com/office/powerpoint/2010/main" val="3531369269"/>
+        <p14:creationId xmlns:p14="http://schemas.microsoft.com/office/powerpoint/2010/main" val="3415707210"/>
       </p:ext>
     </p:extLst>
   </p:cSld>
@@ -2221,10 +1467,79 @@
           <a:bodyPr/>
           <a:lstStyle/>
           <a:p>
+            <a:pPr marL="0" marR="0" lvl="0" indent="0" algn="l" defTabSz="914400" rtl="0" eaLnBrk="1" fontAlgn="auto" latinLnBrk="0" hangingPunct="1">
+              <a:lnSpc>
+                <a:spcPct val="100000"/>
+              </a:lnSpc>
+              <a:spcBef>
+                <a:spcPts val="0"/>
+              </a:spcBef>
+              <a:spcAft>
+                <a:spcPts val="0"/>
+              </a:spcAft>
+              <a:buClrTx/>
+              <a:buSzTx/>
+              <a:buFontTx/>
+              <a:buNone/>
+              <a:tabLst/>
+              <a:defRPr/>
+            </a:pPr>
             <a:r>
               <a:rPr kumimoji="1" lang="zh-CN" altLang="en-US" dirty="0"/>
-              <a:t>社会要包容多样性，这样才有活力和生机</a:t>
-            </a:r>
+              <a:t>切换到代码演示</a:t>
+            </a:r>
+            <a:r>
+              <a:rPr kumimoji="1" lang="zh-CN" altLang="en-US" sz="1200" dirty="0">
+                <a:latin typeface="Microsoft YaHei" panose="020B0503020204020204" pitchFamily="34" charset="-122"/>
+                <a:ea typeface="Microsoft YaHei" panose="020B0503020204020204" pitchFamily="34" charset="-122"/>
+              </a:rPr>
+              <a:t>判断两个对象在逻辑上是否相等，如根据类的成员变量来判断两个类的实例是否相等，而继承</a:t>
+            </a:r>
+            <a:r>
+              <a:rPr kumimoji="1" lang="en-US" altLang="zh-CN" sz="1200" dirty="0">
+                <a:latin typeface="Microsoft YaHei" panose="020B0503020204020204" pitchFamily="34" charset="-122"/>
+                <a:ea typeface="Microsoft YaHei" panose="020B0503020204020204" pitchFamily="34" charset="-122"/>
+              </a:rPr>
+              <a:t>Object</a:t>
+            </a:r>
+            <a:r>
+              <a:rPr kumimoji="1" lang="zh-CN" altLang="en-US" sz="1200" dirty="0">
+                <a:latin typeface="Microsoft YaHei" panose="020B0503020204020204" pitchFamily="34" charset="-122"/>
+                <a:ea typeface="Microsoft YaHei" panose="020B0503020204020204" pitchFamily="34" charset="-122"/>
+              </a:rPr>
+              <a:t>中的</a:t>
+            </a:r>
+            <a:r>
+              <a:rPr kumimoji="1" lang="en-US" altLang="zh-CN" sz="1200" dirty="0">
+                <a:latin typeface="Microsoft YaHei" panose="020B0503020204020204" pitchFamily="34" charset="-122"/>
+                <a:ea typeface="Microsoft YaHei" panose="020B0503020204020204" pitchFamily="34" charset="-122"/>
+              </a:rPr>
+              <a:t>equals</a:t>
+            </a:r>
+            <a:r>
+              <a:rPr kumimoji="1" lang="zh-CN" altLang="en-US" sz="1200" dirty="0">
+                <a:latin typeface="Microsoft YaHei" panose="020B0503020204020204" pitchFamily="34" charset="-122"/>
+                <a:ea typeface="Microsoft YaHei" panose="020B0503020204020204" pitchFamily="34" charset="-122"/>
+              </a:rPr>
+              <a:t>方法只能判断两个引用变量是否是同一个对象。这样我们往往需要重写</a:t>
+            </a:r>
+            <a:r>
+              <a:rPr kumimoji="1" lang="en-US" altLang="zh-CN" sz="1200" dirty="0">
+                <a:latin typeface="Microsoft YaHei" panose="020B0503020204020204" pitchFamily="34" charset="-122"/>
+                <a:ea typeface="Microsoft YaHei" panose="020B0503020204020204" pitchFamily="34" charset="-122"/>
+              </a:rPr>
+              <a:t>equals()</a:t>
+            </a:r>
+            <a:r>
+              <a:rPr kumimoji="1" lang="zh-CN" altLang="en-US" sz="1200" dirty="0">
+                <a:latin typeface="Microsoft YaHei" panose="020B0503020204020204" pitchFamily="34" charset="-122"/>
+                <a:ea typeface="Microsoft YaHei" panose="020B0503020204020204" pitchFamily="34" charset="-122"/>
+              </a:rPr>
+              <a:t>方法。</a:t>
+            </a:r>
+          </a:p>
+          <a:p>
+            <a:endParaRPr kumimoji="1" lang="zh-CN" altLang="en-US" dirty="0"/>
           </a:p>
         </p:txBody>
       </p:sp>
@@ -2254,7 +1569,7 @@
     </p:spTree>
     <p:extLst>
       <p:ext uri="{BB962C8B-B14F-4D97-AF65-F5344CB8AC3E}">
-        <p14:creationId xmlns:p14="http://schemas.microsoft.com/office/powerpoint/2010/main" val="2954095342"/>
+        <p14:creationId xmlns:p14="http://schemas.microsoft.com/office/powerpoint/2010/main" val="1751631080"/>
       </p:ext>
     </p:extLst>
   </p:cSld>
@@ -2396,9 +1711,357 @@
           <a:lstStyle/>
           <a:p>
             <a:r>
+              <a:rPr kumimoji="1" lang="en-US" altLang="zh-CN" dirty="0"/>
+              <a:t>1.hashcode</a:t>
+            </a:r>
+            <a:r>
               <a:rPr kumimoji="1" lang="zh-CN" altLang="en-US" dirty="0"/>
-              <a:t>社会要包容多样性，这样才有活力和生机</a:t>
-            </a:r>
+              <a:t>是用来查找的，如果你学过数据结构就应该知道，在查找和排序这一章有</a:t>
+            </a:r>
+          </a:p>
+          <a:p>
+            <a:r>
+              <a:rPr kumimoji="1" lang="zh-CN" altLang="en-US" dirty="0"/>
+              <a:t>例如内存中有这样的位置</a:t>
+            </a:r>
+          </a:p>
+          <a:p>
+            <a:r>
+              <a:rPr kumimoji="1" lang="en-US" altLang="zh-CN" dirty="0"/>
+              <a:t>0  1  2  3  4  5  6  7  </a:t>
+            </a:r>
+          </a:p>
+          <a:p>
+            <a:r>
+              <a:rPr kumimoji="1" lang="zh-CN" altLang="en-US" dirty="0"/>
+              <a:t>而我有个类，这个类有个字段叫</a:t>
+            </a:r>
+            <a:r>
+              <a:rPr kumimoji="1" lang="en-US" altLang="zh-CN" dirty="0"/>
+              <a:t>ID,</a:t>
+            </a:r>
+            <a:r>
+              <a:rPr kumimoji="1" lang="zh-CN" altLang="en-US" dirty="0"/>
+              <a:t>我要把这个类存放在以上</a:t>
+            </a:r>
+            <a:r>
+              <a:rPr kumimoji="1" lang="en-US" altLang="zh-CN" dirty="0"/>
+              <a:t>8</a:t>
+            </a:r>
+            <a:r>
+              <a:rPr kumimoji="1" lang="zh-CN" altLang="en-US" dirty="0"/>
+              <a:t>个位置之一，如果不用</a:t>
+            </a:r>
+            <a:r>
+              <a:rPr kumimoji="1" lang="en-US" altLang="zh-CN" dirty="0" err="1"/>
+              <a:t>hashcode</a:t>
+            </a:r>
+            <a:r>
+              <a:rPr kumimoji="1" lang="zh-CN" altLang="en-US" dirty="0"/>
+              <a:t>而任意存放，那么当查找时就需要到这八个位置里挨个去找，或者用二分法一类的算法。</a:t>
+            </a:r>
+          </a:p>
+          <a:p>
+            <a:r>
+              <a:rPr kumimoji="1" lang="zh-CN" altLang="en-US" dirty="0"/>
+              <a:t>但如果用</a:t>
+            </a:r>
+            <a:r>
+              <a:rPr kumimoji="1" lang="en-US" altLang="zh-CN" dirty="0" err="1"/>
+              <a:t>hashcode</a:t>
+            </a:r>
+            <a:r>
+              <a:rPr kumimoji="1" lang="zh-CN" altLang="en-US" dirty="0"/>
+              <a:t>那就会使效率提高很多。</a:t>
+            </a:r>
+          </a:p>
+          <a:p>
+            <a:r>
+              <a:rPr kumimoji="1" lang="zh-CN" altLang="en-US" dirty="0"/>
+              <a:t>我们这个类中有个字段叫</a:t>
+            </a:r>
+            <a:r>
+              <a:rPr kumimoji="1" lang="en-US" altLang="zh-CN" dirty="0"/>
+              <a:t>ID,</a:t>
+            </a:r>
+            <a:r>
+              <a:rPr kumimoji="1" lang="zh-CN" altLang="en-US" dirty="0"/>
+              <a:t>那么我们就定义我们的</a:t>
+            </a:r>
+            <a:r>
+              <a:rPr kumimoji="1" lang="en-US" altLang="zh-CN" dirty="0" err="1"/>
+              <a:t>hashcode</a:t>
+            </a:r>
+            <a:r>
+              <a:rPr kumimoji="1" lang="zh-CN" altLang="en-US" dirty="0"/>
+              <a:t>为</a:t>
+            </a:r>
+            <a:r>
+              <a:rPr kumimoji="1" lang="en-US" altLang="zh-CN" dirty="0"/>
+              <a:t>ID</a:t>
+            </a:r>
+            <a:r>
+              <a:rPr kumimoji="1" lang="zh-CN" altLang="en-US" dirty="0"/>
+              <a:t>％</a:t>
+            </a:r>
+            <a:r>
+              <a:rPr kumimoji="1" lang="en-US" altLang="zh-CN" dirty="0"/>
+              <a:t>8</a:t>
+            </a:r>
+            <a:r>
+              <a:rPr kumimoji="1" lang="zh-CN" altLang="en-US" dirty="0"/>
+              <a:t>，然后把我们的类存放在取得得余数那个位置。比如我们的</a:t>
+            </a:r>
+            <a:r>
+              <a:rPr kumimoji="1" lang="en-US" altLang="zh-CN" dirty="0"/>
+              <a:t>ID</a:t>
+            </a:r>
+            <a:r>
+              <a:rPr kumimoji="1" lang="zh-CN" altLang="en-US" dirty="0"/>
+              <a:t>为</a:t>
+            </a:r>
+            <a:r>
+              <a:rPr kumimoji="1" lang="en-US" altLang="zh-CN" dirty="0"/>
+              <a:t>9</a:t>
+            </a:r>
+            <a:r>
+              <a:rPr kumimoji="1" lang="zh-CN" altLang="en-US" dirty="0"/>
+              <a:t>，</a:t>
+            </a:r>
+            <a:r>
+              <a:rPr kumimoji="1" lang="en-US" altLang="zh-CN" dirty="0"/>
+              <a:t>9</a:t>
+            </a:r>
+            <a:r>
+              <a:rPr kumimoji="1" lang="zh-CN" altLang="en-US" dirty="0"/>
+              <a:t>除</a:t>
+            </a:r>
+            <a:r>
+              <a:rPr kumimoji="1" lang="en-US" altLang="zh-CN" dirty="0"/>
+              <a:t>8</a:t>
+            </a:r>
+            <a:r>
+              <a:rPr kumimoji="1" lang="zh-CN" altLang="en-US" dirty="0"/>
+              <a:t>的余数为</a:t>
+            </a:r>
+            <a:r>
+              <a:rPr kumimoji="1" lang="en-US" altLang="zh-CN" dirty="0"/>
+              <a:t>1</a:t>
+            </a:r>
+            <a:r>
+              <a:rPr kumimoji="1" lang="zh-CN" altLang="en-US" dirty="0"/>
+              <a:t>，那么我们就把该类存在</a:t>
+            </a:r>
+            <a:r>
+              <a:rPr kumimoji="1" lang="en-US" altLang="zh-CN" dirty="0"/>
+              <a:t>1</a:t>
+            </a:r>
+            <a:r>
+              <a:rPr kumimoji="1" lang="zh-CN" altLang="en-US" dirty="0"/>
+              <a:t>这个位置，如果</a:t>
+            </a:r>
+            <a:r>
+              <a:rPr kumimoji="1" lang="en-US" altLang="zh-CN" dirty="0"/>
+              <a:t>ID</a:t>
+            </a:r>
+            <a:r>
+              <a:rPr kumimoji="1" lang="zh-CN" altLang="en-US" dirty="0"/>
+              <a:t>是</a:t>
+            </a:r>
+            <a:r>
+              <a:rPr kumimoji="1" lang="en-US" altLang="zh-CN" dirty="0"/>
+              <a:t>13</a:t>
+            </a:r>
+            <a:r>
+              <a:rPr kumimoji="1" lang="zh-CN" altLang="en-US" dirty="0"/>
+              <a:t>，求得的余数是</a:t>
+            </a:r>
+            <a:r>
+              <a:rPr kumimoji="1" lang="en-US" altLang="zh-CN" dirty="0"/>
+              <a:t>5</a:t>
+            </a:r>
+            <a:r>
+              <a:rPr kumimoji="1" lang="zh-CN" altLang="en-US" dirty="0"/>
+              <a:t>，那么我们就把该类放在</a:t>
+            </a:r>
+            <a:r>
+              <a:rPr kumimoji="1" lang="en-US" altLang="zh-CN" dirty="0"/>
+              <a:t>5</a:t>
+            </a:r>
+            <a:r>
+              <a:rPr kumimoji="1" lang="zh-CN" altLang="en-US" dirty="0"/>
+              <a:t>这个位置。这样，以后在查找该类时就可以通过</a:t>
+            </a:r>
+            <a:r>
+              <a:rPr kumimoji="1" lang="en-US" altLang="zh-CN" dirty="0"/>
+              <a:t>ID</a:t>
+            </a:r>
+            <a:r>
+              <a:rPr kumimoji="1" lang="zh-CN" altLang="en-US" dirty="0"/>
+              <a:t>除 </a:t>
+            </a:r>
+            <a:r>
+              <a:rPr kumimoji="1" lang="en-US" altLang="zh-CN" dirty="0"/>
+              <a:t>8</a:t>
+            </a:r>
+            <a:r>
+              <a:rPr kumimoji="1" lang="zh-CN" altLang="en-US" dirty="0"/>
+              <a:t>求余数直接找到存放的位置了。</a:t>
+            </a:r>
+          </a:p>
+          <a:p>
+            <a:endParaRPr kumimoji="1" lang="zh-CN" altLang="en-US" dirty="0"/>
+          </a:p>
+          <a:p>
+            <a:r>
+              <a:rPr kumimoji="1" lang="en-US" altLang="zh-CN" dirty="0"/>
+              <a:t>2.</a:t>
+            </a:r>
+            <a:r>
+              <a:rPr kumimoji="1" lang="zh-CN" altLang="en-US" dirty="0"/>
+              <a:t>但是如果两个类有相同的</a:t>
+            </a:r>
+            <a:r>
+              <a:rPr kumimoji="1" lang="en-US" altLang="zh-CN" dirty="0" err="1"/>
+              <a:t>hashcode</a:t>
+            </a:r>
+            <a:r>
+              <a:rPr kumimoji="1" lang="zh-CN" altLang="en-US" dirty="0"/>
+              <a:t>怎么办那（我们假设上面的类的</a:t>
+            </a:r>
+            <a:r>
+              <a:rPr kumimoji="1" lang="en-US" altLang="zh-CN" dirty="0"/>
+              <a:t>ID</a:t>
+            </a:r>
+            <a:r>
+              <a:rPr kumimoji="1" lang="zh-CN" altLang="en-US" dirty="0"/>
+              <a:t>不是唯一的），例如</a:t>
+            </a:r>
+            <a:r>
+              <a:rPr kumimoji="1" lang="en-US" altLang="zh-CN" dirty="0"/>
+              <a:t>9</a:t>
+            </a:r>
+            <a:r>
+              <a:rPr kumimoji="1" lang="zh-CN" altLang="en-US" dirty="0"/>
+              <a:t>除以</a:t>
+            </a:r>
+            <a:r>
+              <a:rPr kumimoji="1" lang="en-US" altLang="zh-CN" dirty="0"/>
+              <a:t>8</a:t>
+            </a:r>
+            <a:r>
+              <a:rPr kumimoji="1" lang="zh-CN" altLang="en-US" dirty="0"/>
+              <a:t>和</a:t>
+            </a:r>
+            <a:r>
+              <a:rPr kumimoji="1" lang="en-US" altLang="zh-CN" dirty="0"/>
+              <a:t>17</a:t>
+            </a:r>
+            <a:r>
+              <a:rPr kumimoji="1" lang="zh-CN" altLang="en-US" dirty="0"/>
+              <a:t>除以</a:t>
+            </a:r>
+            <a:r>
+              <a:rPr kumimoji="1" lang="en-US" altLang="zh-CN" dirty="0"/>
+              <a:t>8</a:t>
+            </a:r>
+            <a:r>
+              <a:rPr kumimoji="1" lang="zh-CN" altLang="en-US" dirty="0"/>
+              <a:t>的余数都是</a:t>
+            </a:r>
+            <a:r>
+              <a:rPr kumimoji="1" lang="en-US" altLang="zh-CN" dirty="0"/>
+              <a:t>1</a:t>
+            </a:r>
+            <a:r>
+              <a:rPr kumimoji="1" lang="zh-CN" altLang="en-US" dirty="0"/>
+              <a:t>，那么这是不是合法的，回答是：可以这样。那么如何判断呢？在这个时候就需要定义 </a:t>
+            </a:r>
+            <a:r>
+              <a:rPr kumimoji="1" lang="en-US" altLang="zh-CN" dirty="0"/>
+              <a:t>equals</a:t>
+            </a:r>
+            <a:r>
+              <a:rPr kumimoji="1" lang="zh-CN" altLang="en-US" dirty="0"/>
+              <a:t>了。</a:t>
+            </a:r>
+          </a:p>
+          <a:p>
+            <a:r>
+              <a:rPr kumimoji="1" lang="zh-CN" altLang="en-US" dirty="0"/>
+              <a:t>也就是说，我们先通过 </a:t>
+            </a:r>
+            <a:r>
+              <a:rPr kumimoji="1" lang="en-US" altLang="zh-CN" dirty="0" err="1"/>
+              <a:t>hashcode</a:t>
+            </a:r>
+            <a:r>
+              <a:rPr kumimoji="1" lang="zh-CN" altLang="en-US" dirty="0"/>
+              <a:t>来判断两个类是否存放某个桶里，但这个桶里可能有很多类，那么我们就需要再通过 </a:t>
+            </a:r>
+            <a:r>
+              <a:rPr kumimoji="1" lang="en-US" altLang="zh-CN" dirty="0"/>
+              <a:t>equals </a:t>
+            </a:r>
+            <a:r>
+              <a:rPr kumimoji="1" lang="zh-CN" altLang="en-US" dirty="0"/>
+              <a:t>来在这个桶里找到我们要的类。</a:t>
+            </a:r>
+          </a:p>
+          <a:p>
+            <a:r>
+              <a:rPr kumimoji="1" lang="zh-CN" altLang="en-US" dirty="0"/>
+              <a:t>那么。重写了</a:t>
+            </a:r>
+            <a:r>
+              <a:rPr kumimoji="1" lang="en-US" altLang="zh-CN" dirty="0"/>
+              <a:t>equals()</a:t>
+            </a:r>
+            <a:r>
+              <a:rPr kumimoji="1" lang="zh-CN" altLang="en-US" dirty="0"/>
+              <a:t>，为什么还要重写</a:t>
+            </a:r>
+            <a:r>
+              <a:rPr kumimoji="1" lang="en-US" altLang="zh-CN" dirty="0" err="1"/>
+              <a:t>hashCode</a:t>
+            </a:r>
+            <a:r>
+              <a:rPr kumimoji="1" lang="en-US" altLang="zh-CN" dirty="0"/>
+              <a:t>()</a:t>
+            </a:r>
+            <a:r>
+              <a:rPr kumimoji="1" lang="zh-CN" altLang="en-US" dirty="0"/>
+              <a:t>呢？</a:t>
+            </a:r>
+          </a:p>
+          <a:p>
+            <a:r>
+              <a:rPr kumimoji="1" lang="zh-CN" altLang="en-US" dirty="0"/>
+              <a:t>想想，你要在一个桶里找东西，你必须先要找到这个桶啊，你不通过重写</a:t>
+            </a:r>
+            <a:r>
+              <a:rPr kumimoji="1" lang="en-US" altLang="zh-CN" dirty="0" err="1"/>
+              <a:t>hashcode</a:t>
+            </a:r>
+            <a:r>
+              <a:rPr kumimoji="1" lang="en-US" altLang="zh-CN" dirty="0"/>
+              <a:t>()</a:t>
+            </a:r>
+            <a:r>
+              <a:rPr kumimoji="1" lang="zh-CN" altLang="en-US" dirty="0"/>
+              <a:t>来找到桶，光重写</a:t>
+            </a:r>
+            <a:r>
+              <a:rPr kumimoji="1" lang="en-US" altLang="zh-CN" dirty="0"/>
+              <a:t>equals()</a:t>
+            </a:r>
+            <a:r>
+              <a:rPr kumimoji="1" lang="zh-CN" altLang="en-US" dirty="0"/>
+              <a:t>有什么用啊</a:t>
+            </a:r>
+          </a:p>
+          <a:p>
+            <a:endParaRPr kumimoji="1" lang="zh-CN" altLang="en-US" dirty="0"/>
           </a:p>
         </p:txBody>
       </p:sp>
@@ -2428,7 +2091,7 @@
     </p:spTree>
     <p:extLst>
       <p:ext uri="{BB962C8B-B14F-4D97-AF65-F5344CB8AC3E}">
-        <p14:creationId xmlns:p14="http://schemas.microsoft.com/office/powerpoint/2010/main" val="3205552697"/>
+        <p14:creationId xmlns:p14="http://schemas.microsoft.com/office/powerpoint/2010/main" val="227411470"/>
       </p:ext>
     </p:extLst>
   </p:cSld>
@@ -2483,9 +2146,357 @@
           <a:lstStyle/>
           <a:p>
             <a:r>
+              <a:rPr kumimoji="1" lang="en-US" altLang="zh-CN" dirty="0"/>
+              <a:t>1.hashcode</a:t>
+            </a:r>
+            <a:r>
               <a:rPr kumimoji="1" lang="zh-CN" altLang="en-US" dirty="0"/>
-              <a:t>切换到代码演示</a:t>
-            </a:r>
+              <a:t>是用来查找的，如果你学过数据结构就应该知道，在查找和排序这一章有</a:t>
+            </a:r>
+          </a:p>
+          <a:p>
+            <a:r>
+              <a:rPr kumimoji="1" lang="zh-CN" altLang="en-US" dirty="0"/>
+              <a:t>例如内存中有这样的位置</a:t>
+            </a:r>
+          </a:p>
+          <a:p>
+            <a:r>
+              <a:rPr kumimoji="1" lang="en-US" altLang="zh-CN" dirty="0"/>
+              <a:t>0  1  2  3  4  5  6  7  </a:t>
+            </a:r>
+          </a:p>
+          <a:p>
+            <a:r>
+              <a:rPr kumimoji="1" lang="zh-CN" altLang="en-US" dirty="0"/>
+              <a:t>而我有个类，这个类有个字段叫</a:t>
+            </a:r>
+            <a:r>
+              <a:rPr kumimoji="1" lang="en-US" altLang="zh-CN" dirty="0"/>
+              <a:t>ID,</a:t>
+            </a:r>
+            <a:r>
+              <a:rPr kumimoji="1" lang="zh-CN" altLang="en-US" dirty="0"/>
+              <a:t>我要把这个类存放在以上</a:t>
+            </a:r>
+            <a:r>
+              <a:rPr kumimoji="1" lang="en-US" altLang="zh-CN" dirty="0"/>
+              <a:t>8</a:t>
+            </a:r>
+            <a:r>
+              <a:rPr kumimoji="1" lang="zh-CN" altLang="en-US" dirty="0"/>
+              <a:t>个位置之一，如果不用</a:t>
+            </a:r>
+            <a:r>
+              <a:rPr kumimoji="1" lang="en-US" altLang="zh-CN" dirty="0" err="1"/>
+              <a:t>hashcode</a:t>
+            </a:r>
+            <a:r>
+              <a:rPr kumimoji="1" lang="zh-CN" altLang="en-US" dirty="0"/>
+              <a:t>而任意存放，那么当查找时就需要到这八个位置里挨个去找，或者用二分法一类的算法。</a:t>
+            </a:r>
+          </a:p>
+          <a:p>
+            <a:r>
+              <a:rPr kumimoji="1" lang="zh-CN" altLang="en-US" dirty="0"/>
+              <a:t>但如果用</a:t>
+            </a:r>
+            <a:r>
+              <a:rPr kumimoji="1" lang="en-US" altLang="zh-CN" dirty="0" err="1"/>
+              <a:t>hashcode</a:t>
+            </a:r>
+            <a:r>
+              <a:rPr kumimoji="1" lang="zh-CN" altLang="en-US" dirty="0"/>
+              <a:t>那就会使效率提高很多。</a:t>
+            </a:r>
+          </a:p>
+          <a:p>
+            <a:r>
+              <a:rPr kumimoji="1" lang="zh-CN" altLang="en-US" dirty="0"/>
+              <a:t>我们这个类中有个字段叫</a:t>
+            </a:r>
+            <a:r>
+              <a:rPr kumimoji="1" lang="en-US" altLang="zh-CN" dirty="0"/>
+              <a:t>ID,</a:t>
+            </a:r>
+            <a:r>
+              <a:rPr kumimoji="1" lang="zh-CN" altLang="en-US" dirty="0"/>
+              <a:t>那么我们就定义我们的</a:t>
+            </a:r>
+            <a:r>
+              <a:rPr kumimoji="1" lang="en-US" altLang="zh-CN" dirty="0" err="1"/>
+              <a:t>hashcode</a:t>
+            </a:r>
+            <a:r>
+              <a:rPr kumimoji="1" lang="zh-CN" altLang="en-US" dirty="0"/>
+              <a:t>为</a:t>
+            </a:r>
+            <a:r>
+              <a:rPr kumimoji="1" lang="en-US" altLang="zh-CN" dirty="0"/>
+              <a:t>ID</a:t>
+            </a:r>
+            <a:r>
+              <a:rPr kumimoji="1" lang="zh-CN" altLang="en-US" dirty="0"/>
+              <a:t>％</a:t>
+            </a:r>
+            <a:r>
+              <a:rPr kumimoji="1" lang="en-US" altLang="zh-CN" dirty="0"/>
+              <a:t>8</a:t>
+            </a:r>
+            <a:r>
+              <a:rPr kumimoji="1" lang="zh-CN" altLang="en-US" dirty="0"/>
+              <a:t>，然后把我们的类存放在取得得余数那个位置。比如我们的</a:t>
+            </a:r>
+            <a:r>
+              <a:rPr kumimoji="1" lang="en-US" altLang="zh-CN" dirty="0"/>
+              <a:t>ID</a:t>
+            </a:r>
+            <a:r>
+              <a:rPr kumimoji="1" lang="zh-CN" altLang="en-US" dirty="0"/>
+              <a:t>为</a:t>
+            </a:r>
+            <a:r>
+              <a:rPr kumimoji="1" lang="en-US" altLang="zh-CN" dirty="0"/>
+              <a:t>9</a:t>
+            </a:r>
+            <a:r>
+              <a:rPr kumimoji="1" lang="zh-CN" altLang="en-US" dirty="0"/>
+              <a:t>，</a:t>
+            </a:r>
+            <a:r>
+              <a:rPr kumimoji="1" lang="en-US" altLang="zh-CN" dirty="0"/>
+              <a:t>9</a:t>
+            </a:r>
+            <a:r>
+              <a:rPr kumimoji="1" lang="zh-CN" altLang="en-US" dirty="0"/>
+              <a:t>除</a:t>
+            </a:r>
+            <a:r>
+              <a:rPr kumimoji="1" lang="en-US" altLang="zh-CN" dirty="0"/>
+              <a:t>8</a:t>
+            </a:r>
+            <a:r>
+              <a:rPr kumimoji="1" lang="zh-CN" altLang="en-US" dirty="0"/>
+              <a:t>的余数为</a:t>
+            </a:r>
+            <a:r>
+              <a:rPr kumimoji="1" lang="en-US" altLang="zh-CN" dirty="0"/>
+              <a:t>1</a:t>
+            </a:r>
+            <a:r>
+              <a:rPr kumimoji="1" lang="zh-CN" altLang="en-US" dirty="0"/>
+              <a:t>，那么我们就把该类存在</a:t>
+            </a:r>
+            <a:r>
+              <a:rPr kumimoji="1" lang="en-US" altLang="zh-CN" dirty="0"/>
+              <a:t>1</a:t>
+            </a:r>
+            <a:r>
+              <a:rPr kumimoji="1" lang="zh-CN" altLang="en-US" dirty="0"/>
+              <a:t>这个位置，如果</a:t>
+            </a:r>
+            <a:r>
+              <a:rPr kumimoji="1" lang="en-US" altLang="zh-CN" dirty="0"/>
+              <a:t>ID</a:t>
+            </a:r>
+            <a:r>
+              <a:rPr kumimoji="1" lang="zh-CN" altLang="en-US" dirty="0"/>
+              <a:t>是</a:t>
+            </a:r>
+            <a:r>
+              <a:rPr kumimoji="1" lang="en-US" altLang="zh-CN" dirty="0"/>
+              <a:t>13</a:t>
+            </a:r>
+            <a:r>
+              <a:rPr kumimoji="1" lang="zh-CN" altLang="en-US" dirty="0"/>
+              <a:t>，求得的余数是</a:t>
+            </a:r>
+            <a:r>
+              <a:rPr kumimoji="1" lang="en-US" altLang="zh-CN" dirty="0"/>
+              <a:t>5</a:t>
+            </a:r>
+            <a:r>
+              <a:rPr kumimoji="1" lang="zh-CN" altLang="en-US" dirty="0"/>
+              <a:t>，那么我们就把该类放在</a:t>
+            </a:r>
+            <a:r>
+              <a:rPr kumimoji="1" lang="en-US" altLang="zh-CN" dirty="0"/>
+              <a:t>5</a:t>
+            </a:r>
+            <a:r>
+              <a:rPr kumimoji="1" lang="zh-CN" altLang="en-US" dirty="0"/>
+              <a:t>这个位置。这样，以后在查找该类时就可以通过</a:t>
+            </a:r>
+            <a:r>
+              <a:rPr kumimoji="1" lang="en-US" altLang="zh-CN" dirty="0"/>
+              <a:t>ID</a:t>
+            </a:r>
+            <a:r>
+              <a:rPr kumimoji="1" lang="zh-CN" altLang="en-US" dirty="0"/>
+              <a:t>除 </a:t>
+            </a:r>
+            <a:r>
+              <a:rPr kumimoji="1" lang="en-US" altLang="zh-CN" dirty="0"/>
+              <a:t>8</a:t>
+            </a:r>
+            <a:r>
+              <a:rPr kumimoji="1" lang="zh-CN" altLang="en-US" dirty="0"/>
+              <a:t>求余数直接找到存放的位置了。</a:t>
+            </a:r>
+          </a:p>
+          <a:p>
+            <a:endParaRPr kumimoji="1" lang="zh-CN" altLang="en-US" dirty="0"/>
+          </a:p>
+          <a:p>
+            <a:r>
+              <a:rPr kumimoji="1" lang="en-US" altLang="zh-CN" dirty="0"/>
+              <a:t>2.</a:t>
+            </a:r>
+            <a:r>
+              <a:rPr kumimoji="1" lang="zh-CN" altLang="en-US" dirty="0"/>
+              <a:t>但是如果两个类有相同的</a:t>
+            </a:r>
+            <a:r>
+              <a:rPr kumimoji="1" lang="en-US" altLang="zh-CN" dirty="0" err="1"/>
+              <a:t>hashcode</a:t>
+            </a:r>
+            <a:r>
+              <a:rPr kumimoji="1" lang="zh-CN" altLang="en-US" dirty="0"/>
+              <a:t>怎么办那（我们假设上面的类的</a:t>
+            </a:r>
+            <a:r>
+              <a:rPr kumimoji="1" lang="en-US" altLang="zh-CN" dirty="0"/>
+              <a:t>ID</a:t>
+            </a:r>
+            <a:r>
+              <a:rPr kumimoji="1" lang="zh-CN" altLang="en-US" dirty="0"/>
+              <a:t>不是唯一的），例如</a:t>
+            </a:r>
+            <a:r>
+              <a:rPr kumimoji="1" lang="en-US" altLang="zh-CN" dirty="0"/>
+              <a:t>9</a:t>
+            </a:r>
+            <a:r>
+              <a:rPr kumimoji="1" lang="zh-CN" altLang="en-US" dirty="0"/>
+              <a:t>除以</a:t>
+            </a:r>
+            <a:r>
+              <a:rPr kumimoji="1" lang="en-US" altLang="zh-CN" dirty="0"/>
+              <a:t>8</a:t>
+            </a:r>
+            <a:r>
+              <a:rPr kumimoji="1" lang="zh-CN" altLang="en-US" dirty="0"/>
+              <a:t>和</a:t>
+            </a:r>
+            <a:r>
+              <a:rPr kumimoji="1" lang="en-US" altLang="zh-CN" dirty="0"/>
+              <a:t>17</a:t>
+            </a:r>
+            <a:r>
+              <a:rPr kumimoji="1" lang="zh-CN" altLang="en-US" dirty="0"/>
+              <a:t>除以</a:t>
+            </a:r>
+            <a:r>
+              <a:rPr kumimoji="1" lang="en-US" altLang="zh-CN" dirty="0"/>
+              <a:t>8</a:t>
+            </a:r>
+            <a:r>
+              <a:rPr kumimoji="1" lang="zh-CN" altLang="en-US" dirty="0"/>
+              <a:t>的余数都是</a:t>
+            </a:r>
+            <a:r>
+              <a:rPr kumimoji="1" lang="en-US" altLang="zh-CN" dirty="0"/>
+              <a:t>1</a:t>
+            </a:r>
+            <a:r>
+              <a:rPr kumimoji="1" lang="zh-CN" altLang="en-US" dirty="0"/>
+              <a:t>，那么这是不是合法的，回答是：可以这样。那么如何判断呢？在这个时候就需要定义 </a:t>
+            </a:r>
+            <a:r>
+              <a:rPr kumimoji="1" lang="en-US" altLang="zh-CN" dirty="0"/>
+              <a:t>equals</a:t>
+            </a:r>
+            <a:r>
+              <a:rPr kumimoji="1" lang="zh-CN" altLang="en-US" dirty="0"/>
+              <a:t>了。</a:t>
+            </a:r>
+          </a:p>
+          <a:p>
+            <a:r>
+              <a:rPr kumimoji="1" lang="zh-CN" altLang="en-US" dirty="0"/>
+              <a:t>也就是说，我们先通过 </a:t>
+            </a:r>
+            <a:r>
+              <a:rPr kumimoji="1" lang="en-US" altLang="zh-CN" dirty="0" err="1"/>
+              <a:t>hashcode</a:t>
+            </a:r>
+            <a:r>
+              <a:rPr kumimoji="1" lang="zh-CN" altLang="en-US" dirty="0"/>
+              <a:t>来判断两个类是否存放某个桶里，但这个桶里可能有很多类，那么我们就需要再通过 </a:t>
+            </a:r>
+            <a:r>
+              <a:rPr kumimoji="1" lang="en-US" altLang="zh-CN" dirty="0"/>
+              <a:t>equals </a:t>
+            </a:r>
+            <a:r>
+              <a:rPr kumimoji="1" lang="zh-CN" altLang="en-US" dirty="0"/>
+              <a:t>来在这个桶里找到我们要的类。</a:t>
+            </a:r>
+          </a:p>
+          <a:p>
+            <a:r>
+              <a:rPr kumimoji="1" lang="zh-CN" altLang="en-US" dirty="0"/>
+              <a:t>那么。重写了</a:t>
+            </a:r>
+            <a:r>
+              <a:rPr kumimoji="1" lang="en-US" altLang="zh-CN" dirty="0"/>
+              <a:t>equals()</a:t>
+            </a:r>
+            <a:r>
+              <a:rPr kumimoji="1" lang="zh-CN" altLang="en-US" dirty="0"/>
+              <a:t>，为什么还要重写</a:t>
+            </a:r>
+            <a:r>
+              <a:rPr kumimoji="1" lang="en-US" altLang="zh-CN" dirty="0" err="1"/>
+              <a:t>hashCode</a:t>
+            </a:r>
+            <a:r>
+              <a:rPr kumimoji="1" lang="en-US" altLang="zh-CN" dirty="0"/>
+              <a:t>()</a:t>
+            </a:r>
+            <a:r>
+              <a:rPr kumimoji="1" lang="zh-CN" altLang="en-US" dirty="0"/>
+              <a:t>呢？</a:t>
+            </a:r>
+          </a:p>
+          <a:p>
+            <a:r>
+              <a:rPr kumimoji="1" lang="zh-CN" altLang="en-US" dirty="0"/>
+              <a:t>想想，你要在一个桶里找东西，你必须先要找到这个桶啊，你不通过重写</a:t>
+            </a:r>
+            <a:r>
+              <a:rPr kumimoji="1" lang="en-US" altLang="zh-CN" dirty="0" err="1"/>
+              <a:t>hashcode</a:t>
+            </a:r>
+            <a:r>
+              <a:rPr kumimoji="1" lang="en-US" altLang="zh-CN" dirty="0"/>
+              <a:t>()</a:t>
+            </a:r>
+            <a:r>
+              <a:rPr kumimoji="1" lang="zh-CN" altLang="en-US" dirty="0"/>
+              <a:t>来找到桶，光重写</a:t>
+            </a:r>
+            <a:r>
+              <a:rPr kumimoji="1" lang="en-US" altLang="zh-CN" dirty="0"/>
+              <a:t>equals()</a:t>
+            </a:r>
+            <a:r>
+              <a:rPr kumimoji="1" lang="zh-CN" altLang="en-US" dirty="0"/>
+              <a:t>有什么用啊</a:t>
+            </a:r>
+          </a:p>
+          <a:p>
+            <a:endParaRPr kumimoji="1" lang="zh-CN" altLang="en-US" dirty="0"/>
           </a:p>
         </p:txBody>
       </p:sp>
@@ -2515,7 +2526,7 @@
     </p:spTree>
     <p:extLst>
       <p:ext uri="{BB962C8B-B14F-4D97-AF65-F5344CB8AC3E}">
-        <p14:creationId xmlns:p14="http://schemas.microsoft.com/office/powerpoint/2010/main" val="4252159736"/>
+        <p14:creationId xmlns:p14="http://schemas.microsoft.com/office/powerpoint/2010/main" val="342508656"/>
       </p:ext>
     </p:extLst>
   </p:cSld>
@@ -2602,7 +2613,7 @@
     </p:spTree>
     <p:extLst>
       <p:ext uri="{BB962C8B-B14F-4D97-AF65-F5344CB8AC3E}">
-        <p14:creationId xmlns:p14="http://schemas.microsoft.com/office/powerpoint/2010/main" val="3913912497"/>
+        <p14:creationId xmlns:p14="http://schemas.microsoft.com/office/powerpoint/2010/main" val="171515314"/>
       </p:ext>
     </p:extLst>
   </p:cSld>
@@ -2689,7 +2700,7 @@
     </p:spTree>
     <p:extLst>
       <p:ext uri="{BB962C8B-B14F-4D97-AF65-F5344CB8AC3E}">
-        <p14:creationId xmlns:p14="http://schemas.microsoft.com/office/powerpoint/2010/main" val="4169733401"/>
+        <p14:creationId xmlns:p14="http://schemas.microsoft.com/office/powerpoint/2010/main" val="1739551378"/>
       </p:ext>
     </p:extLst>
   </p:cSld>
@@ -2745,7 +2756,7 @@
           <a:p>
             <a:r>
               <a:rPr kumimoji="1" lang="zh-CN" altLang="en-US" dirty="0"/>
-              <a:t>切换到代码演示</a:t>
+              <a:t>社会要包容多样性，这样才有活力和生机</a:t>
             </a:r>
           </a:p>
         </p:txBody>
@@ -2776,7 +2787,7 @@
     </p:spTree>
     <p:extLst>
       <p:ext uri="{BB962C8B-B14F-4D97-AF65-F5344CB8AC3E}">
-        <p14:creationId xmlns:p14="http://schemas.microsoft.com/office/powerpoint/2010/main" val="751430556"/>
+        <p14:creationId xmlns:p14="http://schemas.microsoft.com/office/powerpoint/2010/main" val="3531369269"/>
       </p:ext>
     </p:extLst>
   </p:cSld>
@@ -2832,7 +2843,7 @@
           <a:p>
             <a:r>
               <a:rPr kumimoji="1" lang="zh-CN" altLang="en-US" dirty="0"/>
-              <a:t>切换到代码演示</a:t>
+              <a:t>社会要包容多样性，这样才有活力和生机</a:t>
             </a:r>
           </a:p>
         </p:txBody>
@@ -2863,7 +2874,7 @@
     </p:spTree>
     <p:extLst>
       <p:ext uri="{BB962C8B-B14F-4D97-AF65-F5344CB8AC3E}">
-        <p14:creationId xmlns:p14="http://schemas.microsoft.com/office/powerpoint/2010/main" val="974104758"/>
+        <p14:creationId xmlns:p14="http://schemas.microsoft.com/office/powerpoint/2010/main" val="2954095342"/>
       </p:ext>
     </p:extLst>
   </p:cSld>
@@ -2919,7 +2930,7 @@
           <a:p>
             <a:r>
               <a:rPr kumimoji="1" lang="zh-CN" altLang="en-US" dirty="0"/>
-              <a:t>切换到代码演示</a:t>
+              <a:t>社会要包容多样性，这样才有活力和生机</a:t>
             </a:r>
           </a:p>
         </p:txBody>
@@ -2950,7 +2961,7 @@
     </p:spTree>
     <p:extLst>
       <p:ext uri="{BB962C8B-B14F-4D97-AF65-F5344CB8AC3E}">
-        <p14:creationId xmlns:p14="http://schemas.microsoft.com/office/powerpoint/2010/main" val="59979368"/>
+        <p14:creationId xmlns:p14="http://schemas.microsoft.com/office/powerpoint/2010/main" val="3205552697"/>
       </p:ext>
     </p:extLst>
   </p:cSld>
@@ -3037,7 +3048,7 @@
     </p:spTree>
     <p:extLst>
       <p:ext uri="{BB962C8B-B14F-4D97-AF65-F5344CB8AC3E}">
-        <p14:creationId xmlns:p14="http://schemas.microsoft.com/office/powerpoint/2010/main" val="513540376"/>
+        <p14:creationId xmlns:p14="http://schemas.microsoft.com/office/powerpoint/2010/main" val="4252159736"/>
       </p:ext>
     </p:extLst>
   </p:cSld>
@@ -3091,7 +3102,10 @@
           <a:bodyPr/>
           <a:lstStyle/>
           <a:p>
-            <a:endParaRPr kumimoji="1" lang="zh-CN" altLang="en-US" dirty="0"/>
+            <a:r>
+              <a:rPr kumimoji="1" lang="zh-CN" altLang="en-US" dirty="0"/>
+              <a:t>切换到代码演示</a:t>
+            </a:r>
           </a:p>
         </p:txBody>
       </p:sp>
@@ -3121,7 +3135,7 @@
     </p:spTree>
     <p:extLst>
       <p:ext uri="{BB962C8B-B14F-4D97-AF65-F5344CB8AC3E}">
-        <p14:creationId xmlns:p14="http://schemas.microsoft.com/office/powerpoint/2010/main" val="196978879"/>
+        <p14:creationId xmlns:p14="http://schemas.microsoft.com/office/powerpoint/2010/main" val="3913912497"/>
       </p:ext>
     </p:extLst>
   </p:cSld>
@@ -3175,7 +3189,10 @@
           <a:bodyPr/>
           <a:lstStyle/>
           <a:p>
-            <a:endParaRPr kumimoji="1" lang="zh-CN" altLang="en-US" dirty="0"/>
+            <a:r>
+              <a:rPr kumimoji="1" lang="zh-CN" altLang="en-US" dirty="0"/>
+              <a:t>切换到代码演示</a:t>
+            </a:r>
           </a:p>
         </p:txBody>
       </p:sp>
@@ -3205,7 +3222,7 @@
     </p:spTree>
     <p:extLst>
       <p:ext uri="{BB962C8B-B14F-4D97-AF65-F5344CB8AC3E}">
-        <p14:creationId xmlns:p14="http://schemas.microsoft.com/office/powerpoint/2010/main" val="4167110842"/>
+        <p14:creationId xmlns:p14="http://schemas.microsoft.com/office/powerpoint/2010/main" val="4169733401"/>
       </p:ext>
     </p:extLst>
   </p:cSld>
@@ -3346,7 +3363,10 @@
           <a:bodyPr/>
           <a:lstStyle/>
           <a:p>
-            <a:endParaRPr kumimoji="1" lang="zh-CN" altLang="en-US" dirty="0"/>
+            <a:r>
+              <a:rPr kumimoji="1" lang="zh-CN" altLang="en-US" dirty="0"/>
+              <a:t>切换到代码演示</a:t>
+            </a:r>
           </a:p>
         </p:txBody>
       </p:sp>
@@ -3368,6 +3388,519 @@
             <a:fld id="{0F8E57A1-C481-6944-857F-EAC8E932B5ED}" type="slidenum">
               <a:rPr kumimoji="1" lang="zh-CN" altLang="en-US" smtClean="0"/>
               <a:t>31</a:t>
+            </a:fld>
+            <a:endParaRPr kumimoji="1" lang="zh-CN" altLang="en-US"/>
+          </a:p>
+        </p:txBody>
+      </p:sp>
+    </p:spTree>
+    <p:extLst>
+      <p:ext uri="{BB962C8B-B14F-4D97-AF65-F5344CB8AC3E}">
+        <p14:creationId xmlns:p14="http://schemas.microsoft.com/office/powerpoint/2010/main" val="751430556"/>
+      </p:ext>
+    </p:extLst>
+  </p:cSld>
+  <p:clrMapOvr>
+    <a:masterClrMapping/>
+  </p:clrMapOvr>
+</p:notes>
+</file>
+
+<file path=ppt/notesSlides/notesSlide31.xml><?xml version="1.0" encoding="utf-8"?>
+<p:notes xmlns:a="http://schemas.openxmlformats.org/drawingml/2006/main" xmlns:r="http://schemas.openxmlformats.org/officeDocument/2006/relationships" xmlns:p="http://schemas.openxmlformats.org/presentationml/2006/main">
+  <p:cSld>
+    <p:spTree>
+      <p:nvGrpSpPr>
+        <p:cNvPr id="1" name=""/>
+        <p:cNvGrpSpPr/>
+        <p:nvPr/>
+      </p:nvGrpSpPr>
+      <p:grpSpPr>
+        <a:xfrm>
+          <a:off x="0" y="0"/>
+          <a:ext cx="0" cy="0"/>
+          <a:chOff x="0" y="0"/>
+          <a:chExt cx="0" cy="0"/>
+        </a:xfrm>
+      </p:grpSpPr>
+      <p:sp>
+        <p:nvSpPr>
+          <p:cNvPr id="2" name="幻灯片图像占位符 1"/>
+          <p:cNvSpPr>
+            <a:spLocks noGrp="1" noRot="1" noChangeAspect="1"/>
+          </p:cNvSpPr>
+          <p:nvPr>
+            <p:ph type="sldImg"/>
+          </p:nvPr>
+        </p:nvSpPr>
+        <p:spPr/>
+      </p:sp>
+      <p:sp>
+        <p:nvSpPr>
+          <p:cNvPr id="3" name="备注占位符 2"/>
+          <p:cNvSpPr>
+            <a:spLocks noGrp="1"/>
+          </p:cNvSpPr>
+          <p:nvPr>
+            <p:ph type="body" idx="1"/>
+          </p:nvPr>
+        </p:nvSpPr>
+        <p:spPr/>
+        <p:txBody>
+          <a:bodyPr/>
+          <a:lstStyle/>
+          <a:p>
+            <a:r>
+              <a:rPr kumimoji="1" lang="zh-CN" altLang="en-US" dirty="0"/>
+              <a:t>切换到代码演示</a:t>
+            </a:r>
+          </a:p>
+        </p:txBody>
+      </p:sp>
+      <p:sp>
+        <p:nvSpPr>
+          <p:cNvPr id="4" name="灯片编号占位符 3"/>
+          <p:cNvSpPr>
+            <a:spLocks noGrp="1"/>
+          </p:cNvSpPr>
+          <p:nvPr>
+            <p:ph type="sldNum" sz="quarter" idx="5"/>
+          </p:nvPr>
+        </p:nvSpPr>
+        <p:spPr/>
+        <p:txBody>
+          <a:bodyPr/>
+          <a:lstStyle/>
+          <a:p>
+            <a:fld id="{0F8E57A1-C481-6944-857F-EAC8E932B5ED}" type="slidenum">
+              <a:rPr kumimoji="1" lang="zh-CN" altLang="en-US" smtClean="0"/>
+              <a:t>32</a:t>
+            </a:fld>
+            <a:endParaRPr kumimoji="1" lang="zh-CN" altLang="en-US"/>
+          </a:p>
+        </p:txBody>
+      </p:sp>
+    </p:spTree>
+    <p:extLst>
+      <p:ext uri="{BB962C8B-B14F-4D97-AF65-F5344CB8AC3E}">
+        <p14:creationId xmlns:p14="http://schemas.microsoft.com/office/powerpoint/2010/main" val="974104758"/>
+      </p:ext>
+    </p:extLst>
+  </p:cSld>
+  <p:clrMapOvr>
+    <a:masterClrMapping/>
+  </p:clrMapOvr>
+</p:notes>
+</file>
+
+<file path=ppt/notesSlides/notesSlide32.xml><?xml version="1.0" encoding="utf-8"?>
+<p:notes xmlns:a="http://schemas.openxmlformats.org/drawingml/2006/main" xmlns:r="http://schemas.openxmlformats.org/officeDocument/2006/relationships" xmlns:p="http://schemas.openxmlformats.org/presentationml/2006/main">
+  <p:cSld>
+    <p:spTree>
+      <p:nvGrpSpPr>
+        <p:cNvPr id="1" name=""/>
+        <p:cNvGrpSpPr/>
+        <p:nvPr/>
+      </p:nvGrpSpPr>
+      <p:grpSpPr>
+        <a:xfrm>
+          <a:off x="0" y="0"/>
+          <a:ext cx="0" cy="0"/>
+          <a:chOff x="0" y="0"/>
+          <a:chExt cx="0" cy="0"/>
+        </a:xfrm>
+      </p:grpSpPr>
+      <p:sp>
+        <p:nvSpPr>
+          <p:cNvPr id="2" name="幻灯片图像占位符 1"/>
+          <p:cNvSpPr>
+            <a:spLocks noGrp="1" noRot="1" noChangeAspect="1"/>
+          </p:cNvSpPr>
+          <p:nvPr>
+            <p:ph type="sldImg"/>
+          </p:nvPr>
+        </p:nvSpPr>
+        <p:spPr/>
+      </p:sp>
+      <p:sp>
+        <p:nvSpPr>
+          <p:cNvPr id="3" name="备注占位符 2"/>
+          <p:cNvSpPr>
+            <a:spLocks noGrp="1"/>
+          </p:cNvSpPr>
+          <p:nvPr>
+            <p:ph type="body" idx="1"/>
+          </p:nvPr>
+        </p:nvSpPr>
+        <p:spPr/>
+        <p:txBody>
+          <a:bodyPr/>
+          <a:lstStyle/>
+          <a:p>
+            <a:r>
+              <a:rPr kumimoji="1" lang="zh-CN" altLang="en-US" dirty="0"/>
+              <a:t>切换到代码演示</a:t>
+            </a:r>
+          </a:p>
+        </p:txBody>
+      </p:sp>
+      <p:sp>
+        <p:nvSpPr>
+          <p:cNvPr id="4" name="灯片编号占位符 3"/>
+          <p:cNvSpPr>
+            <a:spLocks noGrp="1"/>
+          </p:cNvSpPr>
+          <p:nvPr>
+            <p:ph type="sldNum" sz="quarter" idx="5"/>
+          </p:nvPr>
+        </p:nvSpPr>
+        <p:spPr/>
+        <p:txBody>
+          <a:bodyPr/>
+          <a:lstStyle/>
+          <a:p>
+            <a:fld id="{0F8E57A1-C481-6944-857F-EAC8E932B5ED}" type="slidenum">
+              <a:rPr kumimoji="1" lang="zh-CN" altLang="en-US" smtClean="0"/>
+              <a:t>33</a:t>
+            </a:fld>
+            <a:endParaRPr kumimoji="1" lang="zh-CN" altLang="en-US"/>
+          </a:p>
+        </p:txBody>
+      </p:sp>
+    </p:spTree>
+    <p:extLst>
+      <p:ext uri="{BB962C8B-B14F-4D97-AF65-F5344CB8AC3E}">
+        <p14:creationId xmlns:p14="http://schemas.microsoft.com/office/powerpoint/2010/main" val="59979368"/>
+      </p:ext>
+    </p:extLst>
+  </p:cSld>
+  <p:clrMapOvr>
+    <a:masterClrMapping/>
+  </p:clrMapOvr>
+</p:notes>
+</file>
+
+<file path=ppt/notesSlides/notesSlide33.xml><?xml version="1.0" encoding="utf-8"?>
+<p:notes xmlns:a="http://schemas.openxmlformats.org/drawingml/2006/main" xmlns:r="http://schemas.openxmlformats.org/officeDocument/2006/relationships" xmlns:p="http://schemas.openxmlformats.org/presentationml/2006/main">
+  <p:cSld>
+    <p:spTree>
+      <p:nvGrpSpPr>
+        <p:cNvPr id="1" name=""/>
+        <p:cNvGrpSpPr/>
+        <p:nvPr/>
+      </p:nvGrpSpPr>
+      <p:grpSpPr>
+        <a:xfrm>
+          <a:off x="0" y="0"/>
+          <a:ext cx="0" cy="0"/>
+          <a:chOff x="0" y="0"/>
+          <a:chExt cx="0" cy="0"/>
+        </a:xfrm>
+      </p:grpSpPr>
+      <p:sp>
+        <p:nvSpPr>
+          <p:cNvPr id="2" name="幻灯片图像占位符 1"/>
+          <p:cNvSpPr>
+            <a:spLocks noGrp="1" noRot="1" noChangeAspect="1"/>
+          </p:cNvSpPr>
+          <p:nvPr>
+            <p:ph type="sldImg"/>
+          </p:nvPr>
+        </p:nvSpPr>
+        <p:spPr/>
+      </p:sp>
+      <p:sp>
+        <p:nvSpPr>
+          <p:cNvPr id="3" name="备注占位符 2"/>
+          <p:cNvSpPr>
+            <a:spLocks noGrp="1"/>
+          </p:cNvSpPr>
+          <p:nvPr>
+            <p:ph type="body" idx="1"/>
+          </p:nvPr>
+        </p:nvSpPr>
+        <p:spPr/>
+        <p:txBody>
+          <a:bodyPr/>
+          <a:lstStyle/>
+          <a:p>
+            <a:r>
+              <a:rPr kumimoji="1" lang="zh-CN" altLang="en-US" dirty="0"/>
+              <a:t>切换到代码演示</a:t>
+            </a:r>
+          </a:p>
+        </p:txBody>
+      </p:sp>
+      <p:sp>
+        <p:nvSpPr>
+          <p:cNvPr id="4" name="灯片编号占位符 3"/>
+          <p:cNvSpPr>
+            <a:spLocks noGrp="1"/>
+          </p:cNvSpPr>
+          <p:nvPr>
+            <p:ph type="sldNum" sz="quarter" idx="5"/>
+          </p:nvPr>
+        </p:nvSpPr>
+        <p:spPr/>
+        <p:txBody>
+          <a:bodyPr/>
+          <a:lstStyle/>
+          <a:p>
+            <a:fld id="{0F8E57A1-C481-6944-857F-EAC8E932B5ED}" type="slidenum">
+              <a:rPr kumimoji="1" lang="zh-CN" altLang="en-US" smtClean="0"/>
+              <a:t>34</a:t>
+            </a:fld>
+            <a:endParaRPr kumimoji="1" lang="zh-CN" altLang="en-US"/>
+          </a:p>
+        </p:txBody>
+      </p:sp>
+    </p:spTree>
+    <p:extLst>
+      <p:ext uri="{BB962C8B-B14F-4D97-AF65-F5344CB8AC3E}">
+        <p14:creationId xmlns:p14="http://schemas.microsoft.com/office/powerpoint/2010/main" val="513540376"/>
+      </p:ext>
+    </p:extLst>
+  </p:cSld>
+  <p:clrMapOvr>
+    <a:masterClrMapping/>
+  </p:clrMapOvr>
+</p:notes>
+</file>
+
+<file path=ppt/notesSlides/notesSlide34.xml><?xml version="1.0" encoding="utf-8"?>
+<p:notes xmlns:a="http://schemas.openxmlformats.org/drawingml/2006/main" xmlns:r="http://schemas.openxmlformats.org/officeDocument/2006/relationships" xmlns:p="http://schemas.openxmlformats.org/presentationml/2006/main">
+  <p:cSld>
+    <p:spTree>
+      <p:nvGrpSpPr>
+        <p:cNvPr id="1" name=""/>
+        <p:cNvGrpSpPr/>
+        <p:nvPr/>
+      </p:nvGrpSpPr>
+      <p:grpSpPr>
+        <a:xfrm>
+          <a:off x="0" y="0"/>
+          <a:ext cx="0" cy="0"/>
+          <a:chOff x="0" y="0"/>
+          <a:chExt cx="0" cy="0"/>
+        </a:xfrm>
+      </p:grpSpPr>
+      <p:sp>
+        <p:nvSpPr>
+          <p:cNvPr id="2" name="幻灯片图像占位符 1"/>
+          <p:cNvSpPr>
+            <a:spLocks noGrp="1" noRot="1" noChangeAspect="1"/>
+          </p:cNvSpPr>
+          <p:nvPr>
+            <p:ph type="sldImg"/>
+          </p:nvPr>
+        </p:nvSpPr>
+        <p:spPr/>
+      </p:sp>
+      <p:sp>
+        <p:nvSpPr>
+          <p:cNvPr id="3" name="备注占位符 2"/>
+          <p:cNvSpPr>
+            <a:spLocks noGrp="1"/>
+          </p:cNvSpPr>
+          <p:nvPr>
+            <p:ph type="body" idx="1"/>
+          </p:nvPr>
+        </p:nvSpPr>
+        <p:spPr/>
+        <p:txBody>
+          <a:bodyPr/>
+          <a:lstStyle/>
+          <a:p>
+            <a:endParaRPr kumimoji="1" lang="zh-CN" altLang="en-US" dirty="0"/>
+          </a:p>
+        </p:txBody>
+      </p:sp>
+      <p:sp>
+        <p:nvSpPr>
+          <p:cNvPr id="4" name="灯片编号占位符 3"/>
+          <p:cNvSpPr>
+            <a:spLocks noGrp="1"/>
+          </p:cNvSpPr>
+          <p:nvPr>
+            <p:ph type="sldNum" sz="quarter" idx="5"/>
+          </p:nvPr>
+        </p:nvSpPr>
+        <p:spPr/>
+        <p:txBody>
+          <a:bodyPr/>
+          <a:lstStyle/>
+          <a:p>
+            <a:fld id="{0F8E57A1-C481-6944-857F-EAC8E932B5ED}" type="slidenum">
+              <a:rPr kumimoji="1" lang="zh-CN" altLang="en-US" smtClean="0"/>
+              <a:t>35</a:t>
+            </a:fld>
+            <a:endParaRPr kumimoji="1" lang="zh-CN" altLang="en-US"/>
+          </a:p>
+        </p:txBody>
+      </p:sp>
+    </p:spTree>
+    <p:extLst>
+      <p:ext uri="{BB962C8B-B14F-4D97-AF65-F5344CB8AC3E}">
+        <p14:creationId xmlns:p14="http://schemas.microsoft.com/office/powerpoint/2010/main" val="196978879"/>
+      </p:ext>
+    </p:extLst>
+  </p:cSld>
+  <p:clrMapOvr>
+    <a:masterClrMapping/>
+  </p:clrMapOvr>
+</p:notes>
+</file>
+
+<file path=ppt/notesSlides/notesSlide35.xml><?xml version="1.0" encoding="utf-8"?>
+<p:notes xmlns:a="http://schemas.openxmlformats.org/drawingml/2006/main" xmlns:r="http://schemas.openxmlformats.org/officeDocument/2006/relationships" xmlns:p="http://schemas.openxmlformats.org/presentationml/2006/main">
+  <p:cSld>
+    <p:spTree>
+      <p:nvGrpSpPr>
+        <p:cNvPr id="1" name=""/>
+        <p:cNvGrpSpPr/>
+        <p:nvPr/>
+      </p:nvGrpSpPr>
+      <p:grpSpPr>
+        <a:xfrm>
+          <a:off x="0" y="0"/>
+          <a:ext cx="0" cy="0"/>
+          <a:chOff x="0" y="0"/>
+          <a:chExt cx="0" cy="0"/>
+        </a:xfrm>
+      </p:grpSpPr>
+      <p:sp>
+        <p:nvSpPr>
+          <p:cNvPr id="2" name="幻灯片图像占位符 1"/>
+          <p:cNvSpPr>
+            <a:spLocks noGrp="1" noRot="1" noChangeAspect="1"/>
+          </p:cNvSpPr>
+          <p:nvPr>
+            <p:ph type="sldImg"/>
+          </p:nvPr>
+        </p:nvSpPr>
+        <p:spPr/>
+      </p:sp>
+      <p:sp>
+        <p:nvSpPr>
+          <p:cNvPr id="3" name="备注占位符 2"/>
+          <p:cNvSpPr>
+            <a:spLocks noGrp="1"/>
+          </p:cNvSpPr>
+          <p:nvPr>
+            <p:ph type="body" idx="1"/>
+          </p:nvPr>
+        </p:nvSpPr>
+        <p:spPr/>
+        <p:txBody>
+          <a:bodyPr/>
+          <a:lstStyle/>
+          <a:p>
+            <a:endParaRPr kumimoji="1" lang="zh-CN" altLang="en-US" dirty="0"/>
+          </a:p>
+        </p:txBody>
+      </p:sp>
+      <p:sp>
+        <p:nvSpPr>
+          <p:cNvPr id="4" name="灯片编号占位符 3"/>
+          <p:cNvSpPr>
+            <a:spLocks noGrp="1"/>
+          </p:cNvSpPr>
+          <p:nvPr>
+            <p:ph type="sldNum" sz="quarter" idx="5"/>
+          </p:nvPr>
+        </p:nvSpPr>
+        <p:spPr/>
+        <p:txBody>
+          <a:bodyPr/>
+          <a:lstStyle/>
+          <a:p>
+            <a:fld id="{0F8E57A1-C481-6944-857F-EAC8E932B5ED}" type="slidenum">
+              <a:rPr kumimoji="1" lang="zh-CN" altLang="en-US" smtClean="0"/>
+              <a:t>36</a:t>
+            </a:fld>
+            <a:endParaRPr kumimoji="1" lang="zh-CN" altLang="en-US"/>
+          </a:p>
+        </p:txBody>
+      </p:sp>
+    </p:spTree>
+    <p:extLst>
+      <p:ext uri="{BB962C8B-B14F-4D97-AF65-F5344CB8AC3E}">
+        <p14:creationId xmlns:p14="http://schemas.microsoft.com/office/powerpoint/2010/main" val="4167110842"/>
+      </p:ext>
+    </p:extLst>
+  </p:cSld>
+  <p:clrMapOvr>
+    <a:masterClrMapping/>
+  </p:clrMapOvr>
+</p:notes>
+</file>
+
+<file path=ppt/notesSlides/notesSlide36.xml><?xml version="1.0" encoding="utf-8"?>
+<p:notes xmlns:a="http://schemas.openxmlformats.org/drawingml/2006/main" xmlns:r="http://schemas.openxmlformats.org/officeDocument/2006/relationships" xmlns:p="http://schemas.openxmlformats.org/presentationml/2006/main">
+  <p:cSld>
+    <p:spTree>
+      <p:nvGrpSpPr>
+        <p:cNvPr id="1" name=""/>
+        <p:cNvGrpSpPr/>
+        <p:nvPr/>
+      </p:nvGrpSpPr>
+      <p:grpSpPr>
+        <a:xfrm>
+          <a:off x="0" y="0"/>
+          <a:ext cx="0" cy="0"/>
+          <a:chOff x="0" y="0"/>
+          <a:chExt cx="0" cy="0"/>
+        </a:xfrm>
+      </p:grpSpPr>
+      <p:sp>
+        <p:nvSpPr>
+          <p:cNvPr id="2" name="幻灯片图像占位符 1"/>
+          <p:cNvSpPr>
+            <a:spLocks noGrp="1" noRot="1" noChangeAspect="1"/>
+          </p:cNvSpPr>
+          <p:nvPr>
+            <p:ph type="sldImg"/>
+          </p:nvPr>
+        </p:nvSpPr>
+        <p:spPr/>
+      </p:sp>
+      <p:sp>
+        <p:nvSpPr>
+          <p:cNvPr id="3" name="备注占位符 2"/>
+          <p:cNvSpPr>
+            <a:spLocks noGrp="1"/>
+          </p:cNvSpPr>
+          <p:nvPr>
+            <p:ph type="body" idx="1"/>
+          </p:nvPr>
+        </p:nvSpPr>
+        <p:spPr/>
+        <p:txBody>
+          <a:bodyPr/>
+          <a:lstStyle/>
+          <a:p>
+            <a:endParaRPr kumimoji="1" lang="zh-CN" altLang="en-US" dirty="0"/>
+          </a:p>
+        </p:txBody>
+      </p:sp>
+      <p:sp>
+        <p:nvSpPr>
+          <p:cNvPr id="4" name="灯片编号占位符 3"/>
+          <p:cNvSpPr>
+            <a:spLocks noGrp="1"/>
+          </p:cNvSpPr>
+          <p:nvPr>
+            <p:ph type="sldNum" sz="quarter" idx="5"/>
+          </p:nvPr>
+        </p:nvSpPr>
+        <p:spPr/>
+        <p:txBody>
+          <a:bodyPr/>
+          <a:lstStyle/>
+          <a:p>
+            <a:fld id="{0F8E57A1-C481-6944-857F-EAC8E932B5ED}" type="slidenum">
+              <a:rPr kumimoji="1" lang="zh-CN" altLang="en-US" smtClean="0"/>
+              <a:t>37</a:t>
             </a:fld>
             <a:endParaRPr kumimoji="1" lang="zh-CN" altLang="en-US"/>
           </a:p>
@@ -3463,7 +3996,7 @@
     </p:spTree>
     <p:extLst>
       <p:ext uri="{BB962C8B-B14F-4D97-AF65-F5344CB8AC3E}">
-        <p14:creationId xmlns:p14="http://schemas.microsoft.com/office/powerpoint/2010/main" val="3015729976"/>
+        <p14:creationId xmlns:p14="http://schemas.microsoft.com/office/powerpoint/2010/main" val="1737300124"/>
       </p:ext>
     </p:extLst>
   </p:cSld>
@@ -3519,45 +4052,8 @@
           <a:p>
             <a:r>
               <a:rPr kumimoji="1" lang="zh-CN" altLang="en-US" dirty="0"/>
-              <a:t>抽象类和接口的区别</a:t>
-            </a:r>
-            <a:endParaRPr kumimoji="1" lang="en-US" altLang="zh-CN" dirty="0"/>
-          </a:p>
-          <a:p>
-            <a:r>
-              <a:rPr lang="en-US" altLang="zh-CN" dirty="0">
-                <a:hlinkClick r:id="rId3"/>
-              </a:rPr>
-              <a:t>https://www.cnblogs.com/yongjiapei/p/5494894.html</a:t>
-            </a:r>
-            <a:endParaRPr lang="en-US" altLang="zh-CN" dirty="0"/>
-          </a:p>
-          <a:p>
-            <a:endParaRPr kumimoji="1" lang="en-US" altLang="zh-CN" dirty="0"/>
-          </a:p>
-          <a:p>
-            <a:r>
-              <a:rPr kumimoji="1" lang="zh-CN" altLang="en-US" dirty="0"/>
-              <a:t>为什么抽象类不能被实例化的例子：微博</a:t>
-            </a:r>
-            <a:r>
-              <a:rPr kumimoji="1" lang="en-US" altLang="zh-CN" dirty="0"/>
-              <a:t>-&gt;</a:t>
-            </a:r>
-            <a:r>
-              <a:rPr kumimoji="1" lang="zh-CN" altLang="en-US" dirty="0"/>
-              <a:t> 新浪微博，网易微博，腾讯微博 的例子</a:t>
-            </a:r>
-            <a:endParaRPr kumimoji="1" lang="en-US" altLang="zh-CN" dirty="0"/>
-          </a:p>
-          <a:p>
-            <a:r>
-              <a:rPr lang="en-US" altLang="zh-CN" dirty="0">
-                <a:hlinkClick r:id="rId4"/>
-              </a:rPr>
-              <a:t>https://www.zhihu.com/question/34797840/answer/61582232</a:t>
-            </a:r>
-            <a:endParaRPr kumimoji="1" lang="zh-CN" altLang="en-US" dirty="0"/>
+              <a:t>切换到代码演示</a:t>
+            </a:r>
           </a:p>
         </p:txBody>
       </p:sp>
@@ -3587,7 +4083,7 @@
     </p:spTree>
     <p:extLst>
       <p:ext uri="{BB962C8B-B14F-4D97-AF65-F5344CB8AC3E}">
-        <p14:creationId xmlns:p14="http://schemas.microsoft.com/office/powerpoint/2010/main" val="2158004502"/>
+        <p14:creationId xmlns:p14="http://schemas.microsoft.com/office/powerpoint/2010/main" val="3015729976"/>
       </p:ext>
     </p:extLst>
   </p:cSld>
@@ -3674,7 +4170,7 @@
     </p:spTree>
     <p:extLst>
       <p:ext uri="{BB962C8B-B14F-4D97-AF65-F5344CB8AC3E}">
-        <p14:creationId xmlns:p14="http://schemas.microsoft.com/office/powerpoint/2010/main" val="3426863361"/>
+        <p14:creationId xmlns:p14="http://schemas.microsoft.com/office/powerpoint/2010/main" val="911862099"/>
       </p:ext>
     </p:extLst>
   </p:cSld>
@@ -3730,8 +4226,45 @@
           <a:p>
             <a:r>
               <a:rPr kumimoji="1" lang="zh-CN" altLang="en-US" dirty="0"/>
-              <a:t>切换到代码演示</a:t>
-            </a:r>
+              <a:t>抽象类和接口的区别</a:t>
+            </a:r>
+            <a:endParaRPr kumimoji="1" lang="en-US" altLang="zh-CN" dirty="0"/>
+          </a:p>
+          <a:p>
+            <a:r>
+              <a:rPr lang="en-US" altLang="zh-CN" dirty="0">
+                <a:hlinkClick r:id="rId3"/>
+              </a:rPr>
+              <a:t>https://www.cnblogs.com/yongjiapei/p/5494894.html</a:t>
+            </a:r>
+            <a:endParaRPr lang="en-US" altLang="zh-CN" dirty="0"/>
+          </a:p>
+          <a:p>
+            <a:endParaRPr kumimoji="1" lang="en-US" altLang="zh-CN" dirty="0"/>
+          </a:p>
+          <a:p>
+            <a:r>
+              <a:rPr kumimoji="1" lang="zh-CN" altLang="en-US" dirty="0"/>
+              <a:t>为什么抽象类不能被实例化的例子：微博</a:t>
+            </a:r>
+            <a:r>
+              <a:rPr kumimoji="1" lang="en-US" altLang="zh-CN" dirty="0"/>
+              <a:t>-&gt;</a:t>
+            </a:r>
+            <a:r>
+              <a:rPr kumimoji="1" lang="zh-CN" altLang="en-US" dirty="0"/>
+              <a:t> 新浪微博，网易微博，腾讯微博 的例子</a:t>
+            </a:r>
+            <a:endParaRPr kumimoji="1" lang="en-US" altLang="zh-CN" dirty="0"/>
+          </a:p>
+          <a:p>
+            <a:r>
+              <a:rPr lang="en-US" altLang="zh-CN" dirty="0">
+                <a:hlinkClick r:id="rId4"/>
+              </a:rPr>
+              <a:t>https://www.zhihu.com/question/34797840/answer/61582232</a:t>
+            </a:r>
+            <a:endParaRPr kumimoji="1" lang="zh-CN" altLang="en-US" dirty="0"/>
           </a:p>
         </p:txBody>
       </p:sp>
@@ -3761,7 +4294,7 @@
     </p:spTree>
     <p:extLst>
       <p:ext uri="{BB962C8B-B14F-4D97-AF65-F5344CB8AC3E}">
-        <p14:creationId xmlns:p14="http://schemas.microsoft.com/office/powerpoint/2010/main" val="2238917971"/>
+        <p14:creationId xmlns:p14="http://schemas.microsoft.com/office/powerpoint/2010/main" val="2158004502"/>
       </p:ext>
     </p:extLst>
   </p:cSld>
@@ -3815,10 +4348,7 @@
           <a:bodyPr/>
           <a:lstStyle/>
           <a:p>
-            <a:r>
-              <a:rPr kumimoji="1" lang="zh-CN" altLang="en-US" dirty="0"/>
-              <a:t>切换到代码演示</a:t>
-            </a:r>
+            <a:endParaRPr kumimoji="1" lang="zh-CN" altLang="en-US" dirty="0"/>
           </a:p>
         </p:txBody>
       </p:sp>
@@ -3848,7 +4378,7 @@
     </p:spTree>
     <p:extLst>
       <p:ext uri="{BB962C8B-B14F-4D97-AF65-F5344CB8AC3E}">
-        <p14:creationId xmlns:p14="http://schemas.microsoft.com/office/powerpoint/2010/main" val="3893479894"/>
+        <p14:creationId xmlns:p14="http://schemas.microsoft.com/office/powerpoint/2010/main" val="1121988609"/>
       </p:ext>
     </p:extLst>
   </p:cSld>
@@ -3904,15 +4434,7 @@
           <a:p>
             <a:r>
               <a:rPr kumimoji="1" lang="zh-CN" altLang="en-US" dirty="0"/>
-              <a:t>要注意学习</a:t>
-            </a:r>
-            <a:r>
-              <a:rPr kumimoji="1" lang="en-US" altLang="zh-CN" dirty="0"/>
-              <a:t>Object</a:t>
-            </a:r>
-            <a:r>
-              <a:rPr kumimoji="1" lang="zh-CN" altLang="en-US" dirty="0"/>
-              <a:t>类中的方法</a:t>
+              <a:t>切换到代码演示</a:t>
             </a:r>
           </a:p>
         </p:txBody>
@@ -3943,7 +4465,7 @@
     </p:spTree>
     <p:extLst>
       <p:ext uri="{BB962C8B-B14F-4D97-AF65-F5344CB8AC3E}">
-        <p14:creationId xmlns:p14="http://schemas.microsoft.com/office/powerpoint/2010/main" val="4136779501"/>
+        <p14:creationId xmlns:p14="http://schemas.microsoft.com/office/powerpoint/2010/main" val="2238917971"/>
       </p:ext>
     </p:extLst>
   </p:cSld>
@@ -7379,6 +7901,1330 @@
         </p:nvSpPr>
         <p:spPr>
           <a:xfrm>
+            <a:off x="1660464" y="775865"/>
+            <a:ext cx="9550080" cy="830997"/>
+          </a:xfrm>
+          <a:prstGeom prst="rect">
+            <a:avLst/>
+          </a:prstGeom>
+          <a:noFill/>
+        </p:spPr>
+        <p:txBody>
+          <a:bodyPr wrap="square" rtlCol="0">
+            <a:spAutoFit/>
+          </a:bodyPr>
+          <a:lstStyle/>
+          <a:p>
+            <a:pPr algn="ctr"/>
+            <a:r>
+              <a:rPr kumimoji="1" lang="zh-CN" altLang="en-US" sz="4800" dirty="0">
+                <a:latin typeface="Microsoft YaHei" panose="020B0503020204020204" pitchFamily="34" charset="-122"/>
+                <a:ea typeface="Microsoft YaHei" panose="020B0503020204020204" pitchFamily="34" charset="-122"/>
+              </a:rPr>
+              <a:t>关于抽象方法</a:t>
+            </a:r>
+            <a:r>
+              <a:rPr kumimoji="1" lang="en-US" altLang="zh-CN" sz="4800" dirty="0">
+                <a:latin typeface="Microsoft YaHei" panose="020B0503020204020204" pitchFamily="34" charset="-122"/>
+                <a:ea typeface="Microsoft YaHei" panose="020B0503020204020204" pitchFamily="34" charset="-122"/>
+              </a:rPr>
+              <a:t>/</a:t>
+            </a:r>
+            <a:r>
+              <a:rPr kumimoji="1" lang="zh-CN" altLang="en-US" sz="4800" dirty="0">
+                <a:latin typeface="Microsoft YaHei" panose="020B0503020204020204" pitchFamily="34" charset="-122"/>
+                <a:ea typeface="Microsoft YaHei" panose="020B0503020204020204" pitchFamily="34" charset="-122"/>
+              </a:rPr>
+              <a:t>类 再唠叨几句</a:t>
+            </a:r>
+            <a:endParaRPr kumimoji="1" lang="en-US" altLang="zh-CN" sz="4800" dirty="0">
+              <a:ea typeface="Microsoft YaHei" panose="020B0503020204020204" pitchFamily="34" charset="-122"/>
+            </a:endParaRPr>
+          </a:p>
+        </p:txBody>
+      </p:sp>
+      <p:sp>
+        <p:nvSpPr>
+          <p:cNvPr id="13" name="文本框 12">
+            <a:extLst>
+              <a:ext uri="{FF2B5EF4-FFF2-40B4-BE49-F238E27FC236}">
+                <a16:creationId xmlns:a16="http://schemas.microsoft.com/office/drawing/2014/main" id="{8E054F89-5FA8-2F47-8710-58E04A67980C}"/>
+              </a:ext>
+            </a:extLst>
+          </p:cNvPr>
+          <p:cNvSpPr txBox="1"/>
+          <p:nvPr/>
+        </p:nvSpPr>
+        <p:spPr>
+          <a:xfrm>
+            <a:off x="1973232" y="1799135"/>
+            <a:ext cx="8924544" cy="4154984"/>
+          </a:xfrm>
+          <a:prstGeom prst="rect">
+            <a:avLst/>
+          </a:prstGeom>
+          <a:noFill/>
+        </p:spPr>
+        <p:txBody>
+          <a:bodyPr wrap="square" rtlCol="0">
+            <a:spAutoFit/>
+          </a:bodyPr>
+          <a:lstStyle/>
+          <a:p>
+            <a:pPr marL="457200" indent="-457200">
+              <a:buFont typeface="+mj-lt"/>
+              <a:buAutoNum type="arabicPeriod"/>
+            </a:pPr>
+            <a:endParaRPr kumimoji="1" lang="en-US" altLang="zh-CN" sz="2400" dirty="0">
+              <a:latin typeface="Microsoft YaHei" panose="020B0503020204020204" pitchFamily="34" charset="-122"/>
+              <a:ea typeface="Microsoft YaHei" panose="020B0503020204020204" pitchFamily="34" charset="-122"/>
+            </a:endParaRPr>
+          </a:p>
+          <a:p>
+            <a:pPr marL="457200" indent="-457200">
+              <a:buFont typeface="+mj-lt"/>
+              <a:buAutoNum type="arabicPeriod"/>
+            </a:pPr>
+            <a:r>
+              <a:rPr kumimoji="1" lang="zh-CN" altLang="en-US" sz="2400" dirty="0">
+                <a:solidFill>
+                  <a:schemeClr val="accent2"/>
+                </a:solidFill>
+                <a:latin typeface="Microsoft YaHei" panose="020B0503020204020204" pitchFamily="34" charset="-122"/>
+                <a:ea typeface="Microsoft YaHei" panose="020B0503020204020204" pitchFamily="34" charset="-122"/>
+              </a:rPr>
+              <a:t>抽象方法的目的是提供方法声明但不实现，让子类去实现，除去这个目的，不要在普通类中使用</a:t>
+            </a:r>
+            <a:r>
+              <a:rPr kumimoji="1" lang="en-US" altLang="zh-CN" sz="2400" dirty="0">
+                <a:solidFill>
+                  <a:schemeClr val="accent2"/>
+                </a:solidFill>
+                <a:latin typeface="Microsoft YaHei" panose="020B0503020204020204" pitchFamily="34" charset="-122"/>
+                <a:ea typeface="Microsoft YaHei" panose="020B0503020204020204" pitchFamily="34" charset="-122"/>
+              </a:rPr>
+              <a:t>abstract</a:t>
+            </a:r>
+            <a:r>
+              <a:rPr kumimoji="1" lang="zh-CN" altLang="en-US" sz="2400" dirty="0">
+                <a:solidFill>
+                  <a:schemeClr val="accent2"/>
+                </a:solidFill>
+                <a:latin typeface="Microsoft YaHei" panose="020B0503020204020204" pitchFamily="34" charset="-122"/>
+                <a:ea typeface="Microsoft YaHei" panose="020B0503020204020204" pitchFamily="34" charset="-122"/>
+              </a:rPr>
+              <a:t>方法。</a:t>
+            </a:r>
+            <a:endParaRPr kumimoji="1" lang="en-US" altLang="zh-CN" sz="2400" dirty="0">
+              <a:solidFill>
+                <a:schemeClr val="accent2"/>
+              </a:solidFill>
+              <a:latin typeface="Microsoft YaHei" panose="020B0503020204020204" pitchFamily="34" charset="-122"/>
+              <a:ea typeface="Microsoft YaHei" panose="020B0503020204020204" pitchFamily="34" charset="-122"/>
+            </a:endParaRPr>
+          </a:p>
+          <a:p>
+            <a:pPr marL="457200" indent="-457200">
+              <a:buFont typeface="+mj-lt"/>
+              <a:buAutoNum type="arabicPeriod"/>
+            </a:pPr>
+            <a:r>
+              <a:rPr kumimoji="1" lang="zh-CN" altLang="en-US" sz="2400" dirty="0">
+                <a:solidFill>
+                  <a:schemeClr val="accent2"/>
+                </a:solidFill>
+                <a:latin typeface="Microsoft YaHei" panose="020B0503020204020204" pitchFamily="34" charset="-122"/>
+                <a:ea typeface="Microsoft YaHei" panose="020B0503020204020204" pitchFamily="34" charset="-122"/>
+              </a:rPr>
+              <a:t>抽象类的目的是在普通父类的基础上添加“自己不想实现，但强制子类实现抽象函数” 这个属性，如果没有这个需求，就不要用。</a:t>
+            </a:r>
+            <a:endParaRPr kumimoji="1" lang="en-US" altLang="zh-CN" sz="2400" dirty="0">
+              <a:solidFill>
+                <a:schemeClr val="accent2"/>
+              </a:solidFill>
+              <a:latin typeface="Microsoft YaHei" panose="020B0503020204020204" pitchFamily="34" charset="-122"/>
+              <a:ea typeface="Microsoft YaHei" panose="020B0503020204020204" pitchFamily="34" charset="-122"/>
+            </a:endParaRPr>
+          </a:p>
+          <a:p>
+            <a:pPr marL="457200" indent="-457200">
+              <a:buFont typeface="+mj-lt"/>
+              <a:buAutoNum type="arabicPeriod"/>
+            </a:pPr>
+            <a:r>
+              <a:rPr kumimoji="1" lang="zh-CN" altLang="en-US" sz="2400" dirty="0">
+                <a:latin typeface="Microsoft YaHei" panose="020B0503020204020204" pitchFamily="34" charset="-122"/>
+                <a:ea typeface="Microsoft YaHei" panose="020B0503020204020204" pitchFamily="34" charset="-122"/>
+              </a:rPr>
+              <a:t>有抽象方法的一定是抽象类，但抽象类可以没有抽象方法</a:t>
+            </a:r>
+            <a:endParaRPr kumimoji="1" lang="en-US" altLang="zh-CN" sz="2400" dirty="0">
+              <a:latin typeface="Microsoft YaHei" panose="020B0503020204020204" pitchFamily="34" charset="-122"/>
+              <a:ea typeface="Microsoft YaHei" panose="020B0503020204020204" pitchFamily="34" charset="-122"/>
+            </a:endParaRPr>
+          </a:p>
+          <a:p>
+            <a:pPr marL="457200" indent="-457200">
+              <a:buFont typeface="+mj-lt"/>
+              <a:buAutoNum type="arabicPeriod"/>
+            </a:pPr>
+            <a:r>
+              <a:rPr kumimoji="1" lang="zh-CN" altLang="en-US" sz="2400" dirty="0">
+                <a:latin typeface="Microsoft YaHei" panose="020B0503020204020204" pitchFamily="34" charset="-122"/>
+                <a:ea typeface="Microsoft YaHei" panose="020B0503020204020204" pitchFamily="34" charset="-122"/>
+              </a:rPr>
+              <a:t>抽象类不能用</a:t>
+            </a:r>
+            <a:r>
+              <a:rPr kumimoji="1" lang="en-US" altLang="zh-CN" sz="2400" dirty="0">
+                <a:latin typeface="Microsoft YaHei" panose="020B0503020204020204" pitchFamily="34" charset="-122"/>
+                <a:ea typeface="Microsoft YaHei" panose="020B0503020204020204" pitchFamily="34" charset="-122"/>
+              </a:rPr>
+              <a:t>new</a:t>
+            </a:r>
+            <a:r>
+              <a:rPr kumimoji="1" lang="zh-CN" altLang="en-US" sz="2400" dirty="0">
+                <a:latin typeface="Microsoft YaHei" panose="020B0503020204020204" pitchFamily="34" charset="-122"/>
+                <a:ea typeface="Microsoft YaHei" panose="020B0503020204020204" pitchFamily="34" charset="-122"/>
+              </a:rPr>
+              <a:t>来创建对象，其构造函数可以用于子类调用</a:t>
+            </a:r>
+            <a:r>
+              <a:rPr kumimoji="1" lang="en-US" altLang="zh-CN" sz="2400" dirty="0">
+                <a:latin typeface="Microsoft YaHei" panose="020B0503020204020204" pitchFamily="34" charset="-122"/>
+                <a:ea typeface="Microsoft YaHei" panose="020B0503020204020204" pitchFamily="34" charset="-122"/>
+              </a:rPr>
+              <a:t>super</a:t>
+            </a:r>
+            <a:r>
+              <a:rPr kumimoji="1" lang="zh-CN" altLang="en-US" sz="2400" dirty="0">
+                <a:latin typeface="Microsoft YaHei" panose="020B0503020204020204" pitchFamily="34" charset="-122"/>
+                <a:ea typeface="Microsoft YaHei" panose="020B0503020204020204" pitchFamily="34" charset="-122"/>
+              </a:rPr>
+              <a:t>时候用</a:t>
+            </a:r>
+            <a:endParaRPr kumimoji="1" lang="en-US" altLang="zh-CN" sz="2400" dirty="0">
+              <a:latin typeface="Microsoft YaHei" panose="020B0503020204020204" pitchFamily="34" charset="-122"/>
+              <a:ea typeface="Microsoft YaHei" panose="020B0503020204020204" pitchFamily="34" charset="-122"/>
+            </a:endParaRPr>
+          </a:p>
+          <a:p>
+            <a:pPr marL="457200" indent="-457200">
+              <a:buFont typeface="+mj-lt"/>
+              <a:buAutoNum type="arabicPeriod"/>
+            </a:pPr>
+            <a:r>
+              <a:rPr kumimoji="1" lang="zh-CN" altLang="en-US" sz="2400" dirty="0">
+                <a:latin typeface="Microsoft YaHei" panose="020B0503020204020204" pitchFamily="34" charset="-122"/>
+                <a:ea typeface="Microsoft YaHei" panose="020B0503020204020204" pitchFamily="34" charset="-122"/>
+              </a:rPr>
+              <a:t>父类是普通类，子类也可以是抽象类，只要它声明了</a:t>
+            </a:r>
+            <a:r>
+              <a:rPr kumimoji="1" lang="en-US" altLang="zh-CN" sz="2400" dirty="0">
+                <a:latin typeface="Microsoft YaHei" panose="020B0503020204020204" pitchFamily="34" charset="-122"/>
+                <a:ea typeface="Microsoft YaHei" panose="020B0503020204020204" pitchFamily="34" charset="-122"/>
+              </a:rPr>
+              <a:t>abstract</a:t>
+            </a:r>
+            <a:r>
+              <a:rPr kumimoji="1" lang="zh-CN" altLang="en-US" sz="2400" dirty="0">
+                <a:latin typeface="Microsoft YaHei" panose="020B0503020204020204" pitchFamily="34" charset="-122"/>
+                <a:ea typeface="Microsoft YaHei" panose="020B0503020204020204" pitchFamily="34" charset="-122"/>
+              </a:rPr>
+              <a:t>方法，所以是不是抽象</a:t>
+            </a:r>
+            <a:endParaRPr kumimoji="1" lang="en-US" altLang="zh-CN" sz="2400" dirty="0">
+              <a:latin typeface="Microsoft YaHei" panose="020B0503020204020204" pitchFamily="34" charset="-122"/>
+              <a:ea typeface="Microsoft YaHei" panose="020B0503020204020204" pitchFamily="34" charset="-122"/>
+            </a:endParaRPr>
+          </a:p>
+        </p:txBody>
+      </p:sp>
+    </p:spTree>
+    <p:extLst>
+      <p:ext uri="{BB962C8B-B14F-4D97-AF65-F5344CB8AC3E}">
+        <p14:creationId xmlns:p14="http://schemas.microsoft.com/office/powerpoint/2010/main" val="2305744253"/>
+      </p:ext>
+    </p:extLst>
+  </p:cSld>
+  <p:clrMapOvr>
+    <a:masterClrMapping/>
+  </p:clrMapOvr>
+</p:sld>
+</file>
+
+<file path=ppt/slides/slide11.xml><?xml version="1.0" encoding="utf-8"?>
+<p:sld xmlns:a="http://schemas.openxmlformats.org/drawingml/2006/main" xmlns:r="http://schemas.openxmlformats.org/officeDocument/2006/relationships" xmlns:p="http://schemas.openxmlformats.org/presentationml/2006/main">
+  <p:cSld>
+    <p:bg>
+      <p:bgPr>
+        <a:blipFill>
+          <a:blip r:embed="rId3"/>
+          <a:tile tx="0" ty="0" sx="100000" sy="100000" flip="none" algn="tl"/>
+        </a:blipFill>
+        <a:effectLst/>
+      </p:bgPr>
+    </p:bg>
+    <p:spTree>
+      <p:nvGrpSpPr>
+        <p:cNvPr id="1" name=""/>
+        <p:cNvGrpSpPr/>
+        <p:nvPr/>
+      </p:nvGrpSpPr>
+      <p:grpSpPr>
+        <a:xfrm>
+          <a:off x="0" y="0"/>
+          <a:ext cx="0" cy="0"/>
+          <a:chOff x="0" y="0"/>
+          <a:chExt cx="0" cy="0"/>
+        </a:xfrm>
+      </p:grpSpPr>
+      <p:sp>
+        <p:nvSpPr>
+          <p:cNvPr id="2" name="文本框 1">
+            <a:extLst>
+              <a:ext uri="{FF2B5EF4-FFF2-40B4-BE49-F238E27FC236}">
+                <a16:creationId xmlns:a16="http://schemas.microsoft.com/office/drawing/2014/main" id="{12AA8BCC-7B15-4842-80C2-48C079429338}"/>
+              </a:ext>
+            </a:extLst>
+          </p:cNvPr>
+          <p:cNvSpPr txBox="1"/>
+          <p:nvPr/>
+        </p:nvSpPr>
+        <p:spPr>
+          <a:xfrm>
+            <a:off x="1660464" y="775865"/>
+            <a:ext cx="9550080" cy="830997"/>
+          </a:xfrm>
+          <a:prstGeom prst="rect">
+            <a:avLst/>
+          </a:prstGeom>
+          <a:noFill/>
+        </p:spPr>
+        <p:txBody>
+          <a:bodyPr wrap="square" rtlCol="0">
+            <a:spAutoFit/>
+          </a:bodyPr>
+          <a:lstStyle/>
+          <a:p>
+            <a:pPr algn="ctr"/>
+            <a:r>
+              <a:rPr kumimoji="1" lang="zh-CN" altLang="en-US" sz="4800" dirty="0">
+                <a:ea typeface="Microsoft YaHei" panose="020B0503020204020204" pitchFamily="34" charset="-122"/>
+              </a:rPr>
+              <a:t>继续唠叨 </a:t>
+            </a:r>
+            <a:endParaRPr kumimoji="1" lang="en-US" altLang="zh-CN" sz="4800" dirty="0">
+              <a:ea typeface="Microsoft YaHei" panose="020B0503020204020204" pitchFamily="34" charset="-122"/>
+            </a:endParaRPr>
+          </a:p>
+        </p:txBody>
+      </p:sp>
+      <p:sp>
+        <p:nvSpPr>
+          <p:cNvPr id="13" name="文本框 12">
+            <a:extLst>
+              <a:ext uri="{FF2B5EF4-FFF2-40B4-BE49-F238E27FC236}">
+                <a16:creationId xmlns:a16="http://schemas.microsoft.com/office/drawing/2014/main" id="{8E054F89-5FA8-2F47-8710-58E04A67980C}"/>
+              </a:ext>
+            </a:extLst>
+          </p:cNvPr>
+          <p:cNvSpPr txBox="1"/>
+          <p:nvPr/>
+        </p:nvSpPr>
+        <p:spPr>
+          <a:xfrm>
+            <a:off x="1806768" y="2598003"/>
+            <a:ext cx="8924544" cy="2252027"/>
+          </a:xfrm>
+          <a:prstGeom prst="rect">
+            <a:avLst/>
+          </a:prstGeom>
+          <a:noFill/>
+        </p:spPr>
+        <p:txBody>
+          <a:bodyPr wrap="square" rtlCol="0">
+            <a:spAutoFit/>
+          </a:bodyPr>
+          <a:lstStyle/>
+          <a:p>
+            <a:pPr marL="342900" indent="-342900">
+              <a:lnSpc>
+                <a:spcPct val="150000"/>
+              </a:lnSpc>
+              <a:buFont typeface="Arial" panose="020B0604020202020204" pitchFamily="34" charset="0"/>
+              <a:buChar char="•"/>
+            </a:pPr>
+            <a:r>
+              <a:rPr kumimoji="1" lang="zh-CN" altLang="en-US" sz="2400" dirty="0"/>
+              <a:t>面向对象中学到 的封装，继承，多态，更多的是在设计类，设计多个类之间关系的时候考虑的。</a:t>
+            </a:r>
+            <a:endParaRPr kumimoji="1" lang="en-US" altLang="zh-CN" sz="2400" dirty="0"/>
+          </a:p>
+          <a:p>
+            <a:pPr marL="342900" indent="-342900">
+              <a:lnSpc>
+                <a:spcPct val="150000"/>
+              </a:lnSpc>
+              <a:buFont typeface="Arial" panose="020B0604020202020204" pitchFamily="34" charset="0"/>
+              <a:buChar char="•"/>
+            </a:pPr>
+            <a:r>
+              <a:rPr kumimoji="1" lang="zh-CN" altLang="en-US" sz="2400" dirty="0"/>
+              <a:t>所以，要根据实际需求决定是否采用面向对象提供的这些设计元素，它们都是积木，请按需取用。</a:t>
+            </a:r>
+          </a:p>
+        </p:txBody>
+      </p:sp>
+      <p:sp>
+        <p:nvSpPr>
+          <p:cNvPr id="4" name="文本框 3">
+            <a:extLst>
+              <a:ext uri="{FF2B5EF4-FFF2-40B4-BE49-F238E27FC236}">
+                <a16:creationId xmlns:a16="http://schemas.microsoft.com/office/drawing/2014/main" id="{8F44DB5D-2A6B-C94F-B017-30A25551570B}"/>
+              </a:ext>
+            </a:extLst>
+          </p:cNvPr>
+          <p:cNvSpPr txBox="1"/>
+          <p:nvPr/>
+        </p:nvSpPr>
+        <p:spPr>
+          <a:xfrm>
+            <a:off x="8503920" y="5102508"/>
+            <a:ext cx="3163824" cy="1477328"/>
+          </a:xfrm>
+          <a:prstGeom prst="rect">
+            <a:avLst/>
+          </a:prstGeom>
+          <a:solidFill>
+            <a:schemeClr val="accent2"/>
+          </a:solidFill>
+        </p:spPr>
+        <p:txBody>
+          <a:bodyPr wrap="square" rtlCol="0">
+            <a:spAutoFit/>
+          </a:bodyPr>
+          <a:lstStyle/>
+          <a:p>
+            <a:r>
+              <a:rPr kumimoji="1" lang="zh-CN" altLang="en-US" dirty="0">
+                <a:solidFill>
+                  <a:schemeClr val="bg1"/>
+                </a:solidFill>
+              </a:rPr>
+              <a:t>有些概念你们现在感受不出，但等你们实习了，或者工作了，就知道了。 学了以后会有用的，每个你理解的知识点都是</a:t>
+            </a:r>
+            <a:r>
+              <a:rPr kumimoji="1" lang="en-US" altLang="zh-CN" dirty="0">
+                <a:solidFill>
+                  <a:schemeClr val="bg1"/>
+                </a:solidFill>
+              </a:rPr>
+              <a:t>dot</a:t>
+            </a:r>
+            <a:r>
+              <a:rPr kumimoji="1" lang="zh-CN" altLang="en-US" dirty="0">
+                <a:solidFill>
+                  <a:schemeClr val="bg1"/>
+                </a:solidFill>
+              </a:rPr>
+              <a:t>。</a:t>
+            </a:r>
+          </a:p>
+        </p:txBody>
+      </p:sp>
+      <p:sp>
+        <p:nvSpPr>
+          <p:cNvPr id="5" name="文本框 4">
+            <a:extLst>
+              <a:ext uri="{FF2B5EF4-FFF2-40B4-BE49-F238E27FC236}">
+                <a16:creationId xmlns:a16="http://schemas.microsoft.com/office/drawing/2014/main" id="{F062BD7E-340F-264D-AEB3-46E22295B418}"/>
+              </a:ext>
+            </a:extLst>
+          </p:cNvPr>
+          <p:cNvSpPr txBox="1"/>
+          <p:nvPr/>
+        </p:nvSpPr>
+        <p:spPr>
+          <a:xfrm>
+            <a:off x="1806768" y="5102507"/>
+            <a:ext cx="6400800" cy="1477328"/>
+          </a:xfrm>
+          <a:prstGeom prst="rect">
+            <a:avLst/>
+          </a:prstGeom>
+          <a:solidFill>
+            <a:schemeClr val="accent2"/>
+          </a:solidFill>
+        </p:spPr>
+        <p:txBody>
+          <a:bodyPr wrap="square" rtlCol="0">
+            <a:spAutoFit/>
+          </a:bodyPr>
+          <a:lstStyle/>
+          <a:p>
+            <a:r>
+              <a:rPr lang="en-US" altLang="zh-CN" dirty="0">
+                <a:solidFill>
+                  <a:schemeClr val="bg1"/>
+                </a:solidFill>
+              </a:rPr>
+              <a:t>You can’t</a:t>
+            </a:r>
+            <a:r>
+              <a:rPr lang="zh-CN" altLang="en-US" dirty="0">
+                <a:solidFill>
+                  <a:schemeClr val="bg1"/>
+                </a:solidFill>
+              </a:rPr>
+              <a:t> </a:t>
+            </a:r>
+            <a:r>
+              <a:rPr lang="en-US" altLang="zh-CN" dirty="0">
+                <a:solidFill>
+                  <a:schemeClr val="bg1"/>
+                </a:solidFill>
+              </a:rPr>
+              <a:t> connect the dots looking forward; you can only connect them looking backward.</a:t>
+            </a:r>
+            <a:br>
+              <a:rPr lang="en-US" altLang="zh-CN" dirty="0">
+                <a:solidFill>
+                  <a:schemeClr val="bg1"/>
+                </a:solidFill>
+              </a:rPr>
+            </a:br>
+            <a:r>
+              <a:rPr lang="en-US" altLang="zh-CN" dirty="0">
+                <a:solidFill>
+                  <a:schemeClr val="bg1"/>
+                </a:solidFill>
+              </a:rPr>
+              <a:t>So you have to trust that the dots will somehow connect in your future</a:t>
+            </a:r>
+          </a:p>
+          <a:p>
+            <a:r>
+              <a:rPr kumimoji="1" lang="zh-CN" altLang="en-US" dirty="0">
+                <a:solidFill>
+                  <a:schemeClr val="bg1"/>
+                </a:solidFill>
+              </a:rPr>
+              <a:t>                                 乔布斯 </a:t>
+            </a:r>
+            <a:r>
+              <a:rPr kumimoji="1" lang="en-US" altLang="zh-CN" dirty="0">
+                <a:solidFill>
+                  <a:schemeClr val="bg1"/>
+                </a:solidFill>
+              </a:rPr>
+              <a:t>2015</a:t>
+            </a:r>
+            <a:r>
+              <a:rPr kumimoji="1" lang="zh-CN" altLang="en-US" dirty="0">
+                <a:solidFill>
+                  <a:schemeClr val="bg1"/>
+                </a:solidFill>
+              </a:rPr>
+              <a:t> 斯坦福大学毕业演讲</a:t>
+            </a:r>
+          </a:p>
+        </p:txBody>
+      </p:sp>
+    </p:spTree>
+    <p:extLst>
+      <p:ext uri="{BB962C8B-B14F-4D97-AF65-F5344CB8AC3E}">
+        <p14:creationId xmlns:p14="http://schemas.microsoft.com/office/powerpoint/2010/main" val="2157639987"/>
+      </p:ext>
+    </p:extLst>
+  </p:cSld>
+  <p:clrMapOvr>
+    <a:masterClrMapping/>
+  </p:clrMapOvr>
+</p:sld>
+</file>
+
+<file path=ppt/slides/slide12.xml><?xml version="1.0" encoding="utf-8"?>
+<p:sld xmlns:a="http://schemas.openxmlformats.org/drawingml/2006/main" xmlns:r="http://schemas.openxmlformats.org/officeDocument/2006/relationships" xmlns:p="http://schemas.openxmlformats.org/presentationml/2006/main">
+  <p:cSld>
+    <p:bg>
+      <p:bgPr>
+        <a:blipFill>
+          <a:blip r:embed="rId3"/>
+          <a:tile tx="0" ty="0" sx="100000" sy="100000" flip="none" algn="tl"/>
+        </a:blipFill>
+        <a:effectLst/>
+      </p:bgPr>
+    </p:bg>
+    <p:spTree>
+      <p:nvGrpSpPr>
+        <p:cNvPr id="1" name=""/>
+        <p:cNvGrpSpPr/>
+        <p:nvPr/>
+      </p:nvGrpSpPr>
+      <p:grpSpPr>
+        <a:xfrm>
+          <a:off x="0" y="0"/>
+          <a:ext cx="0" cy="0"/>
+          <a:chOff x="0" y="0"/>
+          <a:chExt cx="0" cy="0"/>
+        </a:xfrm>
+      </p:grpSpPr>
+      <p:sp>
+        <p:nvSpPr>
+          <p:cNvPr id="2" name="文本框 1">
+            <a:extLst>
+              <a:ext uri="{FF2B5EF4-FFF2-40B4-BE49-F238E27FC236}">
+                <a16:creationId xmlns:a16="http://schemas.microsoft.com/office/drawing/2014/main" id="{12AA8BCC-7B15-4842-80C2-48C079429338}"/>
+              </a:ext>
+            </a:extLst>
+          </p:cNvPr>
+          <p:cNvSpPr txBox="1"/>
+          <p:nvPr/>
+        </p:nvSpPr>
+        <p:spPr>
+          <a:xfrm>
+            <a:off x="1660464" y="775865"/>
+            <a:ext cx="9550080" cy="830997"/>
+          </a:xfrm>
+          <a:prstGeom prst="rect">
+            <a:avLst/>
+          </a:prstGeom>
+          <a:noFill/>
+        </p:spPr>
+        <p:txBody>
+          <a:bodyPr wrap="square" rtlCol="0">
+            <a:spAutoFit/>
+          </a:bodyPr>
+          <a:lstStyle/>
+          <a:p>
+            <a:pPr algn="ctr"/>
+            <a:r>
+              <a:rPr kumimoji="1" lang="zh-CN" altLang="en-US" sz="4800" dirty="0">
+                <a:ea typeface="Microsoft YaHei" panose="020B0503020204020204" pitchFamily="34" charset="-122"/>
+              </a:rPr>
+              <a:t>小练习 </a:t>
+            </a:r>
+            <a:endParaRPr kumimoji="1" lang="en-US" altLang="zh-CN" sz="4800" dirty="0">
+              <a:ea typeface="Microsoft YaHei" panose="020B0503020204020204" pitchFamily="34" charset="-122"/>
+            </a:endParaRPr>
+          </a:p>
+        </p:txBody>
+      </p:sp>
+      <p:pic>
+        <p:nvPicPr>
+          <p:cNvPr id="3" name="图片 2">
+            <a:extLst>
+              <a:ext uri="{FF2B5EF4-FFF2-40B4-BE49-F238E27FC236}">
+                <a16:creationId xmlns:a16="http://schemas.microsoft.com/office/drawing/2014/main" id="{C8DAB8F5-C125-0A4C-BDDF-6FEB252A4767}"/>
+              </a:ext>
+            </a:extLst>
+          </p:cNvPr>
+          <p:cNvPicPr>
+            <a:picLocks noChangeAspect="1"/>
+          </p:cNvPicPr>
+          <p:nvPr/>
+        </p:nvPicPr>
+        <p:blipFill>
+          <a:blip r:embed="rId4"/>
+          <a:stretch>
+            <a:fillRect/>
+          </a:stretch>
+        </p:blipFill>
+        <p:spPr>
+          <a:xfrm>
+            <a:off x="1995542" y="3094079"/>
+            <a:ext cx="8200915" cy="2988056"/>
+          </a:xfrm>
+          <a:prstGeom prst="rect">
+            <a:avLst/>
+          </a:prstGeom>
+        </p:spPr>
+      </p:pic>
+      <p:sp>
+        <p:nvSpPr>
+          <p:cNvPr id="4" name="文本框 3">
+            <a:extLst>
+              <a:ext uri="{FF2B5EF4-FFF2-40B4-BE49-F238E27FC236}">
+                <a16:creationId xmlns:a16="http://schemas.microsoft.com/office/drawing/2014/main" id="{464CC7CF-9B94-BA49-9D1C-A964476D0A3B}"/>
+              </a:ext>
+            </a:extLst>
+          </p:cNvPr>
+          <p:cNvSpPr txBox="1"/>
+          <p:nvPr/>
+        </p:nvSpPr>
+        <p:spPr>
+          <a:xfrm>
+            <a:off x="1995542" y="2119638"/>
+            <a:ext cx="8495673" cy="461665"/>
+          </a:xfrm>
+          <a:prstGeom prst="rect">
+            <a:avLst/>
+          </a:prstGeom>
+          <a:noFill/>
+        </p:spPr>
+        <p:txBody>
+          <a:bodyPr wrap="square" rtlCol="0">
+            <a:spAutoFit/>
+          </a:bodyPr>
+          <a:lstStyle/>
+          <a:p>
+            <a:r>
+              <a:rPr kumimoji="1" lang="zh-CN" altLang="en-US" sz="2400" dirty="0">
+                <a:latin typeface="Microsoft YaHei" panose="020B0503020204020204" pitchFamily="34" charset="-122"/>
+                <a:ea typeface="Microsoft YaHei" panose="020B0503020204020204" pitchFamily="34" charset="-122"/>
+              </a:rPr>
+              <a:t>下列哪些是合法的抽象类？</a:t>
+            </a:r>
+            <a:r>
+              <a:rPr kumimoji="1" lang="en-US" altLang="zh-CN" sz="2400" dirty="0">
+                <a:latin typeface="Microsoft YaHei" panose="020B0503020204020204" pitchFamily="34" charset="-122"/>
+                <a:ea typeface="Microsoft YaHei" panose="020B0503020204020204" pitchFamily="34" charset="-122"/>
+              </a:rPr>
+              <a:t>(</a:t>
+            </a:r>
+            <a:r>
+              <a:rPr kumimoji="1" lang="zh-CN" altLang="en-US" sz="2400" dirty="0">
+                <a:latin typeface="Microsoft YaHei" panose="020B0503020204020204" pitchFamily="34" charset="-122"/>
+                <a:ea typeface="Microsoft YaHei" panose="020B0503020204020204" pitchFamily="34" charset="-122"/>
+              </a:rPr>
+              <a:t>多选</a:t>
+            </a:r>
+            <a:r>
+              <a:rPr kumimoji="1" lang="en-US" altLang="zh-CN" sz="2400" dirty="0">
+                <a:latin typeface="Microsoft YaHei" panose="020B0503020204020204" pitchFamily="34" charset="-122"/>
+                <a:ea typeface="Microsoft YaHei" panose="020B0503020204020204" pitchFamily="34" charset="-122"/>
+              </a:rPr>
+              <a:t>)</a:t>
+            </a:r>
+            <a:endParaRPr kumimoji="1" lang="zh-CN" altLang="en-US" sz="2400" dirty="0">
+              <a:latin typeface="Microsoft YaHei" panose="020B0503020204020204" pitchFamily="34" charset="-122"/>
+              <a:ea typeface="Microsoft YaHei" panose="020B0503020204020204" pitchFamily="34" charset="-122"/>
+            </a:endParaRPr>
+          </a:p>
+        </p:txBody>
+      </p:sp>
+    </p:spTree>
+    <p:extLst>
+      <p:ext uri="{BB962C8B-B14F-4D97-AF65-F5344CB8AC3E}">
+        <p14:creationId xmlns:p14="http://schemas.microsoft.com/office/powerpoint/2010/main" val="2260877528"/>
+      </p:ext>
+    </p:extLst>
+  </p:cSld>
+  <p:clrMapOvr>
+    <a:masterClrMapping/>
+  </p:clrMapOvr>
+</p:sld>
+</file>
+
+<file path=ppt/slides/slide13.xml><?xml version="1.0" encoding="utf-8"?>
+<p:sld xmlns:a="http://schemas.openxmlformats.org/drawingml/2006/main" xmlns:r="http://schemas.openxmlformats.org/officeDocument/2006/relationships" xmlns:p="http://schemas.openxmlformats.org/presentationml/2006/main">
+  <p:cSld>
+    <p:bg>
+      <p:bgPr>
+        <a:blipFill>
+          <a:blip r:embed="rId3"/>
+          <a:tile tx="0" ty="0" sx="100000" sy="100000" flip="none" algn="tl"/>
+        </a:blipFill>
+        <a:effectLst/>
+      </p:bgPr>
+    </p:bg>
+    <p:spTree>
+      <p:nvGrpSpPr>
+        <p:cNvPr id="1" name=""/>
+        <p:cNvGrpSpPr/>
+        <p:nvPr/>
+      </p:nvGrpSpPr>
+      <p:grpSpPr>
+        <a:xfrm>
+          <a:off x="0" y="0"/>
+          <a:ext cx="0" cy="0"/>
+          <a:chOff x="0" y="0"/>
+          <a:chExt cx="0" cy="0"/>
+        </a:xfrm>
+      </p:grpSpPr>
+      <p:sp>
+        <p:nvSpPr>
+          <p:cNvPr id="2" name="文本框 1">
+            <a:extLst>
+              <a:ext uri="{FF2B5EF4-FFF2-40B4-BE49-F238E27FC236}">
+                <a16:creationId xmlns:a16="http://schemas.microsoft.com/office/drawing/2014/main" id="{12AA8BCC-7B15-4842-80C2-48C079429338}"/>
+              </a:ext>
+            </a:extLst>
+          </p:cNvPr>
+          <p:cNvSpPr txBox="1"/>
+          <p:nvPr/>
+        </p:nvSpPr>
+        <p:spPr>
+          <a:xfrm>
+            <a:off x="1660464" y="775865"/>
+            <a:ext cx="9550080" cy="830997"/>
+          </a:xfrm>
+          <a:prstGeom prst="rect">
+            <a:avLst/>
+          </a:prstGeom>
+          <a:noFill/>
+        </p:spPr>
+        <p:txBody>
+          <a:bodyPr wrap="square" rtlCol="0">
+            <a:spAutoFit/>
+          </a:bodyPr>
+          <a:lstStyle/>
+          <a:p>
+            <a:pPr algn="ctr"/>
+            <a:r>
+              <a:rPr kumimoji="1" lang="zh-CN" altLang="en-US" sz="4800" dirty="0">
+                <a:ea typeface="Microsoft YaHei" panose="020B0503020204020204" pitchFamily="34" charset="-122"/>
+              </a:rPr>
+              <a:t>书上示例学习</a:t>
+            </a:r>
+            <a:r>
+              <a:rPr kumimoji="1" lang="en-US" altLang="zh-CN" sz="4800" dirty="0">
+                <a:ea typeface="Microsoft YaHei" panose="020B0503020204020204" pitchFamily="34" charset="-122"/>
+              </a:rPr>
+              <a:t>---Number</a:t>
+            </a:r>
+          </a:p>
+        </p:txBody>
+      </p:sp>
+      <p:sp>
+        <p:nvSpPr>
+          <p:cNvPr id="4" name="文本框 3">
+            <a:extLst>
+              <a:ext uri="{FF2B5EF4-FFF2-40B4-BE49-F238E27FC236}">
+                <a16:creationId xmlns:a16="http://schemas.microsoft.com/office/drawing/2014/main" id="{464CC7CF-9B94-BA49-9D1C-A964476D0A3B}"/>
+              </a:ext>
+            </a:extLst>
+          </p:cNvPr>
+          <p:cNvSpPr txBox="1"/>
+          <p:nvPr/>
+        </p:nvSpPr>
+        <p:spPr>
+          <a:xfrm>
+            <a:off x="5433687" y="3617684"/>
+            <a:ext cx="1735210" cy="461665"/>
+          </a:xfrm>
+          <a:prstGeom prst="rect">
+            <a:avLst/>
+          </a:prstGeom>
+          <a:noFill/>
+        </p:spPr>
+        <p:txBody>
+          <a:bodyPr wrap="square" rtlCol="0">
+            <a:spAutoFit/>
+          </a:bodyPr>
+          <a:lstStyle/>
+          <a:p>
+            <a:r>
+              <a:rPr kumimoji="1" lang="zh-CN" altLang="en-US" sz="2400" dirty="0">
+                <a:latin typeface="Microsoft YaHei" panose="020B0503020204020204" pitchFamily="34" charset="-122"/>
+                <a:ea typeface="Microsoft YaHei" panose="020B0503020204020204" pitchFamily="34" charset="-122"/>
+              </a:rPr>
+              <a:t>看书讲解</a:t>
+            </a:r>
+          </a:p>
+        </p:txBody>
+      </p:sp>
+    </p:spTree>
+    <p:extLst>
+      <p:ext uri="{BB962C8B-B14F-4D97-AF65-F5344CB8AC3E}">
+        <p14:creationId xmlns:p14="http://schemas.microsoft.com/office/powerpoint/2010/main" val="1445655901"/>
+      </p:ext>
+    </p:extLst>
+  </p:cSld>
+  <p:clrMapOvr>
+    <a:masterClrMapping/>
+  </p:clrMapOvr>
+</p:sld>
+</file>
+
+<file path=ppt/slides/slide14.xml><?xml version="1.0" encoding="utf-8"?>
+<p:sld xmlns:a="http://schemas.openxmlformats.org/drawingml/2006/main" xmlns:r="http://schemas.openxmlformats.org/officeDocument/2006/relationships" xmlns:p="http://schemas.openxmlformats.org/presentationml/2006/main">
+  <p:cSld>
+    <p:bg>
+      <p:bgPr>
+        <a:blipFill>
+          <a:blip r:embed="rId3"/>
+          <a:tile tx="0" ty="0" sx="100000" sy="100000" flip="none" algn="tl"/>
+        </a:blipFill>
+        <a:effectLst/>
+      </p:bgPr>
+    </p:bg>
+    <p:spTree>
+      <p:nvGrpSpPr>
+        <p:cNvPr id="1" name=""/>
+        <p:cNvGrpSpPr/>
+        <p:nvPr/>
+      </p:nvGrpSpPr>
+      <p:grpSpPr>
+        <a:xfrm>
+          <a:off x="0" y="0"/>
+          <a:ext cx="0" cy="0"/>
+          <a:chOff x="0" y="0"/>
+          <a:chExt cx="0" cy="0"/>
+        </a:xfrm>
+      </p:grpSpPr>
+      <p:sp>
+        <p:nvSpPr>
+          <p:cNvPr id="2" name="文本框 1">
+            <a:extLst>
+              <a:ext uri="{FF2B5EF4-FFF2-40B4-BE49-F238E27FC236}">
+                <a16:creationId xmlns:a16="http://schemas.microsoft.com/office/drawing/2014/main" id="{12AA8BCC-7B15-4842-80C2-48C079429338}"/>
+              </a:ext>
+            </a:extLst>
+          </p:cNvPr>
+          <p:cNvSpPr txBox="1"/>
+          <p:nvPr/>
+        </p:nvSpPr>
+        <p:spPr>
+          <a:xfrm>
+            <a:off x="1660464" y="775865"/>
+            <a:ext cx="9550080" cy="830997"/>
+          </a:xfrm>
+          <a:prstGeom prst="rect">
+            <a:avLst/>
+          </a:prstGeom>
+          <a:noFill/>
+        </p:spPr>
+        <p:txBody>
+          <a:bodyPr wrap="square" rtlCol="0">
+            <a:spAutoFit/>
+          </a:bodyPr>
+          <a:lstStyle/>
+          <a:p>
+            <a:pPr algn="ctr"/>
+            <a:r>
+              <a:rPr kumimoji="1" lang="en-US" altLang="zh-CN" sz="4800" dirty="0">
+                <a:ea typeface="Microsoft YaHei" panose="020B0503020204020204" pitchFamily="34" charset="-122"/>
+              </a:rPr>
+              <a:t>Number</a:t>
+            </a:r>
+            <a:r>
+              <a:rPr kumimoji="1" lang="zh-CN" altLang="en-US" sz="4800" dirty="0">
+                <a:ea typeface="Microsoft YaHei" panose="020B0503020204020204" pitchFamily="34" charset="-122"/>
+              </a:rPr>
+              <a:t> 类程序判断题</a:t>
+            </a:r>
+            <a:endParaRPr kumimoji="1" lang="en-US" altLang="zh-CN" sz="4800" dirty="0">
+              <a:ea typeface="Microsoft YaHei" panose="020B0503020204020204" pitchFamily="34" charset="-122"/>
+            </a:endParaRPr>
+          </a:p>
+        </p:txBody>
+      </p:sp>
+      <p:pic>
+        <p:nvPicPr>
+          <p:cNvPr id="3" name="图片 2">
+            <a:extLst>
+              <a:ext uri="{FF2B5EF4-FFF2-40B4-BE49-F238E27FC236}">
+                <a16:creationId xmlns:a16="http://schemas.microsoft.com/office/drawing/2014/main" id="{7EB5995B-74EF-C84A-9EEF-A88382ED98AE}"/>
+              </a:ext>
+            </a:extLst>
+          </p:cNvPr>
+          <p:cNvPicPr>
+            <a:picLocks noChangeAspect="1"/>
+          </p:cNvPicPr>
+          <p:nvPr/>
+        </p:nvPicPr>
+        <p:blipFill>
+          <a:blip r:embed="rId4"/>
+          <a:stretch>
+            <a:fillRect/>
+          </a:stretch>
+        </p:blipFill>
+        <p:spPr>
+          <a:xfrm>
+            <a:off x="2498504" y="2272135"/>
+            <a:ext cx="7874000" cy="3810000"/>
+          </a:xfrm>
+          <a:prstGeom prst="rect">
+            <a:avLst/>
+          </a:prstGeom>
+        </p:spPr>
+      </p:pic>
+    </p:spTree>
+    <p:extLst>
+      <p:ext uri="{BB962C8B-B14F-4D97-AF65-F5344CB8AC3E}">
+        <p14:creationId xmlns:p14="http://schemas.microsoft.com/office/powerpoint/2010/main" val="1984185471"/>
+      </p:ext>
+    </p:extLst>
+  </p:cSld>
+  <p:clrMapOvr>
+    <a:masterClrMapping/>
+  </p:clrMapOvr>
+</p:sld>
+</file>
+
+<file path=ppt/slides/slide15.xml><?xml version="1.0" encoding="utf-8"?>
+<p:sld xmlns:a="http://schemas.openxmlformats.org/drawingml/2006/main" xmlns:r="http://schemas.openxmlformats.org/officeDocument/2006/relationships" xmlns:p="http://schemas.openxmlformats.org/presentationml/2006/main">
+  <p:cSld>
+    <p:bg>
+      <p:bgPr>
+        <a:blipFill>
+          <a:blip r:embed="rId3"/>
+          <a:tile tx="0" ty="0" sx="100000" sy="100000" flip="none" algn="tl"/>
+        </a:blipFill>
+        <a:effectLst/>
+      </p:bgPr>
+    </p:bg>
+    <p:spTree>
+      <p:nvGrpSpPr>
+        <p:cNvPr id="1" name=""/>
+        <p:cNvGrpSpPr/>
+        <p:nvPr/>
+      </p:nvGrpSpPr>
+      <p:grpSpPr>
+        <a:xfrm>
+          <a:off x="0" y="0"/>
+          <a:ext cx="0" cy="0"/>
+          <a:chOff x="0" y="0"/>
+          <a:chExt cx="0" cy="0"/>
+        </a:xfrm>
+      </p:grpSpPr>
+      <p:sp>
+        <p:nvSpPr>
+          <p:cNvPr id="2" name="文本框 1">
+            <a:extLst>
+              <a:ext uri="{FF2B5EF4-FFF2-40B4-BE49-F238E27FC236}">
+                <a16:creationId xmlns:a16="http://schemas.microsoft.com/office/drawing/2014/main" id="{12AA8BCC-7B15-4842-80C2-48C079429338}"/>
+              </a:ext>
+            </a:extLst>
+          </p:cNvPr>
+          <p:cNvSpPr txBox="1"/>
+          <p:nvPr/>
+        </p:nvSpPr>
+        <p:spPr>
+          <a:xfrm>
+            <a:off x="1989648" y="749808"/>
+            <a:ext cx="8727120" cy="830997"/>
+          </a:xfrm>
+          <a:prstGeom prst="rect">
+            <a:avLst/>
+          </a:prstGeom>
+          <a:noFill/>
+        </p:spPr>
+        <p:txBody>
+          <a:bodyPr wrap="square" rtlCol="0">
+            <a:spAutoFit/>
+          </a:bodyPr>
+          <a:lstStyle/>
+          <a:p>
+            <a:pPr algn="ctr"/>
+            <a:r>
+              <a:rPr kumimoji="1" lang="zh-CN" altLang="en-US" sz="4800" dirty="0">
+                <a:ea typeface="Microsoft YaHei" panose="020B0503020204020204" pitchFamily="34" charset="-122"/>
+              </a:rPr>
+              <a:t>接口</a:t>
+            </a:r>
+            <a:endParaRPr kumimoji="1" lang="en-US" altLang="zh-CN" sz="4800" dirty="0">
+              <a:ea typeface="Microsoft YaHei" panose="020B0503020204020204" pitchFamily="34" charset="-122"/>
+            </a:endParaRPr>
+          </a:p>
+        </p:txBody>
+      </p:sp>
+      <p:sp>
+        <p:nvSpPr>
+          <p:cNvPr id="13" name="文本框 12">
+            <a:extLst>
+              <a:ext uri="{FF2B5EF4-FFF2-40B4-BE49-F238E27FC236}">
+                <a16:creationId xmlns:a16="http://schemas.microsoft.com/office/drawing/2014/main" id="{8E054F89-5FA8-2F47-8710-58E04A67980C}"/>
+              </a:ext>
+            </a:extLst>
+          </p:cNvPr>
+          <p:cNvSpPr txBox="1"/>
+          <p:nvPr/>
+        </p:nvSpPr>
+        <p:spPr>
+          <a:xfrm>
+            <a:off x="1989648" y="1580805"/>
+            <a:ext cx="8924544" cy="5632311"/>
+          </a:xfrm>
+          <a:prstGeom prst="rect">
+            <a:avLst/>
+          </a:prstGeom>
+          <a:noFill/>
+        </p:spPr>
+        <p:txBody>
+          <a:bodyPr wrap="square" rtlCol="0">
+            <a:spAutoFit/>
+          </a:bodyPr>
+          <a:lstStyle/>
+          <a:p>
+            <a:r>
+              <a:rPr kumimoji="1" lang="zh-CN" altLang="en-US" sz="2400" b="1" u="sng" dirty="0">
+                <a:latin typeface="Microsoft YaHei" panose="020B0503020204020204" pitchFamily="34" charset="-122"/>
+                <a:ea typeface="Microsoft YaHei" panose="020B0503020204020204" pitchFamily="34" charset="-122"/>
+              </a:rPr>
+              <a:t>定义：</a:t>
+            </a:r>
+            <a:endParaRPr kumimoji="1" lang="en-US" altLang="zh-CN" sz="2400" b="1" u="sng" dirty="0">
+              <a:latin typeface="Microsoft YaHei" panose="020B0503020204020204" pitchFamily="34" charset="-122"/>
+              <a:ea typeface="Microsoft YaHei" panose="020B0503020204020204" pitchFamily="34" charset="-122"/>
+            </a:endParaRPr>
+          </a:p>
+          <a:p>
+            <a:r>
+              <a:rPr kumimoji="1" lang="zh-CN" altLang="en-US" sz="2400" dirty="0">
+                <a:latin typeface="Microsoft YaHei" panose="020B0503020204020204" pitchFamily="34" charset="-122"/>
+                <a:ea typeface="Microsoft YaHei" panose="020B0503020204020204" pitchFamily="34" charset="-122"/>
+              </a:rPr>
+              <a:t>   接口是一种与类相似的结构，只包含常量和抽象方法。 </a:t>
+            </a:r>
+            <a:endParaRPr kumimoji="1" lang="en-US" altLang="zh-CN" sz="2400" dirty="0">
+              <a:latin typeface="Microsoft YaHei" panose="020B0503020204020204" pitchFamily="34" charset="-122"/>
+              <a:ea typeface="Microsoft YaHei" panose="020B0503020204020204" pitchFamily="34" charset="-122"/>
+            </a:endParaRPr>
+          </a:p>
+          <a:p>
+            <a:endParaRPr kumimoji="1" lang="en-US" altLang="zh-CN" sz="2400" dirty="0">
+              <a:latin typeface="Microsoft YaHei" panose="020B0503020204020204" pitchFamily="34" charset="-122"/>
+              <a:ea typeface="Microsoft YaHei" panose="020B0503020204020204" pitchFamily="34" charset="-122"/>
+            </a:endParaRPr>
+          </a:p>
+          <a:p>
+            <a:r>
+              <a:rPr kumimoji="1" lang="zh-CN" altLang="en-US" sz="2400" b="1" u="sng" dirty="0">
+                <a:latin typeface="Microsoft YaHei" panose="020B0503020204020204" pitchFamily="34" charset="-122"/>
+                <a:ea typeface="Microsoft YaHei" panose="020B0503020204020204" pitchFamily="34" charset="-122"/>
+              </a:rPr>
+              <a:t>格式：</a:t>
+            </a:r>
+            <a:endParaRPr kumimoji="1" lang="en-US" altLang="zh-CN" sz="2400" b="1" u="sng" dirty="0">
+              <a:latin typeface="Microsoft YaHei" panose="020B0503020204020204" pitchFamily="34" charset="-122"/>
+              <a:ea typeface="Microsoft YaHei" panose="020B0503020204020204" pitchFamily="34" charset="-122"/>
+            </a:endParaRPr>
+          </a:p>
+          <a:p>
+            <a:endParaRPr kumimoji="1" lang="en-US" altLang="zh-CN" sz="2400" b="1" u="sng" dirty="0">
+              <a:latin typeface="Microsoft YaHei" panose="020B0503020204020204" pitchFamily="34" charset="-122"/>
+              <a:ea typeface="Microsoft YaHei" panose="020B0503020204020204" pitchFamily="34" charset="-122"/>
+            </a:endParaRPr>
+          </a:p>
+          <a:p>
+            <a:r>
+              <a:rPr kumimoji="1" lang="zh-CN" altLang="en-US" sz="2400" dirty="0">
+                <a:latin typeface="Microsoft YaHei" panose="020B0503020204020204" pitchFamily="34" charset="-122"/>
+                <a:ea typeface="Microsoft YaHei" panose="020B0503020204020204" pitchFamily="34" charset="-122"/>
+              </a:rPr>
+              <a:t>修饰符 </a:t>
+            </a:r>
+            <a:r>
+              <a:rPr kumimoji="1" lang="en-US" altLang="zh-CN" sz="2400" dirty="0">
+                <a:latin typeface="Microsoft YaHei" panose="020B0503020204020204" pitchFamily="34" charset="-122"/>
+                <a:ea typeface="Microsoft YaHei" panose="020B0503020204020204" pitchFamily="34" charset="-122"/>
+              </a:rPr>
+              <a:t>interface </a:t>
+            </a:r>
+            <a:r>
+              <a:rPr kumimoji="1" lang="zh-CN" altLang="en-US" sz="2400" dirty="0">
+                <a:latin typeface="Microsoft YaHei" panose="020B0503020204020204" pitchFamily="34" charset="-122"/>
+                <a:ea typeface="Microsoft YaHei" panose="020B0503020204020204" pitchFamily="34" charset="-122"/>
+              </a:rPr>
+              <a:t>接口名 </a:t>
+            </a:r>
+            <a:r>
+              <a:rPr kumimoji="1" lang="en-US" altLang="zh-CN" sz="2400" dirty="0">
+                <a:latin typeface="Microsoft YaHei" panose="020B0503020204020204" pitchFamily="34" charset="-122"/>
+                <a:ea typeface="Microsoft YaHei" panose="020B0503020204020204" pitchFamily="34" charset="-122"/>
+              </a:rPr>
+              <a:t>{ </a:t>
+            </a:r>
+          </a:p>
+          <a:p>
+            <a:r>
+              <a:rPr kumimoji="1" lang="en-US" altLang="zh-CN" sz="2400" dirty="0">
+                <a:latin typeface="Microsoft YaHei" panose="020B0503020204020204" pitchFamily="34" charset="-122"/>
+                <a:ea typeface="Microsoft YaHei" panose="020B0503020204020204" pitchFamily="34" charset="-122"/>
+              </a:rPr>
+              <a:t>/** </a:t>
+            </a:r>
+            <a:r>
+              <a:rPr kumimoji="1" lang="zh-CN" altLang="en-US" sz="2400" dirty="0">
+                <a:latin typeface="Microsoft YaHei" panose="020B0503020204020204" pitchFamily="34" charset="-122"/>
+                <a:ea typeface="Microsoft YaHei" panose="020B0503020204020204" pitchFamily="34" charset="-122"/>
+              </a:rPr>
+              <a:t>常董声明 *</a:t>
+            </a:r>
+            <a:r>
+              <a:rPr kumimoji="1" lang="en-US" altLang="zh-CN" sz="2400" dirty="0">
+                <a:latin typeface="Microsoft YaHei" panose="020B0503020204020204" pitchFamily="34" charset="-122"/>
+                <a:ea typeface="Microsoft YaHei" panose="020B0503020204020204" pitchFamily="34" charset="-122"/>
+              </a:rPr>
+              <a:t>/ /** </a:t>
+            </a:r>
+            <a:r>
+              <a:rPr kumimoji="1" lang="zh-CN" altLang="en-US" sz="2400" dirty="0">
+                <a:latin typeface="Microsoft YaHei" panose="020B0503020204020204" pitchFamily="34" charset="-122"/>
+                <a:ea typeface="Microsoft YaHei" panose="020B0503020204020204" pitchFamily="34" charset="-122"/>
+              </a:rPr>
+              <a:t>方法签名</a:t>
+            </a:r>
+            <a:br>
+              <a:rPr kumimoji="1" lang="zh-CN" altLang="en-US" sz="2400" dirty="0">
+                <a:latin typeface="Microsoft YaHei" panose="020B0503020204020204" pitchFamily="34" charset="-122"/>
+                <a:ea typeface="Microsoft YaHei" panose="020B0503020204020204" pitchFamily="34" charset="-122"/>
+              </a:rPr>
+            </a:br>
+            <a:r>
+              <a:rPr kumimoji="1" lang="en-US" altLang="zh-CN" sz="2400" dirty="0">
+                <a:latin typeface="Microsoft YaHei" panose="020B0503020204020204" pitchFamily="34" charset="-122"/>
+                <a:ea typeface="Microsoft YaHei" panose="020B0503020204020204" pitchFamily="34" charset="-122"/>
+              </a:rPr>
+              <a:t>} </a:t>
+            </a:r>
+          </a:p>
+          <a:p>
+            <a:endParaRPr kumimoji="1" lang="en-US" altLang="zh-CN" sz="2400" dirty="0">
+              <a:latin typeface="Microsoft YaHei" panose="020B0503020204020204" pitchFamily="34" charset="-122"/>
+              <a:ea typeface="Microsoft YaHei" panose="020B0503020204020204" pitchFamily="34" charset="-122"/>
+            </a:endParaRPr>
+          </a:p>
+          <a:p>
+            <a:r>
+              <a:rPr kumimoji="1" lang="zh-CN" altLang="en-US" sz="2400" b="1" u="sng" dirty="0">
+                <a:latin typeface="Microsoft YaHei" panose="020B0503020204020204" pitchFamily="34" charset="-122"/>
+                <a:ea typeface="Microsoft YaHei" panose="020B0503020204020204" pitchFamily="34" charset="-122"/>
+              </a:rPr>
+              <a:t>例子：</a:t>
+            </a:r>
+            <a:endParaRPr kumimoji="1" lang="en-US" altLang="zh-CN" sz="2400" b="1" u="sng" dirty="0">
+              <a:latin typeface="Microsoft YaHei" panose="020B0503020204020204" pitchFamily="34" charset="-122"/>
+              <a:ea typeface="Microsoft YaHei" panose="020B0503020204020204" pitchFamily="34" charset="-122"/>
+            </a:endParaRPr>
+          </a:p>
+          <a:p>
+            <a:r>
+              <a:rPr kumimoji="1" lang="en-US" altLang="zh-CN" sz="2400" dirty="0">
+                <a:latin typeface="Microsoft YaHei" panose="020B0503020204020204" pitchFamily="34" charset="-122"/>
+                <a:ea typeface="Microsoft YaHei" panose="020B0503020204020204" pitchFamily="34" charset="-122"/>
+              </a:rPr>
+              <a:t>public interface </a:t>
+            </a:r>
+            <a:r>
+              <a:rPr kumimoji="1" lang="en-US" altLang="zh-CN" sz="2400" dirty="0" err="1">
+                <a:latin typeface="Microsoft YaHei" panose="020B0503020204020204" pitchFamily="34" charset="-122"/>
+                <a:ea typeface="Microsoft YaHei" panose="020B0503020204020204" pitchFamily="34" charset="-122"/>
+              </a:rPr>
+              <a:t>InterfaceName</a:t>
+            </a:r>
+            <a:r>
+              <a:rPr kumimoji="1" lang="en-US" altLang="zh-CN" sz="2400" dirty="0">
+                <a:latin typeface="Microsoft YaHei" panose="020B0503020204020204" pitchFamily="34" charset="-122"/>
+                <a:ea typeface="Microsoft YaHei" panose="020B0503020204020204" pitchFamily="34" charset="-122"/>
+              </a:rPr>
+              <a:t> { </a:t>
+            </a:r>
+          </a:p>
+          <a:p>
+            <a:r>
+              <a:rPr kumimoji="1" lang="en-US" altLang="zh-CN" sz="2400" dirty="0">
+                <a:latin typeface="Microsoft YaHei" panose="020B0503020204020204" pitchFamily="34" charset="-122"/>
+                <a:ea typeface="Microsoft YaHei" panose="020B0503020204020204" pitchFamily="34" charset="-122"/>
+              </a:rPr>
+              <a:t>	/** Constant declarations </a:t>
+            </a:r>
+            <a:r>
+              <a:rPr kumimoji="1" lang="zh-CN" altLang="en-US" sz="2400" dirty="0">
+                <a:latin typeface="Microsoft YaHei" panose="020B0503020204020204" pitchFamily="34" charset="-122"/>
+                <a:ea typeface="Microsoft YaHei" panose="020B0503020204020204" pitchFamily="34" charset="-122"/>
+              </a:rPr>
+              <a:t>*</a:t>
+            </a:r>
+            <a:r>
+              <a:rPr kumimoji="1" lang="en-US" altLang="zh-CN" sz="2400" dirty="0">
+                <a:latin typeface="Microsoft YaHei" panose="020B0503020204020204" pitchFamily="34" charset="-122"/>
+                <a:ea typeface="Microsoft YaHei" panose="020B0503020204020204" pitchFamily="34" charset="-122"/>
+              </a:rPr>
+              <a:t>/</a:t>
+            </a:r>
+            <a:br>
+              <a:rPr kumimoji="1" lang="en-US" altLang="zh-CN" sz="2400" dirty="0">
+                <a:latin typeface="Microsoft YaHei" panose="020B0503020204020204" pitchFamily="34" charset="-122"/>
+                <a:ea typeface="Microsoft YaHei" panose="020B0503020204020204" pitchFamily="34" charset="-122"/>
+              </a:rPr>
+            </a:br>
+            <a:r>
+              <a:rPr kumimoji="1" lang="en-US" altLang="zh-CN" sz="2400" dirty="0">
+                <a:latin typeface="Microsoft YaHei" panose="020B0503020204020204" pitchFamily="34" charset="-122"/>
+                <a:ea typeface="Microsoft YaHei" panose="020B0503020204020204" pitchFamily="34" charset="-122"/>
+              </a:rPr>
+              <a:t>	/** Abstract method signatures */ </a:t>
+            </a:r>
+          </a:p>
+          <a:p>
+            <a:r>
+              <a:rPr kumimoji="1" lang="en-US" altLang="zh-CN" sz="2400" dirty="0">
+                <a:latin typeface="Microsoft YaHei" panose="020B0503020204020204" pitchFamily="34" charset="-122"/>
+                <a:ea typeface="Microsoft YaHei" panose="020B0503020204020204" pitchFamily="34" charset="-122"/>
+              </a:rPr>
+              <a:t>}</a:t>
+            </a:r>
+            <a:endParaRPr kumimoji="1" lang="zh-CN" altLang="en-US" sz="2400" dirty="0">
+              <a:latin typeface="Microsoft YaHei" panose="020B0503020204020204" pitchFamily="34" charset="-122"/>
+              <a:ea typeface="Microsoft YaHei" panose="020B0503020204020204" pitchFamily="34" charset="-122"/>
+            </a:endParaRPr>
+          </a:p>
+          <a:p>
+            <a:endParaRPr kumimoji="1" lang="zh-CN" altLang="en-US" sz="2400" dirty="0">
+              <a:latin typeface="Microsoft YaHei" panose="020B0503020204020204" pitchFamily="34" charset="-122"/>
+              <a:ea typeface="Microsoft YaHei" panose="020B0503020204020204" pitchFamily="34" charset="-122"/>
+            </a:endParaRPr>
+          </a:p>
+        </p:txBody>
+      </p:sp>
+    </p:spTree>
+    <p:extLst>
+      <p:ext uri="{BB962C8B-B14F-4D97-AF65-F5344CB8AC3E}">
+        <p14:creationId xmlns:p14="http://schemas.microsoft.com/office/powerpoint/2010/main" val="1039086116"/>
+      </p:ext>
+    </p:extLst>
+  </p:cSld>
+  <p:clrMapOvr>
+    <a:masterClrMapping/>
+  </p:clrMapOvr>
+</p:sld>
+</file>
+
+<file path=ppt/slides/slide16.xml><?xml version="1.0" encoding="utf-8"?>
+<p:sld xmlns:a="http://schemas.openxmlformats.org/drawingml/2006/main" xmlns:r="http://schemas.openxmlformats.org/officeDocument/2006/relationships" xmlns:p="http://schemas.openxmlformats.org/presentationml/2006/main">
+  <p:cSld>
+    <p:bg>
+      <p:bgPr>
+        <a:blipFill>
+          <a:blip r:embed="rId3"/>
+          <a:tile tx="0" ty="0" sx="100000" sy="100000" flip="none" algn="tl"/>
+        </a:blipFill>
+        <a:effectLst/>
+      </p:bgPr>
+    </p:bg>
+    <p:spTree>
+      <p:nvGrpSpPr>
+        <p:cNvPr id="1" name=""/>
+        <p:cNvGrpSpPr/>
+        <p:nvPr/>
+      </p:nvGrpSpPr>
+      <p:grpSpPr>
+        <a:xfrm>
+          <a:off x="0" y="0"/>
+          <a:ext cx="0" cy="0"/>
+          <a:chOff x="0" y="0"/>
+          <a:chExt cx="0" cy="0"/>
+        </a:xfrm>
+      </p:grpSpPr>
+      <p:sp>
+        <p:nvSpPr>
+          <p:cNvPr id="2" name="文本框 1">
+            <a:extLst>
+              <a:ext uri="{FF2B5EF4-FFF2-40B4-BE49-F238E27FC236}">
+                <a16:creationId xmlns:a16="http://schemas.microsoft.com/office/drawing/2014/main" id="{12AA8BCC-7B15-4842-80C2-48C079429338}"/>
+              </a:ext>
+            </a:extLst>
+          </p:cNvPr>
+          <p:cNvSpPr txBox="1"/>
+          <p:nvPr/>
+        </p:nvSpPr>
+        <p:spPr>
+          <a:xfrm>
             <a:off x="2135952" y="822959"/>
             <a:ext cx="8741252" cy="830997"/>
           </a:xfrm>
@@ -7625,7 +9471,7 @@
 </p:sld>
 </file>
 
-<file path=ppt/slides/slide11.xml><?xml version="1.0" encoding="utf-8"?>
+<file path=ppt/slides/slide17.xml><?xml version="1.0" encoding="utf-8"?>
 <p:sld xmlns:a="http://schemas.openxmlformats.org/drawingml/2006/main" xmlns:r="http://schemas.openxmlformats.org/officeDocument/2006/relationships" xmlns:p="http://schemas.openxmlformats.org/presentationml/2006/main">
   <p:cSld>
     <p:bg>
@@ -7868,7 +9714,7 @@
 </p:sld>
 </file>
 
-<file path=ppt/slides/slide12.xml><?xml version="1.0" encoding="utf-8"?>
+<file path=ppt/slides/slide18.xml><?xml version="1.0" encoding="utf-8"?>
 <p:sld xmlns:a="http://schemas.openxmlformats.org/drawingml/2006/main" xmlns:r="http://schemas.openxmlformats.org/officeDocument/2006/relationships" xmlns:p="http://schemas.openxmlformats.org/presentationml/2006/main">
   <p:cSld>
     <p:bg>
@@ -8085,7 +9931,7 @@
 </p:sld>
 </file>
 
-<file path=ppt/slides/slide13.xml><?xml version="1.0" encoding="utf-8"?>
+<file path=ppt/slides/slide19.xml><?xml version="1.0" encoding="utf-8"?>
 <p:sld xmlns:a="http://schemas.openxmlformats.org/drawingml/2006/main" xmlns:r="http://schemas.openxmlformats.org/officeDocument/2006/relationships" xmlns:p="http://schemas.openxmlformats.org/presentationml/2006/main">
   <p:cSld>
     <p:bg>
@@ -8445,7 +10291,328 @@
 </p:sld>
 </file>
 
-<file path=ppt/slides/slide14.xml><?xml version="1.0" encoding="utf-8"?>
+<file path=ppt/slides/slide2.xml><?xml version="1.0" encoding="utf-8"?>
+<p:sld xmlns:a="http://schemas.openxmlformats.org/drawingml/2006/main" xmlns:r="http://schemas.openxmlformats.org/officeDocument/2006/relationships" xmlns:p="http://schemas.openxmlformats.org/presentationml/2006/main">
+  <p:cSld>
+    <p:bg>
+      <p:bgPr>
+        <a:blipFill>
+          <a:blip r:embed="rId3"/>
+          <a:tile tx="0" ty="0" sx="100000" sy="100000" flip="none" algn="tl"/>
+        </a:blipFill>
+        <a:effectLst/>
+      </p:bgPr>
+    </p:bg>
+    <p:spTree>
+      <p:nvGrpSpPr>
+        <p:cNvPr id="1" name=""/>
+        <p:cNvGrpSpPr/>
+        <p:nvPr/>
+      </p:nvGrpSpPr>
+      <p:grpSpPr>
+        <a:xfrm>
+          <a:off x="0" y="0"/>
+          <a:ext cx="0" cy="0"/>
+          <a:chOff x="0" y="0"/>
+          <a:chExt cx="0" cy="0"/>
+        </a:xfrm>
+      </p:grpSpPr>
+      <p:sp>
+        <p:nvSpPr>
+          <p:cNvPr id="2" name="文本框 1">
+            <a:extLst>
+              <a:ext uri="{FF2B5EF4-FFF2-40B4-BE49-F238E27FC236}">
+                <a16:creationId xmlns:a16="http://schemas.microsoft.com/office/drawing/2014/main" id="{12AA8BCC-7B15-4842-80C2-48C079429338}"/>
+              </a:ext>
+            </a:extLst>
+          </p:cNvPr>
+          <p:cNvSpPr txBox="1"/>
+          <p:nvPr/>
+        </p:nvSpPr>
+        <p:spPr>
+          <a:xfrm>
+            <a:off x="2520000" y="421690"/>
+            <a:ext cx="7735824" cy="830997"/>
+          </a:xfrm>
+          <a:prstGeom prst="rect">
+            <a:avLst/>
+          </a:prstGeom>
+          <a:noFill/>
+        </p:spPr>
+        <p:txBody>
+          <a:bodyPr wrap="square" rtlCol="0">
+            <a:spAutoFit/>
+          </a:bodyPr>
+          <a:lstStyle/>
+          <a:p>
+            <a:pPr algn="ctr"/>
+            <a:r>
+              <a:rPr kumimoji="1" lang="zh-CN" altLang="en-US" sz="4800" dirty="0">
+                <a:latin typeface="Microsoft YaHei" panose="020B0503020204020204" pitchFamily="34" charset="-122"/>
+                <a:ea typeface="Microsoft YaHei" panose="020B0503020204020204" pitchFamily="34" charset="-122"/>
+              </a:rPr>
+              <a:t>这节课讲啥？</a:t>
+            </a:r>
+          </a:p>
+        </p:txBody>
+      </p:sp>
+      <p:sp>
+        <p:nvSpPr>
+          <p:cNvPr id="8" name="文本框 7">
+            <a:extLst>
+              <a:ext uri="{FF2B5EF4-FFF2-40B4-BE49-F238E27FC236}">
+                <a16:creationId xmlns:a16="http://schemas.microsoft.com/office/drawing/2014/main" id="{B294230C-E86E-7247-BAC6-5F43DED3D0AF}"/>
+              </a:ext>
+            </a:extLst>
+          </p:cNvPr>
+          <p:cNvSpPr txBox="1"/>
+          <p:nvPr/>
+        </p:nvSpPr>
+        <p:spPr>
+          <a:xfrm>
+            <a:off x="3891600" y="840931"/>
+            <a:ext cx="7443216" cy="6017069"/>
+          </a:xfrm>
+          <a:prstGeom prst="rect">
+            <a:avLst/>
+          </a:prstGeom>
+          <a:noFill/>
+        </p:spPr>
+        <p:txBody>
+          <a:bodyPr wrap="square" tIns="360000" bIns="360000" rtlCol="0">
+            <a:spAutoFit/>
+          </a:bodyPr>
+          <a:lstStyle/>
+          <a:p>
+            <a:endParaRPr kumimoji="1" lang="en-US" altLang="zh-CN" sz="2400" dirty="0">
+              <a:latin typeface="Microsoft YaHei" panose="020B0503020204020204" pitchFamily="34" charset="-122"/>
+              <a:ea typeface="Microsoft YaHei" panose="020B0503020204020204" pitchFamily="34" charset="-122"/>
+            </a:endParaRPr>
+          </a:p>
+          <a:p>
+            <a:pPr marL="571500" indent="-571500">
+              <a:lnSpc>
+                <a:spcPct val="150000"/>
+              </a:lnSpc>
+              <a:buFont typeface="Wingdings" pitchFamily="2" charset="2"/>
+              <a:buChar char="Ø"/>
+            </a:pPr>
+            <a:r>
+              <a:rPr kumimoji="1" lang="zh-CN" altLang="en-US" sz="2400" dirty="0">
+                <a:latin typeface="Microsoft YaHei" panose="020B0503020204020204" pitchFamily="34" charset="-122"/>
+                <a:ea typeface="Microsoft YaHei" panose="020B0503020204020204" pitchFamily="34" charset="-122"/>
+              </a:rPr>
+              <a:t>面向对象</a:t>
+            </a:r>
+            <a:r>
+              <a:rPr kumimoji="1" lang="en-US" altLang="zh-CN" sz="2400" dirty="0">
+                <a:latin typeface="Microsoft YaHei" panose="020B0503020204020204" pitchFamily="34" charset="-122"/>
+                <a:ea typeface="Microsoft YaHei" panose="020B0503020204020204" pitchFamily="34" charset="-122"/>
+              </a:rPr>
+              <a:t>---</a:t>
+            </a:r>
+            <a:r>
+              <a:rPr kumimoji="1" lang="zh-CN" altLang="en-US" sz="2400" dirty="0">
+                <a:latin typeface="Microsoft YaHei" panose="020B0503020204020204" pitchFamily="34" charset="-122"/>
+                <a:ea typeface="Microsoft YaHei" panose="020B0503020204020204" pitchFamily="34" charset="-122"/>
+              </a:rPr>
+              <a:t>抽象类</a:t>
+            </a:r>
+            <a:endParaRPr kumimoji="1" lang="en-US" altLang="zh-CN" sz="2400" dirty="0">
+              <a:latin typeface="Microsoft YaHei" panose="020B0503020204020204" pitchFamily="34" charset="-122"/>
+              <a:ea typeface="Microsoft YaHei" panose="020B0503020204020204" pitchFamily="34" charset="-122"/>
+            </a:endParaRPr>
+          </a:p>
+          <a:p>
+            <a:pPr marL="1028700" lvl="1" indent="-571500">
+              <a:lnSpc>
+                <a:spcPct val="150000"/>
+              </a:lnSpc>
+              <a:buFont typeface="Wingdings" pitchFamily="2" charset="2"/>
+              <a:buChar char="Ø"/>
+            </a:pPr>
+            <a:r>
+              <a:rPr kumimoji="1" lang="zh-CN" altLang="en-US" sz="2400" dirty="0">
+                <a:latin typeface="Microsoft YaHei" panose="020B0503020204020204" pitchFamily="34" charset="-122"/>
+                <a:ea typeface="Microsoft YaHei" panose="020B0503020204020204" pitchFamily="34" charset="-122"/>
+              </a:rPr>
+              <a:t>抽象类和抽象方法</a:t>
+            </a:r>
+            <a:endParaRPr kumimoji="1" lang="en-US" altLang="zh-CN" sz="2400" dirty="0">
+              <a:latin typeface="Microsoft YaHei" panose="020B0503020204020204" pitchFamily="34" charset="-122"/>
+              <a:ea typeface="Microsoft YaHei" panose="020B0503020204020204" pitchFamily="34" charset="-122"/>
+            </a:endParaRPr>
+          </a:p>
+          <a:p>
+            <a:pPr marL="1028700" lvl="1" indent="-571500">
+              <a:lnSpc>
+                <a:spcPct val="150000"/>
+              </a:lnSpc>
+              <a:buFont typeface="Wingdings" pitchFamily="2" charset="2"/>
+              <a:buChar char="Ø"/>
+            </a:pPr>
+            <a:r>
+              <a:rPr kumimoji="1" lang="zh-CN" altLang="en-US" sz="2400" dirty="0">
+                <a:latin typeface="Microsoft YaHei" panose="020B0503020204020204" pitchFamily="34" charset="-122"/>
+                <a:ea typeface="Microsoft YaHei" panose="020B0503020204020204" pitchFamily="34" charset="-122"/>
+              </a:rPr>
+              <a:t>为什么要有抽象类和抽象方法</a:t>
+            </a:r>
+            <a:endParaRPr kumimoji="1" lang="en-US" altLang="zh-CN" sz="2400" dirty="0">
+              <a:latin typeface="Microsoft YaHei" panose="020B0503020204020204" pitchFamily="34" charset="-122"/>
+              <a:ea typeface="Microsoft YaHei" panose="020B0503020204020204" pitchFamily="34" charset="-122"/>
+            </a:endParaRPr>
+          </a:p>
+          <a:p>
+            <a:pPr marL="1028700" lvl="1" indent="-571500">
+              <a:lnSpc>
+                <a:spcPct val="150000"/>
+              </a:lnSpc>
+              <a:buFont typeface="Wingdings" pitchFamily="2" charset="2"/>
+              <a:buChar char="Ø"/>
+            </a:pPr>
+            <a:r>
+              <a:rPr kumimoji="1" lang="zh-CN" altLang="en-US" sz="2400" dirty="0">
+                <a:latin typeface="Microsoft YaHei" panose="020B0503020204020204" pitchFamily="34" charset="-122"/>
+                <a:ea typeface="Microsoft YaHei" panose="020B0503020204020204" pitchFamily="34" charset="-122"/>
+              </a:rPr>
+              <a:t>抽象类的一些注意点</a:t>
+            </a:r>
+            <a:endParaRPr kumimoji="1" lang="en-US" altLang="zh-CN" sz="2400" dirty="0">
+              <a:latin typeface="Microsoft YaHei" panose="020B0503020204020204" pitchFamily="34" charset="-122"/>
+              <a:ea typeface="Microsoft YaHei" panose="020B0503020204020204" pitchFamily="34" charset="-122"/>
+            </a:endParaRPr>
+          </a:p>
+          <a:p>
+            <a:pPr marL="1028700" lvl="1" indent="-571500">
+              <a:lnSpc>
+                <a:spcPct val="150000"/>
+              </a:lnSpc>
+              <a:buFont typeface="Wingdings" pitchFamily="2" charset="2"/>
+              <a:buChar char="Ø"/>
+            </a:pPr>
+            <a:r>
+              <a:rPr kumimoji="1" lang="zh-CN" altLang="en-US" sz="2400" dirty="0">
+                <a:latin typeface="Microsoft YaHei" panose="020B0503020204020204" pitchFamily="34" charset="-122"/>
+                <a:ea typeface="Microsoft YaHei" panose="020B0503020204020204" pitchFamily="34" charset="-122"/>
+              </a:rPr>
+              <a:t>示例</a:t>
+            </a:r>
+            <a:endParaRPr kumimoji="1" lang="en-US" altLang="zh-CN" sz="2400" dirty="0">
+              <a:latin typeface="Microsoft YaHei" panose="020B0503020204020204" pitchFamily="34" charset="-122"/>
+              <a:ea typeface="Microsoft YaHei" panose="020B0503020204020204" pitchFamily="34" charset="-122"/>
+            </a:endParaRPr>
+          </a:p>
+          <a:p>
+            <a:pPr marL="571500" indent="-571500">
+              <a:lnSpc>
+                <a:spcPct val="150000"/>
+              </a:lnSpc>
+              <a:buFont typeface="Wingdings" pitchFamily="2" charset="2"/>
+              <a:buChar char="Ø"/>
+            </a:pPr>
+            <a:r>
+              <a:rPr kumimoji="1" lang="zh-CN" altLang="en-US" sz="2400" dirty="0">
+                <a:latin typeface="Microsoft YaHei" panose="020B0503020204020204" pitchFamily="34" charset="-122"/>
+                <a:ea typeface="Microsoft YaHei" panose="020B0503020204020204" pitchFamily="34" charset="-122"/>
+              </a:rPr>
+              <a:t>面向对象</a:t>
+            </a:r>
+            <a:r>
+              <a:rPr kumimoji="1" lang="en-US" altLang="zh-CN" sz="2400" dirty="0">
+                <a:latin typeface="Microsoft YaHei" panose="020B0503020204020204" pitchFamily="34" charset="-122"/>
+                <a:ea typeface="Microsoft YaHei" panose="020B0503020204020204" pitchFamily="34" charset="-122"/>
+              </a:rPr>
+              <a:t>---</a:t>
+            </a:r>
+            <a:r>
+              <a:rPr kumimoji="1" lang="zh-CN" altLang="en-US" sz="2400" dirty="0">
+                <a:latin typeface="Microsoft YaHei" panose="020B0503020204020204" pitchFamily="34" charset="-122"/>
+                <a:ea typeface="Microsoft YaHei" panose="020B0503020204020204" pitchFamily="34" charset="-122"/>
+              </a:rPr>
+              <a:t>接口</a:t>
+            </a:r>
+            <a:endParaRPr kumimoji="1" lang="en-US" altLang="zh-CN" sz="2400" dirty="0">
+              <a:latin typeface="Microsoft YaHei" panose="020B0503020204020204" pitchFamily="34" charset="-122"/>
+              <a:ea typeface="Microsoft YaHei" panose="020B0503020204020204" pitchFamily="34" charset="-122"/>
+            </a:endParaRPr>
+          </a:p>
+          <a:p>
+            <a:pPr marL="1028700" lvl="1" indent="-571500">
+              <a:lnSpc>
+                <a:spcPct val="150000"/>
+              </a:lnSpc>
+              <a:buFont typeface="Wingdings" pitchFamily="2" charset="2"/>
+              <a:buChar char="Ø"/>
+            </a:pPr>
+            <a:r>
+              <a:rPr kumimoji="1" lang="zh-CN" altLang="en-US" sz="2400" dirty="0">
+                <a:latin typeface="Microsoft YaHei" panose="020B0503020204020204" pitchFamily="34" charset="-122"/>
+                <a:ea typeface="Microsoft YaHei" panose="020B0503020204020204" pitchFamily="34" charset="-122"/>
+              </a:rPr>
+              <a:t>接口的定义</a:t>
+            </a:r>
+            <a:endParaRPr kumimoji="1" lang="en-US" altLang="zh-CN" sz="2400" dirty="0">
+              <a:latin typeface="Microsoft YaHei" panose="020B0503020204020204" pitchFamily="34" charset="-122"/>
+              <a:ea typeface="Microsoft YaHei" panose="020B0503020204020204" pitchFamily="34" charset="-122"/>
+            </a:endParaRPr>
+          </a:p>
+          <a:p>
+            <a:pPr marL="1028700" lvl="1" indent="-571500">
+              <a:lnSpc>
+                <a:spcPct val="150000"/>
+              </a:lnSpc>
+              <a:buFont typeface="Wingdings" pitchFamily="2" charset="2"/>
+              <a:buChar char="Ø"/>
+            </a:pPr>
+            <a:r>
+              <a:rPr kumimoji="1" lang="zh-CN" altLang="en-US" sz="2400" dirty="0">
+                <a:latin typeface="Microsoft YaHei" panose="020B0503020204020204" pitchFamily="34" charset="-122"/>
+                <a:ea typeface="Microsoft YaHei" panose="020B0503020204020204" pitchFamily="34" charset="-122"/>
+              </a:rPr>
+              <a:t>为什么要用接口</a:t>
+            </a:r>
+            <a:endParaRPr kumimoji="1" lang="en-US" altLang="zh-CN" sz="2400" dirty="0">
+              <a:latin typeface="Microsoft YaHei" panose="020B0503020204020204" pitchFamily="34" charset="-122"/>
+              <a:ea typeface="Microsoft YaHei" panose="020B0503020204020204" pitchFamily="34" charset="-122"/>
+            </a:endParaRPr>
+          </a:p>
+          <a:p>
+            <a:pPr marL="1028700" lvl="1" indent="-571500">
+              <a:lnSpc>
+                <a:spcPct val="150000"/>
+              </a:lnSpc>
+              <a:buFont typeface="Wingdings" pitchFamily="2" charset="2"/>
+              <a:buChar char="Ø"/>
+            </a:pPr>
+            <a:r>
+              <a:rPr kumimoji="1" lang="zh-CN" altLang="en-US" sz="2400" dirty="0">
+                <a:latin typeface="Microsoft YaHei" panose="020B0503020204020204" pitchFamily="34" charset="-122"/>
+                <a:ea typeface="Microsoft YaHei" panose="020B0503020204020204" pitchFamily="34" charset="-122"/>
+              </a:rPr>
+              <a:t>示例</a:t>
+            </a:r>
+            <a:endParaRPr kumimoji="1" lang="en-US" altLang="zh-CN" sz="2400" dirty="0">
+              <a:latin typeface="Microsoft YaHei" panose="020B0503020204020204" pitchFamily="34" charset="-122"/>
+              <a:ea typeface="Microsoft YaHei" panose="020B0503020204020204" pitchFamily="34" charset="-122"/>
+            </a:endParaRPr>
+          </a:p>
+        </p:txBody>
+      </p:sp>
+    </p:spTree>
+    <p:extLst>
+      <p:ext uri="{BB962C8B-B14F-4D97-AF65-F5344CB8AC3E}">
+        <p14:creationId xmlns:p14="http://schemas.microsoft.com/office/powerpoint/2010/main" val="1067490150"/>
+      </p:ext>
+    </p:extLst>
+  </p:cSld>
+  <p:clrMapOvr>
+    <a:masterClrMapping/>
+  </p:clrMapOvr>
+</p:sld>
+</file>
+
+<file path=ppt/slides/slide20.xml><?xml version="1.0" encoding="utf-8"?>
 <p:sld xmlns:a="http://schemas.openxmlformats.org/drawingml/2006/main" xmlns:r="http://schemas.openxmlformats.org/officeDocument/2006/relationships" xmlns:p="http://schemas.openxmlformats.org/presentationml/2006/main">
   <p:cSld>
     <p:bg>
@@ -9241,7 +11408,7 @@
 </p:sld>
 </file>
 
-<file path=ppt/slides/slide15.xml><?xml version="1.0" encoding="utf-8"?>
+<file path=ppt/slides/slide21.xml><?xml version="1.0" encoding="utf-8"?>
 <p:sld xmlns:a="http://schemas.openxmlformats.org/drawingml/2006/main" xmlns:r="http://schemas.openxmlformats.org/officeDocument/2006/relationships" xmlns:p="http://schemas.openxmlformats.org/presentationml/2006/main">
   <p:cSld>
     <p:bg>
@@ -9590,7 +11757,7 @@
 </p:sld>
 </file>
 
-<file path=ppt/slides/slide16.xml><?xml version="1.0" encoding="utf-8"?>
+<file path=ppt/slides/slide22.xml><?xml version="1.0" encoding="utf-8"?>
 <p:sld xmlns:a="http://schemas.openxmlformats.org/drawingml/2006/main" xmlns:r="http://schemas.openxmlformats.org/officeDocument/2006/relationships" xmlns:p="http://schemas.openxmlformats.org/presentationml/2006/main">
   <p:cSld>
     <p:bg>
@@ -10792,7 +12959,7 @@
 </p:sld>
 </file>
 
-<file path=ppt/slides/slide17.xml><?xml version="1.0" encoding="utf-8"?>
+<file path=ppt/slides/slide23.xml><?xml version="1.0" encoding="utf-8"?>
 <p:sld xmlns:a="http://schemas.openxmlformats.org/drawingml/2006/main" xmlns:r="http://schemas.openxmlformats.org/officeDocument/2006/relationships" xmlns:p="http://schemas.openxmlformats.org/presentationml/2006/main">
   <p:cSld>
     <p:bg>
@@ -11070,7 +13237,7 @@
 </p:sld>
 </file>
 
-<file path=ppt/slides/slide18.xml><?xml version="1.0" encoding="utf-8"?>
+<file path=ppt/slides/slide24.xml><?xml version="1.0" encoding="utf-8"?>
 <p:sld xmlns:a="http://schemas.openxmlformats.org/drawingml/2006/main" xmlns:r="http://schemas.openxmlformats.org/officeDocument/2006/relationships" xmlns:p="http://schemas.openxmlformats.org/presentationml/2006/main">
   <p:cSld>
     <p:bg>
@@ -11565,7 +13732,7 @@
 </p:sld>
 </file>
 
-<file path=ppt/slides/slide19.xml><?xml version="1.0" encoding="utf-8"?>
+<file path=ppt/slides/slide25.xml><?xml version="1.0" encoding="utf-8"?>
 <p:sld xmlns:a="http://schemas.openxmlformats.org/drawingml/2006/main" xmlns:r="http://schemas.openxmlformats.org/officeDocument/2006/relationships" xmlns:p="http://schemas.openxmlformats.org/presentationml/2006/main">
   <p:cSld>
     <p:bg>
@@ -11796,7 +13963,7 @@
 </p:sld>
 </file>
 
-<file path=ppt/slides/slide2.xml><?xml version="1.0" encoding="utf-8"?>
+<file path=ppt/slides/slide26.xml><?xml version="1.0" encoding="utf-8"?>
 <p:sld xmlns:a="http://schemas.openxmlformats.org/drawingml/2006/main" xmlns:r="http://schemas.openxmlformats.org/officeDocument/2006/relationships" xmlns:p="http://schemas.openxmlformats.org/presentationml/2006/main">
   <p:cSld>
     <p:bg>
@@ -11836,327 +14003,6 @@
         </p:nvSpPr>
         <p:spPr>
           <a:xfrm>
-            <a:off x="2520000" y="421690"/>
-            <a:ext cx="7735824" cy="830997"/>
-          </a:xfrm>
-          <a:prstGeom prst="rect">
-            <a:avLst/>
-          </a:prstGeom>
-          <a:noFill/>
-        </p:spPr>
-        <p:txBody>
-          <a:bodyPr wrap="square" rtlCol="0">
-            <a:spAutoFit/>
-          </a:bodyPr>
-          <a:lstStyle/>
-          <a:p>
-            <a:pPr algn="ctr"/>
-            <a:r>
-              <a:rPr kumimoji="1" lang="zh-CN" altLang="en-US" sz="4800" dirty="0">
-                <a:latin typeface="Microsoft YaHei" panose="020B0503020204020204" pitchFamily="34" charset="-122"/>
-                <a:ea typeface="Microsoft YaHei" panose="020B0503020204020204" pitchFamily="34" charset="-122"/>
-              </a:rPr>
-              <a:t>这节课讲啥？</a:t>
-            </a:r>
-          </a:p>
-        </p:txBody>
-      </p:sp>
-      <p:sp>
-        <p:nvSpPr>
-          <p:cNvPr id="8" name="文本框 7">
-            <a:extLst>
-              <a:ext uri="{FF2B5EF4-FFF2-40B4-BE49-F238E27FC236}">
-                <a16:creationId xmlns:a16="http://schemas.microsoft.com/office/drawing/2014/main" id="{B294230C-E86E-7247-BAC6-5F43DED3D0AF}"/>
-              </a:ext>
-            </a:extLst>
-          </p:cNvPr>
-          <p:cNvSpPr txBox="1"/>
-          <p:nvPr/>
-        </p:nvSpPr>
-        <p:spPr>
-          <a:xfrm>
-            <a:off x="3891600" y="840931"/>
-            <a:ext cx="7443216" cy="6017069"/>
-          </a:xfrm>
-          <a:prstGeom prst="rect">
-            <a:avLst/>
-          </a:prstGeom>
-          <a:noFill/>
-        </p:spPr>
-        <p:txBody>
-          <a:bodyPr wrap="square" tIns="360000" bIns="360000" rtlCol="0">
-            <a:spAutoFit/>
-          </a:bodyPr>
-          <a:lstStyle/>
-          <a:p>
-            <a:endParaRPr kumimoji="1" lang="en-US" altLang="zh-CN" sz="2400" dirty="0">
-              <a:latin typeface="Microsoft YaHei" panose="020B0503020204020204" pitchFamily="34" charset="-122"/>
-              <a:ea typeface="Microsoft YaHei" panose="020B0503020204020204" pitchFamily="34" charset="-122"/>
-            </a:endParaRPr>
-          </a:p>
-          <a:p>
-            <a:pPr marL="571500" indent="-571500">
-              <a:lnSpc>
-                <a:spcPct val="150000"/>
-              </a:lnSpc>
-              <a:buFont typeface="Wingdings" pitchFamily="2" charset="2"/>
-              <a:buChar char="Ø"/>
-            </a:pPr>
-            <a:r>
-              <a:rPr kumimoji="1" lang="zh-CN" altLang="en-US" sz="2400" dirty="0">
-                <a:latin typeface="Microsoft YaHei" panose="020B0503020204020204" pitchFamily="34" charset="-122"/>
-                <a:ea typeface="Microsoft YaHei" panose="020B0503020204020204" pitchFamily="34" charset="-122"/>
-              </a:rPr>
-              <a:t>面向对象</a:t>
-            </a:r>
-            <a:r>
-              <a:rPr kumimoji="1" lang="en-US" altLang="zh-CN" sz="2400" dirty="0">
-                <a:latin typeface="Microsoft YaHei" panose="020B0503020204020204" pitchFamily="34" charset="-122"/>
-                <a:ea typeface="Microsoft YaHei" panose="020B0503020204020204" pitchFamily="34" charset="-122"/>
-              </a:rPr>
-              <a:t>---</a:t>
-            </a:r>
-            <a:r>
-              <a:rPr kumimoji="1" lang="zh-CN" altLang="en-US" sz="2400" dirty="0">
-                <a:latin typeface="Microsoft YaHei" panose="020B0503020204020204" pitchFamily="34" charset="-122"/>
-                <a:ea typeface="Microsoft YaHei" panose="020B0503020204020204" pitchFamily="34" charset="-122"/>
-              </a:rPr>
-              <a:t>抽象类</a:t>
-            </a:r>
-            <a:endParaRPr kumimoji="1" lang="en-US" altLang="zh-CN" sz="2400" dirty="0">
-              <a:latin typeface="Microsoft YaHei" panose="020B0503020204020204" pitchFamily="34" charset="-122"/>
-              <a:ea typeface="Microsoft YaHei" panose="020B0503020204020204" pitchFamily="34" charset="-122"/>
-            </a:endParaRPr>
-          </a:p>
-          <a:p>
-            <a:pPr marL="1028700" lvl="1" indent="-571500">
-              <a:lnSpc>
-                <a:spcPct val="150000"/>
-              </a:lnSpc>
-              <a:buFont typeface="Wingdings" pitchFamily="2" charset="2"/>
-              <a:buChar char="Ø"/>
-            </a:pPr>
-            <a:r>
-              <a:rPr kumimoji="1" lang="zh-CN" altLang="en-US" sz="2400" dirty="0">
-                <a:latin typeface="Microsoft YaHei" panose="020B0503020204020204" pitchFamily="34" charset="-122"/>
-                <a:ea typeface="Microsoft YaHei" panose="020B0503020204020204" pitchFamily="34" charset="-122"/>
-              </a:rPr>
-              <a:t>抽象类和抽象方法</a:t>
-            </a:r>
-            <a:endParaRPr kumimoji="1" lang="en-US" altLang="zh-CN" sz="2400" dirty="0">
-              <a:latin typeface="Microsoft YaHei" panose="020B0503020204020204" pitchFamily="34" charset="-122"/>
-              <a:ea typeface="Microsoft YaHei" panose="020B0503020204020204" pitchFamily="34" charset="-122"/>
-            </a:endParaRPr>
-          </a:p>
-          <a:p>
-            <a:pPr marL="1028700" lvl="1" indent="-571500">
-              <a:lnSpc>
-                <a:spcPct val="150000"/>
-              </a:lnSpc>
-              <a:buFont typeface="Wingdings" pitchFamily="2" charset="2"/>
-              <a:buChar char="Ø"/>
-            </a:pPr>
-            <a:r>
-              <a:rPr kumimoji="1" lang="zh-CN" altLang="en-US" sz="2400" dirty="0">
-                <a:latin typeface="Microsoft YaHei" panose="020B0503020204020204" pitchFamily="34" charset="-122"/>
-                <a:ea typeface="Microsoft YaHei" panose="020B0503020204020204" pitchFamily="34" charset="-122"/>
-              </a:rPr>
-              <a:t>为什么要有抽象类和抽象方法</a:t>
-            </a:r>
-            <a:endParaRPr kumimoji="1" lang="en-US" altLang="zh-CN" sz="2400" dirty="0">
-              <a:latin typeface="Microsoft YaHei" panose="020B0503020204020204" pitchFamily="34" charset="-122"/>
-              <a:ea typeface="Microsoft YaHei" panose="020B0503020204020204" pitchFamily="34" charset="-122"/>
-            </a:endParaRPr>
-          </a:p>
-          <a:p>
-            <a:pPr marL="1028700" lvl="1" indent="-571500">
-              <a:lnSpc>
-                <a:spcPct val="150000"/>
-              </a:lnSpc>
-              <a:buFont typeface="Wingdings" pitchFamily="2" charset="2"/>
-              <a:buChar char="Ø"/>
-            </a:pPr>
-            <a:r>
-              <a:rPr kumimoji="1" lang="zh-CN" altLang="en-US" sz="2400" dirty="0">
-                <a:latin typeface="Microsoft YaHei" panose="020B0503020204020204" pitchFamily="34" charset="-122"/>
-                <a:ea typeface="Microsoft YaHei" panose="020B0503020204020204" pitchFamily="34" charset="-122"/>
-              </a:rPr>
-              <a:t>抽象类的一些注意点</a:t>
-            </a:r>
-            <a:endParaRPr kumimoji="1" lang="en-US" altLang="zh-CN" sz="2400" dirty="0">
-              <a:latin typeface="Microsoft YaHei" panose="020B0503020204020204" pitchFamily="34" charset="-122"/>
-              <a:ea typeface="Microsoft YaHei" panose="020B0503020204020204" pitchFamily="34" charset="-122"/>
-            </a:endParaRPr>
-          </a:p>
-          <a:p>
-            <a:pPr marL="1028700" lvl="1" indent="-571500">
-              <a:lnSpc>
-                <a:spcPct val="150000"/>
-              </a:lnSpc>
-              <a:buFont typeface="Wingdings" pitchFamily="2" charset="2"/>
-              <a:buChar char="Ø"/>
-            </a:pPr>
-            <a:r>
-              <a:rPr kumimoji="1" lang="zh-CN" altLang="en-US" sz="2400" dirty="0">
-                <a:latin typeface="Microsoft YaHei" panose="020B0503020204020204" pitchFamily="34" charset="-122"/>
-                <a:ea typeface="Microsoft YaHei" panose="020B0503020204020204" pitchFamily="34" charset="-122"/>
-              </a:rPr>
-              <a:t>示例</a:t>
-            </a:r>
-            <a:endParaRPr kumimoji="1" lang="en-US" altLang="zh-CN" sz="2400" dirty="0">
-              <a:latin typeface="Microsoft YaHei" panose="020B0503020204020204" pitchFamily="34" charset="-122"/>
-              <a:ea typeface="Microsoft YaHei" panose="020B0503020204020204" pitchFamily="34" charset="-122"/>
-            </a:endParaRPr>
-          </a:p>
-          <a:p>
-            <a:pPr marL="571500" indent="-571500">
-              <a:lnSpc>
-                <a:spcPct val="150000"/>
-              </a:lnSpc>
-              <a:buFont typeface="Wingdings" pitchFamily="2" charset="2"/>
-              <a:buChar char="Ø"/>
-            </a:pPr>
-            <a:r>
-              <a:rPr kumimoji="1" lang="zh-CN" altLang="en-US" sz="2400" dirty="0">
-                <a:latin typeface="Microsoft YaHei" panose="020B0503020204020204" pitchFamily="34" charset="-122"/>
-                <a:ea typeface="Microsoft YaHei" panose="020B0503020204020204" pitchFamily="34" charset="-122"/>
-              </a:rPr>
-              <a:t>面向对象</a:t>
-            </a:r>
-            <a:r>
-              <a:rPr kumimoji="1" lang="en-US" altLang="zh-CN" sz="2400" dirty="0">
-                <a:latin typeface="Microsoft YaHei" panose="020B0503020204020204" pitchFamily="34" charset="-122"/>
-                <a:ea typeface="Microsoft YaHei" panose="020B0503020204020204" pitchFamily="34" charset="-122"/>
-              </a:rPr>
-              <a:t>---</a:t>
-            </a:r>
-            <a:r>
-              <a:rPr kumimoji="1" lang="zh-CN" altLang="en-US" sz="2400" dirty="0">
-                <a:latin typeface="Microsoft YaHei" panose="020B0503020204020204" pitchFamily="34" charset="-122"/>
-                <a:ea typeface="Microsoft YaHei" panose="020B0503020204020204" pitchFamily="34" charset="-122"/>
-              </a:rPr>
-              <a:t>接口</a:t>
-            </a:r>
-            <a:endParaRPr kumimoji="1" lang="en-US" altLang="zh-CN" sz="2400" dirty="0">
-              <a:latin typeface="Microsoft YaHei" panose="020B0503020204020204" pitchFamily="34" charset="-122"/>
-              <a:ea typeface="Microsoft YaHei" panose="020B0503020204020204" pitchFamily="34" charset="-122"/>
-            </a:endParaRPr>
-          </a:p>
-          <a:p>
-            <a:pPr marL="1028700" lvl="1" indent="-571500">
-              <a:lnSpc>
-                <a:spcPct val="150000"/>
-              </a:lnSpc>
-              <a:buFont typeface="Wingdings" pitchFamily="2" charset="2"/>
-              <a:buChar char="Ø"/>
-            </a:pPr>
-            <a:r>
-              <a:rPr kumimoji="1" lang="zh-CN" altLang="en-US" sz="2400" dirty="0">
-                <a:latin typeface="Microsoft YaHei" panose="020B0503020204020204" pitchFamily="34" charset="-122"/>
-                <a:ea typeface="Microsoft YaHei" panose="020B0503020204020204" pitchFamily="34" charset="-122"/>
-              </a:rPr>
-              <a:t>接口的定义</a:t>
-            </a:r>
-            <a:endParaRPr kumimoji="1" lang="en-US" altLang="zh-CN" sz="2400" dirty="0">
-              <a:latin typeface="Microsoft YaHei" panose="020B0503020204020204" pitchFamily="34" charset="-122"/>
-              <a:ea typeface="Microsoft YaHei" panose="020B0503020204020204" pitchFamily="34" charset="-122"/>
-            </a:endParaRPr>
-          </a:p>
-          <a:p>
-            <a:pPr marL="1028700" lvl="1" indent="-571500">
-              <a:lnSpc>
-                <a:spcPct val="150000"/>
-              </a:lnSpc>
-              <a:buFont typeface="Wingdings" pitchFamily="2" charset="2"/>
-              <a:buChar char="Ø"/>
-            </a:pPr>
-            <a:r>
-              <a:rPr kumimoji="1" lang="zh-CN" altLang="en-US" sz="2400" dirty="0">
-                <a:latin typeface="Microsoft YaHei" panose="020B0503020204020204" pitchFamily="34" charset="-122"/>
-                <a:ea typeface="Microsoft YaHei" panose="020B0503020204020204" pitchFamily="34" charset="-122"/>
-              </a:rPr>
-              <a:t>为什么要用接口</a:t>
-            </a:r>
-            <a:endParaRPr kumimoji="1" lang="en-US" altLang="zh-CN" sz="2400" dirty="0">
-              <a:latin typeface="Microsoft YaHei" panose="020B0503020204020204" pitchFamily="34" charset="-122"/>
-              <a:ea typeface="Microsoft YaHei" panose="020B0503020204020204" pitchFamily="34" charset="-122"/>
-            </a:endParaRPr>
-          </a:p>
-          <a:p>
-            <a:pPr marL="1028700" lvl="1" indent="-571500">
-              <a:lnSpc>
-                <a:spcPct val="150000"/>
-              </a:lnSpc>
-              <a:buFont typeface="Wingdings" pitchFamily="2" charset="2"/>
-              <a:buChar char="Ø"/>
-            </a:pPr>
-            <a:r>
-              <a:rPr kumimoji="1" lang="zh-CN" altLang="en-US" sz="2400" dirty="0">
-                <a:latin typeface="Microsoft YaHei" panose="020B0503020204020204" pitchFamily="34" charset="-122"/>
-                <a:ea typeface="Microsoft YaHei" panose="020B0503020204020204" pitchFamily="34" charset="-122"/>
-              </a:rPr>
-              <a:t>示例</a:t>
-            </a:r>
-            <a:endParaRPr kumimoji="1" lang="en-US" altLang="zh-CN" sz="2400" dirty="0">
-              <a:latin typeface="Microsoft YaHei" panose="020B0503020204020204" pitchFamily="34" charset="-122"/>
-              <a:ea typeface="Microsoft YaHei" panose="020B0503020204020204" pitchFamily="34" charset="-122"/>
-            </a:endParaRPr>
-          </a:p>
-        </p:txBody>
-      </p:sp>
-    </p:spTree>
-    <p:extLst>
-      <p:ext uri="{BB962C8B-B14F-4D97-AF65-F5344CB8AC3E}">
-        <p14:creationId xmlns:p14="http://schemas.microsoft.com/office/powerpoint/2010/main" val="1067490150"/>
-      </p:ext>
-    </p:extLst>
-  </p:cSld>
-  <p:clrMapOvr>
-    <a:masterClrMapping/>
-  </p:clrMapOvr>
-</p:sld>
-</file>
-
-<file path=ppt/slides/slide20.xml><?xml version="1.0" encoding="utf-8"?>
-<p:sld xmlns:a="http://schemas.openxmlformats.org/drawingml/2006/main" xmlns:r="http://schemas.openxmlformats.org/officeDocument/2006/relationships" xmlns:p="http://schemas.openxmlformats.org/presentationml/2006/main">
-  <p:cSld>
-    <p:bg>
-      <p:bgPr>
-        <a:blipFill>
-          <a:blip r:embed="rId3"/>
-          <a:tile tx="0" ty="0" sx="100000" sy="100000" flip="none" algn="tl"/>
-        </a:blipFill>
-        <a:effectLst/>
-      </p:bgPr>
-    </p:bg>
-    <p:spTree>
-      <p:nvGrpSpPr>
-        <p:cNvPr id="1" name=""/>
-        <p:cNvGrpSpPr/>
-        <p:nvPr/>
-      </p:nvGrpSpPr>
-      <p:grpSpPr>
-        <a:xfrm>
-          <a:off x="0" y="0"/>
-          <a:ext cx="0" cy="0"/>
-          <a:chOff x="0" y="0"/>
-          <a:chExt cx="0" cy="0"/>
-        </a:xfrm>
-      </p:grpSpPr>
-      <p:sp>
-        <p:nvSpPr>
-          <p:cNvPr id="2" name="文本框 1">
-            <a:extLst>
-              <a:ext uri="{FF2B5EF4-FFF2-40B4-BE49-F238E27FC236}">
-                <a16:creationId xmlns:a16="http://schemas.microsoft.com/office/drawing/2014/main" id="{12AA8BCC-7B15-4842-80C2-48C079429338}"/>
-              </a:ext>
-            </a:extLst>
-          </p:cNvPr>
-          <p:cNvSpPr txBox="1"/>
-          <p:nvPr/>
-        </p:nvSpPr>
-        <p:spPr>
-          <a:xfrm>
             <a:off x="2135952" y="822959"/>
             <a:ext cx="8741252" cy="830997"/>
           </a:xfrm>
@@ -12573,7 +14419,7 @@
 </p:sld>
 </file>
 
-<file path=ppt/slides/slide21.xml><?xml version="1.0" encoding="utf-8"?>
+<file path=ppt/slides/slide27.xml><?xml version="1.0" encoding="utf-8"?>
 <p:sld xmlns:a="http://schemas.openxmlformats.org/drawingml/2006/main" xmlns:r="http://schemas.openxmlformats.org/officeDocument/2006/relationships" xmlns:p="http://schemas.openxmlformats.org/presentationml/2006/main">
   <p:cSld>
     <p:bg>
@@ -12810,7 +14656,7 @@
 </p:sld>
 </file>
 
-<file path=ppt/slides/slide22.xml><?xml version="1.0" encoding="utf-8"?>
+<file path=ppt/slides/slide28.xml><?xml version="1.0" encoding="utf-8"?>
 <p:sld xmlns:a="http://schemas.openxmlformats.org/drawingml/2006/main" xmlns:r="http://schemas.openxmlformats.org/officeDocument/2006/relationships" xmlns:p="http://schemas.openxmlformats.org/presentationml/2006/main">
   <p:cSld>
     <p:bg>
@@ -13281,7 +15127,7 @@
 </p:sld>
 </file>
 
-<file path=ppt/slides/slide23.xml><?xml version="1.0" encoding="utf-8"?>
+<file path=ppt/slides/slide29.xml><?xml version="1.0" encoding="utf-8"?>
 <p:sld xmlns:a="http://schemas.openxmlformats.org/drawingml/2006/main" xmlns:r="http://schemas.openxmlformats.org/officeDocument/2006/relationships" xmlns:p="http://schemas.openxmlformats.org/presentationml/2006/main">
   <p:cSld>
     <p:bg>
@@ -13682,7 +15528,7 @@
 </p:sld>
 </file>
 
-<file path=ppt/slides/slide24.xml><?xml version="1.0" encoding="utf-8"?>
+<file path=ppt/slides/slide3.xml><?xml version="1.0" encoding="utf-8"?>
 <p:sld xmlns:a="http://schemas.openxmlformats.org/drawingml/2006/main" xmlns:r="http://schemas.openxmlformats.org/officeDocument/2006/relationships" xmlns:p="http://schemas.openxmlformats.org/presentationml/2006/main">
   <p:cSld>
     <p:bg>
@@ -13738,6 +15584,156 @@
           <a:p>
             <a:pPr algn="ctr"/>
             <a:r>
+              <a:rPr kumimoji="1" lang="zh-CN" altLang="en-US" sz="4800" dirty="0">
+                <a:latin typeface="Microsoft YaHei" panose="020B0503020204020204" pitchFamily="34" charset="-122"/>
+                <a:ea typeface="Microsoft YaHei" panose="020B0503020204020204" pitchFamily="34" charset="-122"/>
+              </a:rPr>
+              <a:t>抽象在社会中的含义</a:t>
+            </a:r>
+            <a:endParaRPr kumimoji="1" lang="en-US" altLang="zh-CN" sz="4800" dirty="0">
+              <a:ea typeface="Microsoft YaHei" panose="020B0503020204020204" pitchFamily="34" charset="-122"/>
+            </a:endParaRPr>
+          </a:p>
+        </p:txBody>
+      </p:sp>
+      <p:sp>
+        <p:nvSpPr>
+          <p:cNvPr id="13" name="文本框 12">
+            <a:extLst>
+              <a:ext uri="{FF2B5EF4-FFF2-40B4-BE49-F238E27FC236}">
+                <a16:creationId xmlns:a16="http://schemas.microsoft.com/office/drawing/2014/main" id="{8E054F89-5FA8-2F47-8710-58E04A67980C}"/>
+              </a:ext>
+            </a:extLst>
+          </p:cNvPr>
+          <p:cNvSpPr txBox="1"/>
+          <p:nvPr/>
+        </p:nvSpPr>
+        <p:spPr>
+          <a:xfrm>
+            <a:off x="1633728" y="2103120"/>
+            <a:ext cx="8924544" cy="1200329"/>
+          </a:xfrm>
+          <a:prstGeom prst="rect">
+            <a:avLst/>
+          </a:prstGeom>
+          <a:noFill/>
+        </p:spPr>
+        <p:txBody>
+          <a:bodyPr wrap="square" rtlCol="0">
+            <a:spAutoFit/>
+          </a:bodyPr>
+          <a:lstStyle/>
+          <a:p>
+            <a:r>
+              <a:rPr kumimoji="1" lang="zh-CN" altLang="en-US" sz="2400" dirty="0">
+                <a:latin typeface="Microsoft YaHei" panose="020B0503020204020204" pitchFamily="34" charset="-122"/>
+                <a:ea typeface="Microsoft YaHei" panose="020B0503020204020204" pitchFamily="34" charset="-122"/>
+              </a:rPr>
+              <a:t>抽象 </a:t>
+            </a:r>
+            <a:r>
+              <a:rPr kumimoji="1" lang="en-US" altLang="zh-CN" sz="2400" dirty="0">
+                <a:latin typeface="Microsoft YaHei" panose="020B0503020204020204" pitchFamily="34" charset="-122"/>
+                <a:ea typeface="Microsoft YaHei" panose="020B0503020204020204" pitchFamily="34" charset="-122"/>
+              </a:rPr>
+              <a:t>:</a:t>
+            </a:r>
+            <a:r>
+              <a:rPr kumimoji="1" lang="zh-CN" altLang="en-US" sz="2400" dirty="0">
+                <a:latin typeface="Microsoft YaHei" panose="020B0503020204020204" pitchFamily="34" charset="-122"/>
+                <a:ea typeface="Microsoft YaHei" panose="020B0503020204020204" pitchFamily="34" charset="-122"/>
+              </a:rPr>
+              <a:t>  </a:t>
+            </a:r>
+            <a:endParaRPr kumimoji="1" lang="en-US" altLang="zh-CN" sz="2400" dirty="0">
+              <a:latin typeface="Microsoft YaHei" panose="020B0503020204020204" pitchFamily="34" charset="-122"/>
+              <a:ea typeface="Microsoft YaHei" panose="020B0503020204020204" pitchFamily="34" charset="-122"/>
+            </a:endParaRPr>
+          </a:p>
+          <a:p>
+            <a:r>
+              <a:rPr kumimoji="1" lang="zh-CN" altLang="en-US" sz="2400" dirty="0">
+                <a:latin typeface="Microsoft YaHei" panose="020B0503020204020204" pitchFamily="34" charset="-122"/>
+                <a:ea typeface="Microsoft YaHei" panose="020B0503020204020204" pitchFamily="34" charset="-122"/>
+              </a:rPr>
+              <a:t>       从具体事物抽出、概括出它们共同的方面、本质属性与关系等，而将个别的、非本质的方面、属性与关系舍弃的思维过程</a:t>
+            </a:r>
+            <a:endParaRPr kumimoji="1" lang="en-US" altLang="zh-CN" sz="2400" dirty="0">
+              <a:latin typeface="Microsoft YaHei" panose="020B0503020204020204" pitchFamily="34" charset="-122"/>
+              <a:ea typeface="Microsoft YaHei" panose="020B0503020204020204" pitchFamily="34" charset="-122"/>
+            </a:endParaRPr>
+          </a:p>
+        </p:txBody>
+      </p:sp>
+    </p:spTree>
+    <p:extLst>
+      <p:ext uri="{BB962C8B-B14F-4D97-AF65-F5344CB8AC3E}">
+        <p14:creationId xmlns:p14="http://schemas.microsoft.com/office/powerpoint/2010/main" val="2037433810"/>
+      </p:ext>
+    </p:extLst>
+  </p:cSld>
+  <p:clrMapOvr>
+    <a:masterClrMapping/>
+  </p:clrMapOvr>
+</p:sld>
+</file>
+
+<file path=ppt/slides/slide30.xml><?xml version="1.0" encoding="utf-8"?>
+<p:sld xmlns:a="http://schemas.openxmlformats.org/drawingml/2006/main" xmlns:r="http://schemas.openxmlformats.org/officeDocument/2006/relationships" xmlns:p="http://schemas.openxmlformats.org/presentationml/2006/main">
+  <p:cSld>
+    <p:bg>
+      <p:bgPr>
+        <a:blipFill>
+          <a:blip r:embed="rId3"/>
+          <a:tile tx="0" ty="0" sx="100000" sy="100000" flip="none" algn="tl"/>
+        </a:blipFill>
+        <a:effectLst/>
+      </p:bgPr>
+    </p:bg>
+    <p:spTree>
+      <p:nvGrpSpPr>
+        <p:cNvPr id="1" name=""/>
+        <p:cNvGrpSpPr/>
+        <p:nvPr/>
+      </p:nvGrpSpPr>
+      <p:grpSpPr>
+        <a:xfrm>
+          <a:off x="0" y="0"/>
+          <a:ext cx="0" cy="0"/>
+          <a:chOff x="0" y="0"/>
+          <a:chExt cx="0" cy="0"/>
+        </a:xfrm>
+      </p:grpSpPr>
+      <p:sp>
+        <p:nvSpPr>
+          <p:cNvPr id="2" name="文本框 1">
+            <a:extLst>
+              <a:ext uri="{FF2B5EF4-FFF2-40B4-BE49-F238E27FC236}">
+                <a16:creationId xmlns:a16="http://schemas.microsoft.com/office/drawing/2014/main" id="{12AA8BCC-7B15-4842-80C2-48C079429338}"/>
+              </a:ext>
+            </a:extLst>
+          </p:cNvPr>
+          <p:cNvSpPr txBox="1"/>
+          <p:nvPr/>
+        </p:nvSpPr>
+        <p:spPr>
+          <a:xfrm>
+            <a:off x="2520000" y="720000"/>
+            <a:ext cx="7735824" cy="830997"/>
+          </a:xfrm>
+          <a:prstGeom prst="rect">
+            <a:avLst/>
+          </a:prstGeom>
+          <a:noFill/>
+        </p:spPr>
+        <p:txBody>
+          <a:bodyPr wrap="square" rtlCol="0">
+            <a:spAutoFit/>
+          </a:bodyPr>
+          <a:lstStyle/>
+          <a:p>
+            <a:pPr algn="ctr"/>
+            <a:r>
               <a:rPr kumimoji="1" lang="en-US" altLang="zh-CN" sz="4800" dirty="0">
                 <a:latin typeface="Microsoft YaHei" panose="020B0503020204020204" pitchFamily="34" charset="-122"/>
                 <a:ea typeface="Microsoft YaHei" panose="020B0503020204020204" pitchFamily="34" charset="-122"/>
@@ -14043,7 +16039,7 @@
 </p:sld>
 </file>
 
-<file path=ppt/slides/slide25.xml><?xml version="1.0" encoding="utf-8"?>
+<file path=ppt/slides/slide31.xml><?xml version="1.0" encoding="utf-8"?>
 <p:sld xmlns:a="http://schemas.openxmlformats.org/drawingml/2006/main" xmlns:r="http://schemas.openxmlformats.org/officeDocument/2006/relationships" xmlns:p="http://schemas.openxmlformats.org/presentationml/2006/main">
   <p:cSld>
     <p:bg>
@@ -14597,7 +16593,7 @@
 </p:sld>
 </file>
 
-<file path=ppt/slides/slide26.xml><?xml version="1.0" encoding="utf-8"?>
+<file path=ppt/slides/slide32.xml><?xml version="1.0" encoding="utf-8"?>
 <p:sld xmlns:a="http://schemas.openxmlformats.org/drawingml/2006/main" xmlns:r="http://schemas.openxmlformats.org/officeDocument/2006/relationships" xmlns:p="http://schemas.openxmlformats.org/presentationml/2006/main">
   <p:cSld>
     <p:bg>
@@ -14885,7 +16881,7 @@
 </p:sld>
 </file>
 
-<file path=ppt/slides/slide27.xml><?xml version="1.0" encoding="utf-8"?>
+<file path=ppt/slides/slide33.xml><?xml version="1.0" encoding="utf-8"?>
 <p:sld xmlns:a="http://schemas.openxmlformats.org/drawingml/2006/main" xmlns:r="http://schemas.openxmlformats.org/officeDocument/2006/relationships" xmlns:p="http://schemas.openxmlformats.org/presentationml/2006/main">
   <p:cSld>
     <p:bg>
@@ -15329,7 +17325,7 @@
 </p:sld>
 </file>
 
-<file path=ppt/slides/slide28.xml><?xml version="1.0" encoding="utf-8"?>
+<file path=ppt/slides/slide34.xml><?xml version="1.0" encoding="utf-8"?>
 <p:sld xmlns:a="http://schemas.openxmlformats.org/drawingml/2006/main" xmlns:r="http://schemas.openxmlformats.org/officeDocument/2006/relationships" xmlns:p="http://schemas.openxmlformats.org/presentationml/2006/main">
   <p:cSld>
     <p:bg>
@@ -15482,7 +17478,7 @@
 </p:sld>
 </file>
 
-<file path=ppt/slides/slide29.xml><?xml version="1.0" encoding="utf-8"?>
+<file path=ppt/slides/slide35.xml><?xml version="1.0" encoding="utf-8"?>
 <p:sld xmlns:a="http://schemas.openxmlformats.org/drawingml/2006/main" xmlns:r="http://schemas.openxmlformats.org/officeDocument/2006/relationships" xmlns:p="http://schemas.openxmlformats.org/presentationml/2006/main">
   <p:cSld>
     <p:bg>
@@ -15692,7 +17688,7 @@
 </p:sld>
 </file>
 
-<file path=ppt/slides/slide3.xml><?xml version="1.0" encoding="utf-8"?>
+<file path=ppt/slides/slide36.xml><?xml version="1.0" encoding="utf-8"?>
 <p:sld xmlns:a="http://schemas.openxmlformats.org/drawingml/2006/main" xmlns:r="http://schemas.openxmlformats.org/officeDocument/2006/relationships" xmlns:p="http://schemas.openxmlformats.org/presentationml/2006/main">
   <p:cSld>
     <p:bg>
@@ -15732,156 +17728,6 @@
         </p:nvSpPr>
         <p:spPr>
           <a:xfrm>
-            <a:off x="2520000" y="720000"/>
-            <a:ext cx="7735824" cy="830997"/>
-          </a:xfrm>
-          <a:prstGeom prst="rect">
-            <a:avLst/>
-          </a:prstGeom>
-          <a:noFill/>
-        </p:spPr>
-        <p:txBody>
-          <a:bodyPr wrap="square" rtlCol="0">
-            <a:spAutoFit/>
-          </a:bodyPr>
-          <a:lstStyle/>
-          <a:p>
-            <a:pPr algn="ctr"/>
-            <a:r>
-              <a:rPr kumimoji="1" lang="zh-CN" altLang="en-US" sz="4800" dirty="0">
-                <a:latin typeface="Microsoft YaHei" panose="020B0503020204020204" pitchFamily="34" charset="-122"/>
-                <a:ea typeface="Microsoft YaHei" panose="020B0503020204020204" pitchFamily="34" charset="-122"/>
-              </a:rPr>
-              <a:t>抽象在社会中的含义</a:t>
-            </a:r>
-            <a:endParaRPr kumimoji="1" lang="en-US" altLang="zh-CN" sz="4800" dirty="0">
-              <a:ea typeface="Microsoft YaHei" panose="020B0503020204020204" pitchFamily="34" charset="-122"/>
-            </a:endParaRPr>
-          </a:p>
-        </p:txBody>
-      </p:sp>
-      <p:sp>
-        <p:nvSpPr>
-          <p:cNvPr id="13" name="文本框 12">
-            <a:extLst>
-              <a:ext uri="{FF2B5EF4-FFF2-40B4-BE49-F238E27FC236}">
-                <a16:creationId xmlns:a16="http://schemas.microsoft.com/office/drawing/2014/main" id="{8E054F89-5FA8-2F47-8710-58E04A67980C}"/>
-              </a:ext>
-            </a:extLst>
-          </p:cNvPr>
-          <p:cNvSpPr txBox="1"/>
-          <p:nvPr/>
-        </p:nvSpPr>
-        <p:spPr>
-          <a:xfrm>
-            <a:off x="1633728" y="2103120"/>
-            <a:ext cx="8924544" cy="1200329"/>
-          </a:xfrm>
-          <a:prstGeom prst="rect">
-            <a:avLst/>
-          </a:prstGeom>
-          <a:noFill/>
-        </p:spPr>
-        <p:txBody>
-          <a:bodyPr wrap="square" rtlCol="0">
-            <a:spAutoFit/>
-          </a:bodyPr>
-          <a:lstStyle/>
-          <a:p>
-            <a:r>
-              <a:rPr kumimoji="1" lang="zh-CN" altLang="en-US" sz="2400" dirty="0">
-                <a:latin typeface="Microsoft YaHei" panose="020B0503020204020204" pitchFamily="34" charset="-122"/>
-                <a:ea typeface="Microsoft YaHei" panose="020B0503020204020204" pitchFamily="34" charset="-122"/>
-              </a:rPr>
-              <a:t>抽象 </a:t>
-            </a:r>
-            <a:r>
-              <a:rPr kumimoji="1" lang="en-US" altLang="zh-CN" sz="2400" dirty="0">
-                <a:latin typeface="Microsoft YaHei" panose="020B0503020204020204" pitchFamily="34" charset="-122"/>
-                <a:ea typeface="Microsoft YaHei" panose="020B0503020204020204" pitchFamily="34" charset="-122"/>
-              </a:rPr>
-              <a:t>:</a:t>
-            </a:r>
-            <a:r>
-              <a:rPr kumimoji="1" lang="zh-CN" altLang="en-US" sz="2400" dirty="0">
-                <a:latin typeface="Microsoft YaHei" panose="020B0503020204020204" pitchFamily="34" charset="-122"/>
-                <a:ea typeface="Microsoft YaHei" panose="020B0503020204020204" pitchFamily="34" charset="-122"/>
-              </a:rPr>
-              <a:t>  </a:t>
-            </a:r>
-            <a:endParaRPr kumimoji="1" lang="en-US" altLang="zh-CN" sz="2400" dirty="0">
-              <a:latin typeface="Microsoft YaHei" panose="020B0503020204020204" pitchFamily="34" charset="-122"/>
-              <a:ea typeface="Microsoft YaHei" panose="020B0503020204020204" pitchFamily="34" charset="-122"/>
-            </a:endParaRPr>
-          </a:p>
-          <a:p>
-            <a:r>
-              <a:rPr kumimoji="1" lang="zh-CN" altLang="en-US" sz="2400" dirty="0">
-                <a:latin typeface="Microsoft YaHei" panose="020B0503020204020204" pitchFamily="34" charset="-122"/>
-                <a:ea typeface="Microsoft YaHei" panose="020B0503020204020204" pitchFamily="34" charset="-122"/>
-              </a:rPr>
-              <a:t>       从具体事物抽出、概括出它们共同的方面、本质属性与关系等，而将个别的、非本质的方面、属性与关系舍弃的思维过程</a:t>
-            </a:r>
-            <a:endParaRPr kumimoji="1" lang="en-US" altLang="zh-CN" sz="2400" dirty="0">
-              <a:latin typeface="Microsoft YaHei" panose="020B0503020204020204" pitchFamily="34" charset="-122"/>
-              <a:ea typeface="Microsoft YaHei" panose="020B0503020204020204" pitchFamily="34" charset="-122"/>
-            </a:endParaRPr>
-          </a:p>
-        </p:txBody>
-      </p:sp>
-    </p:spTree>
-    <p:extLst>
-      <p:ext uri="{BB962C8B-B14F-4D97-AF65-F5344CB8AC3E}">
-        <p14:creationId xmlns:p14="http://schemas.microsoft.com/office/powerpoint/2010/main" val="2037433810"/>
-      </p:ext>
-    </p:extLst>
-  </p:cSld>
-  <p:clrMapOvr>
-    <a:masterClrMapping/>
-  </p:clrMapOvr>
-</p:sld>
-</file>
-
-<file path=ppt/slides/slide30.xml><?xml version="1.0" encoding="utf-8"?>
-<p:sld xmlns:a="http://schemas.openxmlformats.org/drawingml/2006/main" xmlns:r="http://schemas.openxmlformats.org/officeDocument/2006/relationships" xmlns:p="http://schemas.openxmlformats.org/presentationml/2006/main">
-  <p:cSld>
-    <p:bg>
-      <p:bgPr>
-        <a:blipFill>
-          <a:blip r:embed="rId3"/>
-          <a:tile tx="0" ty="0" sx="100000" sy="100000" flip="none" algn="tl"/>
-        </a:blipFill>
-        <a:effectLst/>
-      </p:bgPr>
-    </p:bg>
-    <p:spTree>
-      <p:nvGrpSpPr>
-        <p:cNvPr id="1" name=""/>
-        <p:cNvGrpSpPr/>
-        <p:nvPr/>
-      </p:nvGrpSpPr>
-      <p:grpSpPr>
-        <a:xfrm>
-          <a:off x="0" y="0"/>
-          <a:ext cx="0" cy="0"/>
-          <a:chOff x="0" y="0"/>
-          <a:chExt cx="0" cy="0"/>
-        </a:xfrm>
-      </p:grpSpPr>
-      <p:sp>
-        <p:nvSpPr>
-          <p:cNvPr id="2" name="文本框 1">
-            <a:extLst>
-              <a:ext uri="{FF2B5EF4-FFF2-40B4-BE49-F238E27FC236}">
-                <a16:creationId xmlns:a16="http://schemas.microsoft.com/office/drawing/2014/main" id="{12AA8BCC-7B15-4842-80C2-48C079429338}"/>
-              </a:ext>
-            </a:extLst>
-          </p:cNvPr>
-          <p:cNvSpPr txBox="1"/>
-          <p:nvPr/>
-        </p:nvSpPr>
-        <p:spPr>
-          <a:xfrm>
             <a:off x="2228088" y="2921168"/>
             <a:ext cx="7735824" cy="1015663"/>
           </a:xfrm>
@@ -15920,7 +17766,7 @@
 </p:sld>
 </file>
 
-<file path=ppt/slides/slide31.xml><?xml version="1.0" encoding="utf-8"?>
+<file path=ppt/slides/slide37.xml><?xml version="1.0" encoding="utf-8"?>
 <p:sld xmlns:a="http://schemas.openxmlformats.org/drawingml/2006/main" xmlns:r="http://schemas.openxmlformats.org/officeDocument/2006/relationships" xmlns:p="http://schemas.openxmlformats.org/presentationml/2006/main">
   <p:cSld>
     <p:bg>
@@ -16046,8 +17892,8 @@
         </p:nvSpPr>
         <p:spPr>
           <a:xfrm>
-            <a:off x="1719072" y="2121408"/>
-            <a:ext cx="9253728" cy="4524315"/>
+            <a:off x="1609344" y="1682496"/>
+            <a:ext cx="9253728" cy="3785652"/>
           </a:xfrm>
           <a:prstGeom prst="rect">
             <a:avLst/>
@@ -16105,21 +17951,69 @@
                 <a:latin typeface="Microsoft YaHei" panose="020B0503020204020204" pitchFamily="34" charset="-122"/>
                 <a:ea typeface="Microsoft YaHei" panose="020B0503020204020204" pitchFamily="34" charset="-122"/>
               </a:rPr>
-              <a:t>格式： 没有方法体，包括</a:t>
+              <a:t>格式： </a:t>
+            </a:r>
+            <a:endParaRPr kumimoji="1" lang="en-US" altLang="zh-CN" sz="2400" dirty="0">
+              <a:latin typeface="Microsoft YaHei" panose="020B0503020204020204" pitchFamily="34" charset="-122"/>
+              <a:ea typeface="Microsoft YaHei" panose="020B0503020204020204" pitchFamily="34" charset="-122"/>
+            </a:endParaRPr>
+          </a:p>
+          <a:p>
+            <a:pPr marL="914400" lvl="1" indent="-457200">
+              <a:buFont typeface="+mj-lt"/>
+              <a:buAutoNum type="arabicPeriod"/>
+            </a:pPr>
+            <a:r>
+              <a:rPr kumimoji="1" lang="zh-CN" altLang="en-US" sz="2400" dirty="0">
+                <a:latin typeface="Microsoft YaHei" panose="020B0503020204020204" pitchFamily="34" charset="-122"/>
+                <a:ea typeface="Microsoft YaHei" panose="020B0503020204020204" pitchFamily="34" charset="-122"/>
+              </a:rPr>
+              <a:t>用</a:t>
             </a:r>
             <a:r>
               <a:rPr kumimoji="1" lang="en-US" altLang="zh-CN" sz="2400" dirty="0">
                 <a:latin typeface="Microsoft YaHei" panose="020B0503020204020204" pitchFamily="34" charset="-122"/>
                 <a:ea typeface="Microsoft YaHei" panose="020B0503020204020204" pitchFamily="34" charset="-122"/>
               </a:rPr>
-              <a:t>{ }</a:t>
-            </a:r>
-            <a:r>
-              <a:rPr kumimoji="1" lang="zh-CN" altLang="en-US" sz="2400" dirty="0">
-                <a:latin typeface="Microsoft YaHei" panose="020B0503020204020204" pitchFamily="34" charset="-122"/>
-                <a:ea typeface="Microsoft YaHei" panose="020B0503020204020204" pitchFamily="34" charset="-122"/>
-              </a:rPr>
-              <a:t>，例如  </a:t>
+              <a:t>abstract</a:t>
+            </a:r>
+            <a:r>
+              <a:rPr kumimoji="1" lang="zh-CN" altLang="en-US" sz="2400" dirty="0">
+                <a:latin typeface="Microsoft YaHei" panose="020B0503020204020204" pitchFamily="34" charset="-122"/>
+                <a:ea typeface="Microsoft YaHei" panose="020B0503020204020204" pitchFamily="34" charset="-122"/>
+              </a:rPr>
+              <a:t>形容。</a:t>
+            </a:r>
+            <a:endParaRPr kumimoji="1" lang="en-US" altLang="zh-CN" sz="2400" dirty="0">
+              <a:latin typeface="Microsoft YaHei" panose="020B0503020204020204" pitchFamily="34" charset="-122"/>
+              <a:ea typeface="Microsoft YaHei" panose="020B0503020204020204" pitchFamily="34" charset="-122"/>
+            </a:endParaRPr>
+          </a:p>
+          <a:p>
+            <a:pPr marL="914400" lvl="1" indent="-457200">
+              <a:buFont typeface="+mj-lt"/>
+              <a:buAutoNum type="arabicPeriod"/>
+            </a:pPr>
+            <a:r>
+              <a:rPr kumimoji="1" lang="zh-CN" altLang="en-US" sz="2400" dirty="0">
+                <a:latin typeface="Microsoft YaHei" panose="020B0503020204020204" pitchFamily="34" charset="-122"/>
+                <a:ea typeface="Microsoft YaHei" panose="020B0503020204020204" pitchFamily="34" charset="-122"/>
+              </a:rPr>
+              <a:t>没有方法实现。</a:t>
+            </a:r>
+            <a:endParaRPr kumimoji="1" lang="en-US" altLang="zh-CN" sz="2400" dirty="0">
+              <a:latin typeface="Microsoft YaHei" panose="020B0503020204020204" pitchFamily="34" charset="-122"/>
+              <a:ea typeface="Microsoft YaHei" panose="020B0503020204020204" pitchFamily="34" charset="-122"/>
+            </a:endParaRPr>
+          </a:p>
+          <a:p>
+            <a:pPr lvl="1"/>
+            <a:r>
+              <a:rPr kumimoji="1" lang="zh-CN" altLang="en-US" sz="2400" dirty="0">
+                <a:latin typeface="Microsoft YaHei" panose="020B0503020204020204" pitchFamily="34" charset="-122"/>
+                <a:ea typeface="Microsoft YaHei" panose="020B0503020204020204" pitchFamily="34" charset="-122"/>
+              </a:rPr>
+              <a:t>例子  </a:t>
             </a:r>
             <a:r>
               <a:rPr kumimoji="1" lang="en-US" altLang="zh-CN" sz="2400" dirty="0">
@@ -16147,6 +18041,13 @@
             </a:r>
           </a:p>
           <a:p>
+            <a:pPr lvl="1"/>
+            <a:endParaRPr kumimoji="1" lang="en-US" altLang="zh-CN" sz="2400" dirty="0">
+              <a:latin typeface="Microsoft YaHei" panose="020B0503020204020204" pitchFamily="34" charset="-122"/>
+              <a:ea typeface="Microsoft YaHei" panose="020B0503020204020204" pitchFamily="34" charset="-122"/>
+            </a:endParaRPr>
+          </a:p>
+          <a:p>
             <a:pPr marL="342900" indent="-342900">
               <a:buFont typeface="Arial" panose="020B0604020202020204" pitchFamily="34" charset="0"/>
               <a:buChar char="•"/>
@@ -16156,7 +18057,7 @@
                 <a:latin typeface="Microsoft YaHei" panose="020B0503020204020204" pitchFamily="34" charset="-122"/>
                 <a:ea typeface="Microsoft YaHei" panose="020B0503020204020204" pitchFamily="34" charset="-122"/>
               </a:rPr>
-              <a:t>用法： 抽象方法只保留方法的功能，具体的执行，交给继承抽象类的子类，由子类重写改抽象方法。</a:t>
+              <a:t>用法： 抽象方法只保留方法的功能，具体的执行，交给继承抽象类的子类，由子类重写抽象方法。</a:t>
             </a:r>
             <a:endParaRPr kumimoji="1" lang="en-US" altLang="zh-CN" sz="2400" dirty="0">
               <a:latin typeface="Microsoft YaHei" panose="020B0503020204020204" pitchFamily="34" charset="-122"/>
@@ -16165,47 +18066,6 @@
           </a:p>
           <a:p>
             <a:endParaRPr kumimoji="1" lang="en-US" altLang="zh-CN" sz="2400" dirty="0">
-              <a:latin typeface="Microsoft YaHei" panose="020B0503020204020204" pitchFamily="34" charset="-122"/>
-              <a:ea typeface="Microsoft YaHei" panose="020B0503020204020204" pitchFamily="34" charset="-122"/>
-            </a:endParaRPr>
-          </a:p>
-          <a:p>
-            <a:r>
-              <a:rPr kumimoji="1" lang="zh-CN" altLang="en-US" sz="2400" dirty="0">
-                <a:latin typeface="Microsoft YaHei" panose="020B0503020204020204" pitchFamily="34" charset="-122"/>
-                <a:ea typeface="Microsoft YaHei" panose="020B0503020204020204" pitchFamily="34" charset="-122"/>
-              </a:rPr>
-              <a:t>需要注意：</a:t>
-            </a:r>
-          </a:p>
-          <a:p>
-            <a:pPr marL="457200" indent="-457200">
-              <a:buFont typeface="+mj-lt"/>
-              <a:buAutoNum type="arabicPeriod"/>
-            </a:pPr>
-            <a:r>
-              <a:rPr kumimoji="1" lang="zh-CN" altLang="en-US" sz="2400" dirty="0">
-                <a:latin typeface="Microsoft YaHei" panose="020B0503020204020204" pitchFamily="34" charset="-122"/>
-                <a:ea typeface="Microsoft YaHei" panose="020B0503020204020204" pitchFamily="34" charset="-122"/>
-              </a:rPr>
-              <a:t> 如果子类继承抽象类，并重写了父类的所有的抽象方法，则此子类不是抽象类，可以实例化的</a:t>
-            </a:r>
-          </a:p>
-          <a:p>
-            <a:pPr marL="457200" indent="-457200">
-              <a:buFont typeface="+mj-lt"/>
-              <a:buAutoNum type="arabicPeriod"/>
-            </a:pPr>
-            <a:r>
-              <a:rPr kumimoji="1" lang="zh-CN" altLang="en-US" sz="2400" dirty="0">
-                <a:latin typeface="Microsoft YaHei" panose="020B0503020204020204" pitchFamily="34" charset="-122"/>
-                <a:ea typeface="Microsoft YaHei" panose="020B0503020204020204" pitchFamily="34" charset="-122"/>
-              </a:rPr>
-              <a:t> 如果子类继承抽象类，没有重写父类中所有的抽象方法，意味着子类中还有抽象方法，那么此子类必须必须声明为抽象的</a:t>
-            </a:r>
-          </a:p>
-          <a:p>
-            <a:endParaRPr kumimoji="1" lang="zh-CN" altLang="en-US" sz="2400" dirty="0">
               <a:latin typeface="Microsoft YaHei" panose="020B0503020204020204" pitchFamily="34" charset="-122"/>
               <a:ea typeface="Microsoft YaHei" panose="020B0503020204020204" pitchFamily="34" charset="-122"/>
             </a:endParaRPr>
@@ -16285,7 +18145,7 @@
                 <a:latin typeface="Microsoft YaHei" panose="020B0503020204020204" pitchFamily="34" charset="-122"/>
                 <a:ea typeface="Microsoft YaHei" panose="020B0503020204020204" pitchFamily="34" charset="-122"/>
               </a:rPr>
-              <a:t>抽象类</a:t>
+              <a:t>抽象方法需要注意的几点</a:t>
             </a:r>
             <a:endParaRPr kumimoji="1" lang="en-US" altLang="zh-CN" sz="4800" dirty="0">
               <a:ea typeface="Microsoft YaHei" panose="020B0503020204020204" pitchFamily="34" charset="-122"/>
@@ -16295,10 +18155,10 @@
       </p:sp>
       <p:sp>
         <p:nvSpPr>
-          <p:cNvPr id="13" name="文本框 12">
+          <p:cNvPr id="4" name="文本框 3">
             <a:extLst>
               <a:ext uri="{FF2B5EF4-FFF2-40B4-BE49-F238E27FC236}">
-                <a16:creationId xmlns:a16="http://schemas.microsoft.com/office/drawing/2014/main" id="{8E054F89-5FA8-2F47-8710-58E04A67980C}"/>
+                <a16:creationId xmlns:a16="http://schemas.microsoft.com/office/drawing/2014/main" id="{7C1B0394-5035-0C4B-8A38-2B1CCA2CFC38}"/>
               </a:ext>
             </a:extLst>
           </p:cNvPr>
@@ -16307,8 +18167,8 @@
         </p:nvSpPr>
         <p:spPr>
           <a:xfrm>
-            <a:off x="1633728" y="2103120"/>
-            <a:ext cx="8924544" cy="4893647"/>
+            <a:off x="1761048" y="2624096"/>
+            <a:ext cx="9253728" cy="2243050"/>
           </a:xfrm>
           <a:prstGeom prst="rect">
             <a:avLst/>
@@ -16321,26 +18181,19 @@
           </a:bodyPr>
           <a:lstStyle/>
           <a:p>
-            <a:r>
-              <a:rPr kumimoji="1" lang="zh-CN" altLang="en-US" sz="2400" dirty="0">
-                <a:latin typeface="Microsoft YaHei" panose="020B0503020204020204" pitchFamily="34" charset="-122"/>
-                <a:ea typeface="Microsoft YaHei" panose="020B0503020204020204" pitchFamily="34" charset="-122"/>
-              </a:rPr>
-              <a:t>直观定义：包含抽象方法的类，其他和普通类一样。声明时候多一个</a:t>
-            </a:r>
-            <a:r>
-              <a:rPr kumimoji="1" lang="en-US" altLang="zh-CN" sz="2400" dirty="0">
-                <a:latin typeface="Microsoft YaHei" panose="020B0503020204020204" pitchFamily="34" charset="-122"/>
-                <a:ea typeface="Microsoft YaHei" panose="020B0503020204020204" pitchFamily="34" charset="-122"/>
-              </a:rPr>
-              <a:t>abstract</a:t>
-            </a:r>
-            <a:r>
-              <a:rPr kumimoji="1" lang="zh-CN" altLang="en-US" sz="2400" dirty="0">
-                <a:latin typeface="Microsoft YaHei" panose="020B0503020204020204" pitchFamily="34" charset="-122"/>
-                <a:ea typeface="Microsoft YaHei" panose="020B0503020204020204" pitchFamily="34" charset="-122"/>
-              </a:rPr>
-              <a:t>关键字修饰。</a:t>
+            <a:pPr marL="457200" indent="-457200">
+              <a:lnSpc>
+                <a:spcPct val="150000"/>
+              </a:lnSpc>
+              <a:buFont typeface="+mj-lt"/>
+              <a:buAutoNum type="arabicPeriod"/>
+            </a:pPr>
+            <a:r>
+              <a:rPr kumimoji="1" lang="zh-CN" altLang="en-US" sz="2400" dirty="0">
+                <a:latin typeface="Microsoft YaHei" panose="020B0503020204020204" pitchFamily="34" charset="-122"/>
+                <a:ea typeface="Microsoft YaHei" panose="020B0503020204020204" pitchFamily="34" charset="-122"/>
+              </a:rPr>
+              <a:t> 如果子类继承抽象类，并重写了父类的所有的抽象方法，则此子类不是抽象类，可以实例化的。</a:t>
             </a:r>
             <a:endParaRPr kumimoji="1" lang="en-US" altLang="zh-CN" sz="2400" dirty="0">
               <a:latin typeface="Microsoft YaHei" panose="020B0503020204020204" pitchFamily="34" charset="-122"/>
@@ -16348,256 +18201,19 @@
             </a:endParaRPr>
           </a:p>
           <a:p>
-            <a:r>
-              <a:rPr kumimoji="1" lang="zh-CN" altLang="en-US" sz="2400" dirty="0">
-                <a:latin typeface="Microsoft YaHei" panose="020B0503020204020204" pitchFamily="34" charset="-122"/>
-                <a:ea typeface="Microsoft YaHei" panose="020B0503020204020204" pitchFamily="34" charset="-122"/>
-              </a:rPr>
-              <a:t>格式：  </a:t>
-            </a:r>
-            <a:r>
-              <a:rPr kumimoji="1" lang="en-US" altLang="zh-CN" sz="2400" dirty="0">
-                <a:solidFill>
-                  <a:schemeClr val="accent2"/>
-                </a:solidFill>
-                <a:latin typeface="Microsoft YaHei" panose="020B0503020204020204" pitchFamily="34" charset="-122"/>
-                <a:ea typeface="Microsoft YaHei" panose="020B0503020204020204" pitchFamily="34" charset="-122"/>
-              </a:rPr>
-              <a:t>abstract</a:t>
-            </a:r>
-            <a:r>
-              <a:rPr kumimoji="1" lang="zh-CN" altLang="en-US" sz="2400" dirty="0">
-                <a:latin typeface="Microsoft YaHei" panose="020B0503020204020204" pitchFamily="34" charset="-122"/>
-                <a:ea typeface="Microsoft YaHei" panose="020B0503020204020204" pitchFamily="34" charset="-122"/>
-              </a:rPr>
-              <a:t> </a:t>
-            </a:r>
-            <a:r>
-              <a:rPr kumimoji="1" lang="en-US" altLang="zh-CN" sz="2400" dirty="0">
-                <a:latin typeface="Microsoft YaHei" panose="020B0503020204020204" pitchFamily="34" charset="-122"/>
-                <a:ea typeface="Microsoft YaHei" panose="020B0503020204020204" pitchFamily="34" charset="-122"/>
-              </a:rPr>
-              <a:t>class</a:t>
-            </a:r>
-            <a:r>
-              <a:rPr kumimoji="1" lang="zh-CN" altLang="en-US" sz="2400" dirty="0">
-                <a:latin typeface="Microsoft YaHei" panose="020B0503020204020204" pitchFamily="34" charset="-122"/>
-                <a:ea typeface="Microsoft YaHei" panose="020B0503020204020204" pitchFamily="34" charset="-122"/>
-              </a:rPr>
-              <a:t> 类名</a:t>
-            </a:r>
-            <a:endParaRPr kumimoji="1" lang="en-US" altLang="zh-CN" sz="2400" dirty="0">
-              <a:latin typeface="Microsoft YaHei" panose="020B0503020204020204" pitchFamily="34" charset="-122"/>
-              <a:ea typeface="Microsoft YaHei" panose="020B0503020204020204" pitchFamily="34" charset="-122"/>
-            </a:endParaRPr>
-          </a:p>
-          <a:p>
-            <a:endParaRPr kumimoji="1" lang="en-US" altLang="zh-CN" sz="2400" dirty="0">
-              <a:latin typeface="Microsoft YaHei" panose="020B0503020204020204" pitchFamily="34" charset="-122"/>
-              <a:ea typeface="Microsoft YaHei" panose="020B0503020204020204" pitchFamily="34" charset="-122"/>
-            </a:endParaRPr>
-          </a:p>
-          <a:p>
-            <a:r>
-              <a:rPr lang="zh-CN" altLang="en-US" sz="2400" dirty="0">
-                <a:latin typeface="Microsoft YaHei" panose="020B0503020204020204" pitchFamily="34" charset="-122"/>
-                <a:ea typeface="Microsoft YaHei" panose="020B0503020204020204" pitchFamily="34" charset="-122"/>
-              </a:rPr>
-              <a:t>抽象类的特征：</a:t>
-            </a:r>
-          </a:p>
-          <a:p>
-            <a:r>
-              <a:rPr lang="zh-CN" altLang="en-US" sz="2400" dirty="0">
-                <a:latin typeface="Microsoft YaHei" panose="020B0503020204020204" pitchFamily="34" charset="-122"/>
-                <a:ea typeface="Microsoft YaHei" panose="020B0503020204020204" pitchFamily="34" charset="-122"/>
-              </a:rPr>
-              <a:t> </a:t>
-            </a:r>
-            <a:r>
-              <a:rPr lang="en-US" altLang="zh-CN" sz="2400" dirty="0">
-                <a:latin typeface="Microsoft YaHei" panose="020B0503020204020204" pitchFamily="34" charset="-122"/>
-                <a:ea typeface="Microsoft YaHei" panose="020B0503020204020204" pitchFamily="34" charset="-122"/>
-              </a:rPr>
-              <a:t>( 1 ) </a:t>
-            </a:r>
-            <a:r>
-              <a:rPr lang="zh-CN" altLang="en-US" sz="2400" dirty="0">
-                <a:latin typeface="Microsoft YaHei" panose="020B0503020204020204" pitchFamily="34" charset="-122"/>
-                <a:ea typeface="Microsoft YaHei" panose="020B0503020204020204" pitchFamily="34" charset="-122"/>
-              </a:rPr>
-              <a:t>不可被实例化 ，也就是说不能直接用来 </a:t>
-            </a:r>
-            <a:r>
-              <a:rPr lang="en-US" altLang="zh-CN" sz="2400" dirty="0">
-                <a:latin typeface="Microsoft YaHei" panose="020B0503020204020204" pitchFamily="34" charset="-122"/>
-                <a:ea typeface="Microsoft YaHei" panose="020B0503020204020204" pitchFamily="34" charset="-122"/>
-              </a:rPr>
-              <a:t>new</a:t>
-            </a:r>
-            <a:r>
-              <a:rPr lang="zh-CN" altLang="en-US" sz="2400" dirty="0">
-                <a:latin typeface="Microsoft YaHei" panose="020B0503020204020204" pitchFamily="34" charset="-122"/>
-                <a:ea typeface="Microsoft YaHei" panose="020B0503020204020204" pitchFamily="34" charset="-122"/>
-              </a:rPr>
-              <a:t> </a:t>
-            </a:r>
-          </a:p>
-          <a:p>
-            <a:r>
-              <a:rPr lang="zh-CN" altLang="en-US" sz="2400" dirty="0">
-                <a:latin typeface="Microsoft YaHei" panose="020B0503020204020204" pitchFamily="34" charset="-122"/>
-                <a:ea typeface="Microsoft YaHei" panose="020B0503020204020204" pitchFamily="34" charset="-122"/>
-              </a:rPr>
-              <a:t>（</a:t>
-            </a:r>
-            <a:r>
-              <a:rPr lang="en-US" altLang="zh-CN" sz="2400" dirty="0">
-                <a:latin typeface="Microsoft YaHei" panose="020B0503020204020204" pitchFamily="34" charset="-122"/>
-                <a:ea typeface="Microsoft YaHei" panose="020B0503020204020204" pitchFamily="34" charset="-122"/>
-              </a:rPr>
-              <a:t>2</a:t>
-            </a:r>
-            <a:r>
-              <a:rPr lang="zh-CN" altLang="en-US" sz="2400" dirty="0">
-                <a:latin typeface="Microsoft YaHei" panose="020B0503020204020204" pitchFamily="34" charset="-122"/>
-                <a:ea typeface="Microsoft YaHei" panose="020B0503020204020204" pitchFamily="34" charset="-122"/>
-              </a:rPr>
-              <a:t>）抽象类是有构造器的（所有类都有构造器）</a:t>
-            </a:r>
-          </a:p>
-          <a:p>
-            <a:r>
-              <a:rPr lang="zh-CN" altLang="en-US" sz="2400" dirty="0">
-                <a:latin typeface="Microsoft YaHei" panose="020B0503020204020204" pitchFamily="34" charset="-122"/>
-                <a:ea typeface="Microsoft YaHei" panose="020B0503020204020204" pitchFamily="34" charset="-122"/>
-              </a:rPr>
-              <a:t>（</a:t>
-            </a:r>
-            <a:r>
-              <a:rPr lang="en-US" altLang="zh-CN" sz="2400" dirty="0">
-                <a:latin typeface="Microsoft YaHei" panose="020B0503020204020204" pitchFamily="34" charset="-122"/>
-                <a:ea typeface="Microsoft YaHei" panose="020B0503020204020204" pitchFamily="34" charset="-122"/>
-              </a:rPr>
-              <a:t>3</a:t>
-            </a:r>
-            <a:r>
-              <a:rPr lang="zh-CN" altLang="en-US" sz="2400" dirty="0">
-                <a:latin typeface="Microsoft YaHei" panose="020B0503020204020204" pitchFamily="34" charset="-122"/>
-                <a:ea typeface="Microsoft YaHei" panose="020B0503020204020204" pitchFamily="34" charset="-122"/>
-              </a:rPr>
-              <a:t>）抽象方法所在的类，一定是抽象类</a:t>
-            </a:r>
-            <a:endParaRPr lang="en-US" altLang="zh-CN" sz="2400" dirty="0">
-              <a:latin typeface="Microsoft YaHei" panose="020B0503020204020204" pitchFamily="34" charset="-122"/>
-              <a:ea typeface="Microsoft YaHei" panose="020B0503020204020204" pitchFamily="34" charset="-122"/>
-            </a:endParaRPr>
-          </a:p>
-          <a:p>
-            <a:r>
-              <a:rPr lang="zh-CN" altLang="en-US" sz="2400" dirty="0">
-                <a:latin typeface="Microsoft YaHei" panose="020B0503020204020204" pitchFamily="34" charset="-122"/>
-                <a:ea typeface="Microsoft YaHei" panose="020B0503020204020204" pitchFamily="34" charset="-122"/>
-              </a:rPr>
-              <a:t>（</a:t>
-            </a:r>
-            <a:r>
-              <a:rPr lang="en-US" altLang="zh-CN" sz="2400" dirty="0">
-                <a:latin typeface="Microsoft YaHei" panose="020B0503020204020204" pitchFamily="34" charset="-122"/>
-                <a:ea typeface="Microsoft YaHei" panose="020B0503020204020204" pitchFamily="34" charset="-122"/>
-              </a:rPr>
-              <a:t>4</a:t>
-            </a:r>
-            <a:r>
-              <a:rPr lang="zh-CN" altLang="en-US" sz="2400" dirty="0">
-                <a:latin typeface="Microsoft YaHei" panose="020B0503020204020204" pitchFamily="34" charset="-122"/>
-                <a:ea typeface="Microsoft YaHei" panose="020B0503020204020204" pitchFamily="34" charset="-122"/>
-              </a:rPr>
-              <a:t>）如果一个子类没有实现父类中的抽象方法，则子类也成为了一个抽象类</a:t>
-            </a:r>
-            <a:endParaRPr lang="en-US" altLang="zh-CN" sz="2400" dirty="0">
-              <a:latin typeface="Microsoft YaHei" panose="020B0503020204020204" pitchFamily="34" charset="-122"/>
-              <a:ea typeface="Microsoft YaHei" panose="020B0503020204020204" pitchFamily="34" charset="-122"/>
-            </a:endParaRPr>
-          </a:p>
-          <a:p>
-            <a:r>
-              <a:rPr lang="zh-CN" altLang="en-US" sz="2400" dirty="0">
-                <a:latin typeface="Microsoft YaHei" panose="020B0503020204020204" pitchFamily="34" charset="-122"/>
-                <a:ea typeface="Microsoft YaHei" panose="020B0503020204020204" pitchFamily="34" charset="-122"/>
-              </a:rPr>
-              <a:t>（</a:t>
-            </a:r>
-            <a:r>
-              <a:rPr lang="en-US" altLang="zh-CN" sz="2400" dirty="0">
-                <a:latin typeface="Microsoft YaHei" panose="020B0503020204020204" pitchFamily="34" charset="-122"/>
-                <a:ea typeface="Microsoft YaHei" panose="020B0503020204020204" pitchFamily="34" charset="-122"/>
-              </a:rPr>
-              <a:t>5</a:t>
-            </a:r>
-            <a:r>
-              <a:rPr lang="zh-CN" altLang="en-US" sz="2400" dirty="0">
-                <a:latin typeface="Microsoft YaHei" panose="020B0503020204020204" pitchFamily="34" charset="-122"/>
-                <a:ea typeface="Microsoft YaHei" panose="020B0503020204020204" pitchFamily="34" charset="-122"/>
-              </a:rPr>
-              <a:t>）抽象类可以没有抽象方法的</a:t>
-            </a:r>
-            <a:endParaRPr kumimoji="1" lang="en-US" altLang="zh-CN" sz="2400" dirty="0">
-              <a:latin typeface="Microsoft YaHei" panose="020B0503020204020204" pitchFamily="34" charset="-122"/>
-              <a:ea typeface="Microsoft YaHei" panose="020B0503020204020204" pitchFamily="34" charset="-122"/>
-            </a:endParaRPr>
-          </a:p>
-          <a:p>
-            <a:endParaRPr kumimoji="1" lang="en-US" altLang="zh-CN" sz="2400" dirty="0">
-              <a:latin typeface="Microsoft YaHei" panose="020B0503020204020204" pitchFamily="34" charset="-122"/>
-              <a:ea typeface="Microsoft YaHei" panose="020B0503020204020204" pitchFamily="34" charset="-122"/>
-            </a:endParaRPr>
-          </a:p>
-          <a:p>
-            <a:endParaRPr kumimoji="1" lang="en-US" altLang="zh-CN" sz="2400" dirty="0">
-              <a:latin typeface="Microsoft YaHei" panose="020B0503020204020204" pitchFamily="34" charset="-122"/>
-              <a:ea typeface="Microsoft YaHei" panose="020B0503020204020204" pitchFamily="34" charset="-122"/>
-            </a:endParaRPr>
-          </a:p>
-        </p:txBody>
-      </p:sp>
-      <p:sp>
-        <p:nvSpPr>
-          <p:cNvPr id="3" name="文本框 2">
-            <a:extLst>
-              <a:ext uri="{FF2B5EF4-FFF2-40B4-BE49-F238E27FC236}">
-                <a16:creationId xmlns:a16="http://schemas.microsoft.com/office/drawing/2014/main" id="{5CCFF940-CD29-5F4C-996D-E543226C3730}"/>
-              </a:ext>
-            </a:extLst>
-          </p:cNvPr>
-          <p:cNvSpPr txBox="1"/>
-          <p:nvPr/>
-        </p:nvSpPr>
-        <p:spPr>
-          <a:xfrm>
-            <a:off x="5574096" y="6339168"/>
-            <a:ext cx="1627632" cy="369332"/>
-          </a:xfrm>
-          <a:prstGeom prst="rect">
-            <a:avLst/>
-          </a:prstGeom>
-          <a:solidFill>
-            <a:schemeClr val="accent2"/>
-          </a:solidFill>
-        </p:spPr>
-        <p:txBody>
-          <a:bodyPr wrap="square" rtlCol="0">
-            <a:spAutoFit/>
-          </a:bodyPr>
-          <a:lstStyle/>
-          <a:p>
-            <a:r>
-              <a:rPr kumimoji="1" lang="zh-CN" altLang="en-US" dirty="0">
-                <a:solidFill>
-                  <a:schemeClr val="bg1"/>
-                </a:solidFill>
-              </a:rPr>
-              <a:t>看示例代码</a:t>
+            <a:pPr marL="457200" indent="-457200">
+              <a:lnSpc>
+                <a:spcPct val="150000"/>
+              </a:lnSpc>
+              <a:buFont typeface="+mj-lt"/>
+              <a:buAutoNum type="arabicPeriod"/>
+            </a:pPr>
+            <a:r>
+              <a:rPr kumimoji="1" lang="zh-CN" altLang="en-US" sz="2400" dirty="0">
+                <a:latin typeface="Microsoft YaHei" panose="020B0503020204020204" pitchFamily="34" charset="-122"/>
+                <a:ea typeface="Microsoft YaHei" panose="020B0503020204020204" pitchFamily="34" charset="-122"/>
+              </a:rPr>
+              <a:t>如果子类继承抽象类，没有重写父类中所有的抽象方法，意味着子类中还有抽象方法，那么此子类必须必须声明为抽象的。</a:t>
             </a:r>
           </a:p>
         </p:txBody>
@@ -16605,7 +18221,7 @@
     </p:spTree>
     <p:extLst>
       <p:ext uri="{BB962C8B-B14F-4D97-AF65-F5344CB8AC3E}">
-        <p14:creationId xmlns:p14="http://schemas.microsoft.com/office/powerpoint/2010/main" val="2449901828"/>
+        <p14:creationId xmlns:p14="http://schemas.microsoft.com/office/powerpoint/2010/main" val="4074100507"/>
       </p:ext>
     </p:extLst>
   </p:cSld>
@@ -16675,7 +18291,7 @@
                 <a:latin typeface="Microsoft YaHei" panose="020B0503020204020204" pitchFamily="34" charset="-122"/>
                 <a:ea typeface="Microsoft YaHei" panose="020B0503020204020204" pitchFamily="34" charset="-122"/>
               </a:rPr>
-              <a:t>为什么要使用抽象类？</a:t>
+              <a:t>抽象类</a:t>
             </a:r>
             <a:endParaRPr kumimoji="1" lang="en-US" altLang="zh-CN" sz="4800" dirty="0">
               <a:ea typeface="Microsoft YaHei" panose="020B0503020204020204" pitchFamily="34" charset="-122"/>
@@ -16697,8 +18313,8 @@
         </p:nvSpPr>
         <p:spPr>
           <a:xfrm>
-            <a:off x="1633728" y="2103120"/>
-            <a:ext cx="8924544" cy="2677656"/>
+            <a:off x="1779336" y="2039835"/>
+            <a:ext cx="8924544" cy="1200329"/>
           </a:xfrm>
           <a:prstGeom prst="rect">
             <a:avLst/>
@@ -16716,7 +18332,21 @@
                 <a:latin typeface="Microsoft YaHei" panose="020B0503020204020204" pitchFamily="34" charset="-122"/>
                 <a:ea typeface="Microsoft YaHei" panose="020B0503020204020204" pitchFamily="34" charset="-122"/>
               </a:rPr>
-              <a:t>通过继承它实现多态，后期绑定，可以为将来要实现的东西做好接口，实现重用性。</a:t>
+              <a:t>直观定义：包含抽象方法的类，其他和普通类一样。声明时候多一个</a:t>
+            </a:r>
+            <a:r>
+              <a:rPr kumimoji="1" lang="en-US" altLang="zh-CN" sz="2400" dirty="0">
+                <a:latin typeface="Microsoft YaHei" panose="020B0503020204020204" pitchFamily="34" charset="-122"/>
+                <a:ea typeface="Microsoft YaHei" panose="020B0503020204020204" pitchFamily="34" charset="-122"/>
+              </a:rPr>
+              <a:t>abstract</a:t>
+            </a:r>
+            <a:r>
+              <a:rPr kumimoji="1" lang="zh-CN" altLang="en-US" sz="2400" dirty="0">
+                <a:latin typeface="Microsoft YaHei" panose="020B0503020204020204" pitchFamily="34" charset="-122"/>
+                <a:ea typeface="Microsoft YaHei" panose="020B0503020204020204" pitchFamily="34" charset="-122"/>
+              </a:rPr>
+              <a:t>关键字修饰。</a:t>
             </a:r>
             <a:endParaRPr kumimoji="1" lang="en-US" altLang="zh-CN" sz="2400" dirty="0">
               <a:latin typeface="Microsoft YaHei" panose="020B0503020204020204" pitchFamily="34" charset="-122"/>
@@ -16724,55 +18354,18 @@
             </a:endParaRPr>
           </a:p>
           <a:p>
-            <a:endParaRPr kumimoji="1" lang="en-US" altLang="zh-CN" sz="2400" dirty="0">
-              <a:latin typeface="Microsoft YaHei" panose="020B0503020204020204" pitchFamily="34" charset="-122"/>
-              <a:ea typeface="Microsoft YaHei" panose="020B0503020204020204" pitchFamily="34" charset="-122"/>
-            </a:endParaRPr>
-          </a:p>
-          <a:p>
-            <a:r>
-              <a:rPr kumimoji="1" lang="zh-CN" altLang="en-US" sz="2400" dirty="0">
-                <a:latin typeface="Microsoft YaHei" panose="020B0503020204020204" pitchFamily="34" charset="-122"/>
-                <a:ea typeface="Microsoft YaHei" panose="020B0503020204020204" pitchFamily="34" charset="-122"/>
-              </a:rPr>
-              <a:t>普通类作为父类和抽象类作为父类的区别：</a:t>
-            </a:r>
-            <a:endParaRPr kumimoji="1" lang="en-US" altLang="zh-CN" sz="2400" dirty="0">
-              <a:latin typeface="Microsoft YaHei" panose="020B0503020204020204" pitchFamily="34" charset="-122"/>
-              <a:ea typeface="Microsoft YaHei" panose="020B0503020204020204" pitchFamily="34" charset="-122"/>
-            </a:endParaRPr>
-          </a:p>
-          <a:p>
-            <a:pPr marL="342900" indent="-342900">
-              <a:buFont typeface="Arial" panose="020B0604020202020204" pitchFamily="34" charset="0"/>
-              <a:buChar char="•"/>
-            </a:pPr>
-            <a:r>
-              <a:rPr kumimoji="1" lang="zh-CN" altLang="en-US" sz="2400" dirty="0">
-                <a:latin typeface="Microsoft YaHei" panose="020B0503020204020204" pitchFamily="34" charset="-122"/>
-                <a:ea typeface="Microsoft YaHei" panose="020B0503020204020204" pitchFamily="34" charset="-122"/>
-              </a:rPr>
-              <a:t>普通类不强制子类去重写父类的方法，</a:t>
-            </a:r>
-            <a:endParaRPr kumimoji="1" lang="en-US" altLang="zh-CN" sz="2400" dirty="0">
-              <a:latin typeface="Microsoft YaHei" panose="020B0503020204020204" pitchFamily="34" charset="-122"/>
-              <a:ea typeface="Microsoft YaHei" panose="020B0503020204020204" pitchFamily="34" charset="-122"/>
-            </a:endParaRPr>
-          </a:p>
-          <a:p>
-            <a:pPr marL="342900" indent="-342900">
-              <a:buFont typeface="Arial" panose="020B0604020202020204" pitchFamily="34" charset="0"/>
-              <a:buChar char="•"/>
-            </a:pPr>
-            <a:r>
-              <a:rPr kumimoji="1" lang="zh-CN" altLang="en-US" sz="2400" dirty="0">
-                <a:latin typeface="Microsoft YaHei" panose="020B0503020204020204" pitchFamily="34" charset="-122"/>
-                <a:ea typeface="Microsoft YaHei" panose="020B0503020204020204" pitchFamily="34" charset="-122"/>
-              </a:rPr>
-              <a:t>抽象类是强制的，子类必须实现父类的方法，不然你也是</a:t>
+            <a:r>
+              <a:rPr kumimoji="1" lang="zh-CN" altLang="en-US" sz="2400" dirty="0">
+                <a:latin typeface="Microsoft YaHei" panose="020B0503020204020204" pitchFamily="34" charset="-122"/>
+                <a:ea typeface="Microsoft YaHei" panose="020B0503020204020204" pitchFamily="34" charset="-122"/>
+              </a:rPr>
+              <a:t>格式：  </a:t>
             </a:r>
             <a:r>
               <a:rPr kumimoji="1" lang="en-US" altLang="zh-CN" sz="2400" dirty="0">
+                <a:solidFill>
+                  <a:schemeClr val="accent2"/>
+                </a:solidFill>
                 <a:latin typeface="Microsoft YaHei" panose="020B0503020204020204" pitchFamily="34" charset="-122"/>
                 <a:ea typeface="Microsoft YaHei" panose="020B0503020204020204" pitchFamily="34" charset="-122"/>
               </a:rPr>
@@ -16783,7 +18376,21 @@
                 <a:latin typeface="Microsoft YaHei" panose="020B0503020204020204" pitchFamily="34" charset="-122"/>
                 <a:ea typeface="Microsoft YaHei" panose="020B0503020204020204" pitchFamily="34" charset="-122"/>
               </a:rPr>
-              <a:t>，没法创建对象。</a:t>
+              <a:t> </a:t>
+            </a:r>
+            <a:r>
+              <a:rPr kumimoji="1" lang="en-US" altLang="zh-CN" sz="2400" dirty="0">
+                <a:latin typeface="Microsoft YaHei" panose="020B0503020204020204" pitchFamily="34" charset="-122"/>
+                <a:ea typeface="Microsoft YaHei" panose="020B0503020204020204" pitchFamily="34" charset="-122"/>
+              </a:rPr>
+              <a:t>class</a:t>
+            </a:r>
+            <a:r>
+              <a:rPr kumimoji="1" lang="zh-CN" altLang="en-US" sz="2400" dirty="0">
+                <a:latin typeface="Microsoft YaHei" panose="020B0503020204020204" pitchFamily="34" charset="-122"/>
+                <a:ea typeface="Microsoft YaHei" panose="020B0503020204020204" pitchFamily="34" charset="-122"/>
+              </a:rPr>
+              <a:t> 类名</a:t>
             </a:r>
             <a:endParaRPr kumimoji="1" lang="en-US" altLang="zh-CN" sz="2400" dirty="0">
               <a:latin typeface="Microsoft YaHei" panose="020B0503020204020204" pitchFamily="34" charset="-122"/>
@@ -16806,8 +18413,8 @@
         </p:nvSpPr>
         <p:spPr>
           <a:xfrm>
-            <a:off x="5574096" y="6339168"/>
-            <a:ext cx="1627632" cy="369332"/>
+            <a:off x="8863584" y="4504986"/>
+            <a:ext cx="1627632" cy="1200329"/>
           </a:xfrm>
           <a:prstGeom prst="rect">
             <a:avLst/>
@@ -16828,15 +18435,93 @@
                   <a:schemeClr val="bg1"/>
                 </a:solidFill>
               </a:rPr>
-              <a:t>看示例代码</a:t>
-            </a:r>
-          </a:p>
-        </p:txBody>
-      </p:sp>
+              <a:t>看示例代码：</a:t>
+            </a:r>
+            <a:r>
+              <a:rPr kumimoji="1" lang="en-US" altLang="zh-CN" dirty="0">
+                <a:solidFill>
+                  <a:schemeClr val="bg1"/>
+                </a:solidFill>
+              </a:rPr>
+              <a:t>Person,</a:t>
+            </a:r>
+            <a:r>
+              <a:rPr kumimoji="1" lang="zh-CN" altLang="en-US" dirty="0">
+                <a:solidFill>
+                  <a:schemeClr val="bg1"/>
+                </a:solidFill>
+              </a:rPr>
+              <a:t> </a:t>
+            </a:r>
+            <a:r>
+              <a:rPr kumimoji="1" lang="en-US" altLang="zh-CN" dirty="0">
+                <a:solidFill>
+                  <a:schemeClr val="bg1"/>
+                </a:solidFill>
+              </a:rPr>
+              <a:t>Student,</a:t>
+            </a:r>
+            <a:r>
+              <a:rPr kumimoji="1" lang="zh-CN" altLang="en-US" dirty="0">
+                <a:solidFill>
+                  <a:schemeClr val="bg1"/>
+                </a:solidFill>
+              </a:rPr>
+              <a:t> </a:t>
+            </a:r>
+            <a:r>
+              <a:rPr kumimoji="1" lang="en-US" altLang="zh-CN" dirty="0">
+                <a:solidFill>
+                  <a:schemeClr val="bg1"/>
+                </a:solidFill>
+              </a:rPr>
+              <a:t>Teacher3</a:t>
+            </a:r>
+            <a:r>
+              <a:rPr kumimoji="1" lang="zh-CN" altLang="en-US" dirty="0">
+                <a:solidFill>
+                  <a:schemeClr val="bg1"/>
+                </a:solidFill>
+              </a:rPr>
+              <a:t>个类</a:t>
+            </a:r>
+          </a:p>
+        </p:txBody>
+      </p:sp>
+      <p:pic>
+        <p:nvPicPr>
+          <p:cNvPr id="7" name="图片 6">
+            <a:extLst>
+              <a:ext uri="{FF2B5EF4-FFF2-40B4-BE49-F238E27FC236}">
+                <a16:creationId xmlns:a16="http://schemas.microsoft.com/office/drawing/2014/main" id="{5899285A-0E14-3245-86B3-38CB537B1337}"/>
+              </a:ext>
+            </a:extLst>
+          </p:cNvPr>
+          <p:cNvPicPr>
+            <a:picLocks noChangeAspect="1"/>
+          </p:cNvPicPr>
+          <p:nvPr/>
+        </p:nvPicPr>
+        <p:blipFill>
+          <a:blip r:embed="rId4"/>
+          <a:stretch>
+            <a:fillRect/>
+          </a:stretch>
+        </p:blipFill>
+        <p:spPr>
+          <a:xfrm>
+            <a:off x="1779336" y="3429000"/>
+            <a:ext cx="4316664" cy="3352303"/>
+          </a:xfrm>
+          <a:prstGeom prst="rect">
+            <a:avLst/>
+          </a:prstGeom>
+        </p:spPr>
+      </p:pic>
     </p:spTree>
     <p:extLst>
       <p:ext uri="{BB962C8B-B14F-4D97-AF65-F5344CB8AC3E}">
-        <p14:creationId xmlns:p14="http://schemas.microsoft.com/office/powerpoint/2010/main" val="2813510044"/>
+        <p14:creationId xmlns:p14="http://schemas.microsoft.com/office/powerpoint/2010/main" val="2449901828"/>
       </p:ext>
     </p:extLst>
   </p:cSld>
@@ -16886,8 +18571,8 @@
         </p:nvSpPr>
         <p:spPr>
           <a:xfrm>
-            <a:off x="1989648" y="749808"/>
-            <a:ext cx="8727120" cy="830997"/>
+            <a:off x="2520000" y="720000"/>
+            <a:ext cx="7735824" cy="830997"/>
           </a:xfrm>
           <a:prstGeom prst="rect">
             <a:avLst/>
@@ -16906,10 +18591,9 @@
                 <a:latin typeface="Microsoft YaHei" panose="020B0503020204020204" pitchFamily="34" charset="-122"/>
                 <a:ea typeface="Microsoft YaHei" panose="020B0503020204020204" pitchFamily="34" charset="-122"/>
               </a:rPr>
-              <a:t>继承在高级编程语言中的含义</a:t>
+              <a:t>抽象类需要注意的几点</a:t>
             </a:r>
             <a:endParaRPr kumimoji="1" lang="en-US" altLang="zh-CN" sz="4800" dirty="0">
-              <a:latin typeface="Microsoft YaHei" panose="020B0503020204020204" pitchFamily="34" charset="-122"/>
               <a:ea typeface="Microsoft YaHei" panose="020B0503020204020204" pitchFamily="34" charset="-122"/>
             </a:endParaRPr>
           </a:p>
@@ -16929,8 +18613,8 @@
         </p:nvSpPr>
         <p:spPr>
           <a:xfrm>
-            <a:off x="1801368" y="2522387"/>
-            <a:ext cx="8924544" cy="1200329"/>
+            <a:off x="1633728" y="2103120"/>
+            <a:ext cx="8924544" cy="3351046"/>
           </a:xfrm>
           <a:prstGeom prst="rect">
             <a:avLst/>
@@ -16943,109 +18627,119 @@
           </a:bodyPr>
           <a:lstStyle/>
           <a:p>
-            <a:pPr marL="342900" indent="-342900">
-              <a:buFont typeface="Arial" panose="020B0604020202020204" pitchFamily="34" charset="0"/>
-              <a:buChar char="•"/>
+            <a:pPr marL="457200" indent="-457200">
+              <a:lnSpc>
+                <a:spcPct val="150000"/>
+              </a:lnSpc>
+              <a:buFont typeface="+mj-lt"/>
+              <a:buAutoNum type="arabicPeriod"/>
             </a:pPr>
             <a:r>
-              <a:rPr kumimoji="1" lang="zh-CN" altLang="en-US" sz="2400" dirty="0">
-                <a:latin typeface="Microsoft YaHei" panose="020B0503020204020204" pitchFamily="34" charset="-122"/>
-                <a:ea typeface="Microsoft YaHei" panose="020B0503020204020204" pitchFamily="34" charset="-122"/>
-              </a:rPr>
-              <a:t>利用已存在的类再扩展定义新的类，这称为继承 。</a:t>
+              <a:rPr lang="zh-CN" altLang="en-US" sz="2400" dirty="0">
+                <a:latin typeface="Microsoft YaHei" panose="020B0503020204020204" pitchFamily="34" charset="-122"/>
+                <a:ea typeface="Microsoft YaHei" panose="020B0503020204020204" pitchFamily="34" charset="-122"/>
+              </a:rPr>
+              <a:t>不可被实例化 ，也就是说不能直接用来 </a:t>
+            </a:r>
+            <a:r>
+              <a:rPr lang="en-US" altLang="zh-CN" sz="2400" dirty="0">
+                <a:latin typeface="Microsoft YaHei" panose="020B0503020204020204" pitchFamily="34" charset="-122"/>
+                <a:ea typeface="Microsoft YaHei" panose="020B0503020204020204" pitchFamily="34" charset="-122"/>
+              </a:rPr>
+              <a:t>new</a:t>
+            </a:r>
+            <a:r>
+              <a:rPr lang="zh-CN" altLang="en-US" sz="2400" dirty="0">
+                <a:latin typeface="Microsoft YaHei" panose="020B0503020204020204" pitchFamily="34" charset="-122"/>
+                <a:ea typeface="Microsoft YaHei" panose="020B0503020204020204" pitchFamily="34" charset="-122"/>
+              </a:rPr>
+              <a:t> </a:t>
+            </a:r>
+          </a:p>
+          <a:p>
+            <a:pPr marL="457200" indent="-457200">
+              <a:lnSpc>
+                <a:spcPct val="150000"/>
+              </a:lnSpc>
+              <a:buFont typeface="+mj-lt"/>
+              <a:buAutoNum type="arabicPeriod"/>
+            </a:pPr>
+            <a:r>
+              <a:rPr lang="zh-CN" altLang="en-US" sz="2400" dirty="0">
+                <a:latin typeface="Microsoft YaHei" panose="020B0503020204020204" pitchFamily="34" charset="-122"/>
+                <a:ea typeface="Microsoft YaHei" panose="020B0503020204020204" pitchFamily="34" charset="-122"/>
+              </a:rPr>
+              <a:t>抽象类是有构造器的（所有类都有构造器）</a:t>
+            </a:r>
+          </a:p>
+          <a:p>
+            <a:pPr marL="457200" indent="-457200">
+              <a:lnSpc>
+                <a:spcPct val="150000"/>
+              </a:lnSpc>
+              <a:buFont typeface="+mj-lt"/>
+              <a:buAutoNum type="arabicPeriod"/>
+            </a:pPr>
+            <a:r>
+              <a:rPr lang="zh-CN" altLang="en-US" sz="2400" dirty="0">
+                <a:latin typeface="Microsoft YaHei" panose="020B0503020204020204" pitchFamily="34" charset="-122"/>
+                <a:ea typeface="Microsoft YaHei" panose="020B0503020204020204" pitchFamily="34" charset="-122"/>
+              </a:rPr>
+              <a:t>抽象方法所在的类，一定是抽象类</a:t>
+            </a:r>
+            <a:endParaRPr lang="en-US" altLang="zh-CN" sz="2400" dirty="0">
+              <a:latin typeface="Microsoft YaHei" panose="020B0503020204020204" pitchFamily="34" charset="-122"/>
+              <a:ea typeface="Microsoft YaHei" panose="020B0503020204020204" pitchFamily="34" charset="-122"/>
+            </a:endParaRPr>
+          </a:p>
+          <a:p>
+            <a:pPr marL="457200" indent="-457200">
+              <a:lnSpc>
+                <a:spcPct val="150000"/>
+              </a:lnSpc>
+              <a:buFont typeface="+mj-lt"/>
+              <a:buAutoNum type="arabicPeriod"/>
+            </a:pPr>
+            <a:r>
+              <a:rPr lang="zh-CN" altLang="en-US" sz="2400" dirty="0">
+                <a:latin typeface="Microsoft YaHei" panose="020B0503020204020204" pitchFamily="34" charset="-122"/>
+                <a:ea typeface="Microsoft YaHei" panose="020B0503020204020204" pitchFamily="34" charset="-122"/>
+              </a:rPr>
+              <a:t>如果一个子类没有实现父类中的抽象方法，则子类也成为了一个抽象类</a:t>
+            </a:r>
+            <a:endParaRPr lang="en-US" altLang="zh-CN" sz="2400" dirty="0">
+              <a:latin typeface="Microsoft YaHei" panose="020B0503020204020204" pitchFamily="34" charset="-122"/>
+              <a:ea typeface="Microsoft YaHei" panose="020B0503020204020204" pitchFamily="34" charset="-122"/>
+            </a:endParaRPr>
+          </a:p>
+          <a:p>
+            <a:pPr marL="457200" indent="-457200">
+              <a:lnSpc>
+                <a:spcPct val="150000"/>
+              </a:lnSpc>
+              <a:buFont typeface="+mj-lt"/>
+              <a:buAutoNum type="arabicPeriod"/>
+            </a:pPr>
+            <a:r>
+              <a:rPr lang="zh-CN" altLang="en-US" sz="2400" dirty="0">
+                <a:latin typeface="Microsoft YaHei" panose="020B0503020204020204" pitchFamily="34" charset="-122"/>
+                <a:ea typeface="Microsoft YaHei" panose="020B0503020204020204" pitchFamily="34" charset="-122"/>
+              </a:rPr>
+              <a:t>抽象类可以没有抽象方法的</a:t>
             </a:r>
             <a:endParaRPr kumimoji="1" lang="en-US" altLang="zh-CN" sz="2400" dirty="0">
               <a:latin typeface="Microsoft YaHei" panose="020B0503020204020204" pitchFamily="34" charset="-122"/>
               <a:ea typeface="Microsoft YaHei" panose="020B0503020204020204" pitchFamily="34" charset="-122"/>
             </a:endParaRPr>
           </a:p>
-          <a:p>
-            <a:pPr marL="342900" indent="-342900">
-              <a:buFont typeface="Arial" panose="020B0604020202020204" pitchFamily="34" charset="0"/>
-              <a:buChar char="•"/>
-            </a:pPr>
-            <a:r>
-              <a:rPr kumimoji="1" lang="zh-CN" altLang="en-US" sz="2400" dirty="0">
-                <a:latin typeface="Microsoft YaHei" panose="020B0503020204020204" pitchFamily="34" charset="-122"/>
-                <a:ea typeface="Microsoft YaHei" panose="020B0503020204020204" pitchFamily="34" charset="-122"/>
-              </a:rPr>
-              <a:t>被继承的类</a:t>
-            </a:r>
-            <a:r>
-              <a:rPr kumimoji="1" lang="en-US" altLang="zh-CN" sz="2400" dirty="0">
-                <a:latin typeface="Microsoft YaHei" panose="020B0503020204020204" pitchFamily="34" charset="-122"/>
-                <a:ea typeface="Microsoft YaHei" panose="020B0503020204020204" pitchFamily="34" charset="-122"/>
-              </a:rPr>
-              <a:t>(</a:t>
-            </a:r>
-            <a:r>
-              <a:rPr kumimoji="1" lang="zh-CN" altLang="en-US" sz="2400" dirty="0">
-                <a:latin typeface="Microsoft YaHei" panose="020B0503020204020204" pitchFamily="34" charset="-122"/>
-                <a:ea typeface="Microsoft YaHei" panose="020B0503020204020204" pitchFamily="34" charset="-122"/>
-              </a:rPr>
-              <a:t> 已存在的类</a:t>
-            </a:r>
-            <a:r>
-              <a:rPr kumimoji="1" lang="en-US" altLang="zh-CN" sz="2400" dirty="0">
-                <a:latin typeface="Microsoft YaHei" panose="020B0503020204020204" pitchFamily="34" charset="-122"/>
-                <a:ea typeface="Microsoft YaHei" panose="020B0503020204020204" pitchFamily="34" charset="-122"/>
-              </a:rPr>
-              <a:t>)</a:t>
-            </a:r>
-            <a:r>
-              <a:rPr kumimoji="1" lang="zh-CN" altLang="en-US" sz="2400" dirty="0">
-                <a:latin typeface="Microsoft YaHei" panose="020B0503020204020204" pitchFamily="34" charset="-122"/>
-                <a:ea typeface="Microsoft YaHei" panose="020B0503020204020204" pitchFamily="34" charset="-122"/>
-              </a:rPr>
-              <a:t>  被称为父类或超类</a:t>
-            </a:r>
-            <a:r>
-              <a:rPr kumimoji="1" lang="en-US" altLang="zh-CN" sz="2400" dirty="0">
-                <a:latin typeface="Microsoft YaHei" panose="020B0503020204020204" pitchFamily="34" charset="-122"/>
-                <a:ea typeface="Microsoft YaHei" panose="020B0503020204020204" pitchFamily="34" charset="-122"/>
-              </a:rPr>
-              <a:t>(super</a:t>
-            </a:r>
-            <a:r>
-              <a:rPr kumimoji="1" lang="zh-CN" altLang="en-US" sz="2400" dirty="0">
-                <a:latin typeface="Microsoft YaHei" panose="020B0503020204020204" pitchFamily="34" charset="-122"/>
-                <a:ea typeface="Microsoft YaHei" panose="020B0503020204020204" pitchFamily="34" charset="-122"/>
-              </a:rPr>
-              <a:t> </a:t>
-            </a:r>
-            <a:r>
-              <a:rPr kumimoji="1" lang="en-US" altLang="zh-CN" sz="2400" dirty="0">
-                <a:latin typeface="Microsoft YaHei" panose="020B0503020204020204" pitchFamily="34" charset="-122"/>
-                <a:ea typeface="Microsoft YaHei" panose="020B0503020204020204" pitchFamily="34" charset="-122"/>
-              </a:rPr>
-              <a:t>class</a:t>
-            </a:r>
-          </a:p>
-          <a:p>
-            <a:pPr marL="342900" indent="-342900">
-              <a:buFont typeface="Arial" panose="020B0604020202020204" pitchFamily="34" charset="0"/>
-              <a:buChar char="•"/>
-            </a:pPr>
-            <a:r>
-              <a:rPr kumimoji="1" lang="zh-CN" altLang="en-US" sz="2400" dirty="0">
-                <a:latin typeface="Microsoft YaHei" panose="020B0503020204020204" pitchFamily="34" charset="-122"/>
-                <a:ea typeface="Microsoft YaHei" panose="020B0503020204020204" pitchFamily="34" charset="-122"/>
-              </a:rPr>
-              <a:t>扩展出的新类称为 子类</a:t>
-            </a:r>
-            <a:endParaRPr kumimoji="1" lang="en-US" altLang="zh-CN" sz="2400" dirty="0">
-              <a:latin typeface="Microsoft YaHei" panose="020B0503020204020204" pitchFamily="34" charset="-122"/>
-              <a:ea typeface="Microsoft YaHei" panose="020B0503020204020204" pitchFamily="34" charset="-122"/>
-            </a:endParaRPr>
-          </a:p>
-        </p:txBody>
-      </p:sp>
-      <p:sp>
-        <p:nvSpPr>
-          <p:cNvPr id="4" name="文本框 3">
+        </p:txBody>
+      </p:sp>
+      <p:sp>
+        <p:nvSpPr>
+          <p:cNvPr id="3" name="文本框 2">
             <a:extLst>
               <a:ext uri="{FF2B5EF4-FFF2-40B4-BE49-F238E27FC236}">
-                <a16:creationId xmlns:a16="http://schemas.microsoft.com/office/drawing/2014/main" id="{8173F999-E57C-0D49-B778-17EE65B44614}"/>
+                <a16:creationId xmlns:a16="http://schemas.microsoft.com/office/drawing/2014/main" id="{5CCFF940-CD29-5F4C-996D-E543226C3730}"/>
               </a:ext>
             </a:extLst>
           </p:cNvPr>
@@ -17054,8 +18748,8 @@
         </p:nvSpPr>
         <p:spPr>
           <a:xfrm>
-            <a:off x="10435176" y="3286053"/>
-            <a:ext cx="1623888" cy="923330"/>
+            <a:off x="5574096" y="6339168"/>
+            <a:ext cx="1627632" cy="369332"/>
           </a:xfrm>
           <a:prstGeom prst="rect">
             <a:avLst/>
@@ -17075,154 +18769,8 @@
                 <a:solidFill>
                   <a:schemeClr val="bg1"/>
                 </a:solidFill>
-                <a:latin typeface="Microsoft YaHei" panose="020B0503020204020204" pitchFamily="34" charset="-122"/>
-                <a:ea typeface="Microsoft YaHei" panose="020B0503020204020204" pitchFamily="34" charset="-122"/>
-              </a:rPr>
-              <a:t>为啥</a:t>
-            </a:r>
-            <a:r>
-              <a:rPr kumimoji="1" lang="en-US" altLang="zh-CN" dirty="0">
-                <a:solidFill>
-                  <a:schemeClr val="bg1"/>
-                </a:solidFill>
-                <a:latin typeface="Microsoft YaHei" panose="020B0503020204020204" pitchFamily="34" charset="-122"/>
-                <a:ea typeface="Microsoft YaHei" panose="020B0503020204020204" pitchFamily="34" charset="-122"/>
-              </a:rPr>
-              <a:t>super</a:t>
-            </a:r>
-            <a:r>
-              <a:rPr kumimoji="1" lang="zh-CN" altLang="en-US" dirty="0">
-                <a:solidFill>
-                  <a:schemeClr val="bg1"/>
-                </a:solidFill>
-                <a:latin typeface="Microsoft YaHei" panose="020B0503020204020204" pitchFamily="34" charset="-122"/>
-                <a:ea typeface="Microsoft YaHei" panose="020B0503020204020204" pitchFamily="34" charset="-122"/>
-              </a:rPr>
-              <a:t> </a:t>
-            </a:r>
-            <a:r>
-              <a:rPr kumimoji="1" lang="en-US" altLang="zh-CN" dirty="0">
-                <a:solidFill>
-                  <a:schemeClr val="bg1"/>
-                </a:solidFill>
-                <a:latin typeface="Microsoft YaHei" panose="020B0503020204020204" pitchFamily="34" charset="-122"/>
-                <a:ea typeface="Microsoft YaHei" panose="020B0503020204020204" pitchFamily="34" charset="-122"/>
-              </a:rPr>
-              <a:t>class</a:t>
-            </a:r>
-            <a:r>
-              <a:rPr kumimoji="1" lang="zh-CN" altLang="en-US" dirty="0">
-                <a:solidFill>
-                  <a:schemeClr val="bg1"/>
-                </a:solidFill>
-                <a:latin typeface="Microsoft YaHei" panose="020B0503020204020204" pitchFamily="34" charset="-122"/>
-                <a:ea typeface="Microsoft YaHei" panose="020B0503020204020204" pitchFamily="34" charset="-122"/>
-              </a:rPr>
-              <a:t> 不叫母类 而叫父类呢？</a:t>
-            </a:r>
-            <a:endParaRPr kumimoji="1" lang="zh-CN" altLang="en-US" dirty="0">
-              <a:solidFill>
-                <a:schemeClr val="bg1"/>
-              </a:solidFill>
-            </a:endParaRPr>
-          </a:p>
-        </p:txBody>
-      </p:sp>
-      <p:pic>
-        <p:nvPicPr>
-          <p:cNvPr id="7" name="图形 6" descr="有想法的人">
-            <a:extLst>
-              <a:ext uri="{FF2B5EF4-FFF2-40B4-BE49-F238E27FC236}">
-                <a16:creationId xmlns:a16="http://schemas.microsoft.com/office/drawing/2014/main" id="{A74423C7-D73C-9343-A412-1C19FE9F0657}"/>
-              </a:ext>
-            </a:extLst>
-          </p:cNvPr>
-          <p:cNvPicPr>
-            <a:picLocks noChangeAspect="1"/>
-          </p:cNvPicPr>
-          <p:nvPr/>
-        </p:nvPicPr>
-        <p:blipFill>
-          <a:blip r:embed="rId4">
-            <a:extLst>
-              <a:ext uri="{96DAC541-7B7A-43D3-8B79-37D633B846F1}">
-                <asvg:svgBlip xmlns:asvg="http://schemas.microsoft.com/office/drawing/2016/SVG/main" r:embed="rId5"/>
-              </a:ext>
-            </a:extLst>
-          </a:blip>
-          <a:stretch>
-            <a:fillRect/>
-          </a:stretch>
-        </p:blipFill>
-        <p:spPr>
-          <a:xfrm>
-            <a:off x="10332720" y="2220885"/>
-            <a:ext cx="914400" cy="914400"/>
-          </a:xfrm>
-          <a:prstGeom prst="rect">
-            <a:avLst/>
-          </a:prstGeom>
-        </p:spPr>
-      </p:pic>
-      <p:sp>
-        <p:nvSpPr>
-          <p:cNvPr id="8" name="文本框 7">
-            <a:extLst>
-              <a:ext uri="{FF2B5EF4-FFF2-40B4-BE49-F238E27FC236}">
-                <a16:creationId xmlns:a16="http://schemas.microsoft.com/office/drawing/2014/main" id="{A25735F0-9BDF-0C48-A323-A65219CA9E41}"/>
-              </a:ext>
-            </a:extLst>
-          </p:cNvPr>
-          <p:cNvSpPr txBox="1"/>
-          <p:nvPr/>
-        </p:nvSpPr>
-        <p:spPr>
-          <a:xfrm>
-            <a:off x="3325368" y="5629596"/>
-            <a:ext cx="5541264" cy="523220"/>
-          </a:xfrm>
-          <a:prstGeom prst="rect">
-            <a:avLst/>
-          </a:prstGeom>
-          <a:solidFill>
-            <a:schemeClr val="accent2"/>
-          </a:solidFill>
-        </p:spPr>
-        <p:txBody>
-          <a:bodyPr wrap="square" rtlCol="0">
-            <a:spAutoFit/>
-          </a:bodyPr>
-          <a:lstStyle/>
-          <a:p>
-            <a:r>
-              <a:rPr kumimoji="1" lang="zh-CN" altLang="en-US" sz="2800" dirty="0">
-                <a:solidFill>
-                  <a:schemeClr val="bg1"/>
-                </a:solidFill>
-                <a:latin typeface="Microsoft YaHei" panose="020B0503020204020204" pitchFamily="34" charset="-122"/>
-                <a:ea typeface="Microsoft YaHei" panose="020B0503020204020204" pitchFamily="34" charset="-122"/>
-              </a:rPr>
-              <a:t>上代码，看例子，以</a:t>
-            </a:r>
-            <a:r>
-              <a:rPr kumimoji="1" lang="en-US" altLang="zh-CN" sz="2800" dirty="0">
-                <a:solidFill>
-                  <a:schemeClr val="bg1"/>
-                </a:solidFill>
-                <a:latin typeface="Microsoft YaHei" panose="020B0503020204020204" pitchFamily="34" charset="-122"/>
-                <a:ea typeface="Microsoft YaHei" panose="020B0503020204020204" pitchFamily="34" charset="-122"/>
-              </a:rPr>
-              <a:t>Animal</a:t>
-            </a:r>
-            <a:r>
-              <a:rPr kumimoji="1" lang="zh-CN" altLang="en-US" sz="2800" dirty="0">
-                <a:solidFill>
-                  <a:schemeClr val="bg1"/>
-                </a:solidFill>
-                <a:latin typeface="Microsoft YaHei" panose="020B0503020204020204" pitchFamily="34" charset="-122"/>
-                <a:ea typeface="Microsoft YaHei" panose="020B0503020204020204" pitchFamily="34" charset="-122"/>
-              </a:rPr>
-              <a:t> 为例</a:t>
+              </a:rPr>
+              <a:t>看示例代码</a:t>
             </a:r>
           </a:p>
         </p:txBody>
@@ -17230,7 +18778,7 @@
     </p:spTree>
     <p:extLst>
       <p:ext uri="{BB962C8B-B14F-4D97-AF65-F5344CB8AC3E}">
-        <p14:creationId xmlns:p14="http://schemas.microsoft.com/office/powerpoint/2010/main" val="3787997153"/>
+        <p14:creationId xmlns:p14="http://schemas.microsoft.com/office/powerpoint/2010/main" val="407071317"/>
       </p:ext>
     </p:extLst>
   </p:cSld>
@@ -17280,8 +18828,8 @@
         </p:nvSpPr>
         <p:spPr>
           <a:xfrm>
-            <a:off x="1989648" y="749808"/>
-            <a:ext cx="8727120" cy="830997"/>
+            <a:off x="2157984" y="713232"/>
+            <a:ext cx="8562528" cy="830997"/>
           </a:xfrm>
           <a:prstGeom prst="rect">
             <a:avLst/>
@@ -17300,21 +18848,21 @@
                 <a:latin typeface="Microsoft YaHei" panose="020B0503020204020204" pitchFamily="34" charset="-122"/>
                 <a:ea typeface="Microsoft YaHei" panose="020B0503020204020204" pitchFamily="34" charset="-122"/>
               </a:rPr>
-              <a:t>关于抽象需要注意的</a:t>
+              <a:t>思考</a:t>
             </a:r>
             <a:r>
               <a:rPr kumimoji="1" lang="en-US" altLang="zh-CN" sz="4800" dirty="0">
                 <a:latin typeface="Microsoft YaHei" panose="020B0503020204020204" pitchFamily="34" charset="-122"/>
                 <a:ea typeface="Microsoft YaHei" panose="020B0503020204020204" pitchFamily="34" charset="-122"/>
               </a:rPr>
-              <a:t>6</a:t>
+              <a:t>1</a:t>
             </a:r>
             <a:r>
               <a:rPr kumimoji="1" lang="zh-CN" altLang="en-US" sz="4800" dirty="0">
                 <a:latin typeface="Microsoft YaHei" panose="020B0503020204020204" pitchFamily="34" charset="-122"/>
                 <a:ea typeface="Microsoft YaHei" panose="020B0503020204020204" pitchFamily="34" charset="-122"/>
               </a:rPr>
-              <a:t>点</a:t>
+              <a:t>：为什么要使用抽象类？</a:t>
             </a:r>
             <a:endParaRPr kumimoji="1" lang="en-US" altLang="zh-CN" sz="4800" dirty="0">
               <a:ea typeface="Microsoft YaHei" panose="020B0503020204020204" pitchFamily="34" charset="-122"/>
@@ -17336,8 +18884,8 @@
         </p:nvSpPr>
         <p:spPr>
           <a:xfrm>
-            <a:off x="1989648" y="1768810"/>
-            <a:ext cx="8924544" cy="4154984"/>
+            <a:off x="1633728" y="2103120"/>
+            <a:ext cx="8924544" cy="2308324"/>
           </a:xfrm>
           <a:prstGeom prst="rect">
             <a:avLst/>
@@ -17350,343 +18898,31 @@
           </a:bodyPr>
           <a:lstStyle/>
           <a:p>
-            <a:pPr marL="457200" indent="-457200">
-              <a:buFont typeface="+mj-lt"/>
-              <a:buAutoNum type="arabicPeriod"/>
-            </a:pPr>
+            <a:r>
+              <a:rPr kumimoji="1" lang="zh-CN" altLang="en-US" sz="2400" dirty="0">
+                <a:latin typeface="Microsoft YaHei" panose="020B0503020204020204" pitchFamily="34" charset="-122"/>
+                <a:ea typeface="Microsoft YaHei" panose="020B0503020204020204" pitchFamily="34" charset="-122"/>
+              </a:rPr>
+              <a:t>通过继承它实现多态，预先定义好接口，实现重用性。</a:t>
+            </a:r>
             <a:endParaRPr kumimoji="1" lang="en-US" altLang="zh-CN" sz="2400" dirty="0">
               <a:latin typeface="Microsoft YaHei" panose="020B0503020204020204" pitchFamily="34" charset="-122"/>
               <a:ea typeface="Microsoft YaHei" panose="020B0503020204020204" pitchFamily="34" charset="-122"/>
             </a:endParaRPr>
           </a:p>
           <a:p>
-            <a:pPr marL="457200" indent="-457200">
-              <a:buFont typeface="+mj-lt"/>
-              <a:buAutoNum type="arabicPeriod"/>
-            </a:pPr>
-            <a:r>
-              <a:rPr kumimoji="1" lang="zh-CN" altLang="en-US" sz="2400" dirty="0">
-                <a:latin typeface="Microsoft YaHei" panose="020B0503020204020204" pitchFamily="34" charset="-122"/>
-                <a:ea typeface="Microsoft YaHei" panose="020B0503020204020204" pitchFamily="34" charset="-122"/>
-              </a:rPr>
-              <a:t>子类在内容上</a:t>
-            </a:r>
-            <a:r>
-              <a:rPr kumimoji="1" lang="en-US" altLang="zh-CN" sz="2400" dirty="0">
-                <a:latin typeface="Microsoft YaHei" panose="020B0503020204020204" pitchFamily="34" charset="-122"/>
-                <a:ea typeface="Microsoft YaHei" panose="020B0503020204020204" pitchFamily="34" charset="-122"/>
-              </a:rPr>
-              <a:t>(</a:t>
-            </a:r>
-            <a:r>
-              <a:rPr kumimoji="1" lang="zh-CN" altLang="en-US" sz="2400" dirty="0">
-                <a:latin typeface="Microsoft YaHei" panose="020B0503020204020204" pitchFamily="34" charset="-122"/>
-                <a:ea typeface="Microsoft YaHei" panose="020B0503020204020204" pitchFamily="34" charset="-122"/>
-              </a:rPr>
-              <a:t>数据和方法</a:t>
-            </a:r>
-            <a:r>
-              <a:rPr kumimoji="1" lang="en-US" altLang="zh-CN" sz="2400" dirty="0">
-                <a:latin typeface="Microsoft YaHei" panose="020B0503020204020204" pitchFamily="34" charset="-122"/>
-                <a:ea typeface="Microsoft YaHei" panose="020B0503020204020204" pitchFamily="34" charset="-122"/>
-              </a:rPr>
-              <a:t>)</a:t>
-            </a:r>
-            <a:r>
-              <a:rPr kumimoji="1" lang="zh-CN" altLang="en-US" sz="2400" dirty="0">
-                <a:latin typeface="Microsoft YaHei" panose="020B0503020204020204" pitchFamily="34" charset="-122"/>
-                <a:ea typeface="Microsoft YaHei" panose="020B0503020204020204" pitchFamily="34" charset="-122"/>
-              </a:rPr>
-              <a:t> 通常比父类多。 父类有的，子类有，子类扩展出来的，父类是没有的。</a:t>
-            </a:r>
             <a:endParaRPr kumimoji="1" lang="en-US" altLang="zh-CN" sz="2400" dirty="0">
               <a:latin typeface="Microsoft YaHei" panose="020B0503020204020204" pitchFamily="34" charset="-122"/>
               <a:ea typeface="Microsoft YaHei" panose="020B0503020204020204" pitchFamily="34" charset="-122"/>
             </a:endParaRPr>
           </a:p>
           <a:p>
-            <a:pPr marL="457200" indent="-457200">
-              <a:buFont typeface="+mj-lt"/>
-              <a:buAutoNum type="arabicPeriod"/>
-            </a:pPr>
-            <a:r>
-              <a:rPr kumimoji="1" lang="zh-CN" altLang="en-US" sz="2400" dirty="0">
-                <a:latin typeface="Microsoft YaHei" panose="020B0503020204020204" pitchFamily="34" charset="-122"/>
-                <a:ea typeface="Microsoft YaHei" panose="020B0503020204020204" pitchFamily="34" charset="-122"/>
-              </a:rPr>
-              <a:t>父类中的</a:t>
-            </a:r>
-            <a:r>
-              <a:rPr kumimoji="1" lang="en-US" altLang="zh-CN" sz="2400" dirty="0">
-                <a:latin typeface="Microsoft YaHei" panose="020B0503020204020204" pitchFamily="34" charset="-122"/>
-                <a:ea typeface="Microsoft YaHei" panose="020B0503020204020204" pitchFamily="34" charset="-122"/>
-              </a:rPr>
-              <a:t>private</a:t>
-            </a:r>
-            <a:r>
-              <a:rPr kumimoji="1" lang="zh-CN" altLang="en-US" sz="2400" dirty="0">
-                <a:latin typeface="Microsoft YaHei" panose="020B0503020204020204" pitchFamily="34" charset="-122"/>
-                <a:ea typeface="Microsoft YaHei" panose="020B0503020204020204" pitchFamily="34" charset="-122"/>
-              </a:rPr>
-              <a:t>修饰的数据</a:t>
-            </a:r>
-            <a:r>
-              <a:rPr kumimoji="1" lang="en-US" altLang="zh-CN" sz="2400" dirty="0">
-                <a:latin typeface="Microsoft YaHei" panose="020B0503020204020204" pitchFamily="34" charset="-122"/>
-                <a:ea typeface="Microsoft YaHei" panose="020B0503020204020204" pitchFamily="34" charset="-122"/>
-              </a:rPr>
-              <a:t>/</a:t>
-            </a:r>
-            <a:r>
-              <a:rPr kumimoji="1" lang="zh-CN" altLang="en-US" sz="2400" dirty="0">
-                <a:latin typeface="Microsoft YaHei" panose="020B0503020204020204" pitchFamily="34" charset="-122"/>
-                <a:ea typeface="Microsoft YaHei" panose="020B0503020204020204" pitchFamily="34" charset="-122"/>
-              </a:rPr>
-              <a:t>方法是没法在子类中直接用，如果你想修改</a:t>
-            </a:r>
-            <a:r>
-              <a:rPr kumimoji="1" lang="en-US" altLang="zh-CN" sz="2400" dirty="0">
-                <a:latin typeface="Microsoft YaHei" panose="020B0503020204020204" pitchFamily="34" charset="-122"/>
-                <a:ea typeface="Microsoft YaHei" panose="020B0503020204020204" pitchFamily="34" charset="-122"/>
-              </a:rPr>
-              <a:t>/</a:t>
-            </a:r>
-            <a:r>
-              <a:rPr kumimoji="1" lang="zh-CN" altLang="en-US" sz="2400" dirty="0">
-                <a:latin typeface="Microsoft YaHei" panose="020B0503020204020204" pitchFamily="34" charset="-122"/>
-                <a:ea typeface="Microsoft YaHei" panose="020B0503020204020204" pitchFamily="34" charset="-122"/>
-              </a:rPr>
-              <a:t>访问父类的数据，请用父类提供的</a:t>
-            </a:r>
-            <a:r>
-              <a:rPr kumimoji="1" lang="en-US" altLang="zh-CN" sz="2400" dirty="0">
-                <a:latin typeface="Microsoft YaHei" panose="020B0503020204020204" pitchFamily="34" charset="-122"/>
-                <a:ea typeface="Microsoft YaHei" panose="020B0503020204020204" pitchFamily="34" charset="-122"/>
-              </a:rPr>
-              <a:t>set/get</a:t>
-            </a:r>
-            <a:r>
-              <a:rPr kumimoji="1" lang="zh-CN" altLang="en-US" sz="2400" dirty="0">
-                <a:latin typeface="Microsoft YaHei" panose="020B0503020204020204" pitchFamily="34" charset="-122"/>
-                <a:ea typeface="Microsoft YaHei" panose="020B0503020204020204" pitchFamily="34" charset="-122"/>
-              </a:rPr>
-              <a:t>类函数。或者用</a:t>
-            </a:r>
-            <a:r>
-              <a:rPr kumimoji="1" lang="en-US" altLang="zh-CN" sz="2400" dirty="0">
-                <a:latin typeface="Microsoft YaHei" panose="020B0503020204020204" pitchFamily="34" charset="-122"/>
-                <a:ea typeface="Microsoft YaHei" panose="020B0503020204020204" pitchFamily="34" charset="-122"/>
-              </a:rPr>
-              <a:t>protected</a:t>
-            </a:r>
-            <a:r>
-              <a:rPr kumimoji="1" lang="zh-CN" altLang="en-US" sz="2400" dirty="0">
-                <a:latin typeface="Microsoft YaHei" panose="020B0503020204020204" pitchFamily="34" charset="-122"/>
-                <a:ea typeface="Microsoft YaHei" panose="020B0503020204020204" pitchFamily="34" charset="-122"/>
-              </a:rPr>
-              <a:t>修饰</a:t>
-            </a:r>
-            <a:r>
-              <a:rPr kumimoji="1" lang="en-US" altLang="zh-CN" sz="2400" dirty="0">
-                <a:latin typeface="Microsoft YaHei" panose="020B0503020204020204" pitchFamily="34" charset="-122"/>
-                <a:ea typeface="Microsoft YaHei" panose="020B0503020204020204" pitchFamily="34" charset="-122"/>
-              </a:rPr>
-              <a:t>(</a:t>
-            </a:r>
-            <a:r>
-              <a:rPr kumimoji="1" lang="zh-CN" altLang="en-US" sz="2400" dirty="0">
-                <a:latin typeface="Microsoft YaHei" panose="020B0503020204020204" pitchFamily="34" charset="-122"/>
-                <a:ea typeface="Microsoft YaHei" panose="020B0503020204020204" pitchFamily="34" charset="-122"/>
-              </a:rPr>
-              <a:t>后面会讲到</a:t>
-            </a:r>
-            <a:r>
-              <a:rPr kumimoji="1" lang="en-US" altLang="zh-CN" sz="2400" dirty="0">
-                <a:latin typeface="Microsoft YaHei" panose="020B0503020204020204" pitchFamily="34" charset="-122"/>
-                <a:ea typeface="Microsoft YaHei" panose="020B0503020204020204" pitchFamily="34" charset="-122"/>
-              </a:rPr>
-              <a:t>)</a:t>
-            </a:r>
-          </a:p>
-          <a:p>
-            <a:pPr marL="457200" indent="-457200">
-              <a:buFont typeface="+mj-lt"/>
-              <a:buAutoNum type="arabicPeriod"/>
-            </a:pPr>
-            <a:r>
-              <a:rPr kumimoji="1" lang="zh-CN" altLang="en-US" sz="2400" dirty="0">
-                <a:latin typeface="Microsoft YaHei" panose="020B0503020204020204" pitchFamily="34" charset="-122"/>
-                <a:ea typeface="Microsoft YaHei" panose="020B0503020204020204" pitchFamily="34" charset="-122"/>
-              </a:rPr>
-              <a:t>继承是 ”</a:t>
-            </a:r>
-            <a:r>
-              <a:rPr kumimoji="1" lang="en-US" altLang="zh-CN" sz="2400" dirty="0">
-                <a:latin typeface="Microsoft YaHei" panose="020B0503020204020204" pitchFamily="34" charset="-122"/>
-                <a:ea typeface="Microsoft YaHei" panose="020B0503020204020204" pitchFamily="34" charset="-122"/>
-              </a:rPr>
-              <a:t>is</a:t>
-            </a:r>
-            <a:r>
-              <a:rPr kumimoji="1" lang="zh-CN" altLang="en-US" sz="2400" dirty="0">
-                <a:latin typeface="Microsoft YaHei" panose="020B0503020204020204" pitchFamily="34" charset="-122"/>
-                <a:ea typeface="Microsoft YaHei" panose="020B0503020204020204" pitchFamily="34" charset="-122"/>
-              </a:rPr>
-              <a:t> </a:t>
-            </a:r>
-            <a:r>
-              <a:rPr kumimoji="1" lang="en-US" altLang="zh-CN" sz="2400" dirty="0">
-                <a:latin typeface="Microsoft YaHei" panose="020B0503020204020204" pitchFamily="34" charset="-122"/>
-                <a:ea typeface="Microsoft YaHei" panose="020B0503020204020204" pitchFamily="34" charset="-122"/>
-              </a:rPr>
-              <a:t>a</a:t>
-            </a:r>
-            <a:r>
-              <a:rPr kumimoji="1" lang="zh-CN" altLang="en-US" sz="2400" dirty="0">
-                <a:latin typeface="Microsoft YaHei" panose="020B0503020204020204" pitchFamily="34" charset="-122"/>
-                <a:ea typeface="Microsoft YaHei" panose="020B0503020204020204" pitchFamily="34" charset="-122"/>
-              </a:rPr>
-              <a:t>“ </a:t>
-            </a:r>
-            <a:r>
-              <a:rPr kumimoji="1" lang="en-US" altLang="zh-CN" sz="2400" dirty="0">
-                <a:latin typeface="Microsoft YaHei" panose="020B0503020204020204" pitchFamily="34" charset="-122"/>
-                <a:ea typeface="Microsoft YaHei" panose="020B0503020204020204" pitchFamily="34" charset="-122"/>
-              </a:rPr>
-              <a:t>(</a:t>
-            </a:r>
-            <a:r>
-              <a:rPr kumimoji="1" lang="zh-CN" altLang="en-US" sz="2400" dirty="0">
-                <a:latin typeface="Microsoft YaHei" panose="020B0503020204020204" pitchFamily="34" charset="-122"/>
-                <a:ea typeface="Microsoft YaHei" panose="020B0503020204020204" pitchFamily="34" charset="-122"/>
-              </a:rPr>
-              <a:t>是一种</a:t>
-            </a:r>
-            <a:r>
-              <a:rPr kumimoji="1" lang="en-US" altLang="zh-CN" sz="2400" dirty="0">
-                <a:latin typeface="Microsoft YaHei" panose="020B0503020204020204" pitchFamily="34" charset="-122"/>
-                <a:ea typeface="Microsoft YaHei" panose="020B0503020204020204" pitchFamily="34" charset="-122"/>
-              </a:rPr>
-              <a:t>)</a:t>
-            </a:r>
-            <a:r>
-              <a:rPr kumimoji="1" lang="zh-CN" altLang="en-US" sz="2400" dirty="0">
-                <a:latin typeface="Microsoft YaHei" panose="020B0503020204020204" pitchFamily="34" charset="-122"/>
-                <a:ea typeface="Microsoft YaHei" panose="020B0503020204020204" pitchFamily="34" charset="-122"/>
-              </a:rPr>
-              <a:t> 关系，</a:t>
-            </a:r>
-            <a:r>
-              <a:rPr kumimoji="1" lang="en-US" altLang="zh-CN" sz="2400" dirty="0">
-                <a:latin typeface="Microsoft YaHei" panose="020B0503020204020204" pitchFamily="34" charset="-122"/>
-                <a:ea typeface="Microsoft YaHei" panose="020B0503020204020204" pitchFamily="34" charset="-122"/>
-              </a:rPr>
-              <a:t>Person</a:t>
-            </a:r>
-            <a:r>
-              <a:rPr kumimoji="1" lang="zh-CN" altLang="en-US" sz="2400" dirty="0">
-                <a:latin typeface="Microsoft YaHei" panose="020B0503020204020204" pitchFamily="34" charset="-122"/>
-                <a:ea typeface="Microsoft YaHei" panose="020B0503020204020204" pitchFamily="34" charset="-122"/>
-              </a:rPr>
-              <a:t>类和</a:t>
-            </a:r>
-            <a:r>
-              <a:rPr kumimoji="1" lang="en-US" altLang="zh-CN" sz="2400" dirty="0">
-                <a:latin typeface="Microsoft YaHei" panose="020B0503020204020204" pitchFamily="34" charset="-122"/>
-                <a:ea typeface="Microsoft YaHei" panose="020B0503020204020204" pitchFamily="34" charset="-122"/>
-              </a:rPr>
-              <a:t>Boy/Girl</a:t>
-            </a:r>
-            <a:r>
-              <a:rPr kumimoji="1" lang="zh-CN" altLang="en-US" sz="2400" dirty="0">
-                <a:latin typeface="Microsoft YaHei" panose="020B0503020204020204" pitchFamily="34" charset="-122"/>
-                <a:ea typeface="Microsoft YaHei" panose="020B0503020204020204" pitchFamily="34" charset="-122"/>
-              </a:rPr>
-              <a:t> 类是 父子关系，</a:t>
-            </a:r>
-            <a:r>
-              <a:rPr kumimoji="1" lang="en-US" altLang="zh-CN" sz="2400" dirty="0">
-                <a:latin typeface="Microsoft YaHei" panose="020B0503020204020204" pitchFamily="34" charset="-122"/>
-                <a:ea typeface="Microsoft YaHei" panose="020B0503020204020204" pitchFamily="34" charset="-122"/>
-              </a:rPr>
-              <a:t>School</a:t>
-            </a:r>
-            <a:r>
-              <a:rPr kumimoji="1" lang="zh-CN" altLang="en-US" sz="2400" dirty="0">
-                <a:latin typeface="Microsoft YaHei" panose="020B0503020204020204" pitchFamily="34" charset="-122"/>
-                <a:ea typeface="Microsoft YaHei" panose="020B0503020204020204" pitchFamily="34" charset="-122"/>
-              </a:rPr>
-              <a:t> 和 </a:t>
-            </a:r>
-            <a:r>
-              <a:rPr kumimoji="1" lang="en-US" altLang="zh-CN" sz="2400" dirty="0">
-                <a:latin typeface="Microsoft YaHei" panose="020B0503020204020204" pitchFamily="34" charset="-122"/>
-                <a:ea typeface="Microsoft YaHei" panose="020B0503020204020204" pitchFamily="34" charset="-122"/>
-              </a:rPr>
-              <a:t>HMC(</a:t>
-            </a:r>
-            <a:r>
-              <a:rPr kumimoji="1" lang="zh-CN" altLang="en-US" sz="2400" dirty="0">
-                <a:latin typeface="Microsoft YaHei" panose="020B0503020204020204" pitchFamily="34" charset="-122"/>
-                <a:ea typeface="Microsoft YaHei" panose="020B0503020204020204" pitchFamily="34" charset="-122"/>
-              </a:rPr>
-              <a:t>杭医</a:t>
-            </a:r>
-            <a:r>
-              <a:rPr kumimoji="1" lang="en-US" altLang="zh-CN" sz="2400" dirty="0">
-                <a:latin typeface="Microsoft YaHei" panose="020B0503020204020204" pitchFamily="34" charset="-122"/>
-                <a:ea typeface="Microsoft YaHei" panose="020B0503020204020204" pitchFamily="34" charset="-122"/>
-              </a:rPr>
-              <a:t>)</a:t>
-            </a:r>
-            <a:r>
-              <a:rPr kumimoji="1" lang="zh-CN" altLang="en-US" sz="2400" dirty="0">
-                <a:latin typeface="Microsoft YaHei" panose="020B0503020204020204" pitchFamily="34" charset="-122"/>
-                <a:ea typeface="Microsoft YaHei" panose="020B0503020204020204" pitchFamily="34" charset="-122"/>
-              </a:rPr>
-              <a:t> 是父子关系，父子关系因为</a:t>
-            </a:r>
-            <a:r>
-              <a:rPr kumimoji="1" lang="en-US" altLang="zh-CN" sz="2400" dirty="0">
-                <a:latin typeface="Microsoft YaHei" panose="020B0503020204020204" pitchFamily="34" charset="-122"/>
-                <a:ea typeface="Microsoft YaHei" panose="020B0503020204020204" pitchFamily="34" charset="-122"/>
-              </a:rPr>
-              <a:t>2</a:t>
-            </a:r>
-            <a:r>
-              <a:rPr kumimoji="1" lang="zh-CN" altLang="en-US" sz="2400" dirty="0">
-                <a:latin typeface="Microsoft YaHei" panose="020B0503020204020204" pitchFamily="34" charset="-122"/>
-                <a:ea typeface="Microsoft YaHei" panose="020B0503020204020204" pitchFamily="34" charset="-122"/>
-              </a:rPr>
-              <a:t>者具备高度相似性，子类可以重用父类的属性和方法，但如果你想从</a:t>
-            </a:r>
-            <a:r>
-              <a:rPr kumimoji="1" lang="en-US" altLang="zh-CN" sz="2400" dirty="0">
-                <a:latin typeface="Microsoft YaHei" panose="020B0503020204020204" pitchFamily="34" charset="-122"/>
-                <a:ea typeface="Microsoft YaHei" panose="020B0503020204020204" pitchFamily="34" charset="-122"/>
-              </a:rPr>
-              <a:t>Person</a:t>
-            </a:r>
-            <a:r>
-              <a:rPr kumimoji="1" lang="zh-CN" altLang="en-US" sz="2400" dirty="0">
-                <a:latin typeface="Microsoft YaHei" panose="020B0503020204020204" pitchFamily="34" charset="-122"/>
-                <a:ea typeface="Microsoft YaHei" panose="020B0503020204020204" pitchFamily="34" charset="-122"/>
-              </a:rPr>
-              <a:t> 扩展出 </a:t>
-            </a:r>
-            <a:r>
-              <a:rPr kumimoji="1" lang="en-US" altLang="zh-CN" sz="2400" dirty="0">
-                <a:latin typeface="Microsoft YaHei" panose="020B0503020204020204" pitchFamily="34" charset="-122"/>
-                <a:ea typeface="Microsoft YaHei" panose="020B0503020204020204" pitchFamily="34" charset="-122"/>
-              </a:rPr>
-              <a:t>HMC</a:t>
-            </a:r>
-            <a:r>
-              <a:rPr kumimoji="1" lang="zh-CN" altLang="en-US" sz="2400" dirty="0">
-                <a:latin typeface="Microsoft YaHei" panose="020B0503020204020204" pitchFamily="34" charset="-122"/>
-                <a:ea typeface="Microsoft YaHei" panose="020B0503020204020204" pitchFamily="34" charset="-122"/>
-              </a:rPr>
-              <a:t> 就没有任何的意义。</a:t>
+            <a:r>
+              <a:rPr kumimoji="1" lang="zh-CN" altLang="en-US" sz="2400" dirty="0">
+                <a:latin typeface="Microsoft YaHei" panose="020B0503020204020204" pitchFamily="34" charset="-122"/>
+                <a:ea typeface="Microsoft YaHei" panose="020B0503020204020204" pitchFamily="34" charset="-122"/>
+              </a:rPr>
+              <a:t>普通类作为父类和抽象类作为父类的区别：</a:t>
             </a:r>
             <a:endParaRPr kumimoji="1" lang="en-US" altLang="zh-CN" sz="2400" dirty="0">
               <a:latin typeface="Microsoft YaHei" panose="020B0503020204020204" pitchFamily="34" charset="-122"/>
@@ -17694,21 +18930,100 @@
             </a:endParaRPr>
           </a:p>
           <a:p>
-            <a:pPr marL="457200" indent="-457200">
-              <a:buFont typeface="+mj-lt"/>
-              <a:buAutoNum type="arabicPeriod"/>
+            <a:pPr marL="342900" indent="-342900">
+              <a:buFont typeface="Arial" panose="020B0604020202020204" pitchFamily="34" charset="0"/>
+              <a:buChar char="•"/>
             </a:pPr>
-            <a:endParaRPr kumimoji="1" lang="zh-CN" altLang="en-US" sz="2400" dirty="0">
+            <a:r>
+              <a:rPr kumimoji="1" lang="zh-CN" altLang="en-US" sz="2400" dirty="0">
+                <a:latin typeface="Microsoft YaHei" panose="020B0503020204020204" pitchFamily="34" charset="-122"/>
+                <a:ea typeface="Microsoft YaHei" panose="020B0503020204020204" pitchFamily="34" charset="-122"/>
+              </a:rPr>
+              <a:t>普通类不强制子类去重写父类的方法，</a:t>
+            </a:r>
+            <a:endParaRPr kumimoji="1" lang="en-US" altLang="zh-CN" sz="2400" dirty="0">
               <a:latin typeface="Microsoft YaHei" panose="020B0503020204020204" pitchFamily="34" charset="-122"/>
               <a:ea typeface="Microsoft YaHei" panose="020B0503020204020204" pitchFamily="34" charset="-122"/>
             </a:endParaRPr>
           </a:p>
+          <a:p>
+            <a:pPr marL="342900" indent="-342900">
+              <a:buFont typeface="Arial" panose="020B0604020202020204" pitchFamily="34" charset="0"/>
+              <a:buChar char="•"/>
+            </a:pPr>
+            <a:r>
+              <a:rPr kumimoji="1" lang="zh-CN" altLang="en-US" sz="2400" dirty="0">
+                <a:latin typeface="Microsoft YaHei" panose="020B0503020204020204" pitchFamily="34" charset="-122"/>
+                <a:ea typeface="Microsoft YaHei" panose="020B0503020204020204" pitchFamily="34" charset="-122"/>
+              </a:rPr>
+              <a:t>抽象类是强制的，子类必须实现父类的方法，不然你也是</a:t>
+            </a:r>
+            <a:r>
+              <a:rPr kumimoji="1" lang="en-US" altLang="zh-CN" sz="2400" dirty="0">
+                <a:latin typeface="Microsoft YaHei" panose="020B0503020204020204" pitchFamily="34" charset="-122"/>
+                <a:ea typeface="Microsoft YaHei" panose="020B0503020204020204" pitchFamily="34" charset="-122"/>
+              </a:rPr>
+              <a:t>abstract</a:t>
+            </a:r>
+            <a:r>
+              <a:rPr kumimoji="1" lang="zh-CN" altLang="en-US" sz="2400" dirty="0">
+                <a:latin typeface="Microsoft YaHei" panose="020B0503020204020204" pitchFamily="34" charset="-122"/>
+                <a:ea typeface="Microsoft YaHei" panose="020B0503020204020204" pitchFamily="34" charset="-122"/>
+              </a:rPr>
+              <a:t>，没法创建对象。</a:t>
+            </a:r>
+            <a:endParaRPr kumimoji="1" lang="en-US" altLang="zh-CN" sz="2400" dirty="0">
+              <a:latin typeface="Microsoft YaHei" panose="020B0503020204020204" pitchFamily="34" charset="-122"/>
+              <a:ea typeface="Microsoft YaHei" panose="020B0503020204020204" pitchFamily="34" charset="-122"/>
+            </a:endParaRPr>
+          </a:p>
+        </p:txBody>
+      </p:sp>
+      <p:sp>
+        <p:nvSpPr>
+          <p:cNvPr id="3" name="文本框 2">
+            <a:extLst>
+              <a:ext uri="{FF2B5EF4-FFF2-40B4-BE49-F238E27FC236}">
+                <a16:creationId xmlns:a16="http://schemas.microsoft.com/office/drawing/2014/main" id="{5CCFF940-CD29-5F4C-996D-E543226C3730}"/>
+              </a:ext>
+            </a:extLst>
+          </p:cNvPr>
+          <p:cNvSpPr txBox="1"/>
+          <p:nvPr/>
+        </p:nvSpPr>
+        <p:spPr>
+          <a:xfrm>
+            <a:off x="5574096" y="6339168"/>
+            <a:ext cx="1627632" cy="369332"/>
+          </a:xfrm>
+          <a:prstGeom prst="rect">
+            <a:avLst/>
+          </a:prstGeom>
+          <a:solidFill>
+            <a:schemeClr val="accent2"/>
+          </a:solidFill>
+        </p:spPr>
+        <p:txBody>
+          <a:bodyPr wrap="square" rtlCol="0">
+            <a:spAutoFit/>
+          </a:bodyPr>
+          <a:lstStyle/>
+          <a:p>
+            <a:r>
+              <a:rPr kumimoji="1" lang="zh-CN" altLang="en-US" dirty="0">
+                <a:solidFill>
+                  <a:schemeClr val="bg1"/>
+                </a:solidFill>
+              </a:rPr>
+              <a:t>看示例代码</a:t>
+            </a:r>
+          </a:p>
         </p:txBody>
       </p:sp>
     </p:spTree>
     <p:extLst>
       <p:ext uri="{BB962C8B-B14F-4D97-AF65-F5344CB8AC3E}">
-        <p14:creationId xmlns:p14="http://schemas.microsoft.com/office/powerpoint/2010/main" val="2305744253"/>
+        <p14:creationId xmlns:p14="http://schemas.microsoft.com/office/powerpoint/2010/main" val="2813510044"/>
       </p:ext>
     </p:extLst>
   </p:cSld>
@@ -17758,8 +19073,8 @@
         </p:nvSpPr>
         <p:spPr>
           <a:xfrm>
-            <a:off x="1989648" y="749808"/>
-            <a:ext cx="8727120" cy="830997"/>
+            <a:off x="1686024" y="631327"/>
+            <a:ext cx="9842688" cy="1577288"/>
           </a:xfrm>
           <a:prstGeom prst="rect">
             <a:avLst/>
@@ -17778,21 +19093,35 @@
                 <a:latin typeface="Microsoft YaHei" panose="020B0503020204020204" pitchFamily="34" charset="-122"/>
                 <a:ea typeface="Microsoft YaHei" panose="020B0503020204020204" pitchFamily="34" charset="-122"/>
               </a:rPr>
-              <a:t>关于父类和子类需要注意</a:t>
+              <a:t>思考</a:t>
             </a:r>
             <a:r>
               <a:rPr kumimoji="1" lang="en-US" altLang="zh-CN" sz="4800" dirty="0">
                 <a:latin typeface="Microsoft YaHei" panose="020B0503020204020204" pitchFamily="34" charset="-122"/>
                 <a:ea typeface="Microsoft YaHei" panose="020B0503020204020204" pitchFamily="34" charset="-122"/>
               </a:rPr>
-              <a:t>6</a:t>
+              <a:t>2</a:t>
             </a:r>
             <a:r>
               <a:rPr kumimoji="1" lang="zh-CN" altLang="en-US" sz="4800" dirty="0">
                 <a:latin typeface="Microsoft YaHei" panose="020B0503020204020204" pitchFamily="34" charset="-122"/>
                 <a:ea typeface="Microsoft YaHei" panose="020B0503020204020204" pitchFamily="34" charset="-122"/>
               </a:rPr>
-              <a:t>点</a:t>
+              <a:t>：既然抽象类不能</a:t>
+            </a:r>
+            <a:r>
+              <a:rPr kumimoji="1" lang="en-US" altLang="zh-CN" sz="4800" dirty="0">
+                <a:latin typeface="Microsoft YaHei" panose="020B0503020204020204" pitchFamily="34" charset="-122"/>
+                <a:ea typeface="Microsoft YaHei" panose="020B0503020204020204" pitchFamily="34" charset="-122"/>
+              </a:rPr>
+              <a:t>new</a:t>
+            </a:r>
+            <a:r>
+              <a:rPr kumimoji="1" lang="zh-CN" altLang="en-US" sz="4800" dirty="0">
+                <a:latin typeface="Microsoft YaHei" panose="020B0503020204020204" pitchFamily="34" charset="-122"/>
+                <a:ea typeface="Microsoft YaHei" panose="020B0503020204020204" pitchFamily="34" charset="-122"/>
+              </a:rPr>
+              <a:t>对象，那为何要有构造函数呢？</a:t>
             </a:r>
             <a:endParaRPr kumimoji="1" lang="en-US" altLang="zh-CN" sz="4800" dirty="0">
               <a:ea typeface="Microsoft YaHei" panose="020B0503020204020204" pitchFamily="34" charset="-122"/>
@@ -17814,8 +19143,8 @@
         </p:nvSpPr>
         <p:spPr>
           <a:xfrm>
-            <a:off x="1771584" y="2226010"/>
-            <a:ext cx="8924544" cy="3416320"/>
+            <a:off x="1925640" y="2671718"/>
+            <a:ext cx="8924544" cy="1200329"/>
           </a:xfrm>
           <a:prstGeom prst="rect">
             <a:avLst/>
@@ -17829,122 +19158,59 @@
           <a:lstStyle/>
           <a:p>
             <a:r>
+              <a:rPr kumimoji="1" lang="zh-CN" altLang="en-US" sz="2400" dirty="0">
+                <a:latin typeface="Microsoft YaHei" panose="020B0503020204020204" pitchFamily="34" charset="-122"/>
+                <a:ea typeface="Microsoft YaHei" panose="020B0503020204020204" pitchFamily="34" charset="-122"/>
+              </a:rPr>
+              <a:t>虽然抽象类不能用</a:t>
+            </a:r>
+            <a:r>
               <a:rPr kumimoji="1" lang="en-US" altLang="zh-CN" sz="2400" dirty="0">
                 <a:latin typeface="Microsoft YaHei" panose="020B0503020204020204" pitchFamily="34" charset="-122"/>
                 <a:ea typeface="Microsoft YaHei" panose="020B0503020204020204" pitchFamily="34" charset="-122"/>
               </a:rPr>
-              <a:t>5.</a:t>
-            </a:r>
-            <a:r>
-              <a:rPr kumimoji="1" lang="zh-CN" altLang="en-US" sz="2400" dirty="0">
-                <a:latin typeface="Microsoft YaHei" panose="020B0503020204020204" pitchFamily="34" charset="-122"/>
-                <a:ea typeface="Microsoft YaHei" panose="020B0503020204020204" pitchFamily="34" charset="-122"/>
-              </a:rPr>
-              <a:t> 不是现实中所有的 </a:t>
+              <a:t>new</a:t>
+            </a:r>
+            <a:r>
+              <a:rPr kumimoji="1" lang="zh-CN" altLang="en-US" sz="2400" dirty="0">
+                <a:latin typeface="Microsoft YaHei" panose="020B0503020204020204" pitchFamily="34" charset="-122"/>
+                <a:ea typeface="Microsoft YaHei" panose="020B0503020204020204" pitchFamily="34" charset="-122"/>
+              </a:rPr>
+              <a:t>实例化，但当你实例化抽象类子类的时候抽象类是会被实例化的，子类的构造函数可以用</a:t>
             </a:r>
             <a:r>
               <a:rPr kumimoji="1" lang="en-US" altLang="zh-CN" sz="2400" dirty="0">
                 <a:latin typeface="Microsoft YaHei" panose="020B0503020204020204" pitchFamily="34" charset="-122"/>
                 <a:ea typeface="Microsoft YaHei" panose="020B0503020204020204" pitchFamily="34" charset="-122"/>
               </a:rPr>
-              <a:t>“is</a:t>
-            </a:r>
-            <a:r>
-              <a:rPr kumimoji="1" lang="zh-CN" altLang="en-US" sz="2400" dirty="0">
-                <a:latin typeface="Microsoft YaHei" panose="020B0503020204020204" pitchFamily="34" charset="-122"/>
-                <a:ea typeface="Microsoft YaHei" panose="020B0503020204020204" pitchFamily="34" charset="-122"/>
-              </a:rPr>
-              <a:t> </a:t>
+              <a:t>super()</a:t>
+            </a:r>
+            <a:r>
+              <a:rPr kumimoji="1" lang="zh-CN" altLang="en-US" sz="2400" dirty="0">
+                <a:latin typeface="Microsoft YaHei" panose="020B0503020204020204" pitchFamily="34" charset="-122"/>
+                <a:ea typeface="Microsoft YaHei" panose="020B0503020204020204" pitchFamily="34" charset="-122"/>
+              </a:rPr>
+              <a:t>方法来调用抽象类中的构造方法，来初始化抽象类中的数据</a:t>
             </a:r>
             <a:r>
               <a:rPr kumimoji="1" lang="en-US" altLang="zh-CN" sz="2400" dirty="0">
                 <a:latin typeface="Microsoft YaHei" panose="020B0503020204020204" pitchFamily="34" charset="-122"/>
                 <a:ea typeface="Microsoft YaHei" panose="020B0503020204020204" pitchFamily="34" charset="-122"/>
               </a:rPr>
-              <a:t>a”</a:t>
-            </a:r>
-            <a:r>
-              <a:rPr kumimoji="1" lang="zh-CN" altLang="en-US" sz="2400" dirty="0">
-                <a:latin typeface="Microsoft YaHei" panose="020B0503020204020204" pitchFamily="34" charset="-122"/>
-                <a:ea typeface="Microsoft YaHei" panose="020B0503020204020204" pitchFamily="34" charset="-122"/>
-              </a:rPr>
-              <a:t> 的两个类可以形成父子类关系，比如 矩形 和 正方形，现实生活中，正方形 </a:t>
+              <a:t>(</a:t>
+            </a:r>
+            <a:r>
+              <a:rPr kumimoji="1" lang="zh-CN" altLang="en-US" sz="2400" dirty="0">
+                <a:latin typeface="Microsoft YaHei" panose="020B0503020204020204" pitchFamily="34" charset="-122"/>
+                <a:ea typeface="Microsoft YaHei" panose="020B0503020204020204" pitchFamily="34" charset="-122"/>
+              </a:rPr>
+              <a:t>属性</a:t>
             </a:r>
             <a:r>
               <a:rPr kumimoji="1" lang="en-US" altLang="zh-CN" sz="2400" dirty="0">
                 <a:latin typeface="Microsoft YaHei" panose="020B0503020204020204" pitchFamily="34" charset="-122"/>
                 <a:ea typeface="Microsoft YaHei" panose="020B0503020204020204" pitchFamily="34" charset="-122"/>
               </a:rPr>
-              <a:t>is</a:t>
-            </a:r>
-            <a:r>
-              <a:rPr kumimoji="1" lang="zh-CN" altLang="en-US" sz="2400" dirty="0">
-                <a:latin typeface="Microsoft YaHei" panose="020B0503020204020204" pitchFamily="34" charset="-122"/>
-                <a:ea typeface="Microsoft YaHei" panose="020B0503020204020204" pitchFamily="34" charset="-122"/>
-              </a:rPr>
-              <a:t> </a:t>
-            </a:r>
-            <a:r>
-              <a:rPr kumimoji="1" lang="en-US" altLang="zh-CN" sz="2400" dirty="0">
-                <a:latin typeface="Microsoft YaHei" panose="020B0503020204020204" pitchFamily="34" charset="-122"/>
-                <a:ea typeface="Microsoft YaHei" panose="020B0503020204020204" pitchFamily="34" charset="-122"/>
-              </a:rPr>
-              <a:t>a</a:t>
-            </a:r>
-            <a:r>
-              <a:rPr kumimoji="1" lang="zh-CN" altLang="en-US" sz="2400" dirty="0">
-                <a:latin typeface="Microsoft YaHei" panose="020B0503020204020204" pitchFamily="34" charset="-122"/>
-                <a:ea typeface="Microsoft YaHei" panose="020B0503020204020204" pitchFamily="34" charset="-122"/>
-              </a:rPr>
-              <a:t> 矩形， 但矩形的 </a:t>
-            </a:r>
-            <a:r>
-              <a:rPr kumimoji="1" lang="en-US" altLang="zh-CN" sz="2400" dirty="0">
-                <a:latin typeface="Microsoft YaHei" panose="020B0503020204020204" pitchFamily="34" charset="-122"/>
-                <a:ea typeface="Microsoft YaHei" panose="020B0503020204020204" pitchFamily="34" charset="-122"/>
-              </a:rPr>
-              <a:t>width</a:t>
-            </a:r>
-            <a:r>
-              <a:rPr kumimoji="1" lang="zh-CN" altLang="en-US" sz="2400" dirty="0">
-                <a:latin typeface="Microsoft YaHei" panose="020B0503020204020204" pitchFamily="34" charset="-122"/>
-                <a:ea typeface="Microsoft YaHei" panose="020B0503020204020204" pitchFamily="34" charset="-122"/>
-              </a:rPr>
-              <a:t> 和</a:t>
-            </a:r>
-            <a:r>
-              <a:rPr kumimoji="1" lang="en-US" altLang="zh-CN" sz="2400" dirty="0">
-                <a:latin typeface="Microsoft YaHei" panose="020B0503020204020204" pitchFamily="34" charset="-122"/>
-                <a:ea typeface="Microsoft YaHei" panose="020B0503020204020204" pitchFamily="34" charset="-122"/>
-              </a:rPr>
-              <a:t>length</a:t>
-            </a:r>
-            <a:r>
-              <a:rPr kumimoji="1" lang="zh-CN" altLang="en-US" sz="2400" dirty="0">
-                <a:latin typeface="Microsoft YaHei" panose="020B0503020204020204" pitchFamily="34" charset="-122"/>
-                <a:ea typeface="Microsoft YaHei" panose="020B0503020204020204" pitchFamily="34" charset="-122"/>
-              </a:rPr>
-              <a:t> 定义会对正方形的使用造成困惑。因为正方形没有</a:t>
-            </a:r>
-            <a:r>
-              <a:rPr kumimoji="1" lang="en-US" altLang="zh-CN" sz="2400" dirty="0">
-                <a:latin typeface="Microsoft YaHei" panose="020B0503020204020204" pitchFamily="34" charset="-122"/>
-                <a:ea typeface="Microsoft YaHei" panose="020B0503020204020204" pitchFamily="34" charset="-122"/>
-              </a:rPr>
-              <a:t>side(</a:t>
-            </a:r>
-            <a:r>
-              <a:rPr kumimoji="1" lang="zh-CN" altLang="en-US" sz="2400" dirty="0">
-                <a:latin typeface="Microsoft YaHei" panose="020B0503020204020204" pitchFamily="34" charset="-122"/>
-                <a:ea typeface="Microsoft YaHei" panose="020B0503020204020204" pitchFamily="34" charset="-122"/>
-              </a:rPr>
-              <a:t>边</a:t>
-            </a:r>
-            <a:r>
-              <a:rPr kumimoji="1" lang="en-US" altLang="zh-CN" sz="2400" dirty="0">
-                <a:latin typeface="Microsoft YaHei" panose="020B0503020204020204" pitchFamily="34" charset="-122"/>
-                <a:ea typeface="Microsoft YaHei" panose="020B0503020204020204" pitchFamily="34" charset="-122"/>
-              </a:rPr>
               <a:t>)</a:t>
             </a:r>
             <a:r>
@@ -17952,131 +19218,253 @@
                 <a:latin typeface="Microsoft YaHei" panose="020B0503020204020204" pitchFamily="34" charset="-122"/>
                 <a:ea typeface="Microsoft YaHei" panose="020B0503020204020204" pitchFamily="34" charset="-122"/>
               </a:rPr>
-              <a:t>的概念。</a:t>
+              <a:t>。</a:t>
             </a:r>
             <a:endParaRPr kumimoji="1" lang="en-US" altLang="zh-CN" sz="2400" dirty="0">
               <a:latin typeface="Microsoft YaHei" panose="020B0503020204020204" pitchFamily="34" charset="-122"/>
               <a:ea typeface="Microsoft YaHei" panose="020B0503020204020204" pitchFamily="34" charset="-122"/>
             </a:endParaRPr>
           </a:p>
-          <a:p>
-            <a:endParaRPr kumimoji="1" lang="en-US" altLang="zh-CN" sz="2400" dirty="0">
-              <a:latin typeface="Microsoft YaHei" panose="020B0503020204020204" pitchFamily="34" charset="-122"/>
-              <a:ea typeface="Microsoft YaHei" panose="020B0503020204020204" pitchFamily="34" charset="-122"/>
-            </a:endParaRPr>
-          </a:p>
-          <a:p>
-            <a:r>
-              <a:rPr kumimoji="1" lang="en-US" altLang="zh-CN" sz="2400" dirty="0">
-                <a:latin typeface="Microsoft YaHei" panose="020B0503020204020204" pitchFamily="34" charset="-122"/>
-                <a:ea typeface="Microsoft YaHei" panose="020B0503020204020204" pitchFamily="34" charset="-122"/>
-              </a:rPr>
-              <a:t>6.</a:t>
-            </a:r>
-            <a:r>
-              <a:rPr kumimoji="1" lang="zh-CN" altLang="en-US" sz="2400" dirty="0">
-                <a:latin typeface="Microsoft YaHei" panose="020B0503020204020204" pitchFamily="34" charset="-122"/>
-                <a:ea typeface="Microsoft YaHei" panose="020B0503020204020204" pitchFamily="34" charset="-122"/>
-              </a:rPr>
-              <a:t> </a:t>
-            </a:r>
-            <a:r>
-              <a:rPr kumimoji="1" lang="en-US" altLang="zh-CN" sz="2400" dirty="0">
-                <a:latin typeface="Microsoft YaHei" panose="020B0503020204020204" pitchFamily="34" charset="-122"/>
-                <a:ea typeface="Microsoft YaHei" panose="020B0503020204020204" pitchFamily="34" charset="-122"/>
-              </a:rPr>
-              <a:t>C++</a:t>
-            </a:r>
-            <a:r>
-              <a:rPr kumimoji="1" lang="zh-CN" altLang="en-US" sz="2400" dirty="0">
-                <a:latin typeface="Microsoft YaHei" panose="020B0503020204020204" pitchFamily="34" charset="-122"/>
-                <a:ea typeface="Microsoft YaHei" panose="020B0503020204020204" pitchFamily="34" charset="-122"/>
-              </a:rPr>
-              <a:t>支持多重继承，好比 </a:t>
-            </a:r>
-            <a:r>
-              <a:rPr kumimoji="1" lang="en-US" altLang="zh-CN" sz="2400" dirty="0" err="1">
-                <a:latin typeface="Microsoft YaHei" panose="020B0503020204020204" pitchFamily="34" charset="-122"/>
-                <a:ea typeface="Microsoft YaHei" panose="020B0503020204020204" pitchFamily="34" charset="-122"/>
-              </a:rPr>
-              <a:t>HMCStudent</a:t>
-            </a:r>
-            <a:r>
-              <a:rPr kumimoji="1" lang="zh-CN" altLang="en-US" sz="2400" dirty="0">
-                <a:latin typeface="Microsoft YaHei" panose="020B0503020204020204" pitchFamily="34" charset="-122"/>
-                <a:ea typeface="Microsoft YaHei" panose="020B0503020204020204" pitchFamily="34" charset="-122"/>
-              </a:rPr>
-              <a:t>可以继承自</a:t>
-            </a:r>
-            <a:r>
-              <a:rPr kumimoji="1" lang="en-US" altLang="zh-CN" sz="2400" dirty="0">
-                <a:latin typeface="Microsoft YaHei" panose="020B0503020204020204" pitchFamily="34" charset="-122"/>
-                <a:ea typeface="Microsoft YaHei" panose="020B0503020204020204" pitchFamily="34" charset="-122"/>
-              </a:rPr>
-              <a:t>Student</a:t>
-            </a:r>
-            <a:r>
-              <a:rPr kumimoji="1" lang="zh-CN" altLang="en-US" sz="2400" dirty="0">
-                <a:latin typeface="Microsoft YaHei" panose="020B0503020204020204" pitchFamily="34" charset="-122"/>
-                <a:ea typeface="Microsoft YaHei" panose="020B0503020204020204" pitchFamily="34" charset="-122"/>
-              </a:rPr>
-              <a:t>（学生） 也可以继承自 </a:t>
-            </a:r>
-            <a:r>
-              <a:rPr kumimoji="1" lang="en-US" altLang="zh-CN" sz="2400" dirty="0" err="1">
-                <a:latin typeface="Microsoft YaHei" panose="020B0503020204020204" pitchFamily="34" charset="-122"/>
-                <a:ea typeface="Microsoft YaHei" panose="020B0503020204020204" pitchFamily="34" charset="-122"/>
-              </a:rPr>
-              <a:t>ChineseCitizen</a:t>
-            </a:r>
-            <a:r>
-              <a:rPr kumimoji="1" lang="zh-CN" altLang="en-US" sz="2400" dirty="0">
-                <a:latin typeface="Microsoft YaHei" panose="020B0503020204020204" pitchFamily="34" charset="-122"/>
-                <a:ea typeface="Microsoft YaHei" panose="020B0503020204020204" pitchFamily="34" charset="-122"/>
-              </a:rPr>
-              <a:t>（中国公民）。但</a:t>
-            </a:r>
-            <a:r>
-              <a:rPr kumimoji="1" lang="en-US" altLang="zh-CN" sz="2400" dirty="0">
-                <a:latin typeface="Microsoft YaHei" panose="020B0503020204020204" pitchFamily="34" charset="-122"/>
-                <a:ea typeface="Microsoft YaHei" panose="020B0503020204020204" pitchFamily="34" charset="-122"/>
-              </a:rPr>
-              <a:t>Java</a:t>
-            </a:r>
-            <a:r>
-              <a:rPr kumimoji="1" lang="zh-CN" altLang="en-US" sz="2400" dirty="0">
-                <a:latin typeface="Microsoft YaHei" panose="020B0503020204020204" pitchFamily="34" charset="-122"/>
-                <a:ea typeface="Microsoft YaHei" panose="020B0503020204020204" pitchFamily="34" charset="-122"/>
-              </a:rPr>
-              <a:t>只允许继承自一个父类。若要多继承，需要用到后面介绍的接口类</a:t>
-            </a:r>
-            <a:endParaRPr kumimoji="1" lang="en-US" altLang="zh-CN" sz="2400" dirty="0">
-              <a:latin typeface="Microsoft YaHei" panose="020B0503020204020204" pitchFamily="34" charset="-122"/>
-              <a:ea typeface="Microsoft YaHei" panose="020B0503020204020204" pitchFamily="34" charset="-122"/>
-            </a:endParaRPr>
-          </a:p>
-          <a:p>
-            <a:pPr marL="457200" indent="-457200">
-              <a:buFont typeface="+mj-lt"/>
-              <a:buAutoNum type="arabicPeriod"/>
-            </a:pPr>
-            <a:endParaRPr kumimoji="1" lang="zh-CN" altLang="en-US" sz="2400" dirty="0">
-              <a:latin typeface="Microsoft YaHei" panose="020B0503020204020204" pitchFamily="34" charset="-122"/>
-              <a:ea typeface="Microsoft YaHei" panose="020B0503020204020204" pitchFamily="34" charset="-122"/>
-            </a:endParaRPr>
-          </a:p>
-        </p:txBody>
-      </p:sp>
+        </p:txBody>
+      </p:sp>
+      <p:pic>
+        <p:nvPicPr>
+          <p:cNvPr id="5" name="图形 4" descr="有想法的人">
+            <a:extLst>
+              <a:ext uri="{FF2B5EF4-FFF2-40B4-BE49-F238E27FC236}">
+                <a16:creationId xmlns:a16="http://schemas.microsoft.com/office/drawing/2014/main" id="{7F3B36B9-F0B9-9E45-94DD-7ADB20404FE8}"/>
+              </a:ext>
+            </a:extLst>
+          </p:cNvPr>
+          <p:cNvPicPr>
+            <a:picLocks noChangeAspect="1"/>
+          </p:cNvPicPr>
+          <p:nvPr/>
+        </p:nvPicPr>
+        <p:blipFill>
+          <a:blip r:embed="rId4">
+            <a:extLst>
+              <a:ext uri="{96DAC541-7B7A-43D3-8B79-37D633B846F1}">
+                <asvg:svgBlip xmlns:asvg="http://schemas.microsoft.com/office/drawing/2016/SVG/main" r:embed="rId5"/>
+              </a:ext>
+            </a:extLst>
+          </a:blip>
+          <a:stretch>
+            <a:fillRect/>
+          </a:stretch>
+        </p:blipFill>
+        <p:spPr>
+          <a:xfrm>
+            <a:off x="427416" y="2289660"/>
+            <a:ext cx="914400" cy="914400"/>
+          </a:xfrm>
+          <a:prstGeom prst="rect">
+            <a:avLst/>
+          </a:prstGeom>
+        </p:spPr>
+      </p:pic>
+      <p:pic>
+        <p:nvPicPr>
+          <p:cNvPr id="6" name="图片 5">
+            <a:extLst>
+              <a:ext uri="{FF2B5EF4-FFF2-40B4-BE49-F238E27FC236}">
+                <a16:creationId xmlns:a16="http://schemas.microsoft.com/office/drawing/2014/main" id="{AE3A5FC1-C9E9-4A44-8E04-CC041A2FC9C5}"/>
+              </a:ext>
+            </a:extLst>
+          </p:cNvPr>
+          <p:cNvPicPr>
+            <a:picLocks noChangeAspect="1"/>
+          </p:cNvPicPr>
+          <p:nvPr/>
+        </p:nvPicPr>
+        <p:blipFill>
+          <a:blip r:embed="rId6"/>
+          <a:stretch>
+            <a:fillRect/>
+          </a:stretch>
+        </p:blipFill>
+        <p:spPr>
+          <a:xfrm>
+            <a:off x="711388" y="4130266"/>
+            <a:ext cx="5384612" cy="2350558"/>
+          </a:xfrm>
+          <a:prstGeom prst="rect">
+            <a:avLst/>
+          </a:prstGeom>
+        </p:spPr>
+      </p:pic>
+      <p:pic>
+        <p:nvPicPr>
+          <p:cNvPr id="7" name="图片 6">
+            <a:extLst>
+              <a:ext uri="{FF2B5EF4-FFF2-40B4-BE49-F238E27FC236}">
+                <a16:creationId xmlns:a16="http://schemas.microsoft.com/office/drawing/2014/main" id="{A1255CC5-1257-7B4C-9137-AF2FBA1F5BCB}"/>
+              </a:ext>
+            </a:extLst>
+          </p:cNvPr>
+          <p:cNvPicPr>
+            <a:picLocks noChangeAspect="1"/>
+          </p:cNvPicPr>
+          <p:nvPr/>
+        </p:nvPicPr>
+        <p:blipFill>
+          <a:blip r:embed="rId7"/>
+          <a:stretch>
+            <a:fillRect/>
+          </a:stretch>
+        </p:blipFill>
+        <p:spPr>
+          <a:xfrm>
+            <a:off x="6607368" y="4118496"/>
+            <a:ext cx="5023800" cy="2362328"/>
+          </a:xfrm>
+          <a:prstGeom prst="rect">
+            <a:avLst/>
+          </a:prstGeom>
+        </p:spPr>
+      </p:pic>
     </p:spTree>
     <p:extLst>
       <p:ext uri="{BB962C8B-B14F-4D97-AF65-F5344CB8AC3E}">
-        <p14:creationId xmlns:p14="http://schemas.microsoft.com/office/powerpoint/2010/main" val="1039086116"/>
+        <p14:creationId xmlns:p14="http://schemas.microsoft.com/office/powerpoint/2010/main" val="3992295352"/>
       </p:ext>
     </p:extLst>
   </p:cSld>
   <p:clrMapOvr>
     <a:masterClrMapping/>
   </p:clrMapOvr>
+  <p:timing>
+    <p:tnLst>
+      <p:par>
+        <p:cTn id="1" dur="indefinite" restart="never" nodeType="tmRoot">
+          <p:childTnLst>
+            <p:seq concurrent="1" nextAc="seek">
+              <p:cTn id="2" dur="indefinite" nodeType="mainSeq">
+                <p:childTnLst>
+                  <p:par>
+                    <p:cTn id="3" fill="hold">
+                      <p:stCondLst>
+                        <p:cond delay="indefinite"/>
+                      </p:stCondLst>
+                      <p:childTnLst>
+                        <p:par>
+                          <p:cTn id="4" fill="hold">
+                            <p:stCondLst>
+                              <p:cond delay="0"/>
+                            </p:stCondLst>
+                            <p:childTnLst>
+                              <p:par>
+                                <p:cTn id="5" presetID="1" presetClass="entr" presetSubtype="0" fill="hold" grpId="0" nodeType="clickEffect">
+                                  <p:stCondLst>
+                                    <p:cond delay="0"/>
+                                  </p:stCondLst>
+                                  <p:childTnLst>
+                                    <p:set>
+                                      <p:cBhvr>
+                                        <p:cTn id="6" dur="1" fill="hold">
+                                          <p:stCondLst>
+                                            <p:cond delay="0"/>
+                                          </p:stCondLst>
+                                        </p:cTn>
+                                        <p:tgtEl>
+                                          <p:spTgt spid="13"/>
+                                        </p:tgtEl>
+                                        <p:attrNameLst>
+                                          <p:attrName>style.visibility</p:attrName>
+                                        </p:attrNameLst>
+                                      </p:cBhvr>
+                                      <p:to>
+                                        <p:strVal val="visible"/>
+                                      </p:to>
+                                    </p:set>
+                                  </p:childTnLst>
+                                </p:cTn>
+                              </p:par>
+                              <p:par>
+                                <p:cTn id="7" presetID="1" presetClass="entr" presetSubtype="0" fill="hold" nodeType="withEffect">
+                                  <p:stCondLst>
+                                    <p:cond delay="0"/>
+                                  </p:stCondLst>
+                                  <p:childTnLst>
+                                    <p:set>
+                                      <p:cBhvr>
+                                        <p:cTn id="8" dur="1" fill="hold">
+                                          <p:stCondLst>
+                                            <p:cond delay="0"/>
+                                          </p:stCondLst>
+                                        </p:cTn>
+                                        <p:tgtEl>
+                                          <p:spTgt spid="6"/>
+                                        </p:tgtEl>
+                                        <p:attrNameLst>
+                                          <p:attrName>style.visibility</p:attrName>
+                                        </p:attrNameLst>
+                                      </p:cBhvr>
+                                      <p:to>
+                                        <p:strVal val="visible"/>
+                                      </p:to>
+                                    </p:set>
+                                  </p:childTnLst>
+                                </p:cTn>
+                              </p:par>
+                              <p:par>
+                                <p:cTn id="9" presetID="1" presetClass="entr" presetSubtype="0" fill="hold" nodeType="withEffect">
+                                  <p:stCondLst>
+                                    <p:cond delay="0"/>
+                                  </p:stCondLst>
+                                  <p:childTnLst>
+                                    <p:set>
+                                      <p:cBhvr>
+                                        <p:cTn id="10" dur="1" fill="hold">
+                                          <p:stCondLst>
+                                            <p:cond delay="0"/>
+                                          </p:stCondLst>
+                                        </p:cTn>
+                                        <p:tgtEl>
+                                          <p:spTgt spid="7"/>
+                                        </p:tgtEl>
+                                        <p:attrNameLst>
+                                          <p:attrName>style.visibility</p:attrName>
+                                        </p:attrNameLst>
+                                      </p:cBhvr>
+                                      <p:to>
+                                        <p:strVal val="visible"/>
+                                      </p:to>
+                                    </p:set>
+                                  </p:childTnLst>
+                                </p:cTn>
+                              </p:par>
+                            </p:childTnLst>
+                          </p:cTn>
+                        </p:par>
+                      </p:childTnLst>
+                    </p:cTn>
+                  </p:par>
+                </p:childTnLst>
+              </p:cTn>
+              <p:prevCondLst>
+                <p:cond evt="onPrev" delay="0">
+                  <p:tgtEl>
+                    <p:sldTgt/>
+                  </p:tgtEl>
+                </p:cond>
+              </p:prevCondLst>
+              <p:nextCondLst>
+                <p:cond evt="onNext" delay="0">
+                  <p:tgtEl>
+                    <p:sldTgt/>
+                  </p:tgtEl>
+                </p:cond>
+              </p:nextCondLst>
+            </p:seq>
+          </p:childTnLst>
+        </p:cTn>
+      </p:par>
+    </p:tnLst>
+    <p:bldLst>
+      <p:bldP spid="13" grpId="0"/>
+    </p:bldLst>
+  </p:timing>
 </p:sld>
 </file>
 

--- a/ppt/12.抽象类和接口.pptx
+++ b/ppt/12.抽象类和接口.pptx
@@ -5,7 +5,7 @@
     <p:sldMasterId id="2147483648" r:id="rId1"/>
   </p:sldMasterIdLst>
   <p:notesMasterIdLst>
-    <p:notesMasterId r:id="rId39"/>
+    <p:notesMasterId r:id="rId42"/>
   </p:notesMasterIdLst>
   <p:sldIdLst>
     <p:sldId id="258" r:id="rId2"/>
@@ -24,27 +24,30 @@
     <p:sldId id="385" r:id="rId15"/>
     <p:sldId id="374" r:id="rId16"/>
     <p:sldId id="356" r:id="rId17"/>
-    <p:sldId id="369" r:id="rId18"/>
-    <p:sldId id="355" r:id="rId19"/>
-    <p:sldId id="359" r:id="rId20"/>
-    <p:sldId id="363" r:id="rId21"/>
-    <p:sldId id="362" r:id="rId22"/>
-    <p:sldId id="364" r:id="rId23"/>
-    <p:sldId id="331" r:id="rId24"/>
-    <p:sldId id="365" r:id="rId25"/>
-    <p:sldId id="357" r:id="rId26"/>
-    <p:sldId id="366" r:id="rId27"/>
-    <p:sldId id="368" r:id="rId28"/>
-    <p:sldId id="360" r:id="rId29"/>
-    <p:sldId id="367" r:id="rId30"/>
-    <p:sldId id="354" r:id="rId31"/>
-    <p:sldId id="361" r:id="rId32"/>
-    <p:sldId id="371" r:id="rId33"/>
-    <p:sldId id="372" r:id="rId34"/>
-    <p:sldId id="373" r:id="rId35"/>
-    <p:sldId id="351" r:id="rId36"/>
-    <p:sldId id="279" r:id="rId37"/>
-    <p:sldId id="375" r:id="rId38"/>
+    <p:sldId id="387" r:id="rId18"/>
+    <p:sldId id="386" r:id="rId19"/>
+    <p:sldId id="388" r:id="rId20"/>
+    <p:sldId id="369" r:id="rId21"/>
+    <p:sldId id="355" r:id="rId22"/>
+    <p:sldId id="359" r:id="rId23"/>
+    <p:sldId id="363" r:id="rId24"/>
+    <p:sldId id="362" r:id="rId25"/>
+    <p:sldId id="364" r:id="rId26"/>
+    <p:sldId id="331" r:id="rId27"/>
+    <p:sldId id="365" r:id="rId28"/>
+    <p:sldId id="357" r:id="rId29"/>
+    <p:sldId id="366" r:id="rId30"/>
+    <p:sldId id="368" r:id="rId31"/>
+    <p:sldId id="360" r:id="rId32"/>
+    <p:sldId id="367" r:id="rId33"/>
+    <p:sldId id="354" r:id="rId34"/>
+    <p:sldId id="361" r:id="rId35"/>
+    <p:sldId id="371" r:id="rId36"/>
+    <p:sldId id="372" r:id="rId37"/>
+    <p:sldId id="373" r:id="rId38"/>
+    <p:sldId id="351" r:id="rId39"/>
+    <p:sldId id="279" r:id="rId40"/>
+    <p:sldId id="375" r:id="rId41"/>
   </p:sldIdLst>
   <p:sldSz cx="12192000" cy="6858000"/>
   <p:notesSz cx="6858000" cy="9144000"/>
@@ -168,6 +171,9 @@
             <p14:sldId id="385"/>
             <p14:sldId id="374"/>
             <p14:sldId id="356"/>
+            <p14:sldId id="387"/>
+            <p14:sldId id="386"/>
+            <p14:sldId id="388"/>
             <p14:sldId id="369"/>
             <p14:sldId id="355"/>
             <p14:sldId id="359"/>
@@ -1239,7 +1245,7 @@
     </p:spTree>
     <p:extLst>
       <p:ext uri="{BB962C8B-B14F-4D97-AF65-F5344CB8AC3E}">
-        <p14:creationId xmlns:p14="http://schemas.microsoft.com/office/powerpoint/2010/main" val="2101975829"/>
+        <p14:creationId xmlns:p14="http://schemas.microsoft.com/office/powerpoint/2010/main" val="1543490708"/>
       </p:ext>
     </p:extLst>
   </p:cSld>
@@ -1295,7 +1301,15 @@
           <a:p>
             <a:r>
               <a:rPr kumimoji="1" lang="zh-CN" altLang="en-US" dirty="0"/>
-              <a:t>切换到代码演示</a:t>
+              <a:t>要注意学习</a:t>
+            </a:r>
+            <a:r>
+              <a:rPr kumimoji="1" lang="en-US" altLang="zh-CN" dirty="0"/>
+              <a:t>Object</a:t>
+            </a:r>
+            <a:r>
+              <a:rPr kumimoji="1" lang="zh-CN" altLang="en-US" dirty="0"/>
+              <a:t>类中的方法</a:t>
             </a:r>
           </a:p>
         </p:txBody>
@@ -1326,7 +1340,7 @@
     </p:spTree>
     <p:extLst>
       <p:ext uri="{BB962C8B-B14F-4D97-AF65-F5344CB8AC3E}">
-        <p14:creationId xmlns:p14="http://schemas.microsoft.com/office/powerpoint/2010/main" val="3079829010"/>
+        <p14:creationId xmlns:p14="http://schemas.microsoft.com/office/powerpoint/2010/main" val="3465643749"/>
       </p:ext>
     </p:extLst>
   </p:cSld>
@@ -1382,7 +1396,15 @@
           <a:p>
             <a:r>
               <a:rPr kumimoji="1" lang="zh-CN" altLang="en-US" dirty="0"/>
-              <a:t>切换到代码演示</a:t>
+              <a:t>要注意学习</a:t>
+            </a:r>
+            <a:r>
+              <a:rPr kumimoji="1" lang="en-US" altLang="zh-CN" dirty="0"/>
+              <a:t>Object</a:t>
+            </a:r>
+            <a:r>
+              <a:rPr kumimoji="1" lang="zh-CN" altLang="en-US" dirty="0"/>
+              <a:t>类中的方法</a:t>
             </a:r>
           </a:p>
         </p:txBody>
@@ -1413,7 +1435,7 @@
     </p:spTree>
     <p:extLst>
       <p:ext uri="{BB962C8B-B14F-4D97-AF65-F5344CB8AC3E}">
-        <p14:creationId xmlns:p14="http://schemas.microsoft.com/office/powerpoint/2010/main" val="3415707210"/>
+        <p14:creationId xmlns:p14="http://schemas.microsoft.com/office/powerpoint/2010/main" val="1349511160"/>
       </p:ext>
     </p:extLst>
   </p:cSld>
@@ -1467,79 +1489,18 @@
           <a:bodyPr/>
           <a:lstStyle/>
           <a:p>
-            <a:pPr marL="0" marR="0" lvl="0" indent="0" algn="l" defTabSz="914400" rtl="0" eaLnBrk="1" fontAlgn="auto" latinLnBrk="0" hangingPunct="1">
-              <a:lnSpc>
-                <a:spcPct val="100000"/>
-              </a:lnSpc>
-              <a:spcBef>
-                <a:spcPts val="0"/>
-              </a:spcBef>
-              <a:spcAft>
-                <a:spcPts val="0"/>
-              </a:spcAft>
-              <a:buClrTx/>
-              <a:buSzTx/>
-              <a:buFontTx/>
-              <a:buNone/>
-              <a:tabLst/>
-              <a:defRPr/>
-            </a:pPr>
             <a:r>
               <a:rPr kumimoji="1" lang="zh-CN" altLang="en-US" dirty="0"/>
-              <a:t>切换到代码演示</a:t>
-            </a:r>
-            <a:r>
-              <a:rPr kumimoji="1" lang="zh-CN" altLang="en-US" sz="1200" dirty="0">
-                <a:latin typeface="Microsoft YaHei" panose="020B0503020204020204" pitchFamily="34" charset="-122"/>
-                <a:ea typeface="Microsoft YaHei" panose="020B0503020204020204" pitchFamily="34" charset="-122"/>
-              </a:rPr>
-              <a:t>判断两个对象在逻辑上是否相等，如根据类的成员变量来判断两个类的实例是否相等，而继承</a:t>
-            </a:r>
-            <a:r>
-              <a:rPr kumimoji="1" lang="en-US" altLang="zh-CN" sz="1200" dirty="0">
-                <a:latin typeface="Microsoft YaHei" panose="020B0503020204020204" pitchFamily="34" charset="-122"/>
-                <a:ea typeface="Microsoft YaHei" panose="020B0503020204020204" pitchFamily="34" charset="-122"/>
-              </a:rPr>
+              <a:t>要注意学习</a:t>
+            </a:r>
+            <a:r>
+              <a:rPr kumimoji="1" lang="en-US" altLang="zh-CN" dirty="0"/>
               <a:t>Object</a:t>
             </a:r>
             <a:r>
-              <a:rPr kumimoji="1" lang="zh-CN" altLang="en-US" sz="1200" dirty="0">
-                <a:latin typeface="Microsoft YaHei" panose="020B0503020204020204" pitchFamily="34" charset="-122"/>
-                <a:ea typeface="Microsoft YaHei" panose="020B0503020204020204" pitchFamily="34" charset="-122"/>
-              </a:rPr>
-              <a:t>中的</a:t>
-            </a:r>
-            <a:r>
-              <a:rPr kumimoji="1" lang="en-US" altLang="zh-CN" sz="1200" dirty="0">
-                <a:latin typeface="Microsoft YaHei" panose="020B0503020204020204" pitchFamily="34" charset="-122"/>
-                <a:ea typeface="Microsoft YaHei" panose="020B0503020204020204" pitchFamily="34" charset="-122"/>
-              </a:rPr>
-              <a:t>equals</a:t>
-            </a:r>
-            <a:r>
-              <a:rPr kumimoji="1" lang="zh-CN" altLang="en-US" sz="1200" dirty="0">
-                <a:latin typeface="Microsoft YaHei" panose="020B0503020204020204" pitchFamily="34" charset="-122"/>
-                <a:ea typeface="Microsoft YaHei" panose="020B0503020204020204" pitchFamily="34" charset="-122"/>
-              </a:rPr>
-              <a:t>方法只能判断两个引用变量是否是同一个对象。这样我们往往需要重写</a:t>
-            </a:r>
-            <a:r>
-              <a:rPr kumimoji="1" lang="en-US" altLang="zh-CN" sz="1200" dirty="0">
-                <a:latin typeface="Microsoft YaHei" panose="020B0503020204020204" pitchFamily="34" charset="-122"/>
-                <a:ea typeface="Microsoft YaHei" panose="020B0503020204020204" pitchFamily="34" charset="-122"/>
-              </a:rPr>
-              <a:t>equals()</a:t>
-            </a:r>
-            <a:r>
-              <a:rPr kumimoji="1" lang="zh-CN" altLang="en-US" sz="1200" dirty="0">
-                <a:latin typeface="Microsoft YaHei" panose="020B0503020204020204" pitchFamily="34" charset="-122"/>
-                <a:ea typeface="Microsoft YaHei" panose="020B0503020204020204" pitchFamily="34" charset="-122"/>
-              </a:rPr>
-              <a:t>方法。</a:t>
-            </a:r>
-          </a:p>
-          <a:p>
-            <a:endParaRPr kumimoji="1" lang="zh-CN" altLang="en-US" dirty="0"/>
+              <a:rPr kumimoji="1" lang="zh-CN" altLang="en-US" dirty="0"/>
+              <a:t>类中的方法</a:t>
+            </a:r>
           </a:p>
         </p:txBody>
       </p:sp>
@@ -1569,7 +1530,7 @@
     </p:spTree>
     <p:extLst>
       <p:ext uri="{BB962C8B-B14F-4D97-AF65-F5344CB8AC3E}">
-        <p14:creationId xmlns:p14="http://schemas.microsoft.com/office/powerpoint/2010/main" val="1751631080"/>
+        <p14:creationId xmlns:p14="http://schemas.microsoft.com/office/powerpoint/2010/main" val="2101975829"/>
       </p:ext>
     </p:extLst>
   </p:cSld>
@@ -1711,357 +1672,9 @@
           <a:lstStyle/>
           <a:p>
             <a:r>
-              <a:rPr kumimoji="1" lang="en-US" altLang="zh-CN" dirty="0"/>
-              <a:t>1.hashcode</a:t>
-            </a:r>
-            <a:r>
               <a:rPr kumimoji="1" lang="zh-CN" altLang="en-US" dirty="0"/>
-              <a:t>是用来查找的，如果你学过数据结构就应该知道，在查找和排序这一章有</a:t>
-            </a:r>
-          </a:p>
-          <a:p>
-            <a:r>
-              <a:rPr kumimoji="1" lang="zh-CN" altLang="en-US" dirty="0"/>
-              <a:t>例如内存中有这样的位置</a:t>
-            </a:r>
-          </a:p>
-          <a:p>
-            <a:r>
-              <a:rPr kumimoji="1" lang="en-US" altLang="zh-CN" dirty="0"/>
-              <a:t>0  1  2  3  4  5  6  7  </a:t>
-            </a:r>
-          </a:p>
-          <a:p>
-            <a:r>
-              <a:rPr kumimoji="1" lang="zh-CN" altLang="en-US" dirty="0"/>
-              <a:t>而我有个类，这个类有个字段叫</a:t>
-            </a:r>
-            <a:r>
-              <a:rPr kumimoji="1" lang="en-US" altLang="zh-CN" dirty="0"/>
-              <a:t>ID,</a:t>
-            </a:r>
-            <a:r>
-              <a:rPr kumimoji="1" lang="zh-CN" altLang="en-US" dirty="0"/>
-              <a:t>我要把这个类存放在以上</a:t>
-            </a:r>
-            <a:r>
-              <a:rPr kumimoji="1" lang="en-US" altLang="zh-CN" dirty="0"/>
-              <a:t>8</a:t>
-            </a:r>
-            <a:r>
-              <a:rPr kumimoji="1" lang="zh-CN" altLang="en-US" dirty="0"/>
-              <a:t>个位置之一，如果不用</a:t>
-            </a:r>
-            <a:r>
-              <a:rPr kumimoji="1" lang="en-US" altLang="zh-CN" dirty="0" err="1"/>
-              <a:t>hashcode</a:t>
-            </a:r>
-            <a:r>
-              <a:rPr kumimoji="1" lang="zh-CN" altLang="en-US" dirty="0"/>
-              <a:t>而任意存放，那么当查找时就需要到这八个位置里挨个去找，或者用二分法一类的算法。</a:t>
-            </a:r>
-          </a:p>
-          <a:p>
-            <a:r>
-              <a:rPr kumimoji="1" lang="zh-CN" altLang="en-US" dirty="0"/>
-              <a:t>但如果用</a:t>
-            </a:r>
-            <a:r>
-              <a:rPr kumimoji="1" lang="en-US" altLang="zh-CN" dirty="0" err="1"/>
-              <a:t>hashcode</a:t>
-            </a:r>
-            <a:r>
-              <a:rPr kumimoji="1" lang="zh-CN" altLang="en-US" dirty="0"/>
-              <a:t>那就会使效率提高很多。</a:t>
-            </a:r>
-          </a:p>
-          <a:p>
-            <a:r>
-              <a:rPr kumimoji="1" lang="zh-CN" altLang="en-US" dirty="0"/>
-              <a:t>我们这个类中有个字段叫</a:t>
-            </a:r>
-            <a:r>
-              <a:rPr kumimoji="1" lang="en-US" altLang="zh-CN" dirty="0"/>
-              <a:t>ID,</a:t>
-            </a:r>
-            <a:r>
-              <a:rPr kumimoji="1" lang="zh-CN" altLang="en-US" dirty="0"/>
-              <a:t>那么我们就定义我们的</a:t>
-            </a:r>
-            <a:r>
-              <a:rPr kumimoji="1" lang="en-US" altLang="zh-CN" dirty="0" err="1"/>
-              <a:t>hashcode</a:t>
-            </a:r>
-            <a:r>
-              <a:rPr kumimoji="1" lang="zh-CN" altLang="en-US" dirty="0"/>
-              <a:t>为</a:t>
-            </a:r>
-            <a:r>
-              <a:rPr kumimoji="1" lang="en-US" altLang="zh-CN" dirty="0"/>
-              <a:t>ID</a:t>
-            </a:r>
-            <a:r>
-              <a:rPr kumimoji="1" lang="zh-CN" altLang="en-US" dirty="0"/>
-              <a:t>％</a:t>
-            </a:r>
-            <a:r>
-              <a:rPr kumimoji="1" lang="en-US" altLang="zh-CN" dirty="0"/>
-              <a:t>8</a:t>
-            </a:r>
-            <a:r>
-              <a:rPr kumimoji="1" lang="zh-CN" altLang="en-US" dirty="0"/>
-              <a:t>，然后把我们的类存放在取得得余数那个位置。比如我们的</a:t>
-            </a:r>
-            <a:r>
-              <a:rPr kumimoji="1" lang="en-US" altLang="zh-CN" dirty="0"/>
-              <a:t>ID</a:t>
-            </a:r>
-            <a:r>
-              <a:rPr kumimoji="1" lang="zh-CN" altLang="en-US" dirty="0"/>
-              <a:t>为</a:t>
-            </a:r>
-            <a:r>
-              <a:rPr kumimoji="1" lang="en-US" altLang="zh-CN" dirty="0"/>
-              <a:t>9</a:t>
-            </a:r>
-            <a:r>
-              <a:rPr kumimoji="1" lang="zh-CN" altLang="en-US" dirty="0"/>
-              <a:t>，</a:t>
-            </a:r>
-            <a:r>
-              <a:rPr kumimoji="1" lang="en-US" altLang="zh-CN" dirty="0"/>
-              <a:t>9</a:t>
-            </a:r>
-            <a:r>
-              <a:rPr kumimoji="1" lang="zh-CN" altLang="en-US" dirty="0"/>
-              <a:t>除</a:t>
-            </a:r>
-            <a:r>
-              <a:rPr kumimoji="1" lang="en-US" altLang="zh-CN" dirty="0"/>
-              <a:t>8</a:t>
-            </a:r>
-            <a:r>
-              <a:rPr kumimoji="1" lang="zh-CN" altLang="en-US" dirty="0"/>
-              <a:t>的余数为</a:t>
-            </a:r>
-            <a:r>
-              <a:rPr kumimoji="1" lang="en-US" altLang="zh-CN" dirty="0"/>
-              <a:t>1</a:t>
-            </a:r>
-            <a:r>
-              <a:rPr kumimoji="1" lang="zh-CN" altLang="en-US" dirty="0"/>
-              <a:t>，那么我们就把该类存在</a:t>
-            </a:r>
-            <a:r>
-              <a:rPr kumimoji="1" lang="en-US" altLang="zh-CN" dirty="0"/>
-              <a:t>1</a:t>
-            </a:r>
-            <a:r>
-              <a:rPr kumimoji="1" lang="zh-CN" altLang="en-US" dirty="0"/>
-              <a:t>这个位置，如果</a:t>
-            </a:r>
-            <a:r>
-              <a:rPr kumimoji="1" lang="en-US" altLang="zh-CN" dirty="0"/>
-              <a:t>ID</a:t>
-            </a:r>
-            <a:r>
-              <a:rPr kumimoji="1" lang="zh-CN" altLang="en-US" dirty="0"/>
-              <a:t>是</a:t>
-            </a:r>
-            <a:r>
-              <a:rPr kumimoji="1" lang="en-US" altLang="zh-CN" dirty="0"/>
-              <a:t>13</a:t>
-            </a:r>
-            <a:r>
-              <a:rPr kumimoji="1" lang="zh-CN" altLang="en-US" dirty="0"/>
-              <a:t>，求得的余数是</a:t>
-            </a:r>
-            <a:r>
-              <a:rPr kumimoji="1" lang="en-US" altLang="zh-CN" dirty="0"/>
-              <a:t>5</a:t>
-            </a:r>
-            <a:r>
-              <a:rPr kumimoji="1" lang="zh-CN" altLang="en-US" dirty="0"/>
-              <a:t>，那么我们就把该类放在</a:t>
-            </a:r>
-            <a:r>
-              <a:rPr kumimoji="1" lang="en-US" altLang="zh-CN" dirty="0"/>
-              <a:t>5</a:t>
-            </a:r>
-            <a:r>
-              <a:rPr kumimoji="1" lang="zh-CN" altLang="en-US" dirty="0"/>
-              <a:t>这个位置。这样，以后在查找该类时就可以通过</a:t>
-            </a:r>
-            <a:r>
-              <a:rPr kumimoji="1" lang="en-US" altLang="zh-CN" dirty="0"/>
-              <a:t>ID</a:t>
-            </a:r>
-            <a:r>
-              <a:rPr kumimoji="1" lang="zh-CN" altLang="en-US" dirty="0"/>
-              <a:t>除 </a:t>
-            </a:r>
-            <a:r>
-              <a:rPr kumimoji="1" lang="en-US" altLang="zh-CN" dirty="0"/>
-              <a:t>8</a:t>
-            </a:r>
-            <a:r>
-              <a:rPr kumimoji="1" lang="zh-CN" altLang="en-US" dirty="0"/>
-              <a:t>求余数直接找到存放的位置了。</a:t>
-            </a:r>
-          </a:p>
-          <a:p>
-            <a:endParaRPr kumimoji="1" lang="zh-CN" altLang="en-US" dirty="0"/>
-          </a:p>
-          <a:p>
-            <a:r>
-              <a:rPr kumimoji="1" lang="en-US" altLang="zh-CN" dirty="0"/>
-              <a:t>2.</a:t>
-            </a:r>
-            <a:r>
-              <a:rPr kumimoji="1" lang="zh-CN" altLang="en-US" dirty="0"/>
-              <a:t>但是如果两个类有相同的</a:t>
-            </a:r>
-            <a:r>
-              <a:rPr kumimoji="1" lang="en-US" altLang="zh-CN" dirty="0" err="1"/>
-              <a:t>hashcode</a:t>
-            </a:r>
-            <a:r>
-              <a:rPr kumimoji="1" lang="zh-CN" altLang="en-US" dirty="0"/>
-              <a:t>怎么办那（我们假设上面的类的</a:t>
-            </a:r>
-            <a:r>
-              <a:rPr kumimoji="1" lang="en-US" altLang="zh-CN" dirty="0"/>
-              <a:t>ID</a:t>
-            </a:r>
-            <a:r>
-              <a:rPr kumimoji="1" lang="zh-CN" altLang="en-US" dirty="0"/>
-              <a:t>不是唯一的），例如</a:t>
-            </a:r>
-            <a:r>
-              <a:rPr kumimoji="1" lang="en-US" altLang="zh-CN" dirty="0"/>
-              <a:t>9</a:t>
-            </a:r>
-            <a:r>
-              <a:rPr kumimoji="1" lang="zh-CN" altLang="en-US" dirty="0"/>
-              <a:t>除以</a:t>
-            </a:r>
-            <a:r>
-              <a:rPr kumimoji="1" lang="en-US" altLang="zh-CN" dirty="0"/>
-              <a:t>8</a:t>
-            </a:r>
-            <a:r>
-              <a:rPr kumimoji="1" lang="zh-CN" altLang="en-US" dirty="0"/>
-              <a:t>和</a:t>
-            </a:r>
-            <a:r>
-              <a:rPr kumimoji="1" lang="en-US" altLang="zh-CN" dirty="0"/>
-              <a:t>17</a:t>
-            </a:r>
-            <a:r>
-              <a:rPr kumimoji="1" lang="zh-CN" altLang="en-US" dirty="0"/>
-              <a:t>除以</a:t>
-            </a:r>
-            <a:r>
-              <a:rPr kumimoji="1" lang="en-US" altLang="zh-CN" dirty="0"/>
-              <a:t>8</a:t>
-            </a:r>
-            <a:r>
-              <a:rPr kumimoji="1" lang="zh-CN" altLang="en-US" dirty="0"/>
-              <a:t>的余数都是</a:t>
-            </a:r>
-            <a:r>
-              <a:rPr kumimoji="1" lang="en-US" altLang="zh-CN" dirty="0"/>
-              <a:t>1</a:t>
-            </a:r>
-            <a:r>
-              <a:rPr kumimoji="1" lang="zh-CN" altLang="en-US" dirty="0"/>
-              <a:t>，那么这是不是合法的，回答是：可以这样。那么如何判断呢？在这个时候就需要定义 </a:t>
-            </a:r>
-            <a:r>
-              <a:rPr kumimoji="1" lang="en-US" altLang="zh-CN" dirty="0"/>
-              <a:t>equals</a:t>
-            </a:r>
-            <a:r>
-              <a:rPr kumimoji="1" lang="zh-CN" altLang="en-US" dirty="0"/>
-              <a:t>了。</a:t>
-            </a:r>
-          </a:p>
-          <a:p>
-            <a:r>
-              <a:rPr kumimoji="1" lang="zh-CN" altLang="en-US" dirty="0"/>
-              <a:t>也就是说，我们先通过 </a:t>
-            </a:r>
-            <a:r>
-              <a:rPr kumimoji="1" lang="en-US" altLang="zh-CN" dirty="0" err="1"/>
-              <a:t>hashcode</a:t>
-            </a:r>
-            <a:r>
-              <a:rPr kumimoji="1" lang="zh-CN" altLang="en-US" dirty="0"/>
-              <a:t>来判断两个类是否存放某个桶里，但这个桶里可能有很多类，那么我们就需要再通过 </a:t>
-            </a:r>
-            <a:r>
-              <a:rPr kumimoji="1" lang="en-US" altLang="zh-CN" dirty="0"/>
-              <a:t>equals </a:t>
-            </a:r>
-            <a:r>
-              <a:rPr kumimoji="1" lang="zh-CN" altLang="en-US" dirty="0"/>
-              <a:t>来在这个桶里找到我们要的类。</a:t>
-            </a:r>
-          </a:p>
-          <a:p>
-            <a:r>
-              <a:rPr kumimoji="1" lang="zh-CN" altLang="en-US" dirty="0"/>
-              <a:t>那么。重写了</a:t>
-            </a:r>
-            <a:r>
-              <a:rPr kumimoji="1" lang="en-US" altLang="zh-CN" dirty="0"/>
-              <a:t>equals()</a:t>
-            </a:r>
-            <a:r>
-              <a:rPr kumimoji="1" lang="zh-CN" altLang="en-US" dirty="0"/>
-              <a:t>，为什么还要重写</a:t>
-            </a:r>
-            <a:r>
-              <a:rPr kumimoji="1" lang="en-US" altLang="zh-CN" dirty="0" err="1"/>
-              <a:t>hashCode</a:t>
-            </a:r>
-            <a:r>
-              <a:rPr kumimoji="1" lang="en-US" altLang="zh-CN" dirty="0"/>
-              <a:t>()</a:t>
-            </a:r>
-            <a:r>
-              <a:rPr kumimoji="1" lang="zh-CN" altLang="en-US" dirty="0"/>
-              <a:t>呢？</a:t>
-            </a:r>
-          </a:p>
-          <a:p>
-            <a:r>
-              <a:rPr kumimoji="1" lang="zh-CN" altLang="en-US" dirty="0"/>
-              <a:t>想想，你要在一个桶里找东西，你必须先要找到这个桶啊，你不通过重写</a:t>
-            </a:r>
-            <a:r>
-              <a:rPr kumimoji="1" lang="en-US" altLang="zh-CN" dirty="0" err="1"/>
-              <a:t>hashcode</a:t>
-            </a:r>
-            <a:r>
-              <a:rPr kumimoji="1" lang="en-US" altLang="zh-CN" dirty="0"/>
-              <a:t>()</a:t>
-            </a:r>
-            <a:r>
-              <a:rPr kumimoji="1" lang="zh-CN" altLang="en-US" dirty="0"/>
-              <a:t>来找到桶，光重写</a:t>
-            </a:r>
-            <a:r>
-              <a:rPr kumimoji="1" lang="en-US" altLang="zh-CN" dirty="0"/>
-              <a:t>equals()</a:t>
-            </a:r>
-            <a:r>
-              <a:rPr kumimoji="1" lang="zh-CN" altLang="en-US" dirty="0"/>
-              <a:t>有什么用啊</a:t>
-            </a:r>
-          </a:p>
-          <a:p>
-            <a:endParaRPr kumimoji="1" lang="zh-CN" altLang="en-US" dirty="0"/>
+              <a:t>切换到代码演示</a:t>
+            </a:r>
           </a:p>
         </p:txBody>
       </p:sp>
@@ -2091,7 +1704,7 @@
     </p:spTree>
     <p:extLst>
       <p:ext uri="{BB962C8B-B14F-4D97-AF65-F5344CB8AC3E}">
-        <p14:creationId xmlns:p14="http://schemas.microsoft.com/office/powerpoint/2010/main" val="227411470"/>
+        <p14:creationId xmlns:p14="http://schemas.microsoft.com/office/powerpoint/2010/main" val="3079829010"/>
       </p:ext>
     </p:extLst>
   </p:cSld>
@@ -2146,357 +1759,9 @@
           <a:lstStyle/>
           <a:p>
             <a:r>
-              <a:rPr kumimoji="1" lang="en-US" altLang="zh-CN" dirty="0"/>
-              <a:t>1.hashcode</a:t>
-            </a:r>
-            <a:r>
               <a:rPr kumimoji="1" lang="zh-CN" altLang="en-US" dirty="0"/>
-              <a:t>是用来查找的，如果你学过数据结构就应该知道，在查找和排序这一章有</a:t>
-            </a:r>
-          </a:p>
-          <a:p>
-            <a:r>
-              <a:rPr kumimoji="1" lang="zh-CN" altLang="en-US" dirty="0"/>
-              <a:t>例如内存中有这样的位置</a:t>
-            </a:r>
-          </a:p>
-          <a:p>
-            <a:r>
-              <a:rPr kumimoji="1" lang="en-US" altLang="zh-CN" dirty="0"/>
-              <a:t>0  1  2  3  4  5  6  7  </a:t>
-            </a:r>
-          </a:p>
-          <a:p>
-            <a:r>
-              <a:rPr kumimoji="1" lang="zh-CN" altLang="en-US" dirty="0"/>
-              <a:t>而我有个类，这个类有个字段叫</a:t>
-            </a:r>
-            <a:r>
-              <a:rPr kumimoji="1" lang="en-US" altLang="zh-CN" dirty="0"/>
-              <a:t>ID,</a:t>
-            </a:r>
-            <a:r>
-              <a:rPr kumimoji="1" lang="zh-CN" altLang="en-US" dirty="0"/>
-              <a:t>我要把这个类存放在以上</a:t>
-            </a:r>
-            <a:r>
-              <a:rPr kumimoji="1" lang="en-US" altLang="zh-CN" dirty="0"/>
-              <a:t>8</a:t>
-            </a:r>
-            <a:r>
-              <a:rPr kumimoji="1" lang="zh-CN" altLang="en-US" dirty="0"/>
-              <a:t>个位置之一，如果不用</a:t>
-            </a:r>
-            <a:r>
-              <a:rPr kumimoji="1" lang="en-US" altLang="zh-CN" dirty="0" err="1"/>
-              <a:t>hashcode</a:t>
-            </a:r>
-            <a:r>
-              <a:rPr kumimoji="1" lang="zh-CN" altLang="en-US" dirty="0"/>
-              <a:t>而任意存放，那么当查找时就需要到这八个位置里挨个去找，或者用二分法一类的算法。</a:t>
-            </a:r>
-          </a:p>
-          <a:p>
-            <a:r>
-              <a:rPr kumimoji="1" lang="zh-CN" altLang="en-US" dirty="0"/>
-              <a:t>但如果用</a:t>
-            </a:r>
-            <a:r>
-              <a:rPr kumimoji="1" lang="en-US" altLang="zh-CN" dirty="0" err="1"/>
-              <a:t>hashcode</a:t>
-            </a:r>
-            <a:r>
-              <a:rPr kumimoji="1" lang="zh-CN" altLang="en-US" dirty="0"/>
-              <a:t>那就会使效率提高很多。</a:t>
-            </a:r>
-          </a:p>
-          <a:p>
-            <a:r>
-              <a:rPr kumimoji="1" lang="zh-CN" altLang="en-US" dirty="0"/>
-              <a:t>我们这个类中有个字段叫</a:t>
-            </a:r>
-            <a:r>
-              <a:rPr kumimoji="1" lang="en-US" altLang="zh-CN" dirty="0"/>
-              <a:t>ID,</a:t>
-            </a:r>
-            <a:r>
-              <a:rPr kumimoji="1" lang="zh-CN" altLang="en-US" dirty="0"/>
-              <a:t>那么我们就定义我们的</a:t>
-            </a:r>
-            <a:r>
-              <a:rPr kumimoji="1" lang="en-US" altLang="zh-CN" dirty="0" err="1"/>
-              <a:t>hashcode</a:t>
-            </a:r>
-            <a:r>
-              <a:rPr kumimoji="1" lang="zh-CN" altLang="en-US" dirty="0"/>
-              <a:t>为</a:t>
-            </a:r>
-            <a:r>
-              <a:rPr kumimoji="1" lang="en-US" altLang="zh-CN" dirty="0"/>
-              <a:t>ID</a:t>
-            </a:r>
-            <a:r>
-              <a:rPr kumimoji="1" lang="zh-CN" altLang="en-US" dirty="0"/>
-              <a:t>％</a:t>
-            </a:r>
-            <a:r>
-              <a:rPr kumimoji="1" lang="en-US" altLang="zh-CN" dirty="0"/>
-              <a:t>8</a:t>
-            </a:r>
-            <a:r>
-              <a:rPr kumimoji="1" lang="zh-CN" altLang="en-US" dirty="0"/>
-              <a:t>，然后把我们的类存放在取得得余数那个位置。比如我们的</a:t>
-            </a:r>
-            <a:r>
-              <a:rPr kumimoji="1" lang="en-US" altLang="zh-CN" dirty="0"/>
-              <a:t>ID</a:t>
-            </a:r>
-            <a:r>
-              <a:rPr kumimoji="1" lang="zh-CN" altLang="en-US" dirty="0"/>
-              <a:t>为</a:t>
-            </a:r>
-            <a:r>
-              <a:rPr kumimoji="1" lang="en-US" altLang="zh-CN" dirty="0"/>
-              <a:t>9</a:t>
-            </a:r>
-            <a:r>
-              <a:rPr kumimoji="1" lang="zh-CN" altLang="en-US" dirty="0"/>
-              <a:t>，</a:t>
-            </a:r>
-            <a:r>
-              <a:rPr kumimoji="1" lang="en-US" altLang="zh-CN" dirty="0"/>
-              <a:t>9</a:t>
-            </a:r>
-            <a:r>
-              <a:rPr kumimoji="1" lang="zh-CN" altLang="en-US" dirty="0"/>
-              <a:t>除</a:t>
-            </a:r>
-            <a:r>
-              <a:rPr kumimoji="1" lang="en-US" altLang="zh-CN" dirty="0"/>
-              <a:t>8</a:t>
-            </a:r>
-            <a:r>
-              <a:rPr kumimoji="1" lang="zh-CN" altLang="en-US" dirty="0"/>
-              <a:t>的余数为</a:t>
-            </a:r>
-            <a:r>
-              <a:rPr kumimoji="1" lang="en-US" altLang="zh-CN" dirty="0"/>
-              <a:t>1</a:t>
-            </a:r>
-            <a:r>
-              <a:rPr kumimoji="1" lang="zh-CN" altLang="en-US" dirty="0"/>
-              <a:t>，那么我们就把该类存在</a:t>
-            </a:r>
-            <a:r>
-              <a:rPr kumimoji="1" lang="en-US" altLang="zh-CN" dirty="0"/>
-              <a:t>1</a:t>
-            </a:r>
-            <a:r>
-              <a:rPr kumimoji="1" lang="zh-CN" altLang="en-US" dirty="0"/>
-              <a:t>这个位置，如果</a:t>
-            </a:r>
-            <a:r>
-              <a:rPr kumimoji="1" lang="en-US" altLang="zh-CN" dirty="0"/>
-              <a:t>ID</a:t>
-            </a:r>
-            <a:r>
-              <a:rPr kumimoji="1" lang="zh-CN" altLang="en-US" dirty="0"/>
-              <a:t>是</a:t>
-            </a:r>
-            <a:r>
-              <a:rPr kumimoji="1" lang="en-US" altLang="zh-CN" dirty="0"/>
-              <a:t>13</a:t>
-            </a:r>
-            <a:r>
-              <a:rPr kumimoji="1" lang="zh-CN" altLang="en-US" dirty="0"/>
-              <a:t>，求得的余数是</a:t>
-            </a:r>
-            <a:r>
-              <a:rPr kumimoji="1" lang="en-US" altLang="zh-CN" dirty="0"/>
-              <a:t>5</a:t>
-            </a:r>
-            <a:r>
-              <a:rPr kumimoji="1" lang="zh-CN" altLang="en-US" dirty="0"/>
-              <a:t>，那么我们就把该类放在</a:t>
-            </a:r>
-            <a:r>
-              <a:rPr kumimoji="1" lang="en-US" altLang="zh-CN" dirty="0"/>
-              <a:t>5</a:t>
-            </a:r>
-            <a:r>
-              <a:rPr kumimoji="1" lang="zh-CN" altLang="en-US" dirty="0"/>
-              <a:t>这个位置。这样，以后在查找该类时就可以通过</a:t>
-            </a:r>
-            <a:r>
-              <a:rPr kumimoji="1" lang="en-US" altLang="zh-CN" dirty="0"/>
-              <a:t>ID</a:t>
-            </a:r>
-            <a:r>
-              <a:rPr kumimoji="1" lang="zh-CN" altLang="en-US" dirty="0"/>
-              <a:t>除 </a:t>
-            </a:r>
-            <a:r>
-              <a:rPr kumimoji="1" lang="en-US" altLang="zh-CN" dirty="0"/>
-              <a:t>8</a:t>
-            </a:r>
-            <a:r>
-              <a:rPr kumimoji="1" lang="zh-CN" altLang="en-US" dirty="0"/>
-              <a:t>求余数直接找到存放的位置了。</a:t>
-            </a:r>
-          </a:p>
-          <a:p>
-            <a:endParaRPr kumimoji="1" lang="zh-CN" altLang="en-US" dirty="0"/>
-          </a:p>
-          <a:p>
-            <a:r>
-              <a:rPr kumimoji="1" lang="en-US" altLang="zh-CN" dirty="0"/>
-              <a:t>2.</a:t>
-            </a:r>
-            <a:r>
-              <a:rPr kumimoji="1" lang="zh-CN" altLang="en-US" dirty="0"/>
-              <a:t>但是如果两个类有相同的</a:t>
-            </a:r>
-            <a:r>
-              <a:rPr kumimoji="1" lang="en-US" altLang="zh-CN" dirty="0" err="1"/>
-              <a:t>hashcode</a:t>
-            </a:r>
-            <a:r>
-              <a:rPr kumimoji="1" lang="zh-CN" altLang="en-US" dirty="0"/>
-              <a:t>怎么办那（我们假设上面的类的</a:t>
-            </a:r>
-            <a:r>
-              <a:rPr kumimoji="1" lang="en-US" altLang="zh-CN" dirty="0"/>
-              <a:t>ID</a:t>
-            </a:r>
-            <a:r>
-              <a:rPr kumimoji="1" lang="zh-CN" altLang="en-US" dirty="0"/>
-              <a:t>不是唯一的），例如</a:t>
-            </a:r>
-            <a:r>
-              <a:rPr kumimoji="1" lang="en-US" altLang="zh-CN" dirty="0"/>
-              <a:t>9</a:t>
-            </a:r>
-            <a:r>
-              <a:rPr kumimoji="1" lang="zh-CN" altLang="en-US" dirty="0"/>
-              <a:t>除以</a:t>
-            </a:r>
-            <a:r>
-              <a:rPr kumimoji="1" lang="en-US" altLang="zh-CN" dirty="0"/>
-              <a:t>8</a:t>
-            </a:r>
-            <a:r>
-              <a:rPr kumimoji="1" lang="zh-CN" altLang="en-US" dirty="0"/>
-              <a:t>和</a:t>
-            </a:r>
-            <a:r>
-              <a:rPr kumimoji="1" lang="en-US" altLang="zh-CN" dirty="0"/>
-              <a:t>17</a:t>
-            </a:r>
-            <a:r>
-              <a:rPr kumimoji="1" lang="zh-CN" altLang="en-US" dirty="0"/>
-              <a:t>除以</a:t>
-            </a:r>
-            <a:r>
-              <a:rPr kumimoji="1" lang="en-US" altLang="zh-CN" dirty="0"/>
-              <a:t>8</a:t>
-            </a:r>
-            <a:r>
-              <a:rPr kumimoji="1" lang="zh-CN" altLang="en-US" dirty="0"/>
-              <a:t>的余数都是</a:t>
-            </a:r>
-            <a:r>
-              <a:rPr kumimoji="1" lang="en-US" altLang="zh-CN" dirty="0"/>
-              <a:t>1</a:t>
-            </a:r>
-            <a:r>
-              <a:rPr kumimoji="1" lang="zh-CN" altLang="en-US" dirty="0"/>
-              <a:t>，那么这是不是合法的，回答是：可以这样。那么如何判断呢？在这个时候就需要定义 </a:t>
-            </a:r>
-            <a:r>
-              <a:rPr kumimoji="1" lang="en-US" altLang="zh-CN" dirty="0"/>
-              <a:t>equals</a:t>
-            </a:r>
-            <a:r>
-              <a:rPr kumimoji="1" lang="zh-CN" altLang="en-US" dirty="0"/>
-              <a:t>了。</a:t>
-            </a:r>
-          </a:p>
-          <a:p>
-            <a:r>
-              <a:rPr kumimoji="1" lang="zh-CN" altLang="en-US" dirty="0"/>
-              <a:t>也就是说，我们先通过 </a:t>
-            </a:r>
-            <a:r>
-              <a:rPr kumimoji="1" lang="en-US" altLang="zh-CN" dirty="0" err="1"/>
-              <a:t>hashcode</a:t>
-            </a:r>
-            <a:r>
-              <a:rPr kumimoji="1" lang="zh-CN" altLang="en-US" dirty="0"/>
-              <a:t>来判断两个类是否存放某个桶里，但这个桶里可能有很多类，那么我们就需要再通过 </a:t>
-            </a:r>
-            <a:r>
-              <a:rPr kumimoji="1" lang="en-US" altLang="zh-CN" dirty="0"/>
-              <a:t>equals </a:t>
-            </a:r>
-            <a:r>
-              <a:rPr kumimoji="1" lang="zh-CN" altLang="en-US" dirty="0"/>
-              <a:t>来在这个桶里找到我们要的类。</a:t>
-            </a:r>
-          </a:p>
-          <a:p>
-            <a:r>
-              <a:rPr kumimoji="1" lang="zh-CN" altLang="en-US" dirty="0"/>
-              <a:t>那么。重写了</a:t>
-            </a:r>
-            <a:r>
-              <a:rPr kumimoji="1" lang="en-US" altLang="zh-CN" dirty="0"/>
-              <a:t>equals()</a:t>
-            </a:r>
-            <a:r>
-              <a:rPr kumimoji="1" lang="zh-CN" altLang="en-US" dirty="0"/>
-              <a:t>，为什么还要重写</a:t>
-            </a:r>
-            <a:r>
-              <a:rPr kumimoji="1" lang="en-US" altLang="zh-CN" dirty="0" err="1"/>
-              <a:t>hashCode</a:t>
-            </a:r>
-            <a:r>
-              <a:rPr kumimoji="1" lang="en-US" altLang="zh-CN" dirty="0"/>
-              <a:t>()</a:t>
-            </a:r>
-            <a:r>
-              <a:rPr kumimoji="1" lang="zh-CN" altLang="en-US" dirty="0"/>
-              <a:t>呢？</a:t>
-            </a:r>
-          </a:p>
-          <a:p>
-            <a:r>
-              <a:rPr kumimoji="1" lang="zh-CN" altLang="en-US" dirty="0"/>
-              <a:t>想想，你要在一个桶里找东西，你必须先要找到这个桶啊，你不通过重写</a:t>
-            </a:r>
-            <a:r>
-              <a:rPr kumimoji="1" lang="en-US" altLang="zh-CN" dirty="0" err="1"/>
-              <a:t>hashcode</a:t>
-            </a:r>
-            <a:r>
-              <a:rPr kumimoji="1" lang="en-US" altLang="zh-CN" dirty="0"/>
-              <a:t>()</a:t>
-            </a:r>
-            <a:r>
-              <a:rPr kumimoji="1" lang="zh-CN" altLang="en-US" dirty="0"/>
-              <a:t>来找到桶，光重写</a:t>
-            </a:r>
-            <a:r>
-              <a:rPr kumimoji="1" lang="en-US" altLang="zh-CN" dirty="0"/>
-              <a:t>equals()</a:t>
-            </a:r>
-            <a:r>
-              <a:rPr kumimoji="1" lang="zh-CN" altLang="en-US" dirty="0"/>
-              <a:t>有什么用啊</a:t>
-            </a:r>
-          </a:p>
-          <a:p>
-            <a:endParaRPr kumimoji="1" lang="zh-CN" altLang="en-US" dirty="0"/>
+              <a:t>切换到代码演示</a:t>
+            </a:r>
           </a:p>
         </p:txBody>
       </p:sp>
@@ -2526,7 +1791,7 @@
     </p:spTree>
     <p:extLst>
       <p:ext uri="{BB962C8B-B14F-4D97-AF65-F5344CB8AC3E}">
-        <p14:creationId xmlns:p14="http://schemas.microsoft.com/office/powerpoint/2010/main" val="342508656"/>
+        <p14:creationId xmlns:p14="http://schemas.microsoft.com/office/powerpoint/2010/main" val="3415707210"/>
       </p:ext>
     </p:extLst>
   </p:cSld>
@@ -2580,10 +1845,79 @@
           <a:bodyPr/>
           <a:lstStyle/>
           <a:p>
+            <a:pPr marL="0" marR="0" lvl="0" indent="0" algn="l" defTabSz="914400" rtl="0" eaLnBrk="1" fontAlgn="auto" latinLnBrk="0" hangingPunct="1">
+              <a:lnSpc>
+                <a:spcPct val="100000"/>
+              </a:lnSpc>
+              <a:spcBef>
+                <a:spcPts val="0"/>
+              </a:spcBef>
+              <a:spcAft>
+                <a:spcPts val="0"/>
+              </a:spcAft>
+              <a:buClrTx/>
+              <a:buSzTx/>
+              <a:buFontTx/>
+              <a:buNone/>
+              <a:tabLst/>
+              <a:defRPr/>
+            </a:pPr>
             <a:r>
               <a:rPr kumimoji="1" lang="zh-CN" altLang="en-US" dirty="0"/>
               <a:t>切换到代码演示</a:t>
             </a:r>
+            <a:r>
+              <a:rPr kumimoji="1" lang="zh-CN" altLang="en-US" sz="1200" dirty="0">
+                <a:latin typeface="Microsoft YaHei" panose="020B0503020204020204" pitchFamily="34" charset="-122"/>
+                <a:ea typeface="Microsoft YaHei" panose="020B0503020204020204" pitchFamily="34" charset="-122"/>
+              </a:rPr>
+              <a:t>判断两个对象在逻辑上是否相等，如根据类的成员变量来判断两个类的实例是否相等，而继承</a:t>
+            </a:r>
+            <a:r>
+              <a:rPr kumimoji="1" lang="en-US" altLang="zh-CN" sz="1200" dirty="0">
+                <a:latin typeface="Microsoft YaHei" panose="020B0503020204020204" pitchFamily="34" charset="-122"/>
+                <a:ea typeface="Microsoft YaHei" panose="020B0503020204020204" pitchFamily="34" charset="-122"/>
+              </a:rPr>
+              <a:t>Object</a:t>
+            </a:r>
+            <a:r>
+              <a:rPr kumimoji="1" lang="zh-CN" altLang="en-US" sz="1200" dirty="0">
+                <a:latin typeface="Microsoft YaHei" panose="020B0503020204020204" pitchFamily="34" charset="-122"/>
+                <a:ea typeface="Microsoft YaHei" panose="020B0503020204020204" pitchFamily="34" charset="-122"/>
+              </a:rPr>
+              <a:t>中的</a:t>
+            </a:r>
+            <a:r>
+              <a:rPr kumimoji="1" lang="en-US" altLang="zh-CN" sz="1200" dirty="0">
+                <a:latin typeface="Microsoft YaHei" panose="020B0503020204020204" pitchFamily="34" charset="-122"/>
+                <a:ea typeface="Microsoft YaHei" panose="020B0503020204020204" pitchFamily="34" charset="-122"/>
+              </a:rPr>
+              <a:t>equals</a:t>
+            </a:r>
+            <a:r>
+              <a:rPr kumimoji="1" lang="zh-CN" altLang="en-US" sz="1200" dirty="0">
+                <a:latin typeface="Microsoft YaHei" panose="020B0503020204020204" pitchFamily="34" charset="-122"/>
+                <a:ea typeface="Microsoft YaHei" panose="020B0503020204020204" pitchFamily="34" charset="-122"/>
+              </a:rPr>
+              <a:t>方法只能判断两个引用变量是否是同一个对象。这样我们往往需要重写</a:t>
+            </a:r>
+            <a:r>
+              <a:rPr kumimoji="1" lang="en-US" altLang="zh-CN" sz="1200" dirty="0">
+                <a:latin typeface="Microsoft YaHei" panose="020B0503020204020204" pitchFamily="34" charset="-122"/>
+                <a:ea typeface="Microsoft YaHei" panose="020B0503020204020204" pitchFamily="34" charset="-122"/>
+              </a:rPr>
+              <a:t>equals()</a:t>
+            </a:r>
+            <a:r>
+              <a:rPr kumimoji="1" lang="zh-CN" altLang="en-US" sz="1200" dirty="0">
+                <a:latin typeface="Microsoft YaHei" panose="020B0503020204020204" pitchFamily="34" charset="-122"/>
+                <a:ea typeface="Microsoft YaHei" panose="020B0503020204020204" pitchFamily="34" charset="-122"/>
+              </a:rPr>
+              <a:t>方法。</a:t>
+            </a:r>
+          </a:p>
+          <a:p>
+            <a:endParaRPr kumimoji="1" lang="zh-CN" altLang="en-US" dirty="0"/>
           </a:p>
         </p:txBody>
       </p:sp>
@@ -2613,7 +1947,7 @@
     </p:spTree>
     <p:extLst>
       <p:ext uri="{BB962C8B-B14F-4D97-AF65-F5344CB8AC3E}">
-        <p14:creationId xmlns:p14="http://schemas.microsoft.com/office/powerpoint/2010/main" val="171515314"/>
+        <p14:creationId xmlns:p14="http://schemas.microsoft.com/office/powerpoint/2010/main" val="1751631080"/>
       </p:ext>
     </p:extLst>
   </p:cSld>
@@ -2668,9 +2002,357 @@
           <a:lstStyle/>
           <a:p>
             <a:r>
+              <a:rPr kumimoji="1" lang="en-US" altLang="zh-CN" dirty="0"/>
+              <a:t>1.hashcode</a:t>
+            </a:r>
+            <a:r>
               <a:rPr kumimoji="1" lang="zh-CN" altLang="en-US" dirty="0"/>
-              <a:t>切换到代码演示</a:t>
-            </a:r>
+              <a:t>是用来查找的，如果你学过数据结构就应该知道，在查找和排序这一章有</a:t>
+            </a:r>
+          </a:p>
+          <a:p>
+            <a:r>
+              <a:rPr kumimoji="1" lang="zh-CN" altLang="en-US" dirty="0"/>
+              <a:t>例如内存中有这样的位置</a:t>
+            </a:r>
+          </a:p>
+          <a:p>
+            <a:r>
+              <a:rPr kumimoji="1" lang="en-US" altLang="zh-CN" dirty="0"/>
+              <a:t>0  1  2  3  4  5  6  7  </a:t>
+            </a:r>
+          </a:p>
+          <a:p>
+            <a:r>
+              <a:rPr kumimoji="1" lang="zh-CN" altLang="en-US" dirty="0"/>
+              <a:t>而我有个类，这个类有个字段叫</a:t>
+            </a:r>
+            <a:r>
+              <a:rPr kumimoji="1" lang="en-US" altLang="zh-CN" dirty="0"/>
+              <a:t>ID,</a:t>
+            </a:r>
+            <a:r>
+              <a:rPr kumimoji="1" lang="zh-CN" altLang="en-US" dirty="0"/>
+              <a:t>我要把这个类存放在以上</a:t>
+            </a:r>
+            <a:r>
+              <a:rPr kumimoji="1" lang="en-US" altLang="zh-CN" dirty="0"/>
+              <a:t>8</a:t>
+            </a:r>
+            <a:r>
+              <a:rPr kumimoji="1" lang="zh-CN" altLang="en-US" dirty="0"/>
+              <a:t>个位置之一，如果不用</a:t>
+            </a:r>
+            <a:r>
+              <a:rPr kumimoji="1" lang="en-US" altLang="zh-CN" dirty="0" err="1"/>
+              <a:t>hashcode</a:t>
+            </a:r>
+            <a:r>
+              <a:rPr kumimoji="1" lang="zh-CN" altLang="en-US" dirty="0"/>
+              <a:t>而任意存放，那么当查找时就需要到这八个位置里挨个去找，或者用二分法一类的算法。</a:t>
+            </a:r>
+          </a:p>
+          <a:p>
+            <a:r>
+              <a:rPr kumimoji="1" lang="zh-CN" altLang="en-US" dirty="0"/>
+              <a:t>但如果用</a:t>
+            </a:r>
+            <a:r>
+              <a:rPr kumimoji="1" lang="en-US" altLang="zh-CN" dirty="0" err="1"/>
+              <a:t>hashcode</a:t>
+            </a:r>
+            <a:r>
+              <a:rPr kumimoji="1" lang="zh-CN" altLang="en-US" dirty="0"/>
+              <a:t>那就会使效率提高很多。</a:t>
+            </a:r>
+          </a:p>
+          <a:p>
+            <a:r>
+              <a:rPr kumimoji="1" lang="zh-CN" altLang="en-US" dirty="0"/>
+              <a:t>我们这个类中有个字段叫</a:t>
+            </a:r>
+            <a:r>
+              <a:rPr kumimoji="1" lang="en-US" altLang="zh-CN" dirty="0"/>
+              <a:t>ID,</a:t>
+            </a:r>
+            <a:r>
+              <a:rPr kumimoji="1" lang="zh-CN" altLang="en-US" dirty="0"/>
+              <a:t>那么我们就定义我们的</a:t>
+            </a:r>
+            <a:r>
+              <a:rPr kumimoji="1" lang="en-US" altLang="zh-CN" dirty="0" err="1"/>
+              <a:t>hashcode</a:t>
+            </a:r>
+            <a:r>
+              <a:rPr kumimoji="1" lang="zh-CN" altLang="en-US" dirty="0"/>
+              <a:t>为</a:t>
+            </a:r>
+            <a:r>
+              <a:rPr kumimoji="1" lang="en-US" altLang="zh-CN" dirty="0"/>
+              <a:t>ID</a:t>
+            </a:r>
+            <a:r>
+              <a:rPr kumimoji="1" lang="zh-CN" altLang="en-US" dirty="0"/>
+              <a:t>％</a:t>
+            </a:r>
+            <a:r>
+              <a:rPr kumimoji="1" lang="en-US" altLang="zh-CN" dirty="0"/>
+              <a:t>8</a:t>
+            </a:r>
+            <a:r>
+              <a:rPr kumimoji="1" lang="zh-CN" altLang="en-US" dirty="0"/>
+              <a:t>，然后把我们的类存放在取得得余数那个位置。比如我们的</a:t>
+            </a:r>
+            <a:r>
+              <a:rPr kumimoji="1" lang="en-US" altLang="zh-CN" dirty="0"/>
+              <a:t>ID</a:t>
+            </a:r>
+            <a:r>
+              <a:rPr kumimoji="1" lang="zh-CN" altLang="en-US" dirty="0"/>
+              <a:t>为</a:t>
+            </a:r>
+            <a:r>
+              <a:rPr kumimoji="1" lang="en-US" altLang="zh-CN" dirty="0"/>
+              <a:t>9</a:t>
+            </a:r>
+            <a:r>
+              <a:rPr kumimoji="1" lang="zh-CN" altLang="en-US" dirty="0"/>
+              <a:t>，</a:t>
+            </a:r>
+            <a:r>
+              <a:rPr kumimoji="1" lang="en-US" altLang="zh-CN" dirty="0"/>
+              <a:t>9</a:t>
+            </a:r>
+            <a:r>
+              <a:rPr kumimoji="1" lang="zh-CN" altLang="en-US" dirty="0"/>
+              <a:t>除</a:t>
+            </a:r>
+            <a:r>
+              <a:rPr kumimoji="1" lang="en-US" altLang="zh-CN" dirty="0"/>
+              <a:t>8</a:t>
+            </a:r>
+            <a:r>
+              <a:rPr kumimoji="1" lang="zh-CN" altLang="en-US" dirty="0"/>
+              <a:t>的余数为</a:t>
+            </a:r>
+            <a:r>
+              <a:rPr kumimoji="1" lang="en-US" altLang="zh-CN" dirty="0"/>
+              <a:t>1</a:t>
+            </a:r>
+            <a:r>
+              <a:rPr kumimoji="1" lang="zh-CN" altLang="en-US" dirty="0"/>
+              <a:t>，那么我们就把该类存在</a:t>
+            </a:r>
+            <a:r>
+              <a:rPr kumimoji="1" lang="en-US" altLang="zh-CN" dirty="0"/>
+              <a:t>1</a:t>
+            </a:r>
+            <a:r>
+              <a:rPr kumimoji="1" lang="zh-CN" altLang="en-US" dirty="0"/>
+              <a:t>这个位置，如果</a:t>
+            </a:r>
+            <a:r>
+              <a:rPr kumimoji="1" lang="en-US" altLang="zh-CN" dirty="0"/>
+              <a:t>ID</a:t>
+            </a:r>
+            <a:r>
+              <a:rPr kumimoji="1" lang="zh-CN" altLang="en-US" dirty="0"/>
+              <a:t>是</a:t>
+            </a:r>
+            <a:r>
+              <a:rPr kumimoji="1" lang="en-US" altLang="zh-CN" dirty="0"/>
+              <a:t>13</a:t>
+            </a:r>
+            <a:r>
+              <a:rPr kumimoji="1" lang="zh-CN" altLang="en-US" dirty="0"/>
+              <a:t>，求得的余数是</a:t>
+            </a:r>
+            <a:r>
+              <a:rPr kumimoji="1" lang="en-US" altLang="zh-CN" dirty="0"/>
+              <a:t>5</a:t>
+            </a:r>
+            <a:r>
+              <a:rPr kumimoji="1" lang="zh-CN" altLang="en-US" dirty="0"/>
+              <a:t>，那么我们就把该类放在</a:t>
+            </a:r>
+            <a:r>
+              <a:rPr kumimoji="1" lang="en-US" altLang="zh-CN" dirty="0"/>
+              <a:t>5</a:t>
+            </a:r>
+            <a:r>
+              <a:rPr kumimoji="1" lang="zh-CN" altLang="en-US" dirty="0"/>
+              <a:t>这个位置。这样，以后在查找该类时就可以通过</a:t>
+            </a:r>
+            <a:r>
+              <a:rPr kumimoji="1" lang="en-US" altLang="zh-CN" dirty="0"/>
+              <a:t>ID</a:t>
+            </a:r>
+            <a:r>
+              <a:rPr kumimoji="1" lang="zh-CN" altLang="en-US" dirty="0"/>
+              <a:t>除 </a:t>
+            </a:r>
+            <a:r>
+              <a:rPr kumimoji="1" lang="en-US" altLang="zh-CN" dirty="0"/>
+              <a:t>8</a:t>
+            </a:r>
+            <a:r>
+              <a:rPr kumimoji="1" lang="zh-CN" altLang="en-US" dirty="0"/>
+              <a:t>求余数直接找到存放的位置了。</a:t>
+            </a:r>
+          </a:p>
+          <a:p>
+            <a:endParaRPr kumimoji="1" lang="zh-CN" altLang="en-US" dirty="0"/>
+          </a:p>
+          <a:p>
+            <a:r>
+              <a:rPr kumimoji="1" lang="en-US" altLang="zh-CN" dirty="0"/>
+              <a:t>2.</a:t>
+            </a:r>
+            <a:r>
+              <a:rPr kumimoji="1" lang="zh-CN" altLang="en-US" dirty="0"/>
+              <a:t>但是如果两个类有相同的</a:t>
+            </a:r>
+            <a:r>
+              <a:rPr kumimoji="1" lang="en-US" altLang="zh-CN" dirty="0" err="1"/>
+              <a:t>hashcode</a:t>
+            </a:r>
+            <a:r>
+              <a:rPr kumimoji="1" lang="zh-CN" altLang="en-US" dirty="0"/>
+              <a:t>怎么办那（我们假设上面的类的</a:t>
+            </a:r>
+            <a:r>
+              <a:rPr kumimoji="1" lang="en-US" altLang="zh-CN" dirty="0"/>
+              <a:t>ID</a:t>
+            </a:r>
+            <a:r>
+              <a:rPr kumimoji="1" lang="zh-CN" altLang="en-US" dirty="0"/>
+              <a:t>不是唯一的），例如</a:t>
+            </a:r>
+            <a:r>
+              <a:rPr kumimoji="1" lang="en-US" altLang="zh-CN" dirty="0"/>
+              <a:t>9</a:t>
+            </a:r>
+            <a:r>
+              <a:rPr kumimoji="1" lang="zh-CN" altLang="en-US" dirty="0"/>
+              <a:t>除以</a:t>
+            </a:r>
+            <a:r>
+              <a:rPr kumimoji="1" lang="en-US" altLang="zh-CN" dirty="0"/>
+              <a:t>8</a:t>
+            </a:r>
+            <a:r>
+              <a:rPr kumimoji="1" lang="zh-CN" altLang="en-US" dirty="0"/>
+              <a:t>和</a:t>
+            </a:r>
+            <a:r>
+              <a:rPr kumimoji="1" lang="en-US" altLang="zh-CN" dirty="0"/>
+              <a:t>17</a:t>
+            </a:r>
+            <a:r>
+              <a:rPr kumimoji="1" lang="zh-CN" altLang="en-US" dirty="0"/>
+              <a:t>除以</a:t>
+            </a:r>
+            <a:r>
+              <a:rPr kumimoji="1" lang="en-US" altLang="zh-CN" dirty="0"/>
+              <a:t>8</a:t>
+            </a:r>
+            <a:r>
+              <a:rPr kumimoji="1" lang="zh-CN" altLang="en-US" dirty="0"/>
+              <a:t>的余数都是</a:t>
+            </a:r>
+            <a:r>
+              <a:rPr kumimoji="1" lang="en-US" altLang="zh-CN" dirty="0"/>
+              <a:t>1</a:t>
+            </a:r>
+            <a:r>
+              <a:rPr kumimoji="1" lang="zh-CN" altLang="en-US" dirty="0"/>
+              <a:t>，那么这是不是合法的，回答是：可以这样。那么如何判断呢？在这个时候就需要定义 </a:t>
+            </a:r>
+            <a:r>
+              <a:rPr kumimoji="1" lang="en-US" altLang="zh-CN" dirty="0"/>
+              <a:t>equals</a:t>
+            </a:r>
+            <a:r>
+              <a:rPr kumimoji="1" lang="zh-CN" altLang="en-US" dirty="0"/>
+              <a:t>了。</a:t>
+            </a:r>
+          </a:p>
+          <a:p>
+            <a:r>
+              <a:rPr kumimoji="1" lang="zh-CN" altLang="en-US" dirty="0"/>
+              <a:t>也就是说，我们先通过 </a:t>
+            </a:r>
+            <a:r>
+              <a:rPr kumimoji="1" lang="en-US" altLang="zh-CN" dirty="0" err="1"/>
+              <a:t>hashcode</a:t>
+            </a:r>
+            <a:r>
+              <a:rPr kumimoji="1" lang="zh-CN" altLang="en-US" dirty="0"/>
+              <a:t>来判断两个类是否存放某个桶里，但这个桶里可能有很多类，那么我们就需要再通过 </a:t>
+            </a:r>
+            <a:r>
+              <a:rPr kumimoji="1" lang="en-US" altLang="zh-CN" dirty="0"/>
+              <a:t>equals </a:t>
+            </a:r>
+            <a:r>
+              <a:rPr kumimoji="1" lang="zh-CN" altLang="en-US" dirty="0"/>
+              <a:t>来在这个桶里找到我们要的类。</a:t>
+            </a:r>
+          </a:p>
+          <a:p>
+            <a:r>
+              <a:rPr kumimoji="1" lang="zh-CN" altLang="en-US" dirty="0"/>
+              <a:t>那么。重写了</a:t>
+            </a:r>
+            <a:r>
+              <a:rPr kumimoji="1" lang="en-US" altLang="zh-CN" dirty="0"/>
+              <a:t>equals()</a:t>
+            </a:r>
+            <a:r>
+              <a:rPr kumimoji="1" lang="zh-CN" altLang="en-US" dirty="0"/>
+              <a:t>，为什么还要重写</a:t>
+            </a:r>
+            <a:r>
+              <a:rPr kumimoji="1" lang="en-US" altLang="zh-CN" dirty="0" err="1"/>
+              <a:t>hashCode</a:t>
+            </a:r>
+            <a:r>
+              <a:rPr kumimoji="1" lang="en-US" altLang="zh-CN" dirty="0"/>
+              <a:t>()</a:t>
+            </a:r>
+            <a:r>
+              <a:rPr kumimoji="1" lang="zh-CN" altLang="en-US" dirty="0"/>
+              <a:t>呢？</a:t>
+            </a:r>
+          </a:p>
+          <a:p>
+            <a:r>
+              <a:rPr kumimoji="1" lang="zh-CN" altLang="en-US" dirty="0"/>
+              <a:t>想想，你要在一个桶里找东西，你必须先要找到这个桶啊，你不通过重写</a:t>
+            </a:r>
+            <a:r>
+              <a:rPr kumimoji="1" lang="en-US" altLang="zh-CN" dirty="0" err="1"/>
+              <a:t>hashcode</a:t>
+            </a:r>
+            <a:r>
+              <a:rPr kumimoji="1" lang="en-US" altLang="zh-CN" dirty="0"/>
+              <a:t>()</a:t>
+            </a:r>
+            <a:r>
+              <a:rPr kumimoji="1" lang="zh-CN" altLang="en-US" dirty="0"/>
+              <a:t>来找到桶，光重写</a:t>
+            </a:r>
+            <a:r>
+              <a:rPr kumimoji="1" lang="en-US" altLang="zh-CN" dirty="0"/>
+              <a:t>equals()</a:t>
+            </a:r>
+            <a:r>
+              <a:rPr kumimoji="1" lang="zh-CN" altLang="en-US" dirty="0"/>
+              <a:t>有什么用啊</a:t>
+            </a:r>
+          </a:p>
+          <a:p>
+            <a:endParaRPr kumimoji="1" lang="zh-CN" altLang="en-US" dirty="0"/>
           </a:p>
         </p:txBody>
       </p:sp>
@@ -2700,7 +2382,7 @@
     </p:spTree>
     <p:extLst>
       <p:ext uri="{BB962C8B-B14F-4D97-AF65-F5344CB8AC3E}">
-        <p14:creationId xmlns:p14="http://schemas.microsoft.com/office/powerpoint/2010/main" val="1739551378"/>
+        <p14:creationId xmlns:p14="http://schemas.microsoft.com/office/powerpoint/2010/main" val="227411470"/>
       </p:ext>
     </p:extLst>
   </p:cSld>
@@ -2755,9 +2437,357 @@
           <a:lstStyle/>
           <a:p>
             <a:r>
+              <a:rPr kumimoji="1" lang="en-US" altLang="zh-CN" dirty="0"/>
+              <a:t>1.hashcode</a:t>
+            </a:r>
+            <a:r>
               <a:rPr kumimoji="1" lang="zh-CN" altLang="en-US" dirty="0"/>
-              <a:t>社会要包容多样性，这样才有活力和生机</a:t>
-            </a:r>
+              <a:t>是用来查找的，如果你学过数据结构就应该知道，在查找和排序这一章有</a:t>
+            </a:r>
+          </a:p>
+          <a:p>
+            <a:r>
+              <a:rPr kumimoji="1" lang="zh-CN" altLang="en-US" dirty="0"/>
+              <a:t>例如内存中有这样的位置</a:t>
+            </a:r>
+          </a:p>
+          <a:p>
+            <a:r>
+              <a:rPr kumimoji="1" lang="en-US" altLang="zh-CN" dirty="0"/>
+              <a:t>0  1  2  3  4  5  6  7  </a:t>
+            </a:r>
+          </a:p>
+          <a:p>
+            <a:r>
+              <a:rPr kumimoji="1" lang="zh-CN" altLang="en-US" dirty="0"/>
+              <a:t>而我有个类，这个类有个字段叫</a:t>
+            </a:r>
+            <a:r>
+              <a:rPr kumimoji="1" lang="en-US" altLang="zh-CN" dirty="0"/>
+              <a:t>ID,</a:t>
+            </a:r>
+            <a:r>
+              <a:rPr kumimoji="1" lang="zh-CN" altLang="en-US" dirty="0"/>
+              <a:t>我要把这个类存放在以上</a:t>
+            </a:r>
+            <a:r>
+              <a:rPr kumimoji="1" lang="en-US" altLang="zh-CN" dirty="0"/>
+              <a:t>8</a:t>
+            </a:r>
+            <a:r>
+              <a:rPr kumimoji="1" lang="zh-CN" altLang="en-US" dirty="0"/>
+              <a:t>个位置之一，如果不用</a:t>
+            </a:r>
+            <a:r>
+              <a:rPr kumimoji="1" lang="en-US" altLang="zh-CN" dirty="0" err="1"/>
+              <a:t>hashcode</a:t>
+            </a:r>
+            <a:r>
+              <a:rPr kumimoji="1" lang="zh-CN" altLang="en-US" dirty="0"/>
+              <a:t>而任意存放，那么当查找时就需要到这八个位置里挨个去找，或者用二分法一类的算法。</a:t>
+            </a:r>
+          </a:p>
+          <a:p>
+            <a:r>
+              <a:rPr kumimoji="1" lang="zh-CN" altLang="en-US" dirty="0"/>
+              <a:t>但如果用</a:t>
+            </a:r>
+            <a:r>
+              <a:rPr kumimoji="1" lang="en-US" altLang="zh-CN" dirty="0" err="1"/>
+              <a:t>hashcode</a:t>
+            </a:r>
+            <a:r>
+              <a:rPr kumimoji="1" lang="zh-CN" altLang="en-US" dirty="0"/>
+              <a:t>那就会使效率提高很多。</a:t>
+            </a:r>
+          </a:p>
+          <a:p>
+            <a:r>
+              <a:rPr kumimoji="1" lang="zh-CN" altLang="en-US" dirty="0"/>
+              <a:t>我们这个类中有个字段叫</a:t>
+            </a:r>
+            <a:r>
+              <a:rPr kumimoji="1" lang="en-US" altLang="zh-CN" dirty="0"/>
+              <a:t>ID,</a:t>
+            </a:r>
+            <a:r>
+              <a:rPr kumimoji="1" lang="zh-CN" altLang="en-US" dirty="0"/>
+              <a:t>那么我们就定义我们的</a:t>
+            </a:r>
+            <a:r>
+              <a:rPr kumimoji="1" lang="en-US" altLang="zh-CN" dirty="0" err="1"/>
+              <a:t>hashcode</a:t>
+            </a:r>
+            <a:r>
+              <a:rPr kumimoji="1" lang="zh-CN" altLang="en-US" dirty="0"/>
+              <a:t>为</a:t>
+            </a:r>
+            <a:r>
+              <a:rPr kumimoji="1" lang="en-US" altLang="zh-CN" dirty="0"/>
+              <a:t>ID</a:t>
+            </a:r>
+            <a:r>
+              <a:rPr kumimoji="1" lang="zh-CN" altLang="en-US" dirty="0"/>
+              <a:t>％</a:t>
+            </a:r>
+            <a:r>
+              <a:rPr kumimoji="1" lang="en-US" altLang="zh-CN" dirty="0"/>
+              <a:t>8</a:t>
+            </a:r>
+            <a:r>
+              <a:rPr kumimoji="1" lang="zh-CN" altLang="en-US" dirty="0"/>
+              <a:t>，然后把我们的类存放在取得得余数那个位置。比如我们的</a:t>
+            </a:r>
+            <a:r>
+              <a:rPr kumimoji="1" lang="en-US" altLang="zh-CN" dirty="0"/>
+              <a:t>ID</a:t>
+            </a:r>
+            <a:r>
+              <a:rPr kumimoji="1" lang="zh-CN" altLang="en-US" dirty="0"/>
+              <a:t>为</a:t>
+            </a:r>
+            <a:r>
+              <a:rPr kumimoji="1" lang="en-US" altLang="zh-CN" dirty="0"/>
+              <a:t>9</a:t>
+            </a:r>
+            <a:r>
+              <a:rPr kumimoji="1" lang="zh-CN" altLang="en-US" dirty="0"/>
+              <a:t>，</a:t>
+            </a:r>
+            <a:r>
+              <a:rPr kumimoji="1" lang="en-US" altLang="zh-CN" dirty="0"/>
+              <a:t>9</a:t>
+            </a:r>
+            <a:r>
+              <a:rPr kumimoji="1" lang="zh-CN" altLang="en-US" dirty="0"/>
+              <a:t>除</a:t>
+            </a:r>
+            <a:r>
+              <a:rPr kumimoji="1" lang="en-US" altLang="zh-CN" dirty="0"/>
+              <a:t>8</a:t>
+            </a:r>
+            <a:r>
+              <a:rPr kumimoji="1" lang="zh-CN" altLang="en-US" dirty="0"/>
+              <a:t>的余数为</a:t>
+            </a:r>
+            <a:r>
+              <a:rPr kumimoji="1" lang="en-US" altLang="zh-CN" dirty="0"/>
+              <a:t>1</a:t>
+            </a:r>
+            <a:r>
+              <a:rPr kumimoji="1" lang="zh-CN" altLang="en-US" dirty="0"/>
+              <a:t>，那么我们就把该类存在</a:t>
+            </a:r>
+            <a:r>
+              <a:rPr kumimoji="1" lang="en-US" altLang="zh-CN" dirty="0"/>
+              <a:t>1</a:t>
+            </a:r>
+            <a:r>
+              <a:rPr kumimoji="1" lang="zh-CN" altLang="en-US" dirty="0"/>
+              <a:t>这个位置，如果</a:t>
+            </a:r>
+            <a:r>
+              <a:rPr kumimoji="1" lang="en-US" altLang="zh-CN" dirty="0"/>
+              <a:t>ID</a:t>
+            </a:r>
+            <a:r>
+              <a:rPr kumimoji="1" lang="zh-CN" altLang="en-US" dirty="0"/>
+              <a:t>是</a:t>
+            </a:r>
+            <a:r>
+              <a:rPr kumimoji="1" lang="en-US" altLang="zh-CN" dirty="0"/>
+              <a:t>13</a:t>
+            </a:r>
+            <a:r>
+              <a:rPr kumimoji="1" lang="zh-CN" altLang="en-US" dirty="0"/>
+              <a:t>，求得的余数是</a:t>
+            </a:r>
+            <a:r>
+              <a:rPr kumimoji="1" lang="en-US" altLang="zh-CN" dirty="0"/>
+              <a:t>5</a:t>
+            </a:r>
+            <a:r>
+              <a:rPr kumimoji="1" lang="zh-CN" altLang="en-US" dirty="0"/>
+              <a:t>，那么我们就把该类放在</a:t>
+            </a:r>
+            <a:r>
+              <a:rPr kumimoji="1" lang="en-US" altLang="zh-CN" dirty="0"/>
+              <a:t>5</a:t>
+            </a:r>
+            <a:r>
+              <a:rPr kumimoji="1" lang="zh-CN" altLang="en-US" dirty="0"/>
+              <a:t>这个位置。这样，以后在查找该类时就可以通过</a:t>
+            </a:r>
+            <a:r>
+              <a:rPr kumimoji="1" lang="en-US" altLang="zh-CN" dirty="0"/>
+              <a:t>ID</a:t>
+            </a:r>
+            <a:r>
+              <a:rPr kumimoji="1" lang="zh-CN" altLang="en-US" dirty="0"/>
+              <a:t>除 </a:t>
+            </a:r>
+            <a:r>
+              <a:rPr kumimoji="1" lang="en-US" altLang="zh-CN" dirty="0"/>
+              <a:t>8</a:t>
+            </a:r>
+            <a:r>
+              <a:rPr kumimoji="1" lang="zh-CN" altLang="en-US" dirty="0"/>
+              <a:t>求余数直接找到存放的位置了。</a:t>
+            </a:r>
+          </a:p>
+          <a:p>
+            <a:endParaRPr kumimoji="1" lang="zh-CN" altLang="en-US" dirty="0"/>
+          </a:p>
+          <a:p>
+            <a:r>
+              <a:rPr kumimoji="1" lang="en-US" altLang="zh-CN" dirty="0"/>
+              <a:t>2.</a:t>
+            </a:r>
+            <a:r>
+              <a:rPr kumimoji="1" lang="zh-CN" altLang="en-US" dirty="0"/>
+              <a:t>但是如果两个类有相同的</a:t>
+            </a:r>
+            <a:r>
+              <a:rPr kumimoji="1" lang="en-US" altLang="zh-CN" dirty="0" err="1"/>
+              <a:t>hashcode</a:t>
+            </a:r>
+            <a:r>
+              <a:rPr kumimoji="1" lang="zh-CN" altLang="en-US" dirty="0"/>
+              <a:t>怎么办那（我们假设上面的类的</a:t>
+            </a:r>
+            <a:r>
+              <a:rPr kumimoji="1" lang="en-US" altLang="zh-CN" dirty="0"/>
+              <a:t>ID</a:t>
+            </a:r>
+            <a:r>
+              <a:rPr kumimoji="1" lang="zh-CN" altLang="en-US" dirty="0"/>
+              <a:t>不是唯一的），例如</a:t>
+            </a:r>
+            <a:r>
+              <a:rPr kumimoji="1" lang="en-US" altLang="zh-CN" dirty="0"/>
+              <a:t>9</a:t>
+            </a:r>
+            <a:r>
+              <a:rPr kumimoji="1" lang="zh-CN" altLang="en-US" dirty="0"/>
+              <a:t>除以</a:t>
+            </a:r>
+            <a:r>
+              <a:rPr kumimoji="1" lang="en-US" altLang="zh-CN" dirty="0"/>
+              <a:t>8</a:t>
+            </a:r>
+            <a:r>
+              <a:rPr kumimoji="1" lang="zh-CN" altLang="en-US" dirty="0"/>
+              <a:t>和</a:t>
+            </a:r>
+            <a:r>
+              <a:rPr kumimoji="1" lang="en-US" altLang="zh-CN" dirty="0"/>
+              <a:t>17</a:t>
+            </a:r>
+            <a:r>
+              <a:rPr kumimoji="1" lang="zh-CN" altLang="en-US" dirty="0"/>
+              <a:t>除以</a:t>
+            </a:r>
+            <a:r>
+              <a:rPr kumimoji="1" lang="en-US" altLang="zh-CN" dirty="0"/>
+              <a:t>8</a:t>
+            </a:r>
+            <a:r>
+              <a:rPr kumimoji="1" lang="zh-CN" altLang="en-US" dirty="0"/>
+              <a:t>的余数都是</a:t>
+            </a:r>
+            <a:r>
+              <a:rPr kumimoji="1" lang="en-US" altLang="zh-CN" dirty="0"/>
+              <a:t>1</a:t>
+            </a:r>
+            <a:r>
+              <a:rPr kumimoji="1" lang="zh-CN" altLang="en-US" dirty="0"/>
+              <a:t>，那么这是不是合法的，回答是：可以这样。那么如何判断呢？在这个时候就需要定义 </a:t>
+            </a:r>
+            <a:r>
+              <a:rPr kumimoji="1" lang="en-US" altLang="zh-CN" dirty="0"/>
+              <a:t>equals</a:t>
+            </a:r>
+            <a:r>
+              <a:rPr kumimoji="1" lang="zh-CN" altLang="en-US" dirty="0"/>
+              <a:t>了。</a:t>
+            </a:r>
+          </a:p>
+          <a:p>
+            <a:r>
+              <a:rPr kumimoji="1" lang="zh-CN" altLang="en-US" dirty="0"/>
+              <a:t>也就是说，我们先通过 </a:t>
+            </a:r>
+            <a:r>
+              <a:rPr kumimoji="1" lang="en-US" altLang="zh-CN" dirty="0" err="1"/>
+              <a:t>hashcode</a:t>
+            </a:r>
+            <a:r>
+              <a:rPr kumimoji="1" lang="zh-CN" altLang="en-US" dirty="0"/>
+              <a:t>来判断两个类是否存放某个桶里，但这个桶里可能有很多类，那么我们就需要再通过 </a:t>
+            </a:r>
+            <a:r>
+              <a:rPr kumimoji="1" lang="en-US" altLang="zh-CN" dirty="0"/>
+              <a:t>equals </a:t>
+            </a:r>
+            <a:r>
+              <a:rPr kumimoji="1" lang="zh-CN" altLang="en-US" dirty="0"/>
+              <a:t>来在这个桶里找到我们要的类。</a:t>
+            </a:r>
+          </a:p>
+          <a:p>
+            <a:r>
+              <a:rPr kumimoji="1" lang="zh-CN" altLang="en-US" dirty="0"/>
+              <a:t>那么。重写了</a:t>
+            </a:r>
+            <a:r>
+              <a:rPr kumimoji="1" lang="en-US" altLang="zh-CN" dirty="0"/>
+              <a:t>equals()</a:t>
+            </a:r>
+            <a:r>
+              <a:rPr kumimoji="1" lang="zh-CN" altLang="en-US" dirty="0"/>
+              <a:t>，为什么还要重写</a:t>
+            </a:r>
+            <a:r>
+              <a:rPr kumimoji="1" lang="en-US" altLang="zh-CN" dirty="0" err="1"/>
+              <a:t>hashCode</a:t>
+            </a:r>
+            <a:r>
+              <a:rPr kumimoji="1" lang="en-US" altLang="zh-CN" dirty="0"/>
+              <a:t>()</a:t>
+            </a:r>
+            <a:r>
+              <a:rPr kumimoji="1" lang="zh-CN" altLang="en-US" dirty="0"/>
+              <a:t>呢？</a:t>
+            </a:r>
+          </a:p>
+          <a:p>
+            <a:r>
+              <a:rPr kumimoji="1" lang="zh-CN" altLang="en-US" dirty="0"/>
+              <a:t>想想，你要在一个桶里找东西，你必须先要找到这个桶啊，你不通过重写</a:t>
+            </a:r>
+            <a:r>
+              <a:rPr kumimoji="1" lang="en-US" altLang="zh-CN" dirty="0" err="1"/>
+              <a:t>hashcode</a:t>
+            </a:r>
+            <a:r>
+              <a:rPr kumimoji="1" lang="en-US" altLang="zh-CN" dirty="0"/>
+              <a:t>()</a:t>
+            </a:r>
+            <a:r>
+              <a:rPr kumimoji="1" lang="zh-CN" altLang="en-US" dirty="0"/>
+              <a:t>来找到桶，光重写</a:t>
+            </a:r>
+            <a:r>
+              <a:rPr kumimoji="1" lang="en-US" altLang="zh-CN" dirty="0"/>
+              <a:t>equals()</a:t>
+            </a:r>
+            <a:r>
+              <a:rPr kumimoji="1" lang="zh-CN" altLang="en-US" dirty="0"/>
+              <a:t>有什么用啊</a:t>
+            </a:r>
+          </a:p>
+          <a:p>
+            <a:endParaRPr kumimoji="1" lang="zh-CN" altLang="en-US" dirty="0"/>
           </a:p>
         </p:txBody>
       </p:sp>
@@ -2787,7 +2817,7 @@
     </p:spTree>
     <p:extLst>
       <p:ext uri="{BB962C8B-B14F-4D97-AF65-F5344CB8AC3E}">
-        <p14:creationId xmlns:p14="http://schemas.microsoft.com/office/powerpoint/2010/main" val="3531369269"/>
+        <p14:creationId xmlns:p14="http://schemas.microsoft.com/office/powerpoint/2010/main" val="342508656"/>
       </p:ext>
     </p:extLst>
   </p:cSld>
@@ -2843,7 +2873,7 @@
           <a:p>
             <a:r>
               <a:rPr kumimoji="1" lang="zh-CN" altLang="en-US" dirty="0"/>
-              <a:t>社会要包容多样性，这样才有活力和生机</a:t>
+              <a:t>切换到代码演示</a:t>
             </a:r>
           </a:p>
         </p:txBody>
@@ -2874,7 +2904,7 @@
     </p:spTree>
     <p:extLst>
       <p:ext uri="{BB962C8B-B14F-4D97-AF65-F5344CB8AC3E}">
-        <p14:creationId xmlns:p14="http://schemas.microsoft.com/office/powerpoint/2010/main" val="2954095342"/>
+        <p14:creationId xmlns:p14="http://schemas.microsoft.com/office/powerpoint/2010/main" val="171515314"/>
       </p:ext>
     </p:extLst>
   </p:cSld>
@@ -2930,7 +2960,7 @@
           <a:p>
             <a:r>
               <a:rPr kumimoji="1" lang="zh-CN" altLang="en-US" dirty="0"/>
-              <a:t>社会要包容多样性，这样才有活力和生机</a:t>
+              <a:t>切换到代码演示</a:t>
             </a:r>
           </a:p>
         </p:txBody>
@@ -2961,7 +2991,7 @@
     </p:spTree>
     <p:extLst>
       <p:ext uri="{BB962C8B-B14F-4D97-AF65-F5344CB8AC3E}">
-        <p14:creationId xmlns:p14="http://schemas.microsoft.com/office/powerpoint/2010/main" val="3205552697"/>
+        <p14:creationId xmlns:p14="http://schemas.microsoft.com/office/powerpoint/2010/main" val="1739551378"/>
       </p:ext>
     </p:extLst>
   </p:cSld>
@@ -3017,7 +3047,7 @@
           <a:p>
             <a:r>
               <a:rPr kumimoji="1" lang="zh-CN" altLang="en-US" dirty="0"/>
-              <a:t>切换到代码演示</a:t>
+              <a:t>社会要包容多样性，这样才有活力和生机</a:t>
             </a:r>
           </a:p>
         </p:txBody>
@@ -3048,7 +3078,7 @@
     </p:spTree>
     <p:extLst>
       <p:ext uri="{BB962C8B-B14F-4D97-AF65-F5344CB8AC3E}">
-        <p14:creationId xmlns:p14="http://schemas.microsoft.com/office/powerpoint/2010/main" val="4252159736"/>
+        <p14:creationId xmlns:p14="http://schemas.microsoft.com/office/powerpoint/2010/main" val="3531369269"/>
       </p:ext>
     </p:extLst>
   </p:cSld>
@@ -3104,7 +3134,7 @@
           <a:p>
             <a:r>
               <a:rPr kumimoji="1" lang="zh-CN" altLang="en-US" dirty="0"/>
-              <a:t>切换到代码演示</a:t>
+              <a:t>社会要包容多样性，这样才有活力和生机</a:t>
             </a:r>
           </a:p>
         </p:txBody>
@@ -3135,7 +3165,7 @@
     </p:spTree>
     <p:extLst>
       <p:ext uri="{BB962C8B-B14F-4D97-AF65-F5344CB8AC3E}">
-        <p14:creationId xmlns:p14="http://schemas.microsoft.com/office/powerpoint/2010/main" val="3913912497"/>
+        <p14:creationId xmlns:p14="http://schemas.microsoft.com/office/powerpoint/2010/main" val="2954095342"/>
       </p:ext>
     </p:extLst>
   </p:cSld>
@@ -3191,7 +3221,7 @@
           <a:p>
             <a:r>
               <a:rPr kumimoji="1" lang="zh-CN" altLang="en-US" dirty="0"/>
-              <a:t>切换到代码演示</a:t>
+              <a:t>社会要包容多样性，这样才有活力和生机</a:t>
             </a:r>
           </a:p>
         </p:txBody>
@@ -3222,7 +3252,7 @@
     </p:spTree>
     <p:extLst>
       <p:ext uri="{BB962C8B-B14F-4D97-AF65-F5344CB8AC3E}">
-        <p14:creationId xmlns:p14="http://schemas.microsoft.com/office/powerpoint/2010/main" val="4169733401"/>
+        <p14:creationId xmlns:p14="http://schemas.microsoft.com/office/powerpoint/2010/main" val="3205552697"/>
       </p:ext>
     </p:extLst>
   </p:cSld>
@@ -3396,7 +3426,7 @@
     </p:spTree>
     <p:extLst>
       <p:ext uri="{BB962C8B-B14F-4D97-AF65-F5344CB8AC3E}">
-        <p14:creationId xmlns:p14="http://schemas.microsoft.com/office/powerpoint/2010/main" val="751430556"/>
+        <p14:creationId xmlns:p14="http://schemas.microsoft.com/office/powerpoint/2010/main" val="4252159736"/>
       </p:ext>
     </p:extLst>
   </p:cSld>
@@ -3483,7 +3513,7 @@
     </p:spTree>
     <p:extLst>
       <p:ext uri="{BB962C8B-B14F-4D97-AF65-F5344CB8AC3E}">
-        <p14:creationId xmlns:p14="http://schemas.microsoft.com/office/powerpoint/2010/main" val="974104758"/>
+        <p14:creationId xmlns:p14="http://schemas.microsoft.com/office/powerpoint/2010/main" val="3913912497"/>
       </p:ext>
     </p:extLst>
   </p:cSld>
@@ -3570,7 +3600,7 @@
     </p:spTree>
     <p:extLst>
       <p:ext uri="{BB962C8B-B14F-4D97-AF65-F5344CB8AC3E}">
-        <p14:creationId xmlns:p14="http://schemas.microsoft.com/office/powerpoint/2010/main" val="59979368"/>
+        <p14:creationId xmlns:p14="http://schemas.microsoft.com/office/powerpoint/2010/main" val="4169733401"/>
       </p:ext>
     </p:extLst>
   </p:cSld>
@@ -3657,7 +3687,7 @@
     </p:spTree>
     <p:extLst>
       <p:ext uri="{BB962C8B-B14F-4D97-AF65-F5344CB8AC3E}">
-        <p14:creationId xmlns:p14="http://schemas.microsoft.com/office/powerpoint/2010/main" val="513540376"/>
+        <p14:creationId xmlns:p14="http://schemas.microsoft.com/office/powerpoint/2010/main" val="751430556"/>
       </p:ext>
     </p:extLst>
   </p:cSld>
@@ -3711,7 +3741,10 @@
           <a:bodyPr/>
           <a:lstStyle/>
           <a:p>
-            <a:endParaRPr kumimoji="1" lang="zh-CN" altLang="en-US" dirty="0"/>
+            <a:r>
+              <a:rPr kumimoji="1" lang="zh-CN" altLang="en-US" dirty="0"/>
+              <a:t>切换到代码演示</a:t>
+            </a:r>
           </a:p>
         </p:txBody>
       </p:sp>
@@ -3741,7 +3774,7 @@
     </p:spTree>
     <p:extLst>
       <p:ext uri="{BB962C8B-B14F-4D97-AF65-F5344CB8AC3E}">
-        <p14:creationId xmlns:p14="http://schemas.microsoft.com/office/powerpoint/2010/main" val="196978879"/>
+        <p14:creationId xmlns:p14="http://schemas.microsoft.com/office/powerpoint/2010/main" val="974104758"/>
       </p:ext>
     </p:extLst>
   </p:cSld>
@@ -3795,7 +3828,10 @@
           <a:bodyPr/>
           <a:lstStyle/>
           <a:p>
-            <a:endParaRPr kumimoji="1" lang="zh-CN" altLang="en-US" dirty="0"/>
+            <a:r>
+              <a:rPr kumimoji="1" lang="zh-CN" altLang="en-US" dirty="0"/>
+              <a:t>切换到代码演示</a:t>
+            </a:r>
           </a:p>
         </p:txBody>
       </p:sp>
@@ -3825,7 +3861,7 @@
     </p:spTree>
     <p:extLst>
       <p:ext uri="{BB962C8B-B14F-4D97-AF65-F5344CB8AC3E}">
-        <p14:creationId xmlns:p14="http://schemas.microsoft.com/office/powerpoint/2010/main" val="4167110842"/>
+        <p14:creationId xmlns:p14="http://schemas.microsoft.com/office/powerpoint/2010/main" val="59979368"/>
       </p:ext>
     </p:extLst>
   </p:cSld>
@@ -3879,7 +3915,10 @@
           <a:bodyPr/>
           <a:lstStyle/>
           <a:p>
-            <a:endParaRPr kumimoji="1" lang="zh-CN" altLang="en-US" dirty="0"/>
+            <a:r>
+              <a:rPr kumimoji="1" lang="zh-CN" altLang="en-US" dirty="0"/>
+              <a:t>切换到代码演示</a:t>
+            </a:r>
           </a:p>
         </p:txBody>
       </p:sp>
@@ -3901,6 +3940,258 @@
             <a:fld id="{0F8E57A1-C481-6944-857F-EAC8E932B5ED}" type="slidenum">
               <a:rPr kumimoji="1" lang="zh-CN" altLang="en-US" smtClean="0"/>
               <a:t>37</a:t>
+            </a:fld>
+            <a:endParaRPr kumimoji="1" lang="zh-CN" altLang="en-US"/>
+          </a:p>
+        </p:txBody>
+      </p:sp>
+    </p:spTree>
+    <p:extLst>
+      <p:ext uri="{BB962C8B-B14F-4D97-AF65-F5344CB8AC3E}">
+        <p14:creationId xmlns:p14="http://schemas.microsoft.com/office/powerpoint/2010/main" val="513540376"/>
+      </p:ext>
+    </p:extLst>
+  </p:cSld>
+  <p:clrMapOvr>
+    <a:masterClrMapping/>
+  </p:clrMapOvr>
+</p:notes>
+</file>
+
+<file path=ppt/notesSlides/notesSlide37.xml><?xml version="1.0" encoding="utf-8"?>
+<p:notes xmlns:a="http://schemas.openxmlformats.org/drawingml/2006/main" xmlns:r="http://schemas.openxmlformats.org/officeDocument/2006/relationships" xmlns:p="http://schemas.openxmlformats.org/presentationml/2006/main">
+  <p:cSld>
+    <p:spTree>
+      <p:nvGrpSpPr>
+        <p:cNvPr id="1" name=""/>
+        <p:cNvGrpSpPr/>
+        <p:nvPr/>
+      </p:nvGrpSpPr>
+      <p:grpSpPr>
+        <a:xfrm>
+          <a:off x="0" y="0"/>
+          <a:ext cx="0" cy="0"/>
+          <a:chOff x="0" y="0"/>
+          <a:chExt cx="0" cy="0"/>
+        </a:xfrm>
+      </p:grpSpPr>
+      <p:sp>
+        <p:nvSpPr>
+          <p:cNvPr id="2" name="幻灯片图像占位符 1"/>
+          <p:cNvSpPr>
+            <a:spLocks noGrp="1" noRot="1" noChangeAspect="1"/>
+          </p:cNvSpPr>
+          <p:nvPr>
+            <p:ph type="sldImg"/>
+          </p:nvPr>
+        </p:nvSpPr>
+        <p:spPr/>
+      </p:sp>
+      <p:sp>
+        <p:nvSpPr>
+          <p:cNvPr id="3" name="备注占位符 2"/>
+          <p:cNvSpPr>
+            <a:spLocks noGrp="1"/>
+          </p:cNvSpPr>
+          <p:nvPr>
+            <p:ph type="body" idx="1"/>
+          </p:nvPr>
+        </p:nvSpPr>
+        <p:spPr/>
+        <p:txBody>
+          <a:bodyPr/>
+          <a:lstStyle/>
+          <a:p>
+            <a:endParaRPr kumimoji="1" lang="zh-CN" altLang="en-US" dirty="0"/>
+          </a:p>
+        </p:txBody>
+      </p:sp>
+      <p:sp>
+        <p:nvSpPr>
+          <p:cNvPr id="4" name="灯片编号占位符 3"/>
+          <p:cNvSpPr>
+            <a:spLocks noGrp="1"/>
+          </p:cNvSpPr>
+          <p:nvPr>
+            <p:ph type="sldNum" sz="quarter" idx="5"/>
+          </p:nvPr>
+        </p:nvSpPr>
+        <p:spPr/>
+        <p:txBody>
+          <a:bodyPr/>
+          <a:lstStyle/>
+          <a:p>
+            <a:fld id="{0F8E57A1-C481-6944-857F-EAC8E932B5ED}" type="slidenum">
+              <a:rPr kumimoji="1" lang="zh-CN" altLang="en-US" smtClean="0"/>
+              <a:t>38</a:t>
+            </a:fld>
+            <a:endParaRPr kumimoji="1" lang="zh-CN" altLang="en-US"/>
+          </a:p>
+        </p:txBody>
+      </p:sp>
+    </p:spTree>
+    <p:extLst>
+      <p:ext uri="{BB962C8B-B14F-4D97-AF65-F5344CB8AC3E}">
+        <p14:creationId xmlns:p14="http://schemas.microsoft.com/office/powerpoint/2010/main" val="196978879"/>
+      </p:ext>
+    </p:extLst>
+  </p:cSld>
+  <p:clrMapOvr>
+    <a:masterClrMapping/>
+  </p:clrMapOvr>
+</p:notes>
+</file>
+
+<file path=ppt/notesSlides/notesSlide38.xml><?xml version="1.0" encoding="utf-8"?>
+<p:notes xmlns:a="http://schemas.openxmlformats.org/drawingml/2006/main" xmlns:r="http://schemas.openxmlformats.org/officeDocument/2006/relationships" xmlns:p="http://schemas.openxmlformats.org/presentationml/2006/main">
+  <p:cSld>
+    <p:spTree>
+      <p:nvGrpSpPr>
+        <p:cNvPr id="1" name=""/>
+        <p:cNvGrpSpPr/>
+        <p:nvPr/>
+      </p:nvGrpSpPr>
+      <p:grpSpPr>
+        <a:xfrm>
+          <a:off x="0" y="0"/>
+          <a:ext cx="0" cy="0"/>
+          <a:chOff x="0" y="0"/>
+          <a:chExt cx="0" cy="0"/>
+        </a:xfrm>
+      </p:grpSpPr>
+      <p:sp>
+        <p:nvSpPr>
+          <p:cNvPr id="2" name="幻灯片图像占位符 1"/>
+          <p:cNvSpPr>
+            <a:spLocks noGrp="1" noRot="1" noChangeAspect="1"/>
+          </p:cNvSpPr>
+          <p:nvPr>
+            <p:ph type="sldImg"/>
+          </p:nvPr>
+        </p:nvSpPr>
+        <p:spPr/>
+      </p:sp>
+      <p:sp>
+        <p:nvSpPr>
+          <p:cNvPr id="3" name="备注占位符 2"/>
+          <p:cNvSpPr>
+            <a:spLocks noGrp="1"/>
+          </p:cNvSpPr>
+          <p:nvPr>
+            <p:ph type="body" idx="1"/>
+          </p:nvPr>
+        </p:nvSpPr>
+        <p:spPr/>
+        <p:txBody>
+          <a:bodyPr/>
+          <a:lstStyle/>
+          <a:p>
+            <a:endParaRPr kumimoji="1" lang="zh-CN" altLang="en-US" dirty="0"/>
+          </a:p>
+        </p:txBody>
+      </p:sp>
+      <p:sp>
+        <p:nvSpPr>
+          <p:cNvPr id="4" name="灯片编号占位符 3"/>
+          <p:cNvSpPr>
+            <a:spLocks noGrp="1"/>
+          </p:cNvSpPr>
+          <p:nvPr>
+            <p:ph type="sldNum" sz="quarter" idx="5"/>
+          </p:nvPr>
+        </p:nvSpPr>
+        <p:spPr/>
+        <p:txBody>
+          <a:bodyPr/>
+          <a:lstStyle/>
+          <a:p>
+            <a:fld id="{0F8E57A1-C481-6944-857F-EAC8E932B5ED}" type="slidenum">
+              <a:rPr kumimoji="1" lang="zh-CN" altLang="en-US" smtClean="0"/>
+              <a:t>39</a:t>
+            </a:fld>
+            <a:endParaRPr kumimoji="1" lang="zh-CN" altLang="en-US"/>
+          </a:p>
+        </p:txBody>
+      </p:sp>
+    </p:spTree>
+    <p:extLst>
+      <p:ext uri="{BB962C8B-B14F-4D97-AF65-F5344CB8AC3E}">
+        <p14:creationId xmlns:p14="http://schemas.microsoft.com/office/powerpoint/2010/main" val="4167110842"/>
+      </p:ext>
+    </p:extLst>
+  </p:cSld>
+  <p:clrMapOvr>
+    <a:masterClrMapping/>
+  </p:clrMapOvr>
+</p:notes>
+</file>
+
+<file path=ppt/notesSlides/notesSlide39.xml><?xml version="1.0" encoding="utf-8"?>
+<p:notes xmlns:a="http://schemas.openxmlformats.org/drawingml/2006/main" xmlns:r="http://schemas.openxmlformats.org/officeDocument/2006/relationships" xmlns:p="http://schemas.openxmlformats.org/presentationml/2006/main">
+  <p:cSld>
+    <p:spTree>
+      <p:nvGrpSpPr>
+        <p:cNvPr id="1" name=""/>
+        <p:cNvGrpSpPr/>
+        <p:nvPr/>
+      </p:nvGrpSpPr>
+      <p:grpSpPr>
+        <a:xfrm>
+          <a:off x="0" y="0"/>
+          <a:ext cx="0" cy="0"/>
+          <a:chOff x="0" y="0"/>
+          <a:chExt cx="0" cy="0"/>
+        </a:xfrm>
+      </p:grpSpPr>
+      <p:sp>
+        <p:nvSpPr>
+          <p:cNvPr id="2" name="幻灯片图像占位符 1"/>
+          <p:cNvSpPr>
+            <a:spLocks noGrp="1" noRot="1" noChangeAspect="1"/>
+          </p:cNvSpPr>
+          <p:nvPr>
+            <p:ph type="sldImg"/>
+          </p:nvPr>
+        </p:nvSpPr>
+        <p:spPr/>
+      </p:sp>
+      <p:sp>
+        <p:nvSpPr>
+          <p:cNvPr id="3" name="备注占位符 2"/>
+          <p:cNvSpPr>
+            <a:spLocks noGrp="1"/>
+          </p:cNvSpPr>
+          <p:nvPr>
+            <p:ph type="body" idx="1"/>
+          </p:nvPr>
+        </p:nvSpPr>
+        <p:spPr/>
+        <p:txBody>
+          <a:bodyPr/>
+          <a:lstStyle/>
+          <a:p>
+            <a:endParaRPr kumimoji="1" lang="zh-CN" altLang="en-US" dirty="0"/>
+          </a:p>
+        </p:txBody>
+      </p:sp>
+      <p:sp>
+        <p:nvSpPr>
+          <p:cNvPr id="4" name="灯片编号占位符 3"/>
+          <p:cNvSpPr>
+            <a:spLocks noGrp="1"/>
+          </p:cNvSpPr>
+          <p:nvPr>
+            <p:ph type="sldNum" sz="quarter" idx="5"/>
+          </p:nvPr>
+        </p:nvSpPr>
+        <p:spPr/>
+        <p:txBody>
+          <a:bodyPr/>
+          <a:lstStyle/>
+          <a:p>
+            <a:fld id="{0F8E57A1-C481-6944-857F-EAC8E932B5ED}" type="slidenum">
+              <a:rPr kumimoji="1" lang="zh-CN" altLang="en-US" smtClean="0"/>
+              <a:t>40</a:t>
             </a:fld>
             <a:endParaRPr kumimoji="1" lang="zh-CN" altLang="en-US"/>
           </a:p>
@@ -9105,7 +9396,7 @@
                 <a:latin typeface="Microsoft YaHei" panose="020B0503020204020204" pitchFamily="34" charset="-122"/>
                 <a:ea typeface="Microsoft YaHei" panose="020B0503020204020204" pitchFamily="34" charset="-122"/>
               </a:rPr>
-              <a:t>InterfaceName</a:t>
+              <a:t>soundAble</a:t>
             </a:r>
             <a:r>
               <a:rPr kumimoji="1" lang="en-US" altLang="zh-CN" sz="2400" dirty="0">
@@ -9121,21 +9412,70 @@
                 <a:latin typeface="Microsoft YaHei" panose="020B0503020204020204" pitchFamily="34" charset="-122"/>
                 <a:ea typeface="Microsoft YaHei" panose="020B0503020204020204" pitchFamily="34" charset="-122"/>
               </a:rPr>
-              <a:t>	/** Constant declarations </a:t>
-            </a:r>
-            <a:r>
-              <a:rPr kumimoji="1" lang="zh-CN" altLang="en-US" sz="2400" dirty="0">
-                <a:latin typeface="Microsoft YaHei" panose="020B0503020204020204" pitchFamily="34" charset="-122"/>
-                <a:ea typeface="Microsoft YaHei" panose="020B0503020204020204" pitchFamily="34" charset="-122"/>
-              </a:rPr>
-              <a:t>*</a:t>
+              <a:t>	int</a:t>
+            </a:r>
+            <a:r>
+              <a:rPr kumimoji="1" lang="zh-CN" altLang="en-US" sz="2400" dirty="0">
+                <a:latin typeface="Microsoft YaHei" panose="020B0503020204020204" pitchFamily="34" charset="-122"/>
+                <a:ea typeface="Microsoft YaHei" panose="020B0503020204020204" pitchFamily="34" charset="-122"/>
+              </a:rPr>
+              <a:t> </a:t>
             </a:r>
             <a:r>
               <a:rPr kumimoji="1" lang="en-US" altLang="zh-CN" sz="2400" dirty="0">
                 <a:latin typeface="Microsoft YaHei" panose="020B0503020204020204" pitchFamily="34" charset="-122"/>
                 <a:ea typeface="Microsoft YaHei" panose="020B0503020204020204" pitchFamily="34" charset="-122"/>
               </a:rPr>
-              <a:t>/</a:t>
+              <a:t>COUNT</a:t>
+            </a:r>
+            <a:r>
+              <a:rPr kumimoji="1" lang="zh-CN" altLang="en-US" sz="2400" dirty="0">
+                <a:latin typeface="Microsoft YaHei" panose="020B0503020204020204" pitchFamily="34" charset="-122"/>
+                <a:ea typeface="Microsoft YaHei" panose="020B0503020204020204" pitchFamily="34" charset="-122"/>
+              </a:rPr>
+              <a:t> </a:t>
+            </a:r>
+            <a:r>
+              <a:rPr kumimoji="1" lang="en-US" altLang="zh-CN" sz="2400" dirty="0">
+                <a:latin typeface="Microsoft YaHei" panose="020B0503020204020204" pitchFamily="34" charset="-122"/>
+                <a:ea typeface="Microsoft YaHei" panose="020B0503020204020204" pitchFamily="34" charset="-122"/>
+              </a:rPr>
+              <a:t>=</a:t>
+            </a:r>
+            <a:r>
+              <a:rPr kumimoji="1" lang="zh-CN" altLang="en-US" sz="2400" dirty="0">
+                <a:latin typeface="Microsoft YaHei" panose="020B0503020204020204" pitchFamily="34" charset="-122"/>
+                <a:ea typeface="Microsoft YaHei" panose="020B0503020204020204" pitchFamily="34" charset="-122"/>
+              </a:rPr>
+              <a:t> </a:t>
+            </a:r>
+            <a:r>
+              <a:rPr kumimoji="1" lang="en-US" altLang="zh-CN" sz="2400" dirty="0">
+                <a:latin typeface="Microsoft YaHei" panose="020B0503020204020204" pitchFamily="34" charset="-122"/>
+                <a:ea typeface="Microsoft YaHei" panose="020B0503020204020204" pitchFamily="34" charset="-122"/>
+              </a:rPr>
+              <a:t>10;</a:t>
+            </a:r>
+            <a:r>
+              <a:rPr kumimoji="1" lang="zh-CN" altLang="en-US" sz="2400" dirty="0">
+                <a:latin typeface="Microsoft YaHei" panose="020B0503020204020204" pitchFamily="34" charset="-122"/>
+                <a:ea typeface="Microsoft YaHei" panose="020B0503020204020204" pitchFamily="34" charset="-122"/>
+              </a:rPr>
+              <a:t>  </a:t>
+            </a:r>
+            <a:r>
+              <a:rPr kumimoji="1" lang="en-US" altLang="zh-CN" sz="2400" dirty="0">
+                <a:latin typeface="Microsoft YaHei" panose="020B0503020204020204" pitchFamily="34" charset="-122"/>
+                <a:ea typeface="Microsoft YaHei" panose="020B0503020204020204" pitchFamily="34" charset="-122"/>
+              </a:rPr>
+              <a:t>//</a:t>
+            </a:r>
+            <a:r>
+              <a:rPr kumimoji="1" lang="zh-CN" altLang="en-US" sz="2400" dirty="0">
+                <a:latin typeface="Microsoft YaHei" panose="020B0503020204020204" pitchFamily="34" charset="-122"/>
+                <a:ea typeface="Microsoft YaHei" panose="020B0503020204020204" pitchFamily="34" charset="-122"/>
+              </a:rPr>
+              <a:t> 按需定义，很多应用场景不定义常量</a:t>
             </a:r>
             <a:br>
               <a:rPr kumimoji="1" lang="en-US" altLang="zh-CN" sz="2400" dirty="0">
@@ -9148,8 +9488,40 @@
                 <a:latin typeface="Microsoft YaHei" panose="020B0503020204020204" pitchFamily="34" charset="-122"/>
                 <a:ea typeface="Microsoft YaHei" panose="020B0503020204020204" pitchFamily="34" charset="-122"/>
               </a:rPr>
-              <a:t>	/** Abstract method signatures */ </a:t>
-            </a:r>
+              <a:t>	void</a:t>
+            </a:r>
+            <a:r>
+              <a:rPr kumimoji="1" lang="zh-CN" altLang="en-US" sz="2400" dirty="0">
+                <a:latin typeface="Microsoft YaHei" panose="020B0503020204020204" pitchFamily="34" charset="-122"/>
+                <a:ea typeface="Microsoft YaHei" panose="020B0503020204020204" pitchFamily="34" charset="-122"/>
+              </a:rPr>
+              <a:t> </a:t>
+            </a:r>
+            <a:r>
+              <a:rPr kumimoji="1" lang="en-US" altLang="zh-CN" sz="2400" dirty="0" err="1">
+                <a:latin typeface="Microsoft YaHei" panose="020B0503020204020204" pitchFamily="34" charset="-122"/>
+                <a:ea typeface="Microsoft YaHei" panose="020B0503020204020204" pitchFamily="34" charset="-122"/>
+              </a:rPr>
+              <a:t>makeSound</a:t>
+            </a:r>
+            <a:r>
+              <a:rPr kumimoji="1" lang="en-US" altLang="zh-CN" sz="2400" dirty="0">
+                <a:latin typeface="Microsoft YaHei" panose="020B0503020204020204" pitchFamily="34" charset="-122"/>
+                <a:ea typeface="Microsoft YaHei" panose="020B0503020204020204" pitchFamily="34" charset="-122"/>
+              </a:rPr>
+              <a:t>()</a:t>
+            </a:r>
+            <a:r>
+              <a:rPr kumimoji="1" lang="zh-CN" altLang="en-US" sz="2400" dirty="0">
+                <a:latin typeface="Microsoft YaHei" panose="020B0503020204020204" pitchFamily="34" charset="-122"/>
+                <a:ea typeface="Microsoft YaHei" panose="020B0503020204020204" pitchFamily="34" charset="-122"/>
+              </a:rPr>
+              <a:t>；</a:t>
+            </a:r>
+            <a:endParaRPr kumimoji="1" lang="en-US" altLang="zh-CN" sz="2400" dirty="0">
+              <a:latin typeface="Microsoft YaHei" panose="020B0503020204020204" pitchFamily="34" charset="-122"/>
+              <a:ea typeface="Microsoft YaHei" panose="020B0503020204020204" pitchFamily="34" charset="-122"/>
+            </a:endParaRPr>
           </a:p>
           <a:p>
             <a:r>
@@ -9241,32 +9613,11 @@
           <a:p>
             <a:pPr algn="ctr"/>
             <a:r>
-              <a:rPr kumimoji="1" lang="en-US" altLang="zh-CN" sz="4800" dirty="0">
-                <a:latin typeface="Microsoft YaHei" panose="020B0503020204020204" pitchFamily="34" charset="-122"/>
-                <a:ea typeface="Microsoft YaHei" panose="020B0503020204020204" pitchFamily="34" charset="-122"/>
-              </a:rPr>
-              <a:t>Object</a:t>
-            </a:r>
-            <a:r>
               <a:rPr kumimoji="1" lang="zh-CN" altLang="en-US" sz="4800" dirty="0">
                 <a:latin typeface="Microsoft YaHei" panose="020B0503020204020204" pitchFamily="34" charset="-122"/>
                 <a:ea typeface="Microsoft YaHei" panose="020B0503020204020204" pitchFamily="34" charset="-122"/>
               </a:rPr>
-              <a:t> 类</a:t>
-            </a:r>
-            <a:r>
-              <a:rPr kumimoji="1" lang="en-US" altLang="zh-CN" sz="4800" dirty="0">
-                <a:latin typeface="Microsoft YaHei" panose="020B0503020204020204" pitchFamily="34" charset="-122"/>
-                <a:ea typeface="Microsoft YaHei" panose="020B0503020204020204" pitchFamily="34" charset="-122"/>
-              </a:rPr>
-              <a:t>---java</a:t>
-            </a:r>
-            <a:r>
-              <a:rPr kumimoji="1" lang="zh-CN" altLang="en-US" sz="4800" dirty="0">
-                <a:latin typeface="Microsoft YaHei" panose="020B0503020204020204" pitchFamily="34" charset="-122"/>
-                <a:ea typeface="Microsoft YaHei" panose="020B0503020204020204" pitchFamily="34" charset="-122"/>
-              </a:rPr>
-              <a:t>万物的开始</a:t>
+              <a:t>接口怎么用</a:t>
             </a:r>
             <a:endParaRPr kumimoji="1" lang="en-US" altLang="zh-CN" sz="4800" dirty="0">
               <a:ea typeface="Microsoft YaHei" panose="020B0503020204020204" pitchFamily="34" charset="-122"/>
@@ -9288,8 +9639,8 @@
         </p:nvSpPr>
         <p:spPr>
           <a:xfrm>
-            <a:off x="1613086" y="4880879"/>
-            <a:ext cx="10987346" cy="2308324"/>
+            <a:off x="553559" y="2637506"/>
+            <a:ext cx="5780185" cy="2677656"/>
           </a:xfrm>
           <a:prstGeom prst="rect">
             <a:avLst/>
@@ -9302,23 +9653,19 @@
           </a:bodyPr>
           <a:lstStyle/>
           <a:p>
-            <a:pPr marL="342900" indent="-342900">
-              <a:buFont typeface="Arial" panose="020B0604020202020204" pitchFamily="34" charset="0"/>
-              <a:buChar char="•"/>
-            </a:pPr>
             <a:r>
               <a:rPr kumimoji="1" lang="en-US" altLang="zh-CN" sz="2400" dirty="0">
                 <a:latin typeface="Microsoft YaHei" panose="020B0503020204020204" pitchFamily="34" charset="-122"/>
                 <a:ea typeface="Microsoft YaHei" panose="020B0503020204020204" pitchFamily="34" charset="-122"/>
               </a:rPr>
-              <a:t>Java</a:t>
-            </a:r>
-            <a:r>
-              <a:rPr kumimoji="1" lang="zh-CN" altLang="en-US" sz="2400" dirty="0">
-                <a:latin typeface="Microsoft YaHei" panose="020B0503020204020204" pitchFamily="34" charset="-122"/>
-                <a:ea typeface="Microsoft YaHei" panose="020B0503020204020204" pitchFamily="34" charset="-122"/>
-              </a:rPr>
-              <a:t> 中万物是对象</a:t>
+              <a:t>//</a:t>
+            </a:r>
+            <a:r>
+              <a:rPr kumimoji="1" lang="zh-CN" altLang="en-US" sz="2400" dirty="0">
+                <a:latin typeface="Microsoft YaHei" panose="020B0503020204020204" pitchFamily="34" charset="-122"/>
+                <a:ea typeface="Microsoft YaHei" panose="020B0503020204020204" pitchFamily="34" charset="-122"/>
+              </a:rPr>
+              <a:t> 这是接口的用法，注意关键词 </a:t>
             </a:r>
             <a:endParaRPr kumimoji="1" lang="en-US" altLang="zh-CN" sz="2400" dirty="0">
               <a:latin typeface="Microsoft YaHei" panose="020B0503020204020204" pitchFamily="34" charset="-122"/>
@@ -9326,61 +9673,88 @@
             </a:endParaRPr>
           </a:p>
           <a:p>
-            <a:pPr marL="342900" indent="-342900">
-              <a:buFont typeface="Arial" panose="020B0604020202020204" pitchFamily="34" charset="0"/>
-              <a:buChar char="•"/>
-            </a:pPr>
             <a:r>
               <a:rPr kumimoji="1" lang="en-US" altLang="zh-CN" sz="2400" dirty="0">
                 <a:latin typeface="Microsoft YaHei" panose="020B0503020204020204" pitchFamily="34" charset="-122"/>
                 <a:ea typeface="Microsoft YaHei" panose="020B0503020204020204" pitchFamily="34" charset="-122"/>
               </a:rPr>
-              <a:t>Java</a:t>
-            </a:r>
-            <a:r>
-              <a:rPr kumimoji="1" lang="zh-CN" altLang="en-US" sz="2400" dirty="0">
-                <a:latin typeface="Microsoft YaHei" panose="020B0503020204020204" pitchFamily="34" charset="-122"/>
-                <a:ea typeface="Microsoft YaHei" panose="020B0503020204020204" pitchFamily="34" charset="-122"/>
-              </a:rPr>
-              <a:t> 中的对象都由类创建的。</a:t>
-            </a:r>
+              <a:t>Class</a:t>
+            </a:r>
+            <a:r>
+              <a:rPr kumimoji="1" lang="zh-CN" altLang="en-US" sz="2400" dirty="0">
+                <a:latin typeface="Microsoft YaHei" panose="020B0503020204020204" pitchFamily="34" charset="-122"/>
+                <a:ea typeface="Microsoft YaHei" panose="020B0503020204020204" pitchFamily="34" charset="-122"/>
+              </a:rPr>
+              <a:t> </a:t>
+            </a:r>
+            <a:r>
+              <a:rPr kumimoji="1" lang="en-US" altLang="zh-CN" sz="2400" dirty="0">
+                <a:latin typeface="Microsoft YaHei" panose="020B0503020204020204" pitchFamily="34" charset="-122"/>
+                <a:ea typeface="Microsoft YaHei" panose="020B0503020204020204" pitchFamily="34" charset="-122"/>
+              </a:rPr>
+              <a:t>A</a:t>
+            </a:r>
+            <a:r>
+              <a:rPr kumimoji="1" lang="zh-CN" altLang="en-US" sz="2400" dirty="0">
+                <a:latin typeface="Microsoft YaHei" panose="020B0503020204020204" pitchFamily="34" charset="-122"/>
+                <a:ea typeface="Microsoft YaHei" panose="020B0503020204020204" pitchFamily="34" charset="-122"/>
+              </a:rPr>
+              <a:t>  </a:t>
+            </a:r>
+            <a:r>
+              <a:rPr kumimoji="1" lang="en-US" altLang="zh-CN" sz="2400" dirty="0">
+                <a:solidFill>
+                  <a:schemeClr val="accent2"/>
+                </a:solidFill>
+                <a:latin typeface="Microsoft YaHei" panose="020B0503020204020204" pitchFamily="34" charset="-122"/>
+                <a:ea typeface="Microsoft YaHei" panose="020B0503020204020204" pitchFamily="34" charset="-122"/>
+              </a:rPr>
+              <a:t>implements</a:t>
+            </a:r>
+            <a:r>
+              <a:rPr kumimoji="1" lang="zh-CN" altLang="en-US" sz="2400" dirty="0">
+                <a:latin typeface="Microsoft YaHei" panose="020B0503020204020204" pitchFamily="34" charset="-122"/>
+                <a:ea typeface="Microsoft YaHei" panose="020B0503020204020204" pitchFamily="34" charset="-122"/>
+              </a:rPr>
+              <a:t> </a:t>
+            </a:r>
+            <a:r>
+              <a:rPr kumimoji="1" lang="en-US" altLang="zh-CN" sz="2400" dirty="0" err="1">
+                <a:latin typeface="Microsoft YaHei" panose="020B0503020204020204" pitchFamily="34" charset="-122"/>
+                <a:ea typeface="Microsoft YaHei" panose="020B0503020204020204" pitchFamily="34" charset="-122"/>
+              </a:rPr>
+              <a:t>interfaceName</a:t>
+            </a:r>
+            <a:r>
+              <a:rPr kumimoji="1" lang="en-US" altLang="zh-CN" sz="2400" dirty="0">
+                <a:latin typeface="Microsoft YaHei" panose="020B0503020204020204" pitchFamily="34" charset="-122"/>
+                <a:ea typeface="Microsoft YaHei" panose="020B0503020204020204" pitchFamily="34" charset="-122"/>
+              </a:rPr>
+              <a:t>{</a:t>
+            </a:r>
+          </a:p>
+          <a:p>
             <a:endParaRPr kumimoji="1" lang="en-US" altLang="zh-CN" sz="2400" dirty="0">
               <a:latin typeface="Microsoft YaHei" panose="020B0503020204020204" pitchFamily="34" charset="-122"/>
               <a:ea typeface="Microsoft YaHei" panose="020B0503020204020204" pitchFamily="34" charset="-122"/>
             </a:endParaRPr>
           </a:p>
           <a:p>
-            <a:pPr marL="342900" indent="-342900">
-              <a:buFont typeface="Arial" panose="020B0604020202020204" pitchFamily="34" charset="0"/>
-              <a:buChar char="•"/>
-            </a:pPr>
             <a:r>
               <a:rPr kumimoji="1" lang="en-US" altLang="zh-CN" sz="2400" dirty="0">
                 <a:latin typeface="Microsoft YaHei" panose="020B0503020204020204" pitchFamily="34" charset="-122"/>
                 <a:ea typeface="Microsoft YaHei" panose="020B0503020204020204" pitchFamily="34" charset="-122"/>
               </a:rPr>
-              <a:t>Java</a:t>
-            </a:r>
-            <a:r>
-              <a:rPr kumimoji="1" lang="zh-CN" altLang="en-US" sz="2400" dirty="0">
-                <a:latin typeface="Microsoft YaHei" panose="020B0503020204020204" pitchFamily="34" charset="-122"/>
-                <a:ea typeface="Microsoft YaHei" panose="020B0503020204020204" pitchFamily="34" charset="-122"/>
-              </a:rPr>
-              <a:t> 中的类都是继承自</a:t>
-            </a:r>
-            <a:r>
-              <a:rPr kumimoji="1" lang="en-US" altLang="zh-CN" sz="2400" dirty="0">
-                <a:latin typeface="Microsoft YaHei" panose="020B0503020204020204" pitchFamily="34" charset="-122"/>
-                <a:ea typeface="Microsoft YaHei" panose="020B0503020204020204" pitchFamily="34" charset="-122"/>
-              </a:rPr>
-              <a:t>Object</a:t>
-            </a:r>
-            <a:r>
-              <a:rPr kumimoji="1" lang="zh-CN" altLang="en-US" sz="2400" dirty="0">
-                <a:latin typeface="Microsoft YaHei" panose="020B0503020204020204" pitchFamily="34" charset="-122"/>
-                <a:ea typeface="Microsoft YaHei" panose="020B0503020204020204" pitchFamily="34" charset="-122"/>
-              </a:rPr>
-              <a:t>类</a:t>
+              <a:t>//</a:t>
+            </a:r>
+          </a:p>
+          <a:p>
+            <a:r>
+              <a:rPr kumimoji="1" lang="zh-CN" altLang="en-US" sz="2400" dirty="0">
+                <a:latin typeface="Microsoft YaHei" panose="020B0503020204020204" pitchFamily="34" charset="-122"/>
+                <a:ea typeface="Microsoft YaHei" panose="020B0503020204020204" pitchFamily="34" charset="-122"/>
+              </a:rPr>
+              <a:t>实现接口里面的函数</a:t>
             </a:r>
             <a:endParaRPr kumimoji="1" lang="en-US" altLang="zh-CN" sz="2400" dirty="0">
               <a:latin typeface="Microsoft YaHei" panose="020B0503020204020204" pitchFamily="34" charset="-122"/>
@@ -9388,32 +9762,63 @@
             </a:endParaRPr>
           </a:p>
           <a:p>
+            <a:r>
+              <a:rPr kumimoji="1" lang="en-US" altLang="zh-CN" sz="2400" dirty="0">
+                <a:latin typeface="Microsoft YaHei" panose="020B0503020204020204" pitchFamily="34" charset="-122"/>
+                <a:ea typeface="Microsoft YaHei" panose="020B0503020204020204" pitchFamily="34" charset="-122"/>
+              </a:rPr>
+              <a:t>}</a:t>
+            </a:r>
+          </a:p>
+          <a:p>
             <a:endParaRPr kumimoji="1" lang="en-US" altLang="zh-CN" sz="2400" dirty="0">
               <a:latin typeface="Microsoft YaHei" panose="020B0503020204020204" pitchFamily="34" charset="-122"/>
               <a:ea typeface="Microsoft YaHei" panose="020B0503020204020204" pitchFamily="34" charset="-122"/>
             </a:endParaRPr>
           </a:p>
-          <a:p>
-            <a:r>
-              <a:rPr kumimoji="1" lang="zh-CN" altLang="en-US" sz="2400" dirty="0">
-                <a:latin typeface="Microsoft YaHei" panose="020B0503020204020204" pitchFamily="34" charset="-122"/>
-                <a:ea typeface="Microsoft YaHei" panose="020B0503020204020204" pitchFamily="34" charset="-122"/>
-              </a:rPr>
-              <a:t>如果一个类在定义的过程中，没有指定指定其父类，那么默认继承自</a:t>
-            </a:r>
+        </p:txBody>
+      </p:sp>
+      <p:sp>
+        <p:nvSpPr>
+          <p:cNvPr id="5" name="文本框 4">
+            <a:extLst>
+              <a:ext uri="{FF2B5EF4-FFF2-40B4-BE49-F238E27FC236}">
+                <a16:creationId xmlns:a16="http://schemas.microsoft.com/office/drawing/2014/main" id="{85952308-D17B-FF41-9011-8C75437A8C39}"/>
+              </a:ext>
+            </a:extLst>
+          </p:cNvPr>
+          <p:cNvSpPr txBox="1"/>
+          <p:nvPr/>
+        </p:nvSpPr>
+        <p:spPr>
+          <a:xfrm>
+            <a:off x="6506578" y="2637506"/>
+            <a:ext cx="5780185" cy="2677656"/>
+          </a:xfrm>
+          <a:prstGeom prst="rect">
+            <a:avLst/>
+          </a:prstGeom>
+          <a:noFill/>
+        </p:spPr>
+        <p:txBody>
+          <a:bodyPr wrap="square" rtlCol="0">
+            <a:spAutoFit/>
+          </a:bodyPr>
+          <a:lstStyle/>
+          <a:p>
             <a:r>
               <a:rPr kumimoji="1" lang="en-US" altLang="zh-CN" sz="2400" dirty="0">
                 <a:latin typeface="Microsoft YaHei" panose="020B0503020204020204" pitchFamily="34" charset="-122"/>
                 <a:ea typeface="Microsoft YaHei" panose="020B0503020204020204" pitchFamily="34" charset="-122"/>
               </a:rPr>
-              <a:t>Object</a:t>
-            </a:r>
-            <a:r>
-              <a:rPr kumimoji="1" lang="zh-CN" altLang="en-US" sz="2400" dirty="0">
-                <a:latin typeface="Microsoft YaHei" panose="020B0503020204020204" pitchFamily="34" charset="-122"/>
-                <a:ea typeface="Microsoft YaHei" panose="020B0503020204020204" pitchFamily="34" charset="-122"/>
-              </a:rPr>
-              <a:t>类</a:t>
+              <a:t>//</a:t>
+            </a:r>
+            <a:r>
+              <a:rPr kumimoji="1" lang="zh-CN" altLang="en-US" sz="2400" dirty="0">
+                <a:latin typeface="Microsoft YaHei" panose="020B0503020204020204" pitchFamily="34" charset="-122"/>
+                <a:ea typeface="Microsoft YaHei" panose="020B0503020204020204" pitchFamily="34" charset="-122"/>
+              </a:rPr>
+              <a:t> 这是继承</a:t>
             </a:r>
             <a:endParaRPr kumimoji="1" lang="en-US" altLang="zh-CN" sz="2400" dirty="0">
               <a:latin typeface="Microsoft YaHei" panose="020B0503020204020204" pitchFamily="34" charset="-122"/>
@@ -9421,43 +9826,104 @@
             </a:endParaRPr>
           </a:p>
           <a:p>
-            <a:endParaRPr kumimoji="1" lang="zh-CN" altLang="en-US" sz="2400" dirty="0">
+            <a:r>
+              <a:rPr kumimoji="1" lang="en-US" altLang="zh-CN" sz="2400" dirty="0">
+                <a:latin typeface="Microsoft YaHei" panose="020B0503020204020204" pitchFamily="34" charset="-122"/>
+                <a:ea typeface="Microsoft YaHei" panose="020B0503020204020204" pitchFamily="34" charset="-122"/>
+              </a:rPr>
+              <a:t>Class</a:t>
+            </a:r>
+            <a:r>
+              <a:rPr kumimoji="1" lang="zh-CN" altLang="en-US" sz="2400" dirty="0">
+                <a:latin typeface="Microsoft YaHei" panose="020B0503020204020204" pitchFamily="34" charset="-122"/>
+                <a:ea typeface="Microsoft YaHei" panose="020B0503020204020204" pitchFamily="34" charset="-122"/>
+              </a:rPr>
+              <a:t> </a:t>
+            </a:r>
+            <a:r>
+              <a:rPr kumimoji="1" lang="en-US" altLang="zh-CN" sz="2400" dirty="0">
+                <a:latin typeface="Microsoft YaHei" panose="020B0503020204020204" pitchFamily="34" charset="-122"/>
+                <a:ea typeface="Microsoft YaHei" panose="020B0503020204020204" pitchFamily="34" charset="-122"/>
+              </a:rPr>
+              <a:t>A</a:t>
+            </a:r>
+            <a:r>
+              <a:rPr kumimoji="1" lang="zh-CN" altLang="en-US" sz="2400" dirty="0">
+                <a:latin typeface="Microsoft YaHei" panose="020B0503020204020204" pitchFamily="34" charset="-122"/>
+                <a:ea typeface="Microsoft YaHei" panose="020B0503020204020204" pitchFamily="34" charset="-122"/>
+              </a:rPr>
+              <a:t>  </a:t>
+            </a:r>
+            <a:r>
+              <a:rPr kumimoji="1" lang="en-US" altLang="zh-CN" sz="2400" dirty="0">
+                <a:solidFill>
+                  <a:schemeClr val="accent2"/>
+                </a:solidFill>
+                <a:latin typeface="Microsoft YaHei" panose="020B0503020204020204" pitchFamily="34" charset="-122"/>
+                <a:ea typeface="Microsoft YaHei" panose="020B0503020204020204" pitchFamily="34" charset="-122"/>
+              </a:rPr>
+              <a:t>extends</a:t>
+            </a:r>
+            <a:r>
+              <a:rPr kumimoji="1" lang="zh-CN" altLang="en-US" sz="2400" dirty="0">
+                <a:latin typeface="Microsoft YaHei" panose="020B0503020204020204" pitchFamily="34" charset="-122"/>
+                <a:ea typeface="Microsoft YaHei" panose="020B0503020204020204" pitchFamily="34" charset="-122"/>
+              </a:rPr>
+              <a:t> </a:t>
+            </a:r>
+            <a:r>
+              <a:rPr kumimoji="1" lang="en-US" altLang="zh-CN" sz="2400" dirty="0">
+                <a:latin typeface="Microsoft YaHei" panose="020B0503020204020204" pitchFamily="34" charset="-122"/>
+                <a:ea typeface="Microsoft YaHei" panose="020B0503020204020204" pitchFamily="34" charset="-122"/>
+              </a:rPr>
+              <a:t>Parent{</a:t>
+            </a:r>
+          </a:p>
+          <a:p>
+            <a:endParaRPr kumimoji="1" lang="en-US" altLang="zh-CN" sz="2400" dirty="0">
               <a:latin typeface="Microsoft YaHei" panose="020B0503020204020204" pitchFamily="34" charset="-122"/>
               <a:ea typeface="Microsoft YaHei" panose="020B0503020204020204" pitchFamily="34" charset="-122"/>
             </a:endParaRPr>
           </a:p>
-        </p:txBody>
-      </p:sp>
-      <p:pic>
-        <p:nvPicPr>
-          <p:cNvPr id="7" name="图片 6">
-            <a:extLst>
-              <a:ext uri="{FF2B5EF4-FFF2-40B4-BE49-F238E27FC236}">
-                <a16:creationId xmlns:a16="http://schemas.microsoft.com/office/drawing/2014/main" id="{E824B2B1-4882-8E4C-AFEF-A926F3E8004F}"/>
-              </a:ext>
-            </a:extLst>
-          </p:cNvPr>
-          <p:cNvPicPr>
-            <a:picLocks noChangeAspect="1"/>
-          </p:cNvPicPr>
-          <p:nvPr/>
-        </p:nvPicPr>
-        <p:blipFill>
-          <a:blip r:embed="rId4"/>
-          <a:stretch>
-            <a:fillRect/>
-          </a:stretch>
-        </p:blipFill>
-        <p:spPr>
-          <a:xfrm>
-            <a:off x="1797411" y="1755338"/>
-            <a:ext cx="8899624" cy="2782411"/>
-          </a:xfrm>
-          <a:prstGeom prst="rect">
-            <a:avLst/>
-          </a:prstGeom>
-        </p:spPr>
-      </p:pic>
+          <a:p>
+            <a:r>
+              <a:rPr kumimoji="1" lang="en-US" altLang="zh-CN" sz="2400" dirty="0">
+                <a:latin typeface="Microsoft YaHei" panose="020B0503020204020204" pitchFamily="34" charset="-122"/>
+                <a:ea typeface="Microsoft YaHei" panose="020B0503020204020204" pitchFamily="34" charset="-122"/>
+              </a:rPr>
+              <a:t>//</a:t>
+            </a:r>
+          </a:p>
+          <a:p>
+            <a:r>
+              <a:rPr kumimoji="1" lang="zh-CN" altLang="en-US" sz="2400" dirty="0">
+                <a:latin typeface="Microsoft YaHei" panose="020B0503020204020204" pitchFamily="34" charset="-122"/>
+                <a:ea typeface="Microsoft YaHei" panose="020B0503020204020204" pitchFamily="34" charset="-122"/>
+              </a:rPr>
+              <a:t>实现接口里面的函数</a:t>
+            </a:r>
+            <a:endParaRPr kumimoji="1" lang="en-US" altLang="zh-CN" sz="2400" dirty="0">
+              <a:latin typeface="Microsoft YaHei" panose="020B0503020204020204" pitchFamily="34" charset="-122"/>
+              <a:ea typeface="Microsoft YaHei" panose="020B0503020204020204" pitchFamily="34" charset="-122"/>
+            </a:endParaRPr>
+          </a:p>
+          <a:p>
+            <a:r>
+              <a:rPr kumimoji="1" lang="en-US" altLang="zh-CN" sz="2400" dirty="0">
+                <a:latin typeface="Microsoft YaHei" panose="020B0503020204020204" pitchFamily="34" charset="-122"/>
+                <a:ea typeface="Microsoft YaHei" panose="020B0503020204020204" pitchFamily="34" charset="-122"/>
+              </a:rPr>
+              <a:t>}</a:t>
+            </a:r>
+          </a:p>
+          <a:p>
+            <a:endParaRPr kumimoji="1" lang="en-US" altLang="zh-CN" sz="2400" dirty="0">
+              <a:latin typeface="Microsoft YaHei" panose="020B0503020204020204" pitchFamily="34" charset="-122"/>
+              <a:ea typeface="Microsoft YaHei" panose="020B0503020204020204" pitchFamily="34" charset="-122"/>
+            </a:endParaRPr>
+          </a:p>
+        </p:txBody>
+      </p:sp>
     </p:spTree>
     <p:extLst>
       <p:ext uri="{BB962C8B-B14F-4D97-AF65-F5344CB8AC3E}">
@@ -9472,6 +9938,1250 @@
 </file>
 
 <file path=ppt/slides/slide17.xml><?xml version="1.0" encoding="utf-8"?>
+<p:sld xmlns:a="http://schemas.openxmlformats.org/drawingml/2006/main" xmlns:r="http://schemas.openxmlformats.org/officeDocument/2006/relationships" xmlns:p="http://schemas.openxmlformats.org/presentationml/2006/main">
+  <p:cSld>
+    <p:bg>
+      <p:bgPr>
+        <a:blipFill>
+          <a:blip r:embed="rId3"/>
+          <a:tile tx="0" ty="0" sx="100000" sy="100000" flip="none" algn="tl"/>
+        </a:blipFill>
+        <a:effectLst/>
+      </p:bgPr>
+    </p:bg>
+    <p:spTree>
+      <p:nvGrpSpPr>
+        <p:cNvPr id="1" name=""/>
+        <p:cNvGrpSpPr/>
+        <p:nvPr/>
+      </p:nvGrpSpPr>
+      <p:grpSpPr>
+        <a:xfrm>
+          <a:off x="0" y="0"/>
+          <a:ext cx="0" cy="0"/>
+          <a:chOff x="0" y="0"/>
+          <a:chExt cx="0" cy="0"/>
+        </a:xfrm>
+      </p:grpSpPr>
+      <p:sp>
+        <p:nvSpPr>
+          <p:cNvPr id="2" name="文本框 1">
+            <a:extLst>
+              <a:ext uri="{FF2B5EF4-FFF2-40B4-BE49-F238E27FC236}">
+                <a16:creationId xmlns:a16="http://schemas.microsoft.com/office/drawing/2014/main" id="{12AA8BCC-7B15-4842-80C2-48C079429338}"/>
+              </a:ext>
+            </a:extLst>
+          </p:cNvPr>
+          <p:cNvSpPr txBox="1"/>
+          <p:nvPr/>
+        </p:nvSpPr>
+        <p:spPr>
+          <a:xfrm>
+            <a:off x="2135952" y="822959"/>
+            <a:ext cx="8741252" cy="830997"/>
+          </a:xfrm>
+          <a:prstGeom prst="rect">
+            <a:avLst/>
+          </a:prstGeom>
+          <a:noFill/>
+        </p:spPr>
+        <p:txBody>
+          <a:bodyPr wrap="square" rtlCol="0">
+            <a:spAutoFit/>
+          </a:bodyPr>
+          <a:lstStyle/>
+          <a:p>
+            <a:pPr algn="ctr"/>
+            <a:r>
+              <a:rPr kumimoji="1" lang="zh-CN" altLang="en-US" sz="4800" dirty="0">
+                <a:latin typeface="Microsoft YaHei" panose="020B0503020204020204" pitchFamily="34" charset="-122"/>
+                <a:ea typeface="Microsoft YaHei" panose="020B0503020204020204" pitchFamily="34" charset="-122"/>
+              </a:rPr>
+              <a:t>接口，抽象类的相同点</a:t>
+            </a:r>
+            <a:endParaRPr kumimoji="1" lang="en-US" altLang="zh-CN" sz="4800" dirty="0">
+              <a:ea typeface="Microsoft YaHei" panose="020B0503020204020204" pitchFamily="34" charset="-122"/>
+            </a:endParaRPr>
+          </a:p>
+        </p:txBody>
+      </p:sp>
+      <p:sp>
+        <p:nvSpPr>
+          <p:cNvPr id="3" name="文本框 2">
+            <a:extLst>
+              <a:ext uri="{FF2B5EF4-FFF2-40B4-BE49-F238E27FC236}">
+                <a16:creationId xmlns:a16="http://schemas.microsoft.com/office/drawing/2014/main" id="{F9F2836E-84E2-5042-9CCF-7E3C3CE5B763}"/>
+              </a:ext>
+            </a:extLst>
+          </p:cNvPr>
+          <p:cNvSpPr txBox="1"/>
+          <p:nvPr/>
+        </p:nvSpPr>
+        <p:spPr>
+          <a:xfrm>
+            <a:off x="2710724" y="2633473"/>
+            <a:ext cx="7591707" cy="3046988"/>
+          </a:xfrm>
+          <a:prstGeom prst="rect">
+            <a:avLst/>
+          </a:prstGeom>
+          <a:noFill/>
+        </p:spPr>
+        <p:txBody>
+          <a:bodyPr wrap="square" rtlCol="0">
+            <a:spAutoFit/>
+          </a:bodyPr>
+          <a:lstStyle/>
+          <a:p>
+            <a:pPr marL="457200" indent="-457200">
+              <a:buFont typeface="+mj-lt"/>
+              <a:buAutoNum type="arabicPeriod"/>
+            </a:pPr>
+            <a:r>
+              <a:rPr kumimoji="1" lang="zh-CN" altLang="en-US" sz="2400" dirty="0">
+                <a:latin typeface="Microsoft YaHei" panose="020B0503020204020204" pitchFamily="34" charset="-122"/>
+                <a:ea typeface="Microsoft YaHei" panose="020B0503020204020204" pitchFamily="34" charset="-122"/>
+              </a:rPr>
+              <a:t>都是对“共同点”的抽取：</a:t>
+            </a:r>
+            <a:endParaRPr kumimoji="1" lang="en-US" altLang="zh-CN" sz="2400" dirty="0">
+              <a:latin typeface="Microsoft YaHei" panose="020B0503020204020204" pitchFamily="34" charset="-122"/>
+              <a:ea typeface="Microsoft YaHei" panose="020B0503020204020204" pitchFamily="34" charset="-122"/>
+            </a:endParaRPr>
+          </a:p>
+          <a:p>
+            <a:pPr marL="914400" lvl="1" indent="-457200">
+              <a:buFont typeface="Arial" panose="020B0604020202020204" pitchFamily="34" charset="0"/>
+              <a:buChar char="•"/>
+            </a:pPr>
+            <a:r>
+              <a:rPr kumimoji="1" lang="zh-CN" altLang="en-US" sz="2400" dirty="0">
+                <a:latin typeface="Microsoft YaHei" panose="020B0503020204020204" pitchFamily="34" charset="-122"/>
+                <a:ea typeface="Microsoft YaHei" panose="020B0503020204020204" pitchFamily="34" charset="-122"/>
+              </a:rPr>
+              <a:t>接口是抽取了共同的方法，</a:t>
+            </a:r>
+            <a:endParaRPr kumimoji="1" lang="en-US" altLang="zh-CN" sz="2400" dirty="0">
+              <a:latin typeface="Microsoft YaHei" panose="020B0503020204020204" pitchFamily="34" charset="-122"/>
+              <a:ea typeface="Microsoft YaHei" panose="020B0503020204020204" pitchFamily="34" charset="-122"/>
+            </a:endParaRPr>
+          </a:p>
+          <a:p>
+            <a:pPr marL="914400" lvl="1" indent="-457200">
+              <a:buFont typeface="Arial" panose="020B0604020202020204" pitchFamily="34" charset="0"/>
+              <a:buChar char="•"/>
+            </a:pPr>
+            <a:r>
+              <a:rPr kumimoji="1" lang="zh-CN" altLang="en-US" sz="2400" dirty="0">
+                <a:latin typeface="Microsoft YaHei" panose="020B0503020204020204" pitchFamily="34" charset="-122"/>
+                <a:ea typeface="Microsoft YaHei" panose="020B0503020204020204" pitchFamily="34" charset="-122"/>
+              </a:rPr>
+              <a:t>抽象类则是抽取了共同的方法和属性。</a:t>
+            </a:r>
+            <a:endParaRPr kumimoji="1" lang="en-US" altLang="zh-CN" sz="2400" dirty="0">
+              <a:latin typeface="Microsoft YaHei" panose="020B0503020204020204" pitchFamily="34" charset="-122"/>
+              <a:ea typeface="Microsoft YaHei" panose="020B0503020204020204" pitchFamily="34" charset="-122"/>
+            </a:endParaRPr>
+          </a:p>
+          <a:p>
+            <a:pPr marL="457200" indent="-457200">
+              <a:buFont typeface="+mj-lt"/>
+              <a:buAutoNum type="arabicPeriod"/>
+            </a:pPr>
+            <a:r>
+              <a:rPr kumimoji="1" lang="zh-CN" altLang="en-US" sz="2400" dirty="0">
+                <a:latin typeface="Microsoft YaHei" panose="020B0503020204020204" pitchFamily="34" charset="-122"/>
+                <a:ea typeface="Microsoft YaHei" panose="020B0503020204020204" pitchFamily="34" charset="-122"/>
+              </a:rPr>
+              <a:t>都不能直接实例化，如果要实例化：</a:t>
+            </a:r>
+            <a:endParaRPr kumimoji="1" lang="en-US" altLang="zh-CN" sz="2400" dirty="0">
+              <a:latin typeface="Microsoft YaHei" panose="020B0503020204020204" pitchFamily="34" charset="-122"/>
+              <a:ea typeface="Microsoft YaHei" panose="020B0503020204020204" pitchFamily="34" charset="-122"/>
+            </a:endParaRPr>
+          </a:p>
+          <a:p>
+            <a:pPr marL="914400" lvl="1" indent="-457200">
+              <a:buFont typeface="Arial" panose="020B0604020202020204" pitchFamily="34" charset="0"/>
+              <a:buChar char="•"/>
+            </a:pPr>
+            <a:r>
+              <a:rPr kumimoji="1" lang="zh-CN" altLang="en-US" sz="2400" dirty="0">
+                <a:latin typeface="Microsoft YaHei" panose="020B0503020204020204" pitchFamily="34" charset="-122"/>
+                <a:ea typeface="Microsoft YaHei" panose="020B0503020204020204" pitchFamily="34" charset="-122"/>
+              </a:rPr>
+              <a:t>抽象类变量必须指向实现所有抽象方法的子类对象</a:t>
+            </a:r>
+            <a:endParaRPr kumimoji="1" lang="en-US" altLang="zh-CN" sz="2400" dirty="0">
+              <a:latin typeface="Microsoft YaHei" panose="020B0503020204020204" pitchFamily="34" charset="-122"/>
+              <a:ea typeface="Microsoft YaHei" panose="020B0503020204020204" pitchFamily="34" charset="-122"/>
+            </a:endParaRPr>
+          </a:p>
+          <a:p>
+            <a:pPr marL="914400" lvl="1" indent="-457200">
+              <a:buFont typeface="Arial" panose="020B0604020202020204" pitchFamily="34" charset="0"/>
+              <a:buChar char="•"/>
+            </a:pPr>
+            <a:r>
+              <a:rPr kumimoji="1" lang="zh-CN" altLang="en-US" sz="2400" dirty="0">
+                <a:latin typeface="Microsoft YaHei" panose="020B0503020204020204" pitchFamily="34" charset="-122"/>
+                <a:ea typeface="Microsoft YaHei" panose="020B0503020204020204" pitchFamily="34" charset="-122"/>
+              </a:rPr>
+              <a:t>接口变量必须指向实现所有接口方法的类对象。</a:t>
+            </a:r>
+            <a:endParaRPr kumimoji="1" lang="en-US" altLang="zh-CN" sz="2400" dirty="0">
+              <a:latin typeface="Microsoft YaHei" panose="020B0503020204020204" pitchFamily="34" charset="-122"/>
+              <a:ea typeface="Microsoft YaHei" panose="020B0503020204020204" pitchFamily="34" charset="-122"/>
+            </a:endParaRPr>
+          </a:p>
+          <a:p>
+            <a:pPr marL="342900" indent="-342900">
+              <a:buFont typeface="Arial" panose="020B0604020202020204" pitchFamily="34" charset="0"/>
+              <a:buChar char="•"/>
+            </a:pPr>
+            <a:endParaRPr kumimoji="1" lang="en-US" altLang="zh-CN" sz="2400" dirty="0">
+              <a:latin typeface="Microsoft YaHei" panose="020B0503020204020204" pitchFamily="34" charset="-122"/>
+              <a:ea typeface="Microsoft YaHei" panose="020B0503020204020204" pitchFamily="34" charset="-122"/>
+            </a:endParaRPr>
+          </a:p>
+        </p:txBody>
+      </p:sp>
+    </p:spTree>
+    <p:extLst>
+      <p:ext uri="{BB962C8B-B14F-4D97-AF65-F5344CB8AC3E}">
+        <p14:creationId xmlns:p14="http://schemas.microsoft.com/office/powerpoint/2010/main" val="3511541560"/>
+      </p:ext>
+    </p:extLst>
+  </p:cSld>
+  <p:clrMapOvr>
+    <a:masterClrMapping/>
+  </p:clrMapOvr>
+</p:sld>
+</file>
+
+<file path=ppt/slides/slide18.xml><?xml version="1.0" encoding="utf-8"?>
+<p:sld xmlns:a="http://schemas.openxmlformats.org/drawingml/2006/main" xmlns:r="http://schemas.openxmlformats.org/officeDocument/2006/relationships" xmlns:p="http://schemas.openxmlformats.org/presentationml/2006/main">
+  <p:cSld>
+    <p:bg>
+      <p:bgPr>
+        <a:blipFill>
+          <a:blip r:embed="rId3"/>
+          <a:tile tx="0" ty="0" sx="100000" sy="100000" flip="none" algn="tl"/>
+        </a:blipFill>
+        <a:effectLst/>
+      </p:bgPr>
+    </p:bg>
+    <p:spTree>
+      <p:nvGrpSpPr>
+        <p:cNvPr id="1" name=""/>
+        <p:cNvGrpSpPr/>
+        <p:nvPr/>
+      </p:nvGrpSpPr>
+      <p:grpSpPr>
+        <a:xfrm>
+          <a:off x="0" y="0"/>
+          <a:ext cx="0" cy="0"/>
+          <a:chOff x="0" y="0"/>
+          <a:chExt cx="0" cy="0"/>
+        </a:xfrm>
+      </p:grpSpPr>
+      <p:sp>
+        <p:nvSpPr>
+          <p:cNvPr id="2" name="文本框 1">
+            <a:extLst>
+              <a:ext uri="{FF2B5EF4-FFF2-40B4-BE49-F238E27FC236}">
+                <a16:creationId xmlns:a16="http://schemas.microsoft.com/office/drawing/2014/main" id="{12AA8BCC-7B15-4842-80C2-48C079429338}"/>
+              </a:ext>
+            </a:extLst>
+          </p:cNvPr>
+          <p:cNvSpPr txBox="1"/>
+          <p:nvPr/>
+        </p:nvSpPr>
+        <p:spPr>
+          <a:xfrm>
+            <a:off x="2135952" y="822959"/>
+            <a:ext cx="8741252" cy="830997"/>
+          </a:xfrm>
+          <a:prstGeom prst="rect">
+            <a:avLst/>
+          </a:prstGeom>
+          <a:noFill/>
+        </p:spPr>
+        <p:txBody>
+          <a:bodyPr wrap="square" rtlCol="0">
+            <a:spAutoFit/>
+          </a:bodyPr>
+          <a:lstStyle/>
+          <a:p>
+            <a:pPr algn="ctr"/>
+            <a:r>
+              <a:rPr kumimoji="1" lang="zh-CN" altLang="en-US" sz="4800" dirty="0">
+                <a:latin typeface="Microsoft YaHei" panose="020B0503020204020204" pitchFamily="34" charset="-122"/>
+                <a:ea typeface="Microsoft YaHei" panose="020B0503020204020204" pitchFamily="34" charset="-122"/>
+              </a:rPr>
+              <a:t>接口，抽象类的区别</a:t>
+            </a:r>
+            <a:endParaRPr kumimoji="1" lang="en-US" altLang="zh-CN" sz="4800" dirty="0">
+              <a:ea typeface="Microsoft YaHei" panose="020B0503020204020204" pitchFamily="34" charset="-122"/>
+            </a:endParaRPr>
+          </a:p>
+        </p:txBody>
+      </p:sp>
+      <p:sp>
+        <p:nvSpPr>
+          <p:cNvPr id="3" name="文本框 2">
+            <a:extLst>
+              <a:ext uri="{FF2B5EF4-FFF2-40B4-BE49-F238E27FC236}">
+                <a16:creationId xmlns:a16="http://schemas.microsoft.com/office/drawing/2014/main" id="{F9F2836E-84E2-5042-9CCF-7E3C3CE5B763}"/>
+              </a:ext>
+            </a:extLst>
+          </p:cNvPr>
+          <p:cNvSpPr txBox="1"/>
+          <p:nvPr/>
+        </p:nvSpPr>
+        <p:spPr>
+          <a:xfrm>
+            <a:off x="2234963" y="1964353"/>
+            <a:ext cx="8543230" cy="3785652"/>
+          </a:xfrm>
+          <a:prstGeom prst="rect">
+            <a:avLst/>
+          </a:prstGeom>
+          <a:noFill/>
+        </p:spPr>
+        <p:txBody>
+          <a:bodyPr wrap="square" rtlCol="0">
+            <a:spAutoFit/>
+          </a:bodyPr>
+          <a:lstStyle/>
+          <a:p>
+            <a:r>
+              <a:rPr kumimoji="1" lang="zh-CN" altLang="en-US" sz="2400" b="1" u="sng" dirty="0">
+                <a:latin typeface="Microsoft YaHei" panose="020B0503020204020204" pitchFamily="34" charset="-122"/>
+                <a:ea typeface="Microsoft YaHei" panose="020B0503020204020204" pitchFamily="34" charset="-122"/>
+              </a:rPr>
+              <a:t>设计理念不一样：</a:t>
+            </a:r>
+            <a:endParaRPr kumimoji="1" lang="en-US" altLang="zh-CN" sz="2400" b="1" u="sng" dirty="0">
+              <a:latin typeface="Microsoft YaHei" panose="020B0503020204020204" pitchFamily="34" charset="-122"/>
+              <a:ea typeface="Microsoft YaHei" panose="020B0503020204020204" pitchFamily="34" charset="-122"/>
+            </a:endParaRPr>
+          </a:p>
+          <a:p>
+            <a:pPr marL="800100" lvl="1" indent="-342900">
+              <a:buFont typeface="Arial" panose="020B0604020202020204" pitchFamily="34" charset="0"/>
+              <a:buChar char="•"/>
+            </a:pPr>
+            <a:r>
+              <a:rPr kumimoji="1" lang="zh-CN" altLang="en-US" sz="2400" dirty="0">
+                <a:latin typeface="Microsoft YaHei" panose="020B0503020204020204" pitchFamily="34" charset="-122"/>
+                <a:ea typeface="Microsoft YaHei" panose="020B0503020204020204" pitchFamily="34" charset="-122"/>
+              </a:rPr>
+              <a:t>接口是对</a:t>
+            </a:r>
+            <a:r>
+              <a:rPr kumimoji="1" lang="zh-CN" altLang="en-US" sz="2400" dirty="0">
+                <a:solidFill>
+                  <a:schemeClr val="accent2"/>
+                </a:solidFill>
+                <a:latin typeface="Microsoft YaHei" panose="020B0503020204020204" pitchFamily="34" charset="-122"/>
+                <a:ea typeface="Microsoft YaHei" panose="020B0503020204020204" pitchFamily="34" charset="-122"/>
+              </a:rPr>
+              <a:t>动作</a:t>
+            </a:r>
+            <a:r>
+              <a:rPr kumimoji="1" lang="zh-CN" altLang="en-US" sz="2400" dirty="0">
+                <a:latin typeface="Microsoft YaHei" panose="020B0503020204020204" pitchFamily="34" charset="-122"/>
+                <a:ea typeface="Microsoft YaHei" panose="020B0503020204020204" pitchFamily="34" charset="-122"/>
+              </a:rPr>
+              <a:t>的抽象，表示这个对象</a:t>
+            </a:r>
+            <a:r>
+              <a:rPr kumimoji="1" lang="zh-CN" altLang="en-US" sz="2400" dirty="0">
+                <a:solidFill>
+                  <a:schemeClr val="accent2"/>
+                </a:solidFill>
+                <a:latin typeface="Microsoft YaHei" panose="020B0503020204020204" pitchFamily="34" charset="-122"/>
+                <a:ea typeface="Microsoft YaHei" panose="020B0503020204020204" pitchFamily="34" charset="-122"/>
+              </a:rPr>
+              <a:t>能做什么</a:t>
+            </a:r>
+            <a:r>
+              <a:rPr kumimoji="1" lang="en-US" altLang="zh-CN" sz="2400" dirty="0">
+                <a:latin typeface="Microsoft YaHei" panose="020B0503020204020204" pitchFamily="34" charset="-122"/>
+                <a:ea typeface="Microsoft YaHei" panose="020B0503020204020204" pitchFamily="34" charset="-122"/>
+              </a:rPr>
+              <a:t>(</a:t>
+            </a:r>
+            <a:r>
+              <a:rPr kumimoji="1" lang="zh-CN" altLang="en-US" sz="2400" dirty="0">
+                <a:latin typeface="Microsoft YaHei" panose="020B0503020204020204" pitchFamily="34" charset="-122"/>
+                <a:ea typeface="Microsoft YaHei" panose="020B0503020204020204" pitchFamily="34" charset="-122"/>
+              </a:rPr>
+              <a:t>只有方法</a:t>
+            </a:r>
+            <a:r>
+              <a:rPr kumimoji="1" lang="en-US" altLang="zh-CN" sz="2400" dirty="0">
+                <a:latin typeface="Microsoft YaHei" panose="020B0503020204020204" pitchFamily="34" charset="-122"/>
+                <a:ea typeface="Microsoft YaHei" panose="020B0503020204020204" pitchFamily="34" charset="-122"/>
+              </a:rPr>
+              <a:t>)</a:t>
+            </a:r>
+            <a:r>
+              <a:rPr kumimoji="1" lang="zh-CN" altLang="en-US" sz="2400" dirty="0">
+                <a:latin typeface="Microsoft YaHei" panose="020B0503020204020204" pitchFamily="34" charset="-122"/>
+                <a:ea typeface="Microsoft YaHei" panose="020B0503020204020204" pitchFamily="34" charset="-122"/>
+              </a:rPr>
+              <a:t>，主要用来抽象功能；</a:t>
+            </a:r>
+            <a:endParaRPr kumimoji="1" lang="en-US" altLang="zh-CN" sz="2400" dirty="0">
+              <a:latin typeface="Microsoft YaHei" panose="020B0503020204020204" pitchFamily="34" charset="-122"/>
+              <a:ea typeface="Microsoft YaHei" panose="020B0503020204020204" pitchFamily="34" charset="-122"/>
+            </a:endParaRPr>
+          </a:p>
+          <a:p>
+            <a:pPr marL="800100" lvl="1" indent="-342900">
+              <a:buFont typeface="Arial" panose="020B0604020202020204" pitchFamily="34" charset="0"/>
+              <a:buChar char="•"/>
+            </a:pPr>
+            <a:r>
+              <a:rPr kumimoji="1" lang="zh-CN" altLang="en-US" sz="2400" dirty="0">
+                <a:latin typeface="Microsoft YaHei" panose="020B0503020204020204" pitchFamily="34" charset="-122"/>
+                <a:ea typeface="Microsoft YaHei" panose="020B0503020204020204" pitchFamily="34" charset="-122"/>
+              </a:rPr>
+              <a:t>抽象类是对</a:t>
+            </a:r>
+            <a:r>
+              <a:rPr kumimoji="1" lang="zh-CN" altLang="en-US" sz="2400" dirty="0">
+                <a:solidFill>
+                  <a:schemeClr val="accent2"/>
+                </a:solidFill>
+                <a:latin typeface="Microsoft YaHei" panose="020B0503020204020204" pitchFamily="34" charset="-122"/>
+                <a:ea typeface="Microsoft YaHei" panose="020B0503020204020204" pitchFamily="34" charset="-122"/>
+              </a:rPr>
+              <a:t>根源</a:t>
+            </a:r>
+            <a:r>
+              <a:rPr kumimoji="1" lang="zh-CN" altLang="en-US" sz="2400" dirty="0">
+                <a:latin typeface="Microsoft YaHei" panose="020B0503020204020204" pitchFamily="34" charset="-122"/>
+                <a:ea typeface="Microsoft YaHei" panose="020B0503020204020204" pitchFamily="34" charset="-122"/>
+              </a:rPr>
+              <a:t>的抽象，表示这个对象</a:t>
+            </a:r>
+            <a:r>
+              <a:rPr kumimoji="1" lang="zh-CN" altLang="en-US" sz="2400" dirty="0">
+                <a:solidFill>
+                  <a:schemeClr val="accent2"/>
+                </a:solidFill>
+                <a:latin typeface="Microsoft YaHei" panose="020B0503020204020204" pitchFamily="34" charset="-122"/>
+                <a:ea typeface="Microsoft YaHei" panose="020B0503020204020204" pitchFamily="34" charset="-122"/>
+              </a:rPr>
+              <a:t>是什么</a:t>
+            </a:r>
+            <a:r>
+              <a:rPr kumimoji="1" lang="en-US" altLang="zh-CN" sz="2400" dirty="0">
+                <a:latin typeface="Microsoft YaHei" panose="020B0503020204020204" pitchFamily="34" charset="-122"/>
+                <a:ea typeface="Microsoft YaHei" panose="020B0503020204020204" pitchFamily="34" charset="-122"/>
+              </a:rPr>
+              <a:t>(</a:t>
+            </a:r>
+            <a:r>
+              <a:rPr kumimoji="1" lang="zh-CN" altLang="en-US" sz="2400" dirty="0">
+                <a:latin typeface="Microsoft YaHei" panose="020B0503020204020204" pitchFamily="34" charset="-122"/>
+                <a:ea typeface="Microsoft YaHei" panose="020B0503020204020204" pitchFamily="34" charset="-122"/>
+              </a:rPr>
+              <a:t>包括属性和方法），主要用来抽象类别；</a:t>
+            </a:r>
+            <a:endParaRPr kumimoji="1" lang="en-US" altLang="zh-CN" sz="2400" dirty="0">
+              <a:latin typeface="Microsoft YaHei" panose="020B0503020204020204" pitchFamily="34" charset="-122"/>
+              <a:ea typeface="Microsoft YaHei" panose="020B0503020204020204" pitchFamily="34" charset="-122"/>
+            </a:endParaRPr>
+          </a:p>
+          <a:p>
+            <a:endParaRPr kumimoji="1" lang="en-US" altLang="zh-CN" sz="2400" b="1" u="sng" dirty="0">
+              <a:latin typeface="Microsoft YaHei" panose="020B0503020204020204" pitchFamily="34" charset="-122"/>
+              <a:ea typeface="Microsoft YaHei" panose="020B0503020204020204" pitchFamily="34" charset="-122"/>
+            </a:endParaRPr>
+          </a:p>
+          <a:p>
+            <a:r>
+              <a:rPr kumimoji="1" lang="zh-CN" altLang="en-US" sz="2400" b="1" u="sng" dirty="0">
+                <a:latin typeface="Microsoft YaHei" panose="020B0503020204020204" pitchFamily="34" charset="-122"/>
+                <a:ea typeface="Microsoft YaHei" panose="020B0503020204020204" pitchFamily="34" charset="-122"/>
+              </a:rPr>
+              <a:t>包含内容不同：</a:t>
+            </a:r>
+            <a:endParaRPr kumimoji="1" lang="en-US" altLang="zh-CN" sz="2400" b="1" u="sng" dirty="0">
+              <a:latin typeface="Microsoft YaHei" panose="020B0503020204020204" pitchFamily="34" charset="-122"/>
+              <a:ea typeface="Microsoft YaHei" panose="020B0503020204020204" pitchFamily="34" charset="-122"/>
+            </a:endParaRPr>
+          </a:p>
+          <a:p>
+            <a:pPr marL="800100" lvl="1" indent="-342900">
+              <a:buFont typeface="Arial" panose="020B0604020202020204" pitchFamily="34" charset="0"/>
+              <a:buChar char="•"/>
+            </a:pPr>
+            <a:r>
+              <a:rPr lang="zh-CN" altLang="en-US" sz="2400" dirty="0">
+                <a:latin typeface="Microsoft YaHei" panose="020B0503020204020204" pitchFamily="34" charset="-122"/>
+                <a:ea typeface="Microsoft YaHei" panose="020B0503020204020204" pitchFamily="34" charset="-122"/>
+              </a:rPr>
+              <a:t>接口只能有</a:t>
+            </a:r>
+            <a:r>
+              <a:rPr lang="zh-CN" altLang="en-US" sz="2400" dirty="0">
+                <a:solidFill>
+                  <a:schemeClr val="accent2"/>
+                </a:solidFill>
+                <a:latin typeface="Microsoft YaHei" panose="020B0503020204020204" pitchFamily="34" charset="-122"/>
+                <a:ea typeface="Microsoft YaHei" panose="020B0503020204020204" pitchFamily="34" charset="-122"/>
+              </a:rPr>
+              <a:t>抽象方法</a:t>
+            </a:r>
+            <a:r>
+              <a:rPr lang="zh-CN" altLang="en-US" sz="2400" dirty="0">
+                <a:latin typeface="Microsoft YaHei" panose="020B0503020204020204" pitchFamily="34" charset="-122"/>
+                <a:ea typeface="Microsoft YaHei" panose="020B0503020204020204" pitchFamily="34" charset="-122"/>
+              </a:rPr>
+              <a:t>和</a:t>
+            </a:r>
+            <a:r>
+              <a:rPr lang="zh-CN" altLang="en-US" sz="2400" dirty="0">
+                <a:solidFill>
+                  <a:schemeClr val="accent2"/>
+                </a:solidFill>
+                <a:latin typeface="Microsoft YaHei" panose="020B0503020204020204" pitchFamily="34" charset="-122"/>
+                <a:ea typeface="Microsoft YaHei" panose="020B0503020204020204" pitchFamily="34" charset="-122"/>
+              </a:rPr>
+              <a:t>不可变常量；</a:t>
+            </a:r>
+            <a:endParaRPr kumimoji="1" lang="en-US" altLang="zh-CN" sz="2400" b="1" u="sng" dirty="0">
+              <a:solidFill>
+                <a:schemeClr val="accent2"/>
+              </a:solidFill>
+              <a:latin typeface="Microsoft YaHei" panose="020B0503020204020204" pitchFamily="34" charset="-122"/>
+              <a:ea typeface="Microsoft YaHei" panose="020B0503020204020204" pitchFamily="34" charset="-122"/>
+            </a:endParaRPr>
+          </a:p>
+          <a:p>
+            <a:pPr marL="800100" lvl="1" indent="-342900">
+              <a:buFont typeface="Arial" panose="020B0604020202020204" pitchFamily="34" charset="0"/>
+              <a:buChar char="•"/>
+            </a:pPr>
+            <a:r>
+              <a:rPr lang="zh-CN" altLang="en-US" sz="2400" dirty="0">
+                <a:latin typeface="Microsoft YaHei" panose="020B0503020204020204" pitchFamily="34" charset="-122"/>
+                <a:ea typeface="Microsoft YaHei" panose="020B0503020204020204" pitchFamily="34" charset="-122"/>
+              </a:rPr>
+              <a:t>抽象类除了抽象方法</a:t>
+            </a:r>
+            <a:r>
+              <a:rPr lang="en-US" altLang="zh-CN" sz="2400" dirty="0">
+                <a:latin typeface="Microsoft YaHei" panose="020B0503020204020204" pitchFamily="34" charset="-122"/>
+                <a:ea typeface="Microsoft YaHei" panose="020B0503020204020204" pitchFamily="34" charset="-122"/>
+              </a:rPr>
+              <a:t>(</a:t>
+            </a:r>
+            <a:r>
+              <a:rPr lang="zh-CN" altLang="en-US" sz="2400" dirty="0">
+                <a:latin typeface="Microsoft YaHei" panose="020B0503020204020204" pitchFamily="34" charset="-122"/>
+                <a:ea typeface="Microsoft YaHei" panose="020B0503020204020204" pitchFamily="34" charset="-122"/>
+              </a:rPr>
+              <a:t>也可以没有</a:t>
+            </a:r>
+            <a:r>
+              <a:rPr lang="en-US" altLang="zh-CN" sz="2400" dirty="0">
+                <a:latin typeface="Microsoft YaHei" panose="020B0503020204020204" pitchFamily="34" charset="-122"/>
+                <a:ea typeface="Microsoft YaHei" panose="020B0503020204020204" pitchFamily="34" charset="-122"/>
+              </a:rPr>
+              <a:t>)</a:t>
+            </a:r>
+            <a:r>
+              <a:rPr lang="zh-CN" altLang="en-US" sz="2400" dirty="0">
+                <a:latin typeface="Microsoft YaHei" panose="020B0503020204020204" pitchFamily="34" charset="-122"/>
+                <a:ea typeface="Microsoft YaHei" panose="020B0503020204020204" pitchFamily="34" charset="-122"/>
+              </a:rPr>
+              <a:t>，还可以有具体的方法和属性。和普通类类似。；</a:t>
+            </a:r>
+            <a:endParaRPr lang="en-US" altLang="zh-CN" sz="2400" dirty="0">
+              <a:latin typeface="Microsoft YaHei" panose="020B0503020204020204" pitchFamily="34" charset="-122"/>
+              <a:ea typeface="Microsoft YaHei" panose="020B0503020204020204" pitchFamily="34" charset="-122"/>
+            </a:endParaRPr>
+          </a:p>
+        </p:txBody>
+      </p:sp>
+    </p:spTree>
+    <p:extLst>
+      <p:ext uri="{BB962C8B-B14F-4D97-AF65-F5344CB8AC3E}">
+        <p14:creationId xmlns:p14="http://schemas.microsoft.com/office/powerpoint/2010/main" val="3855525411"/>
+      </p:ext>
+    </p:extLst>
+  </p:cSld>
+  <p:clrMapOvr>
+    <a:masterClrMapping/>
+  </p:clrMapOvr>
+</p:sld>
+</file>
+
+<file path=ppt/slides/slide19.xml><?xml version="1.0" encoding="utf-8"?>
+<p:sld xmlns:a="http://schemas.openxmlformats.org/drawingml/2006/main" xmlns:r="http://schemas.openxmlformats.org/officeDocument/2006/relationships" xmlns:p="http://schemas.openxmlformats.org/presentationml/2006/main">
+  <p:cSld>
+    <p:bg>
+      <p:bgPr>
+        <a:blipFill>
+          <a:blip r:embed="rId3"/>
+          <a:tile tx="0" ty="0" sx="100000" sy="100000" flip="none" algn="tl"/>
+        </a:blipFill>
+        <a:effectLst/>
+      </p:bgPr>
+    </p:bg>
+    <p:spTree>
+      <p:nvGrpSpPr>
+        <p:cNvPr id="1" name=""/>
+        <p:cNvGrpSpPr/>
+        <p:nvPr/>
+      </p:nvGrpSpPr>
+      <p:grpSpPr>
+        <a:xfrm>
+          <a:off x="0" y="0"/>
+          <a:ext cx="0" cy="0"/>
+          <a:chOff x="0" y="0"/>
+          <a:chExt cx="0" cy="0"/>
+        </a:xfrm>
+      </p:grpSpPr>
+      <p:sp>
+        <p:nvSpPr>
+          <p:cNvPr id="2" name="文本框 1">
+            <a:extLst>
+              <a:ext uri="{FF2B5EF4-FFF2-40B4-BE49-F238E27FC236}">
+                <a16:creationId xmlns:a16="http://schemas.microsoft.com/office/drawing/2014/main" id="{12AA8BCC-7B15-4842-80C2-48C079429338}"/>
+              </a:ext>
+            </a:extLst>
+          </p:cNvPr>
+          <p:cNvSpPr txBox="1"/>
+          <p:nvPr/>
+        </p:nvSpPr>
+        <p:spPr>
+          <a:xfrm>
+            <a:off x="2135952" y="822959"/>
+            <a:ext cx="8741252" cy="830997"/>
+          </a:xfrm>
+          <a:prstGeom prst="rect">
+            <a:avLst/>
+          </a:prstGeom>
+          <a:noFill/>
+        </p:spPr>
+        <p:txBody>
+          <a:bodyPr wrap="square" rtlCol="0">
+            <a:spAutoFit/>
+          </a:bodyPr>
+          <a:lstStyle/>
+          <a:p>
+            <a:pPr algn="ctr"/>
+            <a:r>
+              <a:rPr kumimoji="1" lang="zh-CN" altLang="en-US" sz="4800" dirty="0">
+                <a:latin typeface="Microsoft YaHei" panose="020B0503020204020204" pitchFamily="34" charset="-122"/>
+                <a:ea typeface="Microsoft YaHei" panose="020B0503020204020204" pitchFamily="34" charset="-122"/>
+              </a:rPr>
+              <a:t>接口，抽象类的区别</a:t>
+            </a:r>
+            <a:endParaRPr kumimoji="1" lang="en-US" altLang="zh-CN" sz="4800" dirty="0">
+              <a:ea typeface="Microsoft YaHei" panose="020B0503020204020204" pitchFamily="34" charset="-122"/>
+            </a:endParaRPr>
+          </a:p>
+        </p:txBody>
+      </p:sp>
+      <p:sp>
+        <p:nvSpPr>
+          <p:cNvPr id="3" name="文本框 2">
+            <a:extLst>
+              <a:ext uri="{FF2B5EF4-FFF2-40B4-BE49-F238E27FC236}">
+                <a16:creationId xmlns:a16="http://schemas.microsoft.com/office/drawing/2014/main" id="{F9F2836E-84E2-5042-9CCF-7E3C3CE5B763}"/>
+              </a:ext>
+            </a:extLst>
+          </p:cNvPr>
+          <p:cNvSpPr txBox="1"/>
+          <p:nvPr/>
+        </p:nvSpPr>
+        <p:spPr>
+          <a:xfrm>
+            <a:off x="2333974" y="2421553"/>
+            <a:ext cx="8543230" cy="3416320"/>
+          </a:xfrm>
+          <a:prstGeom prst="rect">
+            <a:avLst/>
+          </a:prstGeom>
+          <a:noFill/>
+        </p:spPr>
+        <p:txBody>
+          <a:bodyPr wrap="square" rtlCol="0">
+            <a:spAutoFit/>
+          </a:bodyPr>
+          <a:lstStyle/>
+          <a:p>
+            <a:r>
+              <a:rPr kumimoji="1" lang="zh-CN" altLang="en-US" sz="2400" b="1" u="sng" dirty="0">
+                <a:latin typeface="Microsoft YaHei" panose="020B0503020204020204" pitchFamily="34" charset="-122"/>
+                <a:ea typeface="Microsoft YaHei" panose="020B0503020204020204" pitchFamily="34" charset="-122"/>
+              </a:rPr>
+              <a:t>若包含数据，属性不一样，使用范围不同：</a:t>
+            </a:r>
+            <a:endParaRPr kumimoji="1" lang="en-US" altLang="zh-CN" sz="2400" b="1" u="sng" dirty="0">
+              <a:latin typeface="Microsoft YaHei" panose="020B0503020204020204" pitchFamily="34" charset="-122"/>
+              <a:ea typeface="Microsoft YaHei" panose="020B0503020204020204" pitchFamily="34" charset="-122"/>
+            </a:endParaRPr>
+          </a:p>
+          <a:p>
+            <a:pPr marL="800100" lvl="1" indent="-342900">
+              <a:buFont typeface="Arial" panose="020B0604020202020204" pitchFamily="34" charset="0"/>
+              <a:buChar char="•"/>
+            </a:pPr>
+            <a:r>
+              <a:rPr kumimoji="1" lang="zh-CN" altLang="en-US" sz="2400" dirty="0">
+                <a:latin typeface="Microsoft YaHei" panose="020B0503020204020204" pitchFamily="34" charset="-122"/>
+                <a:ea typeface="Microsoft YaHei" panose="020B0503020204020204" pitchFamily="34" charset="-122"/>
+              </a:rPr>
+              <a:t>接口里定义的数据只能是公共的静态的</a:t>
+            </a:r>
+            <a:r>
+              <a:rPr kumimoji="1" lang="zh-CN" altLang="en-US" sz="2400" dirty="0">
+                <a:solidFill>
+                  <a:schemeClr val="accent2"/>
+                </a:solidFill>
+                <a:latin typeface="Microsoft YaHei" panose="020B0503020204020204" pitchFamily="34" charset="-122"/>
+                <a:ea typeface="Microsoft YaHei" panose="020B0503020204020204" pitchFamily="34" charset="-122"/>
+              </a:rPr>
+              <a:t>常量</a:t>
+            </a:r>
+            <a:r>
+              <a:rPr kumimoji="1" lang="zh-CN" altLang="en-US" sz="2400" dirty="0">
+                <a:latin typeface="Microsoft YaHei" panose="020B0503020204020204" pitchFamily="34" charset="-122"/>
+                <a:ea typeface="Microsoft YaHei" panose="020B0503020204020204" pitchFamily="34" charset="-122"/>
+              </a:rPr>
+              <a:t>，每个实现接口类共有。</a:t>
+            </a:r>
+            <a:endParaRPr kumimoji="1" lang="en-US" altLang="zh-CN" sz="2400" dirty="0">
+              <a:latin typeface="Microsoft YaHei" panose="020B0503020204020204" pitchFamily="34" charset="-122"/>
+              <a:ea typeface="Microsoft YaHei" panose="020B0503020204020204" pitchFamily="34" charset="-122"/>
+            </a:endParaRPr>
+          </a:p>
+          <a:p>
+            <a:pPr marL="800100" lvl="1" indent="-342900">
+              <a:buFont typeface="Arial" panose="020B0604020202020204" pitchFamily="34" charset="0"/>
+              <a:buChar char="•"/>
+            </a:pPr>
+            <a:r>
+              <a:rPr kumimoji="1" lang="zh-CN" altLang="en-US" sz="2400" dirty="0">
+                <a:latin typeface="Microsoft YaHei" panose="020B0503020204020204" pitchFamily="34" charset="-122"/>
+                <a:ea typeface="Microsoft YaHei" panose="020B0503020204020204" pitchFamily="34" charset="-122"/>
+              </a:rPr>
+              <a:t>抽象类中的变量是普通</a:t>
+            </a:r>
+            <a:r>
+              <a:rPr kumimoji="1" lang="zh-CN" altLang="en-US" sz="2400" dirty="0">
+                <a:solidFill>
+                  <a:schemeClr val="accent2"/>
+                </a:solidFill>
+                <a:latin typeface="Microsoft YaHei" panose="020B0503020204020204" pitchFamily="34" charset="-122"/>
+                <a:ea typeface="Microsoft YaHei" panose="020B0503020204020204" pitchFamily="34" charset="-122"/>
+              </a:rPr>
+              <a:t>变量</a:t>
+            </a:r>
+            <a:r>
+              <a:rPr kumimoji="1" lang="zh-CN" altLang="en-US" sz="2400" dirty="0">
+                <a:latin typeface="Microsoft YaHei" panose="020B0503020204020204" pitchFamily="34" charset="-122"/>
+                <a:ea typeface="Microsoft YaHei" panose="020B0503020204020204" pitchFamily="34" charset="-122"/>
+              </a:rPr>
+              <a:t>。和普通类的变量一样，是每个实例化的对象各自持有，不是共有。</a:t>
+            </a:r>
+            <a:endParaRPr kumimoji="1" lang="en-US" altLang="zh-CN" sz="2400" dirty="0">
+              <a:latin typeface="Microsoft YaHei" panose="020B0503020204020204" pitchFamily="34" charset="-122"/>
+              <a:ea typeface="Microsoft YaHei" panose="020B0503020204020204" pitchFamily="34" charset="-122"/>
+            </a:endParaRPr>
+          </a:p>
+          <a:p>
+            <a:pPr marL="800100" lvl="1" indent="-342900">
+              <a:buFont typeface="Arial" panose="020B0604020202020204" pitchFamily="34" charset="0"/>
+              <a:buChar char="•"/>
+            </a:pPr>
+            <a:endParaRPr kumimoji="1" lang="en-US" altLang="zh-CN" sz="2400" dirty="0">
+              <a:latin typeface="Microsoft YaHei" panose="020B0503020204020204" pitchFamily="34" charset="-122"/>
+              <a:ea typeface="Microsoft YaHei" panose="020B0503020204020204" pitchFamily="34" charset="-122"/>
+            </a:endParaRPr>
+          </a:p>
+          <a:p>
+            <a:r>
+              <a:rPr kumimoji="1" lang="zh-CN" altLang="en-US" sz="2400" b="1" u="sng" dirty="0">
+                <a:latin typeface="Microsoft YaHei" panose="020B0503020204020204" pitchFamily="34" charset="-122"/>
+                <a:ea typeface="Microsoft YaHei" panose="020B0503020204020204" pitchFamily="34" charset="-122"/>
+              </a:rPr>
+              <a:t>用法不一样：</a:t>
+            </a:r>
+            <a:endParaRPr kumimoji="1" lang="en-US" altLang="zh-CN" sz="2400" b="1" u="sng" dirty="0">
+              <a:latin typeface="Microsoft YaHei" panose="020B0503020204020204" pitchFamily="34" charset="-122"/>
+              <a:ea typeface="Microsoft YaHei" panose="020B0503020204020204" pitchFamily="34" charset="-122"/>
+            </a:endParaRPr>
+          </a:p>
+          <a:p>
+            <a:pPr marL="800100" lvl="1" indent="-342900">
+              <a:buFont typeface="Arial" panose="020B0604020202020204" pitchFamily="34" charset="0"/>
+              <a:buChar char="•"/>
+            </a:pPr>
+            <a:r>
+              <a:rPr kumimoji="1" lang="zh-CN" altLang="en-US" sz="2400" dirty="0">
+                <a:latin typeface="Microsoft YaHei" panose="020B0503020204020204" pitchFamily="34" charset="-122"/>
+                <a:ea typeface="Microsoft YaHei" panose="020B0503020204020204" pitchFamily="34" charset="-122"/>
+              </a:rPr>
+              <a:t>一个类可以</a:t>
+            </a:r>
+            <a:r>
+              <a:rPr kumimoji="1" lang="en-US" altLang="zh-CN" sz="2400" dirty="0">
+                <a:latin typeface="Microsoft YaHei" panose="020B0503020204020204" pitchFamily="34" charset="-122"/>
+                <a:ea typeface="Microsoft YaHei" panose="020B0503020204020204" pitchFamily="34" charset="-122"/>
+              </a:rPr>
+              <a:t>implements</a:t>
+            </a:r>
+            <a:r>
+              <a:rPr kumimoji="1" lang="zh-CN" altLang="en-US" sz="2400" dirty="0">
+                <a:latin typeface="Microsoft YaHei" panose="020B0503020204020204" pitchFamily="34" charset="-122"/>
+                <a:ea typeface="Microsoft YaHei" panose="020B0503020204020204" pitchFamily="34" charset="-122"/>
+              </a:rPr>
+              <a:t> </a:t>
+            </a:r>
+            <a:r>
+              <a:rPr kumimoji="1" lang="zh-CN" altLang="en-US" sz="2400" dirty="0">
+                <a:solidFill>
+                  <a:schemeClr val="accent2"/>
+                </a:solidFill>
+                <a:latin typeface="Microsoft YaHei" panose="020B0503020204020204" pitchFamily="34" charset="-122"/>
+                <a:ea typeface="Microsoft YaHei" panose="020B0503020204020204" pitchFamily="34" charset="-122"/>
+              </a:rPr>
+              <a:t>多个</a:t>
+            </a:r>
+            <a:r>
+              <a:rPr kumimoji="1" lang="zh-CN" altLang="en-US" sz="2400" dirty="0">
+                <a:latin typeface="Microsoft YaHei" panose="020B0503020204020204" pitchFamily="34" charset="-122"/>
+                <a:ea typeface="Microsoft YaHei" panose="020B0503020204020204" pitchFamily="34" charset="-122"/>
+              </a:rPr>
+              <a:t>接口</a:t>
+            </a:r>
+            <a:endParaRPr kumimoji="1" lang="en-US" altLang="zh-CN" sz="2400" dirty="0">
+              <a:latin typeface="Microsoft YaHei" panose="020B0503020204020204" pitchFamily="34" charset="-122"/>
+              <a:ea typeface="Microsoft YaHei" panose="020B0503020204020204" pitchFamily="34" charset="-122"/>
+            </a:endParaRPr>
+          </a:p>
+          <a:p>
+            <a:pPr marL="800100" lvl="1" indent="-342900">
+              <a:buFont typeface="Arial" panose="020B0604020202020204" pitchFamily="34" charset="0"/>
+              <a:buChar char="•"/>
+            </a:pPr>
+            <a:r>
+              <a:rPr kumimoji="1" lang="zh-CN" altLang="en-US" sz="2400" dirty="0">
+                <a:latin typeface="Microsoft YaHei" panose="020B0503020204020204" pitchFamily="34" charset="-122"/>
+                <a:ea typeface="Microsoft YaHei" panose="020B0503020204020204" pitchFamily="34" charset="-122"/>
+              </a:rPr>
+              <a:t>一个类只能</a:t>
+            </a:r>
+            <a:r>
+              <a:rPr kumimoji="1" lang="en-US" altLang="zh-CN" sz="2400" dirty="0">
+                <a:latin typeface="Microsoft YaHei" panose="020B0503020204020204" pitchFamily="34" charset="-122"/>
+                <a:ea typeface="Microsoft YaHei" panose="020B0503020204020204" pitchFamily="34" charset="-122"/>
+              </a:rPr>
+              <a:t>extends</a:t>
+            </a:r>
+            <a:r>
+              <a:rPr kumimoji="1" lang="zh-CN" altLang="en-US" sz="2400" dirty="0">
+                <a:latin typeface="Microsoft YaHei" panose="020B0503020204020204" pitchFamily="34" charset="-122"/>
+                <a:ea typeface="Microsoft YaHei" panose="020B0503020204020204" pitchFamily="34" charset="-122"/>
+              </a:rPr>
+              <a:t> </a:t>
+            </a:r>
+            <a:r>
+              <a:rPr kumimoji="1" lang="en-US" altLang="zh-CN" sz="2400" dirty="0">
+                <a:solidFill>
+                  <a:schemeClr val="accent2"/>
+                </a:solidFill>
+                <a:latin typeface="Microsoft YaHei" panose="020B0503020204020204" pitchFamily="34" charset="-122"/>
+                <a:ea typeface="Microsoft YaHei" panose="020B0503020204020204" pitchFamily="34" charset="-122"/>
+              </a:rPr>
+              <a:t>1</a:t>
+            </a:r>
+            <a:r>
+              <a:rPr kumimoji="1" lang="zh-CN" altLang="en-US" sz="2400" dirty="0">
+                <a:solidFill>
+                  <a:schemeClr val="accent2"/>
+                </a:solidFill>
+                <a:latin typeface="Microsoft YaHei" panose="020B0503020204020204" pitchFamily="34" charset="-122"/>
+                <a:ea typeface="Microsoft YaHei" panose="020B0503020204020204" pitchFamily="34" charset="-122"/>
+              </a:rPr>
+              <a:t>个</a:t>
+            </a:r>
+            <a:r>
+              <a:rPr kumimoji="1" lang="zh-CN" altLang="en-US" sz="2400" dirty="0">
+                <a:latin typeface="Microsoft YaHei" panose="020B0503020204020204" pitchFamily="34" charset="-122"/>
+                <a:ea typeface="Microsoft YaHei" panose="020B0503020204020204" pitchFamily="34" charset="-122"/>
+              </a:rPr>
+              <a:t>类</a:t>
+            </a:r>
+            <a:r>
+              <a:rPr kumimoji="1" lang="en-US" altLang="zh-CN" sz="2400" dirty="0">
+                <a:latin typeface="Microsoft YaHei" panose="020B0503020204020204" pitchFamily="34" charset="-122"/>
+                <a:ea typeface="Microsoft YaHei" panose="020B0503020204020204" pitchFamily="34" charset="-122"/>
+              </a:rPr>
+              <a:t>(</a:t>
+            </a:r>
+            <a:r>
+              <a:rPr kumimoji="1" lang="zh-CN" altLang="en-US" sz="2400" dirty="0">
+                <a:latin typeface="Microsoft YaHei" panose="020B0503020204020204" pitchFamily="34" charset="-122"/>
+                <a:ea typeface="Microsoft YaHei" panose="020B0503020204020204" pitchFamily="34" charset="-122"/>
+              </a:rPr>
+              <a:t>不管是抽象类还是普通类</a:t>
+            </a:r>
+            <a:r>
+              <a:rPr kumimoji="1" lang="en-US" altLang="zh-CN" sz="2400" dirty="0">
+                <a:latin typeface="Microsoft YaHei" panose="020B0503020204020204" pitchFamily="34" charset="-122"/>
+                <a:ea typeface="Microsoft YaHei" panose="020B0503020204020204" pitchFamily="34" charset="-122"/>
+              </a:rPr>
+              <a:t>)</a:t>
+            </a:r>
+          </a:p>
+        </p:txBody>
+      </p:sp>
+    </p:spTree>
+    <p:extLst>
+      <p:ext uri="{BB962C8B-B14F-4D97-AF65-F5344CB8AC3E}">
+        <p14:creationId xmlns:p14="http://schemas.microsoft.com/office/powerpoint/2010/main" val="2696072173"/>
+      </p:ext>
+    </p:extLst>
+  </p:cSld>
+  <p:clrMapOvr>
+    <a:masterClrMapping/>
+  </p:clrMapOvr>
+</p:sld>
+</file>
+
+<file path=ppt/slides/slide2.xml><?xml version="1.0" encoding="utf-8"?>
+<p:sld xmlns:a="http://schemas.openxmlformats.org/drawingml/2006/main" xmlns:r="http://schemas.openxmlformats.org/officeDocument/2006/relationships" xmlns:p="http://schemas.openxmlformats.org/presentationml/2006/main">
+  <p:cSld>
+    <p:bg>
+      <p:bgPr>
+        <a:blipFill>
+          <a:blip r:embed="rId3"/>
+          <a:tile tx="0" ty="0" sx="100000" sy="100000" flip="none" algn="tl"/>
+        </a:blipFill>
+        <a:effectLst/>
+      </p:bgPr>
+    </p:bg>
+    <p:spTree>
+      <p:nvGrpSpPr>
+        <p:cNvPr id="1" name=""/>
+        <p:cNvGrpSpPr/>
+        <p:nvPr/>
+      </p:nvGrpSpPr>
+      <p:grpSpPr>
+        <a:xfrm>
+          <a:off x="0" y="0"/>
+          <a:ext cx="0" cy="0"/>
+          <a:chOff x="0" y="0"/>
+          <a:chExt cx="0" cy="0"/>
+        </a:xfrm>
+      </p:grpSpPr>
+      <p:sp>
+        <p:nvSpPr>
+          <p:cNvPr id="2" name="文本框 1">
+            <a:extLst>
+              <a:ext uri="{FF2B5EF4-FFF2-40B4-BE49-F238E27FC236}">
+                <a16:creationId xmlns:a16="http://schemas.microsoft.com/office/drawing/2014/main" id="{12AA8BCC-7B15-4842-80C2-48C079429338}"/>
+              </a:ext>
+            </a:extLst>
+          </p:cNvPr>
+          <p:cNvSpPr txBox="1"/>
+          <p:nvPr/>
+        </p:nvSpPr>
+        <p:spPr>
+          <a:xfrm>
+            <a:off x="2520000" y="421690"/>
+            <a:ext cx="7735824" cy="830997"/>
+          </a:xfrm>
+          <a:prstGeom prst="rect">
+            <a:avLst/>
+          </a:prstGeom>
+          <a:noFill/>
+        </p:spPr>
+        <p:txBody>
+          <a:bodyPr wrap="square" rtlCol="0">
+            <a:spAutoFit/>
+          </a:bodyPr>
+          <a:lstStyle/>
+          <a:p>
+            <a:pPr algn="ctr"/>
+            <a:r>
+              <a:rPr kumimoji="1" lang="zh-CN" altLang="en-US" sz="4800" dirty="0">
+                <a:latin typeface="Microsoft YaHei" panose="020B0503020204020204" pitchFamily="34" charset="-122"/>
+                <a:ea typeface="Microsoft YaHei" panose="020B0503020204020204" pitchFamily="34" charset="-122"/>
+              </a:rPr>
+              <a:t>这节课讲啥？</a:t>
+            </a:r>
+          </a:p>
+        </p:txBody>
+      </p:sp>
+      <p:sp>
+        <p:nvSpPr>
+          <p:cNvPr id="8" name="文本框 7">
+            <a:extLst>
+              <a:ext uri="{FF2B5EF4-FFF2-40B4-BE49-F238E27FC236}">
+                <a16:creationId xmlns:a16="http://schemas.microsoft.com/office/drawing/2014/main" id="{B294230C-E86E-7247-BAC6-5F43DED3D0AF}"/>
+              </a:ext>
+            </a:extLst>
+          </p:cNvPr>
+          <p:cNvSpPr txBox="1"/>
+          <p:nvPr/>
+        </p:nvSpPr>
+        <p:spPr>
+          <a:xfrm>
+            <a:off x="3891600" y="840931"/>
+            <a:ext cx="7443216" cy="6017069"/>
+          </a:xfrm>
+          <a:prstGeom prst="rect">
+            <a:avLst/>
+          </a:prstGeom>
+          <a:noFill/>
+        </p:spPr>
+        <p:txBody>
+          <a:bodyPr wrap="square" tIns="360000" bIns="360000" rtlCol="0">
+            <a:spAutoFit/>
+          </a:bodyPr>
+          <a:lstStyle/>
+          <a:p>
+            <a:endParaRPr kumimoji="1" lang="en-US" altLang="zh-CN" sz="2400" dirty="0">
+              <a:latin typeface="Microsoft YaHei" panose="020B0503020204020204" pitchFamily="34" charset="-122"/>
+              <a:ea typeface="Microsoft YaHei" panose="020B0503020204020204" pitchFamily="34" charset="-122"/>
+            </a:endParaRPr>
+          </a:p>
+          <a:p>
+            <a:pPr marL="571500" indent="-571500">
+              <a:lnSpc>
+                <a:spcPct val="150000"/>
+              </a:lnSpc>
+              <a:buFont typeface="Wingdings" pitchFamily="2" charset="2"/>
+              <a:buChar char="Ø"/>
+            </a:pPr>
+            <a:r>
+              <a:rPr kumimoji="1" lang="zh-CN" altLang="en-US" sz="2400" dirty="0">
+                <a:latin typeface="Microsoft YaHei" panose="020B0503020204020204" pitchFamily="34" charset="-122"/>
+                <a:ea typeface="Microsoft YaHei" panose="020B0503020204020204" pitchFamily="34" charset="-122"/>
+              </a:rPr>
+              <a:t>面向对象</a:t>
+            </a:r>
+            <a:r>
+              <a:rPr kumimoji="1" lang="en-US" altLang="zh-CN" sz="2400" dirty="0">
+                <a:latin typeface="Microsoft YaHei" panose="020B0503020204020204" pitchFamily="34" charset="-122"/>
+                <a:ea typeface="Microsoft YaHei" panose="020B0503020204020204" pitchFamily="34" charset="-122"/>
+              </a:rPr>
+              <a:t>---</a:t>
+            </a:r>
+            <a:r>
+              <a:rPr kumimoji="1" lang="zh-CN" altLang="en-US" sz="2400" dirty="0">
+                <a:latin typeface="Microsoft YaHei" panose="020B0503020204020204" pitchFamily="34" charset="-122"/>
+                <a:ea typeface="Microsoft YaHei" panose="020B0503020204020204" pitchFamily="34" charset="-122"/>
+              </a:rPr>
+              <a:t>抽象类</a:t>
+            </a:r>
+            <a:endParaRPr kumimoji="1" lang="en-US" altLang="zh-CN" sz="2400" dirty="0">
+              <a:latin typeface="Microsoft YaHei" panose="020B0503020204020204" pitchFamily="34" charset="-122"/>
+              <a:ea typeface="Microsoft YaHei" panose="020B0503020204020204" pitchFamily="34" charset="-122"/>
+            </a:endParaRPr>
+          </a:p>
+          <a:p>
+            <a:pPr marL="1028700" lvl="1" indent="-571500">
+              <a:lnSpc>
+                <a:spcPct val="150000"/>
+              </a:lnSpc>
+              <a:buFont typeface="Wingdings" pitchFamily="2" charset="2"/>
+              <a:buChar char="Ø"/>
+            </a:pPr>
+            <a:r>
+              <a:rPr kumimoji="1" lang="zh-CN" altLang="en-US" sz="2400" dirty="0">
+                <a:latin typeface="Microsoft YaHei" panose="020B0503020204020204" pitchFamily="34" charset="-122"/>
+                <a:ea typeface="Microsoft YaHei" panose="020B0503020204020204" pitchFamily="34" charset="-122"/>
+              </a:rPr>
+              <a:t>抽象类和抽象方法</a:t>
+            </a:r>
+            <a:endParaRPr kumimoji="1" lang="en-US" altLang="zh-CN" sz="2400" dirty="0">
+              <a:latin typeface="Microsoft YaHei" panose="020B0503020204020204" pitchFamily="34" charset="-122"/>
+              <a:ea typeface="Microsoft YaHei" panose="020B0503020204020204" pitchFamily="34" charset="-122"/>
+            </a:endParaRPr>
+          </a:p>
+          <a:p>
+            <a:pPr marL="1028700" lvl="1" indent="-571500">
+              <a:lnSpc>
+                <a:spcPct val="150000"/>
+              </a:lnSpc>
+              <a:buFont typeface="Wingdings" pitchFamily="2" charset="2"/>
+              <a:buChar char="Ø"/>
+            </a:pPr>
+            <a:r>
+              <a:rPr kumimoji="1" lang="zh-CN" altLang="en-US" sz="2400" dirty="0">
+                <a:latin typeface="Microsoft YaHei" panose="020B0503020204020204" pitchFamily="34" charset="-122"/>
+                <a:ea typeface="Microsoft YaHei" panose="020B0503020204020204" pitchFamily="34" charset="-122"/>
+              </a:rPr>
+              <a:t>为什么要有抽象类和抽象方法</a:t>
+            </a:r>
+            <a:endParaRPr kumimoji="1" lang="en-US" altLang="zh-CN" sz="2400" dirty="0">
+              <a:latin typeface="Microsoft YaHei" panose="020B0503020204020204" pitchFamily="34" charset="-122"/>
+              <a:ea typeface="Microsoft YaHei" panose="020B0503020204020204" pitchFamily="34" charset="-122"/>
+            </a:endParaRPr>
+          </a:p>
+          <a:p>
+            <a:pPr marL="1028700" lvl="1" indent="-571500">
+              <a:lnSpc>
+                <a:spcPct val="150000"/>
+              </a:lnSpc>
+              <a:buFont typeface="Wingdings" pitchFamily="2" charset="2"/>
+              <a:buChar char="Ø"/>
+            </a:pPr>
+            <a:r>
+              <a:rPr kumimoji="1" lang="zh-CN" altLang="en-US" sz="2400" dirty="0">
+                <a:latin typeface="Microsoft YaHei" panose="020B0503020204020204" pitchFamily="34" charset="-122"/>
+                <a:ea typeface="Microsoft YaHei" panose="020B0503020204020204" pitchFamily="34" charset="-122"/>
+              </a:rPr>
+              <a:t>抽象类的一些注意点</a:t>
+            </a:r>
+            <a:endParaRPr kumimoji="1" lang="en-US" altLang="zh-CN" sz="2400" dirty="0">
+              <a:latin typeface="Microsoft YaHei" panose="020B0503020204020204" pitchFamily="34" charset="-122"/>
+              <a:ea typeface="Microsoft YaHei" panose="020B0503020204020204" pitchFamily="34" charset="-122"/>
+            </a:endParaRPr>
+          </a:p>
+          <a:p>
+            <a:pPr marL="1028700" lvl="1" indent="-571500">
+              <a:lnSpc>
+                <a:spcPct val="150000"/>
+              </a:lnSpc>
+              <a:buFont typeface="Wingdings" pitchFamily="2" charset="2"/>
+              <a:buChar char="Ø"/>
+            </a:pPr>
+            <a:r>
+              <a:rPr kumimoji="1" lang="zh-CN" altLang="en-US" sz="2400" dirty="0">
+                <a:latin typeface="Microsoft YaHei" panose="020B0503020204020204" pitchFamily="34" charset="-122"/>
+                <a:ea typeface="Microsoft YaHei" panose="020B0503020204020204" pitchFamily="34" charset="-122"/>
+              </a:rPr>
+              <a:t>示例</a:t>
+            </a:r>
+            <a:endParaRPr kumimoji="1" lang="en-US" altLang="zh-CN" sz="2400" dirty="0">
+              <a:latin typeface="Microsoft YaHei" panose="020B0503020204020204" pitchFamily="34" charset="-122"/>
+              <a:ea typeface="Microsoft YaHei" panose="020B0503020204020204" pitchFamily="34" charset="-122"/>
+            </a:endParaRPr>
+          </a:p>
+          <a:p>
+            <a:pPr marL="571500" indent="-571500">
+              <a:lnSpc>
+                <a:spcPct val="150000"/>
+              </a:lnSpc>
+              <a:buFont typeface="Wingdings" pitchFamily="2" charset="2"/>
+              <a:buChar char="Ø"/>
+            </a:pPr>
+            <a:r>
+              <a:rPr kumimoji="1" lang="zh-CN" altLang="en-US" sz="2400" dirty="0">
+                <a:latin typeface="Microsoft YaHei" panose="020B0503020204020204" pitchFamily="34" charset="-122"/>
+                <a:ea typeface="Microsoft YaHei" panose="020B0503020204020204" pitchFamily="34" charset="-122"/>
+              </a:rPr>
+              <a:t>面向对象</a:t>
+            </a:r>
+            <a:r>
+              <a:rPr kumimoji="1" lang="en-US" altLang="zh-CN" sz="2400" dirty="0">
+                <a:latin typeface="Microsoft YaHei" panose="020B0503020204020204" pitchFamily="34" charset="-122"/>
+                <a:ea typeface="Microsoft YaHei" panose="020B0503020204020204" pitchFamily="34" charset="-122"/>
+              </a:rPr>
+              <a:t>---</a:t>
+            </a:r>
+            <a:r>
+              <a:rPr kumimoji="1" lang="zh-CN" altLang="en-US" sz="2400" dirty="0">
+                <a:latin typeface="Microsoft YaHei" panose="020B0503020204020204" pitchFamily="34" charset="-122"/>
+                <a:ea typeface="Microsoft YaHei" panose="020B0503020204020204" pitchFamily="34" charset="-122"/>
+              </a:rPr>
+              <a:t>接口</a:t>
+            </a:r>
+            <a:endParaRPr kumimoji="1" lang="en-US" altLang="zh-CN" sz="2400" dirty="0">
+              <a:latin typeface="Microsoft YaHei" panose="020B0503020204020204" pitchFamily="34" charset="-122"/>
+              <a:ea typeface="Microsoft YaHei" panose="020B0503020204020204" pitchFamily="34" charset="-122"/>
+            </a:endParaRPr>
+          </a:p>
+          <a:p>
+            <a:pPr marL="1028700" lvl="1" indent="-571500">
+              <a:lnSpc>
+                <a:spcPct val="150000"/>
+              </a:lnSpc>
+              <a:buFont typeface="Wingdings" pitchFamily="2" charset="2"/>
+              <a:buChar char="Ø"/>
+            </a:pPr>
+            <a:r>
+              <a:rPr kumimoji="1" lang="zh-CN" altLang="en-US" sz="2400" dirty="0">
+                <a:latin typeface="Microsoft YaHei" panose="020B0503020204020204" pitchFamily="34" charset="-122"/>
+                <a:ea typeface="Microsoft YaHei" panose="020B0503020204020204" pitchFamily="34" charset="-122"/>
+              </a:rPr>
+              <a:t>接口的定义</a:t>
+            </a:r>
+            <a:endParaRPr kumimoji="1" lang="en-US" altLang="zh-CN" sz="2400" dirty="0">
+              <a:latin typeface="Microsoft YaHei" panose="020B0503020204020204" pitchFamily="34" charset="-122"/>
+              <a:ea typeface="Microsoft YaHei" panose="020B0503020204020204" pitchFamily="34" charset="-122"/>
+            </a:endParaRPr>
+          </a:p>
+          <a:p>
+            <a:pPr marL="1028700" lvl="1" indent="-571500">
+              <a:lnSpc>
+                <a:spcPct val="150000"/>
+              </a:lnSpc>
+              <a:buFont typeface="Wingdings" pitchFamily="2" charset="2"/>
+              <a:buChar char="Ø"/>
+            </a:pPr>
+            <a:r>
+              <a:rPr kumimoji="1" lang="zh-CN" altLang="en-US" sz="2400" dirty="0">
+                <a:latin typeface="Microsoft YaHei" panose="020B0503020204020204" pitchFamily="34" charset="-122"/>
+                <a:ea typeface="Microsoft YaHei" panose="020B0503020204020204" pitchFamily="34" charset="-122"/>
+              </a:rPr>
+              <a:t>为什么要用接口</a:t>
+            </a:r>
+            <a:endParaRPr kumimoji="1" lang="en-US" altLang="zh-CN" sz="2400" dirty="0">
+              <a:latin typeface="Microsoft YaHei" panose="020B0503020204020204" pitchFamily="34" charset="-122"/>
+              <a:ea typeface="Microsoft YaHei" panose="020B0503020204020204" pitchFamily="34" charset="-122"/>
+            </a:endParaRPr>
+          </a:p>
+          <a:p>
+            <a:pPr marL="1028700" lvl="1" indent="-571500">
+              <a:lnSpc>
+                <a:spcPct val="150000"/>
+              </a:lnSpc>
+              <a:buFont typeface="Wingdings" pitchFamily="2" charset="2"/>
+              <a:buChar char="Ø"/>
+            </a:pPr>
+            <a:r>
+              <a:rPr kumimoji="1" lang="zh-CN" altLang="en-US" sz="2400" dirty="0">
+                <a:latin typeface="Microsoft YaHei" panose="020B0503020204020204" pitchFamily="34" charset="-122"/>
+                <a:ea typeface="Microsoft YaHei" panose="020B0503020204020204" pitchFamily="34" charset="-122"/>
+              </a:rPr>
+              <a:t>示例</a:t>
+            </a:r>
+            <a:endParaRPr kumimoji="1" lang="en-US" altLang="zh-CN" sz="2400" dirty="0">
+              <a:latin typeface="Microsoft YaHei" panose="020B0503020204020204" pitchFamily="34" charset="-122"/>
+              <a:ea typeface="Microsoft YaHei" panose="020B0503020204020204" pitchFamily="34" charset="-122"/>
+            </a:endParaRPr>
+          </a:p>
+        </p:txBody>
+      </p:sp>
+    </p:spTree>
+    <p:extLst>
+      <p:ext uri="{BB962C8B-B14F-4D97-AF65-F5344CB8AC3E}">
+        <p14:creationId xmlns:p14="http://schemas.microsoft.com/office/powerpoint/2010/main" val="1067490150"/>
+      </p:ext>
+    </p:extLst>
+  </p:cSld>
+  <p:clrMapOvr>
+    <a:masterClrMapping/>
+  </p:clrMapOvr>
+</p:sld>
+</file>
+
+<file path=ppt/slides/slide20.xml><?xml version="1.0" encoding="utf-8"?>
 <p:sld xmlns:a="http://schemas.openxmlformats.org/drawingml/2006/main" xmlns:r="http://schemas.openxmlformats.org/officeDocument/2006/relationships" xmlns:p="http://schemas.openxmlformats.org/presentationml/2006/main">
   <p:cSld>
     <p:bg>
@@ -9714,7 +11424,7 @@
 </p:sld>
 </file>
 
-<file path=ppt/slides/slide18.xml><?xml version="1.0" encoding="utf-8"?>
+<file path=ppt/slides/slide21.xml><?xml version="1.0" encoding="utf-8"?>
 <p:sld xmlns:a="http://schemas.openxmlformats.org/drawingml/2006/main" xmlns:r="http://schemas.openxmlformats.org/officeDocument/2006/relationships" xmlns:p="http://schemas.openxmlformats.org/presentationml/2006/main">
   <p:cSld>
     <p:bg>
@@ -9931,7 +11641,7 @@
 </p:sld>
 </file>
 
-<file path=ppt/slides/slide19.xml><?xml version="1.0" encoding="utf-8"?>
+<file path=ppt/slides/slide22.xml><?xml version="1.0" encoding="utf-8"?>
 <p:sld xmlns:a="http://schemas.openxmlformats.org/drawingml/2006/main" xmlns:r="http://schemas.openxmlformats.org/officeDocument/2006/relationships" xmlns:p="http://schemas.openxmlformats.org/presentationml/2006/main">
   <p:cSld>
     <p:bg>
@@ -10291,328 +12001,7 @@
 </p:sld>
 </file>
 
-<file path=ppt/slides/slide2.xml><?xml version="1.0" encoding="utf-8"?>
-<p:sld xmlns:a="http://schemas.openxmlformats.org/drawingml/2006/main" xmlns:r="http://schemas.openxmlformats.org/officeDocument/2006/relationships" xmlns:p="http://schemas.openxmlformats.org/presentationml/2006/main">
-  <p:cSld>
-    <p:bg>
-      <p:bgPr>
-        <a:blipFill>
-          <a:blip r:embed="rId3"/>
-          <a:tile tx="0" ty="0" sx="100000" sy="100000" flip="none" algn="tl"/>
-        </a:blipFill>
-        <a:effectLst/>
-      </p:bgPr>
-    </p:bg>
-    <p:spTree>
-      <p:nvGrpSpPr>
-        <p:cNvPr id="1" name=""/>
-        <p:cNvGrpSpPr/>
-        <p:nvPr/>
-      </p:nvGrpSpPr>
-      <p:grpSpPr>
-        <a:xfrm>
-          <a:off x="0" y="0"/>
-          <a:ext cx="0" cy="0"/>
-          <a:chOff x="0" y="0"/>
-          <a:chExt cx="0" cy="0"/>
-        </a:xfrm>
-      </p:grpSpPr>
-      <p:sp>
-        <p:nvSpPr>
-          <p:cNvPr id="2" name="文本框 1">
-            <a:extLst>
-              <a:ext uri="{FF2B5EF4-FFF2-40B4-BE49-F238E27FC236}">
-                <a16:creationId xmlns:a16="http://schemas.microsoft.com/office/drawing/2014/main" id="{12AA8BCC-7B15-4842-80C2-48C079429338}"/>
-              </a:ext>
-            </a:extLst>
-          </p:cNvPr>
-          <p:cNvSpPr txBox="1"/>
-          <p:nvPr/>
-        </p:nvSpPr>
-        <p:spPr>
-          <a:xfrm>
-            <a:off x="2520000" y="421690"/>
-            <a:ext cx="7735824" cy="830997"/>
-          </a:xfrm>
-          <a:prstGeom prst="rect">
-            <a:avLst/>
-          </a:prstGeom>
-          <a:noFill/>
-        </p:spPr>
-        <p:txBody>
-          <a:bodyPr wrap="square" rtlCol="0">
-            <a:spAutoFit/>
-          </a:bodyPr>
-          <a:lstStyle/>
-          <a:p>
-            <a:pPr algn="ctr"/>
-            <a:r>
-              <a:rPr kumimoji="1" lang="zh-CN" altLang="en-US" sz="4800" dirty="0">
-                <a:latin typeface="Microsoft YaHei" panose="020B0503020204020204" pitchFamily="34" charset="-122"/>
-                <a:ea typeface="Microsoft YaHei" panose="020B0503020204020204" pitchFamily="34" charset="-122"/>
-              </a:rPr>
-              <a:t>这节课讲啥？</a:t>
-            </a:r>
-          </a:p>
-        </p:txBody>
-      </p:sp>
-      <p:sp>
-        <p:nvSpPr>
-          <p:cNvPr id="8" name="文本框 7">
-            <a:extLst>
-              <a:ext uri="{FF2B5EF4-FFF2-40B4-BE49-F238E27FC236}">
-                <a16:creationId xmlns:a16="http://schemas.microsoft.com/office/drawing/2014/main" id="{B294230C-E86E-7247-BAC6-5F43DED3D0AF}"/>
-              </a:ext>
-            </a:extLst>
-          </p:cNvPr>
-          <p:cNvSpPr txBox="1"/>
-          <p:nvPr/>
-        </p:nvSpPr>
-        <p:spPr>
-          <a:xfrm>
-            <a:off x="3891600" y="840931"/>
-            <a:ext cx="7443216" cy="6017069"/>
-          </a:xfrm>
-          <a:prstGeom prst="rect">
-            <a:avLst/>
-          </a:prstGeom>
-          <a:noFill/>
-        </p:spPr>
-        <p:txBody>
-          <a:bodyPr wrap="square" tIns="360000" bIns="360000" rtlCol="0">
-            <a:spAutoFit/>
-          </a:bodyPr>
-          <a:lstStyle/>
-          <a:p>
-            <a:endParaRPr kumimoji="1" lang="en-US" altLang="zh-CN" sz="2400" dirty="0">
-              <a:latin typeface="Microsoft YaHei" panose="020B0503020204020204" pitchFamily="34" charset="-122"/>
-              <a:ea typeface="Microsoft YaHei" panose="020B0503020204020204" pitchFamily="34" charset="-122"/>
-            </a:endParaRPr>
-          </a:p>
-          <a:p>
-            <a:pPr marL="571500" indent="-571500">
-              <a:lnSpc>
-                <a:spcPct val="150000"/>
-              </a:lnSpc>
-              <a:buFont typeface="Wingdings" pitchFamily="2" charset="2"/>
-              <a:buChar char="Ø"/>
-            </a:pPr>
-            <a:r>
-              <a:rPr kumimoji="1" lang="zh-CN" altLang="en-US" sz="2400" dirty="0">
-                <a:latin typeface="Microsoft YaHei" panose="020B0503020204020204" pitchFamily="34" charset="-122"/>
-                <a:ea typeface="Microsoft YaHei" panose="020B0503020204020204" pitchFamily="34" charset="-122"/>
-              </a:rPr>
-              <a:t>面向对象</a:t>
-            </a:r>
-            <a:r>
-              <a:rPr kumimoji="1" lang="en-US" altLang="zh-CN" sz="2400" dirty="0">
-                <a:latin typeface="Microsoft YaHei" panose="020B0503020204020204" pitchFamily="34" charset="-122"/>
-                <a:ea typeface="Microsoft YaHei" panose="020B0503020204020204" pitchFamily="34" charset="-122"/>
-              </a:rPr>
-              <a:t>---</a:t>
-            </a:r>
-            <a:r>
-              <a:rPr kumimoji="1" lang="zh-CN" altLang="en-US" sz="2400" dirty="0">
-                <a:latin typeface="Microsoft YaHei" panose="020B0503020204020204" pitchFamily="34" charset="-122"/>
-                <a:ea typeface="Microsoft YaHei" panose="020B0503020204020204" pitchFamily="34" charset="-122"/>
-              </a:rPr>
-              <a:t>抽象类</a:t>
-            </a:r>
-            <a:endParaRPr kumimoji="1" lang="en-US" altLang="zh-CN" sz="2400" dirty="0">
-              <a:latin typeface="Microsoft YaHei" panose="020B0503020204020204" pitchFamily="34" charset="-122"/>
-              <a:ea typeface="Microsoft YaHei" panose="020B0503020204020204" pitchFamily="34" charset="-122"/>
-            </a:endParaRPr>
-          </a:p>
-          <a:p>
-            <a:pPr marL="1028700" lvl="1" indent="-571500">
-              <a:lnSpc>
-                <a:spcPct val="150000"/>
-              </a:lnSpc>
-              <a:buFont typeface="Wingdings" pitchFamily="2" charset="2"/>
-              <a:buChar char="Ø"/>
-            </a:pPr>
-            <a:r>
-              <a:rPr kumimoji="1" lang="zh-CN" altLang="en-US" sz="2400" dirty="0">
-                <a:latin typeface="Microsoft YaHei" panose="020B0503020204020204" pitchFamily="34" charset="-122"/>
-                <a:ea typeface="Microsoft YaHei" panose="020B0503020204020204" pitchFamily="34" charset="-122"/>
-              </a:rPr>
-              <a:t>抽象类和抽象方法</a:t>
-            </a:r>
-            <a:endParaRPr kumimoji="1" lang="en-US" altLang="zh-CN" sz="2400" dirty="0">
-              <a:latin typeface="Microsoft YaHei" panose="020B0503020204020204" pitchFamily="34" charset="-122"/>
-              <a:ea typeface="Microsoft YaHei" panose="020B0503020204020204" pitchFamily="34" charset="-122"/>
-            </a:endParaRPr>
-          </a:p>
-          <a:p>
-            <a:pPr marL="1028700" lvl="1" indent="-571500">
-              <a:lnSpc>
-                <a:spcPct val="150000"/>
-              </a:lnSpc>
-              <a:buFont typeface="Wingdings" pitchFamily="2" charset="2"/>
-              <a:buChar char="Ø"/>
-            </a:pPr>
-            <a:r>
-              <a:rPr kumimoji="1" lang="zh-CN" altLang="en-US" sz="2400" dirty="0">
-                <a:latin typeface="Microsoft YaHei" panose="020B0503020204020204" pitchFamily="34" charset="-122"/>
-                <a:ea typeface="Microsoft YaHei" panose="020B0503020204020204" pitchFamily="34" charset="-122"/>
-              </a:rPr>
-              <a:t>为什么要有抽象类和抽象方法</a:t>
-            </a:r>
-            <a:endParaRPr kumimoji="1" lang="en-US" altLang="zh-CN" sz="2400" dirty="0">
-              <a:latin typeface="Microsoft YaHei" panose="020B0503020204020204" pitchFamily="34" charset="-122"/>
-              <a:ea typeface="Microsoft YaHei" panose="020B0503020204020204" pitchFamily="34" charset="-122"/>
-            </a:endParaRPr>
-          </a:p>
-          <a:p>
-            <a:pPr marL="1028700" lvl="1" indent="-571500">
-              <a:lnSpc>
-                <a:spcPct val="150000"/>
-              </a:lnSpc>
-              <a:buFont typeface="Wingdings" pitchFamily="2" charset="2"/>
-              <a:buChar char="Ø"/>
-            </a:pPr>
-            <a:r>
-              <a:rPr kumimoji="1" lang="zh-CN" altLang="en-US" sz="2400" dirty="0">
-                <a:latin typeface="Microsoft YaHei" panose="020B0503020204020204" pitchFamily="34" charset="-122"/>
-                <a:ea typeface="Microsoft YaHei" panose="020B0503020204020204" pitchFamily="34" charset="-122"/>
-              </a:rPr>
-              <a:t>抽象类的一些注意点</a:t>
-            </a:r>
-            <a:endParaRPr kumimoji="1" lang="en-US" altLang="zh-CN" sz="2400" dirty="0">
-              <a:latin typeface="Microsoft YaHei" panose="020B0503020204020204" pitchFamily="34" charset="-122"/>
-              <a:ea typeface="Microsoft YaHei" panose="020B0503020204020204" pitchFamily="34" charset="-122"/>
-            </a:endParaRPr>
-          </a:p>
-          <a:p>
-            <a:pPr marL="1028700" lvl="1" indent="-571500">
-              <a:lnSpc>
-                <a:spcPct val="150000"/>
-              </a:lnSpc>
-              <a:buFont typeface="Wingdings" pitchFamily="2" charset="2"/>
-              <a:buChar char="Ø"/>
-            </a:pPr>
-            <a:r>
-              <a:rPr kumimoji="1" lang="zh-CN" altLang="en-US" sz="2400" dirty="0">
-                <a:latin typeface="Microsoft YaHei" panose="020B0503020204020204" pitchFamily="34" charset="-122"/>
-                <a:ea typeface="Microsoft YaHei" panose="020B0503020204020204" pitchFamily="34" charset="-122"/>
-              </a:rPr>
-              <a:t>示例</a:t>
-            </a:r>
-            <a:endParaRPr kumimoji="1" lang="en-US" altLang="zh-CN" sz="2400" dirty="0">
-              <a:latin typeface="Microsoft YaHei" panose="020B0503020204020204" pitchFamily="34" charset="-122"/>
-              <a:ea typeface="Microsoft YaHei" panose="020B0503020204020204" pitchFamily="34" charset="-122"/>
-            </a:endParaRPr>
-          </a:p>
-          <a:p>
-            <a:pPr marL="571500" indent="-571500">
-              <a:lnSpc>
-                <a:spcPct val="150000"/>
-              </a:lnSpc>
-              <a:buFont typeface="Wingdings" pitchFamily="2" charset="2"/>
-              <a:buChar char="Ø"/>
-            </a:pPr>
-            <a:r>
-              <a:rPr kumimoji="1" lang="zh-CN" altLang="en-US" sz="2400" dirty="0">
-                <a:latin typeface="Microsoft YaHei" panose="020B0503020204020204" pitchFamily="34" charset="-122"/>
-                <a:ea typeface="Microsoft YaHei" panose="020B0503020204020204" pitchFamily="34" charset="-122"/>
-              </a:rPr>
-              <a:t>面向对象</a:t>
-            </a:r>
-            <a:r>
-              <a:rPr kumimoji="1" lang="en-US" altLang="zh-CN" sz="2400" dirty="0">
-                <a:latin typeface="Microsoft YaHei" panose="020B0503020204020204" pitchFamily="34" charset="-122"/>
-                <a:ea typeface="Microsoft YaHei" panose="020B0503020204020204" pitchFamily="34" charset="-122"/>
-              </a:rPr>
-              <a:t>---</a:t>
-            </a:r>
-            <a:r>
-              <a:rPr kumimoji="1" lang="zh-CN" altLang="en-US" sz="2400" dirty="0">
-                <a:latin typeface="Microsoft YaHei" panose="020B0503020204020204" pitchFamily="34" charset="-122"/>
-                <a:ea typeface="Microsoft YaHei" panose="020B0503020204020204" pitchFamily="34" charset="-122"/>
-              </a:rPr>
-              <a:t>接口</a:t>
-            </a:r>
-            <a:endParaRPr kumimoji="1" lang="en-US" altLang="zh-CN" sz="2400" dirty="0">
-              <a:latin typeface="Microsoft YaHei" panose="020B0503020204020204" pitchFamily="34" charset="-122"/>
-              <a:ea typeface="Microsoft YaHei" panose="020B0503020204020204" pitchFamily="34" charset="-122"/>
-            </a:endParaRPr>
-          </a:p>
-          <a:p>
-            <a:pPr marL="1028700" lvl="1" indent="-571500">
-              <a:lnSpc>
-                <a:spcPct val="150000"/>
-              </a:lnSpc>
-              <a:buFont typeface="Wingdings" pitchFamily="2" charset="2"/>
-              <a:buChar char="Ø"/>
-            </a:pPr>
-            <a:r>
-              <a:rPr kumimoji="1" lang="zh-CN" altLang="en-US" sz="2400" dirty="0">
-                <a:latin typeface="Microsoft YaHei" panose="020B0503020204020204" pitchFamily="34" charset="-122"/>
-                <a:ea typeface="Microsoft YaHei" panose="020B0503020204020204" pitchFamily="34" charset="-122"/>
-              </a:rPr>
-              <a:t>接口的定义</a:t>
-            </a:r>
-            <a:endParaRPr kumimoji="1" lang="en-US" altLang="zh-CN" sz="2400" dirty="0">
-              <a:latin typeface="Microsoft YaHei" panose="020B0503020204020204" pitchFamily="34" charset="-122"/>
-              <a:ea typeface="Microsoft YaHei" panose="020B0503020204020204" pitchFamily="34" charset="-122"/>
-            </a:endParaRPr>
-          </a:p>
-          <a:p>
-            <a:pPr marL="1028700" lvl="1" indent="-571500">
-              <a:lnSpc>
-                <a:spcPct val="150000"/>
-              </a:lnSpc>
-              <a:buFont typeface="Wingdings" pitchFamily="2" charset="2"/>
-              <a:buChar char="Ø"/>
-            </a:pPr>
-            <a:r>
-              <a:rPr kumimoji="1" lang="zh-CN" altLang="en-US" sz="2400" dirty="0">
-                <a:latin typeface="Microsoft YaHei" panose="020B0503020204020204" pitchFamily="34" charset="-122"/>
-                <a:ea typeface="Microsoft YaHei" panose="020B0503020204020204" pitchFamily="34" charset="-122"/>
-              </a:rPr>
-              <a:t>为什么要用接口</a:t>
-            </a:r>
-            <a:endParaRPr kumimoji="1" lang="en-US" altLang="zh-CN" sz="2400" dirty="0">
-              <a:latin typeface="Microsoft YaHei" panose="020B0503020204020204" pitchFamily="34" charset="-122"/>
-              <a:ea typeface="Microsoft YaHei" panose="020B0503020204020204" pitchFamily="34" charset="-122"/>
-            </a:endParaRPr>
-          </a:p>
-          <a:p>
-            <a:pPr marL="1028700" lvl="1" indent="-571500">
-              <a:lnSpc>
-                <a:spcPct val="150000"/>
-              </a:lnSpc>
-              <a:buFont typeface="Wingdings" pitchFamily="2" charset="2"/>
-              <a:buChar char="Ø"/>
-            </a:pPr>
-            <a:r>
-              <a:rPr kumimoji="1" lang="zh-CN" altLang="en-US" sz="2400" dirty="0">
-                <a:latin typeface="Microsoft YaHei" panose="020B0503020204020204" pitchFamily="34" charset="-122"/>
-                <a:ea typeface="Microsoft YaHei" panose="020B0503020204020204" pitchFamily="34" charset="-122"/>
-              </a:rPr>
-              <a:t>示例</a:t>
-            </a:r>
-            <a:endParaRPr kumimoji="1" lang="en-US" altLang="zh-CN" sz="2400" dirty="0">
-              <a:latin typeface="Microsoft YaHei" panose="020B0503020204020204" pitchFamily="34" charset="-122"/>
-              <a:ea typeface="Microsoft YaHei" panose="020B0503020204020204" pitchFamily="34" charset="-122"/>
-            </a:endParaRPr>
-          </a:p>
-        </p:txBody>
-      </p:sp>
-    </p:spTree>
-    <p:extLst>
-      <p:ext uri="{BB962C8B-B14F-4D97-AF65-F5344CB8AC3E}">
-        <p14:creationId xmlns:p14="http://schemas.microsoft.com/office/powerpoint/2010/main" val="1067490150"/>
-      </p:ext>
-    </p:extLst>
-  </p:cSld>
-  <p:clrMapOvr>
-    <a:masterClrMapping/>
-  </p:clrMapOvr>
-</p:sld>
-</file>
-
-<file path=ppt/slides/slide20.xml><?xml version="1.0" encoding="utf-8"?>
+<file path=ppt/slides/slide23.xml><?xml version="1.0" encoding="utf-8"?>
 <p:sld xmlns:a="http://schemas.openxmlformats.org/drawingml/2006/main" xmlns:r="http://schemas.openxmlformats.org/officeDocument/2006/relationships" xmlns:p="http://schemas.openxmlformats.org/presentationml/2006/main">
   <p:cSld>
     <p:bg>
@@ -11408,7 +12797,7 @@
 </p:sld>
 </file>
 
-<file path=ppt/slides/slide21.xml><?xml version="1.0" encoding="utf-8"?>
+<file path=ppt/slides/slide24.xml><?xml version="1.0" encoding="utf-8"?>
 <p:sld xmlns:a="http://schemas.openxmlformats.org/drawingml/2006/main" xmlns:r="http://schemas.openxmlformats.org/officeDocument/2006/relationships" xmlns:p="http://schemas.openxmlformats.org/presentationml/2006/main">
   <p:cSld>
     <p:bg>
@@ -11757,7 +13146,7 @@
 </p:sld>
 </file>
 
-<file path=ppt/slides/slide22.xml><?xml version="1.0" encoding="utf-8"?>
+<file path=ppt/slides/slide25.xml><?xml version="1.0" encoding="utf-8"?>
 <p:sld xmlns:a="http://schemas.openxmlformats.org/drawingml/2006/main" xmlns:r="http://schemas.openxmlformats.org/officeDocument/2006/relationships" xmlns:p="http://schemas.openxmlformats.org/presentationml/2006/main">
   <p:cSld>
     <p:bg>
@@ -12959,7 +14348,7 @@
 </p:sld>
 </file>
 
-<file path=ppt/slides/slide23.xml><?xml version="1.0" encoding="utf-8"?>
+<file path=ppt/slides/slide26.xml><?xml version="1.0" encoding="utf-8"?>
 <p:sld xmlns:a="http://schemas.openxmlformats.org/drawingml/2006/main" xmlns:r="http://schemas.openxmlformats.org/officeDocument/2006/relationships" xmlns:p="http://schemas.openxmlformats.org/presentationml/2006/main">
   <p:cSld>
     <p:bg>
@@ -13237,7 +14626,7 @@
 </p:sld>
 </file>
 
-<file path=ppt/slides/slide24.xml><?xml version="1.0" encoding="utf-8"?>
+<file path=ppt/slides/slide27.xml><?xml version="1.0" encoding="utf-8"?>
 <p:sld xmlns:a="http://schemas.openxmlformats.org/drawingml/2006/main" xmlns:r="http://schemas.openxmlformats.org/officeDocument/2006/relationships" xmlns:p="http://schemas.openxmlformats.org/presentationml/2006/main">
   <p:cSld>
     <p:bg>
@@ -13732,7 +15121,7 @@
 </p:sld>
 </file>
 
-<file path=ppt/slides/slide25.xml><?xml version="1.0" encoding="utf-8"?>
+<file path=ppt/slides/slide28.xml><?xml version="1.0" encoding="utf-8"?>
 <p:sld xmlns:a="http://schemas.openxmlformats.org/drawingml/2006/main" xmlns:r="http://schemas.openxmlformats.org/officeDocument/2006/relationships" xmlns:p="http://schemas.openxmlformats.org/presentationml/2006/main">
   <p:cSld>
     <p:bg>
@@ -13963,7 +15352,7 @@
 </p:sld>
 </file>
 
-<file path=ppt/slides/slide26.xml><?xml version="1.0" encoding="utf-8"?>
+<file path=ppt/slides/slide29.xml><?xml version="1.0" encoding="utf-8"?>
 <p:sld xmlns:a="http://schemas.openxmlformats.org/drawingml/2006/main" xmlns:r="http://schemas.openxmlformats.org/officeDocument/2006/relationships" xmlns:p="http://schemas.openxmlformats.org/presentationml/2006/main">
   <p:cSld>
     <p:bg>
@@ -14419,7 +15808,157 @@
 </p:sld>
 </file>
 
-<file path=ppt/slides/slide27.xml><?xml version="1.0" encoding="utf-8"?>
+<file path=ppt/slides/slide3.xml><?xml version="1.0" encoding="utf-8"?>
+<p:sld xmlns:a="http://schemas.openxmlformats.org/drawingml/2006/main" xmlns:r="http://schemas.openxmlformats.org/officeDocument/2006/relationships" xmlns:p="http://schemas.openxmlformats.org/presentationml/2006/main">
+  <p:cSld>
+    <p:bg>
+      <p:bgPr>
+        <a:blipFill>
+          <a:blip r:embed="rId3"/>
+          <a:tile tx="0" ty="0" sx="100000" sy="100000" flip="none" algn="tl"/>
+        </a:blipFill>
+        <a:effectLst/>
+      </p:bgPr>
+    </p:bg>
+    <p:spTree>
+      <p:nvGrpSpPr>
+        <p:cNvPr id="1" name=""/>
+        <p:cNvGrpSpPr/>
+        <p:nvPr/>
+      </p:nvGrpSpPr>
+      <p:grpSpPr>
+        <a:xfrm>
+          <a:off x="0" y="0"/>
+          <a:ext cx="0" cy="0"/>
+          <a:chOff x="0" y="0"/>
+          <a:chExt cx="0" cy="0"/>
+        </a:xfrm>
+      </p:grpSpPr>
+      <p:sp>
+        <p:nvSpPr>
+          <p:cNvPr id="2" name="文本框 1">
+            <a:extLst>
+              <a:ext uri="{FF2B5EF4-FFF2-40B4-BE49-F238E27FC236}">
+                <a16:creationId xmlns:a16="http://schemas.microsoft.com/office/drawing/2014/main" id="{12AA8BCC-7B15-4842-80C2-48C079429338}"/>
+              </a:ext>
+            </a:extLst>
+          </p:cNvPr>
+          <p:cNvSpPr txBox="1"/>
+          <p:nvPr/>
+        </p:nvSpPr>
+        <p:spPr>
+          <a:xfrm>
+            <a:off x="2520000" y="720000"/>
+            <a:ext cx="7735824" cy="830997"/>
+          </a:xfrm>
+          <a:prstGeom prst="rect">
+            <a:avLst/>
+          </a:prstGeom>
+          <a:noFill/>
+        </p:spPr>
+        <p:txBody>
+          <a:bodyPr wrap="square" rtlCol="0">
+            <a:spAutoFit/>
+          </a:bodyPr>
+          <a:lstStyle/>
+          <a:p>
+            <a:pPr algn="ctr"/>
+            <a:r>
+              <a:rPr kumimoji="1" lang="zh-CN" altLang="en-US" sz="4800" dirty="0">
+                <a:latin typeface="Microsoft YaHei" panose="020B0503020204020204" pitchFamily="34" charset="-122"/>
+                <a:ea typeface="Microsoft YaHei" panose="020B0503020204020204" pitchFamily="34" charset="-122"/>
+              </a:rPr>
+              <a:t>抽象在社会中的含义</a:t>
+            </a:r>
+            <a:endParaRPr kumimoji="1" lang="en-US" altLang="zh-CN" sz="4800" dirty="0">
+              <a:ea typeface="Microsoft YaHei" panose="020B0503020204020204" pitchFamily="34" charset="-122"/>
+            </a:endParaRPr>
+          </a:p>
+        </p:txBody>
+      </p:sp>
+      <p:sp>
+        <p:nvSpPr>
+          <p:cNvPr id="13" name="文本框 12">
+            <a:extLst>
+              <a:ext uri="{FF2B5EF4-FFF2-40B4-BE49-F238E27FC236}">
+                <a16:creationId xmlns:a16="http://schemas.microsoft.com/office/drawing/2014/main" id="{8E054F89-5FA8-2F47-8710-58E04A67980C}"/>
+              </a:ext>
+            </a:extLst>
+          </p:cNvPr>
+          <p:cNvSpPr txBox="1"/>
+          <p:nvPr/>
+        </p:nvSpPr>
+        <p:spPr>
+          <a:xfrm>
+            <a:off x="1633728" y="2103120"/>
+            <a:ext cx="8924544" cy="1200329"/>
+          </a:xfrm>
+          <a:prstGeom prst="rect">
+            <a:avLst/>
+          </a:prstGeom>
+          <a:noFill/>
+        </p:spPr>
+        <p:txBody>
+          <a:bodyPr wrap="square" rtlCol="0">
+            <a:spAutoFit/>
+          </a:bodyPr>
+          <a:lstStyle/>
+          <a:p>
+            <a:r>
+              <a:rPr kumimoji="1" lang="zh-CN" altLang="en-US" sz="2400" dirty="0">
+                <a:latin typeface="Microsoft YaHei" panose="020B0503020204020204" pitchFamily="34" charset="-122"/>
+                <a:ea typeface="Microsoft YaHei" panose="020B0503020204020204" pitchFamily="34" charset="-122"/>
+              </a:rPr>
+              <a:t>抽象 </a:t>
+            </a:r>
+            <a:r>
+              <a:rPr kumimoji="1" lang="en-US" altLang="zh-CN" sz="2400" dirty="0">
+                <a:latin typeface="Microsoft YaHei" panose="020B0503020204020204" pitchFamily="34" charset="-122"/>
+                <a:ea typeface="Microsoft YaHei" panose="020B0503020204020204" pitchFamily="34" charset="-122"/>
+              </a:rPr>
+              <a:t>:</a:t>
+            </a:r>
+            <a:r>
+              <a:rPr kumimoji="1" lang="zh-CN" altLang="en-US" sz="2400" dirty="0">
+                <a:latin typeface="Microsoft YaHei" panose="020B0503020204020204" pitchFamily="34" charset="-122"/>
+                <a:ea typeface="Microsoft YaHei" panose="020B0503020204020204" pitchFamily="34" charset="-122"/>
+              </a:rPr>
+              <a:t>  </a:t>
+            </a:r>
+            <a:endParaRPr kumimoji="1" lang="en-US" altLang="zh-CN" sz="2400" dirty="0">
+              <a:latin typeface="Microsoft YaHei" panose="020B0503020204020204" pitchFamily="34" charset="-122"/>
+              <a:ea typeface="Microsoft YaHei" panose="020B0503020204020204" pitchFamily="34" charset="-122"/>
+            </a:endParaRPr>
+          </a:p>
+          <a:p>
+            <a:r>
+              <a:rPr kumimoji="1" lang="zh-CN" altLang="en-US" sz="2400" dirty="0">
+                <a:latin typeface="Microsoft YaHei" panose="020B0503020204020204" pitchFamily="34" charset="-122"/>
+                <a:ea typeface="Microsoft YaHei" panose="020B0503020204020204" pitchFamily="34" charset="-122"/>
+              </a:rPr>
+              <a:t>       从具体事物抽出、概括出它们共同的方面、本质属性与关系等，而将个别的、非本质的方面、属性与关系舍弃的思维过程</a:t>
+            </a:r>
+            <a:endParaRPr kumimoji="1" lang="en-US" altLang="zh-CN" sz="2400" dirty="0">
+              <a:latin typeface="Microsoft YaHei" panose="020B0503020204020204" pitchFamily="34" charset="-122"/>
+              <a:ea typeface="Microsoft YaHei" panose="020B0503020204020204" pitchFamily="34" charset="-122"/>
+            </a:endParaRPr>
+          </a:p>
+        </p:txBody>
+      </p:sp>
+    </p:spTree>
+    <p:extLst>
+      <p:ext uri="{BB962C8B-B14F-4D97-AF65-F5344CB8AC3E}">
+        <p14:creationId xmlns:p14="http://schemas.microsoft.com/office/powerpoint/2010/main" val="2037433810"/>
+      </p:ext>
+    </p:extLst>
+  </p:cSld>
+  <p:clrMapOvr>
+    <a:masterClrMapping/>
+  </p:clrMapOvr>
+</p:sld>
+</file>
+
+<file path=ppt/slides/slide30.xml><?xml version="1.0" encoding="utf-8"?>
 <p:sld xmlns:a="http://schemas.openxmlformats.org/drawingml/2006/main" xmlns:r="http://schemas.openxmlformats.org/officeDocument/2006/relationships" xmlns:p="http://schemas.openxmlformats.org/presentationml/2006/main">
   <p:cSld>
     <p:bg>
@@ -14656,7 +16195,7 @@
 </p:sld>
 </file>
 
-<file path=ppt/slides/slide28.xml><?xml version="1.0" encoding="utf-8"?>
+<file path=ppt/slides/slide31.xml><?xml version="1.0" encoding="utf-8"?>
 <p:sld xmlns:a="http://schemas.openxmlformats.org/drawingml/2006/main" xmlns:r="http://schemas.openxmlformats.org/officeDocument/2006/relationships" xmlns:p="http://schemas.openxmlformats.org/presentationml/2006/main">
   <p:cSld>
     <p:bg>
@@ -15127,7 +16666,7 @@
 </p:sld>
 </file>
 
-<file path=ppt/slides/slide29.xml><?xml version="1.0" encoding="utf-8"?>
+<file path=ppt/slides/slide32.xml><?xml version="1.0" encoding="utf-8"?>
 <p:sld xmlns:a="http://schemas.openxmlformats.org/drawingml/2006/main" xmlns:r="http://schemas.openxmlformats.org/officeDocument/2006/relationships" xmlns:p="http://schemas.openxmlformats.org/presentationml/2006/main">
   <p:cSld>
     <p:bg>
@@ -15528,7 +17067,7 @@
 </p:sld>
 </file>
 
-<file path=ppt/slides/slide3.xml><?xml version="1.0" encoding="utf-8"?>
+<file path=ppt/slides/slide33.xml><?xml version="1.0" encoding="utf-8"?>
 <p:sld xmlns:a="http://schemas.openxmlformats.org/drawingml/2006/main" xmlns:r="http://schemas.openxmlformats.org/officeDocument/2006/relationships" xmlns:p="http://schemas.openxmlformats.org/presentationml/2006/main">
   <p:cSld>
     <p:bg>
@@ -15584,156 +17123,6 @@
           <a:p>
             <a:pPr algn="ctr"/>
             <a:r>
-              <a:rPr kumimoji="1" lang="zh-CN" altLang="en-US" sz="4800" dirty="0">
-                <a:latin typeface="Microsoft YaHei" panose="020B0503020204020204" pitchFamily="34" charset="-122"/>
-                <a:ea typeface="Microsoft YaHei" panose="020B0503020204020204" pitchFamily="34" charset="-122"/>
-              </a:rPr>
-              <a:t>抽象在社会中的含义</a:t>
-            </a:r>
-            <a:endParaRPr kumimoji="1" lang="en-US" altLang="zh-CN" sz="4800" dirty="0">
-              <a:ea typeface="Microsoft YaHei" panose="020B0503020204020204" pitchFamily="34" charset="-122"/>
-            </a:endParaRPr>
-          </a:p>
-        </p:txBody>
-      </p:sp>
-      <p:sp>
-        <p:nvSpPr>
-          <p:cNvPr id="13" name="文本框 12">
-            <a:extLst>
-              <a:ext uri="{FF2B5EF4-FFF2-40B4-BE49-F238E27FC236}">
-                <a16:creationId xmlns:a16="http://schemas.microsoft.com/office/drawing/2014/main" id="{8E054F89-5FA8-2F47-8710-58E04A67980C}"/>
-              </a:ext>
-            </a:extLst>
-          </p:cNvPr>
-          <p:cNvSpPr txBox="1"/>
-          <p:nvPr/>
-        </p:nvSpPr>
-        <p:spPr>
-          <a:xfrm>
-            <a:off x="1633728" y="2103120"/>
-            <a:ext cx="8924544" cy="1200329"/>
-          </a:xfrm>
-          <a:prstGeom prst="rect">
-            <a:avLst/>
-          </a:prstGeom>
-          <a:noFill/>
-        </p:spPr>
-        <p:txBody>
-          <a:bodyPr wrap="square" rtlCol="0">
-            <a:spAutoFit/>
-          </a:bodyPr>
-          <a:lstStyle/>
-          <a:p>
-            <a:r>
-              <a:rPr kumimoji="1" lang="zh-CN" altLang="en-US" sz="2400" dirty="0">
-                <a:latin typeface="Microsoft YaHei" panose="020B0503020204020204" pitchFamily="34" charset="-122"/>
-                <a:ea typeface="Microsoft YaHei" panose="020B0503020204020204" pitchFamily="34" charset="-122"/>
-              </a:rPr>
-              <a:t>抽象 </a:t>
-            </a:r>
-            <a:r>
-              <a:rPr kumimoji="1" lang="en-US" altLang="zh-CN" sz="2400" dirty="0">
-                <a:latin typeface="Microsoft YaHei" panose="020B0503020204020204" pitchFamily="34" charset="-122"/>
-                <a:ea typeface="Microsoft YaHei" panose="020B0503020204020204" pitchFamily="34" charset="-122"/>
-              </a:rPr>
-              <a:t>:</a:t>
-            </a:r>
-            <a:r>
-              <a:rPr kumimoji="1" lang="zh-CN" altLang="en-US" sz="2400" dirty="0">
-                <a:latin typeface="Microsoft YaHei" panose="020B0503020204020204" pitchFamily="34" charset="-122"/>
-                <a:ea typeface="Microsoft YaHei" panose="020B0503020204020204" pitchFamily="34" charset="-122"/>
-              </a:rPr>
-              <a:t>  </a:t>
-            </a:r>
-            <a:endParaRPr kumimoji="1" lang="en-US" altLang="zh-CN" sz="2400" dirty="0">
-              <a:latin typeface="Microsoft YaHei" panose="020B0503020204020204" pitchFamily="34" charset="-122"/>
-              <a:ea typeface="Microsoft YaHei" panose="020B0503020204020204" pitchFamily="34" charset="-122"/>
-            </a:endParaRPr>
-          </a:p>
-          <a:p>
-            <a:r>
-              <a:rPr kumimoji="1" lang="zh-CN" altLang="en-US" sz="2400" dirty="0">
-                <a:latin typeface="Microsoft YaHei" panose="020B0503020204020204" pitchFamily="34" charset="-122"/>
-                <a:ea typeface="Microsoft YaHei" panose="020B0503020204020204" pitchFamily="34" charset="-122"/>
-              </a:rPr>
-              <a:t>       从具体事物抽出、概括出它们共同的方面、本质属性与关系等，而将个别的、非本质的方面、属性与关系舍弃的思维过程</a:t>
-            </a:r>
-            <a:endParaRPr kumimoji="1" lang="en-US" altLang="zh-CN" sz="2400" dirty="0">
-              <a:latin typeface="Microsoft YaHei" panose="020B0503020204020204" pitchFamily="34" charset="-122"/>
-              <a:ea typeface="Microsoft YaHei" panose="020B0503020204020204" pitchFamily="34" charset="-122"/>
-            </a:endParaRPr>
-          </a:p>
-        </p:txBody>
-      </p:sp>
-    </p:spTree>
-    <p:extLst>
-      <p:ext uri="{BB962C8B-B14F-4D97-AF65-F5344CB8AC3E}">
-        <p14:creationId xmlns:p14="http://schemas.microsoft.com/office/powerpoint/2010/main" val="2037433810"/>
-      </p:ext>
-    </p:extLst>
-  </p:cSld>
-  <p:clrMapOvr>
-    <a:masterClrMapping/>
-  </p:clrMapOvr>
-</p:sld>
-</file>
-
-<file path=ppt/slides/slide30.xml><?xml version="1.0" encoding="utf-8"?>
-<p:sld xmlns:a="http://schemas.openxmlformats.org/drawingml/2006/main" xmlns:r="http://schemas.openxmlformats.org/officeDocument/2006/relationships" xmlns:p="http://schemas.openxmlformats.org/presentationml/2006/main">
-  <p:cSld>
-    <p:bg>
-      <p:bgPr>
-        <a:blipFill>
-          <a:blip r:embed="rId3"/>
-          <a:tile tx="0" ty="0" sx="100000" sy="100000" flip="none" algn="tl"/>
-        </a:blipFill>
-        <a:effectLst/>
-      </p:bgPr>
-    </p:bg>
-    <p:spTree>
-      <p:nvGrpSpPr>
-        <p:cNvPr id="1" name=""/>
-        <p:cNvGrpSpPr/>
-        <p:nvPr/>
-      </p:nvGrpSpPr>
-      <p:grpSpPr>
-        <a:xfrm>
-          <a:off x="0" y="0"/>
-          <a:ext cx="0" cy="0"/>
-          <a:chOff x="0" y="0"/>
-          <a:chExt cx="0" cy="0"/>
-        </a:xfrm>
-      </p:grpSpPr>
-      <p:sp>
-        <p:nvSpPr>
-          <p:cNvPr id="2" name="文本框 1">
-            <a:extLst>
-              <a:ext uri="{FF2B5EF4-FFF2-40B4-BE49-F238E27FC236}">
-                <a16:creationId xmlns:a16="http://schemas.microsoft.com/office/drawing/2014/main" id="{12AA8BCC-7B15-4842-80C2-48C079429338}"/>
-              </a:ext>
-            </a:extLst>
-          </p:cNvPr>
-          <p:cNvSpPr txBox="1"/>
-          <p:nvPr/>
-        </p:nvSpPr>
-        <p:spPr>
-          <a:xfrm>
-            <a:off x="2520000" y="720000"/>
-            <a:ext cx="7735824" cy="830997"/>
-          </a:xfrm>
-          <a:prstGeom prst="rect">
-            <a:avLst/>
-          </a:prstGeom>
-          <a:noFill/>
-        </p:spPr>
-        <p:txBody>
-          <a:bodyPr wrap="square" rtlCol="0">
-            <a:spAutoFit/>
-          </a:bodyPr>
-          <a:lstStyle/>
-          <a:p>
-            <a:pPr algn="ctr"/>
-            <a:r>
               <a:rPr kumimoji="1" lang="en-US" altLang="zh-CN" sz="4800" dirty="0">
                 <a:latin typeface="Microsoft YaHei" panose="020B0503020204020204" pitchFamily="34" charset="-122"/>
                 <a:ea typeface="Microsoft YaHei" panose="020B0503020204020204" pitchFamily="34" charset="-122"/>
@@ -16039,7 +17428,7 @@
 </p:sld>
 </file>
 
-<file path=ppt/slides/slide31.xml><?xml version="1.0" encoding="utf-8"?>
+<file path=ppt/slides/slide34.xml><?xml version="1.0" encoding="utf-8"?>
 <p:sld xmlns:a="http://schemas.openxmlformats.org/drawingml/2006/main" xmlns:r="http://schemas.openxmlformats.org/officeDocument/2006/relationships" xmlns:p="http://schemas.openxmlformats.org/presentationml/2006/main">
   <p:cSld>
     <p:bg>
@@ -16593,7 +17982,7 @@
 </p:sld>
 </file>
 
-<file path=ppt/slides/slide32.xml><?xml version="1.0" encoding="utf-8"?>
+<file path=ppt/slides/slide35.xml><?xml version="1.0" encoding="utf-8"?>
 <p:sld xmlns:a="http://schemas.openxmlformats.org/drawingml/2006/main" xmlns:r="http://schemas.openxmlformats.org/officeDocument/2006/relationships" xmlns:p="http://schemas.openxmlformats.org/presentationml/2006/main">
   <p:cSld>
     <p:bg>
@@ -16881,7 +18270,7 @@
 </p:sld>
 </file>
 
-<file path=ppt/slides/slide33.xml><?xml version="1.0" encoding="utf-8"?>
+<file path=ppt/slides/slide36.xml><?xml version="1.0" encoding="utf-8"?>
 <p:sld xmlns:a="http://schemas.openxmlformats.org/drawingml/2006/main" xmlns:r="http://schemas.openxmlformats.org/officeDocument/2006/relationships" xmlns:p="http://schemas.openxmlformats.org/presentationml/2006/main">
   <p:cSld>
     <p:bg>
@@ -17325,7 +18714,7 @@
 </p:sld>
 </file>
 
-<file path=ppt/slides/slide34.xml><?xml version="1.0" encoding="utf-8"?>
+<file path=ppt/slides/slide37.xml><?xml version="1.0" encoding="utf-8"?>
 <p:sld xmlns:a="http://schemas.openxmlformats.org/drawingml/2006/main" xmlns:r="http://schemas.openxmlformats.org/officeDocument/2006/relationships" xmlns:p="http://schemas.openxmlformats.org/presentationml/2006/main">
   <p:cSld>
     <p:bg>
@@ -17478,7 +18867,7 @@
 </p:sld>
 </file>
 
-<file path=ppt/slides/slide35.xml><?xml version="1.0" encoding="utf-8"?>
+<file path=ppt/slides/slide38.xml><?xml version="1.0" encoding="utf-8"?>
 <p:sld xmlns:a="http://schemas.openxmlformats.org/drawingml/2006/main" xmlns:r="http://schemas.openxmlformats.org/officeDocument/2006/relationships" xmlns:p="http://schemas.openxmlformats.org/presentationml/2006/main">
   <p:cSld>
     <p:bg>
@@ -17688,7 +19077,7 @@
 </p:sld>
 </file>
 
-<file path=ppt/slides/slide36.xml><?xml version="1.0" encoding="utf-8"?>
+<file path=ppt/slides/slide39.xml><?xml version="1.0" encoding="utf-8"?>
 <p:sld xmlns:a="http://schemas.openxmlformats.org/drawingml/2006/main" xmlns:r="http://schemas.openxmlformats.org/officeDocument/2006/relationships" xmlns:p="http://schemas.openxmlformats.org/presentationml/2006/main">
   <p:cSld>
     <p:bg>
@@ -17757,50 +19146,6 @@
     <p:extLst>
       <p:ext uri="{BB962C8B-B14F-4D97-AF65-F5344CB8AC3E}">
         <p14:creationId xmlns:p14="http://schemas.microsoft.com/office/powerpoint/2010/main" val="3338372476"/>
-      </p:ext>
-    </p:extLst>
-  </p:cSld>
-  <p:clrMapOvr>
-    <a:masterClrMapping/>
-  </p:clrMapOvr>
-</p:sld>
-</file>
-
-<file path=ppt/slides/slide37.xml><?xml version="1.0" encoding="utf-8"?>
-<p:sld xmlns:a="http://schemas.openxmlformats.org/drawingml/2006/main" xmlns:r="http://schemas.openxmlformats.org/officeDocument/2006/relationships" xmlns:p="http://schemas.openxmlformats.org/presentationml/2006/main">
-  <p:cSld>
-    <p:bg>
-      <p:bgPr>
-        <a:blipFill dpi="0" rotWithShape="1">
-          <a:blip r:embed="rId3">
-            <a:lum/>
-          </a:blip>
-          <a:srcRect/>
-          <a:stretch>
-            <a:fillRect/>
-          </a:stretch>
-        </a:blipFill>
-        <a:effectLst/>
-      </p:bgPr>
-    </p:bg>
-    <p:spTree>
-      <p:nvGrpSpPr>
-        <p:cNvPr id="1" name=""/>
-        <p:cNvGrpSpPr/>
-        <p:nvPr/>
-      </p:nvGrpSpPr>
-      <p:grpSpPr>
-        <a:xfrm>
-          <a:off x="0" y="0"/>
-          <a:ext cx="0" cy="0"/>
-          <a:chOff x="0" y="0"/>
-          <a:chExt cx="0" cy="0"/>
-        </a:xfrm>
-      </p:grpSpPr>
-    </p:spTree>
-    <p:extLst>
-      <p:ext uri="{BB962C8B-B14F-4D97-AF65-F5344CB8AC3E}">
-        <p14:creationId xmlns:p14="http://schemas.microsoft.com/office/powerpoint/2010/main" val="4195399693"/>
       </p:ext>
     </p:extLst>
   </p:cSld>
@@ -18076,6 +19421,50 @@
     <p:extLst>
       <p:ext uri="{BB962C8B-B14F-4D97-AF65-F5344CB8AC3E}">
         <p14:creationId xmlns:p14="http://schemas.microsoft.com/office/powerpoint/2010/main" val="1024242802"/>
+      </p:ext>
+    </p:extLst>
+  </p:cSld>
+  <p:clrMapOvr>
+    <a:masterClrMapping/>
+  </p:clrMapOvr>
+</p:sld>
+</file>
+
+<file path=ppt/slides/slide40.xml><?xml version="1.0" encoding="utf-8"?>
+<p:sld xmlns:a="http://schemas.openxmlformats.org/drawingml/2006/main" xmlns:r="http://schemas.openxmlformats.org/officeDocument/2006/relationships" xmlns:p="http://schemas.openxmlformats.org/presentationml/2006/main">
+  <p:cSld>
+    <p:bg>
+      <p:bgPr>
+        <a:blipFill dpi="0" rotWithShape="1">
+          <a:blip r:embed="rId3">
+            <a:lum/>
+          </a:blip>
+          <a:srcRect/>
+          <a:stretch>
+            <a:fillRect/>
+          </a:stretch>
+        </a:blipFill>
+        <a:effectLst/>
+      </p:bgPr>
+    </p:bg>
+    <p:spTree>
+      <p:nvGrpSpPr>
+        <p:cNvPr id="1" name=""/>
+        <p:cNvGrpSpPr/>
+        <p:nvPr/>
+      </p:nvGrpSpPr>
+      <p:grpSpPr>
+        <a:xfrm>
+          <a:off x="0" y="0"/>
+          <a:ext cx="0" cy="0"/>
+          <a:chOff x="0" y="0"/>
+          <a:chExt cx="0" cy="0"/>
+        </a:xfrm>
+      </p:grpSpPr>
+    </p:spTree>
+    <p:extLst>
+      <p:ext uri="{BB962C8B-B14F-4D97-AF65-F5344CB8AC3E}">
+        <p14:creationId xmlns:p14="http://schemas.microsoft.com/office/powerpoint/2010/main" val="4195399693"/>
       </p:ext>
     </p:extLst>
   </p:cSld>

--- a/ppt/12.抽象类和接口.pptx
+++ b/ppt/12.抽象类和接口.pptx
@@ -5,7 +5,7 @@
     <p:sldMasterId id="2147483648" r:id="rId1"/>
   </p:sldMasterIdLst>
   <p:notesMasterIdLst>
-    <p:notesMasterId r:id="rId35"/>
+    <p:notesMasterId r:id="rId39"/>
   </p:notesMasterIdLst>
   <p:sldIdLst>
     <p:sldId id="258" r:id="rId2"/>
@@ -26,21 +26,25 @@
     <p:sldId id="356" r:id="rId17"/>
     <p:sldId id="369" r:id="rId18"/>
     <p:sldId id="389" r:id="rId19"/>
-    <p:sldId id="390" r:id="rId20"/>
-    <p:sldId id="392" r:id="rId21"/>
-    <p:sldId id="391" r:id="rId22"/>
-    <p:sldId id="393" r:id="rId23"/>
-    <p:sldId id="396" r:id="rId24"/>
-    <p:sldId id="397" r:id="rId25"/>
-    <p:sldId id="401" r:id="rId26"/>
-    <p:sldId id="399" r:id="rId27"/>
-    <p:sldId id="402" r:id="rId28"/>
-    <p:sldId id="387" r:id="rId29"/>
-    <p:sldId id="400" r:id="rId30"/>
-    <p:sldId id="398" r:id="rId31"/>
-    <p:sldId id="386" r:id="rId32"/>
-    <p:sldId id="388" r:id="rId33"/>
-    <p:sldId id="375" r:id="rId34"/>
+    <p:sldId id="405" r:id="rId20"/>
+    <p:sldId id="390" r:id="rId21"/>
+    <p:sldId id="392" r:id="rId22"/>
+    <p:sldId id="391" r:id="rId23"/>
+    <p:sldId id="393" r:id="rId24"/>
+    <p:sldId id="396" r:id="rId25"/>
+    <p:sldId id="397" r:id="rId26"/>
+    <p:sldId id="387" r:id="rId27"/>
+    <p:sldId id="401" r:id="rId28"/>
+    <p:sldId id="399" r:id="rId29"/>
+    <p:sldId id="402" r:id="rId30"/>
+    <p:sldId id="403" r:id="rId31"/>
+    <p:sldId id="407" r:id="rId32"/>
+    <p:sldId id="386" r:id="rId33"/>
+    <p:sldId id="388" r:id="rId34"/>
+    <p:sldId id="404" r:id="rId35"/>
+    <p:sldId id="406" r:id="rId36"/>
+    <p:sldId id="408" r:id="rId37"/>
+    <p:sldId id="409" r:id="rId38"/>
   </p:sldIdLst>
   <p:sldSz cx="12192000" cy="6858000"/>
   <p:notesSz cx="6858000" cy="9144000"/>
@@ -166,21 +170,25 @@
             <p14:sldId id="356"/>
             <p14:sldId id="369"/>
             <p14:sldId id="389"/>
+            <p14:sldId id="405"/>
             <p14:sldId id="390"/>
             <p14:sldId id="392"/>
             <p14:sldId id="391"/>
             <p14:sldId id="393"/>
             <p14:sldId id="396"/>
             <p14:sldId id="397"/>
+            <p14:sldId id="387"/>
             <p14:sldId id="401"/>
             <p14:sldId id="399"/>
             <p14:sldId id="402"/>
-            <p14:sldId id="387"/>
-            <p14:sldId id="400"/>
-            <p14:sldId id="398"/>
+            <p14:sldId id="403"/>
+            <p14:sldId id="407"/>
             <p14:sldId id="386"/>
             <p14:sldId id="388"/>
-            <p14:sldId id="375"/>
+            <p14:sldId id="404"/>
+            <p14:sldId id="406"/>
+            <p14:sldId id="408"/>
+            <p14:sldId id="409"/>
           </p14:sldIdLst>
         </p14:section>
       </p14:sectionLst>
@@ -669,10 +677,7 @@
           <a:bodyPr/>
           <a:lstStyle/>
           <a:p>
-            <a:r>
-              <a:rPr kumimoji="1" lang="zh-CN" altLang="en-US" dirty="0"/>
-              <a:t>切换到代码演示</a:t>
-            </a:r>
+            <a:endParaRPr kumimoji="1" lang="zh-CN" altLang="en-US" dirty="0"/>
           </a:p>
         </p:txBody>
       </p:sp>
@@ -1095,18 +1100,7 @@
           <a:bodyPr/>
           <a:lstStyle/>
           <a:p>
-            <a:r>
-              <a:rPr kumimoji="1" lang="zh-CN" altLang="en-US" dirty="0"/>
-              <a:t>要注意学习</a:t>
-            </a:r>
-            <a:r>
-              <a:rPr kumimoji="1" lang="en-US" altLang="zh-CN" dirty="0"/>
-              <a:t>Object</a:t>
-            </a:r>
-            <a:r>
-              <a:rPr kumimoji="1" lang="zh-CN" altLang="en-US" dirty="0"/>
-              <a:t>类中的方法</a:t>
-            </a:r>
+            <a:endParaRPr kumimoji="1" lang="zh-CN" altLang="en-US" dirty="0"/>
           </a:p>
         </p:txBody>
       </p:sp>
@@ -1190,18 +1184,7 @@
           <a:bodyPr/>
           <a:lstStyle/>
           <a:p>
-            <a:r>
-              <a:rPr kumimoji="1" lang="zh-CN" altLang="en-US" dirty="0"/>
-              <a:t>要注意学习</a:t>
-            </a:r>
-            <a:r>
-              <a:rPr kumimoji="1" lang="en-US" altLang="zh-CN" dirty="0"/>
-              <a:t>Object</a:t>
-            </a:r>
-            <a:r>
-              <a:rPr kumimoji="1" lang="zh-CN" altLang="en-US" dirty="0"/>
-              <a:t>类中的方法</a:t>
-            </a:r>
+            <a:endParaRPr kumimoji="1" lang="zh-CN" altLang="en-US" dirty="0"/>
           </a:p>
         </p:txBody>
       </p:sp>
@@ -1285,18 +1268,7 @@
           <a:bodyPr/>
           <a:lstStyle/>
           <a:p>
-            <a:r>
-              <a:rPr kumimoji="1" lang="zh-CN" altLang="en-US" dirty="0"/>
-              <a:t>要注意学习</a:t>
-            </a:r>
-            <a:r>
-              <a:rPr kumimoji="1" lang="en-US" altLang="zh-CN" dirty="0"/>
-              <a:t>Object</a:t>
-            </a:r>
-            <a:r>
-              <a:rPr kumimoji="1" lang="zh-CN" altLang="en-US" dirty="0"/>
-              <a:t>类中的方法</a:t>
-            </a:r>
+            <a:endParaRPr kumimoji="1" lang="zh-CN" altLang="en-US" dirty="0"/>
           </a:p>
         </p:txBody>
       </p:sp>
@@ -1380,18 +1352,7 @@
           <a:bodyPr/>
           <a:lstStyle/>
           <a:p>
-            <a:r>
-              <a:rPr kumimoji="1" lang="zh-CN" altLang="en-US" dirty="0"/>
-              <a:t>要注意学习</a:t>
-            </a:r>
-            <a:r>
-              <a:rPr kumimoji="1" lang="en-US" altLang="zh-CN" dirty="0"/>
-              <a:t>Object</a:t>
-            </a:r>
-            <a:r>
-              <a:rPr kumimoji="1" lang="zh-CN" altLang="en-US" dirty="0"/>
-              <a:t>类中的方法</a:t>
-            </a:r>
+            <a:endParaRPr kumimoji="1" lang="zh-CN" altLang="en-US" dirty="0"/>
           </a:p>
         </p:txBody>
       </p:sp>
@@ -1421,7 +1382,7 @@
     </p:spTree>
     <p:extLst>
       <p:ext uri="{BB962C8B-B14F-4D97-AF65-F5344CB8AC3E}">
-        <p14:creationId xmlns:p14="http://schemas.microsoft.com/office/powerpoint/2010/main" val="4048281992"/>
+        <p14:creationId xmlns:p14="http://schemas.microsoft.com/office/powerpoint/2010/main" val="1543490922"/>
       </p:ext>
     </p:extLst>
   </p:cSld>
@@ -1475,18 +1436,7 @@
           <a:bodyPr/>
           <a:lstStyle/>
           <a:p>
-            <a:r>
-              <a:rPr kumimoji="1" lang="zh-CN" altLang="en-US" dirty="0"/>
-              <a:t>要注意学习</a:t>
-            </a:r>
-            <a:r>
-              <a:rPr kumimoji="1" lang="en-US" altLang="zh-CN" dirty="0"/>
-              <a:t>Object</a:t>
-            </a:r>
-            <a:r>
-              <a:rPr kumimoji="1" lang="zh-CN" altLang="en-US" dirty="0"/>
-              <a:t>类中的方法</a:t>
-            </a:r>
+            <a:endParaRPr kumimoji="1" lang="zh-CN" altLang="en-US" dirty="0"/>
           </a:p>
         </p:txBody>
       </p:sp>
@@ -1516,7 +1466,7 @@
     </p:spTree>
     <p:extLst>
       <p:ext uri="{BB962C8B-B14F-4D97-AF65-F5344CB8AC3E}">
-        <p14:creationId xmlns:p14="http://schemas.microsoft.com/office/powerpoint/2010/main" val="1980322143"/>
+        <p14:creationId xmlns:p14="http://schemas.microsoft.com/office/powerpoint/2010/main" val="4048281992"/>
       </p:ext>
     </p:extLst>
   </p:cSld>
@@ -1570,10 +1520,7 @@
           <a:bodyPr/>
           <a:lstStyle/>
           <a:p>
-            <a:r>
-              <a:rPr kumimoji="1" lang="zh-CN" altLang="en-US" dirty="0"/>
-              <a:t>切换到代码演示</a:t>
-            </a:r>
+            <a:endParaRPr kumimoji="1" lang="zh-CN" altLang="en-US" dirty="0"/>
           </a:p>
         </p:txBody>
       </p:sp>
@@ -1657,18 +1604,7 @@
           <a:bodyPr/>
           <a:lstStyle/>
           <a:p>
-            <a:r>
-              <a:rPr kumimoji="1" lang="zh-CN" altLang="en-US" dirty="0"/>
-              <a:t>要注意学习</a:t>
-            </a:r>
-            <a:r>
-              <a:rPr kumimoji="1" lang="en-US" altLang="zh-CN" dirty="0"/>
-              <a:t>Object</a:t>
-            </a:r>
-            <a:r>
-              <a:rPr kumimoji="1" lang="zh-CN" altLang="en-US" dirty="0"/>
-              <a:t>类中的方法</a:t>
-            </a:r>
+            <a:endParaRPr kumimoji="1" lang="zh-CN" altLang="en-US" dirty="0"/>
           </a:p>
         </p:txBody>
       </p:sp>
@@ -1698,7 +1634,7 @@
     </p:spTree>
     <p:extLst>
       <p:ext uri="{BB962C8B-B14F-4D97-AF65-F5344CB8AC3E}">
-        <p14:creationId xmlns:p14="http://schemas.microsoft.com/office/powerpoint/2010/main" val="3909738134"/>
+        <p14:creationId xmlns:p14="http://schemas.microsoft.com/office/powerpoint/2010/main" val="1980322143"/>
       </p:ext>
     </p:extLst>
   </p:cSld>
@@ -1752,18 +1688,7 @@
           <a:bodyPr/>
           <a:lstStyle/>
           <a:p>
-            <a:r>
-              <a:rPr kumimoji="1" lang="zh-CN" altLang="en-US" dirty="0"/>
-              <a:t>要注意学习</a:t>
-            </a:r>
-            <a:r>
-              <a:rPr kumimoji="1" lang="en-US" altLang="zh-CN" dirty="0"/>
-              <a:t>Object</a:t>
-            </a:r>
-            <a:r>
-              <a:rPr kumimoji="1" lang="zh-CN" altLang="en-US" dirty="0"/>
-              <a:t>类中的方法</a:t>
-            </a:r>
+            <a:endParaRPr kumimoji="1" lang="zh-CN" altLang="en-US" dirty="0"/>
           </a:p>
         </p:txBody>
       </p:sp>
@@ -1793,7 +1718,7 @@
     </p:spTree>
     <p:extLst>
       <p:ext uri="{BB962C8B-B14F-4D97-AF65-F5344CB8AC3E}">
-        <p14:creationId xmlns:p14="http://schemas.microsoft.com/office/powerpoint/2010/main" val="4049264765"/>
+        <p14:creationId xmlns:p14="http://schemas.microsoft.com/office/powerpoint/2010/main" val="3909738134"/>
       </p:ext>
     </p:extLst>
   </p:cSld>
@@ -1847,18 +1772,7 @@
           <a:bodyPr/>
           <a:lstStyle/>
           <a:p>
-            <a:r>
-              <a:rPr kumimoji="1" lang="zh-CN" altLang="en-US" dirty="0"/>
-              <a:t>要注意学习</a:t>
-            </a:r>
-            <a:r>
-              <a:rPr kumimoji="1" lang="en-US" altLang="zh-CN" dirty="0"/>
-              <a:t>Object</a:t>
-            </a:r>
-            <a:r>
-              <a:rPr kumimoji="1" lang="zh-CN" altLang="en-US" dirty="0"/>
-              <a:t>类中的方法</a:t>
-            </a:r>
+            <a:endParaRPr kumimoji="1" lang="zh-CN" altLang="en-US" dirty="0"/>
           </a:p>
         </p:txBody>
       </p:sp>
@@ -1888,7 +1802,7 @@
     </p:spTree>
     <p:extLst>
       <p:ext uri="{BB962C8B-B14F-4D97-AF65-F5344CB8AC3E}">
-        <p14:creationId xmlns:p14="http://schemas.microsoft.com/office/powerpoint/2010/main" val="1615207098"/>
+        <p14:creationId xmlns:p14="http://schemas.microsoft.com/office/powerpoint/2010/main" val="4049264765"/>
       </p:ext>
     </p:extLst>
   </p:cSld>
@@ -1942,132 +1856,7 @@
           <a:bodyPr/>
           <a:lstStyle/>
           <a:p>
-            <a:endParaRPr kumimoji="1" lang="zh-CN" altLang="en-US" sz="2400" dirty="0">
-              <a:latin typeface="Microsoft YaHei" panose="020B0503020204020204" pitchFamily="34" charset="-122"/>
-              <a:ea typeface="Microsoft YaHei" panose="020B0503020204020204" pitchFamily="34" charset="-122"/>
-            </a:endParaRPr>
-          </a:p>
-          <a:p>
-            <a:pPr marL="914400" lvl="1" indent="-457200">
-              <a:buFont typeface="+mj-lt"/>
-              <a:buAutoNum type="arabicPeriod"/>
-            </a:pPr>
-            <a:r>
-              <a:rPr lang="zh-CN" altLang="en-US" sz="2400" dirty="0">
-                <a:solidFill>
-                  <a:schemeClr val="accent2"/>
-                </a:solidFill>
-                <a:latin typeface="Microsoft YaHei" panose="020B0503020204020204" pitchFamily="34" charset="-122"/>
-                <a:ea typeface="Microsoft YaHei" panose="020B0503020204020204" pitchFamily="34" charset="-122"/>
-              </a:rPr>
-              <a:t>不管什么类，实现</a:t>
-            </a:r>
-            <a:r>
-              <a:rPr lang="en-US" altLang="zh-CN" sz="2400" dirty="0">
-                <a:solidFill>
-                  <a:schemeClr val="accent2"/>
-                </a:solidFill>
-                <a:latin typeface="Microsoft YaHei" panose="020B0503020204020204" pitchFamily="34" charset="-122"/>
-                <a:ea typeface="Microsoft YaHei" panose="020B0503020204020204" pitchFamily="34" charset="-122"/>
-              </a:rPr>
-              <a:t>clone</a:t>
-            </a:r>
-            <a:r>
-              <a:rPr lang="zh-CN" altLang="en-US" sz="2400" dirty="0">
-                <a:solidFill>
-                  <a:schemeClr val="accent2"/>
-                </a:solidFill>
-                <a:latin typeface="Microsoft YaHei" panose="020B0503020204020204" pitchFamily="34" charset="-122"/>
-                <a:ea typeface="Microsoft YaHei" panose="020B0503020204020204" pitchFamily="34" charset="-122"/>
-              </a:rPr>
-              <a:t>方法的第一步是调用</a:t>
-            </a:r>
-            <a:r>
-              <a:rPr lang="en-US" altLang="zh-CN" sz="2400" dirty="0" err="1">
-                <a:solidFill>
-                  <a:schemeClr val="accent2"/>
-                </a:solidFill>
-                <a:latin typeface="Microsoft YaHei" panose="020B0503020204020204" pitchFamily="34" charset="-122"/>
-                <a:ea typeface="Microsoft YaHei" panose="020B0503020204020204" pitchFamily="34" charset="-122"/>
-              </a:rPr>
-              <a:t>super.clone</a:t>
-            </a:r>
-            <a:r>
-              <a:rPr lang="en-US" altLang="zh-CN" sz="2400" dirty="0">
-                <a:solidFill>
-                  <a:schemeClr val="accent2"/>
-                </a:solidFill>
-                <a:latin typeface="Microsoft YaHei" panose="020B0503020204020204" pitchFamily="34" charset="-122"/>
-                <a:ea typeface="Microsoft YaHei" panose="020B0503020204020204" pitchFamily="34" charset="-122"/>
-              </a:rPr>
-              <a:t>()</a:t>
-            </a:r>
-            <a:r>
-              <a:rPr lang="zh-CN" altLang="en-US" sz="2400" dirty="0">
-                <a:solidFill>
-                  <a:schemeClr val="accent2"/>
-                </a:solidFill>
-                <a:latin typeface="Microsoft YaHei" panose="020B0503020204020204" pitchFamily="34" charset="-122"/>
-                <a:ea typeface="Microsoft YaHei" panose="020B0503020204020204" pitchFamily="34" charset="-122"/>
-              </a:rPr>
-              <a:t>完成其父类的深拷贝和该类对象本身的浅拷贝。</a:t>
-            </a:r>
-            <a:endParaRPr lang="en-US" altLang="zh-CN" sz="2400" dirty="0">
-              <a:solidFill>
-                <a:schemeClr val="accent2"/>
-              </a:solidFill>
-              <a:latin typeface="Microsoft YaHei" panose="020B0503020204020204" pitchFamily="34" charset="-122"/>
-              <a:ea typeface="Microsoft YaHei" panose="020B0503020204020204" pitchFamily="34" charset="-122"/>
-            </a:endParaRPr>
-          </a:p>
-          <a:p>
-            <a:pPr marL="914400" lvl="1" indent="-457200">
-              <a:buFont typeface="+mj-lt"/>
-              <a:buAutoNum type="arabicPeriod"/>
-            </a:pPr>
-            <a:r>
-              <a:rPr lang="zh-CN" altLang="en-US" sz="2400" dirty="0">
-                <a:solidFill>
-                  <a:schemeClr val="accent2"/>
-                </a:solidFill>
-                <a:latin typeface="Microsoft YaHei" panose="020B0503020204020204" pitchFamily="34" charset="-122"/>
-                <a:ea typeface="Microsoft YaHei" panose="020B0503020204020204" pitchFamily="34" charset="-122"/>
-              </a:rPr>
-              <a:t>如果该类包含引用类型，还需调用该引用类型的</a:t>
-            </a:r>
-            <a:r>
-              <a:rPr lang="en-US" altLang="zh-CN" sz="2400" dirty="0">
-                <a:solidFill>
-                  <a:schemeClr val="accent2"/>
-                </a:solidFill>
-                <a:latin typeface="Microsoft YaHei" panose="020B0503020204020204" pitchFamily="34" charset="-122"/>
-                <a:ea typeface="Microsoft YaHei" panose="020B0503020204020204" pitchFamily="34" charset="-122"/>
-              </a:rPr>
-              <a:t>clone</a:t>
-            </a:r>
-            <a:r>
-              <a:rPr lang="zh-CN" altLang="en-US" sz="2400" dirty="0">
-                <a:solidFill>
-                  <a:schemeClr val="accent2"/>
-                </a:solidFill>
-                <a:latin typeface="Microsoft YaHei" panose="020B0503020204020204" pitchFamily="34" charset="-122"/>
-                <a:ea typeface="Microsoft YaHei" panose="020B0503020204020204" pitchFamily="34" charset="-122"/>
-              </a:rPr>
-              <a:t>方法对引用类型深拷贝。</a:t>
-            </a:r>
-            <a:endParaRPr kumimoji="1" lang="en-US" altLang="zh-CN" sz="3200" dirty="0">
-              <a:solidFill>
-                <a:schemeClr val="accent2"/>
-              </a:solidFill>
-              <a:latin typeface="Microsoft YaHei" panose="020B0503020204020204" pitchFamily="34" charset="-122"/>
-              <a:ea typeface="Microsoft YaHei" panose="020B0503020204020204" pitchFamily="34" charset="-122"/>
-            </a:endParaRPr>
-          </a:p>
-          <a:p>
-            <a:endParaRPr kumimoji="1" lang="en-US" altLang="zh-CN" sz="2400" dirty="0">
-              <a:latin typeface="Microsoft YaHei" panose="020B0503020204020204" pitchFamily="34" charset="-122"/>
-              <a:ea typeface="Microsoft YaHei" panose="020B0503020204020204" pitchFamily="34" charset="-122"/>
-            </a:endParaRPr>
+            <a:endParaRPr kumimoji="1" lang="zh-CN" altLang="en-US" dirty="0"/>
           </a:p>
         </p:txBody>
       </p:sp>
@@ -2097,7 +1886,7 @@
     </p:spTree>
     <p:extLst>
       <p:ext uri="{BB962C8B-B14F-4D97-AF65-F5344CB8AC3E}">
-        <p14:creationId xmlns:p14="http://schemas.microsoft.com/office/powerpoint/2010/main" val="3479437698"/>
+        <p14:creationId xmlns:p14="http://schemas.microsoft.com/office/powerpoint/2010/main" val="1615207098"/>
       </p:ext>
     </p:extLst>
   </p:cSld>
@@ -2151,13 +1940,132 @@
           <a:bodyPr/>
           <a:lstStyle/>
           <a:p>
-            <a:r>
-              <a:rPr lang="en-US" altLang="zh-CN" dirty="0">
-                <a:hlinkClick r:id="rId3"/>
-              </a:rPr>
-              <a:t>https://blog.csdn.net/qq_33314107/article/details/80271963</a:t>
-            </a:r>
-            <a:endParaRPr kumimoji="1" lang="zh-CN" altLang="en-US" dirty="0"/>
+            <a:endParaRPr kumimoji="1" lang="zh-CN" altLang="en-US" sz="2400" dirty="0">
+              <a:latin typeface="Microsoft YaHei" panose="020B0503020204020204" pitchFamily="34" charset="-122"/>
+              <a:ea typeface="Microsoft YaHei" panose="020B0503020204020204" pitchFamily="34" charset="-122"/>
+            </a:endParaRPr>
+          </a:p>
+          <a:p>
+            <a:pPr marL="914400" lvl="1" indent="-457200">
+              <a:buFont typeface="+mj-lt"/>
+              <a:buAutoNum type="arabicPeriod"/>
+            </a:pPr>
+            <a:r>
+              <a:rPr lang="zh-CN" altLang="en-US" sz="2400" dirty="0">
+                <a:solidFill>
+                  <a:schemeClr val="accent2"/>
+                </a:solidFill>
+                <a:latin typeface="Microsoft YaHei" panose="020B0503020204020204" pitchFamily="34" charset="-122"/>
+                <a:ea typeface="Microsoft YaHei" panose="020B0503020204020204" pitchFamily="34" charset="-122"/>
+              </a:rPr>
+              <a:t>不管什么类，实现</a:t>
+            </a:r>
+            <a:r>
+              <a:rPr lang="en-US" altLang="zh-CN" sz="2400" dirty="0">
+                <a:solidFill>
+                  <a:schemeClr val="accent2"/>
+                </a:solidFill>
+                <a:latin typeface="Microsoft YaHei" panose="020B0503020204020204" pitchFamily="34" charset="-122"/>
+                <a:ea typeface="Microsoft YaHei" panose="020B0503020204020204" pitchFamily="34" charset="-122"/>
+              </a:rPr>
+              <a:t>clone</a:t>
+            </a:r>
+            <a:r>
+              <a:rPr lang="zh-CN" altLang="en-US" sz="2400" dirty="0">
+                <a:solidFill>
+                  <a:schemeClr val="accent2"/>
+                </a:solidFill>
+                <a:latin typeface="Microsoft YaHei" panose="020B0503020204020204" pitchFamily="34" charset="-122"/>
+                <a:ea typeface="Microsoft YaHei" panose="020B0503020204020204" pitchFamily="34" charset="-122"/>
+              </a:rPr>
+              <a:t>方法的第一步是调用</a:t>
+            </a:r>
+            <a:r>
+              <a:rPr lang="en-US" altLang="zh-CN" sz="2400" dirty="0" err="1">
+                <a:solidFill>
+                  <a:schemeClr val="accent2"/>
+                </a:solidFill>
+                <a:latin typeface="Microsoft YaHei" panose="020B0503020204020204" pitchFamily="34" charset="-122"/>
+                <a:ea typeface="Microsoft YaHei" panose="020B0503020204020204" pitchFamily="34" charset="-122"/>
+              </a:rPr>
+              <a:t>super.clone</a:t>
+            </a:r>
+            <a:r>
+              <a:rPr lang="en-US" altLang="zh-CN" sz="2400" dirty="0">
+                <a:solidFill>
+                  <a:schemeClr val="accent2"/>
+                </a:solidFill>
+                <a:latin typeface="Microsoft YaHei" panose="020B0503020204020204" pitchFamily="34" charset="-122"/>
+                <a:ea typeface="Microsoft YaHei" panose="020B0503020204020204" pitchFamily="34" charset="-122"/>
+              </a:rPr>
+              <a:t>()</a:t>
+            </a:r>
+            <a:r>
+              <a:rPr lang="zh-CN" altLang="en-US" sz="2400" dirty="0">
+                <a:solidFill>
+                  <a:schemeClr val="accent2"/>
+                </a:solidFill>
+                <a:latin typeface="Microsoft YaHei" panose="020B0503020204020204" pitchFamily="34" charset="-122"/>
+                <a:ea typeface="Microsoft YaHei" panose="020B0503020204020204" pitchFamily="34" charset="-122"/>
+              </a:rPr>
+              <a:t>完成其父类的深拷贝和该类对象本身的浅拷贝。</a:t>
+            </a:r>
+            <a:endParaRPr lang="en-US" altLang="zh-CN" sz="2400" dirty="0">
+              <a:solidFill>
+                <a:schemeClr val="accent2"/>
+              </a:solidFill>
+              <a:latin typeface="Microsoft YaHei" panose="020B0503020204020204" pitchFamily="34" charset="-122"/>
+              <a:ea typeface="Microsoft YaHei" panose="020B0503020204020204" pitchFamily="34" charset="-122"/>
+            </a:endParaRPr>
+          </a:p>
+          <a:p>
+            <a:pPr marL="914400" lvl="1" indent="-457200">
+              <a:buFont typeface="+mj-lt"/>
+              <a:buAutoNum type="arabicPeriod"/>
+            </a:pPr>
+            <a:r>
+              <a:rPr lang="zh-CN" altLang="en-US" sz="2400" dirty="0">
+                <a:solidFill>
+                  <a:schemeClr val="accent2"/>
+                </a:solidFill>
+                <a:latin typeface="Microsoft YaHei" panose="020B0503020204020204" pitchFamily="34" charset="-122"/>
+                <a:ea typeface="Microsoft YaHei" panose="020B0503020204020204" pitchFamily="34" charset="-122"/>
+              </a:rPr>
+              <a:t>如果该类包含引用类型，还需调用该引用类型的</a:t>
+            </a:r>
+            <a:r>
+              <a:rPr lang="en-US" altLang="zh-CN" sz="2400" dirty="0">
+                <a:solidFill>
+                  <a:schemeClr val="accent2"/>
+                </a:solidFill>
+                <a:latin typeface="Microsoft YaHei" panose="020B0503020204020204" pitchFamily="34" charset="-122"/>
+                <a:ea typeface="Microsoft YaHei" panose="020B0503020204020204" pitchFamily="34" charset="-122"/>
+              </a:rPr>
+              <a:t>clone</a:t>
+            </a:r>
+            <a:r>
+              <a:rPr lang="zh-CN" altLang="en-US" sz="2400" dirty="0">
+                <a:solidFill>
+                  <a:schemeClr val="accent2"/>
+                </a:solidFill>
+                <a:latin typeface="Microsoft YaHei" panose="020B0503020204020204" pitchFamily="34" charset="-122"/>
+                <a:ea typeface="Microsoft YaHei" panose="020B0503020204020204" pitchFamily="34" charset="-122"/>
+              </a:rPr>
+              <a:t>方法对引用类型深拷贝。</a:t>
+            </a:r>
+            <a:endParaRPr kumimoji="1" lang="en-US" altLang="zh-CN" sz="3200" dirty="0">
+              <a:solidFill>
+                <a:schemeClr val="accent2"/>
+              </a:solidFill>
+              <a:latin typeface="Microsoft YaHei" panose="020B0503020204020204" pitchFamily="34" charset="-122"/>
+              <a:ea typeface="Microsoft YaHei" panose="020B0503020204020204" pitchFamily="34" charset="-122"/>
+            </a:endParaRPr>
+          </a:p>
+          <a:p>
+            <a:endParaRPr kumimoji="1" lang="en-US" altLang="zh-CN" sz="2400" dirty="0">
+              <a:latin typeface="Microsoft YaHei" panose="020B0503020204020204" pitchFamily="34" charset="-122"/>
+              <a:ea typeface="Microsoft YaHei" panose="020B0503020204020204" pitchFamily="34" charset="-122"/>
+            </a:endParaRPr>
           </a:p>
         </p:txBody>
       </p:sp>
@@ -2187,7 +2095,7 @@
     </p:spTree>
     <p:extLst>
       <p:ext uri="{BB962C8B-B14F-4D97-AF65-F5344CB8AC3E}">
-        <p14:creationId xmlns:p14="http://schemas.microsoft.com/office/powerpoint/2010/main" val="854797086"/>
+        <p14:creationId xmlns:p14="http://schemas.microsoft.com/office/powerpoint/2010/main" val="3479437698"/>
       </p:ext>
     </p:extLst>
   </p:cSld>
@@ -2241,18 +2149,7 @@
           <a:bodyPr/>
           <a:lstStyle/>
           <a:p>
-            <a:r>
-              <a:rPr kumimoji="1" lang="zh-CN" altLang="en-US" dirty="0"/>
-              <a:t>要注意学习</a:t>
-            </a:r>
-            <a:r>
-              <a:rPr kumimoji="1" lang="en-US" altLang="zh-CN" dirty="0"/>
-              <a:t>Object</a:t>
-            </a:r>
-            <a:r>
-              <a:rPr kumimoji="1" lang="zh-CN" altLang="en-US" dirty="0"/>
-              <a:t>类中的方法</a:t>
-            </a:r>
+            <a:endParaRPr kumimoji="1" lang="zh-CN" altLang="en-US" dirty="0"/>
           </a:p>
         </p:txBody>
       </p:sp>
@@ -2282,7 +2179,7 @@
     </p:spTree>
     <p:extLst>
       <p:ext uri="{BB962C8B-B14F-4D97-AF65-F5344CB8AC3E}">
-        <p14:creationId xmlns:p14="http://schemas.microsoft.com/office/powerpoint/2010/main" val="3210190873"/>
+        <p14:creationId xmlns:p14="http://schemas.microsoft.com/office/powerpoint/2010/main" val="1543490708"/>
       </p:ext>
     </p:extLst>
   </p:cSld>
@@ -2337,17 +2234,12 @@
           <a:lstStyle/>
           <a:p>
             <a:r>
-              <a:rPr kumimoji="1" lang="zh-CN" altLang="en-US" dirty="0"/>
-              <a:t>要注意学习</a:t>
-            </a:r>
-            <a:r>
-              <a:rPr kumimoji="1" lang="en-US" altLang="zh-CN" dirty="0"/>
-              <a:t>Object</a:t>
-            </a:r>
-            <a:r>
-              <a:rPr kumimoji="1" lang="zh-CN" altLang="en-US" dirty="0"/>
-              <a:t>类中的方法</a:t>
-            </a:r>
+              <a:rPr lang="en-US" altLang="zh-CN" dirty="0">
+                <a:hlinkClick r:id="rId3"/>
+              </a:rPr>
+              <a:t>https://blog.csdn.net/qq_33314107/article/details/80271963</a:t>
+            </a:r>
+            <a:endParaRPr kumimoji="1" lang="zh-CN" altLang="en-US" dirty="0"/>
           </a:p>
         </p:txBody>
       </p:sp>
@@ -2377,7 +2269,7 @@
     </p:spTree>
     <p:extLst>
       <p:ext uri="{BB962C8B-B14F-4D97-AF65-F5344CB8AC3E}">
-        <p14:creationId xmlns:p14="http://schemas.microsoft.com/office/powerpoint/2010/main" val="1416790942"/>
+        <p14:creationId xmlns:p14="http://schemas.microsoft.com/office/powerpoint/2010/main" val="854797086"/>
       </p:ext>
     </p:extLst>
   </p:cSld>
@@ -2431,18 +2323,7 @@
           <a:bodyPr/>
           <a:lstStyle/>
           <a:p>
-            <a:r>
-              <a:rPr kumimoji="1" lang="zh-CN" altLang="en-US" dirty="0"/>
-              <a:t>要注意学习</a:t>
-            </a:r>
-            <a:r>
-              <a:rPr kumimoji="1" lang="en-US" altLang="zh-CN" dirty="0"/>
-              <a:t>Object</a:t>
-            </a:r>
-            <a:r>
-              <a:rPr kumimoji="1" lang="zh-CN" altLang="en-US" dirty="0"/>
-              <a:t>类中的方法</a:t>
-            </a:r>
+            <a:endParaRPr kumimoji="1" lang="zh-CN" altLang="en-US" dirty="0"/>
           </a:p>
         </p:txBody>
       </p:sp>
@@ -2472,7 +2353,7 @@
     </p:spTree>
     <p:extLst>
       <p:ext uri="{BB962C8B-B14F-4D97-AF65-F5344CB8AC3E}">
-        <p14:creationId xmlns:p14="http://schemas.microsoft.com/office/powerpoint/2010/main" val="1543490708"/>
+        <p14:creationId xmlns:p14="http://schemas.microsoft.com/office/powerpoint/2010/main" val="3210190873"/>
       </p:ext>
     </p:extLst>
   </p:cSld>
@@ -2528,15 +2409,7 @@
           <a:p>
             <a:r>
               <a:rPr kumimoji="1" lang="zh-CN" altLang="en-US" dirty="0"/>
-              <a:t>要注意学习</a:t>
-            </a:r>
-            <a:r>
-              <a:rPr kumimoji="1" lang="en-US" altLang="zh-CN" dirty="0"/>
-              <a:t>Object</a:t>
-            </a:r>
-            <a:r>
-              <a:rPr kumimoji="1" lang="zh-CN" altLang="en-US" dirty="0"/>
-              <a:t>类中的方法</a:t>
+              <a:t>截图来自老师的示例代码</a:t>
             </a:r>
           </a:p>
         </p:txBody>
@@ -2567,7 +2440,7 @@
     </p:spTree>
     <p:extLst>
       <p:ext uri="{BB962C8B-B14F-4D97-AF65-F5344CB8AC3E}">
-        <p14:creationId xmlns:p14="http://schemas.microsoft.com/office/powerpoint/2010/main" val="507737374"/>
+        <p14:creationId xmlns:p14="http://schemas.microsoft.com/office/powerpoint/2010/main" val="1416790942"/>
       </p:ext>
     </p:extLst>
   </p:cSld>
@@ -2621,18 +2494,7 @@
           <a:bodyPr/>
           <a:lstStyle/>
           <a:p>
-            <a:r>
-              <a:rPr kumimoji="1" lang="zh-CN" altLang="en-US" dirty="0"/>
-              <a:t>要注意学习</a:t>
-            </a:r>
-            <a:r>
-              <a:rPr kumimoji="1" lang="en-US" altLang="zh-CN" dirty="0"/>
-              <a:t>Object</a:t>
-            </a:r>
-            <a:r>
-              <a:rPr kumimoji="1" lang="zh-CN" altLang="en-US" dirty="0"/>
-              <a:t>类中的方法</a:t>
-            </a:r>
+            <a:endParaRPr kumimoji="1" lang="zh-CN" altLang="en-US" dirty="0"/>
           </a:p>
         </p:txBody>
       </p:sp>
@@ -2662,7 +2524,7 @@
     </p:spTree>
     <p:extLst>
       <p:ext uri="{BB962C8B-B14F-4D97-AF65-F5344CB8AC3E}">
-        <p14:creationId xmlns:p14="http://schemas.microsoft.com/office/powerpoint/2010/main" val="672489198"/>
+        <p14:creationId xmlns:p14="http://schemas.microsoft.com/office/powerpoint/2010/main" val="2770177019"/>
       </p:ext>
     </p:extLst>
   </p:cSld>
@@ -2716,10 +2578,7 @@
           <a:bodyPr/>
           <a:lstStyle/>
           <a:p>
-            <a:r>
-              <a:rPr kumimoji="1" lang="zh-CN" altLang="en-US" dirty="0"/>
-              <a:t>切换到代码演示</a:t>
-            </a:r>
+            <a:endParaRPr kumimoji="1" lang="zh-CN" altLang="en-US" dirty="0"/>
           </a:p>
         </p:txBody>
       </p:sp>
@@ -2803,18 +2662,7 @@
           <a:bodyPr/>
           <a:lstStyle/>
           <a:p>
-            <a:r>
-              <a:rPr kumimoji="1" lang="zh-CN" altLang="en-US" dirty="0"/>
-              <a:t>要注意学习</a:t>
-            </a:r>
-            <a:r>
-              <a:rPr kumimoji="1" lang="en-US" altLang="zh-CN" dirty="0"/>
-              <a:t>Object</a:t>
-            </a:r>
-            <a:r>
-              <a:rPr kumimoji="1" lang="zh-CN" altLang="en-US" dirty="0"/>
-              <a:t>类中的方法</a:t>
-            </a:r>
+            <a:endParaRPr kumimoji="1" lang="zh-CN" altLang="en-US" dirty="0"/>
           </a:p>
         </p:txBody>
       </p:sp>
@@ -2844,7 +2692,7 @@
     </p:spTree>
     <p:extLst>
       <p:ext uri="{BB962C8B-B14F-4D97-AF65-F5344CB8AC3E}">
-        <p14:creationId xmlns:p14="http://schemas.microsoft.com/office/powerpoint/2010/main" val="3465643749"/>
+        <p14:creationId xmlns:p14="http://schemas.microsoft.com/office/powerpoint/2010/main" val="1934056411"/>
       </p:ext>
     </p:extLst>
   </p:cSld>
@@ -2898,18 +2746,7 @@
           <a:bodyPr/>
           <a:lstStyle/>
           <a:p>
-            <a:r>
-              <a:rPr kumimoji="1" lang="zh-CN" altLang="en-US" dirty="0"/>
-              <a:t>要注意学习</a:t>
-            </a:r>
-            <a:r>
-              <a:rPr kumimoji="1" lang="en-US" altLang="zh-CN" dirty="0"/>
-              <a:t>Object</a:t>
-            </a:r>
-            <a:r>
-              <a:rPr kumimoji="1" lang="zh-CN" altLang="en-US" dirty="0"/>
-              <a:t>类中的方法</a:t>
-            </a:r>
+            <a:endParaRPr kumimoji="1" lang="zh-CN" altLang="en-US" dirty="0"/>
           </a:p>
         </p:txBody>
       </p:sp>
@@ -2939,7 +2776,7 @@
     </p:spTree>
     <p:extLst>
       <p:ext uri="{BB962C8B-B14F-4D97-AF65-F5344CB8AC3E}">
-        <p14:creationId xmlns:p14="http://schemas.microsoft.com/office/powerpoint/2010/main" val="1349511160"/>
+        <p14:creationId xmlns:p14="http://schemas.microsoft.com/office/powerpoint/2010/main" val="3465643749"/>
       </p:ext>
     </p:extLst>
   </p:cSld>
@@ -3023,7 +2860,343 @@
     </p:spTree>
     <p:extLst>
       <p:ext uri="{BB962C8B-B14F-4D97-AF65-F5344CB8AC3E}">
-        <p14:creationId xmlns:p14="http://schemas.microsoft.com/office/powerpoint/2010/main" val="1083862363"/>
+        <p14:creationId xmlns:p14="http://schemas.microsoft.com/office/powerpoint/2010/main" val="1349511160"/>
+      </p:ext>
+    </p:extLst>
+  </p:cSld>
+  <p:clrMapOvr>
+    <a:masterClrMapping/>
+  </p:clrMapOvr>
+</p:notes>
+</file>
+
+<file path=ppt/notesSlides/notesSlide33.xml><?xml version="1.0" encoding="utf-8"?>
+<p:notes xmlns:a="http://schemas.openxmlformats.org/drawingml/2006/main" xmlns:r="http://schemas.openxmlformats.org/officeDocument/2006/relationships" xmlns:p="http://schemas.openxmlformats.org/presentationml/2006/main">
+  <p:cSld>
+    <p:spTree>
+      <p:nvGrpSpPr>
+        <p:cNvPr id="1" name=""/>
+        <p:cNvGrpSpPr/>
+        <p:nvPr/>
+      </p:nvGrpSpPr>
+      <p:grpSpPr>
+        <a:xfrm>
+          <a:off x="0" y="0"/>
+          <a:ext cx="0" cy="0"/>
+          <a:chOff x="0" y="0"/>
+          <a:chExt cx="0" cy="0"/>
+        </a:xfrm>
+      </p:grpSpPr>
+      <p:sp>
+        <p:nvSpPr>
+          <p:cNvPr id="2" name="幻灯片图像占位符 1"/>
+          <p:cNvSpPr>
+            <a:spLocks noGrp="1" noRot="1" noChangeAspect="1"/>
+          </p:cNvSpPr>
+          <p:nvPr>
+            <p:ph type="sldImg"/>
+          </p:nvPr>
+        </p:nvSpPr>
+        <p:spPr/>
+      </p:sp>
+      <p:sp>
+        <p:nvSpPr>
+          <p:cNvPr id="3" name="备注占位符 2"/>
+          <p:cNvSpPr>
+            <a:spLocks noGrp="1"/>
+          </p:cNvSpPr>
+          <p:nvPr>
+            <p:ph type="body" idx="1"/>
+          </p:nvPr>
+        </p:nvSpPr>
+        <p:spPr/>
+        <p:txBody>
+          <a:bodyPr/>
+          <a:lstStyle/>
+          <a:p>
+            <a:endParaRPr kumimoji="1" lang="zh-CN" altLang="en-US" dirty="0"/>
+          </a:p>
+        </p:txBody>
+      </p:sp>
+      <p:sp>
+        <p:nvSpPr>
+          <p:cNvPr id="4" name="灯片编号占位符 3"/>
+          <p:cNvSpPr>
+            <a:spLocks noGrp="1"/>
+          </p:cNvSpPr>
+          <p:nvPr>
+            <p:ph type="sldNum" sz="quarter" idx="5"/>
+          </p:nvPr>
+        </p:nvSpPr>
+        <p:spPr/>
+        <p:txBody>
+          <a:bodyPr/>
+          <a:lstStyle/>
+          <a:p>
+            <a:fld id="{0F8E57A1-C481-6944-857F-EAC8E932B5ED}" type="slidenum">
+              <a:rPr kumimoji="1" lang="zh-CN" altLang="en-US" smtClean="0"/>
+              <a:t>34</a:t>
+            </a:fld>
+            <a:endParaRPr kumimoji="1" lang="zh-CN" altLang="en-US"/>
+          </a:p>
+        </p:txBody>
+      </p:sp>
+    </p:spTree>
+    <p:extLst>
+      <p:ext uri="{BB962C8B-B14F-4D97-AF65-F5344CB8AC3E}">
+        <p14:creationId xmlns:p14="http://schemas.microsoft.com/office/powerpoint/2010/main" val="3282952626"/>
+      </p:ext>
+    </p:extLst>
+  </p:cSld>
+  <p:clrMapOvr>
+    <a:masterClrMapping/>
+  </p:clrMapOvr>
+</p:notes>
+</file>
+
+<file path=ppt/notesSlides/notesSlide34.xml><?xml version="1.0" encoding="utf-8"?>
+<p:notes xmlns:a="http://schemas.openxmlformats.org/drawingml/2006/main" xmlns:r="http://schemas.openxmlformats.org/officeDocument/2006/relationships" xmlns:p="http://schemas.openxmlformats.org/presentationml/2006/main">
+  <p:cSld>
+    <p:spTree>
+      <p:nvGrpSpPr>
+        <p:cNvPr id="1" name=""/>
+        <p:cNvGrpSpPr/>
+        <p:nvPr/>
+      </p:nvGrpSpPr>
+      <p:grpSpPr>
+        <a:xfrm>
+          <a:off x="0" y="0"/>
+          <a:ext cx="0" cy="0"/>
+          <a:chOff x="0" y="0"/>
+          <a:chExt cx="0" cy="0"/>
+        </a:xfrm>
+      </p:grpSpPr>
+      <p:sp>
+        <p:nvSpPr>
+          <p:cNvPr id="2" name="幻灯片图像占位符 1"/>
+          <p:cNvSpPr>
+            <a:spLocks noGrp="1" noRot="1" noChangeAspect="1"/>
+          </p:cNvSpPr>
+          <p:nvPr>
+            <p:ph type="sldImg"/>
+          </p:nvPr>
+        </p:nvSpPr>
+        <p:spPr/>
+      </p:sp>
+      <p:sp>
+        <p:nvSpPr>
+          <p:cNvPr id="3" name="备注占位符 2"/>
+          <p:cNvSpPr>
+            <a:spLocks noGrp="1"/>
+          </p:cNvSpPr>
+          <p:nvPr>
+            <p:ph type="body" idx="1"/>
+          </p:nvPr>
+        </p:nvSpPr>
+        <p:spPr/>
+        <p:txBody>
+          <a:bodyPr/>
+          <a:lstStyle/>
+          <a:p>
+            <a:endParaRPr kumimoji="1" lang="zh-CN" altLang="en-US" dirty="0"/>
+          </a:p>
+        </p:txBody>
+      </p:sp>
+      <p:sp>
+        <p:nvSpPr>
+          <p:cNvPr id="4" name="灯片编号占位符 3"/>
+          <p:cNvSpPr>
+            <a:spLocks noGrp="1"/>
+          </p:cNvSpPr>
+          <p:nvPr>
+            <p:ph type="sldNum" sz="quarter" idx="5"/>
+          </p:nvPr>
+        </p:nvSpPr>
+        <p:spPr/>
+        <p:txBody>
+          <a:bodyPr/>
+          <a:lstStyle/>
+          <a:p>
+            <a:fld id="{0F8E57A1-C481-6944-857F-EAC8E932B5ED}" type="slidenum">
+              <a:rPr kumimoji="1" lang="zh-CN" altLang="en-US" smtClean="0"/>
+              <a:t>35</a:t>
+            </a:fld>
+            <a:endParaRPr kumimoji="1" lang="zh-CN" altLang="en-US"/>
+          </a:p>
+        </p:txBody>
+      </p:sp>
+    </p:spTree>
+    <p:extLst>
+      <p:ext uri="{BB962C8B-B14F-4D97-AF65-F5344CB8AC3E}">
+        <p14:creationId xmlns:p14="http://schemas.microsoft.com/office/powerpoint/2010/main" val="1043890212"/>
+      </p:ext>
+    </p:extLst>
+  </p:cSld>
+  <p:clrMapOvr>
+    <a:masterClrMapping/>
+  </p:clrMapOvr>
+</p:notes>
+</file>
+
+<file path=ppt/notesSlides/notesSlide35.xml><?xml version="1.0" encoding="utf-8"?>
+<p:notes xmlns:a="http://schemas.openxmlformats.org/drawingml/2006/main" xmlns:r="http://schemas.openxmlformats.org/officeDocument/2006/relationships" xmlns:p="http://schemas.openxmlformats.org/presentationml/2006/main">
+  <p:cSld>
+    <p:spTree>
+      <p:nvGrpSpPr>
+        <p:cNvPr id="1" name=""/>
+        <p:cNvGrpSpPr/>
+        <p:nvPr/>
+      </p:nvGrpSpPr>
+      <p:grpSpPr>
+        <a:xfrm>
+          <a:off x="0" y="0"/>
+          <a:ext cx="0" cy="0"/>
+          <a:chOff x="0" y="0"/>
+          <a:chExt cx="0" cy="0"/>
+        </a:xfrm>
+      </p:grpSpPr>
+      <p:sp>
+        <p:nvSpPr>
+          <p:cNvPr id="2" name="幻灯片图像占位符 1"/>
+          <p:cNvSpPr>
+            <a:spLocks noGrp="1" noRot="1" noChangeAspect="1"/>
+          </p:cNvSpPr>
+          <p:nvPr>
+            <p:ph type="sldImg"/>
+          </p:nvPr>
+        </p:nvSpPr>
+        <p:spPr/>
+      </p:sp>
+      <p:sp>
+        <p:nvSpPr>
+          <p:cNvPr id="3" name="备注占位符 2"/>
+          <p:cNvSpPr>
+            <a:spLocks noGrp="1"/>
+          </p:cNvSpPr>
+          <p:nvPr>
+            <p:ph type="body" idx="1"/>
+          </p:nvPr>
+        </p:nvSpPr>
+        <p:spPr/>
+        <p:txBody>
+          <a:bodyPr/>
+          <a:lstStyle/>
+          <a:p>
+            <a:endParaRPr kumimoji="1" lang="zh-CN" altLang="en-US" dirty="0"/>
+          </a:p>
+        </p:txBody>
+      </p:sp>
+      <p:sp>
+        <p:nvSpPr>
+          <p:cNvPr id="4" name="灯片编号占位符 3"/>
+          <p:cNvSpPr>
+            <a:spLocks noGrp="1"/>
+          </p:cNvSpPr>
+          <p:nvPr>
+            <p:ph type="sldNum" sz="quarter" idx="5"/>
+          </p:nvPr>
+        </p:nvSpPr>
+        <p:spPr/>
+        <p:txBody>
+          <a:bodyPr/>
+          <a:lstStyle/>
+          <a:p>
+            <a:fld id="{0F8E57A1-C481-6944-857F-EAC8E932B5ED}" type="slidenum">
+              <a:rPr kumimoji="1" lang="zh-CN" altLang="en-US" smtClean="0"/>
+              <a:t>36</a:t>
+            </a:fld>
+            <a:endParaRPr kumimoji="1" lang="zh-CN" altLang="en-US"/>
+          </a:p>
+        </p:txBody>
+      </p:sp>
+    </p:spTree>
+    <p:extLst>
+      <p:ext uri="{BB962C8B-B14F-4D97-AF65-F5344CB8AC3E}">
+        <p14:creationId xmlns:p14="http://schemas.microsoft.com/office/powerpoint/2010/main" val="2541675217"/>
+      </p:ext>
+    </p:extLst>
+  </p:cSld>
+  <p:clrMapOvr>
+    <a:masterClrMapping/>
+  </p:clrMapOvr>
+</p:notes>
+</file>
+
+<file path=ppt/notesSlides/notesSlide36.xml><?xml version="1.0" encoding="utf-8"?>
+<p:notes xmlns:a="http://schemas.openxmlformats.org/drawingml/2006/main" xmlns:r="http://schemas.openxmlformats.org/officeDocument/2006/relationships" xmlns:p="http://schemas.openxmlformats.org/presentationml/2006/main">
+  <p:cSld>
+    <p:spTree>
+      <p:nvGrpSpPr>
+        <p:cNvPr id="1" name=""/>
+        <p:cNvGrpSpPr/>
+        <p:nvPr/>
+      </p:nvGrpSpPr>
+      <p:grpSpPr>
+        <a:xfrm>
+          <a:off x="0" y="0"/>
+          <a:ext cx="0" cy="0"/>
+          <a:chOff x="0" y="0"/>
+          <a:chExt cx="0" cy="0"/>
+        </a:xfrm>
+      </p:grpSpPr>
+      <p:sp>
+        <p:nvSpPr>
+          <p:cNvPr id="2" name="幻灯片图像占位符 1"/>
+          <p:cNvSpPr>
+            <a:spLocks noGrp="1" noRot="1" noChangeAspect="1"/>
+          </p:cNvSpPr>
+          <p:nvPr>
+            <p:ph type="sldImg"/>
+          </p:nvPr>
+        </p:nvSpPr>
+        <p:spPr/>
+      </p:sp>
+      <p:sp>
+        <p:nvSpPr>
+          <p:cNvPr id="3" name="备注占位符 2"/>
+          <p:cNvSpPr>
+            <a:spLocks noGrp="1"/>
+          </p:cNvSpPr>
+          <p:nvPr>
+            <p:ph type="body" idx="1"/>
+          </p:nvPr>
+        </p:nvSpPr>
+        <p:spPr/>
+        <p:txBody>
+          <a:bodyPr/>
+          <a:lstStyle/>
+          <a:p>
+            <a:endParaRPr kumimoji="1" lang="zh-CN" altLang="en-US" dirty="0"/>
+          </a:p>
+        </p:txBody>
+      </p:sp>
+      <p:sp>
+        <p:nvSpPr>
+          <p:cNvPr id="4" name="灯片编号占位符 3"/>
+          <p:cNvSpPr>
+            <a:spLocks noGrp="1"/>
+          </p:cNvSpPr>
+          <p:nvPr>
+            <p:ph type="sldNum" sz="quarter" idx="5"/>
+          </p:nvPr>
+        </p:nvSpPr>
+        <p:spPr/>
+        <p:txBody>
+          <a:bodyPr/>
+          <a:lstStyle/>
+          <a:p>
+            <a:fld id="{0F8E57A1-C481-6944-857F-EAC8E932B5ED}" type="slidenum">
+              <a:rPr kumimoji="1" lang="zh-CN" altLang="en-US" smtClean="0"/>
+              <a:t>37</a:t>
+            </a:fld>
+            <a:endParaRPr kumimoji="1" lang="zh-CN" altLang="en-US"/>
+          </a:p>
+        </p:txBody>
+      </p:sp>
+    </p:spTree>
+    <p:extLst>
+      <p:ext uri="{BB962C8B-B14F-4D97-AF65-F5344CB8AC3E}">
+        <p14:creationId xmlns:p14="http://schemas.microsoft.com/office/powerpoint/2010/main" val="3272291297"/>
       </p:ext>
     </p:extLst>
   </p:cSld>
@@ -3077,10 +3250,7 @@
           <a:bodyPr/>
           <a:lstStyle/>
           <a:p>
-            <a:r>
-              <a:rPr kumimoji="1" lang="zh-CN" altLang="en-US" dirty="0"/>
-              <a:t>切换到代码演示</a:t>
-            </a:r>
+            <a:endParaRPr kumimoji="1" lang="zh-CN" altLang="en-US" dirty="0"/>
           </a:p>
         </p:txBody>
       </p:sp>
@@ -3546,10 +3716,7 @@
           <a:bodyPr/>
           <a:lstStyle/>
           <a:p>
-            <a:r>
-              <a:rPr kumimoji="1" lang="zh-CN" altLang="en-US" dirty="0"/>
-              <a:t>切换到代码演示</a:t>
-            </a:r>
+            <a:endParaRPr kumimoji="1" lang="zh-CN" altLang="en-US" dirty="0"/>
           </a:p>
         </p:txBody>
       </p:sp>
@@ -10296,96 +10463,6 @@
       </p:sp>
       <p:sp>
         <p:nvSpPr>
-          <p:cNvPr id="3" name="文本框 2">
-            <a:extLst>
-              <a:ext uri="{FF2B5EF4-FFF2-40B4-BE49-F238E27FC236}">
-                <a16:creationId xmlns:a16="http://schemas.microsoft.com/office/drawing/2014/main" id="{F9F2836E-84E2-5042-9CCF-7E3C3CE5B763}"/>
-              </a:ext>
-            </a:extLst>
-          </p:cNvPr>
-          <p:cNvSpPr txBox="1"/>
-          <p:nvPr/>
-        </p:nvSpPr>
-        <p:spPr>
-          <a:xfrm>
-            <a:off x="2486170" y="5804208"/>
-            <a:ext cx="7219660" cy="461665"/>
-          </a:xfrm>
-          <a:prstGeom prst="rect">
-            <a:avLst/>
-          </a:prstGeom>
-          <a:solidFill>
-            <a:schemeClr val="accent2"/>
-          </a:solidFill>
-        </p:spPr>
-        <p:txBody>
-          <a:bodyPr wrap="square" rtlCol="0">
-            <a:spAutoFit/>
-          </a:bodyPr>
-          <a:lstStyle/>
-          <a:p>
-            <a:r>
-              <a:rPr kumimoji="1" lang="zh-CN" altLang="en-US" sz="2400" dirty="0">
-                <a:solidFill>
-                  <a:schemeClr val="bg1"/>
-                </a:solidFill>
-                <a:latin typeface="Microsoft YaHei" panose="020B0503020204020204" pitchFamily="34" charset="-122"/>
-                <a:ea typeface="Microsoft YaHei" panose="020B0503020204020204" pitchFamily="34" charset="-122"/>
-              </a:rPr>
-              <a:t>看示例代码 </a:t>
-            </a:r>
-            <a:r>
-              <a:rPr kumimoji="1" lang="en-US" altLang="zh-CN" sz="2400" dirty="0">
-                <a:solidFill>
-                  <a:schemeClr val="bg1"/>
-                </a:solidFill>
-                <a:latin typeface="Microsoft YaHei" panose="020B0503020204020204" pitchFamily="34" charset="-122"/>
-                <a:ea typeface="Microsoft YaHei" panose="020B0503020204020204" pitchFamily="34" charset="-122"/>
-              </a:rPr>
-              <a:t>test</a:t>
-            </a:r>
-            <a:r>
-              <a:rPr kumimoji="1" lang="zh-CN" altLang="en-US" sz="2400" dirty="0">
-                <a:solidFill>
-                  <a:schemeClr val="bg1"/>
-                </a:solidFill>
-                <a:latin typeface="Microsoft YaHei" panose="020B0503020204020204" pitchFamily="34" charset="-122"/>
-                <a:ea typeface="Microsoft YaHei" panose="020B0503020204020204" pitchFamily="34" charset="-122"/>
-              </a:rPr>
-              <a:t>类中的 </a:t>
-            </a:r>
-            <a:r>
-              <a:rPr kumimoji="1" lang="en-US" altLang="zh-CN" sz="2400" dirty="0" err="1">
-                <a:solidFill>
-                  <a:schemeClr val="bg1"/>
-                </a:solidFill>
-                <a:latin typeface="Microsoft YaHei" panose="020B0503020204020204" pitchFamily="34" charset="-122"/>
-                <a:ea typeface="Microsoft YaHei" panose="020B0503020204020204" pitchFamily="34" charset="-122"/>
-              </a:rPr>
-              <a:t>comparableExample</a:t>
-            </a:r>
-            <a:r>
-              <a:rPr kumimoji="1" lang="zh-CN" altLang="en-US" sz="2400" dirty="0">
-                <a:solidFill>
-                  <a:schemeClr val="bg1"/>
-                </a:solidFill>
-                <a:latin typeface="Microsoft YaHei" panose="020B0503020204020204" pitchFamily="34" charset="-122"/>
-                <a:ea typeface="Microsoft YaHei" panose="020B0503020204020204" pitchFamily="34" charset="-122"/>
-              </a:rPr>
-              <a:t>（）</a:t>
-            </a:r>
-            <a:endParaRPr kumimoji="1" lang="en-US" altLang="zh-CN" sz="2400" dirty="0">
-              <a:solidFill>
-                <a:schemeClr val="bg1"/>
-              </a:solidFill>
-              <a:latin typeface="Microsoft YaHei" panose="020B0503020204020204" pitchFamily="34" charset="-122"/>
-              <a:ea typeface="Microsoft YaHei" panose="020B0503020204020204" pitchFamily="34" charset="-122"/>
-            </a:endParaRPr>
-          </a:p>
-        </p:txBody>
-      </p:sp>
-      <p:sp>
-        <p:nvSpPr>
           <p:cNvPr id="4" name="文本框 3">
             <a:extLst>
               <a:ext uri="{FF2B5EF4-FFF2-40B4-BE49-F238E27FC236}">
@@ -10440,6 +10517,17 @@
               </a:rPr>
               <a:t>sort</a:t>
             </a:r>
+            <a:r>
+              <a:rPr kumimoji="1" lang="zh-CN" altLang="en-US" sz="2400" dirty="0">
+                <a:latin typeface="Microsoft YaHei" panose="020B0503020204020204" pitchFamily="34" charset="-122"/>
+                <a:ea typeface="Microsoft YaHei" panose="020B0503020204020204" pitchFamily="34" charset="-122"/>
+              </a:rPr>
+              <a:t>：</a:t>
+            </a:r>
+            <a:endParaRPr kumimoji="1" lang="en-US" altLang="zh-CN" sz="2400" dirty="0">
+              <a:latin typeface="Microsoft YaHei" panose="020B0503020204020204" pitchFamily="34" charset="-122"/>
+              <a:ea typeface="Microsoft YaHei" panose="020B0503020204020204" pitchFamily="34" charset="-122"/>
+            </a:endParaRPr>
           </a:p>
           <a:p>
             <a:endParaRPr kumimoji="1" lang="en-US" altLang="zh-CN" sz="2400" dirty="0">
@@ -10612,32 +10700,18 @@
           <a:p>
             <a:pPr algn="ctr"/>
             <a:r>
+              <a:rPr kumimoji="1" lang="en-US" altLang="zh-CN" sz="4800" dirty="0">
+                <a:latin typeface="Microsoft YaHei" panose="020B0503020204020204" pitchFamily="34" charset="-122"/>
+                <a:ea typeface="Microsoft YaHei" panose="020B0503020204020204" pitchFamily="34" charset="-122"/>
+              </a:rPr>
+              <a:t>Comparable</a:t>
+            </a:r>
+            <a:r>
               <a:rPr kumimoji="1" lang="zh-CN" altLang="en-US" sz="4800" dirty="0">
                 <a:latin typeface="Microsoft YaHei" panose="020B0503020204020204" pitchFamily="34" charset="-122"/>
                 <a:ea typeface="Microsoft YaHei" panose="020B0503020204020204" pitchFamily="34" charset="-122"/>
               </a:rPr>
-              <a:t>扩展：</a:t>
-            </a:r>
-            <a:r>
-              <a:rPr kumimoji="1" lang="en-US" altLang="zh-CN" sz="4800" dirty="0">
-                <a:latin typeface="Microsoft YaHei" panose="020B0503020204020204" pitchFamily="34" charset="-122"/>
-                <a:ea typeface="Microsoft YaHei" panose="020B0503020204020204" pitchFamily="34" charset="-122"/>
-              </a:rPr>
-              <a:t>Comparable</a:t>
-            </a:r>
-            <a:r>
-              <a:rPr kumimoji="1" lang="zh-CN" altLang="en-US" sz="4800" dirty="0">
-                <a:latin typeface="Microsoft YaHei" panose="020B0503020204020204" pitchFamily="34" charset="-122"/>
-                <a:ea typeface="Microsoft YaHei" panose="020B0503020204020204" pitchFamily="34" charset="-122"/>
-              </a:rPr>
-              <a:t>与</a:t>
-            </a:r>
-            <a:r>
-              <a:rPr kumimoji="1" lang="en-US" altLang="zh-CN" sz="4800" dirty="0">
-                <a:latin typeface="Microsoft YaHei" panose="020B0503020204020204" pitchFamily="34" charset="-122"/>
-                <a:ea typeface="Microsoft YaHei" panose="020B0503020204020204" pitchFamily="34" charset="-122"/>
-              </a:rPr>
-              <a:t>equals()</a:t>
+              <a:t>接口例子</a:t>
             </a:r>
             <a:endParaRPr kumimoji="1" lang="en-US" altLang="zh-CN" sz="4800" dirty="0">
               <a:ea typeface="Microsoft YaHei" panose="020B0503020204020204" pitchFamily="34" charset="-122"/>
@@ -10645,12 +10719,42 @@
           </a:p>
         </p:txBody>
       </p:sp>
-      <p:sp>
-        <p:nvSpPr>
-          <p:cNvPr id="4" name="文本框 3">
+      <p:pic>
+        <p:nvPicPr>
+          <p:cNvPr id="5" name="图片 4">
             <a:extLst>
               <a:ext uri="{FF2B5EF4-FFF2-40B4-BE49-F238E27FC236}">
-                <a16:creationId xmlns:a16="http://schemas.microsoft.com/office/drawing/2014/main" id="{2BB02E27-C848-D44A-8CEF-FC1116E7786B}"/>
+                <a16:creationId xmlns:a16="http://schemas.microsoft.com/office/drawing/2014/main" id="{E5B3B3C0-8F43-9544-ADB6-FB3800D236E0}"/>
+              </a:ext>
+            </a:extLst>
+          </p:cNvPr>
+          <p:cNvPicPr>
+            <a:picLocks noChangeAspect="1"/>
+          </p:cNvPicPr>
+          <p:nvPr/>
+        </p:nvPicPr>
+        <p:blipFill>
+          <a:blip r:embed="rId4"/>
+          <a:stretch>
+            <a:fillRect/>
+          </a:stretch>
+        </p:blipFill>
+        <p:spPr>
+          <a:xfrm>
+            <a:off x="7636765" y="2047241"/>
+            <a:ext cx="3695700" cy="3987800"/>
+          </a:xfrm>
+          <a:prstGeom prst="rect">
+            <a:avLst/>
+          </a:prstGeom>
+        </p:spPr>
+      </p:pic>
+      <p:sp>
+        <p:nvSpPr>
+          <p:cNvPr id="6" name="文本框 5">
+            <a:extLst>
+              <a:ext uri="{FF2B5EF4-FFF2-40B4-BE49-F238E27FC236}">
+                <a16:creationId xmlns:a16="http://schemas.microsoft.com/office/drawing/2014/main" id="{3428AAFA-3062-BD40-B614-EFD495F17E5E}"/>
               </a:ext>
             </a:extLst>
           </p:cNvPr>
@@ -10659,8 +10763,8 @@
         </p:nvSpPr>
         <p:spPr>
           <a:xfrm>
-            <a:off x="1316736" y="2695479"/>
-            <a:ext cx="10277856" cy="1569660"/>
+            <a:off x="932687" y="2517647"/>
+            <a:ext cx="4736593" cy="3046988"/>
           </a:xfrm>
           <a:prstGeom prst="rect">
             <a:avLst/>
@@ -10678,49 +10782,49 @@
                 <a:latin typeface="Microsoft YaHei" panose="020B0503020204020204" pitchFamily="34" charset="-122"/>
                 <a:ea typeface="Microsoft YaHei" panose="020B0503020204020204" pitchFamily="34" charset="-122"/>
               </a:rPr>
-              <a:t>之前我们学了 重写</a:t>
+              <a:t>右边是</a:t>
             </a:r>
             <a:r>
               <a:rPr kumimoji="1" lang="en-US" altLang="zh-CN" sz="2400" dirty="0">
                 <a:latin typeface="Microsoft YaHei" panose="020B0503020204020204" pitchFamily="34" charset="-122"/>
                 <a:ea typeface="Microsoft YaHei" panose="020B0503020204020204" pitchFamily="34" charset="-122"/>
               </a:rPr>
-              <a:t>Object</a:t>
+              <a:t>Student</a:t>
             </a:r>
             <a:r>
               <a:rPr kumimoji="1" lang="zh-CN" altLang="en-US" sz="2400" dirty="0">
                 <a:latin typeface="Microsoft YaHei" panose="020B0503020204020204" pitchFamily="34" charset="-122"/>
                 <a:ea typeface="Microsoft YaHei" panose="020B0503020204020204" pitchFamily="34" charset="-122"/>
               </a:rPr>
-              <a:t>类的 </a:t>
+              <a:t> 实现</a:t>
             </a:r>
             <a:r>
               <a:rPr kumimoji="1" lang="en-US" altLang="zh-CN" sz="2400" dirty="0">
                 <a:latin typeface="Microsoft YaHei" panose="020B0503020204020204" pitchFamily="34" charset="-122"/>
                 <a:ea typeface="Microsoft YaHei" panose="020B0503020204020204" pitchFamily="34" charset="-122"/>
               </a:rPr>
-              <a:t>equals</a:t>
+              <a:t>Comparable</a:t>
             </a:r>
             <a:r>
               <a:rPr kumimoji="1" lang="zh-CN" altLang="en-US" sz="2400" dirty="0">
                 <a:latin typeface="Microsoft YaHei" panose="020B0503020204020204" pitchFamily="34" charset="-122"/>
                 <a:ea typeface="Microsoft YaHei" panose="020B0503020204020204" pitchFamily="34" charset="-122"/>
               </a:rPr>
-              <a:t>方法，请查询 其与 </a:t>
+              <a:t>接口的 </a:t>
             </a:r>
             <a:r>
               <a:rPr kumimoji="1" lang="en-US" altLang="zh-CN" sz="2400" dirty="0">
                 <a:latin typeface="Microsoft YaHei" panose="020B0503020204020204" pitchFamily="34" charset="-122"/>
                 <a:ea typeface="Microsoft YaHei" panose="020B0503020204020204" pitchFamily="34" charset="-122"/>
               </a:rPr>
-              <a:t>Comparable</a:t>
+              <a:t>UML</a:t>
             </a:r>
             <a:r>
               <a:rPr kumimoji="1" lang="zh-CN" altLang="en-US" sz="2400" dirty="0">
                 <a:latin typeface="Microsoft YaHei" panose="020B0503020204020204" pitchFamily="34" charset="-122"/>
                 <a:ea typeface="Microsoft YaHei" panose="020B0503020204020204" pitchFamily="34" charset="-122"/>
               </a:rPr>
-              <a:t>的相同点和不同点</a:t>
+              <a:t>图。 </a:t>
             </a:r>
             <a:endParaRPr kumimoji="1" lang="en-US" altLang="zh-CN" sz="2400" dirty="0">
               <a:latin typeface="Microsoft YaHei" panose="020B0503020204020204" pitchFamily="34" charset="-122"/>
@@ -10735,75 +10839,128 @@
           </a:p>
           <a:p>
             <a:r>
-              <a:rPr kumimoji="1" lang="zh-CN" altLang="en-US" sz="2400" dirty="0">
-                <a:latin typeface="Microsoft YaHei" panose="020B0503020204020204" pitchFamily="34" charset="-122"/>
-                <a:ea typeface="Microsoft YaHei" panose="020B0503020204020204" pitchFamily="34" charset="-122"/>
-              </a:rPr>
-              <a:t>提示：</a:t>
-            </a:r>
-            <a:r>
-              <a:rPr kumimoji="1" lang="en-US" altLang="zh-CN" sz="2400" dirty="0">
-                <a:latin typeface="Microsoft YaHei" panose="020B0503020204020204" pitchFamily="34" charset="-122"/>
-                <a:ea typeface="Microsoft YaHei" panose="020B0503020204020204" pitchFamily="34" charset="-122"/>
-              </a:rPr>
-              <a:t>《Effective</a:t>
-            </a:r>
-            <a:r>
-              <a:rPr kumimoji="1" lang="zh-CN" altLang="en-US" sz="2400" dirty="0">
-                <a:latin typeface="Microsoft YaHei" panose="020B0503020204020204" pitchFamily="34" charset="-122"/>
-                <a:ea typeface="Microsoft YaHei" panose="020B0503020204020204" pitchFamily="34" charset="-122"/>
-              </a:rPr>
-              <a:t> </a:t>
-            </a:r>
-            <a:r>
-              <a:rPr kumimoji="1" lang="en-US" altLang="zh-CN" sz="2400" dirty="0">
-                <a:latin typeface="Microsoft YaHei" panose="020B0503020204020204" pitchFamily="34" charset="-122"/>
-                <a:ea typeface="Microsoft YaHei" panose="020B0503020204020204" pitchFamily="34" charset="-122"/>
-              </a:rPr>
-              <a:t>Java》</a:t>
-            </a:r>
-            <a:r>
-              <a:rPr kumimoji="1" lang="zh-CN" altLang="en-US" sz="2400" dirty="0">
-                <a:latin typeface="Microsoft YaHei" panose="020B0503020204020204" pitchFamily="34" charset="-122"/>
-                <a:ea typeface="Microsoft YaHei" panose="020B0503020204020204" pitchFamily="34" charset="-122"/>
-              </a:rPr>
-              <a:t>中有一条款 </a:t>
-            </a:r>
-            <a:r>
-              <a:rPr kumimoji="1" lang="en-US" altLang="zh-CN" sz="2400" dirty="0">
-                <a:latin typeface="Microsoft YaHei" panose="020B0503020204020204" pitchFamily="34" charset="-122"/>
-                <a:ea typeface="Microsoft YaHei" panose="020B0503020204020204" pitchFamily="34" charset="-122"/>
-                <a:hlinkClick r:id="rId4"/>
-              </a:rPr>
-              <a:t>effective Java ---</a:t>
-            </a:r>
-            <a:r>
-              <a:rPr kumimoji="1" lang="zh-CN" altLang="en-US" sz="2400" dirty="0">
-                <a:latin typeface="Microsoft YaHei" panose="020B0503020204020204" pitchFamily="34" charset="-122"/>
-                <a:ea typeface="Microsoft YaHei" panose="020B0503020204020204" pitchFamily="34" charset="-122"/>
-                <a:hlinkClick r:id="rId4"/>
-              </a:rPr>
-              <a:t>实现</a:t>
-            </a:r>
-            <a:r>
-              <a:rPr kumimoji="1" lang="en-US" altLang="zh-CN" sz="2400" dirty="0">
-                <a:latin typeface="Microsoft YaHei" panose="020B0503020204020204" pitchFamily="34" charset="-122"/>
-                <a:ea typeface="Microsoft YaHei" panose="020B0503020204020204" pitchFamily="34" charset="-122"/>
-                <a:hlinkClick r:id="rId4"/>
-              </a:rPr>
-              <a:t>Comparable</a:t>
-            </a:r>
-            <a:endParaRPr kumimoji="1" lang="zh-CN" altLang="en-US" sz="2400" dirty="0">
+              <a:rPr kumimoji="1" lang="zh-CN" altLang="en-US" sz="2400" b="1" u="sng" dirty="0">
+                <a:latin typeface="Microsoft YaHei" panose="020B0503020204020204" pitchFamily="34" charset="-122"/>
+                <a:ea typeface="Microsoft YaHei" panose="020B0503020204020204" pitchFamily="34" charset="-122"/>
+              </a:rPr>
+              <a:t>注意箭头和线条的画法。</a:t>
+            </a:r>
+            <a:endParaRPr kumimoji="1" lang="en-US" altLang="zh-CN" sz="2400" b="1" u="sng" dirty="0">
               <a:latin typeface="Microsoft YaHei" panose="020B0503020204020204" pitchFamily="34" charset="-122"/>
               <a:ea typeface="Microsoft YaHei" panose="020B0503020204020204" pitchFamily="34" charset="-122"/>
             </a:endParaRPr>
           </a:p>
+          <a:p>
+            <a:endParaRPr kumimoji="1" lang="en-US" altLang="zh-CN" sz="2400" dirty="0">
+              <a:latin typeface="Microsoft YaHei" panose="020B0503020204020204" pitchFamily="34" charset="-122"/>
+              <a:ea typeface="Microsoft YaHei" panose="020B0503020204020204" pitchFamily="34" charset="-122"/>
+            </a:endParaRPr>
+          </a:p>
+          <a:p>
+            <a:r>
+              <a:rPr kumimoji="1" lang="zh-CN" altLang="en-US" sz="2400" dirty="0">
+                <a:latin typeface="Microsoft YaHei" panose="020B0503020204020204" pitchFamily="34" charset="-122"/>
+                <a:ea typeface="Microsoft YaHei" panose="020B0503020204020204" pitchFamily="34" charset="-122"/>
+              </a:rPr>
+              <a:t>和继承普通父类相比有一点不同：接口用的是虚线，普通继承用的是实线。</a:t>
+            </a:r>
+          </a:p>
+        </p:txBody>
+      </p:sp>
+      <p:sp>
+        <p:nvSpPr>
+          <p:cNvPr id="7" name="文本框 6">
+            <a:extLst>
+              <a:ext uri="{FF2B5EF4-FFF2-40B4-BE49-F238E27FC236}">
+                <a16:creationId xmlns:a16="http://schemas.microsoft.com/office/drawing/2014/main" id="{24F6BFEB-7FFE-7E44-B2DE-27BBBDB2EE8C}"/>
+              </a:ext>
+            </a:extLst>
+          </p:cNvPr>
+          <p:cNvSpPr txBox="1"/>
+          <p:nvPr/>
+        </p:nvSpPr>
+        <p:spPr>
+          <a:xfrm>
+            <a:off x="2896748" y="6197493"/>
+            <a:ext cx="7219660" cy="461665"/>
+          </a:xfrm>
+          <a:prstGeom prst="rect">
+            <a:avLst/>
+          </a:prstGeom>
+          <a:solidFill>
+            <a:schemeClr val="accent2"/>
+          </a:solidFill>
+        </p:spPr>
+        <p:txBody>
+          <a:bodyPr wrap="square" rtlCol="0">
+            <a:spAutoFit/>
+          </a:bodyPr>
+          <a:lstStyle/>
+          <a:p>
+            <a:r>
+              <a:rPr kumimoji="1" lang="zh-CN" altLang="en-US" sz="2400" dirty="0">
+                <a:solidFill>
+                  <a:schemeClr val="bg1"/>
+                </a:solidFill>
+                <a:latin typeface="Microsoft YaHei" panose="020B0503020204020204" pitchFamily="34" charset="-122"/>
+                <a:ea typeface="Microsoft YaHei" panose="020B0503020204020204" pitchFamily="34" charset="-122"/>
+              </a:rPr>
+              <a:t>看示例代码 </a:t>
+            </a:r>
+            <a:r>
+              <a:rPr kumimoji="1" lang="en-US" altLang="zh-CN" sz="2400" dirty="0">
+                <a:solidFill>
+                  <a:schemeClr val="bg1"/>
+                </a:solidFill>
+                <a:latin typeface="Microsoft YaHei" panose="020B0503020204020204" pitchFamily="34" charset="-122"/>
+                <a:ea typeface="Microsoft YaHei" panose="020B0503020204020204" pitchFamily="34" charset="-122"/>
+              </a:rPr>
+              <a:t>test</a:t>
+            </a:r>
+            <a:r>
+              <a:rPr kumimoji="1" lang="zh-CN" altLang="en-US" sz="2400" dirty="0">
+                <a:solidFill>
+                  <a:schemeClr val="bg1"/>
+                </a:solidFill>
+                <a:latin typeface="Microsoft YaHei" panose="020B0503020204020204" pitchFamily="34" charset="-122"/>
+                <a:ea typeface="Microsoft YaHei" panose="020B0503020204020204" pitchFamily="34" charset="-122"/>
+              </a:rPr>
+              <a:t>类中的 </a:t>
+            </a:r>
+            <a:r>
+              <a:rPr kumimoji="1" lang="en-US" altLang="zh-CN" sz="2400" dirty="0" err="1">
+                <a:solidFill>
+                  <a:schemeClr val="bg1"/>
+                </a:solidFill>
+                <a:latin typeface="Microsoft YaHei" panose="020B0503020204020204" pitchFamily="34" charset="-122"/>
+                <a:ea typeface="Microsoft YaHei" panose="020B0503020204020204" pitchFamily="34" charset="-122"/>
+              </a:rPr>
+              <a:t>comparableExample</a:t>
+            </a:r>
+            <a:r>
+              <a:rPr kumimoji="1" lang="zh-CN" altLang="en-US" sz="2400" dirty="0">
+                <a:solidFill>
+                  <a:schemeClr val="bg1"/>
+                </a:solidFill>
+                <a:latin typeface="Microsoft YaHei" panose="020B0503020204020204" pitchFamily="34" charset="-122"/>
+                <a:ea typeface="Microsoft YaHei" panose="020B0503020204020204" pitchFamily="34" charset="-122"/>
+              </a:rPr>
+              <a:t>（）</a:t>
+            </a:r>
+            <a:endParaRPr kumimoji="1" lang="en-US" altLang="zh-CN" sz="2400" dirty="0">
+              <a:solidFill>
+                <a:schemeClr val="bg1"/>
+              </a:solidFill>
+              <a:latin typeface="Microsoft YaHei" panose="020B0503020204020204" pitchFamily="34" charset="-122"/>
+              <a:ea typeface="Microsoft YaHei" panose="020B0503020204020204" pitchFamily="34" charset="-122"/>
+            </a:endParaRPr>
+          </a:p>
         </p:txBody>
       </p:sp>
     </p:spTree>
     <p:extLst>
       <p:ext uri="{BB962C8B-B14F-4D97-AF65-F5344CB8AC3E}">
-        <p14:creationId xmlns:p14="http://schemas.microsoft.com/office/powerpoint/2010/main" val="4039011780"/>
+        <p14:creationId xmlns:p14="http://schemas.microsoft.com/office/powerpoint/2010/main" val="1074776157"/>
       </p:ext>
     </p:extLst>
   </p:cSld>
@@ -10892,8 +11049,8 @@
         </p:nvSpPr>
         <p:spPr>
           <a:xfrm>
-            <a:off x="3891600" y="840931"/>
-            <a:ext cx="7443216" cy="6017069"/>
+            <a:off x="3160080" y="837188"/>
+            <a:ext cx="7443216" cy="6356586"/>
           </a:xfrm>
           <a:prstGeom prst="rect">
             <a:avLst/>
@@ -10906,7 +11063,7 @@
           </a:bodyPr>
           <a:lstStyle/>
           <a:p>
-            <a:endParaRPr kumimoji="1" lang="en-US" altLang="zh-CN" sz="2400" dirty="0">
+            <a:endParaRPr kumimoji="1" lang="en-US" altLang="zh-CN" dirty="0">
               <a:latin typeface="Microsoft YaHei" panose="020B0503020204020204" pitchFamily="34" charset="-122"/>
               <a:ea typeface="Microsoft YaHei" panose="020B0503020204020204" pitchFamily="34" charset="-122"/>
             </a:endParaRPr>
@@ -10920,27 +11077,27 @@
               <a:buChar char="Ø"/>
             </a:pPr>
             <a:r>
-              <a:rPr kumimoji="1" lang="zh-CN" altLang="en-US" sz="2400" dirty="0">
+              <a:rPr kumimoji="1" lang="zh-CN" altLang="en-US" dirty="0">
                 <a:latin typeface="Microsoft YaHei" panose="020B0503020204020204" pitchFamily="34" charset="-122"/>
                 <a:ea typeface="Microsoft YaHei" panose="020B0503020204020204" pitchFamily="34" charset="-122"/>
               </a:rPr>
               <a:t>面向对象</a:t>
             </a:r>
             <a:r>
-              <a:rPr kumimoji="1" lang="en-US" altLang="zh-CN" sz="2400" dirty="0">
+              <a:rPr kumimoji="1" lang="en-US" altLang="zh-CN" dirty="0">
                 <a:latin typeface="Microsoft YaHei" panose="020B0503020204020204" pitchFamily="34" charset="-122"/>
                 <a:ea typeface="Microsoft YaHei" panose="020B0503020204020204" pitchFamily="34" charset="-122"/>
               </a:rPr>
               <a:t>---</a:t>
             </a:r>
             <a:r>
-              <a:rPr kumimoji="1" lang="zh-CN" altLang="en-US" sz="2400" dirty="0">
+              <a:rPr kumimoji="1" lang="zh-CN" altLang="en-US" dirty="0">
                 <a:latin typeface="Microsoft YaHei" panose="020B0503020204020204" pitchFamily="34" charset="-122"/>
                 <a:ea typeface="Microsoft YaHei" panose="020B0503020204020204" pitchFamily="34" charset="-122"/>
               </a:rPr>
               <a:t>抽象类</a:t>
             </a:r>
-            <a:endParaRPr kumimoji="1" lang="en-US" altLang="zh-CN" sz="2400" dirty="0">
+            <a:endParaRPr kumimoji="1" lang="en-US" altLang="zh-CN" dirty="0">
               <a:latin typeface="Microsoft YaHei" panose="020B0503020204020204" pitchFamily="34" charset="-122"/>
               <a:ea typeface="Microsoft YaHei" panose="020B0503020204020204" pitchFamily="34" charset="-122"/>
             </a:endParaRPr>
@@ -10954,13 +11111,13 @@
               <a:buChar char="Ø"/>
             </a:pPr>
             <a:r>
-              <a:rPr kumimoji="1" lang="zh-CN" altLang="en-US" sz="2400" dirty="0">
-                <a:latin typeface="Microsoft YaHei" panose="020B0503020204020204" pitchFamily="34" charset="-122"/>
-                <a:ea typeface="Microsoft YaHei" panose="020B0503020204020204" pitchFamily="34" charset="-122"/>
-              </a:rPr>
-              <a:t>抽象类和抽象方法</a:t>
-            </a:r>
-            <a:endParaRPr kumimoji="1" lang="en-US" altLang="zh-CN" sz="2400" dirty="0">
+              <a:rPr kumimoji="1" lang="zh-CN" altLang="en-US" dirty="0">
+                <a:latin typeface="Microsoft YaHei" panose="020B0503020204020204" pitchFamily="34" charset="-122"/>
+                <a:ea typeface="Microsoft YaHei" panose="020B0503020204020204" pitchFamily="34" charset="-122"/>
+              </a:rPr>
+              <a:t>抽象类和抽象方法及其注意点</a:t>
+            </a:r>
+            <a:endParaRPr kumimoji="1" lang="en-US" altLang="zh-CN" dirty="0">
               <a:latin typeface="Microsoft YaHei" panose="020B0503020204020204" pitchFamily="34" charset="-122"/>
               <a:ea typeface="Microsoft YaHei" panose="020B0503020204020204" pitchFamily="34" charset="-122"/>
             </a:endParaRPr>
@@ -10974,13 +11131,53 @@
               <a:buChar char="Ø"/>
             </a:pPr>
             <a:r>
-              <a:rPr kumimoji="1" lang="zh-CN" altLang="en-US" sz="2400" dirty="0">
-                <a:latin typeface="Microsoft YaHei" panose="020B0503020204020204" pitchFamily="34" charset="-122"/>
-                <a:ea typeface="Microsoft YaHei" panose="020B0503020204020204" pitchFamily="34" charset="-122"/>
-              </a:rPr>
-              <a:t>为什么要有抽象类和抽象方法</a:t>
-            </a:r>
-            <a:endParaRPr kumimoji="1" lang="en-US" altLang="zh-CN" sz="2400" dirty="0">
+              <a:rPr kumimoji="1" lang="zh-CN" altLang="en-US" dirty="0">
+                <a:latin typeface="Microsoft YaHei" panose="020B0503020204020204" pitchFamily="34" charset="-122"/>
+                <a:ea typeface="Microsoft YaHei" panose="020B0503020204020204" pitchFamily="34" charset="-122"/>
+              </a:rPr>
+              <a:t>扩展思考</a:t>
+            </a:r>
+            <a:endParaRPr kumimoji="1" lang="en-US" altLang="zh-CN" dirty="0">
+              <a:latin typeface="Microsoft YaHei" panose="020B0503020204020204" pitchFamily="34" charset="-122"/>
+              <a:ea typeface="Microsoft YaHei" panose="020B0503020204020204" pitchFamily="34" charset="-122"/>
+            </a:endParaRPr>
+          </a:p>
+          <a:p>
+            <a:pPr marL="1485900" lvl="2" indent="-571500">
+              <a:lnSpc>
+                <a:spcPct val="150000"/>
+              </a:lnSpc>
+              <a:buFont typeface="Wingdings" pitchFamily="2" charset="2"/>
+              <a:buChar char="Ø"/>
+            </a:pPr>
+            <a:r>
+              <a:rPr kumimoji="1" lang="zh-CN" altLang="en-US" dirty="0">
+                <a:latin typeface="Microsoft YaHei" panose="020B0503020204020204" pitchFamily="34" charset="-122"/>
+                <a:ea typeface="Microsoft YaHei" panose="020B0503020204020204" pitchFamily="34" charset="-122"/>
+              </a:rPr>
+              <a:t>为什要用抽象类</a:t>
+            </a:r>
+            <a:endParaRPr kumimoji="1" lang="en-US" altLang="zh-CN" dirty="0">
+              <a:latin typeface="Microsoft YaHei" panose="020B0503020204020204" pitchFamily="34" charset="-122"/>
+              <a:ea typeface="Microsoft YaHei" panose="020B0503020204020204" pitchFamily="34" charset="-122"/>
+            </a:endParaRPr>
+          </a:p>
+          <a:p>
+            <a:pPr marL="1485900" lvl="2" indent="-571500">
+              <a:lnSpc>
+                <a:spcPct val="150000"/>
+              </a:lnSpc>
+              <a:buFont typeface="Wingdings" pitchFamily="2" charset="2"/>
+              <a:buChar char="Ø"/>
+            </a:pPr>
+            <a:r>
+              <a:rPr kumimoji="1" lang="zh-CN" altLang="en-US" dirty="0">
+                <a:latin typeface="Microsoft YaHei" panose="020B0503020204020204" pitchFamily="34" charset="-122"/>
+                <a:ea typeface="Microsoft YaHei" panose="020B0503020204020204" pitchFamily="34" charset="-122"/>
+              </a:rPr>
+              <a:t>抽象类的构造函数的作用</a:t>
+            </a:r>
+            <a:endParaRPr kumimoji="1" lang="en-US" altLang="zh-CN" dirty="0">
               <a:latin typeface="Microsoft YaHei" panose="020B0503020204020204" pitchFamily="34" charset="-122"/>
               <a:ea typeface="Microsoft YaHei" panose="020B0503020204020204" pitchFamily="34" charset="-122"/>
             </a:endParaRPr>
@@ -10994,13 +11191,13 @@
               <a:buChar char="Ø"/>
             </a:pPr>
             <a:r>
-              <a:rPr kumimoji="1" lang="zh-CN" altLang="en-US" sz="2400" dirty="0">
-                <a:latin typeface="Microsoft YaHei" panose="020B0503020204020204" pitchFamily="34" charset="-122"/>
-                <a:ea typeface="Microsoft YaHei" panose="020B0503020204020204" pitchFamily="34" charset="-122"/>
-              </a:rPr>
-              <a:t>抽象类的一些注意点</a:t>
-            </a:r>
-            <a:endParaRPr kumimoji="1" lang="en-US" altLang="zh-CN" sz="2400" dirty="0">
+              <a:rPr kumimoji="1" lang="zh-CN" altLang="en-US" dirty="0">
+                <a:latin typeface="Microsoft YaHei" panose="020B0503020204020204" pitchFamily="34" charset="-122"/>
+                <a:ea typeface="Microsoft YaHei" panose="020B0503020204020204" pitchFamily="34" charset="-122"/>
+              </a:rPr>
+              <a:t>抽象类有助理解的一些唠叨</a:t>
+            </a:r>
+            <a:endParaRPr kumimoji="1" lang="en-US" altLang="zh-CN" dirty="0">
               <a:latin typeface="Microsoft YaHei" panose="020B0503020204020204" pitchFamily="34" charset="-122"/>
               <a:ea typeface="Microsoft YaHei" panose="020B0503020204020204" pitchFamily="34" charset="-122"/>
             </a:endParaRPr>
@@ -11014,13 +11211,13 @@
               <a:buChar char="Ø"/>
             </a:pPr>
             <a:r>
-              <a:rPr kumimoji="1" lang="zh-CN" altLang="en-US" sz="2400" dirty="0">
+              <a:rPr kumimoji="1" lang="zh-CN" altLang="en-US" dirty="0">
                 <a:latin typeface="Microsoft YaHei" panose="020B0503020204020204" pitchFamily="34" charset="-122"/>
                 <a:ea typeface="Microsoft YaHei" panose="020B0503020204020204" pitchFamily="34" charset="-122"/>
               </a:rPr>
               <a:t>示例</a:t>
             </a:r>
-            <a:endParaRPr kumimoji="1" lang="en-US" altLang="zh-CN" sz="2400" dirty="0">
+            <a:endParaRPr kumimoji="1" lang="en-US" altLang="zh-CN" dirty="0">
               <a:latin typeface="Microsoft YaHei" panose="020B0503020204020204" pitchFamily="34" charset="-122"/>
               <a:ea typeface="Microsoft YaHei" panose="020B0503020204020204" pitchFamily="34" charset="-122"/>
             </a:endParaRPr>
@@ -11034,27 +11231,27 @@
               <a:buChar char="Ø"/>
             </a:pPr>
             <a:r>
-              <a:rPr kumimoji="1" lang="zh-CN" altLang="en-US" sz="2400" dirty="0">
+              <a:rPr kumimoji="1" lang="zh-CN" altLang="en-US" dirty="0">
                 <a:latin typeface="Microsoft YaHei" panose="020B0503020204020204" pitchFamily="34" charset="-122"/>
                 <a:ea typeface="Microsoft YaHei" panose="020B0503020204020204" pitchFamily="34" charset="-122"/>
               </a:rPr>
               <a:t>面向对象</a:t>
             </a:r>
             <a:r>
-              <a:rPr kumimoji="1" lang="en-US" altLang="zh-CN" sz="2400" dirty="0">
+              <a:rPr kumimoji="1" lang="en-US" altLang="zh-CN" dirty="0">
                 <a:latin typeface="Microsoft YaHei" panose="020B0503020204020204" pitchFamily="34" charset="-122"/>
                 <a:ea typeface="Microsoft YaHei" panose="020B0503020204020204" pitchFamily="34" charset="-122"/>
               </a:rPr>
               <a:t>---</a:t>
             </a:r>
             <a:r>
-              <a:rPr kumimoji="1" lang="zh-CN" altLang="en-US" sz="2400" dirty="0">
+              <a:rPr kumimoji="1" lang="zh-CN" altLang="en-US" dirty="0">
                 <a:latin typeface="Microsoft YaHei" panose="020B0503020204020204" pitchFamily="34" charset="-122"/>
                 <a:ea typeface="Microsoft YaHei" panose="020B0503020204020204" pitchFamily="34" charset="-122"/>
               </a:rPr>
               <a:t>接口</a:t>
             </a:r>
-            <a:endParaRPr kumimoji="1" lang="en-US" altLang="zh-CN" sz="2400" dirty="0">
+            <a:endParaRPr kumimoji="1" lang="en-US" altLang="zh-CN" dirty="0">
               <a:latin typeface="Microsoft YaHei" panose="020B0503020204020204" pitchFamily="34" charset="-122"/>
               <a:ea typeface="Microsoft YaHei" panose="020B0503020204020204" pitchFamily="34" charset="-122"/>
             </a:endParaRPr>
@@ -11068,13 +11265,13 @@
               <a:buChar char="Ø"/>
             </a:pPr>
             <a:r>
-              <a:rPr kumimoji="1" lang="zh-CN" altLang="en-US" sz="2400" dirty="0">
-                <a:latin typeface="Microsoft YaHei" panose="020B0503020204020204" pitchFamily="34" charset="-122"/>
-                <a:ea typeface="Microsoft YaHei" panose="020B0503020204020204" pitchFamily="34" charset="-122"/>
-              </a:rPr>
-              <a:t>接口的定义</a:t>
-            </a:r>
-            <a:endParaRPr kumimoji="1" lang="en-US" altLang="zh-CN" sz="2400" dirty="0">
+              <a:rPr kumimoji="1" lang="zh-CN" altLang="en-US" dirty="0">
+                <a:latin typeface="Microsoft YaHei" panose="020B0503020204020204" pitchFamily="34" charset="-122"/>
+                <a:ea typeface="Microsoft YaHei" panose="020B0503020204020204" pitchFamily="34" charset="-122"/>
+              </a:rPr>
+              <a:t>接口的定义和用法</a:t>
+            </a:r>
+            <a:endParaRPr kumimoji="1" lang="en-US" altLang="zh-CN" dirty="0">
               <a:latin typeface="Microsoft YaHei" panose="020B0503020204020204" pitchFamily="34" charset="-122"/>
               <a:ea typeface="Microsoft YaHei" panose="020B0503020204020204" pitchFamily="34" charset="-122"/>
             </a:endParaRPr>
@@ -11088,13 +11285,41 @@
               <a:buChar char="Ø"/>
             </a:pPr>
             <a:r>
-              <a:rPr kumimoji="1" lang="zh-CN" altLang="en-US" sz="2400" dirty="0">
-                <a:latin typeface="Microsoft YaHei" panose="020B0503020204020204" pitchFamily="34" charset="-122"/>
-                <a:ea typeface="Microsoft YaHei" panose="020B0503020204020204" pitchFamily="34" charset="-122"/>
-              </a:rPr>
-              <a:t>为什么要用接口</a:t>
-            </a:r>
-            <a:endParaRPr kumimoji="1" lang="en-US" altLang="zh-CN" sz="2400" dirty="0">
+              <a:rPr kumimoji="1" lang="zh-CN" altLang="en-US" dirty="0">
+                <a:latin typeface="Microsoft YaHei" panose="020B0503020204020204" pitchFamily="34" charset="-122"/>
+                <a:ea typeface="Microsoft YaHei" panose="020B0503020204020204" pitchFamily="34" charset="-122"/>
+              </a:rPr>
+              <a:t>示例</a:t>
+            </a:r>
+            <a:r>
+              <a:rPr kumimoji="1" lang="en-US" altLang="zh-CN" dirty="0">
+                <a:latin typeface="Microsoft YaHei" panose="020B0503020204020204" pitchFamily="34" charset="-122"/>
+                <a:ea typeface="Microsoft YaHei" panose="020B0503020204020204" pitchFamily="34" charset="-122"/>
+              </a:rPr>
+              <a:t>1</a:t>
+            </a:r>
+            <a:r>
+              <a:rPr kumimoji="1" lang="zh-CN" altLang="en-US" dirty="0">
+                <a:latin typeface="Microsoft YaHei" panose="020B0503020204020204" pitchFamily="34" charset="-122"/>
+                <a:ea typeface="Microsoft YaHei" panose="020B0503020204020204" pitchFamily="34" charset="-122"/>
+              </a:rPr>
+              <a:t> </a:t>
+            </a:r>
+            <a:r>
+              <a:rPr kumimoji="1" lang="en-US" altLang="zh-CN" dirty="0">
+                <a:latin typeface="Microsoft YaHei" panose="020B0503020204020204" pitchFamily="34" charset="-122"/>
+                <a:ea typeface="Microsoft YaHei" panose="020B0503020204020204" pitchFamily="34" charset="-122"/>
+              </a:rPr>
+              <a:t>Comparable</a:t>
+            </a:r>
+            <a:r>
+              <a:rPr kumimoji="1" lang="zh-CN" altLang="en-US" dirty="0">
+                <a:latin typeface="Microsoft YaHei" panose="020B0503020204020204" pitchFamily="34" charset="-122"/>
+                <a:ea typeface="Microsoft YaHei" panose="020B0503020204020204" pitchFamily="34" charset="-122"/>
+              </a:rPr>
+              <a:t>接口</a:t>
+            </a:r>
+            <a:endParaRPr kumimoji="1" lang="en-US" altLang="zh-CN" dirty="0">
               <a:latin typeface="Microsoft YaHei" panose="020B0503020204020204" pitchFamily="34" charset="-122"/>
               <a:ea typeface="Microsoft YaHei" panose="020B0503020204020204" pitchFamily="34" charset="-122"/>
             </a:endParaRPr>
@@ -11108,13 +11333,81 @@
               <a:buChar char="Ø"/>
             </a:pPr>
             <a:r>
-              <a:rPr kumimoji="1" lang="zh-CN" altLang="en-US" sz="2400" dirty="0">
+              <a:rPr kumimoji="1" lang="zh-CN" altLang="en-US" dirty="0">
                 <a:latin typeface="Microsoft YaHei" panose="020B0503020204020204" pitchFamily="34" charset="-122"/>
                 <a:ea typeface="Microsoft YaHei" panose="020B0503020204020204" pitchFamily="34" charset="-122"/>
               </a:rPr>
               <a:t>示例</a:t>
             </a:r>
-            <a:endParaRPr kumimoji="1" lang="en-US" altLang="zh-CN" sz="2400" dirty="0">
+            <a:r>
+              <a:rPr kumimoji="1" lang="en-US" altLang="zh-CN" dirty="0">
+                <a:latin typeface="Microsoft YaHei" panose="020B0503020204020204" pitchFamily="34" charset="-122"/>
+                <a:ea typeface="Microsoft YaHei" panose="020B0503020204020204" pitchFamily="34" charset="-122"/>
+              </a:rPr>
+              <a:t>2</a:t>
+            </a:r>
+            <a:r>
+              <a:rPr kumimoji="1" lang="zh-CN" altLang="en-US" dirty="0">
+                <a:latin typeface="Microsoft YaHei" panose="020B0503020204020204" pitchFamily="34" charset="-122"/>
+                <a:ea typeface="Microsoft YaHei" panose="020B0503020204020204" pitchFamily="34" charset="-122"/>
+              </a:rPr>
+              <a:t> </a:t>
+            </a:r>
+            <a:r>
+              <a:rPr kumimoji="1" lang="en-US" altLang="zh-CN" dirty="0">
+                <a:latin typeface="Microsoft YaHei" panose="020B0503020204020204" pitchFamily="34" charset="-122"/>
+                <a:ea typeface="Microsoft YaHei" panose="020B0503020204020204" pitchFamily="34" charset="-122"/>
+              </a:rPr>
+              <a:t>Cloneable</a:t>
+            </a:r>
+            <a:r>
+              <a:rPr kumimoji="1" lang="zh-CN" altLang="en-US" dirty="0">
+                <a:latin typeface="Microsoft YaHei" panose="020B0503020204020204" pitchFamily="34" charset="-122"/>
+                <a:ea typeface="Microsoft YaHei" panose="020B0503020204020204" pitchFamily="34" charset="-122"/>
+              </a:rPr>
+              <a:t>接口</a:t>
+            </a:r>
+            <a:endParaRPr kumimoji="1" lang="en-US" altLang="zh-CN" dirty="0">
+              <a:latin typeface="Microsoft YaHei" panose="020B0503020204020204" pitchFamily="34" charset="-122"/>
+              <a:ea typeface="Microsoft YaHei" panose="020B0503020204020204" pitchFamily="34" charset="-122"/>
+            </a:endParaRPr>
+          </a:p>
+          <a:p>
+            <a:pPr marL="571500" indent="-571500">
+              <a:lnSpc>
+                <a:spcPct val="150000"/>
+              </a:lnSpc>
+              <a:buFont typeface="Wingdings" pitchFamily="2" charset="2"/>
+              <a:buChar char="Ø"/>
+            </a:pPr>
+            <a:r>
+              <a:rPr kumimoji="1" lang="zh-CN" altLang="en-US" dirty="0">
+                <a:latin typeface="Microsoft YaHei" panose="020B0503020204020204" pitchFamily="34" charset="-122"/>
+                <a:ea typeface="Microsoft YaHei" panose="020B0503020204020204" pitchFamily="34" charset="-122"/>
+              </a:rPr>
+              <a:t>抽象类和接口的区别</a:t>
+            </a:r>
+            <a:endParaRPr kumimoji="1" lang="en-US" altLang="zh-CN" dirty="0">
+              <a:latin typeface="Microsoft YaHei" panose="020B0503020204020204" pitchFamily="34" charset="-122"/>
+              <a:ea typeface="Microsoft YaHei" panose="020B0503020204020204" pitchFamily="34" charset="-122"/>
+            </a:endParaRPr>
+          </a:p>
+          <a:p>
+            <a:pPr marL="571500" indent="-571500">
+              <a:lnSpc>
+                <a:spcPct val="150000"/>
+              </a:lnSpc>
+              <a:buFont typeface="Wingdings" pitchFamily="2" charset="2"/>
+              <a:buChar char="Ø"/>
+            </a:pPr>
+            <a:r>
+              <a:rPr kumimoji="1" lang="zh-CN" altLang="en-US" dirty="0">
+                <a:latin typeface="Microsoft YaHei" panose="020B0503020204020204" pitchFamily="34" charset="-122"/>
+                <a:ea typeface="Microsoft YaHei" panose="020B0503020204020204" pitchFamily="34" charset="-122"/>
+              </a:rPr>
+              <a:t>何时用普通类，抽象类，接口</a:t>
+            </a:r>
+            <a:endParaRPr kumimoji="1" lang="en-US" altLang="zh-CN" dirty="0">
               <a:latin typeface="Microsoft YaHei" panose="020B0503020204020204" pitchFamily="34" charset="-122"/>
               <a:ea typeface="Microsoft YaHei" panose="020B0503020204020204" pitchFamily="34" charset="-122"/>
             </a:endParaRPr>
@@ -11174,7 +11467,7 @@
         </p:nvSpPr>
         <p:spPr>
           <a:xfrm>
-            <a:off x="1725374" y="955548"/>
+            <a:off x="2135952" y="822959"/>
             <a:ext cx="8741252" cy="830997"/>
           </a:xfrm>
           <a:prstGeom prst="rect">
@@ -11191,25 +11484,44 @@
             <a:pPr algn="ctr"/>
             <a:r>
               <a:rPr kumimoji="1" lang="zh-CN" altLang="en-US" sz="4800" dirty="0">
-                <a:ea typeface="Microsoft YaHei" panose="020B0503020204020204" pitchFamily="34" charset="-122"/>
-              </a:rPr>
-              <a:t>接口例子</a:t>
+                <a:latin typeface="Microsoft YaHei" panose="020B0503020204020204" pitchFamily="34" charset="-122"/>
+                <a:ea typeface="Microsoft YaHei" panose="020B0503020204020204" pitchFamily="34" charset="-122"/>
+              </a:rPr>
+              <a:t>扩展：</a:t>
             </a:r>
             <a:r>
               <a:rPr kumimoji="1" lang="en-US" altLang="zh-CN" sz="4800" dirty="0">
-                <a:ea typeface="Microsoft YaHei" panose="020B0503020204020204" pitchFamily="34" charset="-122"/>
-              </a:rPr>
-              <a:t>2--Cloneable</a:t>
-            </a:r>
-          </a:p>
-        </p:txBody>
-      </p:sp>
-      <p:sp>
-        <p:nvSpPr>
-          <p:cNvPr id="3" name="文本框 2">
+                <a:latin typeface="Microsoft YaHei" panose="020B0503020204020204" pitchFamily="34" charset="-122"/>
+                <a:ea typeface="Microsoft YaHei" panose="020B0503020204020204" pitchFamily="34" charset="-122"/>
+              </a:rPr>
+              <a:t>Comparable</a:t>
+            </a:r>
+            <a:r>
+              <a:rPr kumimoji="1" lang="zh-CN" altLang="en-US" sz="4800" dirty="0">
+                <a:latin typeface="Microsoft YaHei" panose="020B0503020204020204" pitchFamily="34" charset="-122"/>
+                <a:ea typeface="Microsoft YaHei" panose="020B0503020204020204" pitchFamily="34" charset="-122"/>
+              </a:rPr>
+              <a:t>与</a:t>
+            </a:r>
+            <a:r>
+              <a:rPr kumimoji="1" lang="en-US" altLang="zh-CN" sz="4800" dirty="0">
+                <a:latin typeface="Microsoft YaHei" panose="020B0503020204020204" pitchFamily="34" charset="-122"/>
+                <a:ea typeface="Microsoft YaHei" panose="020B0503020204020204" pitchFamily="34" charset="-122"/>
+              </a:rPr>
+              <a:t>equals()</a:t>
+            </a:r>
+            <a:endParaRPr kumimoji="1" lang="en-US" altLang="zh-CN" sz="4800" dirty="0">
+              <a:ea typeface="Microsoft YaHei" panose="020B0503020204020204" pitchFamily="34" charset="-122"/>
+            </a:endParaRPr>
+          </a:p>
+        </p:txBody>
+      </p:sp>
+      <p:sp>
+        <p:nvSpPr>
+          <p:cNvPr id="4" name="文本框 3">
             <a:extLst>
               <a:ext uri="{FF2B5EF4-FFF2-40B4-BE49-F238E27FC236}">
-                <a16:creationId xmlns:a16="http://schemas.microsoft.com/office/drawing/2014/main" id="{F9F2836E-84E2-5042-9CCF-7E3C3CE5B763}"/>
+                <a16:creationId xmlns:a16="http://schemas.microsoft.com/office/drawing/2014/main" id="{2BB02E27-C848-D44A-8CEF-FC1116E7786B}"/>
               </a:ext>
             </a:extLst>
           </p:cNvPr>
@@ -11218,8 +11530,8 @@
         </p:nvSpPr>
         <p:spPr>
           <a:xfrm>
-            <a:off x="513448" y="2567429"/>
-            <a:ext cx="10166744" cy="830997"/>
+            <a:off x="1316736" y="2695479"/>
+            <a:ext cx="10277856" cy="1569660"/>
           </a:xfrm>
           <a:prstGeom prst="rect">
             <a:avLst/>
@@ -11232,23 +11544,54 @@
           </a:bodyPr>
           <a:lstStyle/>
           <a:p>
-            <a:pPr marL="342900" indent="-342900">
-              <a:buFont typeface="Arial" panose="020B0604020202020204" pitchFamily="34" charset="0"/>
-              <a:buChar char="•"/>
-            </a:pPr>
+            <a:r>
+              <a:rPr kumimoji="1" lang="zh-CN" altLang="en-US" sz="2400" dirty="0">
+                <a:latin typeface="Microsoft YaHei" panose="020B0503020204020204" pitchFamily="34" charset="-122"/>
+                <a:ea typeface="Microsoft YaHei" panose="020B0503020204020204" pitchFamily="34" charset="-122"/>
+              </a:rPr>
+              <a:t>之前我们学了 重写</a:t>
+            </a:r>
             <a:r>
               <a:rPr kumimoji="1" lang="en-US" altLang="zh-CN" sz="2400" dirty="0">
                 <a:latin typeface="Microsoft YaHei" panose="020B0503020204020204" pitchFamily="34" charset="-122"/>
                 <a:ea typeface="Microsoft YaHei" panose="020B0503020204020204" pitchFamily="34" charset="-122"/>
               </a:rPr>
-              <a:t>Cloneable </a:t>
+              <a:t>Object</a:t>
             </a:r>
             <a:r>
               <a:rPr kumimoji="1" lang="zh-CN" altLang="en-US" sz="2400" dirty="0">
                 <a:latin typeface="Microsoft YaHei" panose="020B0503020204020204" pitchFamily="34" charset="-122"/>
                 <a:ea typeface="Microsoft YaHei" panose="020B0503020204020204" pitchFamily="34" charset="-122"/>
               </a:rPr>
-              <a:t>接口给出了一个可克隆的对象。</a:t>
+              <a:t>类的 </a:t>
+            </a:r>
+            <a:r>
+              <a:rPr kumimoji="1" lang="en-US" altLang="zh-CN" sz="2400" dirty="0">
+                <a:latin typeface="Microsoft YaHei" panose="020B0503020204020204" pitchFamily="34" charset="-122"/>
+                <a:ea typeface="Microsoft YaHei" panose="020B0503020204020204" pitchFamily="34" charset="-122"/>
+              </a:rPr>
+              <a:t>equals</a:t>
+            </a:r>
+            <a:r>
+              <a:rPr kumimoji="1" lang="zh-CN" altLang="en-US" sz="2400" dirty="0">
+                <a:latin typeface="Microsoft YaHei" panose="020B0503020204020204" pitchFamily="34" charset="-122"/>
+                <a:ea typeface="Microsoft YaHei" panose="020B0503020204020204" pitchFamily="34" charset="-122"/>
+              </a:rPr>
+              <a:t>方法，请查询 其与 </a:t>
+            </a:r>
+            <a:r>
+              <a:rPr kumimoji="1" lang="en-US" altLang="zh-CN" sz="2400" dirty="0">
+                <a:latin typeface="Microsoft YaHei" panose="020B0503020204020204" pitchFamily="34" charset="-122"/>
+                <a:ea typeface="Microsoft YaHei" panose="020B0503020204020204" pitchFamily="34" charset="-122"/>
+              </a:rPr>
+              <a:t>Comparable</a:t>
+            </a:r>
+            <a:r>
+              <a:rPr kumimoji="1" lang="zh-CN" altLang="en-US" sz="2400" dirty="0">
+                <a:latin typeface="Microsoft YaHei" panose="020B0503020204020204" pitchFamily="34" charset="-122"/>
+                <a:ea typeface="Microsoft YaHei" panose="020B0503020204020204" pitchFamily="34" charset="-122"/>
+              </a:rPr>
+              <a:t>的相同点和不同点</a:t>
             </a:r>
             <a:endParaRPr kumimoji="1" lang="en-US" altLang="zh-CN" sz="2400" dirty="0">
               <a:latin typeface="Microsoft YaHei" panose="020B0503020204020204" pitchFamily="34" charset="-122"/>
@@ -11256,232 +11599,82 @@
             </a:endParaRPr>
           </a:p>
           <a:p>
-            <a:pPr marL="342900" indent="-342900">
-              <a:buFont typeface="Arial" panose="020B0604020202020204" pitchFamily="34" charset="0"/>
-              <a:buChar char="•"/>
-            </a:pPr>
+            <a:endParaRPr kumimoji="1" lang="en-US" altLang="zh-CN" sz="2400" dirty="0">
+              <a:latin typeface="Microsoft YaHei" panose="020B0503020204020204" pitchFamily="34" charset="-122"/>
+              <a:ea typeface="Microsoft YaHei" panose="020B0503020204020204" pitchFamily="34" charset="-122"/>
+            </a:endParaRPr>
+          </a:p>
+          <a:p>
             <a:r>
               <a:rPr kumimoji="1" lang="zh-CN" altLang="en-US" sz="2400" dirty="0">
                 <a:latin typeface="Microsoft YaHei" panose="020B0503020204020204" pitchFamily="34" charset="-122"/>
                 <a:ea typeface="Microsoft YaHei" panose="020B0503020204020204" pitchFamily="34" charset="-122"/>
               </a:rPr>
-              <a:t> 实现这个接口的对象可以调用</a:t>
+              <a:t>提示：</a:t>
             </a:r>
             <a:r>
               <a:rPr kumimoji="1" lang="en-US" altLang="zh-CN" sz="2400" dirty="0">
                 <a:latin typeface="Microsoft YaHei" panose="020B0503020204020204" pitchFamily="34" charset="-122"/>
                 <a:ea typeface="Microsoft YaHei" panose="020B0503020204020204" pitchFamily="34" charset="-122"/>
               </a:rPr>
-              <a:t>object</a:t>
+              <a:t>《Effective</a:t>
             </a:r>
             <a:r>
               <a:rPr kumimoji="1" lang="zh-CN" altLang="en-US" sz="2400" dirty="0">
                 <a:latin typeface="Microsoft YaHei" panose="020B0503020204020204" pitchFamily="34" charset="-122"/>
                 <a:ea typeface="Microsoft YaHei" panose="020B0503020204020204" pitchFamily="34" charset="-122"/>
               </a:rPr>
-              <a:t>的</a:t>
+              <a:t> </a:t>
             </a:r>
             <a:r>
               <a:rPr kumimoji="1" lang="en-US" altLang="zh-CN" sz="2400" dirty="0">
                 <a:latin typeface="Microsoft YaHei" panose="020B0503020204020204" pitchFamily="34" charset="-122"/>
                 <a:ea typeface="Microsoft YaHei" panose="020B0503020204020204" pitchFamily="34" charset="-122"/>
               </a:rPr>
-              <a:t>clone</a:t>
+              <a:t>Java》</a:t>
             </a:r>
             <a:r>
               <a:rPr kumimoji="1" lang="zh-CN" altLang="en-US" sz="2400" dirty="0">
                 <a:latin typeface="Microsoft YaHei" panose="020B0503020204020204" pitchFamily="34" charset="-122"/>
                 <a:ea typeface="Microsoft YaHei" panose="020B0503020204020204" pitchFamily="34" charset="-122"/>
               </a:rPr>
-              <a:t>方法，对此对象进行克隆</a:t>
-            </a:r>
-          </a:p>
-        </p:txBody>
-      </p:sp>
-      <p:sp>
-        <p:nvSpPr>
-          <p:cNvPr id="4" name="文本框 3">
-            <a:extLst>
-              <a:ext uri="{FF2B5EF4-FFF2-40B4-BE49-F238E27FC236}">
-                <a16:creationId xmlns:a16="http://schemas.microsoft.com/office/drawing/2014/main" id="{AD20C7BD-80EE-C146-9A86-BBE403DB7D59}"/>
-              </a:ext>
-            </a:extLst>
-          </p:cNvPr>
-          <p:cNvSpPr txBox="1"/>
-          <p:nvPr/>
-        </p:nvSpPr>
-        <p:spPr>
-          <a:xfrm>
-            <a:off x="987552" y="3809978"/>
-            <a:ext cx="9070848" cy="830997"/>
-          </a:xfrm>
-          <a:prstGeom prst="rect">
-            <a:avLst/>
-          </a:prstGeom>
-          <a:noFill/>
-        </p:spPr>
-        <p:txBody>
-          <a:bodyPr wrap="square" rtlCol="0">
-            <a:spAutoFit/>
-          </a:bodyPr>
-          <a:lstStyle/>
-          <a:p>
+              <a:t>中有一条款 </a:t>
+            </a:r>
             <a:r>
               <a:rPr kumimoji="1" lang="en-US" altLang="zh-CN" sz="2400" dirty="0">
                 <a:latin typeface="Microsoft YaHei" panose="020B0503020204020204" pitchFamily="34" charset="-122"/>
                 <a:ea typeface="Microsoft YaHei" panose="020B0503020204020204" pitchFamily="34" charset="-122"/>
-              </a:rPr>
-              <a:t>public interface Cloneable {</a:t>
-            </a:r>
-          </a:p>
-          <a:p>
+                <a:hlinkClick r:id="rId4"/>
+              </a:rPr>
+              <a:t>effective Java ---</a:t>
+            </a:r>
+            <a:r>
+              <a:rPr kumimoji="1" lang="zh-CN" altLang="en-US" sz="2400" dirty="0">
+                <a:latin typeface="Microsoft YaHei" panose="020B0503020204020204" pitchFamily="34" charset="-122"/>
+                <a:ea typeface="Microsoft YaHei" panose="020B0503020204020204" pitchFamily="34" charset="-122"/>
+                <a:hlinkClick r:id="rId4"/>
+              </a:rPr>
+              <a:t>实现</a:t>
+            </a:r>
             <a:r>
               <a:rPr kumimoji="1" lang="en-US" altLang="zh-CN" sz="2400" dirty="0">
                 <a:latin typeface="Microsoft YaHei" panose="020B0503020204020204" pitchFamily="34" charset="-122"/>
                 <a:ea typeface="Microsoft YaHei" panose="020B0503020204020204" pitchFamily="34" charset="-122"/>
-              </a:rPr>
-              <a:t>}</a:t>
-            </a:r>
-          </a:p>
-        </p:txBody>
-      </p:sp>
-      <p:sp>
-        <p:nvSpPr>
-          <p:cNvPr id="6" name="文本框 5">
-            <a:extLst>
-              <a:ext uri="{FF2B5EF4-FFF2-40B4-BE49-F238E27FC236}">
-                <a16:creationId xmlns:a16="http://schemas.microsoft.com/office/drawing/2014/main" id="{23D3CBFA-70CA-EE4E-8279-9FDF315D454B}"/>
-              </a:ext>
-            </a:extLst>
-          </p:cNvPr>
-          <p:cNvSpPr txBox="1"/>
-          <p:nvPr/>
-        </p:nvSpPr>
-        <p:spPr>
-          <a:xfrm>
-            <a:off x="737616" y="5071456"/>
-            <a:ext cx="10716768" cy="1569660"/>
-          </a:xfrm>
-          <a:prstGeom prst="rect">
-            <a:avLst/>
-          </a:prstGeom>
-          <a:solidFill>
-            <a:schemeClr val="accent2"/>
-          </a:solidFill>
-        </p:spPr>
-        <p:txBody>
-          <a:bodyPr wrap="square" rtlCol="0">
-            <a:spAutoFit/>
-          </a:bodyPr>
-          <a:lstStyle/>
-          <a:p>
-            <a:r>
-              <a:rPr kumimoji="1" lang="zh-CN" altLang="en-US" sz="2400" dirty="0">
-                <a:solidFill>
-                  <a:schemeClr val="bg1"/>
-                </a:solidFill>
-                <a:latin typeface="Microsoft YaHei" panose="020B0503020204020204" pitchFamily="34" charset="-122"/>
-                <a:ea typeface="Microsoft YaHei" panose="020B0503020204020204" pitchFamily="34" charset="-122"/>
-              </a:rPr>
-              <a:t>这个接口是空的。一个带空体的接口称为标记接口</a:t>
-            </a:r>
-            <a:r>
-              <a:rPr kumimoji="1" lang="en-US" altLang="zh-CN" sz="2400" dirty="0">
-                <a:solidFill>
-                  <a:schemeClr val="bg1"/>
-                </a:solidFill>
-                <a:latin typeface="Microsoft YaHei" panose="020B0503020204020204" pitchFamily="34" charset="-122"/>
-                <a:ea typeface="Microsoft YaHei" panose="020B0503020204020204" pitchFamily="34" charset="-122"/>
-              </a:rPr>
-              <a:t>(marker interface)</a:t>
-            </a:r>
-            <a:r>
-              <a:rPr kumimoji="1" lang="zh-CN" altLang="en-US" sz="2400" dirty="0">
-                <a:solidFill>
-                  <a:schemeClr val="bg1"/>
-                </a:solidFill>
-                <a:latin typeface="Microsoft YaHei" panose="020B0503020204020204" pitchFamily="34" charset="-122"/>
-                <a:ea typeface="Microsoft YaHei" panose="020B0503020204020204" pitchFamily="34" charset="-122"/>
-              </a:rPr>
-              <a:t>。一个标记接口既 不包括常量也不包括方法。它用来表示一个类拥有某些特定的属性。实现 </a:t>
-            </a:r>
-            <a:r>
-              <a:rPr kumimoji="1" lang="en-US" altLang="zh-CN" sz="2400" dirty="0">
-                <a:solidFill>
-                  <a:schemeClr val="bg1"/>
-                </a:solidFill>
-                <a:latin typeface="Microsoft YaHei" panose="020B0503020204020204" pitchFamily="34" charset="-122"/>
-                <a:ea typeface="Microsoft YaHei" panose="020B0503020204020204" pitchFamily="34" charset="-122"/>
-              </a:rPr>
-              <a:t>Cloneable </a:t>
-            </a:r>
-            <a:r>
-              <a:rPr kumimoji="1" lang="zh-CN" altLang="en-US" sz="2400" dirty="0">
-                <a:solidFill>
-                  <a:schemeClr val="bg1"/>
-                </a:solidFill>
-                <a:latin typeface="Microsoft YaHei" panose="020B0503020204020204" pitchFamily="34" charset="-122"/>
-                <a:ea typeface="Microsoft YaHei" panose="020B0503020204020204" pitchFamily="34" charset="-122"/>
-              </a:rPr>
-              <a:t>接口的 类标记为可克隆的，而且它的对象可以使用在 </a:t>
-            </a:r>
-            <a:r>
-              <a:rPr kumimoji="1" lang="en-US" altLang="zh-CN" sz="2400" dirty="0">
-                <a:solidFill>
-                  <a:schemeClr val="bg1"/>
-                </a:solidFill>
-                <a:latin typeface="Microsoft YaHei" panose="020B0503020204020204" pitchFamily="34" charset="-122"/>
-                <a:ea typeface="Microsoft YaHei" panose="020B0503020204020204" pitchFamily="34" charset="-122"/>
-              </a:rPr>
-              <a:t>Object </a:t>
-            </a:r>
-            <a:r>
-              <a:rPr kumimoji="1" lang="zh-CN" altLang="en-US" sz="2400" dirty="0">
-                <a:solidFill>
-                  <a:schemeClr val="bg1"/>
-                </a:solidFill>
-                <a:latin typeface="Microsoft YaHei" panose="020B0503020204020204" pitchFamily="34" charset="-122"/>
-                <a:ea typeface="Microsoft YaHei" panose="020B0503020204020204" pitchFamily="34" charset="-122"/>
-              </a:rPr>
-              <a:t>类中定义的 </a:t>
-            </a:r>
-            <a:r>
-              <a:rPr kumimoji="1" lang="en-US" altLang="zh-CN" sz="2400" dirty="0" err="1">
-                <a:solidFill>
-                  <a:schemeClr val="bg1"/>
-                </a:solidFill>
-                <a:latin typeface="Microsoft YaHei" panose="020B0503020204020204" pitchFamily="34" charset="-122"/>
-                <a:ea typeface="Microsoft YaHei" panose="020B0503020204020204" pitchFamily="34" charset="-122"/>
-              </a:rPr>
-              <a:t>cloneO</a:t>
-            </a:r>
-            <a:r>
-              <a:rPr kumimoji="1" lang="en-US" altLang="zh-CN" sz="2400" dirty="0">
-                <a:solidFill>
-                  <a:schemeClr val="bg1"/>
-                </a:solidFill>
-                <a:latin typeface="Microsoft YaHei" panose="020B0503020204020204" pitchFamily="34" charset="-122"/>
-                <a:ea typeface="Microsoft YaHei" panose="020B0503020204020204" pitchFamily="34" charset="-122"/>
-              </a:rPr>
-              <a:t> </a:t>
-            </a:r>
-            <a:r>
-              <a:rPr kumimoji="1" lang="zh-CN" altLang="en-US" sz="2400" dirty="0">
-                <a:solidFill>
-                  <a:schemeClr val="bg1"/>
-                </a:solidFill>
-                <a:latin typeface="Microsoft YaHei" panose="020B0503020204020204" pitchFamily="34" charset="-122"/>
-                <a:ea typeface="Microsoft YaHei" panose="020B0503020204020204" pitchFamily="34" charset="-122"/>
-              </a:rPr>
-              <a:t>方法克隆。 </a:t>
-            </a:r>
+                <a:hlinkClick r:id="rId4"/>
+              </a:rPr>
+              <a:t>Comparable</a:t>
+            </a:r>
+            <a:endParaRPr kumimoji="1" lang="zh-CN" altLang="en-US" sz="2400" dirty="0">
+              <a:latin typeface="Microsoft YaHei" panose="020B0503020204020204" pitchFamily="34" charset="-122"/>
+              <a:ea typeface="Microsoft YaHei" panose="020B0503020204020204" pitchFamily="34" charset="-122"/>
+            </a:endParaRPr>
           </a:p>
         </p:txBody>
       </p:sp>
     </p:spTree>
     <p:extLst>
       <p:ext uri="{BB962C8B-B14F-4D97-AF65-F5344CB8AC3E}">
-        <p14:creationId xmlns:p14="http://schemas.microsoft.com/office/powerpoint/2010/main" val="1316562067"/>
+        <p14:creationId xmlns:p14="http://schemas.microsoft.com/office/powerpoint/2010/main" val="4039011780"/>
       </p:ext>
     </p:extLst>
   </p:cSld>
@@ -11563,6 +11756,100 @@
       </p:sp>
       <p:sp>
         <p:nvSpPr>
+          <p:cNvPr id="3" name="文本框 2">
+            <a:extLst>
+              <a:ext uri="{FF2B5EF4-FFF2-40B4-BE49-F238E27FC236}">
+                <a16:creationId xmlns:a16="http://schemas.microsoft.com/office/drawing/2014/main" id="{F9F2836E-84E2-5042-9CCF-7E3C3CE5B763}"/>
+              </a:ext>
+            </a:extLst>
+          </p:cNvPr>
+          <p:cNvSpPr txBox="1"/>
+          <p:nvPr/>
+        </p:nvSpPr>
+        <p:spPr>
+          <a:xfrm>
+            <a:off x="513448" y="2567429"/>
+            <a:ext cx="10166744" cy="830997"/>
+          </a:xfrm>
+          <a:prstGeom prst="rect">
+            <a:avLst/>
+          </a:prstGeom>
+          <a:noFill/>
+        </p:spPr>
+        <p:txBody>
+          <a:bodyPr wrap="square" rtlCol="0">
+            <a:spAutoFit/>
+          </a:bodyPr>
+          <a:lstStyle/>
+          <a:p>
+            <a:pPr marL="342900" indent="-342900">
+              <a:buFont typeface="Arial" panose="020B0604020202020204" pitchFamily="34" charset="0"/>
+              <a:buChar char="•"/>
+            </a:pPr>
+            <a:r>
+              <a:rPr kumimoji="1" lang="en-US" altLang="zh-CN" sz="2400" dirty="0">
+                <a:latin typeface="Microsoft YaHei" panose="020B0503020204020204" pitchFamily="34" charset="-122"/>
+                <a:ea typeface="Microsoft YaHei" panose="020B0503020204020204" pitchFamily="34" charset="-122"/>
+              </a:rPr>
+              <a:t>Cloneable </a:t>
+            </a:r>
+            <a:r>
+              <a:rPr kumimoji="1" lang="zh-CN" altLang="en-US" sz="2400" dirty="0">
+                <a:latin typeface="Microsoft YaHei" panose="020B0503020204020204" pitchFamily="34" charset="-122"/>
+                <a:ea typeface="Microsoft YaHei" panose="020B0503020204020204" pitchFamily="34" charset="-122"/>
+              </a:rPr>
+              <a:t>接口给出了一个可克隆的对象。</a:t>
+            </a:r>
+            <a:endParaRPr kumimoji="1" lang="en-US" altLang="zh-CN" sz="2400" dirty="0">
+              <a:latin typeface="Microsoft YaHei" panose="020B0503020204020204" pitchFamily="34" charset="-122"/>
+              <a:ea typeface="Microsoft YaHei" panose="020B0503020204020204" pitchFamily="34" charset="-122"/>
+            </a:endParaRPr>
+          </a:p>
+          <a:p>
+            <a:pPr marL="342900" indent="-342900">
+              <a:buFont typeface="Arial" panose="020B0604020202020204" pitchFamily="34" charset="0"/>
+              <a:buChar char="•"/>
+            </a:pPr>
+            <a:r>
+              <a:rPr kumimoji="1" lang="zh-CN" altLang="en-US" sz="2400" dirty="0">
+                <a:latin typeface="Microsoft YaHei" panose="020B0503020204020204" pitchFamily="34" charset="-122"/>
+                <a:ea typeface="Microsoft YaHei" panose="020B0503020204020204" pitchFamily="34" charset="-122"/>
+              </a:rPr>
+              <a:t> 实现这个接口的对象可以调用</a:t>
+            </a:r>
+            <a:r>
+              <a:rPr kumimoji="1" lang="en-US" altLang="zh-CN" sz="2400" dirty="0">
+                <a:latin typeface="Microsoft YaHei" panose="020B0503020204020204" pitchFamily="34" charset="-122"/>
+                <a:ea typeface="Microsoft YaHei" panose="020B0503020204020204" pitchFamily="34" charset="-122"/>
+              </a:rPr>
+              <a:t>object</a:t>
+            </a:r>
+            <a:r>
+              <a:rPr kumimoji="1" lang="zh-CN" altLang="en-US" sz="2400" dirty="0">
+                <a:latin typeface="Microsoft YaHei" panose="020B0503020204020204" pitchFamily="34" charset="-122"/>
+                <a:ea typeface="Microsoft YaHei" panose="020B0503020204020204" pitchFamily="34" charset="-122"/>
+              </a:rPr>
+              <a:t>的</a:t>
+            </a:r>
+            <a:r>
+              <a:rPr kumimoji="1" lang="en-US" altLang="zh-CN" sz="2400" dirty="0">
+                <a:latin typeface="Microsoft YaHei" panose="020B0503020204020204" pitchFamily="34" charset="-122"/>
+                <a:ea typeface="Microsoft YaHei" panose="020B0503020204020204" pitchFamily="34" charset="-122"/>
+              </a:rPr>
+              <a:t>clone</a:t>
+            </a:r>
+            <a:r>
+              <a:rPr kumimoji="1" lang="zh-CN" altLang="en-US" sz="2400" dirty="0">
+                <a:latin typeface="Microsoft YaHei" panose="020B0503020204020204" pitchFamily="34" charset="-122"/>
+                <a:ea typeface="Microsoft YaHei" panose="020B0503020204020204" pitchFamily="34" charset="-122"/>
+              </a:rPr>
+              <a:t>方法，对此对象进行克隆</a:t>
+            </a:r>
+          </a:p>
+        </p:txBody>
+      </p:sp>
+      <p:sp>
+        <p:nvSpPr>
           <p:cNvPr id="4" name="文本框 3">
             <a:extLst>
               <a:ext uri="{FF2B5EF4-FFF2-40B4-BE49-F238E27FC236}">
@@ -11575,8 +11862,8 @@
         </p:nvSpPr>
         <p:spPr>
           <a:xfrm>
-            <a:off x="883920" y="2972907"/>
-            <a:ext cx="10424160" cy="4524315"/>
+            <a:off x="987552" y="3809978"/>
+            <a:ext cx="9070848" cy="830997"/>
           </a:xfrm>
           <a:prstGeom prst="rect">
             <a:avLst/>
@@ -11594,269 +11881,147 @@
                 <a:latin typeface="Microsoft YaHei" panose="020B0503020204020204" pitchFamily="34" charset="-122"/>
                 <a:ea typeface="Microsoft YaHei" panose="020B0503020204020204" pitchFamily="34" charset="-122"/>
               </a:rPr>
-              <a:t>Java</a:t>
-            </a:r>
+              <a:t>public interface Cloneable {</a:t>
+            </a:r>
+          </a:p>
+          <a:p>
+            <a:r>
+              <a:rPr kumimoji="1" lang="en-US" altLang="zh-CN" sz="2400" dirty="0">
+                <a:latin typeface="Microsoft YaHei" panose="020B0503020204020204" pitchFamily="34" charset="-122"/>
+                <a:ea typeface="Microsoft YaHei" panose="020B0503020204020204" pitchFamily="34" charset="-122"/>
+              </a:rPr>
+              <a:t>}</a:t>
+            </a:r>
+          </a:p>
+        </p:txBody>
+      </p:sp>
+      <p:sp>
+        <p:nvSpPr>
+          <p:cNvPr id="6" name="文本框 5">
+            <a:extLst>
+              <a:ext uri="{FF2B5EF4-FFF2-40B4-BE49-F238E27FC236}">
+                <a16:creationId xmlns:a16="http://schemas.microsoft.com/office/drawing/2014/main" id="{23D3CBFA-70CA-EE4E-8279-9FDF315D454B}"/>
+              </a:ext>
+            </a:extLst>
+          </p:cNvPr>
+          <p:cNvSpPr txBox="1"/>
+          <p:nvPr/>
+        </p:nvSpPr>
+        <p:spPr>
+          <a:xfrm>
+            <a:off x="737616" y="5071456"/>
+            <a:ext cx="10716768" cy="1569660"/>
+          </a:xfrm>
+          <a:prstGeom prst="rect">
+            <a:avLst/>
+          </a:prstGeom>
+          <a:solidFill>
+            <a:schemeClr val="accent2"/>
+          </a:solidFill>
+        </p:spPr>
+        <p:txBody>
+          <a:bodyPr wrap="square" rtlCol="0">
+            <a:spAutoFit/>
+          </a:bodyPr>
+          <a:lstStyle/>
+          <a:p>
             <a:r>
               <a:rPr kumimoji="1" lang="zh-CN" altLang="en-US" sz="2400" dirty="0">
-                <a:latin typeface="Microsoft YaHei" panose="020B0503020204020204" pitchFamily="34" charset="-122"/>
-                <a:ea typeface="Microsoft YaHei" panose="020B0503020204020204" pitchFamily="34" charset="-122"/>
-              </a:rPr>
-              <a:t>库中的很多类</a:t>
+                <a:solidFill>
+                  <a:schemeClr val="bg1"/>
+                </a:solidFill>
+                <a:latin typeface="Microsoft YaHei" panose="020B0503020204020204" pitchFamily="34" charset="-122"/>
+                <a:ea typeface="Microsoft YaHei" panose="020B0503020204020204" pitchFamily="34" charset="-122"/>
+              </a:rPr>
+              <a:t>这个接口是空的。一个带空体的接口称为标记接口</a:t>
             </a:r>
             <a:r>
               <a:rPr kumimoji="1" lang="en-US" altLang="zh-CN" sz="2400" dirty="0">
-                <a:latin typeface="Microsoft YaHei" panose="020B0503020204020204" pitchFamily="34" charset="-122"/>
-                <a:ea typeface="Microsoft YaHei" panose="020B0503020204020204" pitchFamily="34" charset="-122"/>
-              </a:rPr>
-              <a:t>(</a:t>
+                <a:solidFill>
+                  <a:schemeClr val="bg1"/>
+                </a:solidFill>
+                <a:latin typeface="Microsoft YaHei" panose="020B0503020204020204" pitchFamily="34" charset="-122"/>
+                <a:ea typeface="Microsoft YaHei" panose="020B0503020204020204" pitchFamily="34" charset="-122"/>
+              </a:rPr>
+              <a:t>(marker interface)</a:t>
             </a:r>
             <a:r>
               <a:rPr kumimoji="1" lang="zh-CN" altLang="en-US" sz="2400" dirty="0">
-                <a:latin typeface="Microsoft YaHei" panose="020B0503020204020204" pitchFamily="34" charset="-122"/>
-                <a:ea typeface="Microsoft YaHei" panose="020B0503020204020204" pitchFamily="34" charset="-122"/>
-              </a:rPr>
-              <a:t>例如，</a:t>
+                <a:solidFill>
+                  <a:schemeClr val="bg1"/>
+                </a:solidFill>
+                <a:latin typeface="Microsoft YaHei" panose="020B0503020204020204" pitchFamily="34" charset="-122"/>
+                <a:ea typeface="Microsoft YaHei" panose="020B0503020204020204" pitchFamily="34" charset="-122"/>
+              </a:rPr>
+              <a:t>。一个标记接口既 不包括常量也不包括方法。它用来表示一个类拥有某些特定的属性。实现 </a:t>
             </a:r>
             <a:r>
               <a:rPr kumimoji="1" lang="en-US" altLang="zh-CN" sz="2400" dirty="0">
-                <a:latin typeface="Microsoft YaHei" panose="020B0503020204020204" pitchFamily="34" charset="-122"/>
-                <a:ea typeface="Microsoft YaHei" panose="020B0503020204020204" pitchFamily="34" charset="-122"/>
-              </a:rPr>
-              <a:t>Date</a:t>
+                <a:solidFill>
+                  <a:schemeClr val="bg1"/>
+                </a:solidFill>
+                <a:latin typeface="Microsoft YaHei" panose="020B0503020204020204" pitchFamily="34" charset="-122"/>
+                <a:ea typeface="Microsoft YaHei" panose="020B0503020204020204" pitchFamily="34" charset="-122"/>
+              </a:rPr>
+              <a:t>Cloneable </a:t>
             </a:r>
             <a:r>
               <a:rPr kumimoji="1" lang="zh-CN" altLang="en-US" sz="2400" dirty="0">
-                <a:latin typeface="Microsoft YaHei" panose="020B0503020204020204" pitchFamily="34" charset="-122"/>
-                <a:ea typeface="Microsoft YaHei" panose="020B0503020204020204" pitchFamily="34" charset="-122"/>
-              </a:rPr>
-              <a:t>、</a:t>
+                <a:solidFill>
+                  <a:schemeClr val="bg1"/>
+                </a:solidFill>
+                <a:latin typeface="Microsoft YaHei" panose="020B0503020204020204" pitchFamily="34" charset="-122"/>
+                <a:ea typeface="Microsoft YaHei" panose="020B0503020204020204" pitchFamily="34" charset="-122"/>
+              </a:rPr>
+              <a:t>接口的 类标记为可克隆的，而且它的对象可以使用在 </a:t>
             </a:r>
             <a:r>
               <a:rPr kumimoji="1" lang="en-US" altLang="zh-CN" sz="2400" dirty="0">
-                <a:latin typeface="Microsoft YaHei" panose="020B0503020204020204" pitchFamily="34" charset="-122"/>
-                <a:ea typeface="Microsoft YaHei" panose="020B0503020204020204" pitchFamily="34" charset="-122"/>
-              </a:rPr>
-              <a:t>Calendar </a:t>
+                <a:solidFill>
+                  <a:schemeClr val="bg1"/>
+                </a:solidFill>
+                <a:latin typeface="Microsoft YaHei" panose="020B0503020204020204" pitchFamily="34" charset="-122"/>
+                <a:ea typeface="Microsoft YaHei" panose="020B0503020204020204" pitchFamily="34" charset="-122"/>
+              </a:rPr>
+              <a:t>Object </a:t>
             </a:r>
             <a:r>
               <a:rPr kumimoji="1" lang="zh-CN" altLang="en-US" sz="2400" dirty="0">
-                <a:latin typeface="Microsoft YaHei" panose="020B0503020204020204" pitchFamily="34" charset="-122"/>
-                <a:ea typeface="Microsoft YaHei" panose="020B0503020204020204" pitchFamily="34" charset="-122"/>
-              </a:rPr>
-              <a:t>和</a:t>
-            </a:r>
-            <a:r>
-              <a:rPr kumimoji="1" lang="en-US" altLang="zh-CN" sz="2400" dirty="0" err="1">
-                <a:latin typeface="Microsoft YaHei" panose="020B0503020204020204" pitchFamily="34" charset="-122"/>
-                <a:ea typeface="Microsoft YaHei" panose="020B0503020204020204" pitchFamily="34" charset="-122"/>
-              </a:rPr>
-              <a:t>ArrayList</a:t>
+                <a:solidFill>
+                  <a:schemeClr val="bg1"/>
+                </a:solidFill>
+                <a:latin typeface="Microsoft YaHei" panose="020B0503020204020204" pitchFamily="34" charset="-122"/>
+                <a:ea typeface="Microsoft YaHei" panose="020B0503020204020204" pitchFamily="34" charset="-122"/>
+              </a:rPr>
+              <a:t>类中定义的 </a:t>
             </a:r>
             <a:r>
               <a:rPr kumimoji="1" lang="en-US" altLang="zh-CN" sz="2400" dirty="0">
-                <a:latin typeface="Microsoft YaHei" panose="020B0503020204020204" pitchFamily="34" charset="-122"/>
-                <a:ea typeface="Microsoft YaHei" panose="020B0503020204020204" pitchFamily="34" charset="-122"/>
-              </a:rPr>
-              <a:t>) </a:t>
+                <a:solidFill>
+                  <a:schemeClr val="bg1"/>
+                </a:solidFill>
+                <a:latin typeface="Microsoft YaHei" panose="020B0503020204020204" pitchFamily="34" charset="-122"/>
+                <a:ea typeface="Microsoft YaHei" panose="020B0503020204020204" pitchFamily="34" charset="-122"/>
+              </a:rPr>
+              <a:t>clone </a:t>
             </a:r>
             <a:r>
               <a:rPr kumimoji="1" lang="zh-CN" altLang="en-US" sz="2400" dirty="0">
-                <a:latin typeface="Microsoft YaHei" panose="020B0503020204020204" pitchFamily="34" charset="-122"/>
-                <a:ea typeface="Microsoft YaHei" panose="020B0503020204020204" pitchFamily="34" charset="-122"/>
-              </a:rPr>
-              <a:t>实现</a:t>
-            </a:r>
-            <a:r>
-              <a:rPr kumimoji="1" lang="en-US" altLang="zh-CN" sz="2400" dirty="0">
-                <a:latin typeface="Microsoft YaHei" panose="020B0503020204020204" pitchFamily="34" charset="-122"/>
-                <a:ea typeface="Microsoft YaHei" panose="020B0503020204020204" pitchFamily="34" charset="-122"/>
-              </a:rPr>
-              <a:t>Cloneable</a:t>
-            </a:r>
-            <a:r>
-              <a:rPr kumimoji="1" lang="zh-CN" altLang="en-US" sz="2400" dirty="0">
-                <a:latin typeface="Microsoft YaHei" panose="020B0503020204020204" pitchFamily="34" charset="-122"/>
-                <a:ea typeface="Microsoft YaHei" panose="020B0503020204020204" pitchFamily="34" charset="-122"/>
-              </a:rPr>
-              <a:t>。</a:t>
-            </a:r>
-            <a:endParaRPr kumimoji="1" lang="en-US" altLang="zh-CN" sz="2400" dirty="0">
-              <a:latin typeface="Microsoft YaHei" panose="020B0503020204020204" pitchFamily="34" charset="-122"/>
-              <a:ea typeface="Microsoft YaHei" panose="020B0503020204020204" pitchFamily="34" charset="-122"/>
-            </a:endParaRPr>
-          </a:p>
-          <a:p>
-            <a:endParaRPr kumimoji="1" lang="en-US" altLang="zh-CN" sz="2400" dirty="0">
-              <a:latin typeface="Microsoft YaHei" panose="020B0503020204020204" pitchFamily="34" charset="-122"/>
-              <a:ea typeface="Microsoft YaHei" panose="020B0503020204020204" pitchFamily="34" charset="-122"/>
-            </a:endParaRPr>
-          </a:p>
-          <a:p>
-            <a:r>
-              <a:rPr kumimoji="1" lang="en-US" altLang="zh-CN" sz="2400" dirty="0">
-                <a:latin typeface="Microsoft YaHei" panose="020B0503020204020204" pitchFamily="34" charset="-122"/>
-                <a:ea typeface="Microsoft YaHei" panose="020B0503020204020204" pitchFamily="34" charset="-122"/>
-              </a:rPr>
-              <a:t>Clone</a:t>
-            </a:r>
-            <a:r>
-              <a:rPr kumimoji="1" lang="zh-CN" altLang="en-US" sz="2400" dirty="0">
-                <a:latin typeface="Microsoft YaHei" panose="020B0503020204020204" pitchFamily="34" charset="-122"/>
-                <a:ea typeface="Microsoft YaHei" panose="020B0503020204020204" pitchFamily="34" charset="-122"/>
-              </a:rPr>
-              <a:t>基础知识：</a:t>
-            </a:r>
-            <a:endParaRPr kumimoji="1" lang="en-US" altLang="zh-CN" sz="2400" dirty="0">
-              <a:latin typeface="Microsoft YaHei" panose="020B0503020204020204" pitchFamily="34" charset="-122"/>
-              <a:ea typeface="Microsoft YaHei" panose="020B0503020204020204" pitchFamily="34" charset="-122"/>
-            </a:endParaRPr>
-          </a:p>
-          <a:p>
-            <a:endParaRPr kumimoji="1" lang="en-US" altLang="zh-CN" sz="2400" dirty="0">
-              <a:latin typeface="Microsoft YaHei" panose="020B0503020204020204" pitchFamily="34" charset="-122"/>
-              <a:ea typeface="Microsoft YaHei" panose="020B0503020204020204" pitchFamily="34" charset="-122"/>
-            </a:endParaRPr>
-          </a:p>
-          <a:p>
-            <a:pPr marL="457200" indent="-457200">
-              <a:buFont typeface="+mj-lt"/>
-              <a:buAutoNum type="arabicPeriod"/>
-            </a:pPr>
-            <a:r>
-              <a:rPr kumimoji="1" lang="zh-CN" altLang="en-US" sz="2400" dirty="0">
-                <a:latin typeface="Microsoft YaHei" panose="020B0503020204020204" pitchFamily="34" charset="-122"/>
-                <a:ea typeface="Microsoft YaHei" panose="020B0503020204020204" pitchFamily="34" charset="-122"/>
-              </a:rPr>
-              <a:t>复制类型</a:t>
-            </a:r>
-            <a:endParaRPr kumimoji="1" lang="en-US" altLang="zh-CN" sz="2400" dirty="0">
-              <a:latin typeface="Microsoft YaHei" panose="020B0503020204020204" pitchFamily="34" charset="-122"/>
-              <a:ea typeface="Microsoft YaHei" panose="020B0503020204020204" pitchFamily="34" charset="-122"/>
-            </a:endParaRPr>
-          </a:p>
-          <a:p>
-            <a:pPr marL="914400" lvl="1" indent="-457200">
-              <a:buFont typeface="+mj-lt"/>
-              <a:buAutoNum type="arabicPeriod"/>
-            </a:pPr>
-            <a:r>
-              <a:rPr kumimoji="1" lang="zh-CN" altLang="en-US" sz="2400" dirty="0">
-                <a:latin typeface="Microsoft YaHei" panose="020B0503020204020204" pitchFamily="34" charset="-122"/>
-                <a:ea typeface="Microsoft YaHei" panose="020B0503020204020204" pitchFamily="34" charset="-122"/>
-              </a:rPr>
-              <a:t>浅复制</a:t>
-            </a:r>
-            <a:r>
-              <a:rPr kumimoji="1" lang="en-US" altLang="zh-CN" sz="2400" dirty="0">
-                <a:latin typeface="Microsoft YaHei" panose="020B0503020204020204" pitchFamily="34" charset="-122"/>
-                <a:ea typeface="Microsoft YaHei" panose="020B0503020204020204" pitchFamily="34" charset="-122"/>
-              </a:rPr>
-              <a:t>(shallow</a:t>
-            </a:r>
-            <a:r>
-              <a:rPr kumimoji="1" lang="zh-CN" altLang="en-US" sz="2400" dirty="0">
-                <a:latin typeface="Microsoft YaHei" panose="020B0503020204020204" pitchFamily="34" charset="-122"/>
-                <a:ea typeface="Microsoft YaHei" panose="020B0503020204020204" pitchFamily="34" charset="-122"/>
-              </a:rPr>
-              <a:t> </a:t>
-            </a:r>
-            <a:r>
-              <a:rPr kumimoji="1" lang="en-US" altLang="zh-CN" sz="2400" dirty="0">
-                <a:latin typeface="Microsoft YaHei" panose="020B0503020204020204" pitchFamily="34" charset="-122"/>
-                <a:ea typeface="Microsoft YaHei" panose="020B0503020204020204" pitchFamily="34" charset="-122"/>
-              </a:rPr>
-              <a:t>copy)</a:t>
-            </a:r>
-          </a:p>
-          <a:p>
-            <a:pPr marL="914400" lvl="1" indent="-457200">
-              <a:buFont typeface="+mj-lt"/>
-              <a:buAutoNum type="arabicPeriod"/>
-            </a:pPr>
-            <a:r>
-              <a:rPr kumimoji="1" lang="zh-CN" altLang="en-US" sz="2400" dirty="0">
-                <a:latin typeface="Microsoft YaHei" panose="020B0503020204020204" pitchFamily="34" charset="-122"/>
-                <a:ea typeface="Microsoft YaHei" panose="020B0503020204020204" pitchFamily="34" charset="-122"/>
-              </a:rPr>
-              <a:t>深复制</a:t>
-            </a:r>
-            <a:r>
-              <a:rPr kumimoji="1" lang="en-US" altLang="zh-CN" sz="2400" dirty="0">
-                <a:latin typeface="Microsoft YaHei" panose="020B0503020204020204" pitchFamily="34" charset="-122"/>
-                <a:ea typeface="Microsoft YaHei" panose="020B0503020204020204" pitchFamily="34" charset="-122"/>
-              </a:rPr>
-              <a:t>(deep</a:t>
-            </a:r>
-            <a:r>
-              <a:rPr kumimoji="1" lang="zh-CN" altLang="en-US" sz="2400" dirty="0">
-                <a:latin typeface="Microsoft YaHei" panose="020B0503020204020204" pitchFamily="34" charset="-122"/>
-                <a:ea typeface="Microsoft YaHei" panose="020B0503020204020204" pitchFamily="34" charset="-122"/>
-              </a:rPr>
-              <a:t> </a:t>
-            </a:r>
-            <a:r>
-              <a:rPr kumimoji="1" lang="en-US" altLang="zh-CN" sz="2400" dirty="0">
-                <a:latin typeface="Microsoft YaHei" panose="020B0503020204020204" pitchFamily="34" charset="-122"/>
-                <a:ea typeface="Microsoft YaHei" panose="020B0503020204020204" pitchFamily="34" charset="-122"/>
-              </a:rPr>
-              <a:t>copy)</a:t>
-            </a:r>
-          </a:p>
-          <a:p>
-            <a:pPr lvl="1"/>
-            <a:endParaRPr kumimoji="1" lang="en-US" altLang="zh-CN" sz="2400" dirty="0">
-              <a:latin typeface="Microsoft YaHei" panose="020B0503020204020204" pitchFamily="34" charset="-122"/>
-              <a:ea typeface="Microsoft YaHei" panose="020B0503020204020204" pitchFamily="34" charset="-122"/>
-            </a:endParaRPr>
-          </a:p>
-          <a:p>
-            <a:pPr marL="457200" indent="-457200">
-              <a:buFont typeface="+mj-lt"/>
-              <a:buAutoNum type="arabicPeriod"/>
-            </a:pPr>
-            <a:r>
-              <a:rPr kumimoji="1" lang="zh-CN" altLang="en-US" sz="2400" dirty="0">
-                <a:latin typeface="Microsoft YaHei" panose="020B0503020204020204" pitchFamily="34" charset="-122"/>
-                <a:ea typeface="Microsoft YaHei" panose="020B0503020204020204" pitchFamily="34" charset="-122"/>
-              </a:rPr>
-              <a:t>递归</a:t>
-            </a:r>
-            <a:r>
-              <a:rPr kumimoji="1" lang="en-US" altLang="zh-CN" sz="2400" dirty="0">
-                <a:latin typeface="Microsoft YaHei" panose="020B0503020204020204" pitchFamily="34" charset="-122"/>
-                <a:ea typeface="Microsoft YaHei" panose="020B0503020204020204" pitchFamily="34" charset="-122"/>
-              </a:rPr>
-              <a:t>clone</a:t>
-            </a:r>
-          </a:p>
-          <a:p>
-            <a:pPr marL="914400" lvl="1" indent="-457200">
-              <a:buFont typeface="+mj-lt"/>
-              <a:buAutoNum type="arabicPeriod"/>
-            </a:pPr>
-            <a:endParaRPr kumimoji="1" lang="en-US" altLang="zh-CN" sz="2400" dirty="0">
-              <a:latin typeface="Microsoft YaHei" panose="020B0503020204020204" pitchFamily="34" charset="-122"/>
-              <a:ea typeface="Microsoft YaHei" panose="020B0503020204020204" pitchFamily="34" charset="-122"/>
-            </a:endParaRPr>
-          </a:p>
-          <a:p>
-            <a:endParaRPr kumimoji="1" lang="zh-CN" altLang="en-US" sz="2400" dirty="0">
-              <a:latin typeface="Microsoft YaHei" panose="020B0503020204020204" pitchFamily="34" charset="-122"/>
-              <a:ea typeface="Microsoft YaHei" panose="020B0503020204020204" pitchFamily="34" charset="-122"/>
-            </a:endParaRPr>
-          </a:p>
-          <a:p>
-            <a:endParaRPr kumimoji="1" lang="en-US" altLang="zh-CN" sz="2400" dirty="0">
-              <a:latin typeface="Microsoft YaHei" panose="020B0503020204020204" pitchFamily="34" charset="-122"/>
-              <a:ea typeface="Microsoft YaHei" panose="020B0503020204020204" pitchFamily="34" charset="-122"/>
-            </a:endParaRPr>
+                <a:solidFill>
+                  <a:schemeClr val="bg1"/>
+                </a:solidFill>
+                <a:latin typeface="Microsoft YaHei" panose="020B0503020204020204" pitchFamily="34" charset="-122"/>
+                <a:ea typeface="Microsoft YaHei" panose="020B0503020204020204" pitchFamily="34" charset="-122"/>
+              </a:rPr>
+              <a:t>方法克隆。 </a:t>
+            </a:r>
           </a:p>
         </p:txBody>
       </p:sp>
     </p:spTree>
     <p:extLst>
       <p:ext uri="{BB962C8B-B14F-4D97-AF65-F5344CB8AC3E}">
-        <p14:creationId xmlns:p14="http://schemas.microsoft.com/office/powerpoint/2010/main" val="2733567568"/>
+        <p14:creationId xmlns:p14="http://schemas.microsoft.com/office/powerpoint/2010/main" val="1316562067"/>
       </p:ext>
     </p:extLst>
   </p:cSld>
@@ -11906,6 +12071,238 @@
         </p:nvSpPr>
         <p:spPr>
           <a:xfrm>
+            <a:off x="2017982" y="1010412"/>
+            <a:ext cx="8741252" cy="830997"/>
+          </a:xfrm>
+          <a:prstGeom prst="rect">
+            <a:avLst/>
+          </a:prstGeom>
+          <a:noFill/>
+        </p:spPr>
+        <p:txBody>
+          <a:bodyPr wrap="square" rtlCol="0">
+            <a:spAutoFit/>
+          </a:bodyPr>
+          <a:lstStyle/>
+          <a:p>
+            <a:pPr algn="ctr"/>
+            <a:r>
+              <a:rPr kumimoji="1" lang="en-US" altLang="zh-CN" sz="4800" dirty="0">
+                <a:latin typeface="Microsoft YaHei" panose="020B0503020204020204" pitchFamily="34" charset="-122"/>
+                <a:ea typeface="Microsoft YaHei" panose="020B0503020204020204" pitchFamily="34" charset="-122"/>
+              </a:rPr>
+              <a:t>Clone</a:t>
+            </a:r>
+            <a:r>
+              <a:rPr kumimoji="1" lang="zh-CN" altLang="en-US" sz="4800" dirty="0">
+                <a:latin typeface="Microsoft YaHei" panose="020B0503020204020204" pitchFamily="34" charset="-122"/>
+                <a:ea typeface="Microsoft YaHei" panose="020B0503020204020204" pitchFamily="34" charset="-122"/>
+              </a:rPr>
+              <a:t>基础知识</a:t>
+            </a:r>
+            <a:endParaRPr kumimoji="1" lang="en-US" altLang="zh-CN" sz="4800" dirty="0">
+              <a:latin typeface="Microsoft YaHei" panose="020B0503020204020204" pitchFamily="34" charset="-122"/>
+              <a:ea typeface="Microsoft YaHei" panose="020B0503020204020204" pitchFamily="34" charset="-122"/>
+            </a:endParaRPr>
+          </a:p>
+        </p:txBody>
+      </p:sp>
+      <p:sp>
+        <p:nvSpPr>
+          <p:cNvPr id="4" name="文本框 3">
+            <a:extLst>
+              <a:ext uri="{FF2B5EF4-FFF2-40B4-BE49-F238E27FC236}">
+                <a16:creationId xmlns:a16="http://schemas.microsoft.com/office/drawing/2014/main" id="{AD20C7BD-80EE-C146-9A86-BBE403DB7D59}"/>
+              </a:ext>
+            </a:extLst>
+          </p:cNvPr>
+          <p:cNvSpPr txBox="1"/>
+          <p:nvPr/>
+        </p:nvSpPr>
+        <p:spPr>
+          <a:xfrm>
+            <a:off x="3151632" y="2267712"/>
+            <a:ext cx="6473952" cy="3247812"/>
+          </a:xfrm>
+          <a:prstGeom prst="rect">
+            <a:avLst/>
+          </a:prstGeom>
+          <a:noFill/>
+        </p:spPr>
+        <p:txBody>
+          <a:bodyPr wrap="square" rtlCol="0">
+            <a:spAutoFit/>
+          </a:bodyPr>
+          <a:lstStyle/>
+          <a:p>
+            <a:pPr>
+              <a:lnSpc>
+                <a:spcPct val="150000"/>
+              </a:lnSpc>
+            </a:pPr>
+            <a:endParaRPr kumimoji="1" lang="en-US" altLang="zh-CN" sz="2800" dirty="0">
+              <a:latin typeface="Microsoft YaHei" panose="020B0503020204020204" pitchFamily="34" charset="-122"/>
+              <a:ea typeface="Microsoft YaHei" panose="020B0503020204020204" pitchFamily="34" charset="-122"/>
+            </a:endParaRPr>
+          </a:p>
+          <a:p>
+            <a:pPr>
+              <a:lnSpc>
+                <a:spcPct val="150000"/>
+              </a:lnSpc>
+            </a:pPr>
+            <a:r>
+              <a:rPr kumimoji="1" lang="zh-CN" altLang="en-US" sz="2800" dirty="0">
+                <a:latin typeface="Microsoft YaHei" panose="020B0503020204020204" pitchFamily="34" charset="-122"/>
+                <a:ea typeface="Microsoft YaHei" panose="020B0503020204020204" pitchFamily="34" charset="-122"/>
+              </a:rPr>
+              <a:t>拷贝类型：</a:t>
+            </a:r>
+            <a:endParaRPr kumimoji="1" lang="en-US" altLang="zh-CN" sz="2800" dirty="0">
+              <a:latin typeface="Microsoft YaHei" panose="020B0503020204020204" pitchFamily="34" charset="-122"/>
+              <a:ea typeface="Microsoft YaHei" panose="020B0503020204020204" pitchFamily="34" charset="-122"/>
+            </a:endParaRPr>
+          </a:p>
+          <a:p>
+            <a:pPr marL="914400" lvl="1" indent="-457200">
+              <a:lnSpc>
+                <a:spcPct val="150000"/>
+              </a:lnSpc>
+              <a:buFont typeface="+mj-lt"/>
+              <a:buAutoNum type="arabicPeriod"/>
+            </a:pPr>
+            <a:r>
+              <a:rPr kumimoji="1" lang="zh-CN" altLang="en-US" sz="2800" dirty="0">
+                <a:latin typeface="Microsoft YaHei" panose="020B0503020204020204" pitchFamily="34" charset="-122"/>
+                <a:ea typeface="Microsoft YaHei" panose="020B0503020204020204" pitchFamily="34" charset="-122"/>
+              </a:rPr>
+              <a:t>浅拷贝</a:t>
+            </a:r>
+            <a:r>
+              <a:rPr kumimoji="1" lang="en-US" altLang="zh-CN" sz="2800" dirty="0">
+                <a:latin typeface="Microsoft YaHei" panose="020B0503020204020204" pitchFamily="34" charset="-122"/>
+                <a:ea typeface="Microsoft YaHei" panose="020B0503020204020204" pitchFamily="34" charset="-122"/>
+              </a:rPr>
+              <a:t>(shallow</a:t>
+            </a:r>
+            <a:r>
+              <a:rPr kumimoji="1" lang="zh-CN" altLang="en-US" sz="2800" dirty="0">
+                <a:latin typeface="Microsoft YaHei" panose="020B0503020204020204" pitchFamily="34" charset="-122"/>
+                <a:ea typeface="Microsoft YaHei" panose="020B0503020204020204" pitchFamily="34" charset="-122"/>
+              </a:rPr>
+              <a:t> </a:t>
+            </a:r>
+            <a:r>
+              <a:rPr kumimoji="1" lang="en-US" altLang="zh-CN" sz="2800" dirty="0">
+                <a:latin typeface="Microsoft YaHei" panose="020B0503020204020204" pitchFamily="34" charset="-122"/>
+                <a:ea typeface="Microsoft YaHei" panose="020B0503020204020204" pitchFamily="34" charset="-122"/>
+              </a:rPr>
+              <a:t>copy)</a:t>
+            </a:r>
+          </a:p>
+          <a:p>
+            <a:pPr marL="914400" lvl="1" indent="-457200">
+              <a:lnSpc>
+                <a:spcPct val="150000"/>
+              </a:lnSpc>
+              <a:buFont typeface="+mj-lt"/>
+              <a:buAutoNum type="arabicPeriod"/>
+            </a:pPr>
+            <a:r>
+              <a:rPr kumimoji="1" lang="zh-CN" altLang="en-US" sz="2800" dirty="0">
+                <a:latin typeface="Microsoft YaHei" panose="020B0503020204020204" pitchFamily="34" charset="-122"/>
+                <a:ea typeface="Microsoft YaHei" panose="020B0503020204020204" pitchFamily="34" charset="-122"/>
+              </a:rPr>
+              <a:t>深拷贝</a:t>
+            </a:r>
+            <a:r>
+              <a:rPr kumimoji="1" lang="en-US" altLang="zh-CN" sz="2800" dirty="0">
+                <a:latin typeface="Microsoft YaHei" panose="020B0503020204020204" pitchFamily="34" charset="-122"/>
+                <a:ea typeface="Microsoft YaHei" panose="020B0503020204020204" pitchFamily="34" charset="-122"/>
+              </a:rPr>
+              <a:t>(deep</a:t>
+            </a:r>
+            <a:r>
+              <a:rPr kumimoji="1" lang="zh-CN" altLang="en-US" sz="2800" dirty="0">
+                <a:latin typeface="Microsoft YaHei" panose="020B0503020204020204" pitchFamily="34" charset="-122"/>
+                <a:ea typeface="Microsoft YaHei" panose="020B0503020204020204" pitchFamily="34" charset="-122"/>
+              </a:rPr>
+              <a:t> </a:t>
+            </a:r>
+            <a:r>
+              <a:rPr kumimoji="1" lang="en-US" altLang="zh-CN" sz="2800" dirty="0">
+                <a:latin typeface="Microsoft YaHei" panose="020B0503020204020204" pitchFamily="34" charset="-122"/>
+                <a:ea typeface="Microsoft YaHei" panose="020B0503020204020204" pitchFamily="34" charset="-122"/>
+              </a:rPr>
+              <a:t>copy)</a:t>
+            </a:r>
+          </a:p>
+          <a:p>
+            <a:pPr>
+              <a:lnSpc>
+                <a:spcPct val="150000"/>
+              </a:lnSpc>
+            </a:pPr>
+            <a:endParaRPr kumimoji="1" lang="en-US" altLang="zh-CN" sz="2800" dirty="0">
+              <a:latin typeface="Microsoft YaHei" panose="020B0503020204020204" pitchFamily="34" charset="-122"/>
+              <a:ea typeface="Microsoft YaHei" panose="020B0503020204020204" pitchFamily="34" charset="-122"/>
+            </a:endParaRPr>
+          </a:p>
+        </p:txBody>
+      </p:sp>
+    </p:spTree>
+    <p:extLst>
+      <p:ext uri="{BB962C8B-B14F-4D97-AF65-F5344CB8AC3E}">
+        <p14:creationId xmlns:p14="http://schemas.microsoft.com/office/powerpoint/2010/main" val="2733567568"/>
+      </p:ext>
+    </p:extLst>
+  </p:cSld>
+  <p:clrMapOvr>
+    <a:masterClrMapping/>
+  </p:clrMapOvr>
+</p:sld>
+</file>
+
+<file path=ppt/slides/slide23.xml><?xml version="1.0" encoding="utf-8"?>
+<p:sld xmlns:a="http://schemas.openxmlformats.org/drawingml/2006/main" xmlns:r="http://schemas.openxmlformats.org/officeDocument/2006/relationships" xmlns:p="http://schemas.openxmlformats.org/presentationml/2006/main">
+  <p:cSld>
+    <p:bg>
+      <p:bgPr>
+        <a:blipFill>
+          <a:blip r:embed="rId3"/>
+          <a:tile tx="0" ty="0" sx="100000" sy="100000" flip="none" algn="tl"/>
+        </a:blipFill>
+        <a:effectLst/>
+      </p:bgPr>
+    </p:bg>
+    <p:spTree>
+      <p:nvGrpSpPr>
+        <p:cNvPr id="1" name=""/>
+        <p:cNvGrpSpPr/>
+        <p:nvPr/>
+      </p:nvGrpSpPr>
+      <p:grpSpPr>
+        <a:xfrm>
+          <a:off x="0" y="0"/>
+          <a:ext cx="0" cy="0"/>
+          <a:chOff x="0" y="0"/>
+          <a:chExt cx="0" cy="0"/>
+        </a:xfrm>
+      </p:grpSpPr>
+      <p:sp>
+        <p:nvSpPr>
+          <p:cNvPr id="2" name="文本框 1">
+            <a:extLst>
+              <a:ext uri="{FF2B5EF4-FFF2-40B4-BE49-F238E27FC236}">
+                <a16:creationId xmlns:a16="http://schemas.microsoft.com/office/drawing/2014/main" id="{12AA8BCC-7B15-4842-80C2-48C079429338}"/>
+              </a:ext>
+            </a:extLst>
+          </p:cNvPr>
+          <p:cNvSpPr txBox="1"/>
+          <p:nvPr/>
+        </p:nvSpPr>
+        <p:spPr>
+          <a:xfrm>
             <a:off x="1725374" y="955548"/>
             <a:ext cx="8741252" cy="830997"/>
           </a:xfrm>
@@ -11925,13 +12322,13 @@
               <a:rPr kumimoji="1" lang="en-US" altLang="zh-CN" sz="4800" dirty="0">
                 <a:ea typeface="Microsoft YaHei" panose="020B0503020204020204" pitchFamily="34" charset="-122"/>
               </a:rPr>
-              <a:t>Cloneable---</a:t>
+              <a:t>Java</a:t>
             </a:r>
             <a:r>
               <a:rPr kumimoji="1" lang="zh-CN" altLang="en-US" sz="4800" dirty="0">
                 <a:ea typeface="Microsoft YaHei" panose="020B0503020204020204" pitchFamily="34" charset="-122"/>
               </a:rPr>
-              <a:t>浅复制</a:t>
+              <a:t>中的浅拷贝</a:t>
             </a:r>
             <a:endParaRPr kumimoji="1" lang="en-US" altLang="zh-CN" sz="4800" dirty="0">
               <a:ea typeface="Microsoft YaHei" panose="020B0503020204020204" pitchFamily="34" charset="-122"/>
@@ -12459,7 +12856,7 @@
                   <a:schemeClr val="bg1"/>
                 </a:solidFill>
               </a:rPr>
-              <a:t>但真正的复制，是要克隆体和母体是互不影响的。</a:t>
+              <a:t>但真正的拷贝，是要克隆体和母体是互不影响的。</a:t>
             </a:r>
           </a:p>
         </p:txBody>
@@ -12628,7 +13025,7 @@
 </p:sld>
 </file>
 
-<file path=ppt/slides/slide23.xml><?xml version="1.0" encoding="utf-8"?>
+<file path=ppt/slides/slide24.xml><?xml version="1.0" encoding="utf-8"?>
 <p:sld xmlns:a="http://schemas.openxmlformats.org/drawingml/2006/main" xmlns:r="http://schemas.openxmlformats.org/officeDocument/2006/relationships" xmlns:p="http://schemas.openxmlformats.org/presentationml/2006/main">
   <p:cSld>
     <p:bg>
@@ -12687,13 +13084,13 @@
               <a:rPr kumimoji="1" lang="en-US" altLang="zh-CN" sz="4800" dirty="0">
                 <a:ea typeface="Microsoft YaHei" panose="020B0503020204020204" pitchFamily="34" charset="-122"/>
               </a:rPr>
-              <a:t>Cloneable---</a:t>
+              <a:t>Java</a:t>
             </a:r>
             <a:r>
               <a:rPr kumimoji="1" lang="zh-CN" altLang="en-US" sz="4800" dirty="0">
                 <a:ea typeface="Microsoft YaHei" panose="020B0503020204020204" pitchFamily="34" charset="-122"/>
               </a:rPr>
-              <a:t>深复制</a:t>
+              <a:t>中的深拷贝</a:t>
             </a:r>
             <a:endParaRPr kumimoji="1" lang="en-US" altLang="zh-CN" sz="4800" dirty="0">
               <a:ea typeface="Microsoft YaHei" panose="020B0503020204020204" pitchFamily="34" charset="-122"/>
@@ -13164,7 +13561,7 @@
                   <a:schemeClr val="bg1"/>
                 </a:solidFill>
               </a:rPr>
-              <a:t>深复制的优点就是克服了浅复制的缺点，达到克隆体和母体是互不影响的目的！</a:t>
+              <a:t>深复制的优点就是克服了浅拷贝的缺点，达到克隆体和母体是互不影响的目的！</a:t>
             </a:r>
           </a:p>
         </p:txBody>
@@ -13532,277 +13929,6 @@
 </p:sld>
 </file>
 
-<file path=ppt/slides/slide24.xml><?xml version="1.0" encoding="utf-8"?>
-<p:sld xmlns:a="http://schemas.openxmlformats.org/drawingml/2006/main" xmlns:r="http://schemas.openxmlformats.org/officeDocument/2006/relationships" xmlns:p="http://schemas.openxmlformats.org/presentationml/2006/main">
-  <p:cSld>
-    <p:bg>
-      <p:bgPr>
-        <a:blipFill>
-          <a:blip r:embed="rId3"/>
-          <a:tile tx="0" ty="0" sx="100000" sy="100000" flip="none" algn="tl"/>
-        </a:blipFill>
-        <a:effectLst/>
-      </p:bgPr>
-    </p:bg>
-    <p:spTree>
-      <p:nvGrpSpPr>
-        <p:cNvPr id="1" name=""/>
-        <p:cNvGrpSpPr/>
-        <p:nvPr/>
-      </p:nvGrpSpPr>
-      <p:grpSpPr>
-        <a:xfrm>
-          <a:off x="0" y="0"/>
-          <a:ext cx="0" cy="0"/>
-          <a:chOff x="0" y="0"/>
-          <a:chExt cx="0" cy="0"/>
-        </a:xfrm>
-      </p:grpSpPr>
-      <p:sp>
-        <p:nvSpPr>
-          <p:cNvPr id="2" name="文本框 1">
-            <a:extLst>
-              <a:ext uri="{FF2B5EF4-FFF2-40B4-BE49-F238E27FC236}">
-                <a16:creationId xmlns:a16="http://schemas.microsoft.com/office/drawing/2014/main" id="{12AA8BCC-7B15-4842-80C2-48C079429338}"/>
-              </a:ext>
-            </a:extLst>
-          </p:cNvPr>
-          <p:cNvSpPr txBox="1"/>
-          <p:nvPr/>
-        </p:nvSpPr>
-        <p:spPr>
-          <a:xfrm>
-            <a:off x="1725374" y="955548"/>
-            <a:ext cx="8741252" cy="830997"/>
-          </a:xfrm>
-          <a:prstGeom prst="rect">
-            <a:avLst/>
-          </a:prstGeom>
-          <a:noFill/>
-        </p:spPr>
-        <p:txBody>
-          <a:bodyPr wrap="square" rtlCol="0">
-            <a:spAutoFit/>
-          </a:bodyPr>
-          <a:lstStyle/>
-          <a:p>
-            <a:pPr algn="ctr"/>
-            <a:r>
-              <a:rPr kumimoji="1" lang="en-US" altLang="zh-CN" sz="4800" dirty="0">
-                <a:ea typeface="Microsoft YaHei" panose="020B0503020204020204" pitchFamily="34" charset="-122"/>
-              </a:rPr>
-              <a:t>Cloneable---</a:t>
-            </a:r>
-            <a:r>
-              <a:rPr kumimoji="1" lang="zh-CN" altLang="en-US" sz="4800" dirty="0">
-                <a:ea typeface="Microsoft YaHei" panose="020B0503020204020204" pitchFamily="34" charset="-122"/>
-              </a:rPr>
-              <a:t>递归克隆原则</a:t>
-            </a:r>
-            <a:endParaRPr kumimoji="1" lang="en-US" altLang="zh-CN" sz="4800" dirty="0">
-              <a:ea typeface="Microsoft YaHei" panose="020B0503020204020204" pitchFamily="34" charset="-122"/>
-            </a:endParaRPr>
-          </a:p>
-        </p:txBody>
-      </p:sp>
-      <p:sp>
-        <p:nvSpPr>
-          <p:cNvPr id="5" name="文本框 4">
-            <a:extLst>
-              <a:ext uri="{FF2B5EF4-FFF2-40B4-BE49-F238E27FC236}">
-                <a16:creationId xmlns:a16="http://schemas.microsoft.com/office/drawing/2014/main" id="{5A821B64-9452-E840-A08A-BFFC20203CAD}"/>
-              </a:ext>
-            </a:extLst>
-          </p:cNvPr>
-          <p:cNvSpPr txBox="1"/>
-          <p:nvPr/>
-        </p:nvSpPr>
-        <p:spPr>
-          <a:xfrm>
-            <a:off x="1078992" y="2340864"/>
-            <a:ext cx="9387634" cy="3905043"/>
-          </a:xfrm>
-          <a:prstGeom prst="rect">
-            <a:avLst/>
-          </a:prstGeom>
-          <a:noFill/>
-        </p:spPr>
-        <p:txBody>
-          <a:bodyPr wrap="square" rtlCol="0">
-            <a:spAutoFit/>
-          </a:bodyPr>
-          <a:lstStyle/>
-          <a:p>
-            <a:pPr marL="342900" indent="-342900">
-              <a:lnSpc>
-                <a:spcPct val="150000"/>
-              </a:lnSpc>
-              <a:buFont typeface="Arial" panose="020B0604020202020204" pitchFamily="34" charset="0"/>
-              <a:buChar char="•"/>
-            </a:pPr>
-            <a:r>
-              <a:rPr kumimoji="1" lang="zh-CN" altLang="en-US" sz="2400" dirty="0">
-                <a:latin typeface="Microsoft YaHei" panose="020B0503020204020204" pitchFamily="34" charset="-122"/>
-                <a:ea typeface="Microsoft YaHei" panose="020B0503020204020204" pitchFamily="34" charset="-122"/>
-              </a:rPr>
-              <a:t>若不重写</a:t>
-            </a:r>
-            <a:r>
-              <a:rPr kumimoji="1" lang="en-US" altLang="zh-CN" sz="2400" dirty="0">
-                <a:latin typeface="Microsoft YaHei" panose="020B0503020204020204" pitchFamily="34" charset="-122"/>
-                <a:ea typeface="Microsoft YaHei" panose="020B0503020204020204" pitchFamily="34" charset="-122"/>
-              </a:rPr>
-              <a:t>clone</a:t>
-            </a:r>
-            <a:r>
-              <a:rPr kumimoji="1" lang="zh-CN" altLang="en-US" sz="2400" dirty="0">
-                <a:latin typeface="Microsoft YaHei" panose="020B0503020204020204" pitchFamily="34" charset="-122"/>
-                <a:ea typeface="Microsoft YaHei" panose="020B0503020204020204" pitchFamily="34" charset="-122"/>
-              </a:rPr>
-              <a:t>函数，一个默认的</a:t>
-            </a:r>
-            <a:r>
-              <a:rPr kumimoji="1" lang="en-US" altLang="zh-CN" sz="2400" dirty="0">
-                <a:latin typeface="Microsoft YaHei" panose="020B0503020204020204" pitchFamily="34" charset="-122"/>
-                <a:ea typeface="Microsoft YaHei" panose="020B0503020204020204" pitchFamily="34" charset="-122"/>
-              </a:rPr>
-              <a:t>clone()</a:t>
-            </a:r>
-            <a:r>
-              <a:rPr kumimoji="1" lang="zh-CN" altLang="en-US" sz="2400" dirty="0">
-                <a:latin typeface="Microsoft YaHei" panose="020B0503020204020204" pitchFamily="34" charset="-122"/>
-                <a:ea typeface="Microsoft YaHei" panose="020B0503020204020204" pitchFamily="34" charset="-122"/>
-              </a:rPr>
-              <a:t>方法实现机制是浅拷贝。</a:t>
-            </a:r>
-            <a:endParaRPr kumimoji="1" lang="en-US" altLang="zh-CN" sz="2400" dirty="0">
-              <a:latin typeface="Microsoft YaHei" panose="020B0503020204020204" pitchFamily="34" charset="-122"/>
-              <a:ea typeface="Microsoft YaHei" panose="020B0503020204020204" pitchFamily="34" charset="-122"/>
-            </a:endParaRPr>
-          </a:p>
-          <a:p>
-            <a:pPr marL="342900" indent="-342900">
-              <a:lnSpc>
-                <a:spcPct val="150000"/>
-              </a:lnSpc>
-              <a:buFont typeface="Arial" panose="020B0604020202020204" pitchFamily="34" charset="0"/>
-              <a:buChar char="•"/>
-            </a:pPr>
-            <a:r>
-              <a:rPr kumimoji="1" lang="zh-CN" altLang="en-US" sz="2400" dirty="0">
-                <a:latin typeface="Microsoft YaHei" panose="020B0503020204020204" pitchFamily="34" charset="-122"/>
-                <a:ea typeface="Microsoft YaHei" panose="020B0503020204020204" pitchFamily="34" charset="-122"/>
-              </a:rPr>
-              <a:t>因此要达到真正的克隆，需要</a:t>
-            </a:r>
-            <a:r>
-              <a:rPr kumimoji="1" lang="zh-CN" altLang="en-US" sz="2400" dirty="0">
-                <a:solidFill>
-                  <a:schemeClr val="accent2"/>
-                </a:solidFill>
-                <a:latin typeface="Microsoft YaHei" panose="020B0503020204020204" pitchFamily="34" charset="-122"/>
-                <a:ea typeface="Microsoft YaHei" panose="020B0503020204020204" pitchFamily="34" charset="-122"/>
-              </a:rPr>
-              <a:t>递归地</a:t>
-            </a:r>
-            <a:r>
-              <a:rPr kumimoji="1" lang="zh-CN" altLang="en-US" sz="2400" dirty="0">
-                <a:latin typeface="Microsoft YaHei" panose="020B0503020204020204" pitchFamily="34" charset="-122"/>
-                <a:ea typeface="Microsoft YaHei" panose="020B0503020204020204" pitchFamily="34" charset="-122"/>
-              </a:rPr>
-              <a:t>确保一个类中的所有成员都是</a:t>
-            </a:r>
-            <a:r>
-              <a:rPr kumimoji="1" lang="en-US" altLang="zh-CN" sz="2400" dirty="0">
-                <a:latin typeface="Microsoft YaHei" panose="020B0503020204020204" pitchFamily="34" charset="-122"/>
-                <a:ea typeface="Microsoft YaHei" panose="020B0503020204020204" pitchFamily="34" charset="-122"/>
-              </a:rPr>
-              <a:t>cloneable.</a:t>
-            </a:r>
-            <a:r>
-              <a:rPr kumimoji="1" lang="zh-CN" altLang="en-US" sz="2400" dirty="0">
-                <a:latin typeface="Microsoft YaHei" panose="020B0503020204020204" pitchFamily="34" charset="-122"/>
-                <a:ea typeface="Microsoft YaHei" panose="020B0503020204020204" pitchFamily="34" charset="-122"/>
-              </a:rPr>
-              <a:t> 且</a:t>
-            </a:r>
-            <a:r>
-              <a:rPr kumimoji="1" lang="en-US" altLang="zh-CN" sz="2400" dirty="0">
-                <a:latin typeface="Microsoft YaHei" panose="020B0503020204020204" pitchFamily="34" charset="-122"/>
-                <a:ea typeface="Microsoft YaHei" panose="020B0503020204020204" pitchFamily="34" charset="-122"/>
-              </a:rPr>
-              <a:t>clone</a:t>
-            </a:r>
-            <a:r>
-              <a:rPr kumimoji="1" lang="zh-CN" altLang="en-US" sz="2400" dirty="0">
-                <a:latin typeface="Microsoft YaHei" panose="020B0503020204020204" pitchFamily="34" charset="-122"/>
-                <a:ea typeface="Microsoft YaHei" panose="020B0503020204020204" pitchFamily="34" charset="-122"/>
-              </a:rPr>
-              <a:t>方法都实现了深度拷贝。</a:t>
-            </a:r>
-            <a:endParaRPr kumimoji="1" lang="en-US" altLang="zh-CN" sz="2400" dirty="0">
-              <a:latin typeface="Microsoft YaHei" panose="020B0503020204020204" pitchFamily="34" charset="-122"/>
-              <a:ea typeface="Microsoft YaHei" panose="020B0503020204020204" pitchFamily="34" charset="-122"/>
-            </a:endParaRPr>
-          </a:p>
-          <a:p>
-            <a:pPr marL="342900" indent="-342900">
-              <a:lnSpc>
-                <a:spcPct val="150000"/>
-              </a:lnSpc>
-              <a:buFont typeface="Arial" panose="020B0604020202020204" pitchFamily="34" charset="0"/>
-              <a:buChar char="•"/>
-            </a:pPr>
-            <a:endParaRPr kumimoji="1" lang="en-US" altLang="zh-CN" sz="2400" dirty="0">
-              <a:latin typeface="Microsoft YaHei" panose="020B0503020204020204" pitchFamily="34" charset="-122"/>
-              <a:ea typeface="Microsoft YaHei" panose="020B0503020204020204" pitchFamily="34" charset="-122"/>
-            </a:endParaRPr>
-          </a:p>
-          <a:p>
-            <a:pPr>
-              <a:lnSpc>
-                <a:spcPct val="150000"/>
-              </a:lnSpc>
-            </a:pPr>
-            <a:endParaRPr kumimoji="1" lang="en-US" altLang="zh-CN" sz="2400" dirty="0">
-              <a:latin typeface="Microsoft YaHei" panose="020B0503020204020204" pitchFamily="34" charset="-122"/>
-              <a:ea typeface="Microsoft YaHei" panose="020B0503020204020204" pitchFamily="34" charset="-122"/>
-            </a:endParaRPr>
-          </a:p>
-          <a:p>
-            <a:pPr marL="342900" indent="-342900">
-              <a:lnSpc>
-                <a:spcPct val="150000"/>
-              </a:lnSpc>
-              <a:buFont typeface="Arial" panose="020B0604020202020204" pitchFamily="34" charset="0"/>
-              <a:buChar char="•"/>
-            </a:pPr>
-            <a:r>
-              <a:rPr kumimoji="1" lang="zh-CN" altLang="en-US" sz="2400" dirty="0">
-                <a:solidFill>
-                  <a:schemeClr val="accent2"/>
-                </a:solidFill>
-                <a:latin typeface="Microsoft YaHei" panose="020B0503020204020204" pitchFamily="34" charset="-122"/>
-                <a:ea typeface="Microsoft YaHei" panose="020B0503020204020204" pitchFamily="34" charset="-122"/>
-              </a:rPr>
-              <a:t>总结：如果实现完整的深拷贝，需要被复制对象的继承链、引用链上的每一个对象都实现克隆机制。</a:t>
-            </a:r>
-          </a:p>
-        </p:txBody>
-      </p:sp>
-    </p:spTree>
-    <p:extLst>
-      <p:ext uri="{BB962C8B-B14F-4D97-AF65-F5344CB8AC3E}">
-        <p14:creationId xmlns:p14="http://schemas.microsoft.com/office/powerpoint/2010/main" val="3352990087"/>
-      </p:ext>
-    </p:extLst>
-  </p:cSld>
-  <p:clrMapOvr>
-    <a:masterClrMapping/>
-  </p:clrMapOvr>
-</p:sld>
-</file>
-
 <file path=ppt/slides/slide25.xml><?xml version="1.0" encoding="utf-8"?>
 <p:sld xmlns:a="http://schemas.openxmlformats.org/drawingml/2006/main" xmlns:r="http://schemas.openxmlformats.org/officeDocument/2006/relationships" xmlns:p="http://schemas.openxmlformats.org/presentationml/2006/main">
   <p:cSld>
@@ -13859,10 +13985,16 @@
           <a:p>
             <a:pPr algn="ctr"/>
             <a:r>
+              <a:rPr kumimoji="1" lang="en-US" altLang="zh-CN" sz="4800" dirty="0">
+                <a:ea typeface="Microsoft YaHei" panose="020B0503020204020204" pitchFamily="34" charset="-122"/>
+              </a:rPr>
+              <a:t>Cloneable---</a:t>
+            </a:r>
+            <a:r>
               <a:rPr kumimoji="1" lang="zh-CN" altLang="en-US" sz="4800" dirty="0">
                 <a:ea typeface="Microsoft YaHei" panose="020B0503020204020204" pitchFamily="34" charset="-122"/>
               </a:rPr>
-              <a:t>递归克隆：当前类的克隆写法</a:t>
+              <a:t>递归克隆原则</a:t>
             </a:r>
             <a:endParaRPr kumimoji="1" lang="en-US" altLang="zh-CN" sz="4800" dirty="0">
               <a:ea typeface="Microsoft YaHei" panose="020B0503020204020204" pitchFamily="34" charset="-122"/>
@@ -13872,10 +14004,10 @@
       </p:sp>
       <p:sp>
         <p:nvSpPr>
-          <p:cNvPr id="4" name="文本框 3">
+          <p:cNvPr id="5" name="文本框 4">
             <a:extLst>
               <a:ext uri="{FF2B5EF4-FFF2-40B4-BE49-F238E27FC236}">
-                <a16:creationId xmlns:a16="http://schemas.microsoft.com/office/drawing/2014/main" id="{AD20C7BD-80EE-C146-9A86-BBE403DB7D59}"/>
+                <a16:creationId xmlns:a16="http://schemas.microsoft.com/office/drawing/2014/main" id="{5A821B64-9452-E840-A08A-BFFC20203CAD}"/>
               </a:ext>
             </a:extLst>
           </p:cNvPr>
@@ -13884,8 +14016,8 @@
         </p:nvSpPr>
         <p:spPr>
           <a:xfrm>
-            <a:off x="883920" y="2972907"/>
-            <a:ext cx="10424160" cy="830997"/>
+            <a:off x="1078992" y="2286000"/>
+            <a:ext cx="10607040" cy="4459041"/>
           </a:xfrm>
           <a:prstGeom prst="rect">
             <a:avLst/>
@@ -13898,48 +14030,158 @@
           </a:bodyPr>
           <a:lstStyle/>
           <a:p>
-            <a:endParaRPr kumimoji="1" lang="zh-CN" altLang="en-US" sz="2400" dirty="0">
+            <a:pPr>
+              <a:lnSpc>
+                <a:spcPct val="150000"/>
+              </a:lnSpc>
+            </a:pPr>
+            <a:r>
+              <a:rPr kumimoji="1" lang="zh-CN" altLang="en-US" sz="2400" dirty="0">
+                <a:solidFill>
+                  <a:schemeClr val="accent2"/>
+                </a:solidFill>
+                <a:latin typeface="Microsoft YaHei" panose="020B0503020204020204" pitchFamily="34" charset="-122"/>
+                <a:ea typeface="Microsoft YaHei" panose="020B0503020204020204" pitchFamily="34" charset="-122"/>
+              </a:rPr>
+              <a:t>先讲结论：如果实现完整的深拷贝，需要对象的继承链、引用链上的每一个对象（非基础类型，非不可变类）都实现克隆机制。</a:t>
+            </a:r>
+            <a:endParaRPr kumimoji="1" lang="en-US" altLang="zh-CN" sz="2400" dirty="0">
+              <a:solidFill>
+                <a:schemeClr val="accent2"/>
+              </a:solidFill>
               <a:latin typeface="Microsoft YaHei" panose="020B0503020204020204" pitchFamily="34" charset="-122"/>
               <a:ea typeface="Microsoft YaHei" panose="020B0503020204020204" pitchFamily="34" charset="-122"/>
             </a:endParaRPr>
           </a:p>
           <a:p>
+            <a:pPr marL="342900" indent="-342900">
+              <a:lnSpc>
+                <a:spcPct val="150000"/>
+              </a:lnSpc>
+              <a:buFont typeface="Arial" panose="020B0604020202020204" pitchFamily="34" charset="0"/>
+              <a:buChar char="•"/>
+            </a:pPr>
+            <a:endParaRPr kumimoji="1" lang="en-US" altLang="zh-CN" sz="2400" dirty="0">
+              <a:solidFill>
+                <a:schemeClr val="accent2"/>
+              </a:solidFill>
+              <a:latin typeface="Microsoft YaHei" panose="020B0503020204020204" pitchFamily="34" charset="-122"/>
+              <a:ea typeface="Microsoft YaHei" panose="020B0503020204020204" pitchFamily="34" charset="-122"/>
+            </a:endParaRPr>
+          </a:p>
+          <a:p>
+            <a:pPr marL="342900" indent="-342900">
+              <a:lnSpc>
+                <a:spcPct val="150000"/>
+              </a:lnSpc>
+              <a:buFont typeface="Arial" panose="020B0604020202020204" pitchFamily="34" charset="0"/>
+              <a:buChar char="•"/>
+            </a:pPr>
+            <a:r>
+              <a:rPr kumimoji="1" lang="zh-CN" altLang="en-US" sz="2400" dirty="0">
+                <a:latin typeface="Microsoft YaHei" panose="020B0503020204020204" pitchFamily="34" charset="-122"/>
+                <a:ea typeface="Microsoft YaHei" panose="020B0503020204020204" pitchFamily="34" charset="-122"/>
+              </a:rPr>
+              <a:t>一个类若不重写</a:t>
+            </a:r>
+            <a:r>
+              <a:rPr kumimoji="1" lang="en-US" altLang="zh-CN" sz="2400" dirty="0">
+                <a:latin typeface="Microsoft YaHei" panose="020B0503020204020204" pitchFamily="34" charset="-122"/>
+                <a:ea typeface="Microsoft YaHei" panose="020B0503020204020204" pitchFamily="34" charset="-122"/>
+              </a:rPr>
+              <a:t>clone</a:t>
+            </a:r>
+            <a:r>
+              <a:rPr kumimoji="1" lang="zh-CN" altLang="en-US" sz="2400" dirty="0">
+                <a:latin typeface="Microsoft YaHei" panose="020B0503020204020204" pitchFamily="34" charset="-122"/>
+                <a:ea typeface="Microsoft YaHei" panose="020B0503020204020204" pitchFamily="34" charset="-122"/>
+              </a:rPr>
+              <a:t>函数，默认的</a:t>
+            </a:r>
+            <a:r>
+              <a:rPr kumimoji="1" lang="en-US" altLang="zh-CN" sz="2400" dirty="0">
+                <a:latin typeface="Microsoft YaHei" panose="020B0503020204020204" pitchFamily="34" charset="-122"/>
+                <a:ea typeface="Microsoft YaHei" panose="020B0503020204020204" pitchFamily="34" charset="-122"/>
+              </a:rPr>
+              <a:t>clone()</a:t>
+            </a:r>
+            <a:r>
+              <a:rPr kumimoji="1" lang="zh-CN" altLang="en-US" sz="2400" dirty="0">
+                <a:latin typeface="Microsoft YaHei" panose="020B0503020204020204" pitchFamily="34" charset="-122"/>
+                <a:ea typeface="Microsoft YaHei" panose="020B0503020204020204" pitchFamily="34" charset="-122"/>
+              </a:rPr>
+              <a:t>方法实现机制是浅拷贝。</a:t>
+            </a:r>
             <a:endParaRPr kumimoji="1" lang="en-US" altLang="zh-CN" sz="2400" dirty="0">
               <a:latin typeface="Microsoft YaHei" panose="020B0503020204020204" pitchFamily="34" charset="-122"/>
               <a:ea typeface="Microsoft YaHei" panose="020B0503020204020204" pitchFamily="34" charset="-122"/>
             </a:endParaRPr>
           </a:p>
-        </p:txBody>
-      </p:sp>
-      <p:sp>
-        <p:nvSpPr>
-          <p:cNvPr id="6" name="文本框 5">
-            <a:extLst>
-              <a:ext uri="{FF2B5EF4-FFF2-40B4-BE49-F238E27FC236}">
-                <a16:creationId xmlns:a16="http://schemas.microsoft.com/office/drawing/2014/main" id="{1314AC37-30F4-4845-AB5A-DDEC73B910E1}"/>
-              </a:ext>
-            </a:extLst>
-          </p:cNvPr>
-          <p:cNvSpPr txBox="1"/>
-          <p:nvPr/>
-        </p:nvSpPr>
-        <p:spPr>
-          <a:xfrm>
-            <a:off x="1507287" y="1786545"/>
-            <a:ext cx="9177425" cy="5022016"/>
-          </a:xfrm>
-          <a:prstGeom prst="rect">
-            <a:avLst/>
-          </a:prstGeom>
-          <a:solidFill>
-            <a:schemeClr val="accent2"/>
-          </a:solidFill>
-        </p:spPr>
-        <p:txBody>
-          <a:bodyPr wrap="square" rtlCol="0">
-            <a:spAutoFit/>
-          </a:bodyPr>
-          <a:lstStyle/>
+          <a:p>
+            <a:pPr marL="342900" indent="-342900">
+              <a:lnSpc>
+                <a:spcPct val="150000"/>
+              </a:lnSpc>
+              <a:buFont typeface="Arial" panose="020B0604020202020204" pitchFamily="34" charset="0"/>
+              <a:buChar char="•"/>
+            </a:pPr>
+            <a:r>
+              <a:rPr kumimoji="1" lang="zh-CN" altLang="en-US" sz="2400" dirty="0">
+                <a:latin typeface="Microsoft YaHei" panose="020B0503020204020204" pitchFamily="34" charset="-122"/>
+                <a:ea typeface="Microsoft YaHei" panose="020B0503020204020204" pitchFamily="34" charset="-122"/>
+              </a:rPr>
+              <a:t>因此要达到真正的克隆，需要</a:t>
+            </a:r>
+            <a:r>
+              <a:rPr kumimoji="1" lang="zh-CN" altLang="en-US" sz="2400" dirty="0">
+                <a:solidFill>
+                  <a:schemeClr val="accent2"/>
+                </a:solidFill>
+                <a:latin typeface="Microsoft YaHei" panose="020B0503020204020204" pitchFamily="34" charset="-122"/>
+                <a:ea typeface="Microsoft YaHei" panose="020B0503020204020204" pitchFamily="34" charset="-122"/>
+              </a:rPr>
+              <a:t>递归地</a:t>
+            </a:r>
+            <a:r>
+              <a:rPr kumimoji="1" lang="zh-CN" altLang="en-US" sz="2400" dirty="0">
+                <a:latin typeface="Microsoft YaHei" panose="020B0503020204020204" pitchFamily="34" charset="-122"/>
+                <a:ea typeface="Microsoft YaHei" panose="020B0503020204020204" pitchFamily="34" charset="-122"/>
+              </a:rPr>
+              <a:t>确保一个类中的所有成员都是</a:t>
+            </a:r>
+            <a:r>
+              <a:rPr kumimoji="1" lang="en-US" altLang="zh-CN" sz="2400" dirty="0">
+                <a:latin typeface="Microsoft YaHei" panose="020B0503020204020204" pitchFamily="34" charset="-122"/>
+                <a:ea typeface="Microsoft YaHei" panose="020B0503020204020204" pitchFamily="34" charset="-122"/>
+              </a:rPr>
+              <a:t>cloneable.</a:t>
+            </a:r>
+            <a:r>
+              <a:rPr kumimoji="1" lang="zh-CN" altLang="en-US" sz="2400" dirty="0">
+                <a:latin typeface="Microsoft YaHei" panose="020B0503020204020204" pitchFamily="34" charset="-122"/>
+                <a:ea typeface="Microsoft YaHei" panose="020B0503020204020204" pitchFamily="34" charset="-122"/>
+              </a:rPr>
+              <a:t> 且</a:t>
+            </a:r>
+            <a:r>
+              <a:rPr kumimoji="1" lang="en-US" altLang="zh-CN" sz="2400" dirty="0">
+                <a:latin typeface="Microsoft YaHei" panose="020B0503020204020204" pitchFamily="34" charset="-122"/>
+                <a:ea typeface="Microsoft YaHei" panose="020B0503020204020204" pitchFamily="34" charset="-122"/>
+              </a:rPr>
+              <a:t>clone</a:t>
+            </a:r>
+            <a:r>
+              <a:rPr kumimoji="1" lang="zh-CN" altLang="en-US" sz="2400" dirty="0">
+                <a:latin typeface="Microsoft YaHei" panose="020B0503020204020204" pitchFamily="34" charset="-122"/>
+                <a:ea typeface="Microsoft YaHei" panose="020B0503020204020204" pitchFamily="34" charset="-122"/>
+              </a:rPr>
+              <a:t>方法都实现了深度拷贝。除非类中成员是如下情形：</a:t>
+            </a:r>
+            <a:endParaRPr kumimoji="1" lang="en-US" altLang="zh-CN" sz="2400" dirty="0">
+              <a:latin typeface="Microsoft YaHei" panose="020B0503020204020204" pitchFamily="34" charset="-122"/>
+              <a:ea typeface="Microsoft YaHei" panose="020B0503020204020204" pitchFamily="34" charset="-122"/>
+            </a:endParaRPr>
+          </a:p>
           <a:p>
             <a:pPr marL="914400" lvl="1" indent="-457200">
               <a:lnSpc>
@@ -13949,35 +14191,31 @@
             </a:pPr>
             <a:r>
               <a:rPr kumimoji="1" lang="zh-CN" altLang="en-US" sz="2400" dirty="0">
-                <a:solidFill>
-                  <a:schemeClr val="bg1"/>
-                </a:solidFill>
-              </a:rPr>
-              <a:t>对当前类</a:t>
+                <a:latin typeface="Microsoft YaHei" panose="020B0503020204020204" pitchFamily="34" charset="-122"/>
+                <a:ea typeface="Microsoft YaHei" panose="020B0503020204020204" pitchFamily="34" charset="-122"/>
+              </a:rPr>
+              <a:t>基本类型 比如 </a:t>
             </a:r>
             <a:r>
               <a:rPr kumimoji="1" lang="en-US" altLang="zh-CN" sz="2400" dirty="0">
-                <a:solidFill>
-                  <a:schemeClr val="bg1"/>
-                </a:solidFill>
-              </a:rPr>
-              <a:t>implements</a:t>
+                <a:latin typeface="Microsoft YaHei" panose="020B0503020204020204" pitchFamily="34" charset="-122"/>
+                <a:ea typeface="Microsoft YaHei" panose="020B0503020204020204" pitchFamily="34" charset="-122"/>
+              </a:rPr>
+              <a:t>int</a:t>
             </a:r>
             <a:r>
               <a:rPr kumimoji="1" lang="zh-CN" altLang="en-US" sz="2400" dirty="0">
-                <a:solidFill>
-                  <a:schemeClr val="bg1"/>
-                </a:solidFill>
-              </a:rPr>
-              <a:t> </a:t>
+                <a:latin typeface="Microsoft YaHei" panose="020B0503020204020204" pitchFamily="34" charset="-122"/>
+                <a:ea typeface="Microsoft YaHei" panose="020B0503020204020204" pitchFamily="34" charset="-122"/>
+              </a:rPr>
+              <a:t>，</a:t>
             </a:r>
             <a:r>
               <a:rPr kumimoji="1" lang="en-US" altLang="zh-CN" sz="2400" dirty="0">
-                <a:solidFill>
-                  <a:schemeClr val="bg1"/>
-                </a:solidFill>
-              </a:rPr>
-              <a:t>cloneable</a:t>
+                <a:latin typeface="Microsoft YaHei" panose="020B0503020204020204" pitchFamily="34" charset="-122"/>
+                <a:ea typeface="Microsoft YaHei" panose="020B0503020204020204" pitchFamily="34" charset="-122"/>
+              </a:rPr>
+              <a:t>double...</a:t>
             </a:r>
           </a:p>
           <a:p>
@@ -13989,196 +14227,56 @@
             </a:pPr>
             <a:r>
               <a:rPr kumimoji="1" lang="zh-CN" altLang="en-US" sz="2400" dirty="0">
-                <a:solidFill>
-                  <a:schemeClr val="bg1"/>
-                </a:solidFill>
-              </a:rPr>
-              <a:t>重写</a:t>
+                <a:latin typeface="Microsoft YaHei" panose="020B0503020204020204" pitchFamily="34" charset="-122"/>
+                <a:ea typeface="Microsoft YaHei" panose="020B0503020204020204" pitchFamily="34" charset="-122"/>
+              </a:rPr>
+              <a:t>不可变类 </a:t>
             </a:r>
             <a:r>
               <a:rPr kumimoji="1" lang="en-US" altLang="zh-CN" sz="2400" dirty="0">
-                <a:solidFill>
-                  <a:schemeClr val="bg1"/>
-                </a:solidFill>
-              </a:rPr>
-              <a:t>Clone</a:t>
+                <a:latin typeface="Microsoft YaHei" panose="020B0503020204020204" pitchFamily="34" charset="-122"/>
+                <a:ea typeface="Microsoft YaHei" panose="020B0503020204020204" pitchFamily="34" charset="-122"/>
+              </a:rPr>
+              <a:t>Integer,</a:t>
             </a:r>
             <a:r>
               <a:rPr kumimoji="1" lang="zh-CN" altLang="en-US" sz="2400" dirty="0">
-                <a:solidFill>
-                  <a:schemeClr val="bg1"/>
-                </a:solidFill>
-              </a:rPr>
-              <a:t>方法：</a:t>
+                <a:latin typeface="Microsoft YaHei" panose="020B0503020204020204" pitchFamily="34" charset="-122"/>
+                <a:ea typeface="Microsoft YaHei" panose="020B0503020204020204" pitchFamily="34" charset="-122"/>
+              </a:rPr>
+              <a:t> </a:t>
+            </a:r>
+            <a:r>
+              <a:rPr kumimoji="1" lang="en-US" altLang="zh-CN" sz="2400" dirty="0">
+                <a:latin typeface="Microsoft YaHei" panose="020B0503020204020204" pitchFamily="34" charset="-122"/>
+                <a:ea typeface="Microsoft YaHei" panose="020B0503020204020204" pitchFamily="34" charset="-122"/>
+              </a:rPr>
+              <a:t>Double,</a:t>
+            </a:r>
+            <a:r>
+              <a:rPr kumimoji="1" lang="zh-CN" altLang="en-US" sz="2400" dirty="0">
+                <a:latin typeface="Microsoft YaHei" panose="020B0503020204020204" pitchFamily="34" charset="-122"/>
+                <a:ea typeface="Microsoft YaHei" panose="020B0503020204020204" pitchFamily="34" charset="-122"/>
+              </a:rPr>
+              <a:t> </a:t>
+            </a:r>
+            <a:r>
+              <a:rPr kumimoji="1" lang="en-US" altLang="zh-CN" sz="2400" dirty="0">
+                <a:latin typeface="Microsoft YaHei" panose="020B0503020204020204" pitchFamily="34" charset="-122"/>
+                <a:ea typeface="Microsoft YaHei" panose="020B0503020204020204" pitchFamily="34" charset="-122"/>
+              </a:rPr>
+              <a:t>String</a:t>
+            </a:r>
+            <a:r>
+              <a:rPr kumimoji="1" lang="zh-CN" altLang="en-US" sz="2400" dirty="0">
+                <a:latin typeface="Microsoft YaHei" panose="020B0503020204020204" pitchFamily="34" charset="-122"/>
+                <a:ea typeface="Microsoft YaHei" panose="020B0503020204020204" pitchFamily="34" charset="-122"/>
+              </a:rPr>
+              <a:t>类等。</a:t>
             </a:r>
             <a:endParaRPr kumimoji="1" lang="en-US" altLang="zh-CN" sz="2400" dirty="0">
-              <a:solidFill>
-                <a:schemeClr val="bg1"/>
-              </a:solidFill>
-            </a:endParaRPr>
-          </a:p>
-          <a:p>
-            <a:pPr lvl="1">
-              <a:lnSpc>
-                <a:spcPct val="150000"/>
-              </a:lnSpc>
-            </a:pPr>
-            <a:r>
-              <a:rPr kumimoji="1" lang="en-US" altLang="zh-CN" sz="2400" dirty="0">
-                <a:solidFill>
-                  <a:schemeClr val="bg1"/>
-                </a:solidFill>
-              </a:rPr>
-              <a:t>	1.</a:t>
-            </a:r>
-            <a:r>
-              <a:rPr kumimoji="1" lang="zh-CN" altLang="en-US" sz="2400" dirty="0">
-                <a:solidFill>
-                  <a:schemeClr val="bg1"/>
-                </a:solidFill>
-              </a:rPr>
-              <a:t> 如果一个被复制的对象的属性都是基本类型，则</a:t>
-            </a:r>
-            <a:endParaRPr kumimoji="1" lang="en-US" altLang="zh-CN" sz="2400" dirty="0">
-              <a:solidFill>
-                <a:schemeClr val="bg1"/>
-              </a:solidFill>
-            </a:endParaRPr>
-          </a:p>
-          <a:p>
-            <a:pPr lvl="2">
-              <a:lnSpc>
-                <a:spcPct val="150000"/>
-              </a:lnSpc>
-            </a:pPr>
-            <a:r>
-              <a:rPr kumimoji="1" lang="zh-CN" altLang="en-US" sz="2400" dirty="0">
-                <a:solidFill>
-                  <a:schemeClr val="bg1"/>
-                </a:solidFill>
-              </a:rPr>
-              <a:t>只需要调用</a:t>
-            </a:r>
-            <a:r>
-              <a:rPr kumimoji="1" lang="en-US" altLang="zh-CN" sz="2400" dirty="0" err="1">
-                <a:solidFill>
-                  <a:schemeClr val="bg1"/>
-                </a:solidFill>
-              </a:rPr>
-              <a:t>super.clone</a:t>
-            </a:r>
-            <a:r>
-              <a:rPr kumimoji="1" lang="en-US" altLang="zh-CN" sz="2400" dirty="0">
-                <a:solidFill>
-                  <a:schemeClr val="bg1"/>
-                </a:solidFill>
-              </a:rPr>
-              <a:t>()</a:t>
-            </a:r>
-            <a:r>
-              <a:rPr kumimoji="1" lang="zh-CN" altLang="en-US" sz="2400" dirty="0">
-                <a:solidFill>
-                  <a:schemeClr val="bg1"/>
-                </a:solidFill>
-              </a:rPr>
-              <a:t>即可。</a:t>
-            </a:r>
-            <a:endParaRPr kumimoji="1" lang="en-US" altLang="zh-CN" sz="2400" dirty="0">
-              <a:solidFill>
-                <a:schemeClr val="bg1"/>
-              </a:solidFill>
-            </a:endParaRPr>
-          </a:p>
-          <a:p>
-            <a:pPr lvl="2">
-              <a:lnSpc>
-                <a:spcPct val="150000"/>
-              </a:lnSpc>
-            </a:pPr>
-            <a:r>
-              <a:rPr kumimoji="1" lang="en-US" altLang="zh-CN" sz="2400" dirty="0">
-                <a:solidFill>
-                  <a:schemeClr val="bg1"/>
-                </a:solidFill>
-              </a:rPr>
-              <a:t>2.</a:t>
-            </a:r>
-            <a:r>
-              <a:rPr kumimoji="1" lang="zh-CN" altLang="en-US" sz="2400" dirty="0">
-                <a:solidFill>
-                  <a:schemeClr val="bg1"/>
-                </a:solidFill>
-              </a:rPr>
-              <a:t> 如果被复制对象的成员属性包含其他实体类对象引用，那么除了调用</a:t>
-            </a:r>
-            <a:r>
-              <a:rPr kumimoji="1" lang="en-US" altLang="zh-CN" sz="2400" dirty="0" err="1">
-                <a:solidFill>
-                  <a:schemeClr val="bg1"/>
-                </a:solidFill>
-              </a:rPr>
-              <a:t>super.clone</a:t>
-            </a:r>
-            <a:r>
-              <a:rPr kumimoji="1" lang="zh-CN" altLang="en-US" sz="2400" dirty="0">
-                <a:solidFill>
-                  <a:schemeClr val="bg1"/>
-                </a:solidFill>
-              </a:rPr>
-              <a:t>（）进行非类对象成员属性的</a:t>
-            </a:r>
-            <a:r>
-              <a:rPr kumimoji="1" lang="en-US" altLang="zh-CN" sz="2400" dirty="0">
-                <a:solidFill>
-                  <a:schemeClr val="bg1"/>
-                </a:solidFill>
-              </a:rPr>
-              <a:t>clone</a:t>
-            </a:r>
-            <a:r>
-              <a:rPr kumimoji="1" lang="zh-CN" altLang="en-US" sz="2400" dirty="0">
-                <a:solidFill>
-                  <a:schemeClr val="bg1"/>
-                </a:solidFill>
-              </a:rPr>
-              <a:t>外，还需要调用实体类对象的</a:t>
-            </a:r>
-            <a:r>
-              <a:rPr kumimoji="1" lang="en-US" altLang="zh-CN" sz="2400" dirty="0">
-                <a:solidFill>
-                  <a:schemeClr val="bg1"/>
-                </a:solidFill>
-              </a:rPr>
-              <a:t>clone</a:t>
-            </a:r>
-            <a:r>
-              <a:rPr kumimoji="1" lang="zh-CN" altLang="en-US" sz="2400" dirty="0">
-                <a:solidFill>
-                  <a:schemeClr val="bg1"/>
-                </a:solidFill>
-              </a:rPr>
-              <a:t>方法对这个对象进行单独克隆赋值，达到深度拷贝。（至于这个成员实体类的</a:t>
-            </a:r>
-            <a:r>
-              <a:rPr kumimoji="1" lang="en-US" altLang="zh-CN" sz="2400" dirty="0">
-                <a:solidFill>
-                  <a:schemeClr val="bg1"/>
-                </a:solidFill>
-              </a:rPr>
-              <a:t>clone</a:t>
-            </a:r>
-            <a:r>
-              <a:rPr kumimoji="1" lang="zh-CN" altLang="en-US" sz="2400" dirty="0">
-                <a:solidFill>
-                  <a:schemeClr val="bg1"/>
-                </a:solidFill>
-              </a:rPr>
-              <a:t>写法，则继续按照这个递归规则方式写）</a:t>
-            </a:r>
-            <a:endParaRPr kumimoji="1" lang="en-US" altLang="zh-CN" sz="2400" dirty="0">
-              <a:solidFill>
-                <a:schemeClr val="bg1"/>
-              </a:solidFill>
+              <a:latin typeface="Microsoft YaHei" panose="020B0503020204020204" pitchFamily="34" charset="-122"/>
+              <a:ea typeface="Microsoft YaHei" panose="020B0503020204020204" pitchFamily="34" charset="-122"/>
             </a:endParaRPr>
           </a:p>
         </p:txBody>
@@ -14186,7 +14284,7 @@
     </p:spTree>
     <p:extLst>
       <p:ext uri="{BB962C8B-B14F-4D97-AF65-F5344CB8AC3E}">
-        <p14:creationId xmlns:p14="http://schemas.microsoft.com/office/powerpoint/2010/main" val="1683010116"/>
+        <p14:creationId xmlns:p14="http://schemas.microsoft.com/office/powerpoint/2010/main" val="3352990087"/>
       </p:ext>
     </p:extLst>
   </p:cSld>
@@ -14236,7 +14334,7 @@
         </p:nvSpPr>
         <p:spPr>
           <a:xfrm>
-            <a:off x="1725374" y="955548"/>
+            <a:off x="2135952" y="822959"/>
             <a:ext cx="8741252" cy="830997"/>
           </a:xfrm>
           <a:prstGeom prst="rect">
@@ -14253,15 +14351,17 @@
             <a:pPr algn="ctr"/>
             <a:r>
               <a:rPr kumimoji="1" lang="en-US" altLang="zh-CN" sz="4800" dirty="0">
-                <a:ea typeface="Microsoft YaHei" panose="020B0503020204020204" pitchFamily="34" charset="-122"/>
-              </a:rPr>
-              <a:t>Cloneable---</a:t>
+                <a:latin typeface="Microsoft YaHei" panose="020B0503020204020204" pitchFamily="34" charset="-122"/>
+                <a:ea typeface="Microsoft YaHei" panose="020B0503020204020204" pitchFamily="34" charset="-122"/>
+              </a:rPr>
+              <a:t>Cloneable</a:t>
             </a:r>
             <a:r>
               <a:rPr kumimoji="1" lang="zh-CN" altLang="en-US" sz="4800" dirty="0">
-                <a:ea typeface="Microsoft YaHei" panose="020B0503020204020204" pitchFamily="34" charset="-122"/>
-              </a:rPr>
-              <a:t>递归克隆原则例子</a:t>
+                <a:latin typeface="Microsoft YaHei" panose="020B0503020204020204" pitchFamily="34" charset="-122"/>
+                <a:ea typeface="Microsoft YaHei" panose="020B0503020204020204" pitchFamily="34" charset="-122"/>
+              </a:rPr>
+              <a:t>接口用法</a:t>
             </a:r>
             <a:endParaRPr kumimoji="1" lang="en-US" altLang="zh-CN" sz="4800" dirty="0">
               <a:ea typeface="Microsoft YaHei" panose="020B0503020204020204" pitchFamily="34" charset="-122"/>
@@ -14271,10 +14371,10 @@
       </p:sp>
       <p:sp>
         <p:nvSpPr>
-          <p:cNvPr id="4" name="文本框 3">
+          <p:cNvPr id="3" name="文本框 2">
             <a:extLst>
               <a:ext uri="{FF2B5EF4-FFF2-40B4-BE49-F238E27FC236}">
-                <a16:creationId xmlns:a16="http://schemas.microsoft.com/office/drawing/2014/main" id="{AD20C7BD-80EE-C146-9A86-BBE403DB7D59}"/>
+                <a16:creationId xmlns:a16="http://schemas.microsoft.com/office/drawing/2014/main" id="{F9F2836E-84E2-5042-9CCF-7E3C3CE5B763}"/>
               </a:ext>
             </a:extLst>
           </p:cNvPr>
@@ -14283,8 +14383,8 @@
         </p:nvSpPr>
         <p:spPr>
           <a:xfrm>
-            <a:off x="883920" y="2972907"/>
-            <a:ext cx="10424160" cy="830997"/>
+            <a:off x="3050352" y="3429000"/>
+            <a:ext cx="8741252" cy="830997"/>
           </a:xfrm>
           <a:prstGeom prst="rect">
             <a:avLst/>
@@ -14297,608 +14397,115 @@
           </a:bodyPr>
           <a:lstStyle/>
           <a:p>
-            <a:endParaRPr kumimoji="1" lang="zh-CN" altLang="en-US" sz="2400" dirty="0">
-              <a:latin typeface="Microsoft YaHei" panose="020B0503020204020204" pitchFamily="34" charset="-122"/>
-              <a:ea typeface="Microsoft YaHei" panose="020B0503020204020204" pitchFamily="34" charset="-122"/>
-            </a:endParaRPr>
-          </a:p>
-          <a:p>
+            <a:pPr marL="457200" indent="-457200">
+              <a:buFont typeface="+mj-lt"/>
+              <a:buAutoNum type="arabicPeriod"/>
+            </a:pPr>
+            <a:r>
+              <a:rPr kumimoji="1" lang="zh-CN" altLang="en-US" sz="2400" dirty="0">
+                <a:latin typeface="Microsoft YaHei" panose="020B0503020204020204" pitchFamily="34" charset="-122"/>
+                <a:ea typeface="Microsoft YaHei" panose="020B0503020204020204" pitchFamily="34" charset="-122"/>
+              </a:rPr>
+              <a:t>类实现</a:t>
+            </a:r>
+            <a:r>
+              <a:rPr kumimoji="1" lang="en-US" altLang="zh-CN" sz="2400" dirty="0">
+                <a:latin typeface="Microsoft YaHei" panose="020B0503020204020204" pitchFamily="34" charset="-122"/>
+                <a:ea typeface="Microsoft YaHei" panose="020B0503020204020204" pitchFamily="34" charset="-122"/>
+              </a:rPr>
+              <a:t>(implements)</a:t>
+            </a:r>
+            <a:r>
+              <a:rPr kumimoji="1" lang="zh-CN" altLang="en-US" sz="2400" dirty="0">
+                <a:latin typeface="Microsoft YaHei" panose="020B0503020204020204" pitchFamily="34" charset="-122"/>
+                <a:ea typeface="Microsoft YaHei" panose="020B0503020204020204" pitchFamily="34" charset="-122"/>
+              </a:rPr>
+              <a:t> </a:t>
+            </a:r>
+            <a:r>
+              <a:rPr kumimoji="1" lang="en-US" altLang="zh-CN" sz="2400" dirty="0">
+                <a:latin typeface="Microsoft YaHei" panose="020B0503020204020204" pitchFamily="34" charset="-122"/>
+                <a:ea typeface="Microsoft YaHei" panose="020B0503020204020204" pitchFamily="34" charset="-122"/>
+              </a:rPr>
+              <a:t>Cloneable</a:t>
+            </a:r>
+            <a:r>
+              <a:rPr kumimoji="1" lang="zh-CN" altLang="en-US" sz="2400" dirty="0">
+                <a:latin typeface="Microsoft YaHei" panose="020B0503020204020204" pitchFamily="34" charset="-122"/>
+                <a:ea typeface="Microsoft YaHei" panose="020B0503020204020204" pitchFamily="34" charset="-122"/>
+              </a:rPr>
+              <a:t>接口</a:t>
+            </a:r>
             <a:endParaRPr kumimoji="1" lang="en-US" altLang="zh-CN" sz="2400" dirty="0">
               <a:latin typeface="Microsoft YaHei" panose="020B0503020204020204" pitchFamily="34" charset="-122"/>
               <a:ea typeface="Microsoft YaHei" panose="020B0503020204020204" pitchFamily="34" charset="-122"/>
             </a:endParaRPr>
           </a:p>
-        </p:txBody>
-      </p:sp>
-      <p:sp>
-        <p:nvSpPr>
-          <p:cNvPr id="9" name="文本框 8">
-            <a:extLst>
-              <a:ext uri="{FF2B5EF4-FFF2-40B4-BE49-F238E27FC236}">
-                <a16:creationId xmlns:a16="http://schemas.microsoft.com/office/drawing/2014/main" id="{6B6B5F59-F3B1-FE4E-8EED-65E514850193}"/>
-              </a:ext>
-            </a:extLst>
-          </p:cNvPr>
-          <p:cNvSpPr txBox="1"/>
-          <p:nvPr/>
-        </p:nvSpPr>
-        <p:spPr>
-          <a:xfrm>
-            <a:off x="7053072" y="2972907"/>
-            <a:ext cx="4937760" cy="3693319"/>
-          </a:xfrm>
-          <a:prstGeom prst="rect">
-            <a:avLst/>
-          </a:prstGeom>
-          <a:solidFill>
-            <a:schemeClr val="accent2"/>
-          </a:solidFill>
-        </p:spPr>
-        <p:txBody>
-          <a:bodyPr wrap="square" rtlCol="0">
-            <a:spAutoFit/>
-          </a:bodyPr>
-          <a:lstStyle/>
-          <a:p>
-            <a:r>
-              <a:rPr kumimoji="1" lang="en-US" altLang="zh-CN" dirty="0">
-                <a:solidFill>
-                  <a:schemeClr val="bg1"/>
-                </a:solidFill>
-              </a:rPr>
-              <a:t>Class</a:t>
-            </a:r>
-            <a:r>
-              <a:rPr kumimoji="1" lang="zh-CN" altLang="en-US" dirty="0">
-                <a:solidFill>
-                  <a:schemeClr val="bg1"/>
-                </a:solidFill>
-              </a:rPr>
-              <a:t> </a:t>
-            </a:r>
-            <a:r>
-              <a:rPr kumimoji="1" lang="en-US" altLang="zh-CN" dirty="0">
-                <a:solidFill>
-                  <a:schemeClr val="bg1"/>
-                </a:solidFill>
-              </a:rPr>
-              <a:t>House{</a:t>
-            </a:r>
-          </a:p>
-          <a:p>
-            <a:r>
-              <a:rPr kumimoji="1" lang="en-US" altLang="zh-CN" dirty="0">
-                <a:solidFill>
-                  <a:schemeClr val="bg1"/>
-                </a:solidFill>
-              </a:rPr>
-              <a:t>	//3</a:t>
-            </a:r>
-            <a:r>
-              <a:rPr kumimoji="1" lang="zh-CN" altLang="en-US" dirty="0">
-                <a:solidFill>
-                  <a:schemeClr val="bg1"/>
-                </a:solidFill>
-              </a:rPr>
-              <a:t>个数据</a:t>
-            </a:r>
-            <a:endParaRPr kumimoji="1" lang="en-US" altLang="zh-CN" dirty="0">
-              <a:solidFill>
-                <a:schemeClr val="bg1"/>
-              </a:solidFill>
-            </a:endParaRPr>
-          </a:p>
-          <a:p>
-            <a:r>
-              <a:rPr kumimoji="1" lang="en-US" altLang="zh-CN" dirty="0">
-                <a:solidFill>
-                  <a:schemeClr val="bg1"/>
-                </a:solidFill>
-              </a:rPr>
-              <a:t>	</a:t>
-            </a:r>
-            <a:r>
-              <a:rPr lang="en-US" altLang="zh-CN" dirty="0">
-                <a:solidFill>
-                  <a:schemeClr val="bg1"/>
-                </a:solidFill>
-              </a:rPr>
-              <a:t>private int id;</a:t>
-            </a:r>
-            <a:br>
-              <a:rPr lang="en-US" altLang="zh-CN" dirty="0">
-                <a:solidFill>
-                  <a:schemeClr val="bg1"/>
-                </a:solidFill>
-              </a:rPr>
-            </a:br>
-            <a:r>
-              <a:rPr lang="en-US" altLang="zh-CN" dirty="0">
-                <a:solidFill>
-                  <a:schemeClr val="bg1"/>
-                </a:solidFill>
-              </a:rPr>
-              <a:t>	private double area;</a:t>
-            </a:r>
-            <a:br>
-              <a:rPr lang="en-US" altLang="zh-CN" dirty="0">
-                <a:solidFill>
-                  <a:schemeClr val="bg1"/>
-                </a:solidFill>
-              </a:rPr>
-            </a:br>
-            <a:r>
-              <a:rPr lang="en-US" altLang="zh-CN" dirty="0">
-                <a:solidFill>
-                  <a:schemeClr val="bg1"/>
-                </a:solidFill>
-              </a:rPr>
-              <a:t>	private Address</a:t>
-            </a:r>
-            <a:r>
-              <a:rPr lang="zh-CN" altLang="en-US" dirty="0">
-                <a:solidFill>
-                  <a:schemeClr val="bg1"/>
-                </a:solidFill>
-              </a:rPr>
-              <a:t> </a:t>
-            </a:r>
-            <a:r>
-              <a:rPr lang="en-US" altLang="zh-CN" dirty="0">
-                <a:solidFill>
-                  <a:schemeClr val="bg1"/>
-                </a:solidFill>
-              </a:rPr>
-              <a:t>address</a:t>
-            </a:r>
-          </a:p>
-          <a:p>
-            <a:r>
-              <a:rPr kumimoji="1" lang="en-US" altLang="zh-CN" dirty="0">
-                <a:solidFill>
-                  <a:schemeClr val="bg1"/>
-                </a:solidFill>
-              </a:rPr>
-              <a:t>	...</a:t>
-            </a:r>
-          </a:p>
-          <a:p>
-            <a:endParaRPr kumimoji="1" lang="en-US" altLang="zh-CN" dirty="0">
-              <a:solidFill>
-                <a:schemeClr val="bg1"/>
-              </a:solidFill>
-            </a:endParaRPr>
-          </a:p>
-          <a:p>
-            <a:r>
-              <a:rPr kumimoji="1" lang="en-US" altLang="zh-CN" dirty="0">
-                <a:solidFill>
-                  <a:schemeClr val="bg1"/>
-                </a:solidFill>
-              </a:rPr>
-              <a:t>}</a:t>
-            </a:r>
-          </a:p>
-          <a:p>
-            <a:endParaRPr kumimoji="1" lang="en-US" altLang="zh-CN" dirty="0">
-              <a:solidFill>
-                <a:schemeClr val="bg1"/>
-              </a:solidFill>
-            </a:endParaRPr>
-          </a:p>
-          <a:p>
-            <a:r>
-              <a:rPr kumimoji="1" lang="en-US" altLang="zh-CN" dirty="0">
-                <a:solidFill>
-                  <a:schemeClr val="bg1"/>
-                </a:solidFill>
-              </a:rPr>
-              <a:t>Class</a:t>
-            </a:r>
-            <a:r>
-              <a:rPr kumimoji="1" lang="zh-CN" altLang="en-US" dirty="0">
-                <a:solidFill>
-                  <a:schemeClr val="bg1"/>
-                </a:solidFill>
-              </a:rPr>
-              <a:t> </a:t>
-            </a:r>
-            <a:r>
-              <a:rPr kumimoji="1" lang="en-US" altLang="zh-CN" dirty="0">
-                <a:solidFill>
-                  <a:schemeClr val="bg1"/>
-                </a:solidFill>
-              </a:rPr>
-              <a:t>Address</a:t>
-            </a:r>
-            <a:r>
-              <a:rPr kumimoji="1" lang="zh-CN" altLang="en-US" dirty="0">
-                <a:solidFill>
-                  <a:schemeClr val="bg1"/>
-                </a:solidFill>
-              </a:rPr>
-              <a:t> </a:t>
-            </a:r>
-            <a:r>
-              <a:rPr kumimoji="1" lang="en-US" altLang="zh-CN" dirty="0">
-                <a:solidFill>
-                  <a:schemeClr val="bg1"/>
-                </a:solidFill>
-              </a:rPr>
-              <a:t>{</a:t>
-            </a:r>
-          </a:p>
-          <a:p>
-            <a:r>
-              <a:rPr kumimoji="1" lang="en-US" altLang="zh-CN" dirty="0">
-                <a:solidFill>
-                  <a:schemeClr val="bg1"/>
-                </a:solidFill>
-              </a:rPr>
-              <a:t>	String</a:t>
-            </a:r>
-            <a:r>
-              <a:rPr kumimoji="1" lang="zh-CN" altLang="en-US" dirty="0">
-                <a:solidFill>
-                  <a:schemeClr val="bg1"/>
-                </a:solidFill>
-              </a:rPr>
-              <a:t> </a:t>
-            </a:r>
-            <a:r>
-              <a:rPr kumimoji="1" lang="en-US" altLang="zh-CN" dirty="0">
-                <a:solidFill>
-                  <a:schemeClr val="bg1"/>
-                </a:solidFill>
-              </a:rPr>
-              <a:t>city;</a:t>
-            </a:r>
-          </a:p>
-          <a:p>
-            <a:r>
-              <a:rPr kumimoji="1" lang="en-US" altLang="zh-CN" dirty="0">
-                <a:solidFill>
-                  <a:schemeClr val="bg1"/>
-                </a:solidFill>
-              </a:rPr>
-              <a:t>	String</a:t>
-            </a:r>
-            <a:r>
-              <a:rPr kumimoji="1" lang="zh-CN" altLang="en-US" dirty="0">
-                <a:solidFill>
-                  <a:schemeClr val="bg1"/>
-                </a:solidFill>
-              </a:rPr>
-              <a:t> </a:t>
-            </a:r>
-            <a:r>
-              <a:rPr kumimoji="1" lang="en-US" altLang="zh-CN" dirty="0" err="1">
-                <a:solidFill>
-                  <a:schemeClr val="bg1"/>
-                </a:solidFill>
-              </a:rPr>
-              <a:t>streetNo</a:t>
-            </a:r>
-            <a:endParaRPr kumimoji="1" lang="en-US" altLang="zh-CN" dirty="0">
-              <a:solidFill>
-                <a:schemeClr val="bg1"/>
-              </a:solidFill>
-            </a:endParaRPr>
-          </a:p>
-          <a:p>
-            <a:r>
-              <a:rPr kumimoji="1" lang="en-US" altLang="zh-CN" dirty="0">
-                <a:solidFill>
-                  <a:schemeClr val="bg1"/>
-                </a:solidFill>
-              </a:rPr>
-              <a:t>}</a:t>
-            </a:r>
-            <a:endParaRPr kumimoji="1" lang="zh-CN" altLang="en-US" dirty="0">
-              <a:solidFill>
-                <a:schemeClr val="bg1"/>
-              </a:solidFill>
-            </a:endParaRPr>
-          </a:p>
-        </p:txBody>
-      </p:sp>
-      <p:sp>
-        <p:nvSpPr>
-          <p:cNvPr id="3" name="文本框 2">
-            <a:extLst>
-              <a:ext uri="{FF2B5EF4-FFF2-40B4-BE49-F238E27FC236}">
-                <a16:creationId xmlns:a16="http://schemas.microsoft.com/office/drawing/2014/main" id="{EA890A9B-6006-5748-87E3-6D087887C82D}"/>
-              </a:ext>
-            </a:extLst>
-          </p:cNvPr>
-          <p:cNvSpPr txBox="1"/>
-          <p:nvPr/>
-        </p:nvSpPr>
-        <p:spPr>
-          <a:xfrm>
-            <a:off x="1188720" y="2761488"/>
-            <a:ext cx="5614416" cy="3970318"/>
-          </a:xfrm>
-          <a:prstGeom prst="rect">
-            <a:avLst/>
-          </a:prstGeom>
-          <a:noFill/>
-        </p:spPr>
-        <p:txBody>
-          <a:bodyPr wrap="square" rtlCol="0">
-            <a:spAutoFit/>
-          </a:bodyPr>
-          <a:lstStyle/>
-          <a:p>
-            <a:r>
-              <a:rPr kumimoji="1" lang="en-US" altLang="zh-CN" dirty="0"/>
-              <a:t>House</a:t>
-            </a:r>
-            <a:r>
-              <a:rPr kumimoji="1" lang="zh-CN" altLang="en-US" dirty="0"/>
-              <a:t> 的</a:t>
-            </a:r>
-            <a:r>
-              <a:rPr kumimoji="1" lang="en-US" altLang="zh-CN" dirty="0"/>
-              <a:t>clone</a:t>
-            </a:r>
-            <a:r>
-              <a:rPr kumimoji="1" lang="zh-CN" altLang="en-US" dirty="0"/>
-              <a:t>分为</a:t>
-            </a:r>
-            <a:r>
-              <a:rPr kumimoji="1" lang="en-US" altLang="zh-CN" dirty="0"/>
-              <a:t>3</a:t>
-            </a:r>
-            <a:r>
-              <a:rPr kumimoji="1" lang="zh-CN" altLang="en-US" dirty="0"/>
-              <a:t>部分</a:t>
-            </a:r>
-            <a:endParaRPr kumimoji="1" lang="en-US" altLang="zh-CN" dirty="0"/>
-          </a:p>
-          <a:p>
-            <a:pPr marL="342900" indent="-342900">
+          <a:p>
+            <a:pPr marL="457200" indent="-457200">
               <a:buFont typeface="+mj-lt"/>
               <a:buAutoNum type="arabicPeriod"/>
             </a:pPr>
             <a:r>
-              <a:rPr kumimoji="1" lang="zh-CN" altLang="en-US" dirty="0"/>
-              <a:t> </a:t>
-            </a:r>
-            <a:r>
-              <a:rPr kumimoji="1" lang="en-US" altLang="zh-CN" dirty="0"/>
-              <a:t>id</a:t>
-            </a:r>
-            <a:r>
-              <a:rPr kumimoji="1" lang="zh-CN" altLang="en-US" dirty="0"/>
-              <a:t>的克隆 </a:t>
-            </a:r>
-            <a:r>
-              <a:rPr kumimoji="1" lang="en-US" altLang="zh-CN" dirty="0"/>
-              <a:t>(</a:t>
-            </a:r>
-            <a:r>
-              <a:rPr kumimoji="1" lang="zh-CN" altLang="en-US" dirty="0"/>
-              <a:t>基本类型</a:t>
-            </a:r>
-            <a:r>
-              <a:rPr kumimoji="1" lang="en-US" altLang="zh-CN" dirty="0"/>
-              <a:t>,</a:t>
-            </a:r>
-            <a:r>
-              <a:rPr kumimoji="1" lang="zh-CN" altLang="en-US" dirty="0"/>
-              <a:t> 不用管，</a:t>
-            </a:r>
-            <a:r>
-              <a:rPr kumimoji="1" lang="en-US" altLang="zh-CN" dirty="0"/>
-              <a:t>)</a:t>
-            </a:r>
-          </a:p>
-          <a:p>
-            <a:pPr marL="342900" indent="-342900">
-              <a:buFont typeface="+mj-lt"/>
-              <a:buAutoNum type="arabicPeriod"/>
-            </a:pPr>
-            <a:r>
-              <a:rPr kumimoji="1" lang="en-US" altLang="zh-CN" dirty="0"/>
-              <a:t>area</a:t>
-            </a:r>
-            <a:r>
-              <a:rPr kumimoji="1" lang="zh-CN" altLang="en-US" dirty="0"/>
-              <a:t>的克隆</a:t>
-            </a:r>
-            <a:r>
-              <a:rPr kumimoji="1" lang="en-US" altLang="zh-CN" dirty="0"/>
-              <a:t>(</a:t>
-            </a:r>
-            <a:r>
-              <a:rPr kumimoji="1" lang="zh-CN" altLang="en-US" dirty="0"/>
-              <a:t>基本类型</a:t>
-            </a:r>
-            <a:r>
-              <a:rPr kumimoji="1" lang="en-US" altLang="zh-CN" dirty="0"/>
-              <a:t>)</a:t>
-            </a:r>
-          </a:p>
-          <a:p>
-            <a:pPr marL="342900" indent="-342900">
-              <a:buFont typeface="+mj-lt"/>
-              <a:buAutoNum type="arabicPeriod"/>
-            </a:pPr>
-            <a:r>
-              <a:rPr kumimoji="1" lang="en-US" altLang="zh-CN" dirty="0"/>
-              <a:t>address</a:t>
-            </a:r>
-            <a:r>
-              <a:rPr kumimoji="1" lang="zh-CN" altLang="en-US" dirty="0"/>
-              <a:t>的克隆</a:t>
-            </a:r>
-            <a:r>
-              <a:rPr kumimoji="1" lang="en-US" altLang="zh-CN" dirty="0"/>
-              <a:t>(</a:t>
-            </a:r>
-            <a:r>
-              <a:rPr kumimoji="1" lang="zh-CN" altLang="en-US" dirty="0"/>
-              <a:t>类对象，需要实现</a:t>
-            </a:r>
-            <a:r>
-              <a:rPr kumimoji="1" lang="en-US" altLang="zh-CN" dirty="0"/>
-              <a:t>cloneable,</a:t>
-            </a:r>
-            <a:r>
-              <a:rPr kumimoji="1" lang="zh-CN" altLang="en-US" dirty="0"/>
-              <a:t>并重写</a:t>
-            </a:r>
-            <a:r>
-              <a:rPr kumimoji="1" lang="en-US" altLang="zh-CN" dirty="0"/>
-              <a:t>clone)</a:t>
-            </a:r>
-          </a:p>
-          <a:p>
-            <a:pPr marL="342900" indent="-342900">
-              <a:buFont typeface="+mj-lt"/>
-              <a:buAutoNum type="arabicPeriod"/>
-            </a:pPr>
-            <a:endParaRPr kumimoji="1" lang="en-US" altLang="zh-CN" dirty="0"/>
-          </a:p>
-          <a:p>
-            <a:r>
-              <a:rPr kumimoji="1" lang="en-US" altLang="zh-CN" dirty="0"/>
-              <a:t>Address</a:t>
-            </a:r>
-            <a:r>
-              <a:rPr kumimoji="1" lang="zh-CN" altLang="en-US" dirty="0"/>
-              <a:t>的</a:t>
-            </a:r>
-            <a:r>
-              <a:rPr kumimoji="1" lang="en-US" altLang="zh-CN" dirty="0"/>
-              <a:t>clone</a:t>
-            </a:r>
-            <a:r>
-              <a:rPr kumimoji="1" lang="zh-CN" altLang="en-US" dirty="0"/>
-              <a:t>分为</a:t>
-            </a:r>
-            <a:r>
-              <a:rPr kumimoji="1" lang="en-US" altLang="zh-CN" dirty="0"/>
-              <a:t>2</a:t>
-            </a:r>
-            <a:r>
-              <a:rPr kumimoji="1" lang="zh-CN" altLang="en-US" dirty="0"/>
-              <a:t>部分</a:t>
-            </a:r>
-            <a:endParaRPr kumimoji="1" lang="en-US" altLang="zh-CN" dirty="0"/>
-          </a:p>
-          <a:p>
-            <a:pPr marL="342900" indent="-342900">
-              <a:buFont typeface="+mj-lt"/>
-              <a:buAutoNum type="arabicPeriod"/>
-            </a:pPr>
-            <a:r>
-              <a:rPr kumimoji="1" lang="en-US" altLang="zh-CN" dirty="0"/>
-              <a:t>City</a:t>
-            </a:r>
-            <a:r>
-              <a:rPr kumimoji="1" lang="zh-CN" altLang="en-US" dirty="0"/>
-              <a:t>的克隆 </a:t>
-            </a:r>
-            <a:r>
-              <a:rPr kumimoji="1" lang="en-US" altLang="zh-CN" dirty="0"/>
-              <a:t>(String</a:t>
-            </a:r>
-            <a:r>
-              <a:rPr kumimoji="1" lang="zh-CN" altLang="en-US" dirty="0"/>
-              <a:t>类型，不用管</a:t>
-            </a:r>
-            <a:r>
-              <a:rPr kumimoji="1" lang="en-US" altLang="zh-CN" dirty="0"/>
-              <a:t>)</a:t>
-            </a:r>
-          </a:p>
-          <a:p>
-            <a:pPr marL="342900" indent="-342900">
-              <a:buFont typeface="+mj-lt"/>
-              <a:buAutoNum type="arabicPeriod"/>
-            </a:pPr>
-            <a:r>
-              <a:rPr kumimoji="1" lang="en-US" altLang="zh-CN" dirty="0" err="1"/>
-              <a:t>streetNo</a:t>
-            </a:r>
-            <a:r>
-              <a:rPr kumimoji="1" lang="zh-CN" altLang="en-US" dirty="0"/>
-              <a:t>的克隆</a:t>
-            </a:r>
-            <a:r>
-              <a:rPr kumimoji="1" lang="en-US" altLang="zh-CN" dirty="0"/>
-              <a:t>(String</a:t>
-            </a:r>
-            <a:r>
-              <a:rPr kumimoji="1" lang="zh-CN" altLang="en-US" dirty="0"/>
-              <a:t> 类型，不用管</a:t>
-            </a:r>
-            <a:r>
-              <a:rPr kumimoji="1" lang="en-US" altLang="zh-CN" dirty="0"/>
-              <a:t>)</a:t>
-            </a:r>
-          </a:p>
-          <a:p>
-            <a:pPr marL="342900" indent="-342900">
-              <a:buFont typeface="+mj-lt"/>
-              <a:buAutoNum type="arabicPeriod"/>
-            </a:pPr>
-            <a:endParaRPr kumimoji="1" lang="en-US" altLang="zh-CN" dirty="0"/>
-          </a:p>
-          <a:p>
-            <a:r>
-              <a:rPr kumimoji="1" lang="en-US" altLang="zh-CN" dirty="0"/>
-              <a:t>Address</a:t>
-            </a:r>
-            <a:r>
-              <a:rPr kumimoji="1" lang="zh-CN" altLang="en-US" dirty="0"/>
-              <a:t>因为其包含的都是基础类型</a:t>
-            </a:r>
-            <a:r>
-              <a:rPr kumimoji="1" lang="en-US" altLang="zh-CN" dirty="0"/>
-              <a:t>(String</a:t>
-            </a:r>
-            <a:r>
-              <a:rPr kumimoji="1" lang="zh-CN" altLang="en-US" dirty="0"/>
-              <a:t>也不需要我们管</a:t>
-            </a:r>
-            <a:r>
-              <a:rPr kumimoji="1" lang="en-US" altLang="zh-CN" dirty="0"/>
-              <a:t>)</a:t>
-            </a:r>
-            <a:r>
-              <a:rPr kumimoji="1" lang="zh-CN" altLang="en-US" dirty="0"/>
-              <a:t>，所以其</a:t>
-            </a:r>
-            <a:r>
-              <a:rPr kumimoji="1" lang="en-US" altLang="zh-CN" dirty="0"/>
-              <a:t>clone</a:t>
-            </a:r>
-            <a:r>
-              <a:rPr kumimoji="1" lang="zh-CN" altLang="en-US" dirty="0"/>
-              <a:t>函数体只需要写</a:t>
-            </a:r>
-            <a:r>
-              <a:rPr kumimoji="1" lang="en-US" altLang="zh-CN" dirty="0" err="1"/>
-              <a:t>super.clone</a:t>
-            </a:r>
-            <a:r>
-              <a:rPr kumimoji="1" lang="zh-CN" altLang="en-US" dirty="0"/>
-              <a:t>（）一句就可以</a:t>
-            </a:r>
-            <a:endParaRPr kumimoji="1" lang="en-US" altLang="zh-CN" dirty="0"/>
-          </a:p>
-          <a:p>
-            <a:endParaRPr kumimoji="1" lang="zh-CN" altLang="en-US" dirty="0"/>
+              <a:rPr kumimoji="1" lang="zh-CN" altLang="en-US" sz="2400" dirty="0">
+                <a:latin typeface="Microsoft YaHei" panose="020B0503020204020204" pitchFamily="34" charset="-122"/>
+                <a:ea typeface="Microsoft YaHei" panose="020B0503020204020204" pitchFamily="34" charset="-122"/>
+              </a:rPr>
+              <a:t>重写</a:t>
+            </a:r>
+            <a:r>
+              <a:rPr kumimoji="1" lang="en-US" altLang="zh-CN" sz="2400" dirty="0">
+                <a:latin typeface="Microsoft YaHei" panose="020B0503020204020204" pitchFamily="34" charset="-122"/>
+                <a:ea typeface="Microsoft YaHei" panose="020B0503020204020204" pitchFamily="34" charset="-122"/>
+              </a:rPr>
+              <a:t>clone()</a:t>
+            </a:r>
+            <a:r>
+              <a:rPr kumimoji="1" lang="zh-CN" altLang="en-US" sz="2400" dirty="0">
+                <a:latin typeface="Microsoft YaHei" panose="020B0503020204020204" pitchFamily="34" charset="-122"/>
+                <a:ea typeface="Microsoft YaHei" panose="020B0503020204020204" pitchFamily="34" charset="-122"/>
+              </a:rPr>
+              <a:t>方法，可见性从</a:t>
+            </a:r>
+            <a:r>
+              <a:rPr kumimoji="1" lang="en-US" altLang="zh-CN" sz="2400" dirty="0">
+                <a:latin typeface="Microsoft YaHei" panose="020B0503020204020204" pitchFamily="34" charset="-122"/>
+                <a:ea typeface="Microsoft YaHei" panose="020B0503020204020204" pitchFamily="34" charset="-122"/>
+              </a:rPr>
+              <a:t>protected</a:t>
+            </a:r>
+            <a:r>
+              <a:rPr kumimoji="1" lang="zh-CN" altLang="en-US" sz="2400" dirty="0">
+                <a:latin typeface="Microsoft YaHei" panose="020B0503020204020204" pitchFamily="34" charset="-122"/>
+                <a:ea typeface="Microsoft YaHei" panose="020B0503020204020204" pitchFamily="34" charset="-122"/>
+              </a:rPr>
+              <a:t>提升为</a:t>
+            </a:r>
+            <a:r>
+              <a:rPr kumimoji="1" lang="en-US" altLang="zh-CN" sz="2400" dirty="0">
+                <a:latin typeface="Microsoft YaHei" panose="020B0503020204020204" pitchFamily="34" charset="-122"/>
+                <a:ea typeface="Microsoft YaHei" panose="020B0503020204020204" pitchFamily="34" charset="-122"/>
+              </a:rPr>
+              <a:t>public</a:t>
+            </a:r>
+            <a:r>
+              <a:rPr kumimoji="1" lang="zh-CN" altLang="en-US" sz="2400" dirty="0">
+                <a:latin typeface="Microsoft YaHei" panose="020B0503020204020204" pitchFamily="34" charset="-122"/>
+                <a:ea typeface="Microsoft YaHei" panose="020B0503020204020204" pitchFamily="34" charset="-122"/>
+              </a:rPr>
+              <a:t>。</a:t>
+            </a:r>
+            <a:endParaRPr kumimoji="1" lang="en-US" altLang="zh-CN" sz="2400" dirty="0">
+              <a:latin typeface="Microsoft YaHei" panose="020B0503020204020204" pitchFamily="34" charset="-122"/>
+              <a:ea typeface="Microsoft YaHei" panose="020B0503020204020204" pitchFamily="34" charset="-122"/>
+            </a:endParaRPr>
           </a:p>
         </p:txBody>
       </p:sp>
     </p:spTree>
     <p:extLst>
       <p:ext uri="{BB962C8B-B14F-4D97-AF65-F5344CB8AC3E}">
-        <p14:creationId xmlns:p14="http://schemas.microsoft.com/office/powerpoint/2010/main" val="1046367198"/>
+        <p14:creationId xmlns:p14="http://schemas.microsoft.com/office/powerpoint/2010/main" val="3511541560"/>
       </p:ext>
     </p:extLst>
   </p:cSld>
@@ -14948,8 +14555,8 @@
         </p:nvSpPr>
         <p:spPr>
           <a:xfrm>
-            <a:off x="1725374" y="955548"/>
-            <a:ext cx="8741252" cy="830997"/>
+            <a:off x="1332078" y="786384"/>
+            <a:ext cx="9412018" cy="830997"/>
           </a:xfrm>
           <a:prstGeom prst="rect">
             <a:avLst/>
@@ -14964,16 +14571,10 @@
           <a:p>
             <a:pPr algn="ctr"/>
             <a:r>
-              <a:rPr kumimoji="1" lang="en-US" altLang="zh-CN" sz="4800" dirty="0">
-                <a:ea typeface="Microsoft YaHei" panose="020B0503020204020204" pitchFamily="34" charset="-122"/>
-              </a:rPr>
-              <a:t>Cloneable---</a:t>
-            </a:r>
-            <a:r>
               <a:rPr kumimoji="1" lang="zh-CN" altLang="en-US" sz="4800" dirty="0">
                 <a:ea typeface="Microsoft YaHei" panose="020B0503020204020204" pitchFamily="34" charset="-122"/>
               </a:rPr>
-              <a:t>递归克隆原则</a:t>
+              <a:t>当前类的克隆写法</a:t>
             </a:r>
             <a:endParaRPr kumimoji="1" lang="en-US" altLang="zh-CN" sz="4800" dirty="0">
               <a:ea typeface="Microsoft YaHei" panose="020B0503020204020204" pitchFamily="34" charset="-122"/>
@@ -15024,10 +14625,10 @@
       </p:sp>
       <p:sp>
         <p:nvSpPr>
-          <p:cNvPr id="9" name="文本框 8">
+          <p:cNvPr id="6" name="文本框 5">
             <a:extLst>
               <a:ext uri="{FF2B5EF4-FFF2-40B4-BE49-F238E27FC236}">
-                <a16:creationId xmlns:a16="http://schemas.microsoft.com/office/drawing/2014/main" id="{6B6B5F59-F3B1-FE4E-8EED-65E514850193}"/>
+                <a16:creationId xmlns:a16="http://schemas.microsoft.com/office/drawing/2014/main" id="{1314AC37-30F4-4845-AB5A-DDEC73B910E1}"/>
               </a:ext>
             </a:extLst>
           </p:cNvPr>
@@ -15036,8 +14637,8 @@
         </p:nvSpPr>
         <p:spPr>
           <a:xfrm>
-            <a:off x="7053072" y="2972907"/>
-            <a:ext cx="4937760" cy="3693319"/>
+            <a:off x="1507287" y="1786545"/>
+            <a:ext cx="9177425" cy="5022016"/>
           </a:xfrm>
           <a:prstGeom prst="rect">
             <a:avLst/>
@@ -15052,16 +14653,30 @@
           </a:bodyPr>
           <a:lstStyle/>
           <a:p>
-            <a:r>
-              <a:rPr kumimoji="1" lang="en-US" altLang="zh-CN" dirty="0">
-                <a:solidFill>
-                  <a:schemeClr val="bg1"/>
-                </a:solidFill>
-              </a:rPr>
-              <a:t>Class</a:t>
-            </a:r>
-            <a:r>
-              <a:rPr kumimoji="1" lang="zh-CN" altLang="en-US" dirty="0">
+            <a:pPr marL="914400" lvl="1" indent="-457200">
+              <a:lnSpc>
+                <a:spcPct val="150000"/>
+              </a:lnSpc>
+              <a:buAutoNum type="arabicPeriod"/>
+            </a:pPr>
+            <a:r>
+              <a:rPr kumimoji="1" lang="zh-CN" altLang="en-US" sz="2400" dirty="0">
+                <a:solidFill>
+                  <a:schemeClr val="bg1"/>
+                </a:solidFill>
+              </a:rPr>
+              <a:t>对当前类</a:t>
+            </a:r>
+            <a:r>
+              <a:rPr kumimoji="1" lang="en-US" altLang="zh-CN" sz="2400" dirty="0">
+                <a:solidFill>
+                  <a:schemeClr val="bg1"/>
+                </a:solidFill>
+              </a:rPr>
+              <a:t>implements</a:t>
+            </a:r>
+            <a:r>
+              <a:rPr kumimoji="1" lang="zh-CN" altLang="en-US" sz="2400" dirty="0">
                 <a:solidFill>
                   <a:schemeClr val="bg1"/>
                 </a:solidFill>
@@ -15069,328 +14684,237 @@
               <a:t> </a:t>
             </a:r>
             <a:r>
-              <a:rPr kumimoji="1" lang="en-US" altLang="zh-CN" dirty="0">
-                <a:solidFill>
-                  <a:schemeClr val="bg1"/>
-                </a:solidFill>
-              </a:rPr>
-              <a:t>House{</a:t>
-            </a:r>
-          </a:p>
-          <a:p>
-            <a:r>
-              <a:rPr kumimoji="1" lang="en-US" altLang="zh-CN" dirty="0">
-                <a:solidFill>
-                  <a:schemeClr val="bg1"/>
-                </a:solidFill>
-              </a:rPr>
-              <a:t>	//3</a:t>
-            </a:r>
-            <a:r>
-              <a:rPr kumimoji="1" lang="zh-CN" altLang="en-US" dirty="0">
-                <a:solidFill>
-                  <a:schemeClr val="bg1"/>
-                </a:solidFill>
-              </a:rPr>
-              <a:t>个数据</a:t>
-            </a:r>
-            <a:endParaRPr kumimoji="1" lang="en-US" altLang="zh-CN" dirty="0">
+              <a:rPr kumimoji="1" lang="en-US" altLang="zh-CN" sz="2400" dirty="0">
+                <a:solidFill>
+                  <a:schemeClr val="bg1"/>
+                </a:solidFill>
+              </a:rPr>
+              <a:t>cloneable</a:t>
+            </a:r>
+          </a:p>
+          <a:p>
+            <a:pPr marL="914400" lvl="1" indent="-457200">
+              <a:lnSpc>
+                <a:spcPct val="150000"/>
+              </a:lnSpc>
+              <a:buAutoNum type="arabicPeriod"/>
+            </a:pPr>
+            <a:r>
+              <a:rPr kumimoji="1" lang="zh-CN" altLang="en-US" sz="2400" dirty="0">
+                <a:solidFill>
+                  <a:schemeClr val="bg1"/>
+                </a:solidFill>
+              </a:rPr>
+              <a:t>重写</a:t>
+            </a:r>
+            <a:r>
+              <a:rPr kumimoji="1" lang="en-US" altLang="zh-CN" sz="2400" dirty="0">
+                <a:solidFill>
+                  <a:schemeClr val="bg1"/>
+                </a:solidFill>
+              </a:rPr>
+              <a:t>Clone</a:t>
+            </a:r>
+            <a:r>
+              <a:rPr kumimoji="1" lang="zh-CN" altLang="en-US" sz="2400" dirty="0">
+                <a:solidFill>
+                  <a:schemeClr val="bg1"/>
+                </a:solidFill>
+              </a:rPr>
+              <a:t>方法：</a:t>
+            </a:r>
+            <a:endParaRPr kumimoji="1" lang="en-US" altLang="zh-CN" sz="2400" dirty="0">
               <a:solidFill>
                 <a:schemeClr val="bg1"/>
               </a:solidFill>
             </a:endParaRPr>
           </a:p>
           <a:p>
-            <a:r>
-              <a:rPr kumimoji="1" lang="en-US" altLang="zh-CN" dirty="0">
-                <a:solidFill>
-                  <a:schemeClr val="bg1"/>
-                </a:solidFill>
-              </a:rPr>
-              <a:t>	</a:t>
-            </a:r>
-            <a:r>
-              <a:rPr lang="en-US" altLang="zh-CN" dirty="0">
-                <a:solidFill>
-                  <a:schemeClr val="bg1"/>
-                </a:solidFill>
-              </a:rPr>
-              <a:t>private int id;</a:t>
-            </a:r>
-            <a:br>
-              <a:rPr lang="en-US" altLang="zh-CN" dirty="0">
-                <a:solidFill>
-                  <a:schemeClr val="bg1"/>
-                </a:solidFill>
-              </a:rPr>
-            </a:br>
-            <a:r>
-              <a:rPr lang="en-US" altLang="zh-CN" dirty="0">
-                <a:solidFill>
-                  <a:schemeClr val="bg1"/>
-                </a:solidFill>
-              </a:rPr>
-              <a:t>	private double area;</a:t>
-            </a:r>
-            <a:br>
-              <a:rPr lang="en-US" altLang="zh-CN" dirty="0">
-                <a:solidFill>
-                  <a:schemeClr val="bg1"/>
-                </a:solidFill>
-              </a:rPr>
-            </a:br>
-            <a:r>
-              <a:rPr lang="en-US" altLang="zh-CN" dirty="0">
-                <a:solidFill>
-                  <a:schemeClr val="bg1"/>
-                </a:solidFill>
-              </a:rPr>
-              <a:t>	private Address</a:t>
-            </a:r>
-            <a:r>
-              <a:rPr lang="zh-CN" altLang="en-US" dirty="0">
-                <a:solidFill>
-                  <a:schemeClr val="bg1"/>
-                </a:solidFill>
-              </a:rPr>
-              <a:t> </a:t>
-            </a:r>
-            <a:r>
-              <a:rPr lang="en-US" altLang="zh-CN" dirty="0">
-                <a:solidFill>
-                  <a:schemeClr val="bg1"/>
-                </a:solidFill>
-              </a:rPr>
-              <a:t>address</a:t>
-            </a:r>
-          </a:p>
-          <a:p>
-            <a:r>
-              <a:rPr kumimoji="1" lang="en-US" altLang="zh-CN" dirty="0">
-                <a:solidFill>
-                  <a:schemeClr val="bg1"/>
-                </a:solidFill>
-              </a:rPr>
-              <a:t>	...</a:t>
-            </a:r>
-          </a:p>
-          <a:p>
-            <a:endParaRPr kumimoji="1" lang="en-US" altLang="zh-CN" dirty="0">
+            <a:pPr lvl="1">
+              <a:lnSpc>
+                <a:spcPct val="150000"/>
+              </a:lnSpc>
+            </a:pPr>
+            <a:r>
+              <a:rPr kumimoji="1" lang="en-US" altLang="zh-CN" sz="2400" dirty="0">
+                <a:solidFill>
+                  <a:schemeClr val="bg1"/>
+                </a:solidFill>
+              </a:rPr>
+              <a:t>	1.</a:t>
+            </a:r>
+            <a:r>
+              <a:rPr kumimoji="1" lang="zh-CN" altLang="en-US" sz="2400" dirty="0">
+                <a:solidFill>
+                  <a:schemeClr val="bg1"/>
+                </a:solidFill>
+              </a:rPr>
+              <a:t> 若一个被复制的对象的属性都是</a:t>
+            </a:r>
+            <a:r>
+              <a:rPr kumimoji="1" lang="zh-CN" altLang="en-US" sz="2400" b="1" u="sng" dirty="0">
+                <a:solidFill>
+                  <a:schemeClr val="bg1"/>
+                </a:solidFill>
+              </a:rPr>
+              <a:t>基本类型或不可变类</a:t>
+            </a:r>
+            <a:r>
+              <a:rPr kumimoji="1" lang="zh-CN" altLang="en-US" sz="2400" dirty="0">
+                <a:solidFill>
+                  <a:schemeClr val="bg1"/>
+                </a:solidFill>
+              </a:rPr>
+              <a:t>，则</a:t>
+            </a:r>
+            <a:endParaRPr kumimoji="1" lang="en-US" altLang="zh-CN" sz="2400" dirty="0">
               <a:solidFill>
                 <a:schemeClr val="bg1"/>
               </a:solidFill>
             </a:endParaRPr>
           </a:p>
           <a:p>
-            <a:r>
-              <a:rPr kumimoji="1" lang="en-US" altLang="zh-CN" dirty="0">
-                <a:solidFill>
-                  <a:schemeClr val="bg1"/>
-                </a:solidFill>
-              </a:rPr>
-              <a:t>}</a:t>
-            </a:r>
-          </a:p>
-          <a:p>
-            <a:endParaRPr kumimoji="1" lang="en-US" altLang="zh-CN" dirty="0">
+            <a:pPr lvl="2">
+              <a:lnSpc>
+                <a:spcPct val="150000"/>
+              </a:lnSpc>
+            </a:pPr>
+            <a:r>
+              <a:rPr kumimoji="1" lang="zh-CN" altLang="en-US" sz="2400" dirty="0">
+                <a:solidFill>
+                  <a:schemeClr val="bg1"/>
+                </a:solidFill>
+              </a:rPr>
+              <a:t>只需要调用</a:t>
+            </a:r>
+            <a:r>
+              <a:rPr kumimoji="1" lang="en-US" altLang="zh-CN" sz="2400" dirty="0" err="1">
+                <a:solidFill>
+                  <a:schemeClr val="bg1"/>
+                </a:solidFill>
+              </a:rPr>
+              <a:t>super.clone</a:t>
+            </a:r>
+            <a:r>
+              <a:rPr kumimoji="1" lang="en-US" altLang="zh-CN" sz="2400" dirty="0">
+                <a:solidFill>
+                  <a:schemeClr val="bg1"/>
+                </a:solidFill>
+              </a:rPr>
+              <a:t>()</a:t>
+            </a:r>
+            <a:r>
+              <a:rPr kumimoji="1" lang="zh-CN" altLang="en-US" sz="2400" dirty="0">
+                <a:solidFill>
+                  <a:schemeClr val="bg1"/>
+                </a:solidFill>
+              </a:rPr>
+              <a:t>即可。自动实现深度拷贝。</a:t>
+            </a:r>
+            <a:endParaRPr kumimoji="1" lang="en-US" altLang="zh-CN" sz="2400" dirty="0">
               <a:solidFill>
                 <a:schemeClr val="bg1"/>
               </a:solidFill>
             </a:endParaRPr>
           </a:p>
           <a:p>
-            <a:r>
-              <a:rPr kumimoji="1" lang="en-US" altLang="zh-CN" dirty="0">
-                <a:solidFill>
-                  <a:schemeClr val="bg1"/>
-                </a:solidFill>
-              </a:rPr>
-              <a:t>Class</a:t>
-            </a:r>
-            <a:r>
-              <a:rPr kumimoji="1" lang="zh-CN" altLang="en-US" dirty="0">
-                <a:solidFill>
-                  <a:schemeClr val="bg1"/>
-                </a:solidFill>
-              </a:rPr>
-              <a:t> </a:t>
-            </a:r>
-            <a:r>
-              <a:rPr kumimoji="1" lang="en-US" altLang="zh-CN" dirty="0">
-                <a:solidFill>
-                  <a:schemeClr val="bg1"/>
-                </a:solidFill>
-              </a:rPr>
-              <a:t>Address</a:t>
-            </a:r>
-            <a:r>
-              <a:rPr kumimoji="1" lang="zh-CN" altLang="en-US" dirty="0">
-                <a:solidFill>
-                  <a:schemeClr val="bg1"/>
-                </a:solidFill>
-              </a:rPr>
-              <a:t> </a:t>
-            </a:r>
-            <a:r>
-              <a:rPr kumimoji="1" lang="en-US" altLang="zh-CN" dirty="0">
-                <a:solidFill>
-                  <a:schemeClr val="bg1"/>
-                </a:solidFill>
-              </a:rPr>
-              <a:t>{</a:t>
-            </a:r>
-          </a:p>
-          <a:p>
-            <a:r>
-              <a:rPr kumimoji="1" lang="en-US" altLang="zh-CN" dirty="0">
-                <a:solidFill>
-                  <a:schemeClr val="bg1"/>
-                </a:solidFill>
-              </a:rPr>
-              <a:t>	String</a:t>
-            </a:r>
-            <a:r>
-              <a:rPr kumimoji="1" lang="zh-CN" altLang="en-US" dirty="0">
-                <a:solidFill>
-                  <a:schemeClr val="bg1"/>
-                </a:solidFill>
-              </a:rPr>
-              <a:t> </a:t>
-            </a:r>
-            <a:r>
-              <a:rPr kumimoji="1" lang="en-US" altLang="zh-CN" dirty="0">
-                <a:solidFill>
-                  <a:schemeClr val="bg1"/>
-                </a:solidFill>
-              </a:rPr>
-              <a:t>city;</a:t>
-            </a:r>
-          </a:p>
-          <a:p>
-            <a:r>
-              <a:rPr kumimoji="1" lang="en-US" altLang="zh-CN" dirty="0">
-                <a:solidFill>
-                  <a:schemeClr val="bg1"/>
-                </a:solidFill>
-              </a:rPr>
-              <a:t>	String</a:t>
-            </a:r>
-            <a:r>
-              <a:rPr kumimoji="1" lang="zh-CN" altLang="en-US" dirty="0">
-                <a:solidFill>
-                  <a:schemeClr val="bg1"/>
-                </a:solidFill>
-              </a:rPr>
-              <a:t> </a:t>
-            </a:r>
-            <a:r>
-              <a:rPr kumimoji="1" lang="en-US" altLang="zh-CN" dirty="0" err="1">
-                <a:solidFill>
-                  <a:schemeClr val="bg1"/>
-                </a:solidFill>
-              </a:rPr>
-              <a:t>streetNo</a:t>
-            </a:r>
-            <a:endParaRPr kumimoji="1" lang="en-US" altLang="zh-CN" dirty="0">
+            <a:pPr lvl="2">
+              <a:lnSpc>
+                <a:spcPct val="150000"/>
+              </a:lnSpc>
+            </a:pPr>
+            <a:r>
+              <a:rPr kumimoji="1" lang="en-US" altLang="zh-CN" sz="2400" dirty="0">
+                <a:solidFill>
+                  <a:schemeClr val="bg1"/>
+                </a:solidFill>
+              </a:rPr>
+              <a:t>2.</a:t>
+            </a:r>
+            <a:r>
+              <a:rPr kumimoji="1" lang="zh-CN" altLang="en-US" sz="2400" dirty="0">
+                <a:solidFill>
+                  <a:schemeClr val="bg1"/>
+                </a:solidFill>
+              </a:rPr>
+              <a:t> 若被复制对象的成员属性包含其他实体类对象引用，那么除了调用</a:t>
+            </a:r>
+            <a:r>
+              <a:rPr kumimoji="1" lang="en-US" altLang="zh-CN" sz="2400" dirty="0" err="1">
+                <a:solidFill>
+                  <a:schemeClr val="bg1"/>
+                </a:solidFill>
+              </a:rPr>
+              <a:t>super.clone</a:t>
+            </a:r>
+            <a:r>
+              <a:rPr kumimoji="1" lang="zh-CN" altLang="en-US" sz="2400" dirty="0">
+                <a:solidFill>
+                  <a:schemeClr val="bg1"/>
+                </a:solidFill>
+              </a:rPr>
+              <a:t>（）进行非类对象成员属性的</a:t>
+            </a:r>
+            <a:r>
+              <a:rPr kumimoji="1" lang="en-US" altLang="zh-CN" sz="2400" dirty="0">
+                <a:solidFill>
+                  <a:schemeClr val="bg1"/>
+                </a:solidFill>
+              </a:rPr>
+              <a:t>clone</a:t>
+            </a:r>
+            <a:r>
+              <a:rPr kumimoji="1" lang="zh-CN" altLang="en-US" sz="2400" dirty="0">
+                <a:solidFill>
+                  <a:schemeClr val="bg1"/>
+                </a:solidFill>
+              </a:rPr>
+              <a:t>外，还需要调用实体类对象的</a:t>
+            </a:r>
+            <a:r>
+              <a:rPr kumimoji="1" lang="en-US" altLang="zh-CN" sz="2400" dirty="0">
+                <a:solidFill>
+                  <a:schemeClr val="bg1"/>
+                </a:solidFill>
+              </a:rPr>
+              <a:t>clone</a:t>
+            </a:r>
+            <a:r>
+              <a:rPr kumimoji="1" lang="zh-CN" altLang="en-US" sz="2400" dirty="0">
+                <a:solidFill>
+                  <a:schemeClr val="bg1"/>
+                </a:solidFill>
+              </a:rPr>
+              <a:t>方法对这个对象进行单独克隆赋值，达到深度拷贝。（至于这个成员实体类的</a:t>
+            </a:r>
+            <a:r>
+              <a:rPr kumimoji="1" lang="en-US" altLang="zh-CN" sz="2400" dirty="0">
+                <a:solidFill>
+                  <a:schemeClr val="bg1"/>
+                </a:solidFill>
+              </a:rPr>
+              <a:t>clone</a:t>
+            </a:r>
+            <a:r>
+              <a:rPr kumimoji="1" lang="zh-CN" altLang="en-US" sz="2400" dirty="0">
+                <a:solidFill>
+                  <a:schemeClr val="bg1"/>
+                </a:solidFill>
+              </a:rPr>
+              <a:t>写法，则继续按照这个递归规则方式写）</a:t>
+            </a:r>
+            <a:endParaRPr kumimoji="1" lang="en-US" altLang="zh-CN" sz="2400" dirty="0">
               <a:solidFill>
                 <a:schemeClr val="bg1"/>
               </a:solidFill>
             </a:endParaRPr>
           </a:p>
-          <a:p>
-            <a:r>
-              <a:rPr kumimoji="1" lang="en-US" altLang="zh-CN" dirty="0">
-                <a:solidFill>
-                  <a:schemeClr val="bg1"/>
-                </a:solidFill>
-              </a:rPr>
-              <a:t>}</a:t>
-            </a:r>
-            <a:endParaRPr kumimoji="1" lang="zh-CN" altLang="en-US" dirty="0">
-              <a:solidFill>
-                <a:schemeClr val="bg1"/>
-              </a:solidFill>
-            </a:endParaRPr>
-          </a:p>
-        </p:txBody>
-      </p:sp>
-      <p:pic>
-        <p:nvPicPr>
-          <p:cNvPr id="5" name="图片 4">
-            <a:extLst>
-              <a:ext uri="{FF2B5EF4-FFF2-40B4-BE49-F238E27FC236}">
-                <a16:creationId xmlns:a16="http://schemas.microsoft.com/office/drawing/2014/main" id="{20EA9FD2-FF05-934F-B89B-04A2863E8243}"/>
-              </a:ext>
-            </a:extLst>
-          </p:cNvPr>
-          <p:cNvPicPr>
-            <a:picLocks noChangeAspect="1"/>
-          </p:cNvPicPr>
-          <p:nvPr/>
-        </p:nvPicPr>
-        <p:blipFill>
-          <a:blip r:embed="rId4"/>
-          <a:stretch>
-            <a:fillRect/>
-          </a:stretch>
-        </p:blipFill>
-        <p:spPr>
-          <a:xfrm>
-            <a:off x="201168" y="1993900"/>
-            <a:ext cx="7099300" cy="2870200"/>
-          </a:xfrm>
-          <a:prstGeom prst="rect">
-            <a:avLst/>
-          </a:prstGeom>
-        </p:spPr>
-      </p:pic>
-      <p:sp>
-        <p:nvSpPr>
-          <p:cNvPr id="7" name="文本框 6">
-            <a:extLst>
-              <a:ext uri="{FF2B5EF4-FFF2-40B4-BE49-F238E27FC236}">
-                <a16:creationId xmlns:a16="http://schemas.microsoft.com/office/drawing/2014/main" id="{031734B0-B7B5-6A46-BE9F-7BE98B1D861D}"/>
-              </a:ext>
-            </a:extLst>
-          </p:cNvPr>
-          <p:cNvSpPr txBox="1"/>
-          <p:nvPr/>
-        </p:nvSpPr>
-        <p:spPr>
-          <a:xfrm>
-            <a:off x="1725374" y="5209532"/>
-            <a:ext cx="3413555" cy="646331"/>
-          </a:xfrm>
-          <a:prstGeom prst="rect">
-            <a:avLst/>
-          </a:prstGeom>
-          <a:noFill/>
-        </p:spPr>
-        <p:txBody>
-          <a:bodyPr wrap="square" rtlCol="0">
-            <a:spAutoFit/>
-          </a:bodyPr>
-          <a:lstStyle/>
-          <a:p>
-            <a:r>
-              <a:rPr kumimoji="1" lang="zh-CN" altLang="en-US" dirty="0"/>
-              <a:t>明天把这个</a:t>
-            </a:r>
-            <a:r>
-              <a:rPr kumimoji="1" lang="en-US" altLang="zh-CN" dirty="0"/>
-              <a:t>Address</a:t>
-            </a:r>
-            <a:r>
-              <a:rPr kumimoji="1" lang="zh-CN" altLang="en-US" dirty="0"/>
-              <a:t> 自己写一遍，然后截图</a:t>
-            </a:r>
-          </a:p>
         </p:txBody>
       </p:sp>
     </p:spTree>
     <p:extLst>
       <p:ext uri="{BB962C8B-B14F-4D97-AF65-F5344CB8AC3E}">
-        <p14:creationId xmlns:p14="http://schemas.microsoft.com/office/powerpoint/2010/main" val="3645361290"/>
+        <p14:creationId xmlns:p14="http://schemas.microsoft.com/office/powerpoint/2010/main" val="1683010116"/>
       </p:ext>
     </p:extLst>
   </p:cSld>
@@ -15440,7 +14964,7 @@
         </p:nvSpPr>
         <p:spPr>
           <a:xfrm>
-            <a:off x="2135952" y="822959"/>
+            <a:off x="1725374" y="955548"/>
             <a:ext cx="8741252" cy="830997"/>
           </a:xfrm>
           <a:prstGeom prst="rect">
@@ -15456,18 +14980,10 @@
           <a:p>
             <a:pPr algn="ctr"/>
             <a:r>
-              <a:rPr kumimoji="1" lang="en-US" altLang="zh-CN" sz="4800" dirty="0">
-                <a:latin typeface="Microsoft YaHei" panose="020B0503020204020204" pitchFamily="34" charset="-122"/>
-                <a:ea typeface="Microsoft YaHei" panose="020B0503020204020204" pitchFamily="34" charset="-122"/>
-              </a:rPr>
-              <a:t>Cloneable</a:t>
-            </a:r>
-            <a:r>
               <a:rPr kumimoji="1" lang="zh-CN" altLang="en-US" sz="4800" dirty="0">
-                <a:latin typeface="Microsoft YaHei" panose="020B0503020204020204" pitchFamily="34" charset="-122"/>
-                <a:ea typeface="Microsoft YaHei" panose="020B0503020204020204" pitchFamily="34" charset="-122"/>
-              </a:rPr>
-              <a:t>接口用法</a:t>
+                <a:ea typeface="Microsoft YaHei" panose="020B0503020204020204" pitchFamily="34" charset="-122"/>
+              </a:rPr>
+              <a:t>递归克隆例子</a:t>
             </a:r>
             <a:endParaRPr kumimoji="1" lang="en-US" altLang="zh-CN" sz="4800" dirty="0">
               <a:ea typeface="Microsoft YaHei" panose="020B0503020204020204" pitchFamily="34" charset="-122"/>
@@ -15477,10 +14993,10 @@
       </p:sp>
       <p:sp>
         <p:nvSpPr>
-          <p:cNvPr id="3" name="文本框 2">
+          <p:cNvPr id="4" name="文本框 3">
             <a:extLst>
               <a:ext uri="{FF2B5EF4-FFF2-40B4-BE49-F238E27FC236}">
-                <a16:creationId xmlns:a16="http://schemas.microsoft.com/office/drawing/2014/main" id="{F9F2836E-84E2-5042-9CCF-7E3C3CE5B763}"/>
+                <a16:creationId xmlns:a16="http://schemas.microsoft.com/office/drawing/2014/main" id="{AD20C7BD-80EE-C146-9A86-BBE403DB7D59}"/>
               </a:ext>
             </a:extLst>
           </p:cNvPr>
@@ -15489,8 +15005,8 @@
         </p:nvSpPr>
         <p:spPr>
           <a:xfrm>
-            <a:off x="3050352" y="3429000"/>
-            <a:ext cx="8741252" cy="830997"/>
+            <a:off x="883920" y="2972907"/>
+            <a:ext cx="10424160" cy="830997"/>
           </a:xfrm>
           <a:prstGeom prst="rect">
             <a:avLst/>
@@ -15503,117 +15019,25 @@
           </a:bodyPr>
           <a:lstStyle/>
           <a:p>
-            <a:pPr marL="457200" indent="-457200">
-              <a:buFont typeface="+mj-lt"/>
-              <a:buAutoNum type="arabicPeriod"/>
-            </a:pPr>
-            <a:r>
-              <a:rPr kumimoji="1" lang="zh-CN" altLang="en-US" sz="2400" dirty="0">
-                <a:latin typeface="Microsoft YaHei" panose="020B0503020204020204" pitchFamily="34" charset="-122"/>
-                <a:ea typeface="Microsoft YaHei" panose="020B0503020204020204" pitchFamily="34" charset="-122"/>
-              </a:rPr>
-              <a:t>类实现</a:t>
-            </a:r>
-            <a:r>
-              <a:rPr kumimoji="1" lang="en-US" altLang="zh-CN" sz="2400" dirty="0">
-                <a:latin typeface="Microsoft YaHei" panose="020B0503020204020204" pitchFamily="34" charset="-122"/>
-                <a:ea typeface="Microsoft YaHei" panose="020B0503020204020204" pitchFamily="34" charset="-122"/>
-              </a:rPr>
-              <a:t>(implements)</a:t>
-            </a:r>
-            <a:r>
-              <a:rPr kumimoji="1" lang="zh-CN" altLang="en-US" sz="2400" dirty="0">
-                <a:latin typeface="Microsoft YaHei" panose="020B0503020204020204" pitchFamily="34" charset="-122"/>
-                <a:ea typeface="Microsoft YaHei" panose="020B0503020204020204" pitchFamily="34" charset="-122"/>
-              </a:rPr>
-              <a:t> </a:t>
-            </a:r>
-            <a:r>
-              <a:rPr kumimoji="1" lang="en-US" altLang="zh-CN" sz="2400" dirty="0">
-                <a:latin typeface="Microsoft YaHei" panose="020B0503020204020204" pitchFamily="34" charset="-122"/>
-                <a:ea typeface="Microsoft YaHei" panose="020B0503020204020204" pitchFamily="34" charset="-122"/>
-              </a:rPr>
-              <a:t>Cloneable</a:t>
-            </a:r>
-            <a:r>
-              <a:rPr kumimoji="1" lang="zh-CN" altLang="en-US" sz="2400" dirty="0">
-                <a:latin typeface="Microsoft YaHei" panose="020B0503020204020204" pitchFamily="34" charset="-122"/>
-                <a:ea typeface="Microsoft YaHei" panose="020B0503020204020204" pitchFamily="34" charset="-122"/>
-              </a:rPr>
-              <a:t>接口</a:t>
-            </a:r>
+            <a:endParaRPr kumimoji="1" lang="zh-CN" altLang="en-US" sz="2400" dirty="0">
+              <a:latin typeface="Microsoft YaHei" panose="020B0503020204020204" pitchFamily="34" charset="-122"/>
+              <a:ea typeface="Microsoft YaHei" panose="020B0503020204020204" pitchFamily="34" charset="-122"/>
+            </a:endParaRPr>
+          </a:p>
+          <a:p>
             <a:endParaRPr kumimoji="1" lang="en-US" altLang="zh-CN" sz="2400" dirty="0">
               <a:latin typeface="Microsoft YaHei" panose="020B0503020204020204" pitchFamily="34" charset="-122"/>
               <a:ea typeface="Microsoft YaHei" panose="020B0503020204020204" pitchFamily="34" charset="-122"/>
             </a:endParaRPr>
           </a:p>
-          <a:p>
-            <a:pPr marL="457200" indent="-457200">
-              <a:buFont typeface="+mj-lt"/>
-              <a:buAutoNum type="arabicPeriod"/>
-            </a:pPr>
-            <a:r>
-              <a:rPr kumimoji="1" lang="zh-CN" altLang="en-US" sz="2400" dirty="0">
-                <a:latin typeface="Microsoft YaHei" panose="020B0503020204020204" pitchFamily="34" charset="-122"/>
-                <a:ea typeface="Microsoft YaHei" panose="020B0503020204020204" pitchFamily="34" charset="-122"/>
-              </a:rPr>
-              <a:t>覆盖</a:t>
-            </a:r>
-            <a:r>
-              <a:rPr kumimoji="1" lang="en-US" altLang="zh-CN" sz="2400" dirty="0">
-                <a:latin typeface="Microsoft YaHei" panose="020B0503020204020204" pitchFamily="34" charset="-122"/>
-                <a:ea typeface="Microsoft YaHei" panose="020B0503020204020204" pitchFamily="34" charset="-122"/>
-              </a:rPr>
-              <a:t>clone()</a:t>
-            </a:r>
-            <a:r>
-              <a:rPr kumimoji="1" lang="zh-CN" altLang="en-US" sz="2400" dirty="0">
-                <a:latin typeface="Microsoft YaHei" panose="020B0503020204020204" pitchFamily="34" charset="-122"/>
-                <a:ea typeface="Microsoft YaHei" panose="020B0503020204020204" pitchFamily="34" charset="-122"/>
-              </a:rPr>
-              <a:t>方法，可见性从</a:t>
-            </a:r>
-            <a:r>
-              <a:rPr kumimoji="1" lang="en-US" altLang="zh-CN" sz="2400" dirty="0">
-                <a:latin typeface="Microsoft YaHei" panose="020B0503020204020204" pitchFamily="34" charset="-122"/>
-                <a:ea typeface="Microsoft YaHei" panose="020B0503020204020204" pitchFamily="34" charset="-122"/>
-              </a:rPr>
-              <a:t>protected</a:t>
-            </a:r>
-            <a:r>
-              <a:rPr kumimoji="1" lang="zh-CN" altLang="en-US" sz="2400" dirty="0">
-                <a:latin typeface="Microsoft YaHei" panose="020B0503020204020204" pitchFamily="34" charset="-122"/>
-                <a:ea typeface="Microsoft YaHei" panose="020B0503020204020204" pitchFamily="34" charset="-122"/>
-              </a:rPr>
-              <a:t>提升为</a:t>
-            </a:r>
-            <a:r>
-              <a:rPr kumimoji="1" lang="en-US" altLang="zh-CN" sz="2400" dirty="0">
-                <a:latin typeface="Microsoft YaHei" panose="020B0503020204020204" pitchFamily="34" charset="-122"/>
-                <a:ea typeface="Microsoft YaHei" panose="020B0503020204020204" pitchFamily="34" charset="-122"/>
-              </a:rPr>
-              <a:t>public</a:t>
-            </a:r>
-            <a:r>
-              <a:rPr kumimoji="1" lang="zh-CN" altLang="en-US" sz="2400" dirty="0">
-                <a:latin typeface="Microsoft YaHei" panose="020B0503020204020204" pitchFamily="34" charset="-122"/>
-                <a:ea typeface="Microsoft YaHei" panose="020B0503020204020204" pitchFamily="34" charset="-122"/>
-              </a:rPr>
-              <a:t>。</a:t>
-            </a:r>
-            <a:endParaRPr kumimoji="1" lang="en-US" altLang="zh-CN" sz="2400" dirty="0">
-              <a:latin typeface="Microsoft YaHei" panose="020B0503020204020204" pitchFamily="34" charset="-122"/>
-              <a:ea typeface="Microsoft YaHei" panose="020B0503020204020204" pitchFamily="34" charset="-122"/>
-            </a:endParaRPr>
-          </a:p>
-        </p:txBody>
-      </p:sp>
-      <p:sp>
-        <p:nvSpPr>
-          <p:cNvPr id="4" name="文本框 3">
+        </p:txBody>
+      </p:sp>
+      <p:sp>
+        <p:nvSpPr>
+          <p:cNvPr id="3" name="文本框 2">
             <a:extLst>
               <a:ext uri="{FF2B5EF4-FFF2-40B4-BE49-F238E27FC236}">
-                <a16:creationId xmlns:a16="http://schemas.microsoft.com/office/drawing/2014/main" id="{9FF32BB9-E49F-CD4E-9E38-407624C88E00}"/>
+                <a16:creationId xmlns:a16="http://schemas.microsoft.com/office/drawing/2014/main" id="{EA890A9B-6006-5748-87E3-6D087887C82D}"/>
               </a:ext>
             </a:extLst>
           </p:cNvPr>
@@ -15622,8 +15046,375 @@
         </p:nvSpPr>
         <p:spPr>
           <a:xfrm>
-            <a:off x="4700016" y="5804208"/>
-            <a:ext cx="3401568" cy="461665"/>
+            <a:off x="755904" y="2721126"/>
+            <a:ext cx="5614416" cy="2862322"/>
+          </a:xfrm>
+          <a:prstGeom prst="rect">
+            <a:avLst/>
+          </a:prstGeom>
+          <a:noFill/>
+        </p:spPr>
+        <p:txBody>
+          <a:bodyPr wrap="square" rtlCol="0">
+            <a:spAutoFit/>
+          </a:bodyPr>
+          <a:lstStyle/>
+          <a:p>
+            <a:r>
+              <a:rPr kumimoji="1" lang="en-US" altLang="zh-CN" sz="2000" b="1" u="sng" dirty="0">
+                <a:solidFill>
+                  <a:schemeClr val="accent2"/>
+                </a:solidFill>
+                <a:latin typeface="Microsoft YaHei" panose="020B0503020204020204" pitchFamily="34" charset="-122"/>
+                <a:ea typeface="Microsoft YaHei" panose="020B0503020204020204" pitchFamily="34" charset="-122"/>
+              </a:rPr>
+              <a:t>House</a:t>
+            </a:r>
+            <a:r>
+              <a:rPr kumimoji="1" lang="zh-CN" altLang="en-US" sz="2000" dirty="0">
+                <a:latin typeface="Microsoft YaHei" panose="020B0503020204020204" pitchFamily="34" charset="-122"/>
+                <a:ea typeface="Microsoft YaHei" panose="020B0503020204020204" pitchFamily="34" charset="-122"/>
+              </a:rPr>
+              <a:t> 的</a:t>
+            </a:r>
+            <a:r>
+              <a:rPr kumimoji="1" lang="en-US" altLang="zh-CN" sz="2000" dirty="0">
+                <a:latin typeface="Microsoft YaHei" panose="020B0503020204020204" pitchFamily="34" charset="-122"/>
+                <a:ea typeface="Microsoft YaHei" panose="020B0503020204020204" pitchFamily="34" charset="-122"/>
+              </a:rPr>
+              <a:t>clone</a:t>
+            </a:r>
+            <a:r>
+              <a:rPr kumimoji="1" lang="zh-CN" altLang="en-US" sz="2000" dirty="0">
+                <a:latin typeface="Microsoft YaHei" panose="020B0503020204020204" pitchFamily="34" charset="-122"/>
+                <a:ea typeface="Microsoft YaHei" panose="020B0503020204020204" pitchFamily="34" charset="-122"/>
+              </a:rPr>
+              <a:t>分为</a:t>
+            </a:r>
+            <a:r>
+              <a:rPr kumimoji="1" lang="en-US" altLang="zh-CN" sz="2000" dirty="0">
+                <a:latin typeface="Microsoft YaHei" panose="020B0503020204020204" pitchFamily="34" charset="-122"/>
+                <a:ea typeface="Microsoft YaHei" panose="020B0503020204020204" pitchFamily="34" charset="-122"/>
+              </a:rPr>
+              <a:t>3</a:t>
+            </a:r>
+            <a:r>
+              <a:rPr kumimoji="1" lang="zh-CN" altLang="en-US" sz="2000" dirty="0">
+                <a:latin typeface="Microsoft YaHei" panose="020B0503020204020204" pitchFamily="34" charset="-122"/>
+                <a:ea typeface="Microsoft YaHei" panose="020B0503020204020204" pitchFamily="34" charset="-122"/>
+              </a:rPr>
+              <a:t>部分</a:t>
+            </a:r>
+            <a:endParaRPr kumimoji="1" lang="en-US" altLang="zh-CN" sz="2000" dirty="0">
+              <a:latin typeface="Microsoft YaHei" panose="020B0503020204020204" pitchFamily="34" charset="-122"/>
+              <a:ea typeface="Microsoft YaHei" panose="020B0503020204020204" pitchFamily="34" charset="-122"/>
+            </a:endParaRPr>
+          </a:p>
+          <a:p>
+            <a:pPr marL="342900" indent="-342900">
+              <a:buFont typeface="+mj-lt"/>
+              <a:buAutoNum type="arabicPeriod"/>
+            </a:pPr>
+            <a:r>
+              <a:rPr kumimoji="1" lang="zh-CN" altLang="en-US" sz="2000" dirty="0">
+                <a:latin typeface="Microsoft YaHei" panose="020B0503020204020204" pitchFamily="34" charset="-122"/>
+                <a:ea typeface="Microsoft YaHei" panose="020B0503020204020204" pitchFamily="34" charset="-122"/>
+              </a:rPr>
+              <a:t> </a:t>
+            </a:r>
+            <a:r>
+              <a:rPr kumimoji="1" lang="en-US" altLang="zh-CN" sz="2000" dirty="0">
+                <a:latin typeface="Microsoft YaHei" panose="020B0503020204020204" pitchFamily="34" charset="-122"/>
+                <a:ea typeface="Microsoft YaHei" panose="020B0503020204020204" pitchFamily="34" charset="-122"/>
+              </a:rPr>
+              <a:t>id</a:t>
+            </a:r>
+            <a:r>
+              <a:rPr kumimoji="1" lang="zh-CN" altLang="en-US" sz="2000" dirty="0">
+                <a:latin typeface="Microsoft YaHei" panose="020B0503020204020204" pitchFamily="34" charset="-122"/>
+                <a:ea typeface="Microsoft YaHei" panose="020B0503020204020204" pitchFamily="34" charset="-122"/>
+              </a:rPr>
+              <a:t>的克隆 </a:t>
+            </a:r>
+            <a:r>
+              <a:rPr kumimoji="1" lang="en-US" altLang="zh-CN" sz="2000" dirty="0">
+                <a:latin typeface="Microsoft YaHei" panose="020B0503020204020204" pitchFamily="34" charset="-122"/>
+                <a:ea typeface="Microsoft YaHei" panose="020B0503020204020204" pitchFamily="34" charset="-122"/>
+              </a:rPr>
+              <a:t>(</a:t>
+            </a:r>
+            <a:r>
+              <a:rPr kumimoji="1" lang="zh-CN" altLang="en-US" sz="2000" dirty="0">
+                <a:latin typeface="Microsoft YaHei" panose="020B0503020204020204" pitchFamily="34" charset="-122"/>
+                <a:ea typeface="Microsoft YaHei" panose="020B0503020204020204" pitchFamily="34" charset="-122"/>
+              </a:rPr>
+              <a:t>基本类型</a:t>
+            </a:r>
+            <a:r>
+              <a:rPr kumimoji="1" lang="en-US" altLang="zh-CN" sz="2000" dirty="0">
+                <a:latin typeface="Microsoft YaHei" panose="020B0503020204020204" pitchFamily="34" charset="-122"/>
+                <a:ea typeface="Microsoft YaHei" panose="020B0503020204020204" pitchFamily="34" charset="-122"/>
+              </a:rPr>
+              <a:t>)</a:t>
+            </a:r>
+          </a:p>
+          <a:p>
+            <a:pPr marL="342900" indent="-342900">
+              <a:buFont typeface="+mj-lt"/>
+              <a:buAutoNum type="arabicPeriod"/>
+            </a:pPr>
+            <a:r>
+              <a:rPr kumimoji="1" lang="en-US" altLang="zh-CN" sz="2000" dirty="0">
+                <a:latin typeface="Microsoft YaHei" panose="020B0503020204020204" pitchFamily="34" charset="-122"/>
+                <a:ea typeface="Microsoft YaHei" panose="020B0503020204020204" pitchFamily="34" charset="-122"/>
+              </a:rPr>
+              <a:t>area</a:t>
+            </a:r>
+            <a:r>
+              <a:rPr kumimoji="1" lang="zh-CN" altLang="en-US" sz="2000" dirty="0">
+                <a:latin typeface="Microsoft YaHei" panose="020B0503020204020204" pitchFamily="34" charset="-122"/>
+                <a:ea typeface="Microsoft YaHei" panose="020B0503020204020204" pitchFamily="34" charset="-122"/>
+              </a:rPr>
+              <a:t>的克隆</a:t>
+            </a:r>
+            <a:r>
+              <a:rPr kumimoji="1" lang="en-US" altLang="zh-CN" sz="2000" dirty="0">
+                <a:latin typeface="Microsoft YaHei" panose="020B0503020204020204" pitchFamily="34" charset="-122"/>
+                <a:ea typeface="Microsoft YaHei" panose="020B0503020204020204" pitchFamily="34" charset="-122"/>
+              </a:rPr>
+              <a:t>(</a:t>
+            </a:r>
+            <a:r>
+              <a:rPr kumimoji="1" lang="zh-CN" altLang="en-US" sz="2000" dirty="0">
+                <a:latin typeface="Microsoft YaHei" panose="020B0503020204020204" pitchFamily="34" charset="-122"/>
+                <a:ea typeface="Microsoft YaHei" panose="020B0503020204020204" pitchFamily="34" charset="-122"/>
+              </a:rPr>
+              <a:t>基本类型</a:t>
+            </a:r>
+            <a:r>
+              <a:rPr kumimoji="1" lang="en-US" altLang="zh-CN" sz="2000" dirty="0">
+                <a:latin typeface="Microsoft YaHei" panose="020B0503020204020204" pitchFamily="34" charset="-122"/>
+                <a:ea typeface="Microsoft YaHei" panose="020B0503020204020204" pitchFamily="34" charset="-122"/>
+              </a:rPr>
+              <a:t>)</a:t>
+            </a:r>
+          </a:p>
+          <a:p>
+            <a:pPr marL="342900" indent="-342900">
+              <a:buFont typeface="+mj-lt"/>
+              <a:buAutoNum type="arabicPeriod"/>
+            </a:pPr>
+            <a:r>
+              <a:rPr kumimoji="1" lang="en-US" altLang="zh-CN" sz="2000" dirty="0">
+                <a:latin typeface="Microsoft YaHei" panose="020B0503020204020204" pitchFamily="34" charset="-122"/>
+                <a:ea typeface="Microsoft YaHei" panose="020B0503020204020204" pitchFamily="34" charset="-122"/>
+              </a:rPr>
+              <a:t>address</a:t>
+            </a:r>
+            <a:r>
+              <a:rPr kumimoji="1" lang="zh-CN" altLang="en-US" sz="2000" dirty="0">
+                <a:latin typeface="Microsoft YaHei" panose="020B0503020204020204" pitchFamily="34" charset="-122"/>
+                <a:ea typeface="Microsoft YaHei" panose="020B0503020204020204" pitchFamily="34" charset="-122"/>
+              </a:rPr>
+              <a:t>的克隆</a:t>
+            </a:r>
+            <a:r>
+              <a:rPr kumimoji="1" lang="en-US" altLang="zh-CN" sz="2000" dirty="0">
+                <a:latin typeface="Microsoft YaHei" panose="020B0503020204020204" pitchFamily="34" charset="-122"/>
+                <a:ea typeface="Microsoft YaHei" panose="020B0503020204020204" pitchFamily="34" charset="-122"/>
+              </a:rPr>
+              <a:t>(</a:t>
+            </a:r>
+            <a:r>
+              <a:rPr kumimoji="1" lang="zh-CN" altLang="en-US" sz="2000" dirty="0">
+                <a:latin typeface="Microsoft YaHei" panose="020B0503020204020204" pitchFamily="34" charset="-122"/>
+                <a:ea typeface="Microsoft YaHei" panose="020B0503020204020204" pitchFamily="34" charset="-122"/>
+              </a:rPr>
+              <a:t>类对象，需要实现</a:t>
+            </a:r>
+            <a:r>
+              <a:rPr kumimoji="1" lang="en-US" altLang="zh-CN" sz="2000" dirty="0">
+                <a:latin typeface="Microsoft YaHei" panose="020B0503020204020204" pitchFamily="34" charset="-122"/>
+                <a:ea typeface="Microsoft YaHei" panose="020B0503020204020204" pitchFamily="34" charset="-122"/>
+              </a:rPr>
+              <a:t>cloneable,</a:t>
+            </a:r>
+            <a:r>
+              <a:rPr kumimoji="1" lang="zh-CN" altLang="en-US" sz="2000" dirty="0">
+                <a:latin typeface="Microsoft YaHei" panose="020B0503020204020204" pitchFamily="34" charset="-122"/>
+                <a:ea typeface="Microsoft YaHei" panose="020B0503020204020204" pitchFamily="34" charset="-122"/>
+              </a:rPr>
+              <a:t>并重写</a:t>
+            </a:r>
+            <a:r>
+              <a:rPr kumimoji="1" lang="en-US" altLang="zh-CN" sz="2000" dirty="0">
+                <a:latin typeface="Microsoft YaHei" panose="020B0503020204020204" pitchFamily="34" charset="-122"/>
+                <a:ea typeface="Microsoft YaHei" panose="020B0503020204020204" pitchFamily="34" charset="-122"/>
+              </a:rPr>
+              <a:t>clone)</a:t>
+            </a:r>
+          </a:p>
+          <a:p>
+            <a:pPr marL="342900" indent="-342900">
+              <a:buFont typeface="+mj-lt"/>
+              <a:buAutoNum type="arabicPeriod"/>
+            </a:pPr>
+            <a:endParaRPr kumimoji="1" lang="en-US" altLang="zh-CN" sz="2000" dirty="0">
+              <a:latin typeface="Microsoft YaHei" panose="020B0503020204020204" pitchFamily="34" charset="-122"/>
+              <a:ea typeface="Microsoft YaHei" panose="020B0503020204020204" pitchFamily="34" charset="-122"/>
+            </a:endParaRPr>
+          </a:p>
+          <a:p>
+            <a:r>
+              <a:rPr kumimoji="1" lang="en-US" altLang="zh-CN" sz="2000" b="1" u="sng" dirty="0">
+                <a:solidFill>
+                  <a:schemeClr val="accent2"/>
+                </a:solidFill>
+                <a:latin typeface="Microsoft YaHei" panose="020B0503020204020204" pitchFamily="34" charset="-122"/>
+                <a:ea typeface="Microsoft YaHei" panose="020B0503020204020204" pitchFamily="34" charset="-122"/>
+              </a:rPr>
+              <a:t>Address</a:t>
+            </a:r>
+            <a:r>
+              <a:rPr kumimoji="1" lang="zh-CN" altLang="en-US" sz="2000" dirty="0">
+                <a:latin typeface="Microsoft YaHei" panose="020B0503020204020204" pitchFamily="34" charset="-122"/>
+                <a:ea typeface="Microsoft YaHei" panose="020B0503020204020204" pitchFamily="34" charset="-122"/>
+              </a:rPr>
+              <a:t>的</a:t>
+            </a:r>
+            <a:r>
+              <a:rPr kumimoji="1" lang="en-US" altLang="zh-CN" sz="2000" dirty="0">
+                <a:latin typeface="Microsoft YaHei" panose="020B0503020204020204" pitchFamily="34" charset="-122"/>
+                <a:ea typeface="Microsoft YaHei" panose="020B0503020204020204" pitchFamily="34" charset="-122"/>
+              </a:rPr>
+              <a:t>clone</a:t>
+            </a:r>
+            <a:r>
+              <a:rPr kumimoji="1" lang="zh-CN" altLang="en-US" sz="2000" dirty="0">
+                <a:latin typeface="Microsoft YaHei" panose="020B0503020204020204" pitchFamily="34" charset="-122"/>
+                <a:ea typeface="Microsoft YaHei" panose="020B0503020204020204" pitchFamily="34" charset="-122"/>
+              </a:rPr>
+              <a:t>分为</a:t>
+            </a:r>
+            <a:r>
+              <a:rPr kumimoji="1" lang="en-US" altLang="zh-CN" sz="2000" dirty="0">
+                <a:latin typeface="Microsoft YaHei" panose="020B0503020204020204" pitchFamily="34" charset="-122"/>
+                <a:ea typeface="Microsoft YaHei" panose="020B0503020204020204" pitchFamily="34" charset="-122"/>
+              </a:rPr>
+              <a:t>2</a:t>
+            </a:r>
+            <a:r>
+              <a:rPr kumimoji="1" lang="zh-CN" altLang="en-US" sz="2000" dirty="0">
+                <a:latin typeface="Microsoft YaHei" panose="020B0503020204020204" pitchFamily="34" charset="-122"/>
+                <a:ea typeface="Microsoft YaHei" panose="020B0503020204020204" pitchFamily="34" charset="-122"/>
+              </a:rPr>
+              <a:t>部分</a:t>
+            </a:r>
+            <a:endParaRPr kumimoji="1" lang="en-US" altLang="zh-CN" sz="2000" dirty="0">
+              <a:latin typeface="Microsoft YaHei" panose="020B0503020204020204" pitchFamily="34" charset="-122"/>
+              <a:ea typeface="Microsoft YaHei" panose="020B0503020204020204" pitchFamily="34" charset="-122"/>
+            </a:endParaRPr>
+          </a:p>
+          <a:p>
+            <a:pPr marL="342900" indent="-342900">
+              <a:buFont typeface="+mj-lt"/>
+              <a:buAutoNum type="arabicPeriod"/>
+            </a:pPr>
+            <a:r>
+              <a:rPr kumimoji="1" lang="en-US" altLang="zh-CN" sz="2000" dirty="0">
+                <a:latin typeface="Microsoft YaHei" panose="020B0503020204020204" pitchFamily="34" charset="-122"/>
+                <a:ea typeface="Microsoft YaHei" panose="020B0503020204020204" pitchFamily="34" charset="-122"/>
+              </a:rPr>
+              <a:t>City</a:t>
+            </a:r>
+            <a:r>
+              <a:rPr kumimoji="1" lang="zh-CN" altLang="en-US" sz="2000" dirty="0">
+                <a:latin typeface="Microsoft YaHei" panose="020B0503020204020204" pitchFamily="34" charset="-122"/>
+                <a:ea typeface="Microsoft YaHei" panose="020B0503020204020204" pitchFamily="34" charset="-122"/>
+              </a:rPr>
+              <a:t>的克隆  </a:t>
+            </a:r>
+            <a:r>
+              <a:rPr kumimoji="1" lang="en-US" altLang="zh-CN" sz="2000" dirty="0">
+                <a:latin typeface="Microsoft YaHei" panose="020B0503020204020204" pitchFamily="34" charset="-122"/>
+                <a:ea typeface="Microsoft YaHei" panose="020B0503020204020204" pitchFamily="34" charset="-122"/>
+              </a:rPr>
+              <a:t>(String</a:t>
+            </a:r>
+            <a:r>
+              <a:rPr kumimoji="1" lang="zh-CN" altLang="en-US" sz="2000" dirty="0">
+                <a:latin typeface="Microsoft YaHei" panose="020B0503020204020204" pitchFamily="34" charset="-122"/>
+                <a:ea typeface="Microsoft YaHei" panose="020B0503020204020204" pitchFamily="34" charset="-122"/>
+              </a:rPr>
+              <a:t>类型也可以不用管</a:t>
+            </a:r>
+            <a:r>
+              <a:rPr kumimoji="1" lang="en-US" altLang="zh-CN" sz="2000" dirty="0">
+                <a:latin typeface="Microsoft YaHei" panose="020B0503020204020204" pitchFamily="34" charset="-122"/>
+                <a:ea typeface="Microsoft YaHei" panose="020B0503020204020204" pitchFamily="34" charset="-122"/>
+              </a:rPr>
+              <a:t>)</a:t>
+            </a:r>
+          </a:p>
+          <a:p>
+            <a:pPr marL="342900" indent="-342900">
+              <a:buFont typeface="+mj-lt"/>
+              <a:buAutoNum type="arabicPeriod"/>
+            </a:pPr>
+            <a:r>
+              <a:rPr kumimoji="1" lang="en-US" altLang="zh-CN" sz="2000" dirty="0" err="1">
+                <a:latin typeface="Microsoft YaHei" panose="020B0503020204020204" pitchFamily="34" charset="-122"/>
+                <a:ea typeface="Microsoft YaHei" panose="020B0503020204020204" pitchFamily="34" charset="-122"/>
+              </a:rPr>
+              <a:t>streetNo</a:t>
+            </a:r>
+            <a:r>
+              <a:rPr kumimoji="1" lang="zh-CN" altLang="en-US" sz="2000" dirty="0">
+                <a:latin typeface="Microsoft YaHei" panose="020B0503020204020204" pitchFamily="34" charset="-122"/>
+                <a:ea typeface="Microsoft YaHei" panose="020B0503020204020204" pitchFamily="34" charset="-122"/>
+              </a:rPr>
+              <a:t>的克隆 </a:t>
+            </a:r>
+            <a:r>
+              <a:rPr kumimoji="1" lang="en-US" altLang="zh-CN" sz="2000" dirty="0">
+                <a:latin typeface="Microsoft YaHei" panose="020B0503020204020204" pitchFamily="34" charset="-122"/>
+                <a:ea typeface="Microsoft YaHei" panose="020B0503020204020204" pitchFamily="34" charset="-122"/>
+              </a:rPr>
+              <a:t>(String</a:t>
+            </a:r>
+            <a:r>
+              <a:rPr kumimoji="1" lang="zh-CN" altLang="en-US" sz="2000" dirty="0">
+                <a:latin typeface="Microsoft YaHei" panose="020B0503020204020204" pitchFamily="34" charset="-122"/>
+                <a:ea typeface="Microsoft YaHei" panose="020B0503020204020204" pitchFamily="34" charset="-122"/>
+              </a:rPr>
+              <a:t> 类型也不用管</a:t>
+            </a:r>
+            <a:r>
+              <a:rPr kumimoji="1" lang="en-US" altLang="zh-CN" sz="2000" dirty="0">
+                <a:latin typeface="Microsoft YaHei" panose="020B0503020204020204" pitchFamily="34" charset="-122"/>
+                <a:ea typeface="Microsoft YaHei" panose="020B0503020204020204" pitchFamily="34" charset="-122"/>
+              </a:rPr>
+              <a:t>)</a:t>
+            </a:r>
+          </a:p>
+        </p:txBody>
+      </p:sp>
+      <p:sp>
+        <p:nvSpPr>
+          <p:cNvPr id="8" name="文本框 7">
+            <a:extLst>
+              <a:ext uri="{FF2B5EF4-FFF2-40B4-BE49-F238E27FC236}">
+                <a16:creationId xmlns:a16="http://schemas.microsoft.com/office/drawing/2014/main" id="{81A72EFF-652E-024C-AE31-7229FCEFC3E3}"/>
+              </a:ext>
+            </a:extLst>
+          </p:cNvPr>
+          <p:cNvSpPr txBox="1"/>
+          <p:nvPr/>
+        </p:nvSpPr>
+        <p:spPr>
+          <a:xfrm>
+            <a:off x="7107936" y="2761488"/>
+            <a:ext cx="4937760" cy="3970318"/>
           </a:xfrm>
           <a:prstGeom prst="rect">
             <a:avLst/>
@@ -15639,17 +15430,433 @@
           <a:lstStyle/>
           <a:p>
             <a:r>
-              <a:rPr kumimoji="1" lang="zh-CN" altLang="en-US" sz="2400" dirty="0">
-                <a:solidFill>
-                  <a:schemeClr val="bg1"/>
-                </a:solidFill>
-                <a:latin typeface="Microsoft YaHei" panose="020B0503020204020204" pitchFamily="34" charset="-122"/>
-                <a:ea typeface="Microsoft YaHei" panose="020B0503020204020204" pitchFamily="34" charset="-122"/>
-              </a:rPr>
-              <a:t>看书中</a:t>
-            </a:r>
-            <a:r>
-              <a:rPr kumimoji="1" lang="en-US" altLang="zh-CN" sz="2400" dirty="0">
+              <a:rPr kumimoji="1" lang="en-US" altLang="zh-CN" dirty="0">
+                <a:solidFill>
+                  <a:schemeClr val="bg1"/>
+                </a:solidFill>
+              </a:rPr>
+              <a:t>Class</a:t>
+            </a:r>
+            <a:r>
+              <a:rPr kumimoji="1" lang="zh-CN" altLang="en-US" dirty="0">
+                <a:solidFill>
+                  <a:schemeClr val="bg1"/>
+                </a:solidFill>
+              </a:rPr>
+              <a:t> </a:t>
+            </a:r>
+            <a:r>
+              <a:rPr kumimoji="1" lang="en-US" altLang="zh-CN" dirty="0">
+                <a:solidFill>
+                  <a:schemeClr val="bg1"/>
+                </a:solidFill>
+              </a:rPr>
+              <a:t>House{</a:t>
+            </a:r>
+          </a:p>
+          <a:p>
+            <a:r>
+              <a:rPr kumimoji="1" lang="en-US" altLang="zh-CN" dirty="0">
+                <a:solidFill>
+                  <a:schemeClr val="bg1"/>
+                </a:solidFill>
+              </a:rPr>
+              <a:t>	//3</a:t>
+            </a:r>
+            <a:r>
+              <a:rPr kumimoji="1" lang="zh-CN" altLang="en-US" dirty="0">
+                <a:solidFill>
+                  <a:schemeClr val="bg1"/>
+                </a:solidFill>
+              </a:rPr>
+              <a:t>个数据</a:t>
+            </a:r>
+            <a:endParaRPr kumimoji="1" lang="en-US" altLang="zh-CN" dirty="0">
+              <a:solidFill>
+                <a:schemeClr val="bg1"/>
+              </a:solidFill>
+            </a:endParaRPr>
+          </a:p>
+          <a:p>
+            <a:r>
+              <a:rPr kumimoji="1" lang="en-US" altLang="zh-CN" dirty="0">
+                <a:solidFill>
+                  <a:schemeClr val="bg1"/>
+                </a:solidFill>
+              </a:rPr>
+              <a:t>	</a:t>
+            </a:r>
+            <a:r>
+              <a:rPr lang="en-US" altLang="zh-CN" dirty="0">
+                <a:solidFill>
+                  <a:schemeClr val="bg1"/>
+                </a:solidFill>
+              </a:rPr>
+              <a:t>private int id;</a:t>
+            </a:r>
+            <a:br>
+              <a:rPr lang="en-US" altLang="zh-CN" dirty="0">
+                <a:solidFill>
+                  <a:schemeClr val="bg1"/>
+                </a:solidFill>
+              </a:rPr>
+            </a:br>
+            <a:r>
+              <a:rPr lang="en-US" altLang="zh-CN" dirty="0">
+                <a:solidFill>
+                  <a:schemeClr val="bg1"/>
+                </a:solidFill>
+              </a:rPr>
+              <a:t>	private double area;</a:t>
+            </a:r>
+            <a:br>
+              <a:rPr lang="en-US" altLang="zh-CN" dirty="0">
+                <a:solidFill>
+                  <a:schemeClr val="bg1"/>
+                </a:solidFill>
+              </a:rPr>
+            </a:br>
+            <a:r>
+              <a:rPr lang="en-US" altLang="zh-CN" dirty="0">
+                <a:solidFill>
+                  <a:schemeClr val="bg1"/>
+                </a:solidFill>
+              </a:rPr>
+              <a:t>	</a:t>
+            </a:r>
+            <a:r>
+              <a:rPr lang="en-US" altLang="zh-CN" b="1" i="1" u="sng" dirty="0">
+                <a:solidFill>
+                  <a:schemeClr val="bg1"/>
+                </a:solidFill>
+              </a:rPr>
+              <a:t>private Address</a:t>
+            </a:r>
+            <a:r>
+              <a:rPr lang="zh-CN" altLang="en-US" b="1" i="1" u="sng" dirty="0">
+                <a:solidFill>
+                  <a:schemeClr val="bg1"/>
+                </a:solidFill>
+              </a:rPr>
+              <a:t> </a:t>
+            </a:r>
+            <a:r>
+              <a:rPr lang="en-US" altLang="zh-CN" b="1" i="1" u="sng" dirty="0">
+                <a:solidFill>
+                  <a:schemeClr val="bg1"/>
+                </a:solidFill>
+              </a:rPr>
+              <a:t>addres</a:t>
+            </a:r>
+            <a:r>
+              <a:rPr lang="en-US" altLang="zh-CN" b="1" u="sng" dirty="0">
+                <a:solidFill>
+                  <a:schemeClr val="bg1"/>
+                </a:solidFill>
+              </a:rPr>
+              <a:t>s</a:t>
+            </a:r>
+          </a:p>
+          <a:p>
+            <a:r>
+              <a:rPr kumimoji="1" lang="en-US" altLang="zh-CN" dirty="0">
+                <a:solidFill>
+                  <a:schemeClr val="bg1"/>
+                </a:solidFill>
+              </a:rPr>
+              <a:t>	...</a:t>
+            </a:r>
+          </a:p>
+          <a:p>
+            <a:endParaRPr kumimoji="1" lang="en-US" altLang="zh-CN" dirty="0">
+              <a:solidFill>
+                <a:schemeClr val="bg1"/>
+              </a:solidFill>
+            </a:endParaRPr>
+          </a:p>
+          <a:p>
+            <a:r>
+              <a:rPr kumimoji="1" lang="en-US" altLang="zh-CN" dirty="0">
+                <a:solidFill>
+                  <a:schemeClr val="bg1"/>
+                </a:solidFill>
+              </a:rPr>
+              <a:t>}</a:t>
+            </a:r>
+          </a:p>
+          <a:p>
+            <a:endParaRPr kumimoji="1" lang="en-US" altLang="zh-CN" dirty="0">
+              <a:solidFill>
+                <a:schemeClr val="bg1"/>
+              </a:solidFill>
+            </a:endParaRPr>
+          </a:p>
+          <a:p>
+            <a:r>
+              <a:rPr kumimoji="1" lang="en-US" altLang="zh-CN" dirty="0">
+                <a:solidFill>
+                  <a:schemeClr val="bg1"/>
+                </a:solidFill>
+              </a:rPr>
+              <a:t>Class</a:t>
+            </a:r>
+            <a:r>
+              <a:rPr kumimoji="1" lang="zh-CN" altLang="en-US" dirty="0">
+                <a:solidFill>
+                  <a:schemeClr val="bg1"/>
+                </a:solidFill>
+              </a:rPr>
+              <a:t> </a:t>
+            </a:r>
+            <a:r>
+              <a:rPr kumimoji="1" lang="en-US" altLang="zh-CN" dirty="0">
+                <a:solidFill>
+                  <a:schemeClr val="bg1"/>
+                </a:solidFill>
+              </a:rPr>
+              <a:t>Address</a:t>
+            </a:r>
+            <a:r>
+              <a:rPr kumimoji="1" lang="zh-CN" altLang="en-US" dirty="0">
+                <a:solidFill>
+                  <a:schemeClr val="bg1"/>
+                </a:solidFill>
+              </a:rPr>
+              <a:t> </a:t>
+            </a:r>
+            <a:r>
+              <a:rPr kumimoji="1" lang="en-US" altLang="zh-CN" dirty="0">
+                <a:solidFill>
+                  <a:schemeClr val="bg1"/>
+                </a:solidFill>
+              </a:rPr>
+              <a:t>{</a:t>
+            </a:r>
+          </a:p>
+          <a:p>
+            <a:r>
+              <a:rPr kumimoji="1" lang="en-US" altLang="zh-CN" dirty="0">
+                <a:solidFill>
+                  <a:schemeClr val="bg1"/>
+                </a:solidFill>
+              </a:rPr>
+              <a:t>	String</a:t>
+            </a:r>
+            <a:r>
+              <a:rPr kumimoji="1" lang="zh-CN" altLang="en-US" dirty="0">
+                <a:solidFill>
+                  <a:schemeClr val="bg1"/>
+                </a:solidFill>
+              </a:rPr>
+              <a:t> </a:t>
+            </a:r>
+            <a:r>
+              <a:rPr kumimoji="1" lang="en-US" altLang="zh-CN" dirty="0">
+                <a:solidFill>
+                  <a:schemeClr val="bg1"/>
+                </a:solidFill>
+              </a:rPr>
+              <a:t>province</a:t>
+            </a:r>
+            <a:r>
+              <a:rPr kumimoji="1" lang="zh-CN" altLang="en-US" dirty="0">
+                <a:solidFill>
+                  <a:schemeClr val="bg1"/>
+                </a:solidFill>
+              </a:rPr>
+              <a:t>   </a:t>
+            </a:r>
+            <a:r>
+              <a:rPr kumimoji="1" lang="en-US" altLang="zh-CN" dirty="0">
+                <a:solidFill>
+                  <a:schemeClr val="bg1"/>
+                </a:solidFill>
+              </a:rPr>
+              <a:t>//</a:t>
+            </a:r>
+            <a:r>
+              <a:rPr kumimoji="1" lang="zh-CN" altLang="en-US" dirty="0">
+                <a:solidFill>
+                  <a:schemeClr val="bg1"/>
+                </a:solidFill>
+              </a:rPr>
+              <a:t> 省</a:t>
+            </a:r>
+            <a:endParaRPr kumimoji="1" lang="en-US" altLang="zh-CN" dirty="0">
+              <a:solidFill>
+                <a:schemeClr val="bg1"/>
+              </a:solidFill>
+            </a:endParaRPr>
+          </a:p>
+          <a:p>
+            <a:r>
+              <a:rPr kumimoji="1" lang="en-US" altLang="zh-CN" dirty="0">
+                <a:solidFill>
+                  <a:schemeClr val="bg1"/>
+                </a:solidFill>
+              </a:rPr>
+              <a:t>	String</a:t>
+            </a:r>
+            <a:r>
+              <a:rPr kumimoji="1" lang="zh-CN" altLang="en-US" dirty="0">
+                <a:solidFill>
+                  <a:schemeClr val="bg1"/>
+                </a:solidFill>
+              </a:rPr>
+              <a:t> </a:t>
+            </a:r>
+            <a:r>
+              <a:rPr kumimoji="1" lang="en-US" altLang="zh-CN" dirty="0">
+                <a:solidFill>
+                  <a:schemeClr val="bg1"/>
+                </a:solidFill>
+              </a:rPr>
+              <a:t>city;</a:t>
+            </a:r>
+            <a:r>
+              <a:rPr kumimoji="1" lang="zh-CN" altLang="en-US" dirty="0">
+                <a:solidFill>
+                  <a:schemeClr val="bg1"/>
+                </a:solidFill>
+              </a:rPr>
+              <a:t>           </a:t>
+            </a:r>
+            <a:r>
+              <a:rPr kumimoji="1" lang="en-US" altLang="zh-CN" dirty="0">
+                <a:solidFill>
+                  <a:schemeClr val="bg1"/>
+                </a:solidFill>
+              </a:rPr>
+              <a:t>//</a:t>
+            </a:r>
+            <a:r>
+              <a:rPr kumimoji="1" lang="zh-CN" altLang="en-US" dirty="0">
+                <a:solidFill>
+                  <a:schemeClr val="bg1"/>
+                </a:solidFill>
+              </a:rPr>
+              <a:t>市</a:t>
+            </a:r>
+            <a:endParaRPr kumimoji="1" lang="en-US" altLang="zh-CN" dirty="0">
+              <a:solidFill>
+                <a:schemeClr val="bg1"/>
+              </a:solidFill>
+            </a:endParaRPr>
+          </a:p>
+          <a:p>
+            <a:r>
+              <a:rPr kumimoji="1" lang="en-US" altLang="zh-CN" dirty="0">
+                <a:solidFill>
+                  <a:schemeClr val="bg1"/>
+                </a:solidFill>
+              </a:rPr>
+              <a:t>	String</a:t>
+            </a:r>
+            <a:r>
+              <a:rPr kumimoji="1" lang="zh-CN" altLang="en-US" dirty="0">
+                <a:solidFill>
+                  <a:schemeClr val="bg1"/>
+                </a:solidFill>
+              </a:rPr>
+              <a:t> </a:t>
+            </a:r>
+            <a:r>
+              <a:rPr kumimoji="1" lang="en-US" altLang="zh-CN" dirty="0" err="1">
+                <a:solidFill>
+                  <a:schemeClr val="bg1"/>
+                </a:solidFill>
+              </a:rPr>
+              <a:t>streetNo</a:t>
+            </a:r>
+            <a:r>
+              <a:rPr kumimoji="1" lang="zh-CN" altLang="en-US" dirty="0">
+                <a:solidFill>
+                  <a:schemeClr val="bg1"/>
+                </a:solidFill>
+              </a:rPr>
+              <a:t>   </a:t>
+            </a:r>
+            <a:r>
+              <a:rPr kumimoji="1" lang="en-US" altLang="zh-CN" dirty="0">
+                <a:solidFill>
+                  <a:schemeClr val="bg1"/>
+                </a:solidFill>
+              </a:rPr>
+              <a:t>//</a:t>
+            </a:r>
+            <a:r>
+              <a:rPr kumimoji="1" lang="zh-CN" altLang="en-US" dirty="0">
+                <a:solidFill>
+                  <a:schemeClr val="bg1"/>
+                </a:solidFill>
+              </a:rPr>
+              <a:t> 街道</a:t>
+            </a:r>
+            <a:endParaRPr kumimoji="1" lang="en-US" altLang="zh-CN" dirty="0">
+              <a:solidFill>
+                <a:schemeClr val="bg1"/>
+              </a:solidFill>
+            </a:endParaRPr>
+          </a:p>
+          <a:p>
+            <a:r>
+              <a:rPr kumimoji="1" lang="en-US" altLang="zh-CN" dirty="0">
+                <a:solidFill>
+                  <a:schemeClr val="bg1"/>
+                </a:solidFill>
+              </a:rPr>
+              <a:t>}</a:t>
+            </a:r>
+            <a:endParaRPr kumimoji="1" lang="zh-CN" altLang="en-US" dirty="0">
+              <a:solidFill>
+                <a:schemeClr val="bg1"/>
+              </a:solidFill>
+            </a:endParaRPr>
+          </a:p>
+        </p:txBody>
+      </p:sp>
+      <p:sp>
+        <p:nvSpPr>
+          <p:cNvPr id="10" name="文本框 9">
+            <a:extLst>
+              <a:ext uri="{FF2B5EF4-FFF2-40B4-BE49-F238E27FC236}">
+                <a16:creationId xmlns:a16="http://schemas.microsoft.com/office/drawing/2014/main" id="{10CDF229-52A8-B84A-8043-608B8241A7E1}"/>
+              </a:ext>
+            </a:extLst>
+          </p:cNvPr>
+          <p:cNvSpPr txBox="1"/>
+          <p:nvPr/>
+        </p:nvSpPr>
+        <p:spPr>
+          <a:xfrm>
+            <a:off x="1172784" y="6362474"/>
+            <a:ext cx="4350192" cy="369332"/>
+          </a:xfrm>
+          <a:prstGeom prst="rect">
+            <a:avLst/>
+          </a:prstGeom>
+          <a:solidFill>
+            <a:schemeClr val="accent2"/>
+          </a:solidFill>
+        </p:spPr>
+        <p:txBody>
+          <a:bodyPr wrap="square" rtlCol="0">
+            <a:spAutoFit/>
+          </a:bodyPr>
+          <a:lstStyle/>
+          <a:p>
+            <a:r>
+              <a:rPr kumimoji="1" lang="zh-CN" altLang="en-US" dirty="0">
+                <a:solidFill>
+                  <a:schemeClr val="bg1"/>
+                </a:solidFill>
+                <a:latin typeface="Microsoft YaHei" panose="020B0503020204020204" pitchFamily="34" charset="-122"/>
+                <a:ea typeface="Microsoft YaHei" panose="020B0503020204020204" pitchFamily="34" charset="-122"/>
+              </a:rPr>
+              <a:t>参照示例代码</a:t>
+            </a:r>
+            <a:r>
+              <a:rPr kumimoji="1" lang="en-US" altLang="zh-CN" dirty="0">
                 <a:solidFill>
                   <a:schemeClr val="bg1"/>
                 </a:solidFill>
@@ -15659,14 +15866,34 @@
               <a:t>House</a:t>
             </a:r>
             <a:r>
-              <a:rPr kumimoji="1" lang="zh-CN" altLang="en-US" sz="2400" dirty="0">
-                <a:solidFill>
-                  <a:schemeClr val="bg1"/>
-                </a:solidFill>
-                <a:latin typeface="Microsoft YaHei" panose="020B0503020204020204" pitchFamily="34" charset="-122"/>
-                <a:ea typeface="Microsoft YaHei" panose="020B0503020204020204" pitchFamily="34" charset="-122"/>
-              </a:rPr>
-              <a:t>例子</a:t>
+              <a:rPr kumimoji="1" lang="zh-CN" altLang="en-US" dirty="0">
+                <a:solidFill>
+                  <a:schemeClr val="bg1"/>
+                </a:solidFill>
+                <a:latin typeface="Microsoft YaHei" panose="020B0503020204020204" pitchFamily="34" charset="-122"/>
+                <a:ea typeface="Microsoft YaHei" panose="020B0503020204020204" pitchFamily="34" charset="-122"/>
+              </a:rPr>
+              <a:t>，</a:t>
+            </a:r>
+            <a:r>
+              <a:rPr kumimoji="1" lang="en-US" altLang="zh-CN" dirty="0">
+                <a:solidFill>
+                  <a:schemeClr val="bg1"/>
+                </a:solidFill>
+                <a:latin typeface="Microsoft YaHei" panose="020B0503020204020204" pitchFamily="34" charset="-122"/>
+                <a:ea typeface="Microsoft YaHei" panose="020B0503020204020204" pitchFamily="34" charset="-122"/>
+              </a:rPr>
+              <a:t>Address</a:t>
+            </a:r>
+            <a:r>
+              <a:rPr kumimoji="1" lang="zh-CN" altLang="en-US" dirty="0">
+                <a:solidFill>
+                  <a:schemeClr val="bg1"/>
+                </a:solidFill>
+                <a:latin typeface="Microsoft YaHei" panose="020B0503020204020204" pitchFamily="34" charset="-122"/>
+                <a:ea typeface="Microsoft YaHei" panose="020B0503020204020204" pitchFamily="34" charset="-122"/>
+              </a:rPr>
+              <a:t>的例子</a:t>
             </a:r>
           </a:p>
         </p:txBody>
@@ -15674,7 +15901,7 @@
     </p:spTree>
     <p:extLst>
       <p:ext uri="{BB962C8B-B14F-4D97-AF65-F5344CB8AC3E}">
-        <p14:creationId xmlns:p14="http://schemas.microsoft.com/office/powerpoint/2010/main" val="3511541560"/>
+        <p14:creationId xmlns:p14="http://schemas.microsoft.com/office/powerpoint/2010/main" val="1046367198"/>
       </p:ext>
     </p:extLst>
   </p:cSld>
@@ -15724,7 +15951,7 @@
         </p:nvSpPr>
         <p:spPr>
           <a:xfrm>
-            <a:off x="2135952" y="822959"/>
+            <a:off x="1725374" y="736092"/>
             <a:ext cx="8741252" cy="830997"/>
           </a:xfrm>
           <a:prstGeom prst="rect">
@@ -15740,18 +15967,10 @@
           <a:p>
             <a:pPr algn="ctr"/>
             <a:r>
-              <a:rPr kumimoji="1" lang="en-US" altLang="zh-CN" sz="4800" dirty="0">
-                <a:latin typeface="Microsoft YaHei" panose="020B0503020204020204" pitchFamily="34" charset="-122"/>
-                <a:ea typeface="Microsoft YaHei" panose="020B0503020204020204" pitchFamily="34" charset="-122"/>
-              </a:rPr>
-              <a:t>Cloneable</a:t>
-            </a:r>
-            <a:r>
               <a:rPr kumimoji="1" lang="zh-CN" altLang="en-US" sz="4800" dirty="0">
-                <a:latin typeface="Microsoft YaHei" panose="020B0503020204020204" pitchFamily="34" charset="-122"/>
-                <a:ea typeface="Microsoft YaHei" panose="020B0503020204020204" pitchFamily="34" charset="-122"/>
-              </a:rPr>
-              <a:t>接口用法</a:t>
+                <a:ea typeface="Microsoft YaHei" panose="020B0503020204020204" pitchFamily="34" charset="-122"/>
+              </a:rPr>
+              <a:t>递归克隆例子</a:t>
             </a:r>
             <a:endParaRPr kumimoji="1" lang="en-US" altLang="zh-CN" sz="4800" dirty="0">
               <a:ea typeface="Microsoft YaHei" panose="020B0503020204020204" pitchFamily="34" charset="-122"/>
@@ -15761,10 +15980,10 @@
       </p:sp>
       <p:sp>
         <p:nvSpPr>
-          <p:cNvPr id="3" name="文本框 2">
+          <p:cNvPr id="4" name="文本框 3">
             <a:extLst>
               <a:ext uri="{FF2B5EF4-FFF2-40B4-BE49-F238E27FC236}">
-                <a16:creationId xmlns:a16="http://schemas.microsoft.com/office/drawing/2014/main" id="{F9F2836E-84E2-5042-9CCF-7E3C3CE5B763}"/>
+                <a16:creationId xmlns:a16="http://schemas.microsoft.com/office/drawing/2014/main" id="{AD20C7BD-80EE-C146-9A86-BBE403DB7D59}"/>
               </a:ext>
             </a:extLst>
           </p:cNvPr>
@@ -15773,8 +15992,8 @@
         </p:nvSpPr>
         <p:spPr>
           <a:xfrm>
-            <a:off x="3050352" y="3429000"/>
-            <a:ext cx="8741252" cy="923330"/>
+            <a:off x="883920" y="2972907"/>
+            <a:ext cx="10424160" cy="830997"/>
           </a:xfrm>
           <a:prstGeom prst="rect">
             <a:avLst/>
@@ -15787,53 +16006,12 @@
           </a:bodyPr>
           <a:lstStyle/>
           <a:p>
-            <a:pPr marL="457200" indent="-457200">
-              <a:buFont typeface="+mj-lt"/>
-              <a:buAutoNum type="arabicPeriod"/>
-            </a:pPr>
-            <a:r>
-              <a:rPr lang="zh-CN" altLang="en-US" dirty="0"/>
-              <a:t>不管什么类，实现</a:t>
-            </a:r>
-            <a:r>
-              <a:rPr lang="en-US" altLang="zh-CN" dirty="0"/>
-              <a:t>clone</a:t>
-            </a:r>
-            <a:r>
-              <a:rPr lang="zh-CN" altLang="en-US" dirty="0"/>
-              <a:t>方法的第一步是调用</a:t>
-            </a:r>
-            <a:r>
-              <a:rPr lang="en-US" altLang="zh-CN" dirty="0" err="1"/>
-              <a:t>super.clone</a:t>
-            </a:r>
-            <a:r>
-              <a:rPr lang="en-US" altLang="zh-CN" dirty="0"/>
-              <a:t>()</a:t>
-            </a:r>
-            <a:r>
-              <a:rPr lang="zh-CN" altLang="en-US" dirty="0"/>
-              <a:t>完成其父类的深拷贝和该类对象本身的浅拷贝。</a:t>
-            </a:r>
-            <a:endParaRPr lang="en-US" altLang="zh-CN" dirty="0"/>
-          </a:p>
-          <a:p>
-            <a:pPr marL="457200" indent="-457200">
-              <a:buFont typeface="+mj-lt"/>
-              <a:buAutoNum type="arabicPeriod"/>
-            </a:pPr>
-            <a:r>
-              <a:rPr lang="zh-CN" altLang="en-US" dirty="0"/>
-              <a:t>如果该类包含引用类型，还需调用该引用类型的</a:t>
-            </a:r>
-            <a:r>
-              <a:rPr lang="en-US" altLang="zh-CN" dirty="0"/>
-              <a:t>clone</a:t>
-            </a:r>
-            <a:r>
-              <a:rPr lang="zh-CN" altLang="en-US" dirty="0"/>
-              <a:t>方法对引用类型深拷贝。</a:t>
-            </a:r>
+            <a:endParaRPr kumimoji="1" lang="zh-CN" altLang="en-US" sz="2400" dirty="0">
+              <a:latin typeface="Microsoft YaHei" panose="020B0503020204020204" pitchFamily="34" charset="-122"/>
+              <a:ea typeface="Microsoft YaHei" panose="020B0503020204020204" pitchFamily="34" charset="-122"/>
+            </a:endParaRPr>
+          </a:p>
+          <a:p>
             <a:endParaRPr kumimoji="1" lang="en-US" altLang="zh-CN" sz="2400" dirty="0">
               <a:latin typeface="Microsoft YaHei" panose="020B0503020204020204" pitchFamily="34" charset="-122"/>
               <a:ea typeface="Microsoft YaHei" panose="020B0503020204020204" pitchFamily="34" charset="-122"/>
@@ -15841,12 +16019,72 @@
           </a:p>
         </p:txBody>
       </p:sp>
-      <p:sp>
-        <p:nvSpPr>
-          <p:cNvPr id="4" name="文本框 3">
+      <p:pic>
+        <p:nvPicPr>
+          <p:cNvPr id="8" name="图片 7">
             <a:extLst>
               <a:ext uri="{FF2B5EF4-FFF2-40B4-BE49-F238E27FC236}">
-                <a16:creationId xmlns:a16="http://schemas.microsoft.com/office/drawing/2014/main" id="{9FF32BB9-E49F-CD4E-9E38-407624C88E00}"/>
+                <a16:creationId xmlns:a16="http://schemas.microsoft.com/office/drawing/2014/main" id="{D50A4E89-3C46-7845-A389-630F47DB58A9}"/>
+              </a:ext>
+            </a:extLst>
+          </p:cNvPr>
+          <p:cNvPicPr>
+            <a:picLocks noChangeAspect="1"/>
+          </p:cNvPicPr>
+          <p:nvPr/>
+        </p:nvPicPr>
+        <p:blipFill>
+          <a:blip r:embed="rId4"/>
+          <a:stretch>
+            <a:fillRect/>
+          </a:stretch>
+        </p:blipFill>
+        <p:spPr>
+          <a:xfrm>
+            <a:off x="1059620" y="4584960"/>
+            <a:ext cx="4595448" cy="2282440"/>
+          </a:xfrm>
+          <a:prstGeom prst="rect">
+            <a:avLst/>
+          </a:prstGeom>
+        </p:spPr>
+      </p:pic>
+      <p:pic>
+        <p:nvPicPr>
+          <p:cNvPr id="12" name="图片 11">
+            <a:extLst>
+              <a:ext uri="{FF2B5EF4-FFF2-40B4-BE49-F238E27FC236}">
+                <a16:creationId xmlns:a16="http://schemas.microsoft.com/office/drawing/2014/main" id="{AB7953F3-62E8-B046-9571-3B1BD74DDC3A}"/>
+              </a:ext>
+            </a:extLst>
+          </p:cNvPr>
+          <p:cNvPicPr>
+            <a:picLocks noChangeAspect="1"/>
+          </p:cNvPicPr>
+          <p:nvPr/>
+        </p:nvPicPr>
+        <p:blipFill>
+          <a:blip r:embed="rId5"/>
+          <a:stretch>
+            <a:fillRect/>
+          </a:stretch>
+        </p:blipFill>
+        <p:spPr>
+          <a:xfrm>
+            <a:off x="1059620" y="1719539"/>
+            <a:ext cx="4595448" cy="2809955"/>
+          </a:xfrm>
+          <a:prstGeom prst="rect">
+            <a:avLst/>
+          </a:prstGeom>
+        </p:spPr>
+      </p:pic>
+      <p:sp>
+        <p:nvSpPr>
+          <p:cNvPr id="14" name="文本框 13">
+            <a:extLst>
+              <a:ext uri="{FF2B5EF4-FFF2-40B4-BE49-F238E27FC236}">
+                <a16:creationId xmlns:a16="http://schemas.microsoft.com/office/drawing/2014/main" id="{442A116A-AA40-CE43-9378-987D52F4387A}"/>
               </a:ext>
             </a:extLst>
           </p:cNvPr>
@@ -15855,8 +16093,8 @@
         </p:nvSpPr>
         <p:spPr>
           <a:xfrm>
-            <a:off x="4700016" y="5804208"/>
-            <a:ext cx="3401568" cy="461665"/>
+            <a:off x="7107936" y="2761488"/>
+            <a:ext cx="4937760" cy="3970318"/>
           </a:xfrm>
           <a:prstGeom prst="rect">
             <a:avLst/>
@@ -15872,42 +16110,395 @@
           <a:lstStyle/>
           <a:p>
             <a:r>
-              <a:rPr kumimoji="1" lang="zh-CN" altLang="en-US" sz="2400" dirty="0">
-                <a:solidFill>
-                  <a:schemeClr val="bg1"/>
-                </a:solidFill>
-                <a:latin typeface="Microsoft YaHei" panose="020B0503020204020204" pitchFamily="34" charset="-122"/>
-                <a:ea typeface="Microsoft YaHei" panose="020B0503020204020204" pitchFamily="34" charset="-122"/>
-              </a:rPr>
-              <a:t>看书中</a:t>
-            </a:r>
-            <a:r>
-              <a:rPr kumimoji="1" lang="en-US" altLang="zh-CN" sz="2400" dirty="0">
-                <a:solidFill>
-                  <a:schemeClr val="bg1"/>
-                </a:solidFill>
-                <a:latin typeface="Microsoft YaHei" panose="020B0503020204020204" pitchFamily="34" charset="-122"/>
-                <a:ea typeface="Microsoft YaHei" panose="020B0503020204020204" pitchFamily="34" charset="-122"/>
-              </a:rPr>
-              <a:t>House</a:t>
-            </a:r>
-            <a:r>
-              <a:rPr kumimoji="1" lang="zh-CN" altLang="en-US" sz="2400" dirty="0">
-                <a:solidFill>
-                  <a:schemeClr val="bg1"/>
-                </a:solidFill>
-                <a:latin typeface="Microsoft YaHei" panose="020B0503020204020204" pitchFamily="34" charset="-122"/>
-                <a:ea typeface="Microsoft YaHei" panose="020B0503020204020204" pitchFamily="34" charset="-122"/>
-              </a:rPr>
-              <a:t>例子</a:t>
-            </a:r>
+              <a:rPr kumimoji="1" lang="en-US" altLang="zh-CN" dirty="0">
+                <a:solidFill>
+                  <a:schemeClr val="bg1"/>
+                </a:solidFill>
+              </a:rPr>
+              <a:t>Class</a:t>
+            </a:r>
+            <a:r>
+              <a:rPr kumimoji="1" lang="zh-CN" altLang="en-US" dirty="0">
+                <a:solidFill>
+                  <a:schemeClr val="bg1"/>
+                </a:solidFill>
+              </a:rPr>
+              <a:t> </a:t>
+            </a:r>
+            <a:r>
+              <a:rPr kumimoji="1" lang="en-US" altLang="zh-CN" dirty="0">
+                <a:solidFill>
+                  <a:schemeClr val="bg1"/>
+                </a:solidFill>
+              </a:rPr>
+              <a:t>House{</a:t>
+            </a:r>
+          </a:p>
+          <a:p>
+            <a:r>
+              <a:rPr kumimoji="1" lang="en-US" altLang="zh-CN" dirty="0">
+                <a:solidFill>
+                  <a:schemeClr val="bg1"/>
+                </a:solidFill>
+              </a:rPr>
+              <a:t>	//3</a:t>
+            </a:r>
+            <a:r>
+              <a:rPr kumimoji="1" lang="zh-CN" altLang="en-US" dirty="0">
+                <a:solidFill>
+                  <a:schemeClr val="bg1"/>
+                </a:solidFill>
+              </a:rPr>
+              <a:t>个数据</a:t>
+            </a:r>
+            <a:endParaRPr kumimoji="1" lang="en-US" altLang="zh-CN" dirty="0">
+              <a:solidFill>
+                <a:schemeClr val="bg1"/>
+              </a:solidFill>
+            </a:endParaRPr>
+          </a:p>
+          <a:p>
+            <a:r>
+              <a:rPr kumimoji="1" lang="en-US" altLang="zh-CN" dirty="0">
+                <a:solidFill>
+                  <a:schemeClr val="bg1"/>
+                </a:solidFill>
+              </a:rPr>
+              <a:t>	</a:t>
+            </a:r>
+            <a:r>
+              <a:rPr lang="en-US" altLang="zh-CN" dirty="0">
+                <a:solidFill>
+                  <a:schemeClr val="bg1"/>
+                </a:solidFill>
+              </a:rPr>
+              <a:t>private int id;</a:t>
+            </a:r>
+            <a:br>
+              <a:rPr lang="en-US" altLang="zh-CN" dirty="0">
+                <a:solidFill>
+                  <a:schemeClr val="bg1"/>
+                </a:solidFill>
+              </a:rPr>
+            </a:br>
+            <a:r>
+              <a:rPr lang="en-US" altLang="zh-CN" dirty="0">
+                <a:solidFill>
+                  <a:schemeClr val="bg1"/>
+                </a:solidFill>
+              </a:rPr>
+              <a:t>	private double area;</a:t>
+            </a:r>
+            <a:br>
+              <a:rPr lang="en-US" altLang="zh-CN" dirty="0">
+                <a:solidFill>
+                  <a:schemeClr val="bg1"/>
+                </a:solidFill>
+              </a:rPr>
+            </a:br>
+            <a:r>
+              <a:rPr lang="en-US" altLang="zh-CN" dirty="0">
+                <a:solidFill>
+                  <a:schemeClr val="bg1"/>
+                </a:solidFill>
+              </a:rPr>
+              <a:t>	</a:t>
+            </a:r>
+            <a:r>
+              <a:rPr lang="en-US" altLang="zh-CN" b="1" i="1" u="sng" dirty="0">
+                <a:solidFill>
+                  <a:schemeClr val="bg1"/>
+                </a:solidFill>
+              </a:rPr>
+              <a:t>private Address</a:t>
+            </a:r>
+            <a:r>
+              <a:rPr lang="zh-CN" altLang="en-US" b="1" i="1" u="sng" dirty="0">
+                <a:solidFill>
+                  <a:schemeClr val="bg1"/>
+                </a:solidFill>
+              </a:rPr>
+              <a:t> </a:t>
+            </a:r>
+            <a:r>
+              <a:rPr lang="en-US" altLang="zh-CN" b="1" i="1" u="sng" dirty="0">
+                <a:solidFill>
+                  <a:schemeClr val="bg1"/>
+                </a:solidFill>
+              </a:rPr>
+              <a:t>addres</a:t>
+            </a:r>
+            <a:r>
+              <a:rPr lang="en-US" altLang="zh-CN" b="1" u="sng" dirty="0">
+                <a:solidFill>
+                  <a:schemeClr val="bg1"/>
+                </a:solidFill>
+              </a:rPr>
+              <a:t>s</a:t>
+            </a:r>
+          </a:p>
+          <a:p>
+            <a:r>
+              <a:rPr kumimoji="1" lang="en-US" altLang="zh-CN" dirty="0">
+                <a:solidFill>
+                  <a:schemeClr val="bg1"/>
+                </a:solidFill>
+              </a:rPr>
+              <a:t>	...</a:t>
+            </a:r>
+          </a:p>
+          <a:p>
+            <a:endParaRPr kumimoji="1" lang="en-US" altLang="zh-CN" dirty="0">
+              <a:solidFill>
+                <a:schemeClr val="bg1"/>
+              </a:solidFill>
+            </a:endParaRPr>
+          </a:p>
+          <a:p>
+            <a:r>
+              <a:rPr kumimoji="1" lang="en-US" altLang="zh-CN" dirty="0">
+                <a:solidFill>
+                  <a:schemeClr val="bg1"/>
+                </a:solidFill>
+              </a:rPr>
+              <a:t>}</a:t>
+            </a:r>
+          </a:p>
+          <a:p>
+            <a:endParaRPr kumimoji="1" lang="en-US" altLang="zh-CN" dirty="0">
+              <a:solidFill>
+                <a:schemeClr val="bg1"/>
+              </a:solidFill>
+            </a:endParaRPr>
+          </a:p>
+          <a:p>
+            <a:r>
+              <a:rPr kumimoji="1" lang="en-US" altLang="zh-CN" dirty="0">
+                <a:solidFill>
+                  <a:schemeClr val="bg1"/>
+                </a:solidFill>
+              </a:rPr>
+              <a:t>Class</a:t>
+            </a:r>
+            <a:r>
+              <a:rPr kumimoji="1" lang="zh-CN" altLang="en-US" dirty="0">
+                <a:solidFill>
+                  <a:schemeClr val="bg1"/>
+                </a:solidFill>
+              </a:rPr>
+              <a:t> </a:t>
+            </a:r>
+            <a:r>
+              <a:rPr kumimoji="1" lang="en-US" altLang="zh-CN" dirty="0">
+                <a:solidFill>
+                  <a:schemeClr val="bg1"/>
+                </a:solidFill>
+              </a:rPr>
+              <a:t>Address</a:t>
+            </a:r>
+            <a:r>
+              <a:rPr kumimoji="1" lang="zh-CN" altLang="en-US" dirty="0">
+                <a:solidFill>
+                  <a:schemeClr val="bg1"/>
+                </a:solidFill>
+              </a:rPr>
+              <a:t> </a:t>
+            </a:r>
+            <a:r>
+              <a:rPr kumimoji="1" lang="en-US" altLang="zh-CN" dirty="0">
+                <a:solidFill>
+                  <a:schemeClr val="bg1"/>
+                </a:solidFill>
+              </a:rPr>
+              <a:t>{</a:t>
+            </a:r>
+          </a:p>
+          <a:p>
+            <a:r>
+              <a:rPr kumimoji="1" lang="en-US" altLang="zh-CN" dirty="0">
+                <a:solidFill>
+                  <a:schemeClr val="bg1"/>
+                </a:solidFill>
+              </a:rPr>
+              <a:t>	String</a:t>
+            </a:r>
+            <a:r>
+              <a:rPr kumimoji="1" lang="zh-CN" altLang="en-US" dirty="0">
+                <a:solidFill>
+                  <a:schemeClr val="bg1"/>
+                </a:solidFill>
+              </a:rPr>
+              <a:t> </a:t>
+            </a:r>
+            <a:r>
+              <a:rPr kumimoji="1" lang="en-US" altLang="zh-CN" dirty="0">
+                <a:solidFill>
+                  <a:schemeClr val="bg1"/>
+                </a:solidFill>
+              </a:rPr>
+              <a:t>province</a:t>
+            </a:r>
+            <a:r>
+              <a:rPr kumimoji="1" lang="zh-CN" altLang="en-US" dirty="0">
+                <a:solidFill>
+                  <a:schemeClr val="bg1"/>
+                </a:solidFill>
+              </a:rPr>
+              <a:t>   </a:t>
+            </a:r>
+            <a:r>
+              <a:rPr kumimoji="1" lang="en-US" altLang="zh-CN" dirty="0">
+                <a:solidFill>
+                  <a:schemeClr val="bg1"/>
+                </a:solidFill>
+              </a:rPr>
+              <a:t>//</a:t>
+            </a:r>
+            <a:r>
+              <a:rPr kumimoji="1" lang="zh-CN" altLang="en-US" dirty="0">
+                <a:solidFill>
+                  <a:schemeClr val="bg1"/>
+                </a:solidFill>
+              </a:rPr>
+              <a:t> 省</a:t>
+            </a:r>
+            <a:endParaRPr kumimoji="1" lang="en-US" altLang="zh-CN" dirty="0">
+              <a:solidFill>
+                <a:schemeClr val="bg1"/>
+              </a:solidFill>
+            </a:endParaRPr>
+          </a:p>
+          <a:p>
+            <a:r>
+              <a:rPr kumimoji="1" lang="en-US" altLang="zh-CN" dirty="0">
+                <a:solidFill>
+                  <a:schemeClr val="bg1"/>
+                </a:solidFill>
+              </a:rPr>
+              <a:t>	String</a:t>
+            </a:r>
+            <a:r>
+              <a:rPr kumimoji="1" lang="zh-CN" altLang="en-US" dirty="0">
+                <a:solidFill>
+                  <a:schemeClr val="bg1"/>
+                </a:solidFill>
+              </a:rPr>
+              <a:t> </a:t>
+            </a:r>
+            <a:r>
+              <a:rPr kumimoji="1" lang="en-US" altLang="zh-CN" dirty="0">
+                <a:solidFill>
+                  <a:schemeClr val="bg1"/>
+                </a:solidFill>
+              </a:rPr>
+              <a:t>city;</a:t>
+            </a:r>
+            <a:r>
+              <a:rPr kumimoji="1" lang="zh-CN" altLang="en-US" dirty="0">
+                <a:solidFill>
+                  <a:schemeClr val="bg1"/>
+                </a:solidFill>
+              </a:rPr>
+              <a:t>           </a:t>
+            </a:r>
+            <a:r>
+              <a:rPr kumimoji="1" lang="en-US" altLang="zh-CN" dirty="0">
+                <a:solidFill>
+                  <a:schemeClr val="bg1"/>
+                </a:solidFill>
+              </a:rPr>
+              <a:t>//</a:t>
+            </a:r>
+            <a:r>
+              <a:rPr kumimoji="1" lang="zh-CN" altLang="en-US" dirty="0">
+                <a:solidFill>
+                  <a:schemeClr val="bg1"/>
+                </a:solidFill>
+              </a:rPr>
+              <a:t>市</a:t>
+            </a:r>
+            <a:endParaRPr kumimoji="1" lang="en-US" altLang="zh-CN" dirty="0">
+              <a:solidFill>
+                <a:schemeClr val="bg1"/>
+              </a:solidFill>
+            </a:endParaRPr>
+          </a:p>
+          <a:p>
+            <a:r>
+              <a:rPr kumimoji="1" lang="en-US" altLang="zh-CN" dirty="0">
+                <a:solidFill>
+                  <a:schemeClr val="bg1"/>
+                </a:solidFill>
+              </a:rPr>
+              <a:t>	String</a:t>
+            </a:r>
+            <a:r>
+              <a:rPr kumimoji="1" lang="zh-CN" altLang="en-US" dirty="0">
+                <a:solidFill>
+                  <a:schemeClr val="bg1"/>
+                </a:solidFill>
+              </a:rPr>
+              <a:t> </a:t>
+            </a:r>
+            <a:r>
+              <a:rPr kumimoji="1" lang="en-US" altLang="zh-CN" dirty="0" err="1">
+                <a:solidFill>
+                  <a:schemeClr val="bg1"/>
+                </a:solidFill>
+              </a:rPr>
+              <a:t>streetNo</a:t>
+            </a:r>
+            <a:r>
+              <a:rPr kumimoji="1" lang="zh-CN" altLang="en-US" dirty="0">
+                <a:solidFill>
+                  <a:schemeClr val="bg1"/>
+                </a:solidFill>
+              </a:rPr>
+              <a:t>   </a:t>
+            </a:r>
+            <a:r>
+              <a:rPr kumimoji="1" lang="en-US" altLang="zh-CN" dirty="0">
+                <a:solidFill>
+                  <a:schemeClr val="bg1"/>
+                </a:solidFill>
+              </a:rPr>
+              <a:t>//</a:t>
+            </a:r>
+            <a:r>
+              <a:rPr kumimoji="1" lang="zh-CN" altLang="en-US" dirty="0">
+                <a:solidFill>
+                  <a:schemeClr val="bg1"/>
+                </a:solidFill>
+              </a:rPr>
+              <a:t> 街道</a:t>
+            </a:r>
+            <a:endParaRPr kumimoji="1" lang="en-US" altLang="zh-CN" dirty="0">
+              <a:solidFill>
+                <a:schemeClr val="bg1"/>
+              </a:solidFill>
+            </a:endParaRPr>
+          </a:p>
+          <a:p>
+            <a:r>
+              <a:rPr kumimoji="1" lang="en-US" altLang="zh-CN" dirty="0">
+                <a:solidFill>
+                  <a:schemeClr val="bg1"/>
+                </a:solidFill>
+              </a:rPr>
+              <a:t>}</a:t>
+            </a:r>
+            <a:endParaRPr kumimoji="1" lang="zh-CN" altLang="en-US" dirty="0">
+              <a:solidFill>
+                <a:schemeClr val="bg1"/>
+              </a:solidFill>
+            </a:endParaRPr>
           </a:p>
         </p:txBody>
       </p:sp>
     </p:spTree>
     <p:extLst>
       <p:ext uri="{BB962C8B-B14F-4D97-AF65-F5344CB8AC3E}">
-        <p14:creationId xmlns:p14="http://schemas.microsoft.com/office/powerpoint/2010/main" val="3189841100"/>
+        <p14:creationId xmlns:p14="http://schemas.microsoft.com/office/powerpoint/2010/main" val="3645361290"/>
       </p:ext>
     </p:extLst>
   </p:cSld>
@@ -15999,7 +16590,7 @@
         </p:nvSpPr>
         <p:spPr>
           <a:xfrm>
-            <a:off x="1633728" y="2103120"/>
+            <a:off x="1925640" y="2999232"/>
             <a:ext cx="8924544" cy="1200329"/>
           </a:xfrm>
           <a:prstGeom prst="rect">
@@ -16018,21 +16609,7 @@
                 <a:latin typeface="Microsoft YaHei" panose="020B0503020204020204" pitchFamily="34" charset="-122"/>
                 <a:ea typeface="Microsoft YaHei" panose="020B0503020204020204" pitchFamily="34" charset="-122"/>
               </a:rPr>
-              <a:t>抽象 </a:t>
-            </a:r>
-            <a:r>
-              <a:rPr kumimoji="1" lang="en-US" altLang="zh-CN" sz="2400" dirty="0">
-                <a:latin typeface="Microsoft YaHei" panose="020B0503020204020204" pitchFamily="34" charset="-122"/>
-                <a:ea typeface="Microsoft YaHei" panose="020B0503020204020204" pitchFamily="34" charset="-122"/>
-              </a:rPr>
-              <a:t>:</a:t>
-            </a:r>
-            <a:r>
-              <a:rPr kumimoji="1" lang="zh-CN" altLang="en-US" sz="2400" dirty="0">
-                <a:latin typeface="Microsoft YaHei" panose="020B0503020204020204" pitchFamily="34" charset="-122"/>
-                <a:ea typeface="Microsoft YaHei" panose="020B0503020204020204" pitchFamily="34" charset="-122"/>
-              </a:rPr>
-              <a:t>  </a:t>
+              <a:t>来自百度百科的定义：</a:t>
             </a:r>
             <a:endParaRPr kumimoji="1" lang="en-US" altLang="zh-CN" sz="2400" dirty="0">
               <a:latin typeface="Microsoft YaHei" panose="020B0503020204020204" pitchFamily="34" charset="-122"/>
@@ -16107,7 +16684,7 @@
         </p:nvSpPr>
         <p:spPr>
           <a:xfrm>
-            <a:off x="2135952" y="822959"/>
+            <a:off x="1725374" y="955548"/>
             <a:ext cx="8741252" cy="830997"/>
           </a:xfrm>
           <a:prstGeom prst="rect">
@@ -16123,18 +16700,34 @@
           <a:p>
             <a:pPr algn="ctr"/>
             <a:r>
+              <a:rPr kumimoji="1" lang="zh-CN" altLang="en-US" sz="4800" dirty="0">
+                <a:ea typeface="Microsoft YaHei" panose="020B0503020204020204" pitchFamily="34" charset="-122"/>
+              </a:rPr>
+              <a:t>补充：</a:t>
+            </a:r>
+            <a:r>
               <a:rPr kumimoji="1" lang="en-US" altLang="zh-CN" sz="4800" dirty="0">
-                <a:latin typeface="Microsoft YaHei" panose="020B0503020204020204" pitchFamily="34" charset="-122"/>
-                <a:ea typeface="Microsoft YaHei" panose="020B0503020204020204" pitchFamily="34" charset="-122"/>
-              </a:rPr>
-              <a:t>Cloneable</a:t>
+                <a:ea typeface="Microsoft YaHei" panose="020B0503020204020204" pitchFamily="34" charset="-122"/>
+              </a:rPr>
+              <a:t>String</a:t>
             </a:r>
             <a:r>
               <a:rPr kumimoji="1" lang="zh-CN" altLang="en-US" sz="4800" dirty="0">
-                <a:latin typeface="Microsoft YaHei" panose="020B0503020204020204" pitchFamily="34" charset="-122"/>
-                <a:ea typeface="Microsoft YaHei" panose="020B0503020204020204" pitchFamily="34" charset="-122"/>
-              </a:rPr>
-              <a:t>设计</a:t>
+                <a:ea typeface="Microsoft YaHei" panose="020B0503020204020204" pitchFamily="34" charset="-122"/>
+              </a:rPr>
+              <a:t> </a:t>
+            </a:r>
+            <a:r>
+              <a:rPr kumimoji="1" lang="en-US" altLang="zh-CN" sz="4800" dirty="0">
+                <a:ea typeface="Microsoft YaHei" panose="020B0503020204020204" pitchFamily="34" charset="-122"/>
+              </a:rPr>
+              <a:t>clone</a:t>
+            </a:r>
+            <a:r>
+              <a:rPr kumimoji="1" lang="zh-CN" altLang="en-US" sz="4800" dirty="0">
+                <a:ea typeface="Microsoft YaHei" panose="020B0503020204020204" pitchFamily="34" charset="-122"/>
+              </a:rPr>
+              <a:t>的特殊性</a:t>
             </a:r>
             <a:endParaRPr kumimoji="1" lang="en-US" altLang="zh-CN" sz="4800" dirty="0">
               <a:ea typeface="Microsoft YaHei" panose="020B0503020204020204" pitchFamily="34" charset="-122"/>
@@ -16144,10 +16737,10 @@
       </p:sp>
       <p:sp>
         <p:nvSpPr>
-          <p:cNvPr id="3" name="文本框 2">
+          <p:cNvPr id="4" name="文本框 3">
             <a:extLst>
               <a:ext uri="{FF2B5EF4-FFF2-40B4-BE49-F238E27FC236}">
-                <a16:creationId xmlns:a16="http://schemas.microsoft.com/office/drawing/2014/main" id="{F9F2836E-84E2-5042-9CCF-7E3C3CE5B763}"/>
+                <a16:creationId xmlns:a16="http://schemas.microsoft.com/office/drawing/2014/main" id="{AD20C7BD-80EE-C146-9A86-BBE403DB7D59}"/>
               </a:ext>
             </a:extLst>
           </p:cNvPr>
@@ -16156,8 +16749,8 @@
         </p:nvSpPr>
         <p:spPr>
           <a:xfrm>
-            <a:off x="1725374" y="1741558"/>
-            <a:ext cx="8741252" cy="4154984"/>
+            <a:off x="883920" y="2972907"/>
+            <a:ext cx="10424160" cy="830997"/>
           </a:xfrm>
           <a:prstGeom prst="rect">
             <a:avLst/>
@@ -16170,219 +16763,185 @@
           </a:bodyPr>
           <a:lstStyle/>
           <a:p>
-            <a:pPr marL="457200" indent="-457200">
-              <a:buFont typeface="+mj-lt"/>
-              <a:buAutoNum type="arabicPeriod"/>
-            </a:pPr>
-            <a:r>
-              <a:rPr kumimoji="1" lang="zh-CN" altLang="en-US" sz="2400" dirty="0">
-                <a:latin typeface="Microsoft YaHei" panose="020B0503020204020204" pitchFamily="34" charset="-122"/>
-                <a:ea typeface="Microsoft YaHei" panose="020B0503020204020204" pitchFamily="34" charset="-122"/>
-              </a:rPr>
-              <a:t>如果一个类精心设计了</a:t>
-            </a:r>
-            <a:r>
-              <a:rPr kumimoji="1" lang="en-US" altLang="zh-CN" sz="2400" dirty="0">
-                <a:latin typeface="Microsoft YaHei" panose="020B0503020204020204" pitchFamily="34" charset="-122"/>
-                <a:ea typeface="Microsoft YaHei" panose="020B0503020204020204" pitchFamily="34" charset="-122"/>
-              </a:rPr>
-              <a:t>clone</a:t>
-            </a:r>
-            <a:r>
-              <a:rPr kumimoji="1" lang="zh-CN" altLang="en-US" sz="2400" dirty="0">
-                <a:latin typeface="Microsoft YaHei" panose="020B0503020204020204" pitchFamily="34" charset="-122"/>
-                <a:ea typeface="Microsoft YaHei" panose="020B0503020204020204" pitchFamily="34" charset="-122"/>
-              </a:rPr>
-              <a:t>方法，那么</a:t>
-            </a:r>
-            <a:r>
-              <a:rPr kumimoji="1" lang="en-US" altLang="zh-CN" sz="2400" dirty="0">
-                <a:latin typeface="Microsoft YaHei" panose="020B0503020204020204" pitchFamily="34" charset="-122"/>
-                <a:ea typeface="Microsoft YaHei" panose="020B0503020204020204" pitchFamily="34" charset="-122"/>
-              </a:rPr>
-              <a:t>clone</a:t>
-            </a:r>
-            <a:r>
-              <a:rPr kumimoji="1" lang="zh-CN" altLang="en-US" sz="2400" dirty="0">
-                <a:latin typeface="Microsoft YaHei" panose="020B0503020204020204" pitchFamily="34" charset="-122"/>
-                <a:ea typeface="Microsoft YaHei" panose="020B0503020204020204" pitchFamily="34" charset="-122"/>
-              </a:rPr>
-              <a:t>方法就会完成对象的深拷贝。这里的精心设计指下面括号中的内容：（不管什么类，实现</a:t>
-            </a:r>
-            <a:r>
-              <a:rPr kumimoji="1" lang="en-US" altLang="zh-CN" sz="2400" dirty="0">
-                <a:latin typeface="Microsoft YaHei" panose="020B0503020204020204" pitchFamily="34" charset="-122"/>
-                <a:ea typeface="Microsoft YaHei" panose="020B0503020204020204" pitchFamily="34" charset="-122"/>
-              </a:rPr>
-              <a:t>clone</a:t>
-            </a:r>
-            <a:r>
-              <a:rPr kumimoji="1" lang="zh-CN" altLang="en-US" sz="2400" dirty="0">
-                <a:latin typeface="Microsoft YaHei" panose="020B0503020204020204" pitchFamily="34" charset="-122"/>
-                <a:ea typeface="Microsoft YaHei" panose="020B0503020204020204" pitchFamily="34" charset="-122"/>
-              </a:rPr>
-              <a:t>方法的第一步是调用</a:t>
-            </a:r>
-            <a:r>
-              <a:rPr kumimoji="1" lang="en-US" altLang="zh-CN" sz="2400" dirty="0" err="1">
-                <a:latin typeface="Microsoft YaHei" panose="020B0503020204020204" pitchFamily="34" charset="-122"/>
-                <a:ea typeface="Microsoft YaHei" panose="020B0503020204020204" pitchFamily="34" charset="-122"/>
-              </a:rPr>
-              <a:t>super.clone</a:t>
-            </a:r>
-            <a:r>
-              <a:rPr kumimoji="1" lang="en-US" altLang="zh-CN" sz="2400" dirty="0">
-                <a:latin typeface="Microsoft YaHei" panose="020B0503020204020204" pitchFamily="34" charset="-122"/>
-                <a:ea typeface="Microsoft YaHei" panose="020B0503020204020204" pitchFamily="34" charset="-122"/>
-              </a:rPr>
-              <a:t>()</a:t>
-            </a:r>
-            <a:r>
-              <a:rPr kumimoji="1" lang="zh-CN" altLang="en-US" sz="2400" dirty="0">
-                <a:latin typeface="Microsoft YaHei" panose="020B0503020204020204" pitchFamily="34" charset="-122"/>
-                <a:ea typeface="Microsoft YaHei" panose="020B0503020204020204" pitchFamily="34" charset="-122"/>
-              </a:rPr>
-              <a:t>完成其父类的深拷贝和该类对象本身的浅拷贝。如果该类包含引用类型，还需调用该引用类型的</a:t>
-            </a:r>
-            <a:r>
-              <a:rPr kumimoji="1" lang="en-US" altLang="zh-CN" sz="2400" dirty="0">
-                <a:latin typeface="Microsoft YaHei" panose="020B0503020204020204" pitchFamily="34" charset="-122"/>
-                <a:ea typeface="Microsoft YaHei" panose="020B0503020204020204" pitchFamily="34" charset="-122"/>
-              </a:rPr>
-              <a:t>clone</a:t>
-            </a:r>
-            <a:r>
-              <a:rPr kumimoji="1" lang="zh-CN" altLang="en-US" sz="2400" dirty="0">
-                <a:latin typeface="Microsoft YaHei" panose="020B0503020204020204" pitchFamily="34" charset="-122"/>
-                <a:ea typeface="Microsoft YaHei" panose="020B0503020204020204" pitchFamily="34" charset="-122"/>
-              </a:rPr>
-              <a:t>方法对引用类型深拷贝。）另外，这里</a:t>
-            </a:r>
-            <a:r>
-              <a:rPr kumimoji="1" lang="en-US" altLang="zh-CN" sz="2400" dirty="0">
-                <a:latin typeface="Microsoft YaHei" panose="020B0503020204020204" pitchFamily="34" charset="-122"/>
-                <a:ea typeface="Microsoft YaHei" panose="020B0503020204020204" pitchFamily="34" charset="-122"/>
-              </a:rPr>
-              <a:t>super</a:t>
-            </a:r>
-            <a:r>
-              <a:rPr kumimoji="1" lang="zh-CN" altLang="en-US" sz="2400" dirty="0">
-                <a:latin typeface="Microsoft YaHei" panose="020B0503020204020204" pitchFamily="34" charset="-122"/>
-                <a:ea typeface="Microsoft YaHei" panose="020B0503020204020204" pitchFamily="34" charset="-122"/>
-              </a:rPr>
-              <a:t>若是</a:t>
-            </a:r>
-            <a:r>
-              <a:rPr kumimoji="1" lang="en-US" altLang="zh-CN" sz="2400" dirty="0">
-                <a:latin typeface="Microsoft YaHei" panose="020B0503020204020204" pitchFamily="34" charset="-122"/>
-                <a:ea typeface="Microsoft YaHei" panose="020B0503020204020204" pitchFamily="34" charset="-122"/>
-              </a:rPr>
-              <a:t>Object</a:t>
-            </a:r>
-            <a:r>
-              <a:rPr kumimoji="1" lang="zh-CN" altLang="en-US" sz="2400" dirty="0">
-                <a:latin typeface="Microsoft YaHei" panose="020B0503020204020204" pitchFamily="34" charset="-122"/>
-                <a:ea typeface="Microsoft YaHei" panose="020B0503020204020204" pitchFamily="34" charset="-122"/>
-              </a:rPr>
-              <a:t>类，则一定是对</a:t>
-            </a:r>
-            <a:r>
-              <a:rPr kumimoji="1" lang="en-US" altLang="zh-CN" sz="2400" dirty="0">
-                <a:latin typeface="Microsoft YaHei" panose="020B0503020204020204" pitchFamily="34" charset="-122"/>
-                <a:ea typeface="Microsoft YaHei" panose="020B0503020204020204" pitchFamily="34" charset="-122"/>
-              </a:rPr>
-              <a:t>Object</a:t>
-            </a:r>
-            <a:r>
-              <a:rPr kumimoji="1" lang="zh-CN" altLang="en-US" sz="2400" dirty="0">
-                <a:latin typeface="Microsoft YaHei" panose="020B0503020204020204" pitchFamily="34" charset="-122"/>
-                <a:ea typeface="Microsoft YaHei" panose="020B0503020204020204" pitchFamily="34" charset="-122"/>
-              </a:rPr>
-              <a:t>的深拷贝，若这里的</a:t>
-            </a:r>
-            <a:r>
-              <a:rPr kumimoji="1" lang="en-US" altLang="zh-CN" sz="2400" dirty="0">
-                <a:latin typeface="Microsoft YaHei" panose="020B0503020204020204" pitchFamily="34" charset="-122"/>
-                <a:ea typeface="Microsoft YaHei" panose="020B0503020204020204" pitchFamily="34" charset="-122"/>
-              </a:rPr>
-              <a:t>super</a:t>
-            </a:r>
-            <a:r>
-              <a:rPr kumimoji="1" lang="zh-CN" altLang="en-US" sz="2400" dirty="0">
-                <a:latin typeface="Microsoft YaHei" panose="020B0503020204020204" pitchFamily="34" charset="-122"/>
-                <a:ea typeface="Microsoft YaHei" panose="020B0503020204020204" pitchFamily="34" charset="-122"/>
-              </a:rPr>
-              <a:t>不是</a:t>
-            </a:r>
-            <a:r>
-              <a:rPr kumimoji="1" lang="en-US" altLang="zh-CN" sz="2400" dirty="0">
-                <a:latin typeface="Microsoft YaHei" panose="020B0503020204020204" pitchFamily="34" charset="-122"/>
-                <a:ea typeface="Microsoft YaHei" panose="020B0503020204020204" pitchFamily="34" charset="-122"/>
-              </a:rPr>
-              <a:t>Object</a:t>
-            </a:r>
-            <a:r>
-              <a:rPr kumimoji="1" lang="zh-CN" altLang="en-US" sz="2400" dirty="0">
-                <a:latin typeface="Microsoft YaHei" panose="020B0503020204020204" pitchFamily="34" charset="-122"/>
-                <a:ea typeface="Microsoft YaHei" panose="020B0503020204020204" pitchFamily="34" charset="-122"/>
-              </a:rPr>
-              <a:t>类，则对于这个</a:t>
-            </a:r>
-            <a:r>
-              <a:rPr kumimoji="1" lang="en-US" altLang="zh-CN" sz="2400" dirty="0">
-                <a:latin typeface="Microsoft YaHei" panose="020B0503020204020204" pitchFamily="34" charset="-122"/>
-                <a:ea typeface="Microsoft YaHei" panose="020B0503020204020204" pitchFamily="34" charset="-122"/>
-              </a:rPr>
-              <a:t>super</a:t>
-            </a:r>
-            <a:r>
-              <a:rPr kumimoji="1" lang="zh-CN" altLang="en-US" sz="2400" dirty="0">
-                <a:latin typeface="Microsoft YaHei" panose="020B0503020204020204" pitchFamily="34" charset="-122"/>
-                <a:ea typeface="Microsoft YaHei" panose="020B0503020204020204" pitchFamily="34" charset="-122"/>
-              </a:rPr>
-              <a:t>类，应按照括号中的规则完成其</a:t>
-            </a:r>
-            <a:r>
-              <a:rPr kumimoji="1" lang="en-US" altLang="zh-CN" sz="2400" dirty="0">
-                <a:latin typeface="Microsoft YaHei" panose="020B0503020204020204" pitchFamily="34" charset="-122"/>
-                <a:ea typeface="Microsoft YaHei" panose="020B0503020204020204" pitchFamily="34" charset="-122"/>
-              </a:rPr>
-              <a:t>clone</a:t>
-            </a:r>
-            <a:r>
-              <a:rPr kumimoji="1" lang="zh-CN" altLang="en-US" sz="2400" dirty="0">
-                <a:latin typeface="Microsoft YaHei" panose="020B0503020204020204" pitchFamily="34" charset="-122"/>
-                <a:ea typeface="Microsoft YaHei" panose="020B0503020204020204" pitchFamily="34" charset="-122"/>
-              </a:rPr>
-              <a:t>方法的编写，确保其进行深拷贝。这样设计出来的</a:t>
-            </a:r>
-            <a:r>
-              <a:rPr kumimoji="1" lang="en-US" altLang="zh-CN" sz="2400" dirty="0">
-                <a:latin typeface="Microsoft YaHei" panose="020B0503020204020204" pitchFamily="34" charset="-122"/>
-                <a:ea typeface="Microsoft YaHei" panose="020B0503020204020204" pitchFamily="34" charset="-122"/>
-              </a:rPr>
-              <a:t>clone</a:t>
-            </a:r>
-            <a:r>
-              <a:rPr kumimoji="1" lang="zh-CN" altLang="en-US" sz="2400" dirty="0">
-                <a:latin typeface="Microsoft YaHei" panose="020B0503020204020204" pitchFamily="34" charset="-122"/>
-                <a:ea typeface="Microsoft YaHei" panose="020B0503020204020204" pitchFamily="34" charset="-122"/>
-              </a:rPr>
-              <a:t>方法一定是对所在类对象的深拷贝了。</a:t>
-            </a:r>
-          </a:p>
-          <a:p>
             <a:endParaRPr kumimoji="1" lang="zh-CN" altLang="en-US" sz="2400" dirty="0">
               <a:latin typeface="Microsoft YaHei" panose="020B0503020204020204" pitchFamily="34" charset="-122"/>
               <a:ea typeface="Microsoft YaHei" panose="020B0503020204020204" pitchFamily="34" charset="-122"/>
             </a:endParaRPr>
           </a:p>
+          <a:p>
+            <a:endParaRPr kumimoji="1" lang="en-US" altLang="zh-CN" sz="2400" dirty="0">
+              <a:latin typeface="Microsoft YaHei" panose="020B0503020204020204" pitchFamily="34" charset="-122"/>
+              <a:ea typeface="Microsoft YaHei" panose="020B0503020204020204" pitchFamily="34" charset="-122"/>
+            </a:endParaRPr>
+          </a:p>
+        </p:txBody>
+      </p:sp>
+      <p:sp>
+        <p:nvSpPr>
+          <p:cNvPr id="3" name="文本框 2">
+            <a:extLst>
+              <a:ext uri="{FF2B5EF4-FFF2-40B4-BE49-F238E27FC236}">
+                <a16:creationId xmlns:a16="http://schemas.microsoft.com/office/drawing/2014/main" id="{EA890A9B-6006-5748-87E3-6D087887C82D}"/>
+              </a:ext>
+            </a:extLst>
+          </p:cNvPr>
+          <p:cNvSpPr txBox="1"/>
+          <p:nvPr/>
+        </p:nvSpPr>
+        <p:spPr>
+          <a:xfrm>
+            <a:off x="1222248" y="2726685"/>
+            <a:ext cx="9747504" cy="1323439"/>
+          </a:xfrm>
+          <a:prstGeom prst="rect">
+            <a:avLst/>
+          </a:prstGeom>
+          <a:noFill/>
+        </p:spPr>
+        <p:txBody>
+          <a:bodyPr wrap="square" rtlCol="0">
+            <a:spAutoFit/>
+          </a:bodyPr>
+          <a:lstStyle/>
+          <a:p>
+            <a:r>
+              <a:rPr lang="en-US" altLang="zh-CN" sz="2000" b="1" dirty="0">
+                <a:latin typeface="Microsoft YaHei" panose="020B0503020204020204" pitchFamily="34" charset="-122"/>
+                <a:ea typeface="Microsoft YaHei" panose="020B0503020204020204" pitchFamily="34" charset="-122"/>
+              </a:rPr>
+              <a:t>String</a:t>
+            </a:r>
+            <a:r>
+              <a:rPr lang="zh-CN" altLang="en-US" sz="2000" b="1" dirty="0">
+                <a:latin typeface="Microsoft YaHei" panose="020B0503020204020204" pitchFamily="34" charset="-122"/>
+                <a:ea typeface="Microsoft YaHei" panose="020B0503020204020204" pitchFamily="34" charset="-122"/>
+              </a:rPr>
+              <a:t>等不可变类的特殊性</a:t>
+            </a:r>
+            <a:r>
+              <a:rPr lang="zh-CN" altLang="en-US" sz="2000" dirty="0">
+                <a:latin typeface="Microsoft YaHei" panose="020B0503020204020204" pitchFamily="34" charset="-122"/>
+                <a:ea typeface="Microsoft YaHei" panose="020B0503020204020204" pitchFamily="34" charset="-122"/>
+              </a:rPr>
+              <a:t>： </a:t>
+            </a:r>
+          </a:p>
+          <a:p>
+            <a:r>
+              <a:rPr lang="zh-CN" altLang="en-US" sz="2000" dirty="0">
+                <a:latin typeface="Microsoft YaHei" panose="020B0503020204020204" pitchFamily="34" charset="-122"/>
+                <a:ea typeface="Microsoft YaHei" panose="020B0503020204020204" pitchFamily="34" charset="-122"/>
+              </a:rPr>
+              <a:t>   因为他为引用型，而且他指向的值为常量，克隆出来的对象改变他的值。实际上是改变了克隆出来对象</a:t>
+            </a:r>
+            <a:r>
+              <a:rPr lang="en-US" altLang="zh-CN" sz="2000" dirty="0">
+                <a:latin typeface="Microsoft YaHei" panose="020B0503020204020204" pitchFamily="34" charset="-122"/>
+                <a:ea typeface="Microsoft YaHei" panose="020B0503020204020204" pitchFamily="34" charset="-122"/>
+              </a:rPr>
+              <a:t>String</a:t>
+            </a:r>
+            <a:r>
+              <a:rPr lang="zh-CN" altLang="en-US" sz="2000" dirty="0">
+                <a:latin typeface="Microsoft YaHei" panose="020B0503020204020204" pitchFamily="34" charset="-122"/>
+                <a:ea typeface="Microsoft YaHei" panose="020B0503020204020204" pitchFamily="34" charset="-122"/>
+              </a:rPr>
+              <a:t>类型成员的指向，不会影响被克隆对象的值及其指向。具体复习之前章节学的</a:t>
+            </a:r>
+            <a:r>
+              <a:rPr lang="en-US" altLang="zh-CN" sz="2000" dirty="0">
+                <a:latin typeface="Microsoft YaHei" panose="020B0503020204020204" pitchFamily="34" charset="-122"/>
+                <a:ea typeface="Microsoft YaHei" panose="020B0503020204020204" pitchFamily="34" charset="-122"/>
+              </a:rPr>
+              <a:t>String</a:t>
+            </a:r>
+            <a:r>
+              <a:rPr lang="zh-CN" altLang="en-US" sz="2000" dirty="0">
+                <a:latin typeface="Microsoft YaHei" panose="020B0503020204020204" pitchFamily="34" charset="-122"/>
+                <a:ea typeface="Microsoft YaHei" panose="020B0503020204020204" pitchFamily="34" charset="-122"/>
+              </a:rPr>
+              <a:t>的不可比变性</a:t>
+            </a:r>
+          </a:p>
+        </p:txBody>
+      </p:sp>
+      <p:sp>
+        <p:nvSpPr>
+          <p:cNvPr id="5" name="文本框 4">
+            <a:extLst>
+              <a:ext uri="{FF2B5EF4-FFF2-40B4-BE49-F238E27FC236}">
+                <a16:creationId xmlns:a16="http://schemas.microsoft.com/office/drawing/2014/main" id="{57B63916-8724-4C4B-BB45-B42B3E4B5F9C}"/>
+              </a:ext>
+            </a:extLst>
+          </p:cNvPr>
+          <p:cNvSpPr txBox="1"/>
+          <p:nvPr/>
+        </p:nvSpPr>
+        <p:spPr>
+          <a:xfrm>
+            <a:off x="1804519" y="5225796"/>
+            <a:ext cx="8582962" cy="369332"/>
+          </a:xfrm>
+          <a:prstGeom prst="rect">
+            <a:avLst/>
+          </a:prstGeom>
+          <a:solidFill>
+            <a:schemeClr val="accent2"/>
+          </a:solidFill>
+        </p:spPr>
+        <p:txBody>
+          <a:bodyPr wrap="square" rtlCol="0">
+            <a:spAutoFit/>
+          </a:bodyPr>
+          <a:lstStyle/>
+          <a:p>
+            <a:r>
+              <a:rPr kumimoji="1" lang="zh-CN" altLang="en-US" dirty="0">
+                <a:solidFill>
+                  <a:schemeClr val="bg1"/>
+                </a:solidFill>
+              </a:rPr>
+              <a:t>一句话：在</a:t>
+            </a:r>
+            <a:r>
+              <a:rPr kumimoji="1" lang="en-US" altLang="zh-CN" dirty="0">
+                <a:solidFill>
+                  <a:schemeClr val="bg1"/>
+                </a:solidFill>
+              </a:rPr>
+              <a:t>clone</a:t>
+            </a:r>
+            <a:r>
+              <a:rPr kumimoji="1" lang="zh-CN" altLang="en-US" dirty="0">
+                <a:solidFill>
+                  <a:schemeClr val="bg1"/>
+                </a:solidFill>
+              </a:rPr>
+              <a:t>方面，因为</a:t>
+            </a:r>
+            <a:r>
+              <a:rPr kumimoji="1" lang="en-US" altLang="zh-CN" dirty="0">
+                <a:solidFill>
+                  <a:schemeClr val="bg1"/>
+                </a:solidFill>
+              </a:rPr>
+              <a:t>String</a:t>
+            </a:r>
+            <a:r>
+              <a:rPr kumimoji="1" lang="zh-CN" altLang="en-US" dirty="0">
+                <a:solidFill>
+                  <a:schemeClr val="bg1"/>
+                </a:solidFill>
+              </a:rPr>
+              <a:t>的不可变性，所以用起来和基本类型一样</a:t>
+            </a:r>
+          </a:p>
         </p:txBody>
       </p:sp>
     </p:spTree>
     <p:extLst>
       <p:ext uri="{BB962C8B-B14F-4D97-AF65-F5344CB8AC3E}">
-        <p14:creationId xmlns:p14="http://schemas.microsoft.com/office/powerpoint/2010/main" val="2732238108"/>
+        <p14:creationId xmlns:p14="http://schemas.microsoft.com/office/powerpoint/2010/main" val="1146394811"/>
       </p:ext>
     </p:extLst>
   </p:cSld>
@@ -16432,8 +16991,8 @@
         </p:nvSpPr>
         <p:spPr>
           <a:xfrm>
-            <a:off x="2135952" y="822959"/>
-            <a:ext cx="8741252" cy="830997"/>
+            <a:off x="599348" y="822959"/>
+            <a:ext cx="10277856" cy="830997"/>
           </a:xfrm>
           <a:prstGeom prst="rect">
             <a:avLst/>
@@ -16452,7 +17011,42 @@
                 <a:latin typeface="Microsoft YaHei" panose="020B0503020204020204" pitchFamily="34" charset="-122"/>
                 <a:ea typeface="Microsoft YaHei" panose="020B0503020204020204" pitchFamily="34" charset="-122"/>
               </a:rPr>
-              <a:t>接口，抽象类的区别</a:t>
+              <a:t>扩展：</a:t>
+            </a:r>
+            <a:r>
+              <a:rPr kumimoji="1" lang="en-US" altLang="zh-CN" sz="4800" dirty="0">
+                <a:latin typeface="Microsoft YaHei" panose="020B0503020204020204" pitchFamily="34" charset="-122"/>
+                <a:ea typeface="Microsoft YaHei" panose="020B0503020204020204" pitchFamily="34" charset="-122"/>
+              </a:rPr>
+              <a:t>《effective</a:t>
+            </a:r>
+            <a:r>
+              <a:rPr kumimoji="1" lang="zh-CN" altLang="en-US" sz="4800" dirty="0">
+                <a:latin typeface="Microsoft YaHei" panose="020B0503020204020204" pitchFamily="34" charset="-122"/>
+                <a:ea typeface="Microsoft YaHei" panose="020B0503020204020204" pitchFamily="34" charset="-122"/>
+              </a:rPr>
+              <a:t> </a:t>
+            </a:r>
+            <a:r>
+              <a:rPr kumimoji="1" lang="en-US" altLang="zh-CN" sz="4800" dirty="0">
+                <a:latin typeface="Microsoft YaHei" panose="020B0503020204020204" pitchFamily="34" charset="-122"/>
+                <a:ea typeface="Microsoft YaHei" panose="020B0503020204020204" pitchFamily="34" charset="-122"/>
+              </a:rPr>
+              <a:t>Java》</a:t>
+            </a:r>
+            <a:r>
+              <a:rPr kumimoji="1" lang="zh-CN" altLang="en-US" sz="4800" dirty="0">
+                <a:latin typeface="Microsoft YaHei" panose="020B0503020204020204" pitchFamily="34" charset="-122"/>
+                <a:ea typeface="Microsoft YaHei" panose="020B0503020204020204" pitchFamily="34" charset="-122"/>
+              </a:rPr>
+              <a:t>中的</a:t>
+            </a:r>
+            <a:r>
+              <a:rPr kumimoji="1" lang="en-US" altLang="zh-CN" sz="4800" dirty="0">
+                <a:latin typeface="Microsoft YaHei" panose="020B0503020204020204" pitchFamily="34" charset="-122"/>
+                <a:ea typeface="Microsoft YaHei" panose="020B0503020204020204" pitchFamily="34" charset="-122"/>
+              </a:rPr>
+              <a:t>clone</a:t>
             </a:r>
             <a:endParaRPr kumimoji="1" lang="en-US" altLang="zh-CN" sz="4800" dirty="0">
               <a:ea typeface="Microsoft YaHei" panose="020B0503020204020204" pitchFamily="34" charset="-122"/>
@@ -16462,10 +17056,10 @@
       </p:sp>
       <p:sp>
         <p:nvSpPr>
-          <p:cNvPr id="3" name="文本框 2">
+          <p:cNvPr id="4" name="文本框 3">
             <a:extLst>
               <a:ext uri="{FF2B5EF4-FFF2-40B4-BE49-F238E27FC236}">
-                <a16:creationId xmlns:a16="http://schemas.microsoft.com/office/drawing/2014/main" id="{F9F2836E-84E2-5042-9CCF-7E3C3CE5B763}"/>
+                <a16:creationId xmlns:a16="http://schemas.microsoft.com/office/drawing/2014/main" id="{2BB02E27-C848-D44A-8CEF-FC1116E7786B}"/>
               </a:ext>
             </a:extLst>
           </p:cNvPr>
@@ -16474,8 +17068,8 @@
         </p:nvSpPr>
         <p:spPr>
           <a:xfrm>
-            <a:off x="2234963" y="1964353"/>
-            <a:ext cx="8543230" cy="3785652"/>
+            <a:off x="1914144" y="3429000"/>
+            <a:ext cx="8363712" cy="1200329"/>
           </a:xfrm>
           <a:prstGeom prst="rect">
             <a:avLst/>
@@ -16489,83 +17083,53 @@
           <a:lstStyle/>
           <a:p>
             <a:r>
-              <a:rPr kumimoji="1" lang="zh-CN" altLang="en-US" sz="2400" b="1" u="sng" dirty="0">
-                <a:latin typeface="Microsoft YaHei" panose="020B0503020204020204" pitchFamily="34" charset="-122"/>
-                <a:ea typeface="Microsoft YaHei" panose="020B0503020204020204" pitchFamily="34" charset="-122"/>
-              </a:rPr>
-              <a:t>设计理念不一样：</a:t>
-            </a:r>
-            <a:endParaRPr kumimoji="1" lang="en-US" altLang="zh-CN" sz="2400" b="1" u="sng" dirty="0">
-              <a:latin typeface="Microsoft YaHei" panose="020B0503020204020204" pitchFamily="34" charset="-122"/>
-              <a:ea typeface="Microsoft YaHei" panose="020B0503020204020204" pitchFamily="34" charset="-122"/>
-            </a:endParaRPr>
-          </a:p>
-          <a:p>
-            <a:pPr marL="800100" lvl="1" indent="-342900">
-              <a:buFont typeface="Arial" panose="020B0604020202020204" pitchFamily="34" charset="0"/>
-              <a:buChar char="•"/>
-            </a:pPr>
-            <a:r>
               <a:rPr kumimoji="1" lang="zh-CN" altLang="en-US" sz="2400" dirty="0">
                 <a:latin typeface="Microsoft YaHei" panose="020B0503020204020204" pitchFamily="34" charset="-122"/>
                 <a:ea typeface="Microsoft YaHei" panose="020B0503020204020204" pitchFamily="34" charset="-122"/>
               </a:rPr>
-              <a:t>接口是对</a:t>
+              <a:t>请查询学习其</a:t>
+            </a:r>
+            <a:r>
+              <a:rPr kumimoji="1" lang="en-US" altLang="zh-CN" sz="2400" dirty="0">
+                <a:latin typeface="Microsoft YaHei" panose="020B0503020204020204" pitchFamily="34" charset="-122"/>
+                <a:ea typeface="Microsoft YaHei" panose="020B0503020204020204" pitchFamily="34" charset="-122"/>
+              </a:rPr>
+              <a:t>《Effective</a:t>
             </a:r>
             <a:r>
               <a:rPr kumimoji="1" lang="zh-CN" altLang="en-US" sz="2400" dirty="0">
-                <a:solidFill>
-                  <a:schemeClr val="accent2"/>
-                </a:solidFill>
-                <a:latin typeface="Microsoft YaHei" panose="020B0503020204020204" pitchFamily="34" charset="-122"/>
-                <a:ea typeface="Microsoft YaHei" panose="020B0503020204020204" pitchFamily="34" charset="-122"/>
-              </a:rPr>
-              <a:t>动作</a:t>
+                <a:latin typeface="Microsoft YaHei" panose="020B0503020204020204" pitchFamily="34" charset="-122"/>
+                <a:ea typeface="Microsoft YaHei" panose="020B0503020204020204" pitchFamily="34" charset="-122"/>
+              </a:rPr>
+              <a:t> </a:t>
+            </a:r>
+            <a:r>
+              <a:rPr kumimoji="1" lang="en-US" altLang="zh-CN" sz="2400" dirty="0">
+                <a:latin typeface="Microsoft YaHei" panose="020B0503020204020204" pitchFamily="34" charset="-122"/>
+                <a:ea typeface="Microsoft YaHei" panose="020B0503020204020204" pitchFamily="34" charset="-122"/>
+              </a:rPr>
+              <a:t>Java》</a:t>
             </a:r>
             <a:r>
               <a:rPr kumimoji="1" lang="zh-CN" altLang="en-US" sz="2400" dirty="0">
                 <a:latin typeface="Microsoft YaHei" panose="020B0503020204020204" pitchFamily="34" charset="-122"/>
                 <a:ea typeface="Microsoft YaHei" panose="020B0503020204020204" pitchFamily="34" charset="-122"/>
               </a:rPr>
-              <a:t>的抽象，表示这个对象</a:t>
+              <a:t>中的一个 </a:t>
+            </a:r>
+            <a:r>
+              <a:rPr kumimoji="1" lang="en-US" altLang="zh-CN" sz="2400" dirty="0">
+                <a:latin typeface="Microsoft YaHei" panose="020B0503020204020204" pitchFamily="34" charset="-122"/>
+                <a:ea typeface="Microsoft YaHei" panose="020B0503020204020204" pitchFamily="34" charset="-122"/>
+              </a:rPr>
+              <a:t>clone</a:t>
             </a:r>
             <a:r>
               <a:rPr kumimoji="1" lang="zh-CN" altLang="en-US" sz="2400" dirty="0">
-                <a:solidFill>
-                  <a:schemeClr val="accent2"/>
-                </a:solidFill>
-                <a:latin typeface="Microsoft YaHei" panose="020B0503020204020204" pitchFamily="34" charset="-122"/>
-                <a:ea typeface="Microsoft YaHei" panose="020B0503020204020204" pitchFamily="34" charset="-122"/>
-              </a:rPr>
-              <a:t>能做什么</a:t>
-            </a:r>
-            <a:r>
-              <a:rPr kumimoji="1" lang="en-US" altLang="zh-CN" sz="2400" dirty="0">
-                <a:latin typeface="Microsoft YaHei" panose="020B0503020204020204" pitchFamily="34" charset="-122"/>
-                <a:ea typeface="Microsoft YaHei" panose="020B0503020204020204" pitchFamily="34" charset="-122"/>
-              </a:rPr>
-              <a:t>(</a:t>
-            </a:r>
-            <a:r>
-              <a:rPr kumimoji="1" lang="zh-CN" altLang="en-US" sz="2400" dirty="0">
-                <a:latin typeface="Microsoft YaHei" panose="020B0503020204020204" pitchFamily="34" charset="-122"/>
-                <a:ea typeface="Microsoft YaHei" panose="020B0503020204020204" pitchFamily="34" charset="-122"/>
-              </a:rPr>
-              <a:t>只有方法</a:t>
-            </a:r>
-            <a:r>
-              <a:rPr kumimoji="1" lang="en-US" altLang="zh-CN" sz="2400" dirty="0">
-                <a:latin typeface="Microsoft YaHei" panose="020B0503020204020204" pitchFamily="34" charset="-122"/>
-                <a:ea typeface="Microsoft YaHei" panose="020B0503020204020204" pitchFamily="34" charset="-122"/>
-              </a:rPr>
-              <a:t>)</a:t>
-            </a:r>
-            <a:r>
-              <a:rPr kumimoji="1" lang="zh-CN" altLang="en-US" sz="2400" dirty="0">
-                <a:latin typeface="Microsoft YaHei" panose="020B0503020204020204" pitchFamily="34" charset="-122"/>
-                <a:ea typeface="Microsoft YaHei" panose="020B0503020204020204" pitchFamily="34" charset="-122"/>
-              </a:rPr>
-              <a:t>，主要用来抽象功能；</a:t>
+                <a:latin typeface="Microsoft YaHei" panose="020B0503020204020204" pitchFamily="34" charset="-122"/>
+                <a:ea typeface="Microsoft YaHei" panose="020B0503020204020204" pitchFamily="34" charset="-122"/>
+              </a:rPr>
+              <a:t> 相关条款</a:t>
             </a:r>
             <a:endParaRPr kumimoji="1" lang="en-US" altLang="zh-CN" sz="2400" dirty="0">
               <a:latin typeface="Microsoft YaHei" panose="020B0503020204020204" pitchFamily="34" charset="-122"/>
@@ -16573,180 +17137,26 @@
             </a:endParaRPr>
           </a:p>
           <a:p>
-            <a:pPr marL="800100" lvl="1" indent="-342900">
-              <a:buFont typeface="Arial" panose="020B0604020202020204" pitchFamily="34" charset="0"/>
-              <a:buChar char="•"/>
-            </a:pPr>
-            <a:r>
-              <a:rPr kumimoji="1" lang="zh-CN" altLang="en-US" sz="2400" dirty="0">
-                <a:latin typeface="Microsoft YaHei" panose="020B0503020204020204" pitchFamily="34" charset="-122"/>
-                <a:ea typeface="Microsoft YaHei" panose="020B0503020204020204" pitchFamily="34" charset="-122"/>
-              </a:rPr>
-              <a:t>抽象类是对</a:t>
-            </a:r>
-            <a:r>
-              <a:rPr kumimoji="1" lang="zh-CN" altLang="en-US" sz="2400" dirty="0">
-                <a:solidFill>
-                  <a:schemeClr val="accent2"/>
-                </a:solidFill>
-                <a:latin typeface="Microsoft YaHei" panose="020B0503020204020204" pitchFamily="34" charset="-122"/>
-                <a:ea typeface="Microsoft YaHei" panose="020B0503020204020204" pitchFamily="34" charset="-122"/>
-              </a:rPr>
-              <a:t>根源</a:t>
-            </a:r>
-            <a:r>
-              <a:rPr kumimoji="1" lang="zh-CN" altLang="en-US" sz="2400" dirty="0">
-                <a:latin typeface="Microsoft YaHei" panose="020B0503020204020204" pitchFamily="34" charset="-122"/>
-                <a:ea typeface="Microsoft YaHei" panose="020B0503020204020204" pitchFamily="34" charset="-122"/>
-              </a:rPr>
-              <a:t>的抽象，表示这个对象</a:t>
-            </a:r>
-            <a:r>
-              <a:rPr kumimoji="1" lang="zh-CN" altLang="en-US" sz="2400" dirty="0">
-                <a:solidFill>
-                  <a:schemeClr val="accent2"/>
-                </a:solidFill>
-                <a:latin typeface="Microsoft YaHei" panose="020B0503020204020204" pitchFamily="34" charset="-122"/>
-                <a:ea typeface="Microsoft YaHei" panose="020B0503020204020204" pitchFamily="34" charset="-122"/>
-              </a:rPr>
-              <a:t>是什么</a:t>
-            </a:r>
-            <a:r>
-              <a:rPr kumimoji="1" lang="en-US" altLang="zh-CN" sz="2400" dirty="0">
-                <a:latin typeface="Microsoft YaHei" panose="020B0503020204020204" pitchFamily="34" charset="-122"/>
-                <a:ea typeface="Microsoft YaHei" panose="020B0503020204020204" pitchFamily="34" charset="-122"/>
-              </a:rPr>
-              <a:t>(</a:t>
-            </a:r>
-            <a:r>
-              <a:rPr kumimoji="1" lang="zh-CN" altLang="en-US" sz="2400" dirty="0">
-                <a:latin typeface="Microsoft YaHei" panose="020B0503020204020204" pitchFamily="34" charset="-122"/>
-                <a:ea typeface="Microsoft YaHei" panose="020B0503020204020204" pitchFamily="34" charset="-122"/>
-              </a:rPr>
-              <a:t>包括属性和方法），主要用来抽象类别；</a:t>
-            </a:r>
             <a:endParaRPr kumimoji="1" lang="en-US" altLang="zh-CN" sz="2400" dirty="0">
               <a:latin typeface="Microsoft YaHei" panose="020B0503020204020204" pitchFamily="34" charset="-122"/>
               <a:ea typeface="Microsoft YaHei" panose="020B0503020204020204" pitchFamily="34" charset="-122"/>
             </a:endParaRPr>
           </a:p>
           <a:p>
-            <a:endParaRPr kumimoji="1" lang="en-US" altLang="zh-CN" sz="2400" b="1" u="sng" dirty="0">
-              <a:latin typeface="Microsoft YaHei" panose="020B0503020204020204" pitchFamily="34" charset="-122"/>
-              <a:ea typeface="Microsoft YaHei" panose="020B0503020204020204" pitchFamily="34" charset="-122"/>
-            </a:endParaRPr>
-          </a:p>
-          <a:p>
-            <a:r>
-              <a:rPr kumimoji="1" lang="zh-CN" altLang="en-US" sz="2400" b="1" u="sng" dirty="0">
-                <a:latin typeface="Microsoft YaHei" panose="020B0503020204020204" pitchFamily="34" charset="-122"/>
-                <a:ea typeface="Microsoft YaHei" panose="020B0503020204020204" pitchFamily="34" charset="-122"/>
-              </a:rPr>
-              <a:t>包含内容不同：</a:t>
-            </a:r>
-            <a:endParaRPr kumimoji="1" lang="en-US" altLang="zh-CN" sz="2400" b="1" u="sng" dirty="0">
-              <a:latin typeface="Microsoft YaHei" panose="020B0503020204020204" pitchFamily="34" charset="-122"/>
-              <a:ea typeface="Microsoft YaHei" panose="020B0503020204020204" pitchFamily="34" charset="-122"/>
-            </a:endParaRPr>
-          </a:p>
-          <a:p>
-            <a:pPr marL="800100" lvl="1" indent="-342900">
-              <a:buFont typeface="Arial" panose="020B0604020202020204" pitchFamily="34" charset="0"/>
-              <a:buChar char="•"/>
-            </a:pPr>
-            <a:r>
-              <a:rPr lang="zh-CN" altLang="en-US" sz="2400" dirty="0">
-                <a:latin typeface="Microsoft YaHei" panose="020B0503020204020204" pitchFamily="34" charset="-122"/>
-                <a:ea typeface="Microsoft YaHei" panose="020B0503020204020204" pitchFamily="34" charset="-122"/>
-              </a:rPr>
-              <a:t>接口只能有</a:t>
-            </a:r>
-            <a:r>
-              <a:rPr lang="zh-CN" altLang="en-US" sz="2400" dirty="0">
-                <a:solidFill>
-                  <a:schemeClr val="accent2"/>
-                </a:solidFill>
-                <a:latin typeface="Microsoft YaHei" panose="020B0503020204020204" pitchFamily="34" charset="-122"/>
-                <a:ea typeface="Microsoft YaHei" panose="020B0503020204020204" pitchFamily="34" charset="-122"/>
-              </a:rPr>
-              <a:t>抽象方法</a:t>
-            </a:r>
-            <a:r>
-              <a:rPr lang="zh-CN" altLang="en-US" sz="2400" dirty="0">
-                <a:latin typeface="Microsoft YaHei" panose="020B0503020204020204" pitchFamily="34" charset="-122"/>
-                <a:ea typeface="Microsoft YaHei" panose="020B0503020204020204" pitchFamily="34" charset="-122"/>
-              </a:rPr>
-              <a:t>和</a:t>
-            </a:r>
-            <a:r>
-              <a:rPr lang="zh-CN" altLang="en-US" sz="2400" dirty="0">
-                <a:solidFill>
-                  <a:schemeClr val="accent2"/>
-                </a:solidFill>
-                <a:latin typeface="Microsoft YaHei" panose="020B0503020204020204" pitchFamily="34" charset="-122"/>
-                <a:ea typeface="Microsoft YaHei" panose="020B0503020204020204" pitchFamily="34" charset="-122"/>
-              </a:rPr>
-              <a:t>不可变常量；</a:t>
-            </a:r>
-            <a:endParaRPr kumimoji="1" lang="en-US" altLang="zh-CN" sz="2400" b="1" u="sng" dirty="0">
-              <a:solidFill>
-                <a:schemeClr val="accent2"/>
-              </a:solidFill>
-              <a:latin typeface="Microsoft YaHei" panose="020B0503020204020204" pitchFamily="34" charset="-122"/>
-              <a:ea typeface="Microsoft YaHei" panose="020B0503020204020204" pitchFamily="34" charset="-122"/>
-            </a:endParaRPr>
-          </a:p>
-          <a:p>
-            <a:pPr marL="800100" lvl="1" indent="-342900">
-              <a:buFont typeface="Arial" panose="020B0604020202020204" pitchFamily="34" charset="0"/>
-              <a:buChar char="•"/>
-            </a:pPr>
-            <a:r>
-              <a:rPr lang="zh-CN" altLang="en-US" sz="2400" dirty="0">
-                <a:latin typeface="Microsoft YaHei" panose="020B0503020204020204" pitchFamily="34" charset="-122"/>
-                <a:ea typeface="Microsoft YaHei" panose="020B0503020204020204" pitchFamily="34" charset="-122"/>
-              </a:rPr>
-              <a:t>抽象类除了抽象方法</a:t>
-            </a:r>
-            <a:r>
-              <a:rPr lang="en-US" altLang="zh-CN" sz="2400" dirty="0">
-                <a:latin typeface="Microsoft YaHei" panose="020B0503020204020204" pitchFamily="34" charset="-122"/>
-                <a:ea typeface="Microsoft YaHei" panose="020B0503020204020204" pitchFamily="34" charset="-122"/>
-              </a:rPr>
-              <a:t>(</a:t>
-            </a:r>
-            <a:r>
-              <a:rPr lang="zh-CN" altLang="en-US" sz="2400" dirty="0">
-                <a:latin typeface="Microsoft YaHei" panose="020B0503020204020204" pitchFamily="34" charset="-122"/>
-                <a:ea typeface="Microsoft YaHei" panose="020B0503020204020204" pitchFamily="34" charset="-122"/>
-              </a:rPr>
-              <a:t>也可以没有</a:t>
-            </a:r>
-            <a:r>
-              <a:rPr lang="en-US" altLang="zh-CN" sz="2400" dirty="0">
-                <a:latin typeface="Microsoft YaHei" panose="020B0503020204020204" pitchFamily="34" charset="-122"/>
-                <a:ea typeface="Microsoft YaHei" panose="020B0503020204020204" pitchFamily="34" charset="-122"/>
-              </a:rPr>
-              <a:t>)</a:t>
-            </a:r>
-            <a:r>
-              <a:rPr lang="zh-CN" altLang="en-US" sz="2400" dirty="0">
-                <a:latin typeface="Microsoft YaHei" panose="020B0503020204020204" pitchFamily="34" charset="-122"/>
-                <a:ea typeface="Microsoft YaHei" panose="020B0503020204020204" pitchFamily="34" charset="-122"/>
-              </a:rPr>
-              <a:t>，还可以有具体的方法和属性。和普通类类似。；</a:t>
-            </a:r>
-            <a:endParaRPr lang="en-US" altLang="zh-CN" sz="2400" dirty="0">
-              <a:latin typeface="Microsoft YaHei" panose="020B0503020204020204" pitchFamily="34" charset="-122"/>
-              <a:ea typeface="Microsoft YaHei" panose="020B0503020204020204" pitchFamily="34" charset="-122"/>
-            </a:endParaRPr>
+            <a:r>
+              <a:rPr kumimoji="1" lang="zh-CN" altLang="en-US" sz="2400" dirty="0">
+                <a:latin typeface="Microsoft YaHei" panose="020B0503020204020204" pitchFamily="34" charset="-122"/>
+                <a:ea typeface="Microsoft YaHei" panose="020B0503020204020204" pitchFamily="34" charset="-122"/>
+              </a:rPr>
+              <a:t>注：一时看不懂没关系，等知识积累多了，可以反复回头看</a:t>
+            </a:r>
           </a:p>
         </p:txBody>
       </p:sp>
     </p:spTree>
     <p:extLst>
       <p:ext uri="{BB962C8B-B14F-4D97-AF65-F5344CB8AC3E}">
-        <p14:creationId xmlns:p14="http://schemas.microsoft.com/office/powerpoint/2010/main" val="3855525411"/>
+        <p14:creationId xmlns:p14="http://schemas.microsoft.com/office/powerpoint/2010/main" val="4091989735"/>
       </p:ext>
     </p:extLst>
   </p:cSld>
@@ -16838,6 +17248,370 @@
         </p:nvSpPr>
         <p:spPr>
           <a:xfrm>
+            <a:off x="2234963" y="1964353"/>
+            <a:ext cx="8543230" cy="3785652"/>
+          </a:xfrm>
+          <a:prstGeom prst="rect">
+            <a:avLst/>
+          </a:prstGeom>
+          <a:noFill/>
+        </p:spPr>
+        <p:txBody>
+          <a:bodyPr wrap="square" rtlCol="0">
+            <a:spAutoFit/>
+          </a:bodyPr>
+          <a:lstStyle/>
+          <a:p>
+            <a:r>
+              <a:rPr kumimoji="1" lang="zh-CN" altLang="en-US" sz="2400" b="1" u="sng" dirty="0">
+                <a:latin typeface="Microsoft YaHei" panose="020B0503020204020204" pitchFamily="34" charset="-122"/>
+                <a:ea typeface="Microsoft YaHei" panose="020B0503020204020204" pitchFamily="34" charset="-122"/>
+              </a:rPr>
+              <a:t>设计理念不一样：</a:t>
+            </a:r>
+            <a:endParaRPr kumimoji="1" lang="en-US" altLang="zh-CN" sz="2400" b="1" u="sng" dirty="0">
+              <a:latin typeface="Microsoft YaHei" panose="020B0503020204020204" pitchFamily="34" charset="-122"/>
+              <a:ea typeface="Microsoft YaHei" panose="020B0503020204020204" pitchFamily="34" charset="-122"/>
+            </a:endParaRPr>
+          </a:p>
+          <a:p>
+            <a:pPr marL="800100" lvl="1" indent="-342900">
+              <a:buFont typeface="Arial" panose="020B0604020202020204" pitchFamily="34" charset="0"/>
+              <a:buChar char="•"/>
+            </a:pPr>
+            <a:r>
+              <a:rPr kumimoji="1" lang="zh-CN" altLang="en-US" sz="2400" dirty="0">
+                <a:latin typeface="Microsoft YaHei" panose="020B0503020204020204" pitchFamily="34" charset="-122"/>
+                <a:ea typeface="Microsoft YaHei" panose="020B0503020204020204" pitchFamily="34" charset="-122"/>
+              </a:rPr>
+              <a:t>接口是对</a:t>
+            </a:r>
+            <a:r>
+              <a:rPr kumimoji="1" lang="zh-CN" altLang="en-US" sz="2400" dirty="0">
+                <a:solidFill>
+                  <a:schemeClr val="accent2"/>
+                </a:solidFill>
+                <a:latin typeface="Microsoft YaHei" panose="020B0503020204020204" pitchFamily="34" charset="-122"/>
+                <a:ea typeface="Microsoft YaHei" panose="020B0503020204020204" pitchFamily="34" charset="-122"/>
+              </a:rPr>
+              <a:t>动作</a:t>
+            </a:r>
+            <a:r>
+              <a:rPr kumimoji="1" lang="zh-CN" altLang="en-US" sz="2400" dirty="0">
+                <a:latin typeface="Microsoft YaHei" panose="020B0503020204020204" pitchFamily="34" charset="-122"/>
+                <a:ea typeface="Microsoft YaHei" panose="020B0503020204020204" pitchFamily="34" charset="-122"/>
+              </a:rPr>
+              <a:t>的抽象，表示这个对象</a:t>
+            </a:r>
+            <a:r>
+              <a:rPr kumimoji="1" lang="zh-CN" altLang="en-US" sz="2400" dirty="0">
+                <a:solidFill>
+                  <a:schemeClr val="accent2"/>
+                </a:solidFill>
+                <a:latin typeface="Microsoft YaHei" panose="020B0503020204020204" pitchFamily="34" charset="-122"/>
+                <a:ea typeface="Microsoft YaHei" panose="020B0503020204020204" pitchFamily="34" charset="-122"/>
+              </a:rPr>
+              <a:t>能做什么</a:t>
+            </a:r>
+            <a:r>
+              <a:rPr kumimoji="1" lang="en-US" altLang="zh-CN" sz="2400" dirty="0">
+                <a:latin typeface="Microsoft YaHei" panose="020B0503020204020204" pitchFamily="34" charset="-122"/>
+                <a:ea typeface="Microsoft YaHei" panose="020B0503020204020204" pitchFamily="34" charset="-122"/>
+              </a:rPr>
+              <a:t>(</a:t>
+            </a:r>
+            <a:r>
+              <a:rPr kumimoji="1" lang="zh-CN" altLang="en-US" sz="2400" dirty="0">
+                <a:latin typeface="Microsoft YaHei" panose="020B0503020204020204" pitchFamily="34" charset="-122"/>
+                <a:ea typeface="Microsoft YaHei" panose="020B0503020204020204" pitchFamily="34" charset="-122"/>
+              </a:rPr>
+              <a:t>只有方法</a:t>
+            </a:r>
+            <a:r>
+              <a:rPr kumimoji="1" lang="en-US" altLang="zh-CN" sz="2400" dirty="0">
+                <a:latin typeface="Microsoft YaHei" panose="020B0503020204020204" pitchFamily="34" charset="-122"/>
+                <a:ea typeface="Microsoft YaHei" panose="020B0503020204020204" pitchFamily="34" charset="-122"/>
+              </a:rPr>
+              <a:t>)</a:t>
+            </a:r>
+            <a:r>
+              <a:rPr kumimoji="1" lang="zh-CN" altLang="en-US" sz="2400" dirty="0">
+                <a:latin typeface="Microsoft YaHei" panose="020B0503020204020204" pitchFamily="34" charset="-122"/>
+                <a:ea typeface="Microsoft YaHei" panose="020B0503020204020204" pitchFamily="34" charset="-122"/>
+              </a:rPr>
+              <a:t>，主要用来抽象功能；</a:t>
+            </a:r>
+            <a:endParaRPr kumimoji="1" lang="en-US" altLang="zh-CN" sz="2400" dirty="0">
+              <a:latin typeface="Microsoft YaHei" panose="020B0503020204020204" pitchFamily="34" charset="-122"/>
+              <a:ea typeface="Microsoft YaHei" panose="020B0503020204020204" pitchFamily="34" charset="-122"/>
+            </a:endParaRPr>
+          </a:p>
+          <a:p>
+            <a:pPr marL="800100" lvl="1" indent="-342900">
+              <a:buFont typeface="Arial" panose="020B0604020202020204" pitchFamily="34" charset="0"/>
+              <a:buChar char="•"/>
+            </a:pPr>
+            <a:r>
+              <a:rPr kumimoji="1" lang="zh-CN" altLang="en-US" sz="2400" dirty="0">
+                <a:latin typeface="Microsoft YaHei" panose="020B0503020204020204" pitchFamily="34" charset="-122"/>
+                <a:ea typeface="Microsoft YaHei" panose="020B0503020204020204" pitchFamily="34" charset="-122"/>
+              </a:rPr>
+              <a:t>抽象类是对</a:t>
+            </a:r>
+            <a:r>
+              <a:rPr kumimoji="1" lang="zh-CN" altLang="en-US" sz="2400" dirty="0">
+                <a:solidFill>
+                  <a:schemeClr val="accent2"/>
+                </a:solidFill>
+                <a:latin typeface="Microsoft YaHei" panose="020B0503020204020204" pitchFamily="34" charset="-122"/>
+                <a:ea typeface="Microsoft YaHei" panose="020B0503020204020204" pitchFamily="34" charset="-122"/>
+              </a:rPr>
+              <a:t>根源</a:t>
+            </a:r>
+            <a:r>
+              <a:rPr kumimoji="1" lang="zh-CN" altLang="en-US" sz="2400" dirty="0">
+                <a:latin typeface="Microsoft YaHei" panose="020B0503020204020204" pitchFamily="34" charset="-122"/>
+                <a:ea typeface="Microsoft YaHei" panose="020B0503020204020204" pitchFamily="34" charset="-122"/>
+              </a:rPr>
+              <a:t>的抽象，表示这个对象</a:t>
+            </a:r>
+            <a:r>
+              <a:rPr kumimoji="1" lang="zh-CN" altLang="en-US" sz="2400" dirty="0">
+                <a:solidFill>
+                  <a:schemeClr val="accent2"/>
+                </a:solidFill>
+                <a:latin typeface="Microsoft YaHei" panose="020B0503020204020204" pitchFamily="34" charset="-122"/>
+                <a:ea typeface="Microsoft YaHei" panose="020B0503020204020204" pitchFamily="34" charset="-122"/>
+              </a:rPr>
+              <a:t>是什么</a:t>
+            </a:r>
+            <a:r>
+              <a:rPr kumimoji="1" lang="en-US" altLang="zh-CN" sz="2400" dirty="0">
+                <a:latin typeface="Microsoft YaHei" panose="020B0503020204020204" pitchFamily="34" charset="-122"/>
+                <a:ea typeface="Microsoft YaHei" panose="020B0503020204020204" pitchFamily="34" charset="-122"/>
+              </a:rPr>
+              <a:t>(</a:t>
+            </a:r>
+            <a:r>
+              <a:rPr kumimoji="1" lang="zh-CN" altLang="en-US" sz="2400" dirty="0">
+                <a:latin typeface="Microsoft YaHei" panose="020B0503020204020204" pitchFamily="34" charset="-122"/>
+                <a:ea typeface="Microsoft YaHei" panose="020B0503020204020204" pitchFamily="34" charset="-122"/>
+              </a:rPr>
+              <a:t>包括属性和方法），主要用来抽象类别；</a:t>
+            </a:r>
+            <a:endParaRPr kumimoji="1" lang="en-US" altLang="zh-CN" sz="2400" dirty="0">
+              <a:latin typeface="Microsoft YaHei" panose="020B0503020204020204" pitchFamily="34" charset="-122"/>
+              <a:ea typeface="Microsoft YaHei" panose="020B0503020204020204" pitchFamily="34" charset="-122"/>
+            </a:endParaRPr>
+          </a:p>
+          <a:p>
+            <a:endParaRPr kumimoji="1" lang="en-US" altLang="zh-CN" sz="2400" b="1" u="sng" dirty="0">
+              <a:latin typeface="Microsoft YaHei" panose="020B0503020204020204" pitchFamily="34" charset="-122"/>
+              <a:ea typeface="Microsoft YaHei" panose="020B0503020204020204" pitchFamily="34" charset="-122"/>
+            </a:endParaRPr>
+          </a:p>
+          <a:p>
+            <a:r>
+              <a:rPr kumimoji="1" lang="zh-CN" altLang="en-US" sz="2400" b="1" u="sng" dirty="0">
+                <a:latin typeface="Microsoft YaHei" panose="020B0503020204020204" pitchFamily="34" charset="-122"/>
+                <a:ea typeface="Microsoft YaHei" panose="020B0503020204020204" pitchFamily="34" charset="-122"/>
+              </a:rPr>
+              <a:t>包含内容不同：</a:t>
+            </a:r>
+            <a:endParaRPr kumimoji="1" lang="en-US" altLang="zh-CN" sz="2400" b="1" u="sng" dirty="0">
+              <a:latin typeface="Microsoft YaHei" panose="020B0503020204020204" pitchFamily="34" charset="-122"/>
+              <a:ea typeface="Microsoft YaHei" panose="020B0503020204020204" pitchFamily="34" charset="-122"/>
+            </a:endParaRPr>
+          </a:p>
+          <a:p>
+            <a:pPr marL="800100" lvl="1" indent="-342900">
+              <a:buFont typeface="Arial" panose="020B0604020202020204" pitchFamily="34" charset="0"/>
+              <a:buChar char="•"/>
+            </a:pPr>
+            <a:r>
+              <a:rPr lang="zh-CN" altLang="en-US" sz="2400" dirty="0">
+                <a:latin typeface="Microsoft YaHei" panose="020B0503020204020204" pitchFamily="34" charset="-122"/>
+                <a:ea typeface="Microsoft YaHei" panose="020B0503020204020204" pitchFamily="34" charset="-122"/>
+              </a:rPr>
+              <a:t>接口只能有</a:t>
+            </a:r>
+            <a:r>
+              <a:rPr lang="zh-CN" altLang="en-US" sz="2400" dirty="0">
+                <a:solidFill>
+                  <a:schemeClr val="accent2"/>
+                </a:solidFill>
+                <a:latin typeface="Microsoft YaHei" panose="020B0503020204020204" pitchFamily="34" charset="-122"/>
+                <a:ea typeface="Microsoft YaHei" panose="020B0503020204020204" pitchFamily="34" charset="-122"/>
+              </a:rPr>
+              <a:t>抽象方法</a:t>
+            </a:r>
+            <a:r>
+              <a:rPr lang="zh-CN" altLang="en-US" sz="2400" dirty="0">
+                <a:latin typeface="Microsoft YaHei" panose="020B0503020204020204" pitchFamily="34" charset="-122"/>
+                <a:ea typeface="Microsoft YaHei" panose="020B0503020204020204" pitchFamily="34" charset="-122"/>
+              </a:rPr>
+              <a:t>和</a:t>
+            </a:r>
+            <a:r>
+              <a:rPr lang="zh-CN" altLang="en-US" sz="2400" dirty="0">
+                <a:solidFill>
+                  <a:schemeClr val="accent2"/>
+                </a:solidFill>
+                <a:latin typeface="Microsoft YaHei" panose="020B0503020204020204" pitchFamily="34" charset="-122"/>
+                <a:ea typeface="Microsoft YaHei" panose="020B0503020204020204" pitchFamily="34" charset="-122"/>
+              </a:rPr>
+              <a:t>不可变常量；</a:t>
+            </a:r>
+            <a:endParaRPr kumimoji="1" lang="en-US" altLang="zh-CN" sz="2400" b="1" u="sng" dirty="0">
+              <a:solidFill>
+                <a:schemeClr val="accent2"/>
+              </a:solidFill>
+              <a:latin typeface="Microsoft YaHei" panose="020B0503020204020204" pitchFamily="34" charset="-122"/>
+              <a:ea typeface="Microsoft YaHei" panose="020B0503020204020204" pitchFamily="34" charset="-122"/>
+            </a:endParaRPr>
+          </a:p>
+          <a:p>
+            <a:pPr marL="800100" lvl="1" indent="-342900">
+              <a:buFont typeface="Arial" panose="020B0604020202020204" pitchFamily="34" charset="0"/>
+              <a:buChar char="•"/>
+            </a:pPr>
+            <a:r>
+              <a:rPr lang="zh-CN" altLang="en-US" sz="2400" dirty="0">
+                <a:latin typeface="Microsoft YaHei" panose="020B0503020204020204" pitchFamily="34" charset="-122"/>
+                <a:ea typeface="Microsoft YaHei" panose="020B0503020204020204" pitchFamily="34" charset="-122"/>
+              </a:rPr>
+              <a:t>抽象类除了抽象方法</a:t>
+            </a:r>
+            <a:r>
+              <a:rPr lang="en-US" altLang="zh-CN" sz="2400" dirty="0">
+                <a:latin typeface="Microsoft YaHei" panose="020B0503020204020204" pitchFamily="34" charset="-122"/>
+                <a:ea typeface="Microsoft YaHei" panose="020B0503020204020204" pitchFamily="34" charset="-122"/>
+              </a:rPr>
+              <a:t>(</a:t>
+            </a:r>
+            <a:r>
+              <a:rPr lang="zh-CN" altLang="en-US" sz="2400" dirty="0">
+                <a:latin typeface="Microsoft YaHei" panose="020B0503020204020204" pitchFamily="34" charset="-122"/>
+                <a:ea typeface="Microsoft YaHei" panose="020B0503020204020204" pitchFamily="34" charset="-122"/>
+              </a:rPr>
+              <a:t>也可以没有</a:t>
+            </a:r>
+            <a:r>
+              <a:rPr lang="en-US" altLang="zh-CN" sz="2400" dirty="0">
+                <a:latin typeface="Microsoft YaHei" panose="020B0503020204020204" pitchFamily="34" charset="-122"/>
+                <a:ea typeface="Microsoft YaHei" panose="020B0503020204020204" pitchFamily="34" charset="-122"/>
+              </a:rPr>
+              <a:t>)</a:t>
+            </a:r>
+            <a:r>
+              <a:rPr lang="zh-CN" altLang="en-US" sz="2400" dirty="0">
+                <a:latin typeface="Microsoft YaHei" panose="020B0503020204020204" pitchFamily="34" charset="-122"/>
+                <a:ea typeface="Microsoft YaHei" panose="020B0503020204020204" pitchFamily="34" charset="-122"/>
+              </a:rPr>
+              <a:t>，还可以有具体的方法和属性。和普通类类似；</a:t>
+            </a:r>
+            <a:endParaRPr lang="en-US" altLang="zh-CN" sz="2400" dirty="0">
+              <a:latin typeface="Microsoft YaHei" panose="020B0503020204020204" pitchFamily="34" charset="-122"/>
+              <a:ea typeface="Microsoft YaHei" panose="020B0503020204020204" pitchFamily="34" charset="-122"/>
+            </a:endParaRPr>
+          </a:p>
+        </p:txBody>
+      </p:sp>
+    </p:spTree>
+    <p:extLst>
+      <p:ext uri="{BB962C8B-B14F-4D97-AF65-F5344CB8AC3E}">
+        <p14:creationId xmlns:p14="http://schemas.microsoft.com/office/powerpoint/2010/main" val="3855525411"/>
+      </p:ext>
+    </p:extLst>
+  </p:cSld>
+  <p:clrMapOvr>
+    <a:masterClrMapping/>
+  </p:clrMapOvr>
+</p:sld>
+</file>
+
+<file path=ppt/slides/slide33.xml><?xml version="1.0" encoding="utf-8"?>
+<p:sld xmlns:a="http://schemas.openxmlformats.org/drawingml/2006/main" xmlns:r="http://schemas.openxmlformats.org/officeDocument/2006/relationships" xmlns:p="http://schemas.openxmlformats.org/presentationml/2006/main">
+  <p:cSld>
+    <p:bg>
+      <p:bgPr>
+        <a:blipFill>
+          <a:blip r:embed="rId3"/>
+          <a:tile tx="0" ty="0" sx="100000" sy="100000" flip="none" algn="tl"/>
+        </a:blipFill>
+        <a:effectLst/>
+      </p:bgPr>
+    </p:bg>
+    <p:spTree>
+      <p:nvGrpSpPr>
+        <p:cNvPr id="1" name=""/>
+        <p:cNvGrpSpPr/>
+        <p:nvPr/>
+      </p:nvGrpSpPr>
+      <p:grpSpPr>
+        <a:xfrm>
+          <a:off x="0" y="0"/>
+          <a:ext cx="0" cy="0"/>
+          <a:chOff x="0" y="0"/>
+          <a:chExt cx="0" cy="0"/>
+        </a:xfrm>
+      </p:grpSpPr>
+      <p:sp>
+        <p:nvSpPr>
+          <p:cNvPr id="2" name="文本框 1">
+            <a:extLst>
+              <a:ext uri="{FF2B5EF4-FFF2-40B4-BE49-F238E27FC236}">
+                <a16:creationId xmlns:a16="http://schemas.microsoft.com/office/drawing/2014/main" id="{12AA8BCC-7B15-4842-80C2-48C079429338}"/>
+              </a:ext>
+            </a:extLst>
+          </p:cNvPr>
+          <p:cNvSpPr txBox="1"/>
+          <p:nvPr/>
+        </p:nvSpPr>
+        <p:spPr>
+          <a:xfrm>
+            <a:off x="2135952" y="822959"/>
+            <a:ext cx="8741252" cy="830997"/>
+          </a:xfrm>
+          <a:prstGeom prst="rect">
+            <a:avLst/>
+          </a:prstGeom>
+          <a:noFill/>
+        </p:spPr>
+        <p:txBody>
+          <a:bodyPr wrap="square" rtlCol="0">
+            <a:spAutoFit/>
+          </a:bodyPr>
+          <a:lstStyle/>
+          <a:p>
+            <a:pPr algn="ctr"/>
+            <a:r>
+              <a:rPr kumimoji="1" lang="zh-CN" altLang="en-US" sz="4800" dirty="0">
+                <a:latin typeface="Microsoft YaHei" panose="020B0503020204020204" pitchFamily="34" charset="-122"/>
+                <a:ea typeface="Microsoft YaHei" panose="020B0503020204020204" pitchFamily="34" charset="-122"/>
+              </a:rPr>
+              <a:t>接口，抽象类的区别</a:t>
+            </a:r>
+            <a:endParaRPr kumimoji="1" lang="en-US" altLang="zh-CN" sz="4800" dirty="0">
+              <a:ea typeface="Microsoft YaHei" panose="020B0503020204020204" pitchFamily="34" charset="-122"/>
+            </a:endParaRPr>
+          </a:p>
+        </p:txBody>
+      </p:sp>
+      <p:sp>
+        <p:nvSpPr>
+          <p:cNvPr id="3" name="文本框 2">
+            <a:extLst>
+              <a:ext uri="{FF2B5EF4-FFF2-40B4-BE49-F238E27FC236}">
+                <a16:creationId xmlns:a16="http://schemas.microsoft.com/office/drawing/2014/main" id="{F9F2836E-84E2-5042-9CCF-7E3C3CE5B763}"/>
+              </a:ext>
+            </a:extLst>
+          </p:cNvPr>
+          <p:cNvSpPr txBox="1"/>
+          <p:nvPr/>
+        </p:nvSpPr>
+        <p:spPr>
+          <a:xfrm>
             <a:off x="2333974" y="2421553"/>
             <a:ext cx="8543230" cy="3416320"/>
           </a:xfrm>
@@ -16925,7 +17699,7 @@
                 <a:latin typeface="Microsoft YaHei" panose="020B0503020204020204" pitchFamily="34" charset="-122"/>
                 <a:ea typeface="Microsoft YaHei" panose="020B0503020204020204" pitchFamily="34" charset="-122"/>
               </a:rPr>
-              <a:t>。和普通类的变量一样，是每个实例化的对象各自持有，不是共有。</a:t>
+              <a:t>。和普通类的变量一样，是每个实例化的对象各自持有，不是类共有。</a:t>
             </a:r>
             <a:endParaRPr kumimoji="1" lang="en-US" altLang="zh-CN" sz="2400" dirty="0">
               <a:latin typeface="Microsoft YaHei" panose="020B0503020204020204" pitchFamily="34" charset="-122"/>
@@ -17093,7 +17867,423 @@
 </p:sld>
 </file>
 
-<file path=ppt/slides/slide33.xml><?xml version="1.0" encoding="utf-8"?>
+<file path=ppt/slides/slide34.xml><?xml version="1.0" encoding="utf-8"?>
+<p:sld xmlns:a="http://schemas.openxmlformats.org/drawingml/2006/main" xmlns:r="http://schemas.openxmlformats.org/officeDocument/2006/relationships" xmlns:p="http://schemas.openxmlformats.org/presentationml/2006/main">
+  <p:cSld>
+    <p:bg>
+      <p:bgPr>
+        <a:blipFill>
+          <a:blip r:embed="rId3"/>
+          <a:tile tx="0" ty="0" sx="100000" sy="100000" flip="none" algn="tl"/>
+        </a:blipFill>
+        <a:effectLst/>
+      </p:bgPr>
+    </p:bg>
+    <p:spTree>
+      <p:nvGrpSpPr>
+        <p:cNvPr id="1" name=""/>
+        <p:cNvGrpSpPr/>
+        <p:nvPr/>
+      </p:nvGrpSpPr>
+      <p:grpSpPr>
+        <a:xfrm>
+          <a:off x="0" y="0"/>
+          <a:ext cx="0" cy="0"/>
+          <a:chOff x="0" y="0"/>
+          <a:chExt cx="0" cy="0"/>
+        </a:xfrm>
+      </p:grpSpPr>
+      <p:sp>
+        <p:nvSpPr>
+          <p:cNvPr id="2" name="文本框 1">
+            <a:extLst>
+              <a:ext uri="{FF2B5EF4-FFF2-40B4-BE49-F238E27FC236}">
+                <a16:creationId xmlns:a16="http://schemas.microsoft.com/office/drawing/2014/main" id="{12AA8BCC-7B15-4842-80C2-48C079429338}"/>
+              </a:ext>
+            </a:extLst>
+          </p:cNvPr>
+          <p:cNvSpPr txBox="1"/>
+          <p:nvPr/>
+        </p:nvSpPr>
+        <p:spPr>
+          <a:xfrm>
+            <a:off x="928532" y="804672"/>
+            <a:ext cx="10590692" cy="830997"/>
+          </a:xfrm>
+          <a:prstGeom prst="rect">
+            <a:avLst/>
+          </a:prstGeom>
+          <a:noFill/>
+        </p:spPr>
+        <p:txBody>
+          <a:bodyPr wrap="square" rtlCol="0">
+            <a:spAutoFit/>
+          </a:bodyPr>
+          <a:lstStyle/>
+          <a:p>
+            <a:pPr algn="ctr"/>
+            <a:r>
+              <a:rPr kumimoji="1" lang="zh-CN" altLang="en-US" sz="4800" dirty="0">
+                <a:latin typeface="Microsoft YaHei" panose="020B0503020204020204" pitchFamily="34" charset="-122"/>
+                <a:ea typeface="Microsoft YaHei" panose="020B0503020204020204" pitchFamily="34" charset="-122"/>
+              </a:rPr>
+              <a:t>如何选择使用普通类，接口或抽象类</a:t>
+            </a:r>
+            <a:endParaRPr kumimoji="1" lang="en-US" altLang="zh-CN" sz="4800" dirty="0">
+              <a:ea typeface="Microsoft YaHei" panose="020B0503020204020204" pitchFamily="34" charset="-122"/>
+            </a:endParaRPr>
+          </a:p>
+        </p:txBody>
+      </p:sp>
+      <p:sp>
+        <p:nvSpPr>
+          <p:cNvPr id="4" name="文本框 3">
+            <a:extLst>
+              <a:ext uri="{FF2B5EF4-FFF2-40B4-BE49-F238E27FC236}">
+                <a16:creationId xmlns:a16="http://schemas.microsoft.com/office/drawing/2014/main" id="{F406AE9C-CD2E-654C-823A-C4227D48DE96}"/>
+              </a:ext>
+            </a:extLst>
+          </p:cNvPr>
+          <p:cNvSpPr txBox="1"/>
+          <p:nvPr/>
+        </p:nvSpPr>
+        <p:spPr>
+          <a:xfrm>
+            <a:off x="1956816" y="2359152"/>
+            <a:ext cx="9948672" cy="3416320"/>
+          </a:xfrm>
+          <a:prstGeom prst="rect">
+            <a:avLst/>
+          </a:prstGeom>
+          <a:noFill/>
+        </p:spPr>
+        <p:txBody>
+          <a:bodyPr wrap="square" rtlCol="0">
+            <a:spAutoFit/>
+          </a:bodyPr>
+          <a:lstStyle/>
+          <a:p>
+            <a:pPr marL="342900" indent="-342900">
+              <a:buFont typeface="+mj-lt"/>
+              <a:buAutoNum type="arabicPeriod"/>
+            </a:pPr>
+            <a:r>
+              <a:rPr kumimoji="1" lang="zh-CN" altLang="en-US" sz="2400" dirty="0">
+                <a:latin typeface="Microsoft YaHei" panose="020B0503020204020204" pitchFamily="34" charset="-122"/>
+                <a:ea typeface="Microsoft YaHei" panose="020B0503020204020204" pitchFamily="34" charset="-122"/>
+              </a:rPr>
+              <a:t>如果是普通父子关系，就用普通类</a:t>
+            </a:r>
+            <a:endParaRPr kumimoji="1" lang="en-US" altLang="zh-CN" sz="2400" dirty="0">
+              <a:latin typeface="Microsoft YaHei" panose="020B0503020204020204" pitchFamily="34" charset="-122"/>
+              <a:ea typeface="Microsoft YaHei" panose="020B0503020204020204" pitchFamily="34" charset="-122"/>
+            </a:endParaRPr>
+          </a:p>
+          <a:p>
+            <a:pPr marL="342900" indent="-342900">
+              <a:buFont typeface="+mj-lt"/>
+              <a:buAutoNum type="arabicPeriod"/>
+            </a:pPr>
+            <a:r>
+              <a:rPr kumimoji="1" lang="zh-CN" altLang="en-US" sz="2400" dirty="0">
+                <a:latin typeface="Microsoft YaHei" panose="020B0503020204020204" pitchFamily="34" charset="-122"/>
+                <a:ea typeface="Microsoft YaHei" panose="020B0503020204020204" pitchFamily="34" charset="-122"/>
+              </a:rPr>
+              <a:t>如果你想强制子类去实现一个方法，但彼此还是形成了“</a:t>
+            </a:r>
+            <a:r>
+              <a:rPr kumimoji="1" lang="en-US" altLang="zh-CN" sz="2400" dirty="0">
+                <a:latin typeface="Microsoft YaHei" panose="020B0503020204020204" pitchFamily="34" charset="-122"/>
+                <a:ea typeface="Microsoft YaHei" panose="020B0503020204020204" pitchFamily="34" charset="-122"/>
+              </a:rPr>
+              <a:t>is</a:t>
+            </a:r>
+            <a:r>
+              <a:rPr kumimoji="1" lang="zh-CN" altLang="en-US" sz="2400" dirty="0">
+                <a:latin typeface="Microsoft YaHei" panose="020B0503020204020204" pitchFamily="34" charset="-122"/>
+                <a:ea typeface="Microsoft YaHei" panose="020B0503020204020204" pitchFamily="34" charset="-122"/>
+              </a:rPr>
+              <a:t> </a:t>
+            </a:r>
+            <a:r>
+              <a:rPr kumimoji="1" lang="en-US" altLang="zh-CN" sz="2400" dirty="0">
+                <a:latin typeface="Microsoft YaHei" panose="020B0503020204020204" pitchFamily="34" charset="-122"/>
+                <a:ea typeface="Microsoft YaHei" panose="020B0503020204020204" pitchFamily="34" charset="-122"/>
+              </a:rPr>
+              <a:t>a</a:t>
+            </a:r>
+            <a:r>
+              <a:rPr kumimoji="1" lang="zh-CN" altLang="en-US" sz="2400" dirty="0">
+                <a:latin typeface="Microsoft YaHei" panose="020B0503020204020204" pitchFamily="34" charset="-122"/>
+                <a:ea typeface="Microsoft YaHei" panose="020B0503020204020204" pitchFamily="34" charset="-122"/>
+              </a:rPr>
+              <a:t>”的父子关系，那就用抽象类</a:t>
+            </a:r>
+            <a:endParaRPr kumimoji="1" lang="en-US" altLang="zh-CN" sz="2400" dirty="0">
+              <a:latin typeface="Microsoft YaHei" panose="020B0503020204020204" pitchFamily="34" charset="-122"/>
+              <a:ea typeface="Microsoft YaHei" panose="020B0503020204020204" pitchFamily="34" charset="-122"/>
+            </a:endParaRPr>
+          </a:p>
+          <a:p>
+            <a:pPr marL="342900" indent="-342900">
+              <a:buFont typeface="+mj-lt"/>
+              <a:buAutoNum type="arabicPeriod"/>
+            </a:pPr>
+            <a:r>
+              <a:rPr kumimoji="1" lang="zh-CN" altLang="en-US" sz="2400" dirty="0">
+                <a:latin typeface="Microsoft YaHei" panose="020B0503020204020204" pitchFamily="34" charset="-122"/>
+                <a:ea typeface="Microsoft YaHei" panose="020B0503020204020204" pitchFamily="34" charset="-122"/>
+              </a:rPr>
+              <a:t>如果你只想一个类实现一些抽取出来的方法，而不需要继承属性，那就用抽象类。</a:t>
+            </a:r>
+            <a:endParaRPr kumimoji="1" lang="en-US" altLang="zh-CN" sz="2400" dirty="0">
+              <a:latin typeface="Microsoft YaHei" panose="020B0503020204020204" pitchFamily="34" charset="-122"/>
+              <a:ea typeface="Microsoft YaHei" panose="020B0503020204020204" pitchFamily="34" charset="-122"/>
+            </a:endParaRPr>
+          </a:p>
+          <a:p>
+            <a:endParaRPr kumimoji="1" lang="en-US" altLang="zh-CN" sz="2400" dirty="0">
+              <a:latin typeface="Microsoft YaHei" panose="020B0503020204020204" pitchFamily="34" charset="-122"/>
+              <a:ea typeface="Microsoft YaHei" panose="020B0503020204020204" pitchFamily="34" charset="-122"/>
+            </a:endParaRPr>
+          </a:p>
+          <a:p>
+            <a:pPr marL="342900" indent="-342900">
+              <a:buFont typeface="+mj-lt"/>
+              <a:buAutoNum type="arabicPeriod"/>
+            </a:pPr>
+            <a:endParaRPr kumimoji="1" lang="en-US" altLang="zh-CN" sz="2400" dirty="0">
+              <a:latin typeface="Microsoft YaHei" panose="020B0503020204020204" pitchFamily="34" charset="-122"/>
+              <a:ea typeface="Microsoft YaHei" panose="020B0503020204020204" pitchFamily="34" charset="-122"/>
+            </a:endParaRPr>
+          </a:p>
+          <a:p>
+            <a:r>
+              <a:rPr kumimoji="1" lang="zh-CN" altLang="en-US" sz="2400" dirty="0">
+                <a:solidFill>
+                  <a:schemeClr val="accent2"/>
+                </a:solidFill>
+                <a:latin typeface="Microsoft YaHei" panose="020B0503020204020204" pitchFamily="34" charset="-122"/>
+                <a:ea typeface="Microsoft YaHei" panose="020B0503020204020204" pitchFamily="34" charset="-122"/>
+              </a:rPr>
+              <a:t>现实中，抽象类用的不多，因为它处于 普通父类和接口之间。后两者用的最多。大家主要把学习焦点放在普通类和接口中即可</a:t>
+            </a:r>
+          </a:p>
+        </p:txBody>
+      </p:sp>
+    </p:spTree>
+    <p:extLst>
+      <p:ext uri="{BB962C8B-B14F-4D97-AF65-F5344CB8AC3E}">
+        <p14:creationId xmlns:p14="http://schemas.microsoft.com/office/powerpoint/2010/main" val="72648424"/>
+      </p:ext>
+    </p:extLst>
+  </p:cSld>
+  <p:clrMapOvr>
+    <a:masterClrMapping/>
+  </p:clrMapOvr>
+</p:sld>
+</file>
+
+<file path=ppt/slides/slide35.xml><?xml version="1.0" encoding="utf-8"?>
+<p:sld xmlns:a="http://schemas.openxmlformats.org/drawingml/2006/main" xmlns:r="http://schemas.openxmlformats.org/officeDocument/2006/relationships" xmlns:p="http://schemas.openxmlformats.org/presentationml/2006/main">
+  <p:cSld>
+    <p:bg>
+      <p:bgPr>
+        <a:blipFill>
+          <a:blip r:embed="rId3"/>
+          <a:tile tx="0" ty="0" sx="100000" sy="100000" flip="none" algn="tl"/>
+        </a:blipFill>
+        <a:effectLst/>
+      </p:bgPr>
+    </p:bg>
+    <p:spTree>
+      <p:nvGrpSpPr>
+        <p:cNvPr id="1" name=""/>
+        <p:cNvGrpSpPr/>
+        <p:nvPr/>
+      </p:nvGrpSpPr>
+      <p:grpSpPr>
+        <a:xfrm>
+          <a:off x="0" y="0"/>
+          <a:ext cx="0" cy="0"/>
+          <a:chOff x="0" y="0"/>
+          <a:chExt cx="0" cy="0"/>
+        </a:xfrm>
+      </p:grpSpPr>
+      <p:sp>
+        <p:nvSpPr>
+          <p:cNvPr id="2" name="文本框 1">
+            <a:extLst>
+              <a:ext uri="{FF2B5EF4-FFF2-40B4-BE49-F238E27FC236}">
+                <a16:creationId xmlns:a16="http://schemas.microsoft.com/office/drawing/2014/main" id="{12AA8BCC-7B15-4842-80C2-48C079429338}"/>
+              </a:ext>
+            </a:extLst>
+          </p:cNvPr>
+          <p:cNvSpPr txBox="1"/>
+          <p:nvPr/>
+        </p:nvSpPr>
+        <p:spPr>
+          <a:xfrm>
+            <a:off x="2135952" y="822959"/>
+            <a:ext cx="8741252" cy="830997"/>
+          </a:xfrm>
+          <a:prstGeom prst="rect">
+            <a:avLst/>
+          </a:prstGeom>
+          <a:noFill/>
+        </p:spPr>
+        <p:txBody>
+          <a:bodyPr wrap="square" rtlCol="0">
+            <a:spAutoFit/>
+          </a:bodyPr>
+          <a:lstStyle/>
+          <a:p>
+            <a:pPr algn="ctr"/>
+            <a:r>
+              <a:rPr kumimoji="1" lang="zh-CN" altLang="en-US" sz="4800" dirty="0">
+                <a:ea typeface="Microsoft YaHei" panose="020B0503020204020204" pitchFamily="34" charset="-122"/>
+              </a:rPr>
+              <a:t>类的设计原则</a:t>
+            </a:r>
+            <a:endParaRPr kumimoji="1" lang="en-US" altLang="zh-CN" sz="4800" dirty="0">
+              <a:ea typeface="Microsoft YaHei" panose="020B0503020204020204" pitchFamily="34" charset="-122"/>
+            </a:endParaRPr>
+          </a:p>
+        </p:txBody>
+      </p:sp>
+      <p:sp>
+        <p:nvSpPr>
+          <p:cNvPr id="4" name="文本框 3">
+            <a:extLst>
+              <a:ext uri="{FF2B5EF4-FFF2-40B4-BE49-F238E27FC236}">
+                <a16:creationId xmlns:a16="http://schemas.microsoft.com/office/drawing/2014/main" id="{F406AE9C-CD2E-654C-823A-C4227D48DE96}"/>
+              </a:ext>
+            </a:extLst>
+          </p:cNvPr>
+          <p:cNvSpPr txBox="1"/>
+          <p:nvPr/>
+        </p:nvSpPr>
+        <p:spPr>
+          <a:xfrm>
+            <a:off x="1956816" y="2359152"/>
+            <a:ext cx="9948672" cy="461665"/>
+          </a:xfrm>
+          <a:prstGeom prst="rect">
+            <a:avLst/>
+          </a:prstGeom>
+          <a:noFill/>
+        </p:spPr>
+        <p:txBody>
+          <a:bodyPr wrap="square" rtlCol="0">
+            <a:spAutoFit/>
+          </a:bodyPr>
+          <a:lstStyle/>
+          <a:p>
+            <a:r>
+              <a:rPr kumimoji="1" lang="zh-CN" altLang="en-US" sz="2400" dirty="0">
+                <a:latin typeface="Microsoft YaHei" panose="020B0503020204020204" pitchFamily="34" charset="-122"/>
+                <a:ea typeface="Microsoft YaHei" panose="020B0503020204020204" pitchFamily="34" charset="-122"/>
+              </a:rPr>
+              <a:t>结合封装，继承，多态，接口这些概念。按需进行采用选择。</a:t>
+            </a:r>
+          </a:p>
+        </p:txBody>
+      </p:sp>
+    </p:spTree>
+    <p:extLst>
+      <p:ext uri="{BB962C8B-B14F-4D97-AF65-F5344CB8AC3E}">
+        <p14:creationId xmlns:p14="http://schemas.microsoft.com/office/powerpoint/2010/main" val="1605679678"/>
+      </p:ext>
+    </p:extLst>
+  </p:cSld>
+  <p:clrMapOvr>
+    <a:masterClrMapping/>
+  </p:clrMapOvr>
+</p:sld>
+</file>
+
+<file path=ppt/slides/slide36.xml><?xml version="1.0" encoding="utf-8"?>
+<p:sld xmlns:a="http://schemas.openxmlformats.org/drawingml/2006/main" xmlns:r="http://schemas.openxmlformats.org/officeDocument/2006/relationships" xmlns:p="http://schemas.openxmlformats.org/presentationml/2006/main">
+  <p:cSld>
+    <p:bg>
+      <p:bgPr>
+        <a:blipFill>
+          <a:blip r:embed="rId3"/>
+          <a:tile tx="0" ty="0" sx="100000" sy="100000" flip="none" algn="tl"/>
+        </a:blipFill>
+        <a:effectLst/>
+      </p:bgPr>
+    </p:bg>
+    <p:spTree>
+      <p:nvGrpSpPr>
+        <p:cNvPr id="1" name=""/>
+        <p:cNvGrpSpPr/>
+        <p:nvPr/>
+      </p:nvGrpSpPr>
+      <p:grpSpPr>
+        <a:xfrm>
+          <a:off x="0" y="0"/>
+          <a:ext cx="0" cy="0"/>
+          <a:chOff x="0" y="0"/>
+          <a:chExt cx="0" cy="0"/>
+        </a:xfrm>
+      </p:grpSpPr>
+      <p:sp>
+        <p:nvSpPr>
+          <p:cNvPr id="4" name="文本框 3">
+            <a:extLst>
+              <a:ext uri="{FF2B5EF4-FFF2-40B4-BE49-F238E27FC236}">
+                <a16:creationId xmlns:a16="http://schemas.microsoft.com/office/drawing/2014/main" id="{F406AE9C-CD2E-654C-823A-C4227D48DE96}"/>
+              </a:ext>
+            </a:extLst>
+          </p:cNvPr>
+          <p:cNvSpPr txBox="1"/>
+          <p:nvPr/>
+        </p:nvSpPr>
+        <p:spPr>
+          <a:xfrm>
+            <a:off x="1517904" y="2921168"/>
+            <a:ext cx="9948672" cy="1015663"/>
+          </a:xfrm>
+          <a:prstGeom prst="rect">
+            <a:avLst/>
+          </a:prstGeom>
+          <a:noFill/>
+        </p:spPr>
+        <p:txBody>
+          <a:bodyPr wrap="square" rtlCol="0">
+            <a:spAutoFit/>
+          </a:bodyPr>
+          <a:lstStyle/>
+          <a:p>
+            <a:pPr lvl="0" algn="ctr"/>
+            <a:r>
+              <a:rPr kumimoji="1" lang="zh-CN" altLang="en-US" sz="6000" dirty="0">
+                <a:solidFill>
+                  <a:prstClr val="black"/>
+                </a:solidFill>
+                <a:latin typeface="Microsoft YaHei" panose="020B0503020204020204" pitchFamily="34" charset="-122"/>
+                <a:ea typeface="Microsoft YaHei" panose="020B0503020204020204" pitchFamily="34" charset="-122"/>
+              </a:rPr>
+              <a:t>这堂课我们学了什么？</a:t>
+            </a:r>
+          </a:p>
+        </p:txBody>
+      </p:sp>
+    </p:spTree>
+    <p:extLst>
+      <p:ext uri="{BB962C8B-B14F-4D97-AF65-F5344CB8AC3E}">
+        <p14:creationId xmlns:p14="http://schemas.microsoft.com/office/powerpoint/2010/main" val="2502446324"/>
+      </p:ext>
+    </p:extLst>
+  </p:cSld>
+  <p:clrMapOvr>
+    <a:masterClrMapping/>
+  </p:clrMapOvr>
+</p:sld>
+</file>
+
+<file path=ppt/slides/slide37.xml><?xml version="1.0" encoding="utf-8"?>
 <p:sld xmlns:a="http://schemas.openxmlformats.org/drawingml/2006/main" xmlns:r="http://schemas.openxmlformats.org/officeDocument/2006/relationships" xmlns:p="http://schemas.openxmlformats.org/presentationml/2006/main">
   <p:cSld>
     <p:bg>
@@ -17127,7 +18317,7 @@
     </p:spTree>
     <p:extLst>
       <p:ext uri="{BB962C8B-B14F-4D97-AF65-F5344CB8AC3E}">
-        <p14:creationId xmlns:p14="http://schemas.microsoft.com/office/powerpoint/2010/main" val="4195399693"/>
+        <p14:creationId xmlns:p14="http://schemas.microsoft.com/office/powerpoint/2010/main" val="3333382413"/>
       </p:ext>
     </p:extLst>
   </p:cSld>
@@ -18061,47 +19251,6 @@
           </a:p>
         </p:txBody>
       </p:sp>
-      <p:sp>
-        <p:nvSpPr>
-          <p:cNvPr id="3" name="文本框 2">
-            <a:extLst>
-              <a:ext uri="{FF2B5EF4-FFF2-40B4-BE49-F238E27FC236}">
-                <a16:creationId xmlns:a16="http://schemas.microsoft.com/office/drawing/2014/main" id="{5CCFF940-CD29-5F4C-996D-E543226C3730}"/>
-              </a:ext>
-            </a:extLst>
-          </p:cNvPr>
-          <p:cNvSpPr txBox="1"/>
-          <p:nvPr/>
-        </p:nvSpPr>
-        <p:spPr>
-          <a:xfrm>
-            <a:off x="5574096" y="6339168"/>
-            <a:ext cx="1627632" cy="369332"/>
-          </a:xfrm>
-          <a:prstGeom prst="rect">
-            <a:avLst/>
-          </a:prstGeom>
-          <a:solidFill>
-            <a:schemeClr val="accent2"/>
-          </a:solidFill>
-        </p:spPr>
-        <p:txBody>
-          <a:bodyPr wrap="square" rtlCol="0">
-            <a:spAutoFit/>
-          </a:bodyPr>
-          <a:lstStyle/>
-          <a:p>
-            <a:r>
-              <a:rPr kumimoji="1" lang="zh-CN" altLang="en-US" dirty="0">
-                <a:solidFill>
-                  <a:schemeClr val="bg1"/>
-                </a:solidFill>
-              </a:rPr>
-              <a:t>看示例代码</a:t>
-            </a:r>
-          </a:p>
-        </p:txBody>
-      </p:sp>
     </p:spTree>
     <p:extLst>
       <p:ext uri="{BB962C8B-B14F-4D97-AF65-F5344CB8AC3E}">
@@ -18303,47 +19452,6 @@
               <a:latin typeface="Microsoft YaHei" panose="020B0503020204020204" pitchFamily="34" charset="-122"/>
               <a:ea typeface="Microsoft YaHei" panose="020B0503020204020204" pitchFamily="34" charset="-122"/>
             </a:endParaRPr>
-          </a:p>
-        </p:txBody>
-      </p:sp>
-      <p:sp>
-        <p:nvSpPr>
-          <p:cNvPr id="3" name="文本框 2">
-            <a:extLst>
-              <a:ext uri="{FF2B5EF4-FFF2-40B4-BE49-F238E27FC236}">
-                <a16:creationId xmlns:a16="http://schemas.microsoft.com/office/drawing/2014/main" id="{5CCFF940-CD29-5F4C-996D-E543226C3730}"/>
-              </a:ext>
-            </a:extLst>
-          </p:cNvPr>
-          <p:cNvSpPr txBox="1"/>
-          <p:nvPr/>
-        </p:nvSpPr>
-        <p:spPr>
-          <a:xfrm>
-            <a:off x="5574096" y="6339168"/>
-            <a:ext cx="1627632" cy="369332"/>
-          </a:xfrm>
-          <a:prstGeom prst="rect">
-            <a:avLst/>
-          </a:prstGeom>
-          <a:solidFill>
-            <a:schemeClr val="accent2"/>
-          </a:solidFill>
-        </p:spPr>
-        <p:txBody>
-          <a:bodyPr wrap="square" rtlCol="0">
-            <a:spAutoFit/>
-          </a:bodyPr>
-          <a:lstStyle/>
-          <a:p>
-            <a:r>
-              <a:rPr kumimoji="1" lang="zh-CN" altLang="en-US" dirty="0">
-                <a:solidFill>
-                  <a:schemeClr val="bg1"/>
-                </a:solidFill>
-              </a:rPr>
-              <a:t>看示例代码</a:t>
-            </a:r>
           </a:p>
         </p:txBody>
       </p:sp>

--- a/ppt/12.抽象类和接口.pptx
+++ b/ppt/12.抽象类和接口.pptx
@@ -5,7 +5,7 @@
     <p:sldMasterId id="2147483648" r:id="rId1"/>
   </p:sldMasterIdLst>
   <p:notesMasterIdLst>
-    <p:notesMasterId r:id="rId39"/>
+    <p:notesMasterId r:id="rId40"/>
   </p:notesMasterIdLst>
   <p:sldIdLst>
     <p:sldId id="258" r:id="rId2"/>
@@ -39,12 +39,13 @@
     <p:sldId id="402" r:id="rId30"/>
     <p:sldId id="403" r:id="rId31"/>
     <p:sldId id="407" r:id="rId32"/>
-    <p:sldId id="386" r:id="rId33"/>
-    <p:sldId id="388" r:id="rId34"/>
-    <p:sldId id="404" r:id="rId35"/>
-    <p:sldId id="406" r:id="rId36"/>
-    <p:sldId id="408" r:id="rId37"/>
-    <p:sldId id="409" r:id="rId38"/>
+    <p:sldId id="410" r:id="rId33"/>
+    <p:sldId id="386" r:id="rId34"/>
+    <p:sldId id="388" r:id="rId35"/>
+    <p:sldId id="404" r:id="rId36"/>
+    <p:sldId id="406" r:id="rId37"/>
+    <p:sldId id="408" r:id="rId38"/>
+    <p:sldId id="409" r:id="rId39"/>
   </p:sldIdLst>
   <p:sldSz cx="12192000" cy="6858000"/>
   <p:notesSz cx="6858000" cy="9144000"/>
@@ -183,6 +184,7 @@
             <p14:sldId id="402"/>
             <p14:sldId id="403"/>
             <p14:sldId id="407"/>
+            <p14:sldId id="410"/>
             <p14:sldId id="386"/>
             <p14:sldId id="388"/>
             <p14:sldId id="404"/>
@@ -282,7 +284,7 @@
           <a:p>
             <a:fld id="{66C3546E-20F6-7649-A9A4-4E4A245D3E82}" type="datetimeFigureOut">
               <a:rPr kumimoji="1" lang="zh-CN" altLang="en-US" smtClean="0"/>
-              <a:t>2020/4/2</a:t>
+              <a:t>2020/4/13</a:t>
             </a:fld>
             <a:endParaRPr kumimoji="1" lang="zh-CN" altLang="en-US"/>
           </a:p>
@@ -2776,7 +2778,7 @@
     </p:spTree>
     <p:extLst>
       <p:ext uri="{BB962C8B-B14F-4D97-AF65-F5344CB8AC3E}">
-        <p14:creationId xmlns:p14="http://schemas.microsoft.com/office/powerpoint/2010/main" val="3465643749"/>
+        <p14:creationId xmlns:p14="http://schemas.microsoft.com/office/powerpoint/2010/main" val="3863348186"/>
       </p:ext>
     </p:extLst>
   </p:cSld>
@@ -2860,7 +2862,7 @@
     </p:spTree>
     <p:extLst>
       <p:ext uri="{BB962C8B-B14F-4D97-AF65-F5344CB8AC3E}">
-        <p14:creationId xmlns:p14="http://schemas.microsoft.com/office/powerpoint/2010/main" val="1349511160"/>
+        <p14:creationId xmlns:p14="http://schemas.microsoft.com/office/powerpoint/2010/main" val="3465643749"/>
       </p:ext>
     </p:extLst>
   </p:cSld>
@@ -2944,7 +2946,7 @@
     </p:spTree>
     <p:extLst>
       <p:ext uri="{BB962C8B-B14F-4D97-AF65-F5344CB8AC3E}">
-        <p14:creationId xmlns:p14="http://schemas.microsoft.com/office/powerpoint/2010/main" val="3282952626"/>
+        <p14:creationId xmlns:p14="http://schemas.microsoft.com/office/powerpoint/2010/main" val="1349511160"/>
       </p:ext>
     </p:extLst>
   </p:cSld>
@@ -3028,7 +3030,7 @@
     </p:spTree>
     <p:extLst>
       <p:ext uri="{BB962C8B-B14F-4D97-AF65-F5344CB8AC3E}">
-        <p14:creationId xmlns:p14="http://schemas.microsoft.com/office/powerpoint/2010/main" val="1043890212"/>
+        <p14:creationId xmlns:p14="http://schemas.microsoft.com/office/powerpoint/2010/main" val="3282952626"/>
       </p:ext>
     </p:extLst>
   </p:cSld>
@@ -3112,7 +3114,7 @@
     </p:spTree>
     <p:extLst>
       <p:ext uri="{BB962C8B-B14F-4D97-AF65-F5344CB8AC3E}">
-        <p14:creationId xmlns:p14="http://schemas.microsoft.com/office/powerpoint/2010/main" val="2541675217"/>
+        <p14:creationId xmlns:p14="http://schemas.microsoft.com/office/powerpoint/2010/main" val="1043890212"/>
       </p:ext>
     </p:extLst>
   </p:cSld>
@@ -3188,6 +3190,90 @@
             <a:fld id="{0F8E57A1-C481-6944-857F-EAC8E932B5ED}" type="slidenum">
               <a:rPr kumimoji="1" lang="zh-CN" altLang="en-US" smtClean="0"/>
               <a:t>37</a:t>
+            </a:fld>
+            <a:endParaRPr kumimoji="1" lang="zh-CN" altLang="en-US"/>
+          </a:p>
+        </p:txBody>
+      </p:sp>
+    </p:spTree>
+    <p:extLst>
+      <p:ext uri="{BB962C8B-B14F-4D97-AF65-F5344CB8AC3E}">
+        <p14:creationId xmlns:p14="http://schemas.microsoft.com/office/powerpoint/2010/main" val="2541675217"/>
+      </p:ext>
+    </p:extLst>
+  </p:cSld>
+  <p:clrMapOvr>
+    <a:masterClrMapping/>
+  </p:clrMapOvr>
+</p:notes>
+</file>
+
+<file path=ppt/notesSlides/notesSlide37.xml><?xml version="1.0" encoding="utf-8"?>
+<p:notes xmlns:a="http://schemas.openxmlformats.org/drawingml/2006/main" xmlns:r="http://schemas.openxmlformats.org/officeDocument/2006/relationships" xmlns:p="http://schemas.openxmlformats.org/presentationml/2006/main">
+  <p:cSld>
+    <p:spTree>
+      <p:nvGrpSpPr>
+        <p:cNvPr id="1" name=""/>
+        <p:cNvGrpSpPr/>
+        <p:nvPr/>
+      </p:nvGrpSpPr>
+      <p:grpSpPr>
+        <a:xfrm>
+          <a:off x="0" y="0"/>
+          <a:ext cx="0" cy="0"/>
+          <a:chOff x="0" y="0"/>
+          <a:chExt cx="0" cy="0"/>
+        </a:xfrm>
+      </p:grpSpPr>
+      <p:sp>
+        <p:nvSpPr>
+          <p:cNvPr id="2" name="幻灯片图像占位符 1"/>
+          <p:cNvSpPr>
+            <a:spLocks noGrp="1" noRot="1" noChangeAspect="1"/>
+          </p:cNvSpPr>
+          <p:nvPr>
+            <p:ph type="sldImg"/>
+          </p:nvPr>
+        </p:nvSpPr>
+        <p:spPr/>
+      </p:sp>
+      <p:sp>
+        <p:nvSpPr>
+          <p:cNvPr id="3" name="备注占位符 2"/>
+          <p:cNvSpPr>
+            <a:spLocks noGrp="1"/>
+          </p:cNvSpPr>
+          <p:nvPr>
+            <p:ph type="body" idx="1"/>
+          </p:nvPr>
+        </p:nvSpPr>
+        <p:spPr/>
+        <p:txBody>
+          <a:bodyPr/>
+          <a:lstStyle/>
+          <a:p>
+            <a:endParaRPr kumimoji="1" lang="zh-CN" altLang="en-US" dirty="0"/>
+          </a:p>
+        </p:txBody>
+      </p:sp>
+      <p:sp>
+        <p:nvSpPr>
+          <p:cNvPr id="4" name="灯片编号占位符 3"/>
+          <p:cNvSpPr>
+            <a:spLocks noGrp="1"/>
+          </p:cNvSpPr>
+          <p:nvPr>
+            <p:ph type="sldNum" sz="quarter" idx="5"/>
+          </p:nvPr>
+        </p:nvSpPr>
+        <p:spPr/>
+        <p:txBody>
+          <a:bodyPr/>
+          <a:lstStyle/>
+          <a:p>
+            <a:fld id="{0F8E57A1-C481-6944-857F-EAC8E932B5ED}" type="slidenum">
+              <a:rPr kumimoji="1" lang="zh-CN" altLang="en-US" smtClean="0"/>
+              <a:t>38</a:t>
             </a:fld>
             <a:endParaRPr kumimoji="1" lang="zh-CN" altLang="en-US"/>
           </a:p>
@@ -3903,7 +3989,7 @@
           <a:p>
             <a:fld id="{1C49BB65-7B3F-4D4E-A397-BBFD82890A5A}" type="datetimeFigureOut">
               <a:rPr kumimoji="1" lang="zh-CN" altLang="en-US" smtClean="0"/>
-              <a:t>2020/4/2</a:t>
+              <a:t>2020/4/13</a:t>
             </a:fld>
             <a:endParaRPr kumimoji="1" lang="zh-CN" altLang="en-US"/>
           </a:p>
@@ -4101,7 +4187,7 @@
           <a:p>
             <a:fld id="{1C49BB65-7B3F-4D4E-A397-BBFD82890A5A}" type="datetimeFigureOut">
               <a:rPr kumimoji="1" lang="zh-CN" altLang="en-US" smtClean="0"/>
-              <a:t>2020/4/2</a:t>
+              <a:t>2020/4/13</a:t>
             </a:fld>
             <a:endParaRPr kumimoji="1" lang="zh-CN" altLang="en-US"/>
           </a:p>
@@ -4309,7 +4395,7 @@
           <a:p>
             <a:fld id="{1C49BB65-7B3F-4D4E-A397-BBFD82890A5A}" type="datetimeFigureOut">
               <a:rPr kumimoji="1" lang="zh-CN" altLang="en-US" smtClean="0"/>
-              <a:t>2020/4/2</a:t>
+              <a:t>2020/4/13</a:t>
             </a:fld>
             <a:endParaRPr kumimoji="1" lang="zh-CN" altLang="en-US"/>
           </a:p>
@@ -4507,7 +4593,7 @@
           <a:p>
             <a:fld id="{1C49BB65-7B3F-4D4E-A397-BBFD82890A5A}" type="datetimeFigureOut">
               <a:rPr kumimoji="1" lang="zh-CN" altLang="en-US" smtClean="0"/>
-              <a:t>2020/4/2</a:t>
+              <a:t>2020/4/13</a:t>
             </a:fld>
             <a:endParaRPr kumimoji="1" lang="zh-CN" altLang="en-US"/>
           </a:p>
@@ -4782,7 +4868,7 @@
           <a:p>
             <a:fld id="{1C49BB65-7B3F-4D4E-A397-BBFD82890A5A}" type="datetimeFigureOut">
               <a:rPr kumimoji="1" lang="zh-CN" altLang="en-US" smtClean="0"/>
-              <a:t>2020/4/2</a:t>
+              <a:t>2020/4/13</a:t>
             </a:fld>
             <a:endParaRPr kumimoji="1" lang="zh-CN" altLang="en-US"/>
           </a:p>
@@ -5047,7 +5133,7 @@
           <a:p>
             <a:fld id="{1C49BB65-7B3F-4D4E-A397-BBFD82890A5A}" type="datetimeFigureOut">
               <a:rPr kumimoji="1" lang="zh-CN" altLang="en-US" smtClean="0"/>
-              <a:t>2020/4/2</a:t>
+              <a:t>2020/4/13</a:t>
             </a:fld>
             <a:endParaRPr kumimoji="1" lang="zh-CN" altLang="en-US"/>
           </a:p>
@@ -5459,7 +5545,7 @@
           <a:p>
             <a:fld id="{1C49BB65-7B3F-4D4E-A397-BBFD82890A5A}" type="datetimeFigureOut">
               <a:rPr kumimoji="1" lang="zh-CN" altLang="en-US" smtClean="0"/>
-              <a:t>2020/4/2</a:t>
+              <a:t>2020/4/13</a:t>
             </a:fld>
             <a:endParaRPr kumimoji="1" lang="zh-CN" altLang="en-US"/>
           </a:p>
@@ -5600,7 +5686,7 @@
           <a:p>
             <a:fld id="{1C49BB65-7B3F-4D4E-A397-BBFD82890A5A}" type="datetimeFigureOut">
               <a:rPr kumimoji="1" lang="zh-CN" altLang="en-US" smtClean="0"/>
-              <a:t>2020/4/2</a:t>
+              <a:t>2020/4/13</a:t>
             </a:fld>
             <a:endParaRPr kumimoji="1" lang="zh-CN" altLang="en-US"/>
           </a:p>
@@ -5970,7 +6056,7 @@
           <a:p>
             <a:fld id="{1C49BB65-7B3F-4D4E-A397-BBFD82890A5A}" type="datetimeFigureOut">
               <a:rPr kumimoji="1" lang="zh-CN" altLang="en-US" smtClean="0"/>
-              <a:t>2020/4/2</a:t>
+              <a:t>2020/4/13</a:t>
             </a:fld>
             <a:endParaRPr kumimoji="1" lang="zh-CN" altLang="en-US"/>
           </a:p>
@@ -6258,7 +6344,7 @@
           <a:p>
             <a:fld id="{1C49BB65-7B3F-4D4E-A397-BBFD82890A5A}" type="datetimeFigureOut">
               <a:rPr kumimoji="1" lang="zh-CN" altLang="en-US" smtClean="0"/>
-              <a:t>2020/4/2</a:t>
+              <a:t>2020/4/13</a:t>
             </a:fld>
             <a:endParaRPr kumimoji="1" lang="zh-CN" altLang="en-US"/>
           </a:p>
@@ -6499,7 +6585,7 @@
           <a:p>
             <a:fld id="{1C49BB65-7B3F-4D4E-A397-BBFD82890A5A}" type="datetimeFigureOut">
               <a:rPr kumimoji="1" lang="zh-CN" altLang="en-US" smtClean="0"/>
-              <a:t>2020/4/2</a:t>
+              <a:t>2020/4/13</a:t>
             </a:fld>
             <a:endParaRPr kumimoji="1" lang="zh-CN" altLang="en-US"/>
           </a:p>
@@ -17206,8 +17292,8 @@
         </p:nvSpPr>
         <p:spPr>
           <a:xfrm>
-            <a:off x="2135952" y="822959"/>
-            <a:ext cx="8741252" cy="830997"/>
+            <a:off x="599348" y="822959"/>
+            <a:ext cx="10277856" cy="830997"/>
           </a:xfrm>
           <a:prstGeom prst="rect">
             <a:avLst/>
@@ -17226,7 +17312,7 @@
                 <a:latin typeface="Microsoft YaHei" panose="020B0503020204020204" pitchFamily="34" charset="-122"/>
                 <a:ea typeface="Microsoft YaHei" panose="020B0503020204020204" pitchFamily="34" charset="-122"/>
               </a:rPr>
-              <a:t>接口，抽象类的区别</a:t>
+              <a:t>扩展：接口作为函数参数</a:t>
             </a:r>
             <a:endParaRPr kumimoji="1" lang="en-US" altLang="zh-CN" sz="4800" dirty="0">
               <a:ea typeface="Microsoft YaHei" panose="020B0503020204020204" pitchFamily="34" charset="-122"/>
@@ -17236,10 +17322,10 @@
       </p:sp>
       <p:sp>
         <p:nvSpPr>
-          <p:cNvPr id="3" name="文本框 2">
+          <p:cNvPr id="4" name="文本框 3">
             <a:extLst>
               <a:ext uri="{FF2B5EF4-FFF2-40B4-BE49-F238E27FC236}">
-                <a16:creationId xmlns:a16="http://schemas.microsoft.com/office/drawing/2014/main" id="{F9F2836E-84E2-5042-9CCF-7E3C3CE5B763}"/>
+                <a16:creationId xmlns:a16="http://schemas.microsoft.com/office/drawing/2014/main" id="{2BB02E27-C848-D44A-8CEF-FC1116E7786B}"/>
               </a:ext>
             </a:extLst>
           </p:cNvPr>
@@ -17248,8 +17334,8 @@
         </p:nvSpPr>
         <p:spPr>
           <a:xfrm>
-            <a:off x="2234963" y="1964353"/>
-            <a:ext cx="8543230" cy="3785652"/>
+            <a:off x="1914144" y="3429000"/>
+            <a:ext cx="8363712" cy="461665"/>
           </a:xfrm>
           <a:prstGeom prst="rect">
             <a:avLst/>
@@ -17263,264 +17349,37 @@
           <a:lstStyle/>
           <a:p>
             <a:r>
-              <a:rPr kumimoji="1" lang="zh-CN" altLang="en-US" sz="2400" b="1" u="sng" dirty="0">
-                <a:latin typeface="Microsoft YaHei" panose="020B0503020204020204" pitchFamily="34" charset="-122"/>
-                <a:ea typeface="Microsoft YaHei" panose="020B0503020204020204" pitchFamily="34" charset="-122"/>
-              </a:rPr>
-              <a:t>设计理念不一样：</a:t>
-            </a:r>
-            <a:endParaRPr kumimoji="1" lang="en-US" altLang="zh-CN" sz="2400" b="1" u="sng" dirty="0">
-              <a:latin typeface="Microsoft YaHei" panose="020B0503020204020204" pitchFamily="34" charset="-122"/>
-              <a:ea typeface="Microsoft YaHei" panose="020B0503020204020204" pitchFamily="34" charset="-122"/>
-            </a:endParaRPr>
-          </a:p>
-          <a:p>
-            <a:pPr marL="800100" lvl="1" indent="-342900">
-              <a:buFont typeface="Arial" panose="020B0604020202020204" pitchFamily="34" charset="0"/>
-              <a:buChar char="•"/>
-            </a:pPr>
-            <a:r>
               <a:rPr kumimoji="1" lang="zh-CN" altLang="en-US" sz="2400" dirty="0">
                 <a:latin typeface="Microsoft YaHei" panose="020B0503020204020204" pitchFamily="34" charset="-122"/>
                 <a:ea typeface="Microsoft YaHei" panose="020B0503020204020204" pitchFamily="34" charset="-122"/>
               </a:rPr>
-              <a:t>接口是对</a:t>
+              <a:t>看示例代码 </a:t>
+            </a:r>
+            <a:r>
+              <a:rPr kumimoji="1" lang="en-US" altLang="zh-CN" sz="2400" dirty="0" err="1">
+                <a:latin typeface="Microsoft YaHei" panose="020B0503020204020204" pitchFamily="34" charset="-122"/>
+                <a:ea typeface="Microsoft YaHei" panose="020B0503020204020204" pitchFamily="34" charset="-122"/>
+              </a:rPr>
+              <a:t>interfaceReferenceExample</a:t>
             </a:r>
             <a:r>
               <a:rPr kumimoji="1" lang="zh-CN" altLang="en-US" sz="2400" dirty="0">
-                <a:solidFill>
-                  <a:schemeClr val="accent2"/>
-                </a:solidFill>
-                <a:latin typeface="Microsoft YaHei" panose="020B0503020204020204" pitchFamily="34" charset="-122"/>
-                <a:ea typeface="Microsoft YaHei" panose="020B0503020204020204" pitchFamily="34" charset="-122"/>
-              </a:rPr>
-              <a:t>动作</a:t>
-            </a:r>
-            <a:r>
-              <a:rPr kumimoji="1" lang="zh-CN" altLang="en-US" sz="2400" dirty="0">
-                <a:latin typeface="Microsoft YaHei" panose="020B0503020204020204" pitchFamily="34" charset="-122"/>
-                <a:ea typeface="Microsoft YaHei" panose="020B0503020204020204" pitchFamily="34" charset="-122"/>
-              </a:rPr>
-              <a:t>的抽象，表示这个对象</a:t>
-            </a:r>
-            <a:r>
-              <a:rPr kumimoji="1" lang="zh-CN" altLang="en-US" sz="2400" dirty="0">
-                <a:solidFill>
-                  <a:schemeClr val="accent2"/>
-                </a:solidFill>
-                <a:latin typeface="Microsoft YaHei" panose="020B0503020204020204" pitchFamily="34" charset="-122"/>
-                <a:ea typeface="Microsoft YaHei" panose="020B0503020204020204" pitchFamily="34" charset="-122"/>
-              </a:rPr>
-              <a:t>能做什么</a:t>
-            </a:r>
-            <a:r>
-              <a:rPr kumimoji="1" lang="en-US" altLang="zh-CN" sz="2400" dirty="0">
-                <a:latin typeface="Microsoft YaHei" panose="020B0503020204020204" pitchFamily="34" charset="-122"/>
-                <a:ea typeface="Microsoft YaHei" panose="020B0503020204020204" pitchFamily="34" charset="-122"/>
-              </a:rPr>
-              <a:t>(</a:t>
-            </a:r>
-            <a:r>
-              <a:rPr kumimoji="1" lang="zh-CN" altLang="en-US" sz="2400" dirty="0">
-                <a:latin typeface="Microsoft YaHei" panose="020B0503020204020204" pitchFamily="34" charset="-122"/>
-                <a:ea typeface="Microsoft YaHei" panose="020B0503020204020204" pitchFamily="34" charset="-122"/>
-              </a:rPr>
-              <a:t>只有方法</a:t>
-            </a:r>
-            <a:r>
-              <a:rPr kumimoji="1" lang="en-US" altLang="zh-CN" sz="2400" dirty="0">
-                <a:latin typeface="Microsoft YaHei" panose="020B0503020204020204" pitchFamily="34" charset="-122"/>
-                <a:ea typeface="Microsoft YaHei" panose="020B0503020204020204" pitchFamily="34" charset="-122"/>
-              </a:rPr>
-              <a:t>)</a:t>
-            </a:r>
-            <a:r>
-              <a:rPr kumimoji="1" lang="zh-CN" altLang="en-US" sz="2400" dirty="0">
-                <a:latin typeface="Microsoft YaHei" panose="020B0503020204020204" pitchFamily="34" charset="-122"/>
-                <a:ea typeface="Microsoft YaHei" panose="020B0503020204020204" pitchFamily="34" charset="-122"/>
-              </a:rPr>
-              <a:t>，主要用来抽象功能；</a:t>
+                <a:latin typeface="Microsoft YaHei" panose="020B0503020204020204" pitchFamily="34" charset="-122"/>
+                <a:ea typeface="Microsoft YaHei" panose="020B0503020204020204" pitchFamily="34" charset="-122"/>
+              </a:rPr>
+              <a:t>（）；</a:t>
             </a:r>
             <a:endParaRPr kumimoji="1" lang="en-US" altLang="zh-CN" sz="2400" dirty="0">
               <a:latin typeface="Microsoft YaHei" panose="020B0503020204020204" pitchFamily="34" charset="-122"/>
               <a:ea typeface="Microsoft YaHei" panose="020B0503020204020204" pitchFamily="34" charset="-122"/>
             </a:endParaRPr>
           </a:p>
-          <a:p>
-            <a:pPr marL="800100" lvl="1" indent="-342900">
-              <a:buFont typeface="Arial" panose="020B0604020202020204" pitchFamily="34" charset="0"/>
-              <a:buChar char="•"/>
-            </a:pPr>
-            <a:r>
-              <a:rPr kumimoji="1" lang="zh-CN" altLang="en-US" sz="2400" dirty="0">
-                <a:latin typeface="Microsoft YaHei" panose="020B0503020204020204" pitchFamily="34" charset="-122"/>
-                <a:ea typeface="Microsoft YaHei" panose="020B0503020204020204" pitchFamily="34" charset="-122"/>
-              </a:rPr>
-              <a:t>抽象类是对</a:t>
-            </a:r>
-            <a:r>
-              <a:rPr kumimoji="1" lang="zh-CN" altLang="en-US" sz="2400" dirty="0">
-                <a:solidFill>
-                  <a:schemeClr val="accent2"/>
-                </a:solidFill>
-                <a:latin typeface="Microsoft YaHei" panose="020B0503020204020204" pitchFamily="34" charset="-122"/>
-                <a:ea typeface="Microsoft YaHei" panose="020B0503020204020204" pitchFamily="34" charset="-122"/>
-              </a:rPr>
-              <a:t>根源</a:t>
-            </a:r>
-            <a:r>
-              <a:rPr kumimoji="1" lang="zh-CN" altLang="en-US" sz="2400" dirty="0">
-                <a:latin typeface="Microsoft YaHei" panose="020B0503020204020204" pitchFamily="34" charset="-122"/>
-                <a:ea typeface="Microsoft YaHei" panose="020B0503020204020204" pitchFamily="34" charset="-122"/>
-              </a:rPr>
-              <a:t>的抽象，表示这个对象</a:t>
-            </a:r>
-            <a:r>
-              <a:rPr kumimoji="1" lang="zh-CN" altLang="en-US" sz="2400" dirty="0">
-                <a:solidFill>
-                  <a:schemeClr val="accent2"/>
-                </a:solidFill>
-                <a:latin typeface="Microsoft YaHei" panose="020B0503020204020204" pitchFamily="34" charset="-122"/>
-                <a:ea typeface="Microsoft YaHei" panose="020B0503020204020204" pitchFamily="34" charset="-122"/>
-              </a:rPr>
-              <a:t>是什么</a:t>
-            </a:r>
-            <a:r>
-              <a:rPr kumimoji="1" lang="en-US" altLang="zh-CN" sz="2400" dirty="0">
-                <a:latin typeface="Microsoft YaHei" panose="020B0503020204020204" pitchFamily="34" charset="-122"/>
-                <a:ea typeface="Microsoft YaHei" panose="020B0503020204020204" pitchFamily="34" charset="-122"/>
-              </a:rPr>
-              <a:t>(</a:t>
-            </a:r>
-            <a:r>
-              <a:rPr kumimoji="1" lang="zh-CN" altLang="en-US" sz="2400" dirty="0">
-                <a:latin typeface="Microsoft YaHei" panose="020B0503020204020204" pitchFamily="34" charset="-122"/>
-                <a:ea typeface="Microsoft YaHei" panose="020B0503020204020204" pitchFamily="34" charset="-122"/>
-              </a:rPr>
-              <a:t>包括属性和方法），主要用来抽象类别；</a:t>
-            </a:r>
-            <a:endParaRPr kumimoji="1" lang="en-US" altLang="zh-CN" sz="2400" dirty="0">
-              <a:latin typeface="Microsoft YaHei" panose="020B0503020204020204" pitchFamily="34" charset="-122"/>
-              <a:ea typeface="Microsoft YaHei" panose="020B0503020204020204" pitchFamily="34" charset="-122"/>
-            </a:endParaRPr>
-          </a:p>
-          <a:p>
-            <a:endParaRPr kumimoji="1" lang="en-US" altLang="zh-CN" sz="2400" b="1" u="sng" dirty="0">
-              <a:latin typeface="Microsoft YaHei" panose="020B0503020204020204" pitchFamily="34" charset="-122"/>
-              <a:ea typeface="Microsoft YaHei" panose="020B0503020204020204" pitchFamily="34" charset="-122"/>
-            </a:endParaRPr>
-          </a:p>
-          <a:p>
-            <a:r>
-              <a:rPr kumimoji="1" lang="zh-CN" altLang="en-US" sz="2400" b="1" u="sng" dirty="0">
-                <a:latin typeface="Microsoft YaHei" panose="020B0503020204020204" pitchFamily="34" charset="-122"/>
-                <a:ea typeface="Microsoft YaHei" panose="020B0503020204020204" pitchFamily="34" charset="-122"/>
-              </a:rPr>
-              <a:t>包含内容不同：</a:t>
-            </a:r>
-            <a:endParaRPr kumimoji="1" lang="en-US" altLang="zh-CN" sz="2400" b="1" u="sng" dirty="0">
-              <a:latin typeface="Microsoft YaHei" panose="020B0503020204020204" pitchFamily="34" charset="-122"/>
-              <a:ea typeface="Microsoft YaHei" panose="020B0503020204020204" pitchFamily="34" charset="-122"/>
-            </a:endParaRPr>
-          </a:p>
-          <a:p>
-            <a:pPr marL="800100" lvl="1" indent="-342900">
-              <a:buFont typeface="Arial" panose="020B0604020202020204" pitchFamily="34" charset="0"/>
-              <a:buChar char="•"/>
-            </a:pPr>
-            <a:r>
-              <a:rPr lang="zh-CN" altLang="en-US" sz="2400" dirty="0">
-                <a:latin typeface="Microsoft YaHei" panose="020B0503020204020204" pitchFamily="34" charset="-122"/>
-                <a:ea typeface="Microsoft YaHei" panose="020B0503020204020204" pitchFamily="34" charset="-122"/>
-              </a:rPr>
-              <a:t>接口只能有</a:t>
-            </a:r>
-            <a:r>
-              <a:rPr lang="zh-CN" altLang="en-US" sz="2400" dirty="0">
-                <a:solidFill>
-                  <a:schemeClr val="accent2"/>
-                </a:solidFill>
-                <a:latin typeface="Microsoft YaHei" panose="020B0503020204020204" pitchFamily="34" charset="-122"/>
-                <a:ea typeface="Microsoft YaHei" panose="020B0503020204020204" pitchFamily="34" charset="-122"/>
-              </a:rPr>
-              <a:t>抽象方法</a:t>
-            </a:r>
-            <a:r>
-              <a:rPr lang="zh-CN" altLang="en-US" sz="2400" dirty="0">
-                <a:latin typeface="Microsoft YaHei" panose="020B0503020204020204" pitchFamily="34" charset="-122"/>
-                <a:ea typeface="Microsoft YaHei" panose="020B0503020204020204" pitchFamily="34" charset="-122"/>
-              </a:rPr>
-              <a:t>和</a:t>
-            </a:r>
-            <a:r>
-              <a:rPr lang="zh-CN" altLang="en-US" sz="2400" dirty="0">
-                <a:solidFill>
-                  <a:schemeClr val="accent2"/>
-                </a:solidFill>
-                <a:latin typeface="Microsoft YaHei" panose="020B0503020204020204" pitchFamily="34" charset="-122"/>
-                <a:ea typeface="Microsoft YaHei" panose="020B0503020204020204" pitchFamily="34" charset="-122"/>
-              </a:rPr>
-              <a:t>不可变常量；</a:t>
-            </a:r>
-            <a:endParaRPr kumimoji="1" lang="en-US" altLang="zh-CN" sz="2400" b="1" u="sng" dirty="0">
-              <a:solidFill>
-                <a:schemeClr val="accent2"/>
-              </a:solidFill>
-              <a:latin typeface="Microsoft YaHei" panose="020B0503020204020204" pitchFamily="34" charset="-122"/>
-              <a:ea typeface="Microsoft YaHei" panose="020B0503020204020204" pitchFamily="34" charset="-122"/>
-            </a:endParaRPr>
-          </a:p>
-          <a:p>
-            <a:pPr marL="800100" lvl="1" indent="-342900">
-              <a:buFont typeface="Arial" panose="020B0604020202020204" pitchFamily="34" charset="0"/>
-              <a:buChar char="•"/>
-            </a:pPr>
-            <a:r>
-              <a:rPr lang="zh-CN" altLang="en-US" sz="2400" dirty="0">
-                <a:latin typeface="Microsoft YaHei" panose="020B0503020204020204" pitchFamily="34" charset="-122"/>
-                <a:ea typeface="Microsoft YaHei" panose="020B0503020204020204" pitchFamily="34" charset="-122"/>
-              </a:rPr>
-              <a:t>抽象类除了抽象方法</a:t>
-            </a:r>
-            <a:r>
-              <a:rPr lang="en-US" altLang="zh-CN" sz="2400" dirty="0">
-                <a:latin typeface="Microsoft YaHei" panose="020B0503020204020204" pitchFamily="34" charset="-122"/>
-                <a:ea typeface="Microsoft YaHei" panose="020B0503020204020204" pitchFamily="34" charset="-122"/>
-              </a:rPr>
-              <a:t>(</a:t>
-            </a:r>
-            <a:r>
-              <a:rPr lang="zh-CN" altLang="en-US" sz="2400" dirty="0">
-                <a:latin typeface="Microsoft YaHei" panose="020B0503020204020204" pitchFamily="34" charset="-122"/>
-                <a:ea typeface="Microsoft YaHei" panose="020B0503020204020204" pitchFamily="34" charset="-122"/>
-              </a:rPr>
-              <a:t>也可以没有</a:t>
-            </a:r>
-            <a:r>
-              <a:rPr lang="en-US" altLang="zh-CN" sz="2400" dirty="0">
-                <a:latin typeface="Microsoft YaHei" panose="020B0503020204020204" pitchFamily="34" charset="-122"/>
-                <a:ea typeface="Microsoft YaHei" panose="020B0503020204020204" pitchFamily="34" charset="-122"/>
-              </a:rPr>
-              <a:t>)</a:t>
-            </a:r>
-            <a:r>
-              <a:rPr lang="zh-CN" altLang="en-US" sz="2400" dirty="0">
-                <a:latin typeface="Microsoft YaHei" panose="020B0503020204020204" pitchFamily="34" charset="-122"/>
-                <a:ea typeface="Microsoft YaHei" panose="020B0503020204020204" pitchFamily="34" charset="-122"/>
-              </a:rPr>
-              <a:t>，还可以有具体的方法和属性。和普通类类似；</a:t>
-            </a:r>
-            <a:endParaRPr lang="en-US" altLang="zh-CN" sz="2400" dirty="0">
-              <a:latin typeface="Microsoft YaHei" panose="020B0503020204020204" pitchFamily="34" charset="-122"/>
-              <a:ea typeface="Microsoft YaHei" panose="020B0503020204020204" pitchFamily="34" charset="-122"/>
-            </a:endParaRPr>
-          </a:p>
         </p:txBody>
       </p:sp>
     </p:spTree>
     <p:extLst>
       <p:ext uri="{BB962C8B-B14F-4D97-AF65-F5344CB8AC3E}">
-        <p14:creationId xmlns:p14="http://schemas.microsoft.com/office/powerpoint/2010/main" val="3855525411"/>
+        <p14:creationId xmlns:p14="http://schemas.microsoft.com/office/powerpoint/2010/main" val="2302781785"/>
       </p:ext>
     </p:extLst>
   </p:cSld>
@@ -17612,8 +17471,8 @@
         </p:nvSpPr>
         <p:spPr>
           <a:xfrm>
-            <a:off x="2333974" y="2421553"/>
-            <a:ext cx="8543230" cy="3416320"/>
+            <a:off x="2234963" y="1964353"/>
+            <a:ext cx="8543230" cy="3785652"/>
           </a:xfrm>
           <a:prstGeom prst="rect">
             <a:avLst/>
@@ -17631,7 +17490,7 @@
                 <a:latin typeface="Microsoft YaHei" panose="020B0503020204020204" pitchFamily="34" charset="-122"/>
                 <a:ea typeface="Microsoft YaHei" panose="020B0503020204020204" pitchFamily="34" charset="-122"/>
               </a:rPr>
-              <a:t>若包含数据，属性不一样，使用范围不同：</a:t>
+              <a:t>设计理念不一样：</a:t>
             </a:r>
             <a:endParaRPr kumimoji="1" lang="en-US" altLang="zh-CN" sz="2400" b="1" u="sng" dirty="0">
               <a:latin typeface="Microsoft YaHei" panose="020B0503020204020204" pitchFamily="34" charset="-122"/>
@@ -17648,7 +17507,7 @@
                 <a:latin typeface="Microsoft YaHei" panose="020B0503020204020204" pitchFamily="34" charset="-122"/>
                 <a:ea typeface="Microsoft YaHei" panose="020B0503020204020204" pitchFamily="34" charset="-122"/>
               </a:rPr>
-              <a:t>接口里定义的数据只能是公共的静态的</a:t>
+              <a:t>接口是对</a:t>
             </a:r>
             <a:r>
               <a:rPr kumimoji="1" lang="zh-CN" altLang="en-US" sz="2400" dirty="0">
@@ -17658,14 +17517,52 @@
                 <a:latin typeface="Microsoft YaHei" panose="020B0503020204020204" pitchFamily="34" charset="-122"/>
                 <a:ea typeface="Microsoft YaHei" panose="020B0503020204020204" pitchFamily="34" charset="-122"/>
               </a:rPr>
-              <a:t>常量</a:t>
+              <a:t>动作</a:t>
             </a:r>
             <a:r>
               <a:rPr kumimoji="1" lang="zh-CN" altLang="en-US" sz="2400" dirty="0">
                 <a:latin typeface="Microsoft YaHei" panose="020B0503020204020204" pitchFamily="34" charset="-122"/>
                 <a:ea typeface="Microsoft YaHei" panose="020B0503020204020204" pitchFamily="34" charset="-122"/>
               </a:rPr>
-              <a:t>，每个实现接口类共有。</a:t>
+              <a:t>的抽象，表示这个对象</a:t>
+            </a:r>
+            <a:r>
+              <a:rPr kumimoji="1" lang="zh-CN" altLang="en-US" sz="2400" dirty="0">
+                <a:solidFill>
+                  <a:schemeClr val="accent2"/>
+                </a:solidFill>
+                <a:latin typeface="Microsoft YaHei" panose="020B0503020204020204" pitchFamily="34" charset="-122"/>
+                <a:ea typeface="Microsoft YaHei" panose="020B0503020204020204" pitchFamily="34" charset="-122"/>
+              </a:rPr>
+              <a:t>能做什么</a:t>
+            </a:r>
+            <a:r>
+              <a:rPr kumimoji="1" lang="en-US" altLang="zh-CN" sz="2400" dirty="0">
+                <a:latin typeface="Microsoft YaHei" panose="020B0503020204020204" pitchFamily="34" charset="-122"/>
+                <a:ea typeface="Microsoft YaHei" panose="020B0503020204020204" pitchFamily="34" charset="-122"/>
+              </a:rPr>
+              <a:t>(</a:t>
+            </a:r>
+            <a:r>
+              <a:rPr kumimoji="1" lang="zh-CN" altLang="en-US" sz="2400" dirty="0">
+                <a:latin typeface="Microsoft YaHei" panose="020B0503020204020204" pitchFamily="34" charset="-122"/>
+                <a:ea typeface="Microsoft YaHei" panose="020B0503020204020204" pitchFamily="34" charset="-122"/>
+              </a:rPr>
+              <a:t>只有方法</a:t>
+            </a:r>
+            <a:r>
+              <a:rPr kumimoji="1" lang="en-US" altLang="zh-CN" sz="2400" dirty="0">
+                <a:latin typeface="Microsoft YaHei" panose="020B0503020204020204" pitchFamily="34" charset="-122"/>
+                <a:ea typeface="Microsoft YaHei" panose="020B0503020204020204" pitchFamily="34" charset="-122"/>
+              </a:rPr>
+              <a:t>)</a:t>
+            </a:r>
+            <a:r>
+              <a:rPr kumimoji="1" lang="zh-CN" altLang="en-US" sz="2400" dirty="0">
+                <a:latin typeface="Microsoft YaHei" panose="020B0503020204020204" pitchFamily="34" charset="-122"/>
+                <a:ea typeface="Microsoft YaHei" panose="020B0503020204020204" pitchFamily="34" charset="-122"/>
+              </a:rPr>
+              <a:t>，主要用来抽象功能；</a:t>
             </a:r>
             <a:endParaRPr kumimoji="1" lang="en-US" altLang="zh-CN" sz="2400" dirty="0">
               <a:latin typeface="Microsoft YaHei" panose="020B0503020204020204" pitchFamily="34" charset="-122"/>
@@ -17682,7 +17579,7 @@
                 <a:latin typeface="Microsoft YaHei" panose="020B0503020204020204" pitchFamily="34" charset="-122"/>
                 <a:ea typeface="Microsoft YaHei" panose="020B0503020204020204" pitchFamily="34" charset="-122"/>
               </a:rPr>
-              <a:t>抽象类中的变量是普通</a:t>
+              <a:t>抽象类是对</a:t>
             </a:r>
             <a:r>
               <a:rPr kumimoji="1" lang="zh-CN" altLang="en-US" sz="2400" dirty="0">
@@ -17692,14 +17589,38 @@
                 <a:latin typeface="Microsoft YaHei" panose="020B0503020204020204" pitchFamily="34" charset="-122"/>
                 <a:ea typeface="Microsoft YaHei" panose="020B0503020204020204" pitchFamily="34" charset="-122"/>
               </a:rPr>
-              <a:t>变量</a:t>
+              <a:t>根源</a:t>
             </a:r>
             <a:r>
               <a:rPr kumimoji="1" lang="zh-CN" altLang="en-US" sz="2400" dirty="0">
                 <a:latin typeface="Microsoft YaHei" panose="020B0503020204020204" pitchFamily="34" charset="-122"/>
                 <a:ea typeface="Microsoft YaHei" panose="020B0503020204020204" pitchFamily="34" charset="-122"/>
               </a:rPr>
-              <a:t>。和普通类的变量一样，是每个实例化的对象各自持有，不是类共有。</a:t>
+              <a:t>的抽象，表示这个对象</a:t>
+            </a:r>
+            <a:r>
+              <a:rPr kumimoji="1" lang="zh-CN" altLang="en-US" sz="2400" dirty="0">
+                <a:solidFill>
+                  <a:schemeClr val="accent2"/>
+                </a:solidFill>
+                <a:latin typeface="Microsoft YaHei" panose="020B0503020204020204" pitchFamily="34" charset="-122"/>
+                <a:ea typeface="Microsoft YaHei" panose="020B0503020204020204" pitchFamily="34" charset="-122"/>
+              </a:rPr>
+              <a:t>是什么</a:t>
+            </a:r>
+            <a:r>
+              <a:rPr kumimoji="1" lang="en-US" altLang="zh-CN" sz="2400" dirty="0">
+                <a:latin typeface="Microsoft YaHei" panose="020B0503020204020204" pitchFamily="34" charset="-122"/>
+                <a:ea typeface="Microsoft YaHei" panose="020B0503020204020204" pitchFamily="34" charset="-122"/>
+              </a:rPr>
+              <a:t>(</a:t>
+            </a:r>
+            <a:r>
+              <a:rPr kumimoji="1" lang="zh-CN" altLang="en-US" sz="2400" dirty="0">
+                <a:latin typeface="Microsoft YaHei" panose="020B0503020204020204" pitchFamily="34" charset="-122"/>
+                <a:ea typeface="Microsoft YaHei" panose="020B0503020204020204" pitchFamily="34" charset="-122"/>
+              </a:rPr>
+              <a:t>包括属性和方法），主要用来抽象类别；</a:t>
             </a:r>
             <a:endParaRPr kumimoji="1" lang="en-US" altLang="zh-CN" sz="2400" dirty="0">
               <a:latin typeface="Microsoft YaHei" panose="020B0503020204020204" pitchFamily="34" charset="-122"/>
@@ -17707,24 +17628,67 @@
             </a:endParaRPr>
           </a:p>
           <a:p>
+            <a:endParaRPr kumimoji="1" lang="en-US" altLang="zh-CN" sz="2400" b="1" u="sng" dirty="0">
+              <a:latin typeface="Microsoft YaHei" panose="020B0503020204020204" pitchFamily="34" charset="-122"/>
+              <a:ea typeface="Microsoft YaHei" panose="020B0503020204020204" pitchFamily="34" charset="-122"/>
+            </a:endParaRPr>
+          </a:p>
+          <a:p>
+            <a:r>
+              <a:rPr kumimoji="1" lang="zh-CN" altLang="en-US" sz="2400" b="1" u="sng" dirty="0">
+                <a:latin typeface="Microsoft YaHei" panose="020B0503020204020204" pitchFamily="34" charset="-122"/>
+                <a:ea typeface="Microsoft YaHei" panose="020B0503020204020204" pitchFamily="34" charset="-122"/>
+              </a:rPr>
+              <a:t>包含内容不同：</a:t>
+            </a:r>
+            <a:endParaRPr kumimoji="1" lang="en-US" altLang="zh-CN" sz="2400" b="1" u="sng" dirty="0">
+              <a:latin typeface="Microsoft YaHei" panose="020B0503020204020204" pitchFamily="34" charset="-122"/>
+              <a:ea typeface="Microsoft YaHei" panose="020B0503020204020204" pitchFamily="34" charset="-122"/>
+            </a:endParaRPr>
+          </a:p>
+          <a:p>
             <a:pPr marL="800100" lvl="1" indent="-342900">
               <a:buFont typeface="Arial" panose="020B0604020202020204" pitchFamily="34" charset="0"/>
               <a:buChar char="•"/>
             </a:pPr>
-            <a:endParaRPr kumimoji="1" lang="en-US" altLang="zh-CN" sz="2400" dirty="0">
-              <a:latin typeface="Microsoft YaHei" panose="020B0503020204020204" pitchFamily="34" charset="-122"/>
-              <a:ea typeface="Microsoft YaHei" panose="020B0503020204020204" pitchFamily="34" charset="-122"/>
-            </a:endParaRPr>
-          </a:p>
-          <a:p>
-            <a:r>
-              <a:rPr kumimoji="1" lang="zh-CN" altLang="en-US" sz="2400" b="1" u="sng" dirty="0">
-                <a:latin typeface="Microsoft YaHei" panose="020B0503020204020204" pitchFamily="34" charset="-122"/>
-                <a:ea typeface="Microsoft YaHei" panose="020B0503020204020204" pitchFamily="34" charset="-122"/>
-              </a:rPr>
-              <a:t>用法不一样：</a:t>
+            <a:r>
+              <a:rPr lang="zh-CN" altLang="en-US" sz="2400" dirty="0">
+                <a:latin typeface="Microsoft YaHei" panose="020B0503020204020204" pitchFamily="34" charset="-122"/>
+                <a:ea typeface="Microsoft YaHei" panose="020B0503020204020204" pitchFamily="34" charset="-122"/>
+              </a:rPr>
+              <a:t>接口只能有</a:t>
+            </a:r>
+            <a:r>
+              <a:rPr lang="zh-CN" altLang="en-US" sz="2400" dirty="0">
+                <a:solidFill>
+                  <a:schemeClr val="accent2"/>
+                </a:solidFill>
+                <a:latin typeface="Microsoft YaHei" panose="020B0503020204020204" pitchFamily="34" charset="-122"/>
+                <a:ea typeface="Microsoft YaHei" panose="020B0503020204020204" pitchFamily="34" charset="-122"/>
+              </a:rPr>
+              <a:t>抽象方法</a:t>
+            </a:r>
+            <a:r>
+              <a:rPr lang="zh-CN" altLang="en-US" sz="2400" dirty="0">
+                <a:latin typeface="Microsoft YaHei" panose="020B0503020204020204" pitchFamily="34" charset="-122"/>
+                <a:ea typeface="Microsoft YaHei" panose="020B0503020204020204" pitchFamily="34" charset="-122"/>
+              </a:rPr>
+              <a:t>和</a:t>
+            </a:r>
+            <a:r>
+              <a:rPr lang="zh-CN" altLang="en-US" sz="2400" dirty="0">
+                <a:solidFill>
+                  <a:schemeClr val="accent2"/>
+                </a:solidFill>
+                <a:latin typeface="Microsoft YaHei" panose="020B0503020204020204" pitchFamily="34" charset="-122"/>
+                <a:ea typeface="Microsoft YaHei" panose="020B0503020204020204" pitchFamily="34" charset="-122"/>
+              </a:rPr>
+              <a:t>不可变常量；</a:t>
             </a:r>
             <a:endParaRPr kumimoji="1" lang="en-US" altLang="zh-CN" sz="2400" b="1" u="sng" dirty="0">
+              <a:solidFill>
+                <a:schemeClr val="accent2"/>
+              </a:solidFill>
               <a:latin typeface="Microsoft YaHei" panose="020B0503020204020204" pitchFamily="34" charset="-122"/>
               <a:ea typeface="Microsoft YaHei" panose="020B0503020204020204" pitchFamily="34" charset="-122"/>
             </a:endParaRPr>
@@ -17735,129 +17699,51 @@
               <a:buChar char="•"/>
             </a:pPr>
             <a:r>
-              <a:rPr kumimoji="1" lang="zh-CN" altLang="en-US" sz="2400" dirty="0">
-                <a:latin typeface="Microsoft YaHei" panose="020B0503020204020204" pitchFamily="34" charset="-122"/>
-                <a:ea typeface="Microsoft YaHei" panose="020B0503020204020204" pitchFamily="34" charset="-122"/>
-              </a:rPr>
-              <a:t>一个类可以</a:t>
-            </a:r>
-            <a:r>
-              <a:rPr kumimoji="1" lang="en-US" altLang="zh-CN" sz="2400" dirty="0">
-                <a:latin typeface="Microsoft YaHei" panose="020B0503020204020204" pitchFamily="34" charset="-122"/>
-                <a:ea typeface="Microsoft YaHei" panose="020B0503020204020204" pitchFamily="34" charset="-122"/>
-              </a:rPr>
-              <a:t>implements</a:t>
-            </a:r>
-            <a:r>
-              <a:rPr kumimoji="1" lang="zh-CN" altLang="en-US" sz="2400" dirty="0">
-                <a:latin typeface="Microsoft YaHei" panose="020B0503020204020204" pitchFamily="34" charset="-122"/>
-                <a:ea typeface="Microsoft YaHei" panose="020B0503020204020204" pitchFamily="34" charset="-122"/>
-              </a:rPr>
-              <a:t> </a:t>
-            </a:r>
-            <a:r>
-              <a:rPr kumimoji="1" lang="zh-CN" altLang="en-US" sz="2400" dirty="0">
-                <a:solidFill>
-                  <a:schemeClr val="accent2"/>
-                </a:solidFill>
-                <a:latin typeface="Microsoft YaHei" panose="020B0503020204020204" pitchFamily="34" charset="-122"/>
-                <a:ea typeface="Microsoft YaHei" panose="020B0503020204020204" pitchFamily="34" charset="-122"/>
-              </a:rPr>
-              <a:t>多个</a:t>
-            </a:r>
-            <a:r>
-              <a:rPr kumimoji="1" lang="zh-CN" altLang="en-US" sz="2400" dirty="0">
-                <a:latin typeface="Microsoft YaHei" panose="020B0503020204020204" pitchFamily="34" charset="-122"/>
-                <a:ea typeface="Microsoft YaHei" panose="020B0503020204020204" pitchFamily="34" charset="-122"/>
-              </a:rPr>
-              <a:t>接口</a:t>
-            </a:r>
-            <a:endParaRPr kumimoji="1" lang="en-US" altLang="zh-CN" sz="2400" dirty="0">
+              <a:rPr lang="zh-CN" altLang="en-US" sz="2400" dirty="0">
+                <a:latin typeface="Microsoft YaHei" panose="020B0503020204020204" pitchFamily="34" charset="-122"/>
+                <a:ea typeface="Microsoft YaHei" panose="020B0503020204020204" pitchFamily="34" charset="-122"/>
+              </a:rPr>
+              <a:t>抽象类除了抽象方法</a:t>
+            </a:r>
+            <a:r>
+              <a:rPr lang="en-US" altLang="zh-CN" sz="2400" dirty="0">
+                <a:latin typeface="Microsoft YaHei" panose="020B0503020204020204" pitchFamily="34" charset="-122"/>
+                <a:ea typeface="Microsoft YaHei" panose="020B0503020204020204" pitchFamily="34" charset="-122"/>
+              </a:rPr>
+              <a:t>(</a:t>
+            </a:r>
+            <a:r>
+              <a:rPr lang="zh-CN" altLang="en-US" sz="2400" dirty="0">
+                <a:latin typeface="Microsoft YaHei" panose="020B0503020204020204" pitchFamily="34" charset="-122"/>
+                <a:ea typeface="Microsoft YaHei" panose="020B0503020204020204" pitchFamily="34" charset="-122"/>
+              </a:rPr>
+              <a:t>也可以没有</a:t>
+            </a:r>
+            <a:r>
+              <a:rPr lang="en-US" altLang="zh-CN" sz="2400" dirty="0">
+                <a:latin typeface="Microsoft YaHei" panose="020B0503020204020204" pitchFamily="34" charset="-122"/>
+                <a:ea typeface="Microsoft YaHei" panose="020B0503020204020204" pitchFamily="34" charset="-122"/>
+              </a:rPr>
+              <a:t>)</a:t>
+            </a:r>
+            <a:r>
+              <a:rPr lang="zh-CN" altLang="en-US" sz="2400" dirty="0">
+                <a:latin typeface="Microsoft YaHei" panose="020B0503020204020204" pitchFamily="34" charset="-122"/>
+                <a:ea typeface="Microsoft YaHei" panose="020B0503020204020204" pitchFamily="34" charset="-122"/>
+              </a:rPr>
+              <a:t>，还可以有具体的方法和属性。和普通类类似；</a:t>
+            </a:r>
+            <a:endParaRPr lang="en-US" altLang="zh-CN" sz="2400" dirty="0">
               <a:latin typeface="Microsoft YaHei" panose="020B0503020204020204" pitchFamily="34" charset="-122"/>
               <a:ea typeface="Microsoft YaHei" panose="020B0503020204020204" pitchFamily="34" charset="-122"/>
             </a:endParaRPr>
           </a:p>
-          <a:p>
-            <a:pPr marL="800100" lvl="1" indent="-342900">
-              <a:buFont typeface="Arial" panose="020B0604020202020204" pitchFamily="34" charset="0"/>
-              <a:buChar char="•"/>
-            </a:pPr>
-            <a:r>
-              <a:rPr kumimoji="1" lang="zh-CN" altLang="en-US" sz="2400" dirty="0">
-                <a:latin typeface="Microsoft YaHei" panose="020B0503020204020204" pitchFamily="34" charset="-122"/>
-                <a:ea typeface="Microsoft YaHei" panose="020B0503020204020204" pitchFamily="34" charset="-122"/>
-              </a:rPr>
-              <a:t>一个类只能</a:t>
-            </a:r>
-            <a:r>
-              <a:rPr kumimoji="1" lang="en-US" altLang="zh-CN" sz="2400" dirty="0">
-                <a:latin typeface="Microsoft YaHei" panose="020B0503020204020204" pitchFamily="34" charset="-122"/>
-                <a:ea typeface="Microsoft YaHei" panose="020B0503020204020204" pitchFamily="34" charset="-122"/>
-              </a:rPr>
-              <a:t>extends</a:t>
-            </a:r>
-            <a:r>
-              <a:rPr kumimoji="1" lang="zh-CN" altLang="en-US" sz="2400" dirty="0">
-                <a:latin typeface="Microsoft YaHei" panose="020B0503020204020204" pitchFamily="34" charset="-122"/>
-                <a:ea typeface="Microsoft YaHei" panose="020B0503020204020204" pitchFamily="34" charset="-122"/>
-              </a:rPr>
-              <a:t> </a:t>
-            </a:r>
-            <a:r>
-              <a:rPr kumimoji="1" lang="en-US" altLang="zh-CN" sz="2400" dirty="0">
-                <a:solidFill>
-                  <a:schemeClr val="accent2"/>
-                </a:solidFill>
-                <a:latin typeface="Microsoft YaHei" panose="020B0503020204020204" pitchFamily="34" charset="-122"/>
-                <a:ea typeface="Microsoft YaHei" panose="020B0503020204020204" pitchFamily="34" charset="-122"/>
-              </a:rPr>
-              <a:t>1</a:t>
-            </a:r>
-            <a:r>
-              <a:rPr kumimoji="1" lang="zh-CN" altLang="en-US" sz="2400" dirty="0">
-                <a:solidFill>
-                  <a:schemeClr val="accent2"/>
-                </a:solidFill>
-                <a:latin typeface="Microsoft YaHei" panose="020B0503020204020204" pitchFamily="34" charset="-122"/>
-                <a:ea typeface="Microsoft YaHei" panose="020B0503020204020204" pitchFamily="34" charset="-122"/>
-              </a:rPr>
-              <a:t>个</a:t>
-            </a:r>
-            <a:r>
-              <a:rPr kumimoji="1" lang="zh-CN" altLang="en-US" sz="2400" dirty="0">
-                <a:latin typeface="Microsoft YaHei" panose="020B0503020204020204" pitchFamily="34" charset="-122"/>
-                <a:ea typeface="Microsoft YaHei" panose="020B0503020204020204" pitchFamily="34" charset="-122"/>
-              </a:rPr>
-              <a:t>类</a:t>
-            </a:r>
-            <a:r>
-              <a:rPr kumimoji="1" lang="en-US" altLang="zh-CN" sz="2400" dirty="0">
-                <a:latin typeface="Microsoft YaHei" panose="020B0503020204020204" pitchFamily="34" charset="-122"/>
-                <a:ea typeface="Microsoft YaHei" panose="020B0503020204020204" pitchFamily="34" charset="-122"/>
-              </a:rPr>
-              <a:t>(</a:t>
-            </a:r>
-            <a:r>
-              <a:rPr kumimoji="1" lang="zh-CN" altLang="en-US" sz="2400" dirty="0">
-                <a:latin typeface="Microsoft YaHei" panose="020B0503020204020204" pitchFamily="34" charset="-122"/>
-                <a:ea typeface="Microsoft YaHei" panose="020B0503020204020204" pitchFamily="34" charset="-122"/>
-              </a:rPr>
-              <a:t>不管是抽象类还是普通类</a:t>
-            </a:r>
-            <a:r>
-              <a:rPr kumimoji="1" lang="en-US" altLang="zh-CN" sz="2400" dirty="0">
-                <a:latin typeface="Microsoft YaHei" panose="020B0503020204020204" pitchFamily="34" charset="-122"/>
-                <a:ea typeface="Microsoft YaHei" panose="020B0503020204020204" pitchFamily="34" charset="-122"/>
-              </a:rPr>
-              <a:t>)</a:t>
-            </a:r>
-          </a:p>
         </p:txBody>
       </p:sp>
     </p:spTree>
     <p:extLst>
       <p:ext uri="{BB962C8B-B14F-4D97-AF65-F5344CB8AC3E}">
-        <p14:creationId xmlns:p14="http://schemas.microsoft.com/office/powerpoint/2010/main" val="2696072173"/>
+        <p14:creationId xmlns:p14="http://schemas.microsoft.com/office/powerpoint/2010/main" val="3855525411"/>
       </p:ext>
     </p:extLst>
   </p:cSld>
@@ -17907,8 +17793,8 @@
         </p:nvSpPr>
         <p:spPr>
           <a:xfrm>
-            <a:off x="928532" y="804672"/>
-            <a:ext cx="10590692" cy="830997"/>
+            <a:off x="2135952" y="822959"/>
+            <a:ext cx="8741252" cy="830997"/>
           </a:xfrm>
           <a:prstGeom prst="rect">
             <a:avLst/>
@@ -17927,7 +17813,7 @@
                 <a:latin typeface="Microsoft YaHei" panose="020B0503020204020204" pitchFamily="34" charset="-122"/>
                 <a:ea typeface="Microsoft YaHei" panose="020B0503020204020204" pitchFamily="34" charset="-122"/>
               </a:rPr>
-              <a:t>如何选择使用普通类，接口或抽象类</a:t>
+              <a:t>接口，抽象类的区别</a:t>
             </a:r>
             <a:endParaRPr kumimoji="1" lang="en-US" altLang="zh-CN" sz="4800" dirty="0">
               <a:ea typeface="Microsoft YaHei" panose="020B0503020204020204" pitchFamily="34" charset="-122"/>
@@ -17937,10 +17823,10 @@
       </p:sp>
       <p:sp>
         <p:nvSpPr>
-          <p:cNvPr id="4" name="文本框 3">
+          <p:cNvPr id="3" name="文本框 2">
             <a:extLst>
               <a:ext uri="{FF2B5EF4-FFF2-40B4-BE49-F238E27FC236}">
-                <a16:creationId xmlns:a16="http://schemas.microsoft.com/office/drawing/2014/main" id="{F406AE9C-CD2E-654C-823A-C4227D48DE96}"/>
+                <a16:creationId xmlns:a16="http://schemas.microsoft.com/office/drawing/2014/main" id="{F9F2836E-84E2-5042-9CCF-7E3C3CE5B763}"/>
               </a:ext>
             </a:extLst>
           </p:cNvPr>
@@ -17949,8 +17835,8 @@
         </p:nvSpPr>
         <p:spPr>
           <a:xfrm>
-            <a:off x="1956816" y="2359152"/>
-            <a:ext cx="9948672" cy="3416320"/>
+            <a:off x="2333974" y="2421553"/>
+            <a:ext cx="8543230" cy="3416320"/>
           </a:xfrm>
           <a:prstGeom prst="rect">
             <a:avLst/>
@@ -17963,16 +17849,46 @@
           </a:bodyPr>
           <a:lstStyle/>
           <a:p>
-            <a:pPr marL="342900" indent="-342900">
-              <a:buFont typeface="+mj-lt"/>
-              <a:buAutoNum type="arabicPeriod"/>
+            <a:r>
+              <a:rPr kumimoji="1" lang="zh-CN" altLang="en-US" sz="2400" b="1" u="sng" dirty="0">
+                <a:latin typeface="Microsoft YaHei" panose="020B0503020204020204" pitchFamily="34" charset="-122"/>
+                <a:ea typeface="Microsoft YaHei" panose="020B0503020204020204" pitchFamily="34" charset="-122"/>
+              </a:rPr>
+              <a:t>若包含数据，属性不一样，使用范围不同：</a:t>
+            </a:r>
+            <a:endParaRPr kumimoji="1" lang="en-US" altLang="zh-CN" sz="2400" b="1" u="sng" dirty="0">
+              <a:latin typeface="Microsoft YaHei" panose="020B0503020204020204" pitchFamily="34" charset="-122"/>
+              <a:ea typeface="Microsoft YaHei" panose="020B0503020204020204" pitchFamily="34" charset="-122"/>
+            </a:endParaRPr>
+          </a:p>
+          <a:p>
+            <a:pPr marL="800100" lvl="1" indent="-342900">
+              <a:buFont typeface="Arial" panose="020B0604020202020204" pitchFamily="34" charset="0"/>
+              <a:buChar char="•"/>
             </a:pPr>
             <a:r>
               <a:rPr kumimoji="1" lang="zh-CN" altLang="en-US" sz="2400" dirty="0">
                 <a:latin typeface="Microsoft YaHei" panose="020B0503020204020204" pitchFamily="34" charset="-122"/>
                 <a:ea typeface="Microsoft YaHei" panose="020B0503020204020204" pitchFamily="34" charset="-122"/>
               </a:rPr>
-              <a:t>如果是普通父子关系，就用普通类</a:t>
+              <a:t>接口里定义的数据只能是公共的静态的</a:t>
+            </a:r>
+            <a:r>
+              <a:rPr kumimoji="1" lang="zh-CN" altLang="en-US" sz="2400" dirty="0">
+                <a:solidFill>
+                  <a:schemeClr val="accent2"/>
+                </a:solidFill>
+                <a:latin typeface="Microsoft YaHei" panose="020B0503020204020204" pitchFamily="34" charset="-122"/>
+                <a:ea typeface="Microsoft YaHei" panose="020B0503020204020204" pitchFamily="34" charset="-122"/>
+              </a:rPr>
+              <a:t>常量</a:t>
+            </a:r>
+            <a:r>
+              <a:rPr kumimoji="1" lang="zh-CN" altLang="en-US" sz="2400" dirty="0">
+                <a:latin typeface="Microsoft YaHei" panose="020B0503020204020204" pitchFamily="34" charset="-122"/>
+                <a:ea typeface="Microsoft YaHei" panose="020B0503020204020204" pitchFamily="34" charset="-122"/>
+              </a:rPr>
+              <a:t>，每个实现接口类共有。</a:t>
             </a:r>
             <a:endParaRPr kumimoji="1" lang="en-US" altLang="zh-CN" sz="2400" dirty="0">
               <a:latin typeface="Microsoft YaHei" panose="020B0503020204020204" pitchFamily="34" charset="-122"/>
@@ -17980,44 +17896,33 @@
             </a:endParaRPr>
           </a:p>
           <a:p>
-            <a:pPr marL="342900" indent="-342900">
-              <a:buFont typeface="+mj-lt"/>
-              <a:buAutoNum type="arabicPeriod"/>
+            <a:pPr marL="800100" lvl="1" indent="-342900">
+              <a:buFont typeface="Arial" panose="020B0604020202020204" pitchFamily="34" charset="0"/>
+              <a:buChar char="•"/>
             </a:pPr>
             <a:r>
               <a:rPr kumimoji="1" lang="zh-CN" altLang="en-US" sz="2400" dirty="0">
                 <a:latin typeface="Microsoft YaHei" panose="020B0503020204020204" pitchFamily="34" charset="-122"/>
                 <a:ea typeface="Microsoft YaHei" panose="020B0503020204020204" pitchFamily="34" charset="-122"/>
               </a:rPr>
-              <a:t>如果你想强制子类去实现一个方法，但彼此还是形成了“</a:t>
-            </a:r>
-            <a:r>
-              <a:rPr kumimoji="1" lang="en-US" altLang="zh-CN" sz="2400" dirty="0">
-                <a:latin typeface="Microsoft YaHei" panose="020B0503020204020204" pitchFamily="34" charset="-122"/>
-                <a:ea typeface="Microsoft YaHei" panose="020B0503020204020204" pitchFamily="34" charset="-122"/>
-              </a:rPr>
-              <a:t>is</a:t>
+              <a:t>抽象类中的变量是普通</a:t>
             </a:r>
             <a:r>
               <a:rPr kumimoji="1" lang="zh-CN" altLang="en-US" sz="2400" dirty="0">
-                <a:latin typeface="Microsoft YaHei" panose="020B0503020204020204" pitchFamily="34" charset="-122"/>
-                <a:ea typeface="Microsoft YaHei" panose="020B0503020204020204" pitchFamily="34" charset="-122"/>
-              </a:rPr>
-              <a:t> </a:t>
-            </a:r>
-            <a:r>
-              <a:rPr kumimoji="1" lang="en-US" altLang="zh-CN" sz="2400" dirty="0">
-                <a:latin typeface="Microsoft YaHei" panose="020B0503020204020204" pitchFamily="34" charset="-122"/>
-                <a:ea typeface="Microsoft YaHei" panose="020B0503020204020204" pitchFamily="34" charset="-122"/>
-              </a:rPr>
-              <a:t>a</a:t>
+                <a:solidFill>
+                  <a:schemeClr val="accent2"/>
+                </a:solidFill>
+                <a:latin typeface="Microsoft YaHei" panose="020B0503020204020204" pitchFamily="34" charset="-122"/>
+                <a:ea typeface="Microsoft YaHei" panose="020B0503020204020204" pitchFamily="34" charset="-122"/>
+              </a:rPr>
+              <a:t>变量</a:t>
             </a:r>
             <a:r>
               <a:rPr kumimoji="1" lang="zh-CN" altLang="en-US" sz="2400" dirty="0">
                 <a:latin typeface="Microsoft YaHei" panose="020B0503020204020204" pitchFamily="34" charset="-122"/>
                 <a:ea typeface="Microsoft YaHei" panose="020B0503020204020204" pitchFamily="34" charset="-122"/>
               </a:rPr>
-              <a:t>”的父子关系，那就用抽象类</a:t>
+              <a:t>。和普通类的变量一样，是每个实例化的对象各自持有，不是类共有。</a:t>
             </a:r>
             <a:endParaRPr kumimoji="1" lang="en-US" altLang="zh-CN" sz="2400" dirty="0">
               <a:latin typeface="Microsoft YaHei" panose="020B0503020204020204" pitchFamily="34" charset="-122"/>
@@ -18025,32 +17930,9 @@
             </a:endParaRPr>
           </a:p>
           <a:p>
-            <a:pPr marL="342900" indent="-342900">
-              <a:buFont typeface="+mj-lt"/>
-              <a:buAutoNum type="arabicPeriod"/>
-            </a:pPr>
-            <a:r>
-              <a:rPr kumimoji="1" lang="zh-CN" altLang="en-US" sz="2400" dirty="0">
-                <a:latin typeface="Microsoft YaHei" panose="020B0503020204020204" pitchFamily="34" charset="-122"/>
-                <a:ea typeface="Microsoft YaHei" panose="020B0503020204020204" pitchFamily="34" charset="-122"/>
-              </a:rPr>
-              <a:t>如果你只想一个类实现一些抽取出来的方法，而不需要继承属性，那就用抽象类。</a:t>
-            </a:r>
-            <a:endParaRPr kumimoji="1" lang="en-US" altLang="zh-CN" sz="2400" dirty="0">
-              <a:latin typeface="Microsoft YaHei" panose="020B0503020204020204" pitchFamily="34" charset="-122"/>
-              <a:ea typeface="Microsoft YaHei" panose="020B0503020204020204" pitchFamily="34" charset="-122"/>
-            </a:endParaRPr>
-          </a:p>
-          <a:p>
-            <a:endParaRPr kumimoji="1" lang="en-US" altLang="zh-CN" sz="2400" dirty="0">
-              <a:latin typeface="Microsoft YaHei" panose="020B0503020204020204" pitchFamily="34" charset="-122"/>
-              <a:ea typeface="Microsoft YaHei" panose="020B0503020204020204" pitchFamily="34" charset="-122"/>
-            </a:endParaRPr>
-          </a:p>
-          <a:p>
-            <a:pPr marL="342900" indent="-342900">
-              <a:buFont typeface="+mj-lt"/>
-              <a:buAutoNum type="arabicPeriod"/>
+            <a:pPr marL="800100" lvl="1" indent="-342900">
+              <a:buFont typeface="Arial" panose="020B0604020202020204" pitchFamily="34" charset="0"/>
+              <a:buChar char="•"/>
             </a:pPr>
             <a:endParaRPr kumimoji="1" lang="en-US" altLang="zh-CN" sz="2400" dirty="0">
               <a:latin typeface="Microsoft YaHei" panose="020B0503020204020204" pitchFamily="34" charset="-122"/>
@@ -18059,14 +17941,138 @@
           </a:p>
           <a:p>
             <a:r>
+              <a:rPr kumimoji="1" lang="zh-CN" altLang="en-US" sz="2400" b="1" u="sng" dirty="0">
+                <a:latin typeface="Microsoft YaHei" panose="020B0503020204020204" pitchFamily="34" charset="-122"/>
+                <a:ea typeface="Microsoft YaHei" panose="020B0503020204020204" pitchFamily="34" charset="-122"/>
+              </a:rPr>
+              <a:t>用法不一样：</a:t>
+            </a:r>
+            <a:endParaRPr kumimoji="1" lang="en-US" altLang="zh-CN" sz="2400" b="1" u="sng" dirty="0">
+              <a:latin typeface="Microsoft YaHei" panose="020B0503020204020204" pitchFamily="34" charset="-122"/>
+              <a:ea typeface="Microsoft YaHei" panose="020B0503020204020204" pitchFamily="34" charset="-122"/>
+            </a:endParaRPr>
+          </a:p>
+          <a:p>
+            <a:pPr marL="800100" lvl="1" indent="-342900">
+              <a:buFont typeface="Arial" panose="020B0604020202020204" pitchFamily="34" charset="0"/>
+              <a:buChar char="•"/>
+            </a:pPr>
+            <a:r>
               <a:rPr kumimoji="1" lang="zh-CN" altLang="en-US" sz="2400" dirty="0">
+                <a:latin typeface="Microsoft YaHei" panose="020B0503020204020204" pitchFamily="34" charset="-122"/>
+                <a:ea typeface="Microsoft YaHei" panose="020B0503020204020204" pitchFamily="34" charset="-122"/>
+              </a:rPr>
+              <a:t>一个类可以</a:t>
+            </a:r>
+            <a:r>
+              <a:rPr kumimoji="1" lang="en-US" altLang="zh-CN" sz="2400" dirty="0">
+                <a:latin typeface="Microsoft YaHei" panose="020B0503020204020204" pitchFamily="34" charset="-122"/>
+                <a:ea typeface="Microsoft YaHei" panose="020B0503020204020204" pitchFamily="34" charset="-122"/>
+              </a:rPr>
+              <a:t>implements</a:t>
+            </a:r>
+            <a:r>
+              <a:rPr kumimoji="1" lang="zh-CN" altLang="en-US" sz="2400" dirty="0">
+                <a:latin typeface="Microsoft YaHei" panose="020B0503020204020204" pitchFamily="34" charset="-122"/>
+                <a:ea typeface="Microsoft YaHei" panose="020B0503020204020204" pitchFamily="34" charset="-122"/>
+              </a:rPr>
+              <a:t> </a:t>
+            </a:r>
+            <a:r>
+              <a:rPr kumimoji="1" lang="zh-CN" altLang="en-US" sz="2400" dirty="0">
                 <a:solidFill>
                   <a:schemeClr val="accent2"/>
                 </a:solidFill>
                 <a:latin typeface="Microsoft YaHei" panose="020B0503020204020204" pitchFamily="34" charset="-122"/>
                 <a:ea typeface="Microsoft YaHei" panose="020B0503020204020204" pitchFamily="34" charset="-122"/>
               </a:rPr>
-              <a:t>现实中，抽象类用的不多，因为它处于 普通父类和接口之间。后两者用的最多。大家主要把学习焦点放在普通类和接口中即可</a:t>
+              <a:t>多个</a:t>
+            </a:r>
+            <a:r>
+              <a:rPr kumimoji="1" lang="zh-CN" altLang="en-US" sz="2400" dirty="0">
+                <a:latin typeface="Microsoft YaHei" panose="020B0503020204020204" pitchFamily="34" charset="-122"/>
+                <a:ea typeface="Microsoft YaHei" panose="020B0503020204020204" pitchFamily="34" charset="-122"/>
+              </a:rPr>
+              <a:t>接口</a:t>
+            </a:r>
+            <a:endParaRPr kumimoji="1" lang="en-US" altLang="zh-CN" sz="2400" dirty="0">
+              <a:latin typeface="Microsoft YaHei" panose="020B0503020204020204" pitchFamily="34" charset="-122"/>
+              <a:ea typeface="Microsoft YaHei" panose="020B0503020204020204" pitchFamily="34" charset="-122"/>
+            </a:endParaRPr>
+          </a:p>
+          <a:p>
+            <a:pPr marL="800100" lvl="1" indent="-342900">
+              <a:buFont typeface="Arial" panose="020B0604020202020204" pitchFamily="34" charset="0"/>
+              <a:buChar char="•"/>
+            </a:pPr>
+            <a:r>
+              <a:rPr kumimoji="1" lang="zh-CN" altLang="en-US" sz="2400" dirty="0">
+                <a:latin typeface="Microsoft YaHei" panose="020B0503020204020204" pitchFamily="34" charset="-122"/>
+                <a:ea typeface="Microsoft YaHei" panose="020B0503020204020204" pitchFamily="34" charset="-122"/>
+              </a:rPr>
+              <a:t>一个类只能</a:t>
+            </a:r>
+            <a:r>
+              <a:rPr kumimoji="1" lang="en-US" altLang="zh-CN" sz="2400" dirty="0">
+                <a:latin typeface="Microsoft YaHei" panose="020B0503020204020204" pitchFamily="34" charset="-122"/>
+                <a:ea typeface="Microsoft YaHei" panose="020B0503020204020204" pitchFamily="34" charset="-122"/>
+              </a:rPr>
+              <a:t>extends</a:t>
+            </a:r>
+            <a:r>
+              <a:rPr kumimoji="1" lang="zh-CN" altLang="en-US" sz="2400" dirty="0">
+                <a:latin typeface="Microsoft YaHei" panose="020B0503020204020204" pitchFamily="34" charset="-122"/>
+                <a:ea typeface="Microsoft YaHei" panose="020B0503020204020204" pitchFamily="34" charset="-122"/>
+              </a:rPr>
+              <a:t> </a:t>
+            </a:r>
+            <a:r>
+              <a:rPr kumimoji="1" lang="en-US" altLang="zh-CN" sz="2400" dirty="0">
+                <a:solidFill>
+                  <a:schemeClr val="accent2"/>
+                </a:solidFill>
+                <a:latin typeface="Microsoft YaHei" panose="020B0503020204020204" pitchFamily="34" charset="-122"/>
+                <a:ea typeface="Microsoft YaHei" panose="020B0503020204020204" pitchFamily="34" charset="-122"/>
+              </a:rPr>
+              <a:t>1</a:t>
+            </a:r>
+            <a:r>
+              <a:rPr kumimoji="1" lang="zh-CN" altLang="en-US" sz="2400" dirty="0">
+                <a:solidFill>
+                  <a:schemeClr val="accent2"/>
+                </a:solidFill>
+                <a:latin typeface="Microsoft YaHei" panose="020B0503020204020204" pitchFamily="34" charset="-122"/>
+                <a:ea typeface="Microsoft YaHei" panose="020B0503020204020204" pitchFamily="34" charset="-122"/>
+              </a:rPr>
+              <a:t>个</a:t>
+            </a:r>
+            <a:r>
+              <a:rPr kumimoji="1" lang="zh-CN" altLang="en-US" sz="2400" dirty="0">
+                <a:latin typeface="Microsoft YaHei" panose="020B0503020204020204" pitchFamily="34" charset="-122"/>
+                <a:ea typeface="Microsoft YaHei" panose="020B0503020204020204" pitchFamily="34" charset="-122"/>
+              </a:rPr>
+              <a:t>类</a:t>
+            </a:r>
+            <a:r>
+              <a:rPr kumimoji="1" lang="en-US" altLang="zh-CN" sz="2400" dirty="0">
+                <a:latin typeface="Microsoft YaHei" panose="020B0503020204020204" pitchFamily="34" charset="-122"/>
+                <a:ea typeface="Microsoft YaHei" panose="020B0503020204020204" pitchFamily="34" charset="-122"/>
+              </a:rPr>
+              <a:t>(</a:t>
+            </a:r>
+            <a:r>
+              <a:rPr kumimoji="1" lang="zh-CN" altLang="en-US" sz="2400" dirty="0">
+                <a:latin typeface="Microsoft YaHei" panose="020B0503020204020204" pitchFamily="34" charset="-122"/>
+                <a:ea typeface="Microsoft YaHei" panose="020B0503020204020204" pitchFamily="34" charset="-122"/>
+              </a:rPr>
+              <a:t>不管是抽象类还是普通类</a:t>
+            </a:r>
+            <a:r>
+              <a:rPr kumimoji="1" lang="en-US" altLang="zh-CN" sz="2400" dirty="0">
+                <a:latin typeface="Microsoft YaHei" panose="020B0503020204020204" pitchFamily="34" charset="-122"/>
+                <a:ea typeface="Microsoft YaHei" panose="020B0503020204020204" pitchFamily="34" charset="-122"/>
+              </a:rPr>
+              <a:t>)</a:t>
             </a:r>
           </a:p>
         </p:txBody>
@@ -18074,7 +18080,7 @@
     </p:spTree>
     <p:extLst>
       <p:ext uri="{BB962C8B-B14F-4D97-AF65-F5344CB8AC3E}">
-        <p14:creationId xmlns:p14="http://schemas.microsoft.com/office/powerpoint/2010/main" val="72648424"/>
+        <p14:creationId xmlns:p14="http://schemas.microsoft.com/office/powerpoint/2010/main" val="2696072173"/>
       </p:ext>
     </p:extLst>
   </p:cSld>
@@ -18124,8 +18130,8 @@
         </p:nvSpPr>
         <p:spPr>
           <a:xfrm>
-            <a:off x="2135952" y="822959"/>
-            <a:ext cx="8741252" cy="830997"/>
+            <a:off x="928532" y="804672"/>
+            <a:ext cx="10590692" cy="830997"/>
           </a:xfrm>
           <a:prstGeom prst="rect">
             <a:avLst/>
@@ -18141,9 +18147,10 @@
             <a:pPr algn="ctr"/>
             <a:r>
               <a:rPr kumimoji="1" lang="zh-CN" altLang="en-US" sz="4800" dirty="0">
-                <a:ea typeface="Microsoft YaHei" panose="020B0503020204020204" pitchFamily="34" charset="-122"/>
-              </a:rPr>
-              <a:t>类的设计原则</a:t>
+                <a:latin typeface="Microsoft YaHei" panose="020B0503020204020204" pitchFamily="34" charset="-122"/>
+                <a:ea typeface="Microsoft YaHei" panose="020B0503020204020204" pitchFamily="34" charset="-122"/>
+              </a:rPr>
+              <a:t>如何选择使用普通类，接口或抽象类</a:t>
             </a:r>
             <a:endParaRPr kumimoji="1" lang="en-US" altLang="zh-CN" sz="4800" dirty="0">
               <a:ea typeface="Microsoft YaHei" panose="020B0503020204020204" pitchFamily="34" charset="-122"/>
@@ -18166,7 +18173,7 @@
         <p:spPr>
           <a:xfrm>
             <a:off x="1956816" y="2359152"/>
-            <a:ext cx="9948672" cy="461665"/>
+            <a:ext cx="9948672" cy="3416320"/>
           </a:xfrm>
           <a:prstGeom prst="rect">
             <a:avLst/>
@@ -18179,12 +18186,110 @@
           </a:bodyPr>
           <a:lstStyle/>
           <a:p>
+            <a:pPr marL="342900" indent="-342900">
+              <a:buFont typeface="+mj-lt"/>
+              <a:buAutoNum type="arabicPeriod"/>
+            </a:pPr>
             <a:r>
               <a:rPr kumimoji="1" lang="zh-CN" altLang="en-US" sz="2400" dirty="0">
                 <a:latin typeface="Microsoft YaHei" panose="020B0503020204020204" pitchFamily="34" charset="-122"/>
                 <a:ea typeface="Microsoft YaHei" panose="020B0503020204020204" pitchFamily="34" charset="-122"/>
               </a:rPr>
-              <a:t>结合封装，继承，多态，接口这些概念。按需进行采用选择。</a:t>
+              <a:t>如果是普通父子关系，就用普通类</a:t>
+            </a:r>
+            <a:endParaRPr kumimoji="1" lang="en-US" altLang="zh-CN" sz="2400" dirty="0">
+              <a:latin typeface="Microsoft YaHei" panose="020B0503020204020204" pitchFamily="34" charset="-122"/>
+              <a:ea typeface="Microsoft YaHei" panose="020B0503020204020204" pitchFamily="34" charset="-122"/>
+            </a:endParaRPr>
+          </a:p>
+          <a:p>
+            <a:pPr marL="342900" indent="-342900">
+              <a:buFont typeface="+mj-lt"/>
+              <a:buAutoNum type="arabicPeriod"/>
+            </a:pPr>
+            <a:r>
+              <a:rPr kumimoji="1" lang="zh-CN" altLang="en-US" sz="2400" dirty="0">
+                <a:latin typeface="Microsoft YaHei" panose="020B0503020204020204" pitchFamily="34" charset="-122"/>
+                <a:ea typeface="Microsoft YaHei" panose="020B0503020204020204" pitchFamily="34" charset="-122"/>
+              </a:rPr>
+              <a:t>如果你想强制子类去实现一个方法，但彼此还是形成了“</a:t>
+            </a:r>
+            <a:r>
+              <a:rPr kumimoji="1" lang="en-US" altLang="zh-CN" sz="2400" dirty="0">
+                <a:latin typeface="Microsoft YaHei" panose="020B0503020204020204" pitchFamily="34" charset="-122"/>
+                <a:ea typeface="Microsoft YaHei" panose="020B0503020204020204" pitchFamily="34" charset="-122"/>
+              </a:rPr>
+              <a:t>is</a:t>
+            </a:r>
+            <a:r>
+              <a:rPr kumimoji="1" lang="zh-CN" altLang="en-US" sz="2400" dirty="0">
+                <a:latin typeface="Microsoft YaHei" panose="020B0503020204020204" pitchFamily="34" charset="-122"/>
+                <a:ea typeface="Microsoft YaHei" panose="020B0503020204020204" pitchFamily="34" charset="-122"/>
+              </a:rPr>
+              <a:t> </a:t>
+            </a:r>
+            <a:r>
+              <a:rPr kumimoji="1" lang="en-US" altLang="zh-CN" sz="2400" dirty="0">
+                <a:latin typeface="Microsoft YaHei" panose="020B0503020204020204" pitchFamily="34" charset="-122"/>
+                <a:ea typeface="Microsoft YaHei" panose="020B0503020204020204" pitchFamily="34" charset="-122"/>
+              </a:rPr>
+              <a:t>a</a:t>
+            </a:r>
+            <a:r>
+              <a:rPr kumimoji="1" lang="zh-CN" altLang="en-US" sz="2400" dirty="0">
+                <a:latin typeface="Microsoft YaHei" panose="020B0503020204020204" pitchFamily="34" charset="-122"/>
+                <a:ea typeface="Microsoft YaHei" panose="020B0503020204020204" pitchFamily="34" charset="-122"/>
+              </a:rPr>
+              <a:t>”的父子关系，那就用抽象类</a:t>
+            </a:r>
+            <a:endParaRPr kumimoji="1" lang="en-US" altLang="zh-CN" sz="2400" dirty="0">
+              <a:latin typeface="Microsoft YaHei" panose="020B0503020204020204" pitchFamily="34" charset="-122"/>
+              <a:ea typeface="Microsoft YaHei" panose="020B0503020204020204" pitchFamily="34" charset="-122"/>
+            </a:endParaRPr>
+          </a:p>
+          <a:p>
+            <a:pPr marL="342900" indent="-342900">
+              <a:buFont typeface="+mj-lt"/>
+              <a:buAutoNum type="arabicPeriod"/>
+            </a:pPr>
+            <a:r>
+              <a:rPr kumimoji="1" lang="zh-CN" altLang="en-US" sz="2400" dirty="0">
+                <a:latin typeface="Microsoft YaHei" panose="020B0503020204020204" pitchFamily="34" charset="-122"/>
+                <a:ea typeface="Microsoft YaHei" panose="020B0503020204020204" pitchFamily="34" charset="-122"/>
+              </a:rPr>
+              <a:t>如果你只想一个类实现一些抽取出来的方法，而不需要继承属性，那就用抽象类。</a:t>
+            </a:r>
+            <a:endParaRPr kumimoji="1" lang="en-US" altLang="zh-CN" sz="2400" dirty="0">
+              <a:latin typeface="Microsoft YaHei" panose="020B0503020204020204" pitchFamily="34" charset="-122"/>
+              <a:ea typeface="Microsoft YaHei" panose="020B0503020204020204" pitchFamily="34" charset="-122"/>
+            </a:endParaRPr>
+          </a:p>
+          <a:p>
+            <a:endParaRPr kumimoji="1" lang="en-US" altLang="zh-CN" sz="2400" dirty="0">
+              <a:latin typeface="Microsoft YaHei" panose="020B0503020204020204" pitchFamily="34" charset="-122"/>
+              <a:ea typeface="Microsoft YaHei" panose="020B0503020204020204" pitchFamily="34" charset="-122"/>
+            </a:endParaRPr>
+          </a:p>
+          <a:p>
+            <a:pPr marL="342900" indent="-342900">
+              <a:buFont typeface="+mj-lt"/>
+              <a:buAutoNum type="arabicPeriod"/>
+            </a:pPr>
+            <a:endParaRPr kumimoji="1" lang="en-US" altLang="zh-CN" sz="2400" dirty="0">
+              <a:latin typeface="Microsoft YaHei" panose="020B0503020204020204" pitchFamily="34" charset="-122"/>
+              <a:ea typeface="Microsoft YaHei" panose="020B0503020204020204" pitchFamily="34" charset="-122"/>
+            </a:endParaRPr>
+          </a:p>
+          <a:p>
+            <a:r>
+              <a:rPr kumimoji="1" lang="zh-CN" altLang="en-US" sz="2400" dirty="0">
+                <a:solidFill>
+                  <a:schemeClr val="accent2"/>
+                </a:solidFill>
+                <a:latin typeface="Microsoft YaHei" panose="020B0503020204020204" pitchFamily="34" charset="-122"/>
+                <a:ea typeface="Microsoft YaHei" panose="020B0503020204020204" pitchFamily="34" charset="-122"/>
+              </a:rPr>
+              <a:t>现实中，抽象类用的不多，因为它处于 普通父类和接口之间。后两者用的最多。大家主要把学习焦点放在普通类和接口中即可</a:t>
             </a:r>
           </a:p>
         </p:txBody>
@@ -18192,7 +18297,7 @@
     </p:spTree>
     <p:extLst>
       <p:ext uri="{BB962C8B-B14F-4D97-AF65-F5344CB8AC3E}">
-        <p14:creationId xmlns:p14="http://schemas.microsoft.com/office/powerpoint/2010/main" val="1605679678"/>
+        <p14:creationId xmlns:p14="http://schemas.microsoft.com/office/powerpoint/2010/main" val="72648424"/>
       </p:ext>
     </p:extLst>
   </p:cSld>
@@ -18230,6 +18335,124 @@
       </p:grpSpPr>
       <p:sp>
         <p:nvSpPr>
+          <p:cNvPr id="2" name="文本框 1">
+            <a:extLst>
+              <a:ext uri="{FF2B5EF4-FFF2-40B4-BE49-F238E27FC236}">
+                <a16:creationId xmlns:a16="http://schemas.microsoft.com/office/drawing/2014/main" id="{12AA8BCC-7B15-4842-80C2-48C079429338}"/>
+              </a:ext>
+            </a:extLst>
+          </p:cNvPr>
+          <p:cNvSpPr txBox="1"/>
+          <p:nvPr/>
+        </p:nvSpPr>
+        <p:spPr>
+          <a:xfrm>
+            <a:off x="2135952" y="822959"/>
+            <a:ext cx="8741252" cy="830997"/>
+          </a:xfrm>
+          <a:prstGeom prst="rect">
+            <a:avLst/>
+          </a:prstGeom>
+          <a:noFill/>
+        </p:spPr>
+        <p:txBody>
+          <a:bodyPr wrap="square" rtlCol="0">
+            <a:spAutoFit/>
+          </a:bodyPr>
+          <a:lstStyle/>
+          <a:p>
+            <a:pPr algn="ctr"/>
+            <a:r>
+              <a:rPr kumimoji="1" lang="zh-CN" altLang="en-US" sz="4800" dirty="0">
+                <a:ea typeface="Microsoft YaHei" panose="020B0503020204020204" pitchFamily="34" charset="-122"/>
+              </a:rPr>
+              <a:t>类的设计原则</a:t>
+            </a:r>
+            <a:endParaRPr kumimoji="1" lang="en-US" altLang="zh-CN" sz="4800" dirty="0">
+              <a:ea typeface="Microsoft YaHei" panose="020B0503020204020204" pitchFamily="34" charset="-122"/>
+            </a:endParaRPr>
+          </a:p>
+        </p:txBody>
+      </p:sp>
+      <p:sp>
+        <p:nvSpPr>
+          <p:cNvPr id="4" name="文本框 3">
+            <a:extLst>
+              <a:ext uri="{FF2B5EF4-FFF2-40B4-BE49-F238E27FC236}">
+                <a16:creationId xmlns:a16="http://schemas.microsoft.com/office/drawing/2014/main" id="{F406AE9C-CD2E-654C-823A-C4227D48DE96}"/>
+              </a:ext>
+            </a:extLst>
+          </p:cNvPr>
+          <p:cNvSpPr txBox="1"/>
+          <p:nvPr/>
+        </p:nvSpPr>
+        <p:spPr>
+          <a:xfrm>
+            <a:off x="1956816" y="2359152"/>
+            <a:ext cx="9948672" cy="461665"/>
+          </a:xfrm>
+          <a:prstGeom prst="rect">
+            <a:avLst/>
+          </a:prstGeom>
+          <a:noFill/>
+        </p:spPr>
+        <p:txBody>
+          <a:bodyPr wrap="square" rtlCol="0">
+            <a:spAutoFit/>
+          </a:bodyPr>
+          <a:lstStyle/>
+          <a:p>
+            <a:r>
+              <a:rPr kumimoji="1" lang="zh-CN" altLang="en-US" sz="2400" dirty="0">
+                <a:latin typeface="Microsoft YaHei" panose="020B0503020204020204" pitchFamily="34" charset="-122"/>
+                <a:ea typeface="Microsoft YaHei" panose="020B0503020204020204" pitchFamily="34" charset="-122"/>
+              </a:rPr>
+              <a:t>结合封装，继承，多态，接口这些概念。按需进行采用选择。</a:t>
+            </a:r>
+          </a:p>
+        </p:txBody>
+      </p:sp>
+    </p:spTree>
+    <p:extLst>
+      <p:ext uri="{BB962C8B-B14F-4D97-AF65-F5344CB8AC3E}">
+        <p14:creationId xmlns:p14="http://schemas.microsoft.com/office/powerpoint/2010/main" val="1605679678"/>
+      </p:ext>
+    </p:extLst>
+  </p:cSld>
+  <p:clrMapOvr>
+    <a:masterClrMapping/>
+  </p:clrMapOvr>
+</p:sld>
+</file>
+
+<file path=ppt/slides/slide37.xml><?xml version="1.0" encoding="utf-8"?>
+<p:sld xmlns:a="http://schemas.openxmlformats.org/drawingml/2006/main" xmlns:r="http://schemas.openxmlformats.org/officeDocument/2006/relationships" xmlns:p="http://schemas.openxmlformats.org/presentationml/2006/main">
+  <p:cSld>
+    <p:bg>
+      <p:bgPr>
+        <a:blipFill>
+          <a:blip r:embed="rId3"/>
+          <a:tile tx="0" ty="0" sx="100000" sy="100000" flip="none" algn="tl"/>
+        </a:blipFill>
+        <a:effectLst/>
+      </p:bgPr>
+    </p:bg>
+    <p:spTree>
+      <p:nvGrpSpPr>
+        <p:cNvPr id="1" name=""/>
+        <p:cNvGrpSpPr/>
+        <p:nvPr/>
+      </p:nvGrpSpPr>
+      <p:grpSpPr>
+        <a:xfrm>
+          <a:off x="0" y="0"/>
+          <a:ext cx="0" cy="0"/>
+          <a:chOff x="0" y="0"/>
+          <a:chExt cx="0" cy="0"/>
+        </a:xfrm>
+      </p:grpSpPr>
+      <p:sp>
+        <p:nvSpPr>
           <p:cNvPr id="4" name="文本框 3">
             <a:extLst>
               <a:ext uri="{FF2B5EF4-FFF2-40B4-BE49-F238E27FC236}">
@@ -18283,7 +18506,7 @@
 </p:sld>
 </file>
 
-<file path=ppt/slides/slide37.xml><?xml version="1.0" encoding="utf-8"?>
+<file path=ppt/slides/slide38.xml><?xml version="1.0" encoding="utf-8"?>
 <p:sld xmlns:a="http://schemas.openxmlformats.org/drawingml/2006/main" xmlns:r="http://schemas.openxmlformats.org/officeDocument/2006/relationships" xmlns:p="http://schemas.openxmlformats.org/presentationml/2006/main">
   <p:cSld>
     <p:bg>

--- a/ppt/12.抽象类和接口.pptx
+++ b/ppt/12.抽象类和接口.pptx
@@ -7499,7 +7499,7 @@
                 <a:latin typeface="Microsoft YaHei" panose="020B0503020204020204" pitchFamily="34" charset="-122"/>
                 <a:ea typeface="Microsoft YaHei" panose="020B0503020204020204" pitchFamily="34" charset="-122"/>
               </a:rPr>
-              <a:t>方法，所以是不是抽象</a:t>
+              <a:t>方法，所以是不是抽象和父类是否是抽象类没有直接关系。</a:t>
             </a:r>
             <a:endParaRPr kumimoji="1" lang="en-US" altLang="zh-CN" sz="2400" dirty="0">
               <a:latin typeface="Microsoft YaHei" panose="020B0503020204020204" pitchFamily="34" charset="-122"/>
@@ -7944,31 +7944,6 @@
               </a:rPr>
               <a:t>下列哪些是合法的抽象类？</a:t>
             </a:r>
-            <a:r>
-              <a:rPr kumimoji="1" lang="en-US" altLang="zh-CN" sz="2400" dirty="0">
-                <a:latin typeface="Microsoft YaHei" panose="020B0503020204020204" pitchFamily="34" charset="-122"/>
-                <a:ea typeface="Microsoft YaHei" panose="020B0503020204020204" pitchFamily="34" charset="-122"/>
-              </a:rPr>
-              <a:t>(</a:t>
-            </a:r>
-            <a:r>
-              <a:rPr kumimoji="1" lang="zh-CN" altLang="en-US" sz="2400" dirty="0">
-                <a:latin typeface="Microsoft YaHei" panose="020B0503020204020204" pitchFamily="34" charset="-122"/>
-                <a:ea typeface="Microsoft YaHei" panose="020B0503020204020204" pitchFamily="34" charset="-122"/>
-              </a:rPr>
-              <a:t>多选</a:t>
-            </a:r>
-            <a:r>
-              <a:rPr kumimoji="1" lang="en-US" altLang="zh-CN" sz="2400" dirty="0">
-                <a:latin typeface="Microsoft YaHei" panose="020B0503020204020204" pitchFamily="34" charset="-122"/>
-                <a:ea typeface="Microsoft YaHei" panose="020B0503020204020204" pitchFamily="34" charset="-122"/>
-              </a:rPr>
-              <a:t>)</a:t>
-            </a:r>
-            <a:endParaRPr kumimoji="1" lang="zh-CN" altLang="en-US" sz="2400" dirty="0">
-              <a:latin typeface="Microsoft YaHei" panose="020B0503020204020204" pitchFamily="34" charset="-122"/>
-              <a:ea typeface="Microsoft YaHei" panose="020B0503020204020204" pitchFamily="34" charset="-122"/>
-            </a:endParaRPr>
           </a:p>
         </p:txBody>
       </p:sp>
@@ -8410,7 +8385,7 @@
                 <a:latin typeface="Microsoft YaHei" panose="020B0503020204020204" pitchFamily="34" charset="-122"/>
                 <a:ea typeface="Microsoft YaHei" panose="020B0503020204020204" pitchFamily="34" charset="-122"/>
               </a:rPr>
-              <a:t>常董声明 *</a:t>
+              <a:t>常量声明 *</a:t>
             </a:r>
             <a:r>
               <a:rPr kumimoji="1" lang="en-US" altLang="zh-CN" sz="2400" dirty="0">
@@ -18257,7 +18232,14 @@
                 <a:latin typeface="Microsoft YaHei" panose="020B0503020204020204" pitchFamily="34" charset="-122"/>
                 <a:ea typeface="Microsoft YaHei" panose="020B0503020204020204" pitchFamily="34" charset="-122"/>
               </a:rPr>
-              <a:t>如果你只想一个类实现一些抽取出来的方法，而不需要继承属性，那就用抽象类。</a:t>
+              <a:t>如果你只想一个类实现一些抽取出来的方法，而不需要继承属性，那</a:t>
+            </a:r>
+            <a:r>
+              <a:rPr kumimoji="1" lang="zh-CN" altLang="en-US" sz="2400">
+                <a:latin typeface="Microsoft YaHei" panose="020B0503020204020204" pitchFamily="34" charset="-122"/>
+                <a:ea typeface="Microsoft YaHei" panose="020B0503020204020204" pitchFamily="34" charset="-122"/>
+              </a:rPr>
+              <a:t>就用接口。</a:t>
             </a:r>
             <a:endParaRPr kumimoji="1" lang="en-US" altLang="zh-CN" sz="2400" dirty="0">
               <a:latin typeface="Microsoft YaHei" panose="020B0503020204020204" pitchFamily="34" charset="-122"/>
@@ -18777,7 +18759,7 @@
                 <a:latin typeface="Microsoft YaHei" panose="020B0503020204020204" pitchFamily="34" charset="-122"/>
                 <a:ea typeface="Microsoft YaHei" panose="020B0503020204020204" pitchFamily="34" charset="-122"/>
               </a:rPr>
-              <a:t> void ();</a:t>
+              <a:t> void method();</a:t>
             </a:r>
           </a:p>
           <a:p>
